--- a/JavaLecture/LectureFile/java 15강 입출력.pptx
+++ b/JavaLecture/LectureFile/java 15강 입출력.pptx
@@ -5,7 +5,7 @@
     <p:sldMasterId id="2147483648" r:id="rId1"/>
   </p:sldMasterIdLst>
   <p:notesMasterIdLst>
-    <p:notesMasterId r:id="rId60"/>
+    <p:notesMasterId r:id="rId62"/>
   </p:notesMasterIdLst>
   <p:sldIdLst>
     <p:sldId id="257" r:id="rId2"/>
@@ -64,8 +64,10 @@
     <p:sldId id="1002" r:id="rId55"/>
     <p:sldId id="1003" r:id="rId56"/>
     <p:sldId id="1004" r:id="rId57"/>
-    <p:sldId id="1005" r:id="rId58"/>
-    <p:sldId id="275" r:id="rId59"/>
+    <p:sldId id="1006" r:id="rId58"/>
+    <p:sldId id="1005" r:id="rId59"/>
+    <p:sldId id="1007" r:id="rId60"/>
+    <p:sldId id="275" r:id="rId61"/>
   </p:sldIdLst>
   <p:sldSz cx="18288000" cy="10287000"/>
   <p:notesSz cx="7104063" cy="10234613"/>
@@ -265,7 +267,7 @@
           <a:p>
             <a:fld id="{D79F2C30-10E1-4C46-91DC-BBDB9629E720}" type="datetimeFigureOut">
               <a:rPr lang="ko-KR" altLang="en-US" smtClean="0"/>
-              <a:t>2023-05-13</a:t>
+              <a:t>2023-05-13 Saturday</a:t>
             </a:fld>
             <a:endParaRPr lang="ko-KR" altLang="en-US"/>
           </a:p>
@@ -1573,6 +1575,13 @@
   <p:clrMapOvr>
     <a:masterClrMapping/>
   </p:clrMapOvr>
+  <p:timing>
+    <p:tnLst>
+      <p:par>
+        <p:cTn id="1" dur="indefinite" restart="never" nodeType="tmRoot"/>
+      </p:par>
+    </p:tnLst>
+  </p:timing>
 </p:sldLayout>
 </file>
 
@@ -3490,7 +3499,7 @@
           <p:cNvPr id="7" name="TextBox 6">
             <a:extLst>
               <a:ext uri="{FF2B5EF4-FFF2-40B4-BE49-F238E27FC236}">
-                <a16:creationId xmlns:a16="http://schemas.microsoft.com/office/drawing/2014/main" xmlns="" id="{ED98C3E1-0944-40F4-F276-BC2632E20DB5}"/>
+                <a16:creationId xmlns="" xmlns:a16="http://schemas.microsoft.com/office/drawing/2014/main" id="{ED98C3E1-0944-40F4-F276-BC2632E20DB5}"/>
               </a:ext>
             </a:extLst>
           </p:cNvPr>
@@ -3542,7 +3551,7 @@
           <p:cNvPr id="8" name="TextBox 7">
             <a:extLst>
               <a:ext uri="{FF2B5EF4-FFF2-40B4-BE49-F238E27FC236}">
-                <a16:creationId xmlns:a16="http://schemas.microsoft.com/office/drawing/2014/main" xmlns="" id="{44E2B849-0C40-FD6D-6731-0F029831B26B}"/>
+                <a16:creationId xmlns="" xmlns:a16="http://schemas.microsoft.com/office/drawing/2014/main" id="{44E2B849-0C40-FD6D-6731-0F029831B26B}"/>
               </a:ext>
             </a:extLst>
           </p:cNvPr>
@@ -3605,6 +3614,13 @@
     <p:sldLayoutId id="2147483658" r:id="rId10"/>
     <p:sldLayoutId id="2147483659" r:id="rId11"/>
   </p:sldLayoutIdLst>
+  <p:timing>
+    <p:tnLst>
+      <p:par>
+        <p:cTn id="1" dur="indefinite" restart="never" nodeType="tmRoot"/>
+      </p:par>
+    </p:tnLst>
+  </p:timing>
   <p:txStyles>
     <p:titleStyle>
       <a:lvl1pPr algn="ctr" defTabSz="914400" rtl="0" eaLnBrk="1" latinLnBrk="0" hangingPunct="1">
@@ -4161,7 +4177,7 @@
           <p:cNvPr id="2" name="TextBox 1">
             <a:extLst>
               <a:ext uri="{FF2B5EF4-FFF2-40B4-BE49-F238E27FC236}">
-                <a16:creationId xmlns:a16="http://schemas.microsoft.com/office/drawing/2014/main" xmlns="" id="{E9A453A8-9968-67AB-7B4A-83EEB4662AA6}"/>
+                <a16:creationId xmlns="" xmlns:a16="http://schemas.microsoft.com/office/drawing/2014/main" id="{E9A453A8-9968-67AB-7B4A-83EEB4662AA6}"/>
               </a:ext>
             </a:extLst>
           </p:cNvPr>
@@ -4209,7 +4225,7 @@
           <p:cNvPr id="4" name="TextBox 3">
             <a:extLst>
               <a:ext uri="{FF2B5EF4-FFF2-40B4-BE49-F238E27FC236}">
-                <a16:creationId xmlns:a16="http://schemas.microsoft.com/office/drawing/2014/main" xmlns="" id="{F4B7A35A-8AAC-4622-64BC-CAD1472D4115}"/>
+                <a16:creationId xmlns="" xmlns:a16="http://schemas.microsoft.com/office/drawing/2014/main" id="{F4B7A35A-8AAC-4622-64BC-CAD1472D4115}"/>
               </a:ext>
             </a:extLst>
           </p:cNvPr>
@@ -4281,7 +4297,7 @@
           <p:cNvPr id="7" name="TextBox 6">
             <a:extLst>
               <a:ext uri="{FF2B5EF4-FFF2-40B4-BE49-F238E27FC236}">
-                <a16:creationId xmlns:a16="http://schemas.microsoft.com/office/drawing/2014/main" xmlns="" id="{3ACE900A-D779-4343-6623-8588B376F0A1}"/>
+                <a16:creationId xmlns="" xmlns:a16="http://schemas.microsoft.com/office/drawing/2014/main" id="{3ACE900A-D779-4343-6623-8588B376F0A1}"/>
               </a:ext>
             </a:extLst>
           </p:cNvPr>
@@ -4345,7 +4361,7 @@
           <p:cNvPr id="4" name="TextBox 3">
             <a:extLst>
               <a:ext uri="{FF2B5EF4-FFF2-40B4-BE49-F238E27FC236}">
-                <a16:creationId xmlns:a16="http://schemas.microsoft.com/office/drawing/2014/main" xmlns="" id="{5ADC00B6-990A-40DC-3CEA-505258F5E8DA}"/>
+                <a16:creationId xmlns="" xmlns:a16="http://schemas.microsoft.com/office/drawing/2014/main" id="{5ADC00B6-990A-40DC-3CEA-505258F5E8DA}"/>
               </a:ext>
             </a:extLst>
           </p:cNvPr>
@@ -4413,7 +4429,7 @@
           <p:cNvPr id="7" name="그룹 1018">
             <a:extLst>
               <a:ext uri="{FF2B5EF4-FFF2-40B4-BE49-F238E27FC236}">
-                <a16:creationId xmlns:a16="http://schemas.microsoft.com/office/drawing/2014/main" xmlns="" id="{F53BC57C-78A5-6AFC-CB34-7E3FD29B339F}"/>
+                <a16:creationId xmlns="" xmlns:a16="http://schemas.microsoft.com/office/drawing/2014/main" id="{F53BC57C-78A5-6AFC-CB34-7E3FD29B339F}"/>
               </a:ext>
             </a:extLst>
           </p:cNvPr>
@@ -4433,7 +4449,7 @@
             <p:cNvPr id="8" name="Object 61">
               <a:extLst>
                 <a:ext uri="{FF2B5EF4-FFF2-40B4-BE49-F238E27FC236}">
-                  <a16:creationId xmlns:a16="http://schemas.microsoft.com/office/drawing/2014/main" xmlns="" id="{E6F73685-14E5-06A9-813C-1C372BD6F4DE}"/>
+                  <a16:creationId xmlns="" xmlns:a16="http://schemas.microsoft.com/office/drawing/2014/main" id="{E6F73685-14E5-06A9-813C-1C372BD6F4DE}"/>
                 </a:ext>
               </a:extLst>
             </p:cNvPr>
@@ -4464,7 +4480,7 @@
           <p:cNvPr id="13" name="TextBox 12">
             <a:extLst>
               <a:ext uri="{FF2B5EF4-FFF2-40B4-BE49-F238E27FC236}">
-                <a16:creationId xmlns:a16="http://schemas.microsoft.com/office/drawing/2014/main" xmlns="" id="{A06D4055-10A8-4A24-5EDC-0761473BA40F}"/>
+                <a16:creationId xmlns="" xmlns:a16="http://schemas.microsoft.com/office/drawing/2014/main" id="{A06D4055-10A8-4A24-5EDC-0761473BA40F}"/>
               </a:ext>
             </a:extLst>
           </p:cNvPr>
@@ -4508,7 +4524,7 @@
           <p:cNvPr id="17" name="그룹 1008">
             <a:extLst>
               <a:ext uri="{FF2B5EF4-FFF2-40B4-BE49-F238E27FC236}">
-                <a16:creationId xmlns:a16="http://schemas.microsoft.com/office/drawing/2014/main" xmlns="" id="{E395BDE3-2EDE-065D-70E8-56E348228ACF}"/>
+                <a16:creationId xmlns="" xmlns:a16="http://schemas.microsoft.com/office/drawing/2014/main" id="{E395BDE3-2EDE-065D-70E8-56E348228ACF}"/>
               </a:ext>
             </a:extLst>
           </p:cNvPr>
@@ -4528,7 +4544,7 @@
             <p:cNvPr id="18" name="그룹 1009">
               <a:extLst>
                 <a:ext uri="{FF2B5EF4-FFF2-40B4-BE49-F238E27FC236}">
-                  <a16:creationId xmlns:a16="http://schemas.microsoft.com/office/drawing/2014/main" xmlns="" id="{852F4DEB-DB33-DB3F-9E9F-52A46CD0B10A}"/>
+                  <a16:creationId xmlns="" xmlns:a16="http://schemas.microsoft.com/office/drawing/2014/main" id="{852F4DEB-DB33-DB3F-9E9F-52A46CD0B10A}"/>
                 </a:ext>
               </a:extLst>
             </p:cNvPr>
@@ -4548,7 +4564,7 @@
               <p:cNvPr id="23" name="Object 29">
                 <a:extLst>
                   <a:ext uri="{FF2B5EF4-FFF2-40B4-BE49-F238E27FC236}">
-                    <a16:creationId xmlns:a16="http://schemas.microsoft.com/office/drawing/2014/main" xmlns="" id="{7E353D3B-14D4-8A64-5888-3F0C062C2CDD}"/>
+                    <a16:creationId xmlns="" xmlns:a16="http://schemas.microsoft.com/office/drawing/2014/main" id="{7E353D3B-14D4-8A64-5888-3F0C062C2CDD}"/>
                   </a:ext>
                 </a:extLst>
               </p:cNvPr>
@@ -4579,7 +4595,7 @@
             <p:cNvPr id="19" name="그룹 1010">
               <a:extLst>
                 <a:ext uri="{FF2B5EF4-FFF2-40B4-BE49-F238E27FC236}">
-                  <a16:creationId xmlns:a16="http://schemas.microsoft.com/office/drawing/2014/main" xmlns="" id="{001E38AB-1390-ABD0-BE01-9727136FEAEE}"/>
+                  <a16:creationId xmlns="" xmlns:a16="http://schemas.microsoft.com/office/drawing/2014/main" id="{001E38AB-1390-ABD0-BE01-9727136FEAEE}"/>
                 </a:ext>
               </a:extLst>
             </p:cNvPr>
@@ -4599,7 +4615,7 @@
               <p:cNvPr id="22" name="Object 32">
                 <a:extLst>
                   <a:ext uri="{FF2B5EF4-FFF2-40B4-BE49-F238E27FC236}">
-                    <a16:creationId xmlns:a16="http://schemas.microsoft.com/office/drawing/2014/main" xmlns="" id="{2ED1C30F-0D0B-F86C-8215-2598D332B5A3}"/>
+                    <a16:creationId xmlns="" xmlns:a16="http://schemas.microsoft.com/office/drawing/2014/main" id="{2ED1C30F-0D0B-F86C-8215-2598D332B5A3}"/>
                   </a:ext>
                 </a:extLst>
               </p:cNvPr>
@@ -4630,7 +4646,7 @@
             <p:cNvPr id="20" name="그룹 1011">
               <a:extLst>
                 <a:ext uri="{FF2B5EF4-FFF2-40B4-BE49-F238E27FC236}">
-                  <a16:creationId xmlns:a16="http://schemas.microsoft.com/office/drawing/2014/main" xmlns="" id="{1BCB8DE5-ABAF-4198-BC16-85BB76F2DB24}"/>
+                  <a16:creationId xmlns="" xmlns:a16="http://schemas.microsoft.com/office/drawing/2014/main" id="{1BCB8DE5-ABAF-4198-BC16-85BB76F2DB24}"/>
                 </a:ext>
               </a:extLst>
             </p:cNvPr>
@@ -4650,7 +4666,7 @@
               <p:cNvPr id="21" name="Object 35">
                 <a:extLst>
                   <a:ext uri="{FF2B5EF4-FFF2-40B4-BE49-F238E27FC236}">
-                    <a16:creationId xmlns:a16="http://schemas.microsoft.com/office/drawing/2014/main" xmlns="" id="{86E7BA23-0A1E-B581-CADC-06AB269DB2BD}"/>
+                    <a16:creationId xmlns="" xmlns:a16="http://schemas.microsoft.com/office/drawing/2014/main" id="{86E7BA23-0A1E-B581-CADC-06AB269DB2BD}"/>
                   </a:ext>
                 </a:extLst>
               </p:cNvPr>
@@ -4682,7 +4698,7 @@
           <p:cNvPr id="26" name="그룹 1018">
             <a:extLst>
               <a:ext uri="{FF2B5EF4-FFF2-40B4-BE49-F238E27FC236}">
-                <a16:creationId xmlns:a16="http://schemas.microsoft.com/office/drawing/2014/main" xmlns="" id="{F53BC57C-78A5-6AFC-CB34-7E3FD29B339F}"/>
+                <a16:creationId xmlns="" xmlns:a16="http://schemas.microsoft.com/office/drawing/2014/main" id="{F53BC57C-78A5-6AFC-CB34-7E3FD29B339F}"/>
               </a:ext>
             </a:extLst>
           </p:cNvPr>
@@ -4702,7 +4718,7 @@
             <p:cNvPr id="27" name="Object 61">
               <a:extLst>
                 <a:ext uri="{FF2B5EF4-FFF2-40B4-BE49-F238E27FC236}">
-                  <a16:creationId xmlns:a16="http://schemas.microsoft.com/office/drawing/2014/main" xmlns="" id="{E6F73685-14E5-06A9-813C-1C372BD6F4DE}"/>
+                  <a16:creationId xmlns="" xmlns:a16="http://schemas.microsoft.com/office/drawing/2014/main" id="{E6F73685-14E5-06A9-813C-1C372BD6F4DE}"/>
                 </a:ext>
               </a:extLst>
             </p:cNvPr>
@@ -4733,7 +4749,7 @@
           <p:cNvPr id="32" name="TextBox 31">
             <a:extLst>
               <a:ext uri="{FF2B5EF4-FFF2-40B4-BE49-F238E27FC236}">
-                <a16:creationId xmlns:a16="http://schemas.microsoft.com/office/drawing/2014/main" xmlns="" id="{A06D4055-10A8-4A24-5EDC-0761473BA40F}"/>
+                <a16:creationId xmlns="" xmlns:a16="http://schemas.microsoft.com/office/drawing/2014/main" id="{A06D4055-10A8-4A24-5EDC-0761473BA40F}"/>
               </a:ext>
             </a:extLst>
           </p:cNvPr>
@@ -4777,7 +4793,7 @@
           <p:cNvPr id="36" name="그룹 1008">
             <a:extLst>
               <a:ext uri="{FF2B5EF4-FFF2-40B4-BE49-F238E27FC236}">
-                <a16:creationId xmlns:a16="http://schemas.microsoft.com/office/drawing/2014/main" xmlns="" id="{E395BDE3-2EDE-065D-70E8-56E348228ACF}"/>
+                <a16:creationId xmlns="" xmlns:a16="http://schemas.microsoft.com/office/drawing/2014/main" id="{E395BDE3-2EDE-065D-70E8-56E348228ACF}"/>
               </a:ext>
             </a:extLst>
           </p:cNvPr>
@@ -4797,7 +4813,7 @@
             <p:cNvPr id="37" name="그룹 1009">
               <a:extLst>
                 <a:ext uri="{FF2B5EF4-FFF2-40B4-BE49-F238E27FC236}">
-                  <a16:creationId xmlns:a16="http://schemas.microsoft.com/office/drawing/2014/main" xmlns="" id="{852F4DEB-DB33-DB3F-9E9F-52A46CD0B10A}"/>
+                  <a16:creationId xmlns="" xmlns:a16="http://schemas.microsoft.com/office/drawing/2014/main" id="{852F4DEB-DB33-DB3F-9E9F-52A46CD0B10A}"/>
                 </a:ext>
               </a:extLst>
             </p:cNvPr>
@@ -4817,7 +4833,7 @@
               <p:cNvPr id="42" name="Object 29">
                 <a:extLst>
                   <a:ext uri="{FF2B5EF4-FFF2-40B4-BE49-F238E27FC236}">
-                    <a16:creationId xmlns:a16="http://schemas.microsoft.com/office/drawing/2014/main" xmlns="" id="{7E353D3B-14D4-8A64-5888-3F0C062C2CDD}"/>
+                    <a16:creationId xmlns="" xmlns:a16="http://schemas.microsoft.com/office/drawing/2014/main" id="{7E353D3B-14D4-8A64-5888-3F0C062C2CDD}"/>
                   </a:ext>
                 </a:extLst>
               </p:cNvPr>
@@ -4848,7 +4864,7 @@
             <p:cNvPr id="38" name="그룹 1010">
               <a:extLst>
                 <a:ext uri="{FF2B5EF4-FFF2-40B4-BE49-F238E27FC236}">
-                  <a16:creationId xmlns:a16="http://schemas.microsoft.com/office/drawing/2014/main" xmlns="" id="{001E38AB-1390-ABD0-BE01-9727136FEAEE}"/>
+                  <a16:creationId xmlns="" xmlns:a16="http://schemas.microsoft.com/office/drawing/2014/main" id="{001E38AB-1390-ABD0-BE01-9727136FEAEE}"/>
                 </a:ext>
               </a:extLst>
             </p:cNvPr>
@@ -4868,7 +4884,7 @@
               <p:cNvPr id="41" name="Object 32">
                 <a:extLst>
                   <a:ext uri="{FF2B5EF4-FFF2-40B4-BE49-F238E27FC236}">
-                    <a16:creationId xmlns:a16="http://schemas.microsoft.com/office/drawing/2014/main" xmlns="" id="{2ED1C30F-0D0B-F86C-8215-2598D332B5A3}"/>
+                    <a16:creationId xmlns="" xmlns:a16="http://schemas.microsoft.com/office/drawing/2014/main" id="{2ED1C30F-0D0B-F86C-8215-2598D332B5A3}"/>
                   </a:ext>
                 </a:extLst>
               </p:cNvPr>
@@ -4899,7 +4915,7 @@
             <p:cNvPr id="39" name="그룹 1011">
               <a:extLst>
                 <a:ext uri="{FF2B5EF4-FFF2-40B4-BE49-F238E27FC236}">
-                  <a16:creationId xmlns:a16="http://schemas.microsoft.com/office/drawing/2014/main" xmlns="" id="{1BCB8DE5-ABAF-4198-BC16-85BB76F2DB24}"/>
+                  <a16:creationId xmlns="" xmlns:a16="http://schemas.microsoft.com/office/drawing/2014/main" id="{1BCB8DE5-ABAF-4198-BC16-85BB76F2DB24}"/>
                 </a:ext>
               </a:extLst>
             </p:cNvPr>
@@ -4919,7 +4935,7 @@
               <p:cNvPr id="40" name="Object 35">
                 <a:extLst>
                   <a:ext uri="{FF2B5EF4-FFF2-40B4-BE49-F238E27FC236}">
-                    <a16:creationId xmlns:a16="http://schemas.microsoft.com/office/drawing/2014/main" xmlns="" id="{86E7BA23-0A1E-B581-CADC-06AB269DB2BD}"/>
+                    <a16:creationId xmlns="" xmlns:a16="http://schemas.microsoft.com/office/drawing/2014/main" id="{86E7BA23-0A1E-B581-CADC-06AB269DB2BD}"/>
                   </a:ext>
                 </a:extLst>
               </p:cNvPr>
@@ -4951,7 +4967,7 @@
           <p:cNvPr id="43" name="TextBox 42">
             <a:extLst>
               <a:ext uri="{FF2B5EF4-FFF2-40B4-BE49-F238E27FC236}">
-                <a16:creationId xmlns:a16="http://schemas.microsoft.com/office/drawing/2014/main" xmlns="" id="{A2AD056B-97A4-5BCC-4460-250160F3E171}"/>
+                <a16:creationId xmlns="" xmlns:a16="http://schemas.microsoft.com/office/drawing/2014/main" id="{A2AD056B-97A4-5BCC-4460-250160F3E171}"/>
               </a:ext>
             </a:extLst>
           </p:cNvPr>
@@ -5042,7 +5058,7 @@
           <p:cNvPr id="2" name="표 1">
             <a:extLst>
               <a:ext uri="{FF2B5EF4-FFF2-40B4-BE49-F238E27FC236}">
-                <a16:creationId xmlns:a16="http://schemas.microsoft.com/office/drawing/2014/main" xmlns="" id="{E52660DC-6640-F2D6-D63F-2D7D520AAFEB}"/>
+                <a16:creationId xmlns="" xmlns:a16="http://schemas.microsoft.com/office/drawing/2014/main" id="{E52660DC-6640-F2D6-D63F-2D7D520AAFEB}"/>
               </a:ext>
             </a:extLst>
           </p:cNvPr>
@@ -5071,21 +5087,21 @@
                 <a:gridCol w="2802475">
                   <a:extLst>
                     <a:ext uri="{9D8B030D-6E8A-4147-A177-3AD203B41FA5}">
-                      <a16:colId xmlns:a16="http://schemas.microsoft.com/office/drawing/2014/main" xmlns="" val="1960770391"/>
+                      <a16:colId xmlns="" xmlns:a16="http://schemas.microsoft.com/office/drawing/2014/main" val="1960770391"/>
                     </a:ext>
                   </a:extLst>
                 </a:gridCol>
                 <a:gridCol w="2836664">
                   <a:extLst>
                     <a:ext uri="{9D8B030D-6E8A-4147-A177-3AD203B41FA5}">
-                      <a16:colId xmlns:a16="http://schemas.microsoft.com/office/drawing/2014/main" xmlns="" val="733308553"/>
+                      <a16:colId xmlns="" xmlns:a16="http://schemas.microsoft.com/office/drawing/2014/main" val="733308553"/>
                     </a:ext>
                   </a:extLst>
                 </a:gridCol>
                 <a:gridCol w="4419261">
                   <a:extLst>
                     <a:ext uri="{9D8B030D-6E8A-4147-A177-3AD203B41FA5}">
-                      <a16:colId xmlns:a16="http://schemas.microsoft.com/office/drawing/2014/main" xmlns="" val="1661322813"/>
+                      <a16:colId xmlns="" xmlns:a16="http://schemas.microsoft.com/office/drawing/2014/main" val="1661322813"/>
                     </a:ext>
                   </a:extLst>
                 </a:gridCol>
@@ -5282,7 +5298,7 @@
                 </a:tc>
                 <a:extLst>
                   <a:ext uri="{0D108BD9-81ED-4DB2-BD59-A6C34878D82A}">
-                    <a16:rowId xmlns:a16="http://schemas.microsoft.com/office/drawing/2014/main" xmlns="" val="2452905565"/>
+                    <a16:rowId xmlns="" xmlns:a16="http://schemas.microsoft.com/office/drawing/2014/main" val="2452905565"/>
                   </a:ext>
                 </a:extLst>
               </a:tr>
@@ -5513,7 +5529,7 @@
                 </a:tc>
                 <a:extLst>
                   <a:ext uri="{0D108BD9-81ED-4DB2-BD59-A6C34878D82A}">
-                    <a16:rowId xmlns:a16="http://schemas.microsoft.com/office/drawing/2014/main" xmlns="" val="3551452526"/>
+                    <a16:rowId xmlns="" xmlns:a16="http://schemas.microsoft.com/office/drawing/2014/main" val="3551452526"/>
                   </a:ext>
                 </a:extLst>
               </a:tr>
@@ -5709,7 +5725,7 @@
                 </a:tc>
                 <a:extLst>
                   <a:ext uri="{0D108BD9-81ED-4DB2-BD59-A6C34878D82A}">
-                    <a16:rowId xmlns:a16="http://schemas.microsoft.com/office/drawing/2014/main" xmlns="" val="3645064171"/>
+                    <a16:rowId xmlns="" xmlns:a16="http://schemas.microsoft.com/office/drawing/2014/main" val="3645064171"/>
                   </a:ext>
                 </a:extLst>
               </a:tr>
@@ -5905,7 +5921,7 @@
                 </a:tc>
                 <a:extLst>
                   <a:ext uri="{0D108BD9-81ED-4DB2-BD59-A6C34878D82A}">
-                    <a16:rowId xmlns:a16="http://schemas.microsoft.com/office/drawing/2014/main" xmlns="" val="2802120283"/>
+                    <a16:rowId xmlns="" xmlns:a16="http://schemas.microsoft.com/office/drawing/2014/main" val="2802120283"/>
                   </a:ext>
                 </a:extLst>
               </a:tr>
@@ -6101,7 +6117,7 @@
                 </a:tc>
                 <a:extLst>
                   <a:ext uri="{0D108BD9-81ED-4DB2-BD59-A6C34878D82A}">
-                    <a16:rowId xmlns:a16="http://schemas.microsoft.com/office/drawing/2014/main" xmlns="" val="1362299918"/>
+                    <a16:rowId xmlns="" xmlns:a16="http://schemas.microsoft.com/office/drawing/2014/main" val="1362299918"/>
                   </a:ext>
                 </a:extLst>
               </a:tr>
@@ -6225,7 +6241,7 @@
           <p:cNvPr id="4" name="TextBox 3">
             <a:extLst>
               <a:ext uri="{FF2B5EF4-FFF2-40B4-BE49-F238E27FC236}">
-                <a16:creationId xmlns:a16="http://schemas.microsoft.com/office/drawing/2014/main" xmlns="" id="{5ADC00B6-990A-40DC-3CEA-505258F5E8DA}"/>
+                <a16:creationId xmlns="" xmlns:a16="http://schemas.microsoft.com/office/drawing/2014/main" id="{5ADC00B6-990A-40DC-3CEA-505258F5E8DA}"/>
               </a:ext>
             </a:extLst>
           </p:cNvPr>
@@ -6283,7 +6299,7 @@
           <p:cNvPr id="5" name="TextBox 4">
             <a:extLst>
               <a:ext uri="{FF2B5EF4-FFF2-40B4-BE49-F238E27FC236}">
-                <a16:creationId xmlns:a16="http://schemas.microsoft.com/office/drawing/2014/main" xmlns="" id="{A2AD056B-97A4-5BCC-4460-250160F3E171}"/>
+                <a16:creationId xmlns="" xmlns:a16="http://schemas.microsoft.com/office/drawing/2014/main" id="{A2AD056B-97A4-5BCC-4460-250160F3E171}"/>
               </a:ext>
             </a:extLst>
           </p:cNvPr>
@@ -6441,7 +6457,7 @@
           <p:cNvPr id="7" name="직선 화살표 연결선 6">
             <a:extLst>
               <a:ext uri="{FF2B5EF4-FFF2-40B4-BE49-F238E27FC236}">
-                <a16:creationId xmlns:a16="http://schemas.microsoft.com/office/drawing/2014/main" xmlns="" id="{299DF5EC-9DF4-5255-06AC-0A7CE4FF58C3}"/>
+                <a16:creationId xmlns="" xmlns:a16="http://schemas.microsoft.com/office/drawing/2014/main" id="{299DF5EC-9DF4-5255-06AC-0A7CE4FF58C3}"/>
               </a:ext>
             </a:extLst>
           </p:cNvPr>
@@ -6482,7 +6498,7 @@
           <p:cNvPr id="8" name="TextBox 7">
             <a:extLst>
               <a:ext uri="{FF2B5EF4-FFF2-40B4-BE49-F238E27FC236}">
-                <a16:creationId xmlns:a16="http://schemas.microsoft.com/office/drawing/2014/main" xmlns="" id="{C6D113C6-EA5C-788F-0C77-E7CE6EBB865F}"/>
+                <a16:creationId xmlns="" xmlns:a16="http://schemas.microsoft.com/office/drawing/2014/main" id="{C6D113C6-EA5C-788F-0C77-E7CE6EBB865F}"/>
               </a:ext>
             </a:extLst>
           </p:cNvPr>
@@ -6590,7 +6606,7 @@
           <p:cNvPr id="4" name="그룹 1018">
             <a:extLst>
               <a:ext uri="{FF2B5EF4-FFF2-40B4-BE49-F238E27FC236}">
-                <a16:creationId xmlns:a16="http://schemas.microsoft.com/office/drawing/2014/main" xmlns="" id="{0C5247D1-E285-7CDC-25F8-F1ABCDE304BE}"/>
+                <a16:creationId xmlns="" xmlns:a16="http://schemas.microsoft.com/office/drawing/2014/main" id="{0C5247D1-E285-7CDC-25F8-F1ABCDE304BE}"/>
               </a:ext>
             </a:extLst>
           </p:cNvPr>
@@ -6610,7 +6626,7 @@
             <p:cNvPr id="5" name="Object 61">
               <a:extLst>
                 <a:ext uri="{FF2B5EF4-FFF2-40B4-BE49-F238E27FC236}">
-                  <a16:creationId xmlns:a16="http://schemas.microsoft.com/office/drawing/2014/main" xmlns="" id="{29C480AF-46D1-D9A5-6C87-226E5620D948}"/>
+                  <a16:creationId xmlns="" xmlns:a16="http://schemas.microsoft.com/office/drawing/2014/main" id="{29C480AF-46D1-D9A5-6C87-226E5620D948}"/>
                 </a:ext>
               </a:extLst>
             </p:cNvPr>
@@ -6641,7 +6657,7 @@
           <p:cNvPr id="6" name="그룹 1018">
             <a:extLst>
               <a:ext uri="{FF2B5EF4-FFF2-40B4-BE49-F238E27FC236}">
-                <a16:creationId xmlns:a16="http://schemas.microsoft.com/office/drawing/2014/main" xmlns="" id="{F53BC57C-78A5-6AFC-CB34-7E3FD29B339F}"/>
+                <a16:creationId xmlns="" xmlns:a16="http://schemas.microsoft.com/office/drawing/2014/main" id="{F53BC57C-78A5-6AFC-CB34-7E3FD29B339F}"/>
               </a:ext>
             </a:extLst>
           </p:cNvPr>
@@ -6661,7 +6677,7 @@
             <p:cNvPr id="7" name="Object 61">
               <a:extLst>
                 <a:ext uri="{FF2B5EF4-FFF2-40B4-BE49-F238E27FC236}">
-                  <a16:creationId xmlns:a16="http://schemas.microsoft.com/office/drawing/2014/main" xmlns="" id="{E6F73685-14E5-06A9-813C-1C372BD6F4DE}"/>
+                  <a16:creationId xmlns="" xmlns:a16="http://schemas.microsoft.com/office/drawing/2014/main" id="{E6F73685-14E5-06A9-813C-1C372BD6F4DE}"/>
                 </a:ext>
               </a:extLst>
             </p:cNvPr>
@@ -6692,7 +6708,7 @@
           <p:cNvPr id="10" name="그룹 1018">
             <a:extLst>
               <a:ext uri="{FF2B5EF4-FFF2-40B4-BE49-F238E27FC236}">
-                <a16:creationId xmlns:a16="http://schemas.microsoft.com/office/drawing/2014/main" xmlns="" id="{11F8DF7C-F95F-B0B5-FC7F-85E369D002C6}"/>
+                <a16:creationId xmlns="" xmlns:a16="http://schemas.microsoft.com/office/drawing/2014/main" id="{11F8DF7C-F95F-B0B5-FC7F-85E369D002C6}"/>
               </a:ext>
             </a:extLst>
           </p:cNvPr>
@@ -6712,7 +6728,7 @@
             <p:cNvPr id="11" name="Object 61">
               <a:extLst>
                 <a:ext uri="{FF2B5EF4-FFF2-40B4-BE49-F238E27FC236}">
-                  <a16:creationId xmlns:a16="http://schemas.microsoft.com/office/drawing/2014/main" xmlns="" id="{B8B15D9F-D5FD-93DD-D076-037E1D6FFEC7}"/>
+                  <a16:creationId xmlns="" xmlns:a16="http://schemas.microsoft.com/office/drawing/2014/main" id="{B8B15D9F-D5FD-93DD-D076-037E1D6FFEC7}"/>
                 </a:ext>
               </a:extLst>
             </p:cNvPr>
@@ -6743,7 +6759,7 @@
           <p:cNvPr id="12" name="TextBox 11">
             <a:extLst>
               <a:ext uri="{FF2B5EF4-FFF2-40B4-BE49-F238E27FC236}">
-                <a16:creationId xmlns:a16="http://schemas.microsoft.com/office/drawing/2014/main" xmlns="" id="{A06D4055-10A8-4A24-5EDC-0761473BA40F}"/>
+                <a16:creationId xmlns="" xmlns:a16="http://schemas.microsoft.com/office/drawing/2014/main" id="{A06D4055-10A8-4A24-5EDC-0761473BA40F}"/>
               </a:ext>
             </a:extLst>
           </p:cNvPr>
@@ -6797,7 +6813,7 @@
           <p:cNvPr id="13" name="TextBox 12">
             <a:extLst>
               <a:ext uri="{FF2B5EF4-FFF2-40B4-BE49-F238E27FC236}">
-                <a16:creationId xmlns:a16="http://schemas.microsoft.com/office/drawing/2014/main" xmlns="" id="{044C5ACF-17B6-5920-7904-E16248F54A6A}"/>
+                <a16:creationId xmlns="" xmlns:a16="http://schemas.microsoft.com/office/drawing/2014/main" id="{044C5ACF-17B6-5920-7904-E16248F54A6A}"/>
               </a:ext>
             </a:extLst>
           </p:cNvPr>
@@ -6851,7 +6867,7 @@
           <p:cNvPr id="14" name="TextBox 13">
             <a:extLst>
               <a:ext uri="{FF2B5EF4-FFF2-40B4-BE49-F238E27FC236}">
-                <a16:creationId xmlns:a16="http://schemas.microsoft.com/office/drawing/2014/main" xmlns="" id="{101E227B-A9BD-20A0-66DD-A013FA376D02}"/>
+                <a16:creationId xmlns="" xmlns:a16="http://schemas.microsoft.com/office/drawing/2014/main" id="{101E227B-A9BD-20A0-66DD-A013FA376D02}"/>
               </a:ext>
             </a:extLst>
           </p:cNvPr>
@@ -6905,7 +6921,7 @@
           <p:cNvPr id="15" name="그룹 1008">
             <a:extLst>
               <a:ext uri="{FF2B5EF4-FFF2-40B4-BE49-F238E27FC236}">
-                <a16:creationId xmlns:a16="http://schemas.microsoft.com/office/drawing/2014/main" xmlns="" id="{E395BDE3-2EDE-065D-70E8-56E348228ACF}"/>
+                <a16:creationId xmlns="" xmlns:a16="http://schemas.microsoft.com/office/drawing/2014/main" id="{E395BDE3-2EDE-065D-70E8-56E348228ACF}"/>
               </a:ext>
             </a:extLst>
           </p:cNvPr>
@@ -6925,7 +6941,7 @@
             <p:cNvPr id="16" name="그룹 1009">
               <a:extLst>
                 <a:ext uri="{FF2B5EF4-FFF2-40B4-BE49-F238E27FC236}">
-                  <a16:creationId xmlns:a16="http://schemas.microsoft.com/office/drawing/2014/main" xmlns="" id="{852F4DEB-DB33-DB3F-9E9F-52A46CD0B10A}"/>
+                  <a16:creationId xmlns="" xmlns:a16="http://schemas.microsoft.com/office/drawing/2014/main" id="{852F4DEB-DB33-DB3F-9E9F-52A46CD0B10A}"/>
                 </a:ext>
               </a:extLst>
             </p:cNvPr>
@@ -6945,7 +6961,7 @@
               <p:cNvPr id="21" name="Object 29">
                 <a:extLst>
                   <a:ext uri="{FF2B5EF4-FFF2-40B4-BE49-F238E27FC236}">
-                    <a16:creationId xmlns:a16="http://schemas.microsoft.com/office/drawing/2014/main" xmlns="" id="{7E353D3B-14D4-8A64-5888-3F0C062C2CDD}"/>
+                    <a16:creationId xmlns="" xmlns:a16="http://schemas.microsoft.com/office/drawing/2014/main" id="{7E353D3B-14D4-8A64-5888-3F0C062C2CDD}"/>
                   </a:ext>
                 </a:extLst>
               </p:cNvPr>
@@ -6976,7 +6992,7 @@
             <p:cNvPr id="17" name="그룹 1010">
               <a:extLst>
                 <a:ext uri="{FF2B5EF4-FFF2-40B4-BE49-F238E27FC236}">
-                  <a16:creationId xmlns:a16="http://schemas.microsoft.com/office/drawing/2014/main" xmlns="" id="{001E38AB-1390-ABD0-BE01-9727136FEAEE}"/>
+                  <a16:creationId xmlns="" xmlns:a16="http://schemas.microsoft.com/office/drawing/2014/main" id="{001E38AB-1390-ABD0-BE01-9727136FEAEE}"/>
                 </a:ext>
               </a:extLst>
             </p:cNvPr>
@@ -6996,7 +7012,7 @@
               <p:cNvPr id="20" name="Object 32">
                 <a:extLst>
                   <a:ext uri="{FF2B5EF4-FFF2-40B4-BE49-F238E27FC236}">
-                    <a16:creationId xmlns:a16="http://schemas.microsoft.com/office/drawing/2014/main" xmlns="" id="{2ED1C30F-0D0B-F86C-8215-2598D332B5A3}"/>
+                    <a16:creationId xmlns="" xmlns:a16="http://schemas.microsoft.com/office/drawing/2014/main" id="{2ED1C30F-0D0B-F86C-8215-2598D332B5A3}"/>
                   </a:ext>
                 </a:extLst>
               </p:cNvPr>
@@ -7027,7 +7043,7 @@
             <p:cNvPr id="18" name="그룹 1011">
               <a:extLst>
                 <a:ext uri="{FF2B5EF4-FFF2-40B4-BE49-F238E27FC236}">
-                  <a16:creationId xmlns:a16="http://schemas.microsoft.com/office/drawing/2014/main" xmlns="" id="{1BCB8DE5-ABAF-4198-BC16-85BB76F2DB24}"/>
+                  <a16:creationId xmlns="" xmlns:a16="http://schemas.microsoft.com/office/drawing/2014/main" id="{1BCB8DE5-ABAF-4198-BC16-85BB76F2DB24}"/>
                 </a:ext>
               </a:extLst>
             </p:cNvPr>
@@ -7047,7 +7063,7 @@
               <p:cNvPr id="19" name="Object 35">
                 <a:extLst>
                   <a:ext uri="{FF2B5EF4-FFF2-40B4-BE49-F238E27FC236}">
-                    <a16:creationId xmlns:a16="http://schemas.microsoft.com/office/drawing/2014/main" xmlns="" id="{86E7BA23-0A1E-B581-CADC-06AB269DB2BD}"/>
+                    <a16:creationId xmlns="" xmlns:a16="http://schemas.microsoft.com/office/drawing/2014/main" id="{86E7BA23-0A1E-B581-CADC-06AB269DB2BD}"/>
                   </a:ext>
                 </a:extLst>
               </p:cNvPr>
@@ -7079,7 +7095,7 @@
           <p:cNvPr id="22" name="그룹 1008">
             <a:extLst>
               <a:ext uri="{FF2B5EF4-FFF2-40B4-BE49-F238E27FC236}">
-                <a16:creationId xmlns:a16="http://schemas.microsoft.com/office/drawing/2014/main" xmlns="" id="{E395BDE3-2EDE-065D-70E8-56E348228ACF}"/>
+                <a16:creationId xmlns="" xmlns:a16="http://schemas.microsoft.com/office/drawing/2014/main" id="{E395BDE3-2EDE-065D-70E8-56E348228ACF}"/>
               </a:ext>
             </a:extLst>
           </p:cNvPr>
@@ -7099,7 +7115,7 @@
             <p:cNvPr id="23" name="그룹 1009">
               <a:extLst>
                 <a:ext uri="{FF2B5EF4-FFF2-40B4-BE49-F238E27FC236}">
-                  <a16:creationId xmlns:a16="http://schemas.microsoft.com/office/drawing/2014/main" xmlns="" id="{852F4DEB-DB33-DB3F-9E9F-52A46CD0B10A}"/>
+                  <a16:creationId xmlns="" xmlns:a16="http://schemas.microsoft.com/office/drawing/2014/main" id="{852F4DEB-DB33-DB3F-9E9F-52A46CD0B10A}"/>
                 </a:ext>
               </a:extLst>
             </p:cNvPr>
@@ -7119,7 +7135,7 @@
               <p:cNvPr id="28" name="Object 29">
                 <a:extLst>
                   <a:ext uri="{FF2B5EF4-FFF2-40B4-BE49-F238E27FC236}">
-                    <a16:creationId xmlns:a16="http://schemas.microsoft.com/office/drawing/2014/main" xmlns="" id="{7E353D3B-14D4-8A64-5888-3F0C062C2CDD}"/>
+                    <a16:creationId xmlns="" xmlns:a16="http://schemas.microsoft.com/office/drawing/2014/main" id="{7E353D3B-14D4-8A64-5888-3F0C062C2CDD}"/>
                   </a:ext>
                 </a:extLst>
               </p:cNvPr>
@@ -7150,7 +7166,7 @@
             <p:cNvPr id="24" name="그룹 1010">
               <a:extLst>
                 <a:ext uri="{FF2B5EF4-FFF2-40B4-BE49-F238E27FC236}">
-                  <a16:creationId xmlns:a16="http://schemas.microsoft.com/office/drawing/2014/main" xmlns="" id="{001E38AB-1390-ABD0-BE01-9727136FEAEE}"/>
+                  <a16:creationId xmlns="" xmlns:a16="http://schemas.microsoft.com/office/drawing/2014/main" id="{001E38AB-1390-ABD0-BE01-9727136FEAEE}"/>
                 </a:ext>
               </a:extLst>
             </p:cNvPr>
@@ -7170,7 +7186,7 @@
               <p:cNvPr id="27" name="Object 32">
                 <a:extLst>
                   <a:ext uri="{FF2B5EF4-FFF2-40B4-BE49-F238E27FC236}">
-                    <a16:creationId xmlns:a16="http://schemas.microsoft.com/office/drawing/2014/main" xmlns="" id="{2ED1C30F-0D0B-F86C-8215-2598D332B5A3}"/>
+                    <a16:creationId xmlns="" xmlns:a16="http://schemas.microsoft.com/office/drawing/2014/main" id="{2ED1C30F-0D0B-F86C-8215-2598D332B5A3}"/>
                   </a:ext>
                 </a:extLst>
               </p:cNvPr>
@@ -7201,7 +7217,7 @@
             <p:cNvPr id="25" name="그룹 1011">
               <a:extLst>
                 <a:ext uri="{FF2B5EF4-FFF2-40B4-BE49-F238E27FC236}">
-                  <a16:creationId xmlns:a16="http://schemas.microsoft.com/office/drawing/2014/main" xmlns="" id="{1BCB8DE5-ABAF-4198-BC16-85BB76F2DB24}"/>
+                  <a16:creationId xmlns="" xmlns:a16="http://schemas.microsoft.com/office/drawing/2014/main" id="{1BCB8DE5-ABAF-4198-BC16-85BB76F2DB24}"/>
                 </a:ext>
               </a:extLst>
             </p:cNvPr>
@@ -7221,7 +7237,7 @@
               <p:cNvPr id="26" name="Object 35">
                 <a:extLst>
                   <a:ext uri="{FF2B5EF4-FFF2-40B4-BE49-F238E27FC236}">
-                    <a16:creationId xmlns:a16="http://schemas.microsoft.com/office/drawing/2014/main" xmlns="" id="{86E7BA23-0A1E-B581-CADC-06AB269DB2BD}"/>
+                    <a16:creationId xmlns="" xmlns:a16="http://schemas.microsoft.com/office/drawing/2014/main" id="{86E7BA23-0A1E-B581-CADC-06AB269DB2BD}"/>
                   </a:ext>
                 </a:extLst>
               </p:cNvPr>
@@ -7253,7 +7269,7 @@
           <p:cNvPr id="29" name="TextBox 28">
             <a:extLst>
               <a:ext uri="{FF2B5EF4-FFF2-40B4-BE49-F238E27FC236}">
-                <a16:creationId xmlns:a16="http://schemas.microsoft.com/office/drawing/2014/main" xmlns="" id="{A2AD056B-97A4-5BCC-4460-250160F3E171}"/>
+                <a16:creationId xmlns="" xmlns:a16="http://schemas.microsoft.com/office/drawing/2014/main" id="{A2AD056B-97A4-5BCC-4460-250160F3E171}"/>
               </a:ext>
             </a:extLst>
           </p:cNvPr>
@@ -7354,7 +7370,7 @@
           <p:cNvPr id="2" name="직선 화살표 연결선 1">
             <a:extLst>
               <a:ext uri="{FF2B5EF4-FFF2-40B4-BE49-F238E27FC236}">
-                <a16:creationId xmlns:a16="http://schemas.microsoft.com/office/drawing/2014/main" xmlns="" id="{9F8D4998-0622-3DEF-A6CA-A8343684ED6D}"/>
+                <a16:creationId xmlns="" xmlns:a16="http://schemas.microsoft.com/office/drawing/2014/main" id="{9F8D4998-0622-3DEF-A6CA-A8343684ED6D}"/>
               </a:ext>
             </a:extLst>
           </p:cNvPr>
@@ -7395,7 +7411,7 @@
           <p:cNvPr id="3" name="TextBox 2">
             <a:extLst>
               <a:ext uri="{FF2B5EF4-FFF2-40B4-BE49-F238E27FC236}">
-                <a16:creationId xmlns:a16="http://schemas.microsoft.com/office/drawing/2014/main" xmlns="" id="{E788309F-5417-6527-3D13-DC8281B71834}"/>
+                <a16:creationId xmlns="" xmlns:a16="http://schemas.microsoft.com/office/drawing/2014/main" id="{E788309F-5417-6527-3D13-DC8281B71834}"/>
               </a:ext>
             </a:extLst>
           </p:cNvPr>
@@ -7658,7 +7674,7 @@
           <p:cNvPr id="5" name="직선 화살표 연결선 4">
             <a:extLst>
               <a:ext uri="{FF2B5EF4-FFF2-40B4-BE49-F238E27FC236}">
-                <a16:creationId xmlns:a16="http://schemas.microsoft.com/office/drawing/2014/main" xmlns="" id="{299DF5EC-9DF4-5255-06AC-0A7CE4FF58C3}"/>
+                <a16:creationId xmlns="" xmlns:a16="http://schemas.microsoft.com/office/drawing/2014/main" id="{299DF5EC-9DF4-5255-06AC-0A7CE4FF58C3}"/>
               </a:ext>
             </a:extLst>
           </p:cNvPr>
@@ -7699,7 +7715,7 @@
           <p:cNvPr id="6" name="TextBox 5">
             <a:extLst>
               <a:ext uri="{FF2B5EF4-FFF2-40B4-BE49-F238E27FC236}">
-                <a16:creationId xmlns:a16="http://schemas.microsoft.com/office/drawing/2014/main" xmlns="" id="{C6D113C6-EA5C-788F-0C77-E7CE6EBB865F}"/>
+                <a16:creationId xmlns="" xmlns:a16="http://schemas.microsoft.com/office/drawing/2014/main" id="{C6D113C6-EA5C-788F-0C77-E7CE6EBB865F}"/>
               </a:ext>
             </a:extLst>
           </p:cNvPr>
@@ -7760,7 +7776,7 @@
           <p:cNvPr id="8" name="TextBox 7">
             <a:extLst>
               <a:ext uri="{FF2B5EF4-FFF2-40B4-BE49-F238E27FC236}">
-                <a16:creationId xmlns:a16="http://schemas.microsoft.com/office/drawing/2014/main" xmlns="" id="{C6D113C6-EA5C-788F-0C77-E7CE6EBB865F}"/>
+                <a16:creationId xmlns="" xmlns:a16="http://schemas.microsoft.com/office/drawing/2014/main" id="{C6D113C6-EA5C-788F-0C77-E7CE6EBB865F}"/>
               </a:ext>
             </a:extLst>
           </p:cNvPr>
@@ -7841,7 +7857,7 @@
           <p:cNvPr id="4" name="표 2">
             <a:extLst>
               <a:ext uri="{FF2B5EF4-FFF2-40B4-BE49-F238E27FC236}">
-                <a16:creationId xmlns:a16="http://schemas.microsoft.com/office/drawing/2014/main" xmlns="" id="{D2CC6F32-611A-E22D-EB8C-52D626A5B319}"/>
+                <a16:creationId xmlns="" xmlns:a16="http://schemas.microsoft.com/office/drawing/2014/main" id="{D2CC6F32-611A-E22D-EB8C-52D626A5B319}"/>
               </a:ext>
             </a:extLst>
           </p:cNvPr>
@@ -7870,21 +7886,21 @@
                 <a:gridCol w="3205862">
                   <a:extLst>
                     <a:ext uri="{9D8B030D-6E8A-4147-A177-3AD203B41FA5}">
-                      <a16:colId xmlns:a16="http://schemas.microsoft.com/office/drawing/2014/main" xmlns="" val="1960770391"/>
+                      <a16:colId xmlns="" xmlns:a16="http://schemas.microsoft.com/office/drawing/2014/main" val="1960770391"/>
                     </a:ext>
                   </a:extLst>
                 </a:gridCol>
                 <a:gridCol w="3244971">
                   <a:extLst>
                     <a:ext uri="{9D8B030D-6E8A-4147-A177-3AD203B41FA5}">
-                      <a16:colId xmlns:a16="http://schemas.microsoft.com/office/drawing/2014/main" xmlns="" val="733308553"/>
+                      <a16:colId xmlns="" xmlns:a16="http://schemas.microsoft.com/office/drawing/2014/main" val="733308553"/>
                     </a:ext>
                   </a:extLst>
                 </a:gridCol>
                 <a:gridCol w="5055367">
                   <a:extLst>
                     <a:ext uri="{9D8B030D-6E8A-4147-A177-3AD203B41FA5}">
-                      <a16:colId xmlns:a16="http://schemas.microsoft.com/office/drawing/2014/main" xmlns="" val="1661322813"/>
+                      <a16:colId xmlns="" xmlns:a16="http://schemas.microsoft.com/office/drawing/2014/main" val="1661322813"/>
                     </a:ext>
                   </a:extLst>
                 </a:gridCol>
@@ -8069,7 +8085,7 @@
                 </a:tc>
                 <a:extLst>
                   <a:ext uri="{0D108BD9-81ED-4DB2-BD59-A6C34878D82A}">
-                    <a16:rowId xmlns:a16="http://schemas.microsoft.com/office/drawing/2014/main" xmlns="" val="2452905565"/>
+                    <a16:rowId xmlns="" xmlns:a16="http://schemas.microsoft.com/office/drawing/2014/main" val="2452905565"/>
                   </a:ext>
                 </a:extLst>
               </a:tr>
@@ -8276,7 +8292,7 @@
                 </a:tc>
                 <a:extLst>
                   <a:ext uri="{0D108BD9-81ED-4DB2-BD59-A6C34878D82A}">
-                    <a16:rowId xmlns:a16="http://schemas.microsoft.com/office/drawing/2014/main" xmlns="" val="3551452526"/>
+                    <a16:rowId xmlns="" xmlns:a16="http://schemas.microsoft.com/office/drawing/2014/main" val="3551452526"/>
                   </a:ext>
                 </a:extLst>
               </a:tr>
@@ -8460,7 +8476,7 @@
                 </a:tc>
                 <a:extLst>
                   <a:ext uri="{0D108BD9-81ED-4DB2-BD59-A6C34878D82A}">
-                    <a16:rowId xmlns:a16="http://schemas.microsoft.com/office/drawing/2014/main" xmlns="" val="3645064171"/>
+                    <a16:rowId xmlns="" xmlns:a16="http://schemas.microsoft.com/office/drawing/2014/main" val="3645064171"/>
                   </a:ext>
                 </a:extLst>
               </a:tr>
@@ -8656,7 +8672,7 @@
                 </a:tc>
                 <a:extLst>
                   <a:ext uri="{0D108BD9-81ED-4DB2-BD59-A6C34878D82A}">
-                    <a16:rowId xmlns:a16="http://schemas.microsoft.com/office/drawing/2014/main" xmlns="" val="2802120283"/>
+                    <a16:rowId xmlns="" xmlns:a16="http://schemas.microsoft.com/office/drawing/2014/main" val="2802120283"/>
                   </a:ext>
                 </a:extLst>
               </a:tr>
@@ -8846,7 +8862,7 @@
                 </a:tc>
                 <a:extLst>
                   <a:ext uri="{0D108BD9-81ED-4DB2-BD59-A6C34878D82A}">
-                    <a16:rowId xmlns:a16="http://schemas.microsoft.com/office/drawing/2014/main" xmlns="" val="1362299918"/>
+                    <a16:rowId xmlns="" xmlns:a16="http://schemas.microsoft.com/office/drawing/2014/main" val="1362299918"/>
                   </a:ext>
                 </a:extLst>
               </a:tr>
@@ -9036,7 +9052,7 @@
                 </a:tc>
                 <a:extLst>
                   <a:ext uri="{0D108BD9-81ED-4DB2-BD59-A6C34878D82A}">
-                    <a16:rowId xmlns:a16="http://schemas.microsoft.com/office/drawing/2014/main" xmlns="" val="2632365449"/>
+                    <a16:rowId xmlns="" xmlns:a16="http://schemas.microsoft.com/office/drawing/2014/main" val="2632365449"/>
                   </a:ext>
                 </a:extLst>
               </a:tr>
@@ -9256,7 +9272,7 @@
                 </a:tc>
                 <a:extLst>
                   <a:ext uri="{0D108BD9-81ED-4DB2-BD59-A6C34878D82A}">
-                    <a16:rowId xmlns:a16="http://schemas.microsoft.com/office/drawing/2014/main" xmlns="" val="10006"/>
+                    <a16:rowId xmlns="" xmlns:a16="http://schemas.microsoft.com/office/drawing/2014/main" val="10006"/>
                   </a:ext>
                 </a:extLst>
               </a:tr>
@@ -9443,7 +9459,7 @@
                 </a:tc>
                 <a:extLst>
                   <a:ext uri="{0D108BD9-81ED-4DB2-BD59-A6C34878D82A}">
-                    <a16:rowId xmlns:a16="http://schemas.microsoft.com/office/drawing/2014/main" xmlns="" val="10007"/>
+                    <a16:rowId xmlns="" xmlns:a16="http://schemas.microsoft.com/office/drawing/2014/main" val="10007"/>
                   </a:ext>
                 </a:extLst>
               </a:tr>
@@ -9456,7 +9472,7 @@
           <p:cNvPr id="2" name="TextBox 1">
             <a:extLst>
               <a:ext uri="{FF2B5EF4-FFF2-40B4-BE49-F238E27FC236}">
-                <a16:creationId xmlns:a16="http://schemas.microsoft.com/office/drawing/2014/main" xmlns="" id="{FC994EA4-1CC6-6A56-1952-5FE96AF3F17D}"/>
+                <a16:creationId xmlns="" xmlns:a16="http://schemas.microsoft.com/office/drawing/2014/main" id="{FC994EA4-1CC6-6A56-1952-5FE96AF3F17D}"/>
               </a:ext>
             </a:extLst>
           </p:cNvPr>
@@ -9558,7 +9574,7 @@
           <p:cNvPr id="7" name="직선 화살표 연결선 6">
             <a:extLst>
               <a:ext uri="{FF2B5EF4-FFF2-40B4-BE49-F238E27FC236}">
-                <a16:creationId xmlns:a16="http://schemas.microsoft.com/office/drawing/2014/main" xmlns="" id="{299DF5EC-9DF4-5255-06AC-0A7CE4FF58C3}"/>
+                <a16:creationId xmlns="" xmlns:a16="http://schemas.microsoft.com/office/drawing/2014/main" id="{299DF5EC-9DF4-5255-06AC-0A7CE4FF58C3}"/>
               </a:ext>
             </a:extLst>
           </p:cNvPr>
@@ -9599,7 +9615,7 @@
           <p:cNvPr id="8" name="TextBox 7">
             <a:extLst>
               <a:ext uri="{FF2B5EF4-FFF2-40B4-BE49-F238E27FC236}">
-                <a16:creationId xmlns:a16="http://schemas.microsoft.com/office/drawing/2014/main" xmlns="" id="{C6D113C6-EA5C-788F-0C77-E7CE6EBB865F}"/>
+                <a16:creationId xmlns="" xmlns:a16="http://schemas.microsoft.com/office/drawing/2014/main" id="{C6D113C6-EA5C-788F-0C77-E7CE6EBB865F}"/>
               </a:ext>
             </a:extLst>
           </p:cNvPr>
@@ -9690,7 +9706,7 @@
           <p:cNvPr id="4" name="TextBox 3">
             <a:extLst>
               <a:ext uri="{FF2B5EF4-FFF2-40B4-BE49-F238E27FC236}">
-                <a16:creationId xmlns:a16="http://schemas.microsoft.com/office/drawing/2014/main" xmlns="" id="{5ADC00B6-990A-40DC-3CEA-505258F5E8DA}"/>
+                <a16:creationId xmlns="" xmlns:a16="http://schemas.microsoft.com/office/drawing/2014/main" id="{5ADC00B6-990A-40DC-3CEA-505258F5E8DA}"/>
               </a:ext>
             </a:extLst>
           </p:cNvPr>
@@ -9758,7 +9774,7 @@
           <p:cNvPr id="5" name="TextBox 4">
             <a:extLst>
               <a:ext uri="{FF2B5EF4-FFF2-40B4-BE49-F238E27FC236}">
-                <a16:creationId xmlns:a16="http://schemas.microsoft.com/office/drawing/2014/main" xmlns="" id="{A2AD056B-97A4-5BCC-4460-250160F3E171}"/>
+                <a16:creationId xmlns="" xmlns:a16="http://schemas.microsoft.com/office/drawing/2014/main" id="{A2AD056B-97A4-5BCC-4460-250160F3E171}"/>
               </a:ext>
             </a:extLst>
           </p:cNvPr>
@@ -9890,7 +9906,7 @@
           <p:cNvPr id="2" name="표 2">
             <a:extLst>
               <a:ext uri="{FF2B5EF4-FFF2-40B4-BE49-F238E27FC236}">
-                <a16:creationId xmlns:a16="http://schemas.microsoft.com/office/drawing/2014/main" xmlns="" id="{278095BB-0BB0-CADF-7C55-2C97A29850EA}"/>
+                <a16:creationId xmlns="" xmlns:a16="http://schemas.microsoft.com/office/drawing/2014/main" id="{278095BB-0BB0-CADF-7C55-2C97A29850EA}"/>
               </a:ext>
             </a:extLst>
           </p:cNvPr>
@@ -9919,21 +9935,21 @@
                 <a:gridCol w="3205862">
                   <a:extLst>
                     <a:ext uri="{9D8B030D-6E8A-4147-A177-3AD203B41FA5}">
-                      <a16:colId xmlns:a16="http://schemas.microsoft.com/office/drawing/2014/main" xmlns="" val="1960770391"/>
+                      <a16:colId xmlns="" xmlns:a16="http://schemas.microsoft.com/office/drawing/2014/main" val="1960770391"/>
                     </a:ext>
                   </a:extLst>
                 </a:gridCol>
                 <a:gridCol w="3244971">
                   <a:extLst>
                     <a:ext uri="{9D8B030D-6E8A-4147-A177-3AD203B41FA5}">
-                      <a16:colId xmlns:a16="http://schemas.microsoft.com/office/drawing/2014/main" xmlns="" val="733308553"/>
+                      <a16:colId xmlns="" xmlns:a16="http://schemas.microsoft.com/office/drawing/2014/main" val="733308553"/>
                     </a:ext>
                   </a:extLst>
                 </a:gridCol>
                 <a:gridCol w="5055367">
                   <a:extLst>
                     <a:ext uri="{9D8B030D-6E8A-4147-A177-3AD203B41FA5}">
-                      <a16:colId xmlns:a16="http://schemas.microsoft.com/office/drawing/2014/main" xmlns="" val="1661322813"/>
+                      <a16:colId xmlns="" xmlns:a16="http://schemas.microsoft.com/office/drawing/2014/main" val="1661322813"/>
                     </a:ext>
                   </a:extLst>
                 </a:gridCol>
@@ -10118,7 +10134,7 @@
                 </a:tc>
                 <a:extLst>
                   <a:ext uri="{0D108BD9-81ED-4DB2-BD59-A6C34878D82A}">
-                    <a16:rowId xmlns:a16="http://schemas.microsoft.com/office/drawing/2014/main" xmlns="" val="2452905565"/>
+                    <a16:rowId xmlns="" xmlns:a16="http://schemas.microsoft.com/office/drawing/2014/main" val="2452905565"/>
                   </a:ext>
                 </a:extLst>
               </a:tr>
@@ -10343,7 +10359,7 @@
                 </a:tc>
                 <a:extLst>
                   <a:ext uri="{0D108BD9-81ED-4DB2-BD59-A6C34878D82A}">
-                    <a16:rowId xmlns:a16="http://schemas.microsoft.com/office/drawing/2014/main" xmlns="" val="3551452526"/>
+                    <a16:rowId xmlns="" xmlns:a16="http://schemas.microsoft.com/office/drawing/2014/main" val="3551452526"/>
                   </a:ext>
                 </a:extLst>
               </a:tr>
@@ -10527,7 +10543,7 @@
                 </a:tc>
                 <a:extLst>
                   <a:ext uri="{0D108BD9-81ED-4DB2-BD59-A6C34878D82A}">
-                    <a16:rowId xmlns:a16="http://schemas.microsoft.com/office/drawing/2014/main" xmlns="" val="3645064171"/>
+                    <a16:rowId xmlns="" xmlns:a16="http://schemas.microsoft.com/office/drawing/2014/main" val="3645064171"/>
                   </a:ext>
                 </a:extLst>
               </a:tr>
@@ -10786,7 +10802,7 @@
                 </a:tc>
                 <a:extLst>
                   <a:ext uri="{0D108BD9-81ED-4DB2-BD59-A6C34878D82A}">
-                    <a16:rowId xmlns:a16="http://schemas.microsoft.com/office/drawing/2014/main" xmlns="" val="2802120283"/>
+                    <a16:rowId xmlns="" xmlns:a16="http://schemas.microsoft.com/office/drawing/2014/main" val="2802120283"/>
                   </a:ext>
                 </a:extLst>
               </a:tr>
@@ -11063,7 +11079,7 @@
                 </a:tc>
                 <a:extLst>
                   <a:ext uri="{0D108BD9-81ED-4DB2-BD59-A6C34878D82A}">
-                    <a16:rowId xmlns:a16="http://schemas.microsoft.com/office/drawing/2014/main" xmlns="" val="1362299918"/>
+                    <a16:rowId xmlns="" xmlns:a16="http://schemas.microsoft.com/office/drawing/2014/main" val="1362299918"/>
                   </a:ext>
                 </a:extLst>
               </a:tr>
@@ -11244,7 +11260,7 @@
                 </a:tc>
                 <a:extLst>
                   <a:ext uri="{0D108BD9-81ED-4DB2-BD59-A6C34878D82A}">
-                    <a16:rowId xmlns:a16="http://schemas.microsoft.com/office/drawing/2014/main" xmlns="" val="2632365449"/>
+                    <a16:rowId xmlns="" xmlns:a16="http://schemas.microsoft.com/office/drawing/2014/main" val="2632365449"/>
                   </a:ext>
                 </a:extLst>
               </a:tr>
@@ -11434,7 +11450,7 @@
                 </a:tc>
                 <a:extLst>
                   <a:ext uri="{0D108BD9-81ED-4DB2-BD59-A6C34878D82A}">
-                    <a16:rowId xmlns:a16="http://schemas.microsoft.com/office/drawing/2014/main" xmlns="" val="10006"/>
+                    <a16:rowId xmlns="" xmlns:a16="http://schemas.microsoft.com/office/drawing/2014/main" val="10006"/>
                   </a:ext>
                 </a:extLst>
               </a:tr>
@@ -11624,7 +11640,7 @@
                 </a:tc>
                 <a:extLst>
                   <a:ext uri="{0D108BD9-81ED-4DB2-BD59-A6C34878D82A}">
-                    <a16:rowId xmlns:a16="http://schemas.microsoft.com/office/drawing/2014/main" xmlns="" val="10007"/>
+                    <a16:rowId xmlns="" xmlns:a16="http://schemas.microsoft.com/office/drawing/2014/main" val="10007"/>
                   </a:ext>
                 </a:extLst>
               </a:tr>
@@ -11667,7 +11683,7 @@
           <p:cNvPr id="4" name="TextBox 3">
             <a:extLst>
               <a:ext uri="{FF2B5EF4-FFF2-40B4-BE49-F238E27FC236}">
-                <a16:creationId xmlns:a16="http://schemas.microsoft.com/office/drawing/2014/main" xmlns="" id="{94F75598-C09D-0931-1010-2538F09D551F}"/>
+                <a16:creationId xmlns="" xmlns:a16="http://schemas.microsoft.com/office/drawing/2014/main" id="{94F75598-C09D-0931-1010-2538F09D551F}"/>
               </a:ext>
             </a:extLst>
           </p:cNvPr>
@@ -11677,7 +11693,7 @@
         <p:spPr>
           <a:xfrm>
             <a:off x="838200" y="495300"/>
-            <a:ext cx="11887200" cy="830997"/>
+            <a:ext cx="15849600" cy="830997"/>
           </a:xfrm>
           <a:prstGeom prst="rect">
             <a:avLst/>
@@ -11735,7 +11751,7 @@
           <p:cNvPr id="5" name="표 2">
             <a:extLst>
               <a:ext uri="{FF2B5EF4-FFF2-40B4-BE49-F238E27FC236}">
-                <a16:creationId xmlns:a16="http://schemas.microsoft.com/office/drawing/2014/main" xmlns="" id="{48E7657F-AC29-74E9-2D25-D5A229EBCF36}"/>
+                <a16:creationId xmlns="" xmlns:a16="http://schemas.microsoft.com/office/drawing/2014/main" id="{48E7657F-AC29-74E9-2D25-D5A229EBCF36}"/>
               </a:ext>
             </a:extLst>
           </p:cNvPr>
@@ -11764,14 +11780,14 @@
                 <a:gridCol w="7109896">
                   <a:extLst>
                     <a:ext uri="{9D8B030D-6E8A-4147-A177-3AD203B41FA5}">
-                      <a16:colId xmlns:a16="http://schemas.microsoft.com/office/drawing/2014/main" xmlns="" val="733308553"/>
+                      <a16:colId xmlns="" xmlns:a16="http://schemas.microsoft.com/office/drawing/2014/main" val="733308553"/>
                     </a:ext>
                   </a:extLst>
                 </a:gridCol>
                 <a:gridCol w="5154675">
                   <a:extLst>
                     <a:ext uri="{9D8B030D-6E8A-4147-A177-3AD203B41FA5}">
-                      <a16:colId xmlns:a16="http://schemas.microsoft.com/office/drawing/2014/main" xmlns="" val="1661322813"/>
+                      <a16:colId xmlns="" xmlns:a16="http://schemas.microsoft.com/office/drawing/2014/main" val="1661322813"/>
                     </a:ext>
                   </a:extLst>
                 </a:gridCol>
@@ -11897,7 +11913,7 @@
                 </a:tc>
                 <a:extLst>
                   <a:ext uri="{0D108BD9-81ED-4DB2-BD59-A6C34878D82A}">
-                    <a16:rowId xmlns:a16="http://schemas.microsoft.com/office/drawing/2014/main" xmlns="" val="2452905565"/>
+                    <a16:rowId xmlns="" xmlns:a16="http://schemas.microsoft.com/office/drawing/2014/main" val="2452905565"/>
                   </a:ext>
                 </a:extLst>
               </a:tr>
@@ -12117,7 +12133,7 @@
                 </a:tc>
                 <a:extLst>
                   <a:ext uri="{0D108BD9-81ED-4DB2-BD59-A6C34878D82A}">
-                    <a16:rowId xmlns:a16="http://schemas.microsoft.com/office/drawing/2014/main" xmlns="" val="3551452526"/>
+                    <a16:rowId xmlns="" xmlns:a16="http://schemas.microsoft.com/office/drawing/2014/main" val="3551452526"/>
                   </a:ext>
                 </a:extLst>
               </a:tr>
@@ -12277,7 +12293,7 @@
                 </a:tc>
                 <a:extLst>
                   <a:ext uri="{0D108BD9-81ED-4DB2-BD59-A6C34878D82A}">
-                    <a16:rowId xmlns:a16="http://schemas.microsoft.com/office/drawing/2014/main" xmlns="" val="3645064171"/>
+                    <a16:rowId xmlns="" xmlns:a16="http://schemas.microsoft.com/office/drawing/2014/main" val="3645064171"/>
                   </a:ext>
                 </a:extLst>
               </a:tr>
@@ -12446,7 +12462,7 @@
                 </a:tc>
                 <a:extLst>
                   <a:ext uri="{0D108BD9-81ED-4DB2-BD59-A6C34878D82A}">
-                    <a16:rowId xmlns:a16="http://schemas.microsoft.com/office/drawing/2014/main" xmlns="" val="2802120283"/>
+                    <a16:rowId xmlns="" xmlns:a16="http://schemas.microsoft.com/office/drawing/2014/main" val="2802120283"/>
                   </a:ext>
                 </a:extLst>
               </a:tr>
@@ -12649,7 +12665,7 @@
                 </a:tc>
                 <a:extLst>
                   <a:ext uri="{0D108BD9-81ED-4DB2-BD59-A6C34878D82A}">
-                    <a16:rowId xmlns:a16="http://schemas.microsoft.com/office/drawing/2014/main" xmlns="" val="1362299918"/>
+                    <a16:rowId xmlns="" xmlns:a16="http://schemas.microsoft.com/office/drawing/2014/main" val="1362299918"/>
                   </a:ext>
                 </a:extLst>
               </a:tr>
@@ -12662,7 +12678,7 @@
           <p:cNvPr id="7" name="그림 6">
             <a:extLst>
               <a:ext uri="{FF2B5EF4-FFF2-40B4-BE49-F238E27FC236}">
-                <a16:creationId xmlns:a16="http://schemas.microsoft.com/office/drawing/2014/main" xmlns="" id="{AE0A8D26-3EEF-035B-4D36-DF73FF7E8C37}"/>
+                <a16:creationId xmlns="" xmlns:a16="http://schemas.microsoft.com/office/drawing/2014/main" id="{AE0A8D26-3EEF-035B-4D36-DF73FF7E8C37}"/>
               </a:ext>
             </a:extLst>
           </p:cNvPr>
@@ -12692,7 +12708,7 @@
           <p:cNvPr id="9" name="그림 8">
             <a:extLst>
               <a:ext uri="{FF2B5EF4-FFF2-40B4-BE49-F238E27FC236}">
-                <a16:creationId xmlns:a16="http://schemas.microsoft.com/office/drawing/2014/main" xmlns="" id="{A85B3710-4FE1-D460-7C50-70851A7BAF55}"/>
+                <a16:creationId xmlns="" xmlns:a16="http://schemas.microsoft.com/office/drawing/2014/main" id="{A85B3710-4FE1-D460-7C50-70851A7BAF55}"/>
               </a:ext>
             </a:extLst>
           </p:cNvPr>
@@ -12727,6 +12743,13 @@
   <p:clrMapOvr>
     <a:masterClrMapping/>
   </p:clrMapOvr>
+  <p:timing>
+    <p:tnLst>
+      <p:par>
+        <p:cTn id="1" dur="indefinite" restart="never" nodeType="tmRoot"/>
+      </p:par>
+    </p:tnLst>
+  </p:timing>
 </p:sld>
 </file>
 
@@ -12752,7 +12775,7 @@
           <p:cNvPr id="9" name="그림 8">
             <a:extLst>
               <a:ext uri="{FF2B5EF4-FFF2-40B4-BE49-F238E27FC236}">
-                <a16:creationId xmlns:a16="http://schemas.microsoft.com/office/drawing/2014/main" xmlns="" id="{AD0F232F-57C5-C7CA-B698-FCE285DA8A30}"/>
+                <a16:creationId xmlns="" xmlns:a16="http://schemas.microsoft.com/office/drawing/2014/main" id="{AD0F232F-57C5-C7CA-B698-FCE285DA8A30}"/>
               </a:ext>
             </a:extLst>
           </p:cNvPr>
@@ -12782,7 +12805,7 @@
           <p:cNvPr id="11" name="그림 10">
             <a:extLst>
               <a:ext uri="{FF2B5EF4-FFF2-40B4-BE49-F238E27FC236}">
-                <a16:creationId xmlns:a16="http://schemas.microsoft.com/office/drawing/2014/main" xmlns="" id="{821B2C13-4F47-C35F-05C9-992EECEA08D1}"/>
+                <a16:creationId xmlns="" xmlns:a16="http://schemas.microsoft.com/office/drawing/2014/main" id="{821B2C13-4F47-C35F-05C9-992EECEA08D1}"/>
               </a:ext>
             </a:extLst>
           </p:cNvPr>
@@ -12812,7 +12835,7 @@
           <p:cNvPr id="13" name="그림 12">
             <a:extLst>
               <a:ext uri="{FF2B5EF4-FFF2-40B4-BE49-F238E27FC236}">
-                <a16:creationId xmlns:a16="http://schemas.microsoft.com/office/drawing/2014/main" xmlns="" id="{F56CDBD7-5423-AAE0-85B9-DD0EF96DF962}"/>
+                <a16:creationId xmlns="" xmlns:a16="http://schemas.microsoft.com/office/drawing/2014/main" id="{F56CDBD7-5423-AAE0-85B9-DD0EF96DF962}"/>
               </a:ext>
             </a:extLst>
           </p:cNvPr>
@@ -12842,7 +12865,7 @@
           <p:cNvPr id="14" name="TextBox 13">
             <a:extLst>
               <a:ext uri="{FF2B5EF4-FFF2-40B4-BE49-F238E27FC236}">
-                <a16:creationId xmlns:a16="http://schemas.microsoft.com/office/drawing/2014/main" xmlns="" id="{DFA52370-E1A4-7531-FDCB-2071825E9DB5}"/>
+                <a16:creationId xmlns="" xmlns:a16="http://schemas.microsoft.com/office/drawing/2014/main" id="{DFA52370-E1A4-7531-FDCB-2071825E9DB5}"/>
               </a:ext>
             </a:extLst>
           </p:cNvPr>
@@ -12910,7 +12933,7 @@
           <p:cNvPr id="16" name="그림 15">
             <a:extLst>
               <a:ext uri="{FF2B5EF4-FFF2-40B4-BE49-F238E27FC236}">
-                <a16:creationId xmlns:a16="http://schemas.microsoft.com/office/drawing/2014/main" xmlns="" id="{53315EB8-FA37-B696-2A81-595F3BBBB080}"/>
+                <a16:creationId xmlns="" xmlns:a16="http://schemas.microsoft.com/office/drawing/2014/main" id="{53315EB8-FA37-B696-2A81-595F3BBBB080}"/>
               </a:ext>
             </a:extLst>
           </p:cNvPr>
@@ -12940,7 +12963,7 @@
           <p:cNvPr id="17" name="직사각형 16">
             <a:extLst>
               <a:ext uri="{FF2B5EF4-FFF2-40B4-BE49-F238E27FC236}">
-                <a16:creationId xmlns:a16="http://schemas.microsoft.com/office/drawing/2014/main" xmlns="" id="{4ABB6460-CABA-DEA4-B03C-21723FF1CB71}"/>
+                <a16:creationId xmlns="" xmlns:a16="http://schemas.microsoft.com/office/drawing/2014/main" id="{4ABB6460-CABA-DEA4-B03C-21723FF1CB71}"/>
               </a:ext>
             </a:extLst>
           </p:cNvPr>
@@ -12992,7 +13015,7 @@
           <p:cNvPr id="18" name="직선 화살표 연결선 17">
             <a:extLst>
               <a:ext uri="{FF2B5EF4-FFF2-40B4-BE49-F238E27FC236}">
-                <a16:creationId xmlns:a16="http://schemas.microsoft.com/office/drawing/2014/main" xmlns="" id="{CC0BAF65-6802-40B1-5004-BFB8D3C5465A}"/>
+                <a16:creationId xmlns="" xmlns:a16="http://schemas.microsoft.com/office/drawing/2014/main" id="{CC0BAF65-6802-40B1-5004-BFB8D3C5465A}"/>
               </a:ext>
             </a:extLst>
           </p:cNvPr>
@@ -13033,7 +13056,7 @@
           <p:cNvPr id="19" name="TextBox 18">
             <a:extLst>
               <a:ext uri="{FF2B5EF4-FFF2-40B4-BE49-F238E27FC236}">
-                <a16:creationId xmlns:a16="http://schemas.microsoft.com/office/drawing/2014/main" xmlns="" id="{3E4B0FDF-9D84-B4F4-6ABF-4E7AAA2938DA}"/>
+                <a16:creationId xmlns="" xmlns:a16="http://schemas.microsoft.com/office/drawing/2014/main" id="{3E4B0FDF-9D84-B4F4-6ABF-4E7AAA2938DA}"/>
               </a:ext>
             </a:extLst>
           </p:cNvPr>
@@ -13114,7 +13137,7 @@
           <p:cNvPr id="5" name="그림 4">
             <a:extLst>
               <a:ext uri="{FF2B5EF4-FFF2-40B4-BE49-F238E27FC236}">
-                <a16:creationId xmlns:a16="http://schemas.microsoft.com/office/drawing/2014/main" xmlns="" id="{0C58F38A-668D-F086-BA73-F9C2EDAAE878}"/>
+                <a16:creationId xmlns="" xmlns:a16="http://schemas.microsoft.com/office/drawing/2014/main" id="{0C58F38A-668D-F086-BA73-F9C2EDAAE878}"/>
               </a:ext>
             </a:extLst>
           </p:cNvPr>
@@ -13144,7 +13167,7 @@
           <p:cNvPr id="7" name="그림 6">
             <a:extLst>
               <a:ext uri="{FF2B5EF4-FFF2-40B4-BE49-F238E27FC236}">
-                <a16:creationId xmlns:a16="http://schemas.microsoft.com/office/drawing/2014/main" xmlns="" id="{4B10BD0B-E467-B079-A989-BF312FAA7A0A}"/>
+                <a16:creationId xmlns="" xmlns:a16="http://schemas.microsoft.com/office/drawing/2014/main" id="{4B10BD0B-E467-B079-A989-BF312FAA7A0A}"/>
               </a:ext>
             </a:extLst>
           </p:cNvPr>
@@ -13306,7 +13329,7 @@
           <p:cNvPr id="4" name="TextBox 3">
             <a:extLst>
               <a:ext uri="{FF2B5EF4-FFF2-40B4-BE49-F238E27FC236}">
-                <a16:creationId xmlns:a16="http://schemas.microsoft.com/office/drawing/2014/main" xmlns="" id="{A4B47D42-18AA-229A-0D37-134EBEF1C590}"/>
+                <a16:creationId xmlns="" xmlns:a16="http://schemas.microsoft.com/office/drawing/2014/main" id="{A4B47D42-18AA-229A-0D37-134EBEF1C590}"/>
               </a:ext>
             </a:extLst>
           </p:cNvPr>
@@ -13315,8 +13338,8 @@
         </p:nvSpPr>
         <p:spPr>
           <a:xfrm>
-            <a:off x="3200400" y="1104900"/>
-            <a:ext cx="11887200" cy="1569660"/>
+            <a:off x="2362200" y="1104900"/>
+            <a:ext cx="14859000" cy="1569660"/>
           </a:xfrm>
           <a:prstGeom prst="rect">
             <a:avLst/>
@@ -13427,7 +13450,7 @@
           <p:cNvPr id="5" name="TextBox 4">
             <a:extLst>
               <a:ext uri="{FF2B5EF4-FFF2-40B4-BE49-F238E27FC236}">
-                <a16:creationId xmlns:a16="http://schemas.microsoft.com/office/drawing/2014/main" xmlns="" id="{9AC23E82-E1D0-37C7-8671-62256955F11C}"/>
+                <a16:creationId xmlns="" xmlns:a16="http://schemas.microsoft.com/office/drawing/2014/main" id="{9AC23E82-E1D0-37C7-8671-62256955F11C}"/>
               </a:ext>
             </a:extLst>
           </p:cNvPr>
@@ -13600,7 +13623,7 @@
           <p:cNvPr id="6" name="그림 5">
             <a:extLst>
               <a:ext uri="{FF2B5EF4-FFF2-40B4-BE49-F238E27FC236}">
-                <a16:creationId xmlns:a16="http://schemas.microsoft.com/office/drawing/2014/main" xmlns="" id="{30D96430-B52F-869F-CAE4-D3C67B7C95B5}"/>
+                <a16:creationId xmlns="" xmlns:a16="http://schemas.microsoft.com/office/drawing/2014/main" id="{30D96430-B52F-869F-CAE4-D3C67B7C95B5}"/>
               </a:ext>
             </a:extLst>
           </p:cNvPr>
@@ -13617,7 +13640,7 @@
         </p:blipFill>
         <p:spPr>
           <a:xfrm>
-            <a:off x="2514600" y="4305300"/>
+            <a:off x="2667000" y="4381500"/>
             <a:ext cx="13514696" cy="2590800"/>
           </a:xfrm>
           <a:prstGeom prst="rect">
@@ -13908,7 +13931,7 @@
           <p:cNvPr id="11" name="TextBox 10">
             <a:extLst>
               <a:ext uri="{FF2B5EF4-FFF2-40B4-BE49-F238E27FC236}">
-                <a16:creationId xmlns:a16="http://schemas.microsoft.com/office/drawing/2014/main" xmlns="" id="{9F88F580-08BE-88C2-D640-13F0026591CB}"/>
+                <a16:creationId xmlns="" xmlns:a16="http://schemas.microsoft.com/office/drawing/2014/main" id="{9F88F580-08BE-88C2-D640-13F0026591CB}"/>
               </a:ext>
             </a:extLst>
           </p:cNvPr>
@@ -13959,7 +13982,7 @@
           <p:cNvPr id="13" name="TextBox 12">
             <a:extLst>
               <a:ext uri="{FF2B5EF4-FFF2-40B4-BE49-F238E27FC236}">
-                <a16:creationId xmlns:a16="http://schemas.microsoft.com/office/drawing/2014/main" xmlns="" id="{72769C28-9BB6-DE9C-7B6F-264B77B8DD0E}"/>
+                <a16:creationId xmlns="" xmlns:a16="http://schemas.microsoft.com/office/drawing/2014/main" id="{72769C28-9BB6-DE9C-7B6F-264B77B8DD0E}"/>
               </a:ext>
             </a:extLst>
           </p:cNvPr>
@@ -14007,7 +14030,7 @@
           <p:cNvPr id="14" name="TextBox 13">
             <a:extLst>
               <a:ext uri="{FF2B5EF4-FFF2-40B4-BE49-F238E27FC236}">
-                <a16:creationId xmlns:a16="http://schemas.microsoft.com/office/drawing/2014/main" xmlns="" id="{270FBB6A-01CE-5637-78DA-58F0C974145C}"/>
+                <a16:creationId xmlns="" xmlns:a16="http://schemas.microsoft.com/office/drawing/2014/main" id="{270FBB6A-01CE-5637-78DA-58F0C974145C}"/>
               </a:ext>
             </a:extLst>
           </p:cNvPr>
@@ -14055,7 +14078,7 @@
           <p:cNvPr id="2" name="Object 17">
             <a:extLst>
               <a:ext uri="{FF2B5EF4-FFF2-40B4-BE49-F238E27FC236}">
-                <a16:creationId xmlns:a16="http://schemas.microsoft.com/office/drawing/2014/main" xmlns="" id="{140B283D-FE58-FA6F-6F7C-E0F1DBB62A65}"/>
+                <a16:creationId xmlns="" xmlns:a16="http://schemas.microsoft.com/office/drawing/2014/main" id="{140B283D-FE58-FA6F-6F7C-E0F1DBB62A65}"/>
               </a:ext>
             </a:extLst>
           </p:cNvPr>
@@ -14085,7 +14108,7 @@
           <p:cNvPr id="4" name="TextBox 3">
             <a:extLst>
               <a:ext uri="{FF2B5EF4-FFF2-40B4-BE49-F238E27FC236}">
-                <a16:creationId xmlns:a16="http://schemas.microsoft.com/office/drawing/2014/main" xmlns="" id="{2C8D0998-79BC-6FD2-59D9-8052B4A25F65}"/>
+                <a16:creationId xmlns="" xmlns:a16="http://schemas.microsoft.com/office/drawing/2014/main" id="{2C8D0998-79BC-6FD2-59D9-8052B4A25F65}"/>
               </a:ext>
             </a:extLst>
           </p:cNvPr>
@@ -14133,7 +14156,7 @@
           <p:cNvPr id="5" name="Object 18">
             <a:extLst>
               <a:ext uri="{FF2B5EF4-FFF2-40B4-BE49-F238E27FC236}">
-                <a16:creationId xmlns:a16="http://schemas.microsoft.com/office/drawing/2014/main" xmlns="" id="{3F58EA3E-1018-64D3-FAB2-4F6B9618FA56}"/>
+                <a16:creationId xmlns="" xmlns:a16="http://schemas.microsoft.com/office/drawing/2014/main" id="{3F58EA3E-1018-64D3-FAB2-4F6B9618FA56}"/>
               </a:ext>
             </a:extLst>
           </p:cNvPr>
@@ -14163,7 +14186,7 @@
           <p:cNvPr id="8" name="TextBox 7">
             <a:extLst>
               <a:ext uri="{FF2B5EF4-FFF2-40B4-BE49-F238E27FC236}">
-                <a16:creationId xmlns:a16="http://schemas.microsoft.com/office/drawing/2014/main" xmlns="" id="{681D3F16-7DCF-41AD-F5F1-0558C78C0E4D}"/>
+                <a16:creationId xmlns="" xmlns:a16="http://schemas.microsoft.com/office/drawing/2014/main" id="{681D3F16-7DCF-41AD-F5F1-0558C78C0E4D}"/>
               </a:ext>
             </a:extLst>
           </p:cNvPr>
@@ -14236,7 +14259,7 @@
           <p:cNvPr id="4" name="TextBox 3">
             <a:extLst>
               <a:ext uri="{FF2B5EF4-FFF2-40B4-BE49-F238E27FC236}">
-                <a16:creationId xmlns:a16="http://schemas.microsoft.com/office/drawing/2014/main" xmlns="" id="{C81487F5-7D8C-9906-1F93-ABBDA7A0F5C3}"/>
+                <a16:creationId xmlns="" xmlns:a16="http://schemas.microsoft.com/office/drawing/2014/main" id="{C81487F5-7D8C-9906-1F93-ABBDA7A0F5C3}"/>
               </a:ext>
             </a:extLst>
           </p:cNvPr>
@@ -14246,7 +14269,7 @@
         <p:spPr>
           <a:xfrm>
             <a:off x="1905000" y="342900"/>
-            <a:ext cx="11887200" cy="1569660"/>
+            <a:ext cx="15849600" cy="1569660"/>
           </a:xfrm>
           <a:prstGeom prst="rect">
             <a:avLst/>
@@ -14337,7 +14360,7 @@
           <p:cNvPr id="6" name="그림 5">
             <a:extLst>
               <a:ext uri="{FF2B5EF4-FFF2-40B4-BE49-F238E27FC236}">
-                <a16:creationId xmlns:a16="http://schemas.microsoft.com/office/drawing/2014/main" xmlns="" id="{0B027E8F-3AB7-7678-3534-0C89F2A31003}"/>
+                <a16:creationId xmlns="" xmlns:a16="http://schemas.microsoft.com/office/drawing/2014/main" id="{0B027E8F-3AB7-7678-3534-0C89F2A31003}"/>
               </a:ext>
             </a:extLst>
           </p:cNvPr>
@@ -14367,7 +14390,7 @@
           <p:cNvPr id="7" name="직사각형 6">
             <a:extLst>
               <a:ext uri="{FF2B5EF4-FFF2-40B4-BE49-F238E27FC236}">
-                <a16:creationId xmlns:a16="http://schemas.microsoft.com/office/drawing/2014/main" xmlns="" id="{B5899ECF-219A-C5C7-80F2-CE9DD3ADC122}"/>
+                <a16:creationId xmlns="" xmlns:a16="http://schemas.microsoft.com/office/drawing/2014/main" id="{B5899ECF-219A-C5C7-80F2-CE9DD3ADC122}"/>
               </a:ext>
             </a:extLst>
           </p:cNvPr>
@@ -14424,6 +14447,13 @@
   <p:clrMapOvr>
     <a:masterClrMapping/>
   </p:clrMapOvr>
+  <p:timing>
+    <p:tnLst>
+      <p:par>
+        <p:cTn id="1" dur="indefinite" restart="never" nodeType="tmRoot"/>
+      </p:par>
+    </p:tnLst>
+  </p:timing>
 </p:sld>
 </file>
 
@@ -14449,7 +14479,7 @@
           <p:cNvPr id="5" name="그림 4">
             <a:extLst>
               <a:ext uri="{FF2B5EF4-FFF2-40B4-BE49-F238E27FC236}">
-                <a16:creationId xmlns:a16="http://schemas.microsoft.com/office/drawing/2014/main" xmlns="" id="{42B188B5-1E6E-9160-FFA8-1F6B7CB539BD}"/>
+                <a16:creationId xmlns="" xmlns:a16="http://schemas.microsoft.com/office/drawing/2014/main" id="{42B188B5-1E6E-9160-FFA8-1F6B7CB539BD}"/>
               </a:ext>
             </a:extLst>
           </p:cNvPr>
@@ -14479,7 +14509,7 @@
           <p:cNvPr id="7" name="그림 6">
             <a:extLst>
               <a:ext uri="{FF2B5EF4-FFF2-40B4-BE49-F238E27FC236}">
-                <a16:creationId xmlns:a16="http://schemas.microsoft.com/office/drawing/2014/main" xmlns="" id="{26F6553B-1023-1B6D-A835-0D79AF451235}"/>
+                <a16:creationId xmlns="" xmlns:a16="http://schemas.microsoft.com/office/drawing/2014/main" id="{26F6553B-1023-1B6D-A835-0D79AF451235}"/>
               </a:ext>
             </a:extLst>
           </p:cNvPr>
@@ -14509,7 +14539,7 @@
           <p:cNvPr id="8" name="TextBox 7">
             <a:extLst>
               <a:ext uri="{FF2B5EF4-FFF2-40B4-BE49-F238E27FC236}">
-                <a16:creationId xmlns:a16="http://schemas.microsoft.com/office/drawing/2014/main" xmlns="" id="{B9FA400A-B8B5-83B3-7238-B83D697C57CB}"/>
+                <a16:creationId xmlns="" xmlns:a16="http://schemas.microsoft.com/office/drawing/2014/main" id="{B9FA400A-B8B5-83B3-7238-B83D697C57CB}"/>
               </a:ext>
             </a:extLst>
           </p:cNvPr>
@@ -14519,7 +14549,7 @@
         <p:spPr>
           <a:xfrm>
             <a:off x="3733800" y="1204632"/>
-            <a:ext cx="11887200" cy="830997"/>
+            <a:ext cx="13478410" cy="830997"/>
           </a:xfrm>
           <a:prstGeom prst="rect">
             <a:avLst/>
@@ -14560,7 +14590,7 @@
           <p:cNvPr id="10" name="그림 9">
             <a:extLst>
               <a:ext uri="{FF2B5EF4-FFF2-40B4-BE49-F238E27FC236}">
-                <a16:creationId xmlns:a16="http://schemas.microsoft.com/office/drawing/2014/main" xmlns="" id="{B0FD798C-49ED-D01A-FF7E-3F9DE2FF623D}"/>
+                <a16:creationId xmlns="" xmlns:a16="http://schemas.microsoft.com/office/drawing/2014/main" id="{B0FD798C-49ED-D01A-FF7E-3F9DE2FF623D}"/>
               </a:ext>
             </a:extLst>
           </p:cNvPr>
@@ -14590,7 +14620,7 @@
           <p:cNvPr id="11" name="TextBox 10">
             <a:extLst>
               <a:ext uri="{FF2B5EF4-FFF2-40B4-BE49-F238E27FC236}">
-                <a16:creationId xmlns:a16="http://schemas.microsoft.com/office/drawing/2014/main" xmlns="" id="{C9F6AFE8-C396-FF1A-6451-19A9CAB1CDBF}"/>
+                <a16:creationId xmlns="" xmlns:a16="http://schemas.microsoft.com/office/drawing/2014/main" id="{C9F6AFE8-C396-FF1A-6451-19A9CAB1CDBF}"/>
               </a:ext>
             </a:extLst>
           </p:cNvPr>
@@ -14661,7 +14691,7 @@
           <p:cNvPr id="12" name="그림 11">
             <a:extLst>
               <a:ext uri="{FF2B5EF4-FFF2-40B4-BE49-F238E27FC236}">
-                <a16:creationId xmlns:a16="http://schemas.microsoft.com/office/drawing/2014/main" xmlns="" id="{4AE3EE00-181E-3E15-E39F-D46245B6DF7F}"/>
+                <a16:creationId xmlns="" xmlns:a16="http://schemas.microsoft.com/office/drawing/2014/main" id="{4AE3EE00-181E-3E15-E39F-D46245B6DF7F}"/>
               </a:ext>
             </a:extLst>
           </p:cNvPr>
@@ -14841,7 +14871,7 @@
           <p:cNvPr id="4" name="TextBox 3">
             <a:extLst>
               <a:ext uri="{FF2B5EF4-FFF2-40B4-BE49-F238E27FC236}">
-                <a16:creationId xmlns:a16="http://schemas.microsoft.com/office/drawing/2014/main" xmlns="" id="{714AD66A-1431-81A5-C485-5B5EE9D88CD9}"/>
+                <a16:creationId xmlns="" xmlns:a16="http://schemas.microsoft.com/office/drawing/2014/main" id="{714AD66A-1431-81A5-C485-5B5EE9D88CD9}"/>
               </a:ext>
             </a:extLst>
           </p:cNvPr>
@@ -14851,7 +14881,7 @@
         <p:spPr>
           <a:xfrm>
             <a:off x="3048000" y="4000500"/>
-            <a:ext cx="11887200" cy="830997"/>
+            <a:ext cx="13639800" cy="830997"/>
           </a:xfrm>
           <a:prstGeom prst="rect">
             <a:avLst/>
@@ -14922,7 +14952,7 @@
           <p:cNvPr id="6" name="그림 5">
             <a:extLst>
               <a:ext uri="{FF2B5EF4-FFF2-40B4-BE49-F238E27FC236}">
-                <a16:creationId xmlns:a16="http://schemas.microsoft.com/office/drawing/2014/main" xmlns="" id="{4DD77E04-6E0A-113A-8B50-2F0D213B173C}"/>
+                <a16:creationId xmlns="" xmlns:a16="http://schemas.microsoft.com/office/drawing/2014/main" id="{4DD77E04-6E0A-113A-8B50-2F0D213B173C}"/>
               </a:ext>
             </a:extLst>
           </p:cNvPr>
@@ -14952,7 +14982,7 @@
           <p:cNvPr id="7" name="TextBox 6">
             <a:extLst>
               <a:ext uri="{FF2B5EF4-FFF2-40B4-BE49-F238E27FC236}">
-                <a16:creationId xmlns:a16="http://schemas.microsoft.com/office/drawing/2014/main" xmlns="" id="{7688AD3F-0A4F-B617-5D69-BCD02042E948}"/>
+                <a16:creationId xmlns="" xmlns:a16="http://schemas.microsoft.com/office/drawing/2014/main" id="{7688AD3F-0A4F-B617-5D69-BCD02042E948}"/>
               </a:ext>
             </a:extLst>
           </p:cNvPr>
@@ -15020,7 +15050,7 @@
           <p:cNvPr id="8" name="직사각형 7">
             <a:extLst>
               <a:ext uri="{FF2B5EF4-FFF2-40B4-BE49-F238E27FC236}">
-                <a16:creationId xmlns:a16="http://schemas.microsoft.com/office/drawing/2014/main" xmlns="" id="{72399CD4-03E0-2E83-8173-848FB14CF325}"/>
+                <a16:creationId xmlns="" xmlns:a16="http://schemas.microsoft.com/office/drawing/2014/main" id="{72399CD4-03E0-2E83-8173-848FB14CF325}"/>
               </a:ext>
             </a:extLst>
           </p:cNvPr>
@@ -15072,7 +15102,7 @@
           <p:cNvPr id="9" name="직사각형 8">
             <a:extLst>
               <a:ext uri="{FF2B5EF4-FFF2-40B4-BE49-F238E27FC236}">
-                <a16:creationId xmlns:a16="http://schemas.microsoft.com/office/drawing/2014/main" xmlns="" id="{F032ECF1-4D2A-58ED-74B9-781946710DCF}"/>
+                <a16:creationId xmlns="" xmlns:a16="http://schemas.microsoft.com/office/drawing/2014/main" id="{F032ECF1-4D2A-58ED-74B9-781946710DCF}"/>
               </a:ext>
             </a:extLst>
           </p:cNvPr>
@@ -15124,7 +15154,7 @@
           <p:cNvPr id="10" name="직선 화살표 연결선 9">
             <a:extLst>
               <a:ext uri="{FF2B5EF4-FFF2-40B4-BE49-F238E27FC236}">
-                <a16:creationId xmlns:a16="http://schemas.microsoft.com/office/drawing/2014/main" xmlns="" id="{5FDA891A-69C5-B9EC-35D4-0B9F77865DCA}"/>
+                <a16:creationId xmlns="" xmlns:a16="http://schemas.microsoft.com/office/drawing/2014/main" id="{5FDA891A-69C5-B9EC-35D4-0B9F77865DCA}"/>
               </a:ext>
             </a:extLst>
           </p:cNvPr>
@@ -15165,7 +15195,7 @@
           <p:cNvPr id="11" name="TextBox 10">
             <a:extLst>
               <a:ext uri="{FF2B5EF4-FFF2-40B4-BE49-F238E27FC236}">
-                <a16:creationId xmlns:a16="http://schemas.microsoft.com/office/drawing/2014/main" xmlns="" id="{D1659B4E-EC4C-C0EF-3689-E85887FEB6C0}"/>
+                <a16:creationId xmlns="" xmlns:a16="http://schemas.microsoft.com/office/drawing/2014/main" id="{D1659B4E-EC4C-C0EF-3689-E85887FEB6C0}"/>
               </a:ext>
             </a:extLst>
           </p:cNvPr>
@@ -15256,7 +15286,7 @@
           <p:cNvPr id="14" name="그림 13">
             <a:extLst>
               <a:ext uri="{FF2B5EF4-FFF2-40B4-BE49-F238E27FC236}">
-                <a16:creationId xmlns:a16="http://schemas.microsoft.com/office/drawing/2014/main" xmlns="" id="{1E0C07AA-4519-0F4F-BD8D-4D7191B57876}"/>
+                <a16:creationId xmlns="" xmlns:a16="http://schemas.microsoft.com/office/drawing/2014/main" id="{1E0C07AA-4519-0F4F-BD8D-4D7191B57876}"/>
               </a:ext>
             </a:extLst>
           </p:cNvPr>
@@ -15316,7 +15346,7 @@
           <p:cNvPr id="5" name="그림 4">
             <a:extLst>
               <a:ext uri="{FF2B5EF4-FFF2-40B4-BE49-F238E27FC236}">
-                <a16:creationId xmlns:a16="http://schemas.microsoft.com/office/drawing/2014/main" xmlns="" id="{ACFECC8E-077E-192F-8168-FE5A1D129F24}"/>
+                <a16:creationId xmlns="" xmlns:a16="http://schemas.microsoft.com/office/drawing/2014/main" id="{ACFECC8E-077E-192F-8168-FE5A1D129F24}"/>
               </a:ext>
             </a:extLst>
           </p:cNvPr>
@@ -15346,7 +15376,7 @@
           <p:cNvPr id="6" name="직선 화살표 연결선 5">
             <a:extLst>
               <a:ext uri="{FF2B5EF4-FFF2-40B4-BE49-F238E27FC236}">
-                <a16:creationId xmlns:a16="http://schemas.microsoft.com/office/drawing/2014/main" xmlns="" id="{4C73D929-C88F-513D-0486-C18214676825}"/>
+                <a16:creationId xmlns="" xmlns:a16="http://schemas.microsoft.com/office/drawing/2014/main" id="{4C73D929-C88F-513D-0486-C18214676825}"/>
               </a:ext>
             </a:extLst>
           </p:cNvPr>
@@ -15387,7 +15417,7 @@
           <p:cNvPr id="7" name="직사각형 6">
             <a:extLst>
               <a:ext uri="{FF2B5EF4-FFF2-40B4-BE49-F238E27FC236}">
-                <a16:creationId xmlns:a16="http://schemas.microsoft.com/office/drawing/2014/main" xmlns="" id="{774B6D50-DB97-F8B2-5B68-020C110A2151}"/>
+                <a16:creationId xmlns="" xmlns:a16="http://schemas.microsoft.com/office/drawing/2014/main" id="{774B6D50-DB97-F8B2-5B68-020C110A2151}"/>
               </a:ext>
             </a:extLst>
           </p:cNvPr>
@@ -15439,7 +15469,7 @@
           <p:cNvPr id="8" name="TextBox 7">
             <a:extLst>
               <a:ext uri="{FF2B5EF4-FFF2-40B4-BE49-F238E27FC236}">
-                <a16:creationId xmlns:a16="http://schemas.microsoft.com/office/drawing/2014/main" xmlns="" id="{BB2BB848-BE50-697B-873A-9160BEA3AB6C}"/>
+                <a16:creationId xmlns="" xmlns:a16="http://schemas.microsoft.com/office/drawing/2014/main" id="{BB2BB848-BE50-697B-873A-9160BEA3AB6C}"/>
               </a:ext>
             </a:extLst>
           </p:cNvPr>
@@ -15560,7 +15590,7 @@
           <p:cNvPr id="5" name="그림 4">
             <a:extLst>
               <a:ext uri="{FF2B5EF4-FFF2-40B4-BE49-F238E27FC236}">
-                <a16:creationId xmlns:a16="http://schemas.microsoft.com/office/drawing/2014/main" xmlns="" id="{9CAB82E4-9461-C08B-9F2B-A0FE4CC8F63C}"/>
+                <a16:creationId xmlns="" xmlns:a16="http://schemas.microsoft.com/office/drawing/2014/main" id="{9CAB82E4-9461-C08B-9F2B-A0FE4CC8F63C}"/>
               </a:ext>
             </a:extLst>
           </p:cNvPr>
@@ -15590,7 +15620,7 @@
           <p:cNvPr id="7" name="그림 6">
             <a:extLst>
               <a:ext uri="{FF2B5EF4-FFF2-40B4-BE49-F238E27FC236}">
-                <a16:creationId xmlns:a16="http://schemas.microsoft.com/office/drawing/2014/main" xmlns="" id="{3DA27BC0-5D81-043E-1C9B-BBD8904CF8C4}"/>
+                <a16:creationId xmlns="" xmlns:a16="http://schemas.microsoft.com/office/drawing/2014/main" id="{3DA27BC0-5D81-043E-1C9B-BBD8904CF8C4}"/>
               </a:ext>
             </a:extLst>
           </p:cNvPr>
@@ -15620,7 +15650,7 @@
           <p:cNvPr id="8" name="직사각형 7">
             <a:extLst>
               <a:ext uri="{FF2B5EF4-FFF2-40B4-BE49-F238E27FC236}">
-                <a16:creationId xmlns:a16="http://schemas.microsoft.com/office/drawing/2014/main" xmlns="" id="{2A381ED6-8B90-2798-EDBC-07641F27291E}"/>
+                <a16:creationId xmlns="" xmlns:a16="http://schemas.microsoft.com/office/drawing/2014/main" id="{2A381ED6-8B90-2798-EDBC-07641F27291E}"/>
               </a:ext>
             </a:extLst>
           </p:cNvPr>
@@ -15672,7 +15702,7 @@
           <p:cNvPr id="9" name="직선 화살표 연결선 8">
             <a:extLst>
               <a:ext uri="{FF2B5EF4-FFF2-40B4-BE49-F238E27FC236}">
-                <a16:creationId xmlns:a16="http://schemas.microsoft.com/office/drawing/2014/main" xmlns="" id="{70B48AFB-0111-0CEF-AC72-74CEBDF2809B}"/>
+                <a16:creationId xmlns="" xmlns:a16="http://schemas.microsoft.com/office/drawing/2014/main" id="{70B48AFB-0111-0CEF-AC72-74CEBDF2809B}"/>
               </a:ext>
             </a:extLst>
           </p:cNvPr>
@@ -15713,7 +15743,7 @@
           <p:cNvPr id="10" name="TextBox 9">
             <a:extLst>
               <a:ext uri="{FF2B5EF4-FFF2-40B4-BE49-F238E27FC236}">
-                <a16:creationId xmlns:a16="http://schemas.microsoft.com/office/drawing/2014/main" xmlns="" id="{984B5AFF-469B-392E-1F28-2F754162E183}"/>
+                <a16:creationId xmlns="" xmlns:a16="http://schemas.microsoft.com/office/drawing/2014/main" id="{984B5AFF-469B-392E-1F28-2F754162E183}"/>
               </a:ext>
             </a:extLst>
           </p:cNvPr>
@@ -15764,7 +15794,7 @@
           <p:cNvPr id="13" name="그림 12">
             <a:extLst>
               <a:ext uri="{FF2B5EF4-FFF2-40B4-BE49-F238E27FC236}">
-                <a16:creationId xmlns:a16="http://schemas.microsoft.com/office/drawing/2014/main" xmlns="" id="{CBD42DC9-D177-9501-FD03-DDAAB6DE8107}"/>
+                <a16:creationId xmlns="" xmlns:a16="http://schemas.microsoft.com/office/drawing/2014/main" id="{CBD42DC9-D177-9501-FD03-DDAAB6DE8107}"/>
               </a:ext>
             </a:extLst>
           </p:cNvPr>
@@ -15794,7 +15824,7 @@
           <p:cNvPr id="15" name="TextBox 14">
             <a:extLst>
               <a:ext uri="{FF2B5EF4-FFF2-40B4-BE49-F238E27FC236}">
-                <a16:creationId xmlns:a16="http://schemas.microsoft.com/office/drawing/2014/main" xmlns="" id="{62F7974A-2843-44F2-F4E2-23080B171E42}"/>
+                <a16:creationId xmlns="" xmlns:a16="http://schemas.microsoft.com/office/drawing/2014/main" id="{62F7974A-2843-44F2-F4E2-23080B171E42}"/>
               </a:ext>
             </a:extLst>
           </p:cNvPr>
@@ -15845,7 +15875,7 @@
           <p:cNvPr id="16" name="그림 15">
             <a:extLst>
               <a:ext uri="{FF2B5EF4-FFF2-40B4-BE49-F238E27FC236}">
-                <a16:creationId xmlns:a16="http://schemas.microsoft.com/office/drawing/2014/main" xmlns="" id="{D33F0424-88A6-7EE0-C6F0-F9BB3C8DB26A}"/>
+                <a16:creationId xmlns="" xmlns:a16="http://schemas.microsoft.com/office/drawing/2014/main" id="{D33F0424-88A6-7EE0-C6F0-F9BB3C8DB26A}"/>
               </a:ext>
             </a:extLst>
           </p:cNvPr>
@@ -15980,7 +16010,7 @@
           <p:cNvPr id="10" name="그림 9">
             <a:extLst>
               <a:ext uri="{FF2B5EF4-FFF2-40B4-BE49-F238E27FC236}">
-                <a16:creationId xmlns:a16="http://schemas.microsoft.com/office/drawing/2014/main" xmlns="" id="{F39856AD-3949-5303-B24B-2B542939076A}"/>
+                <a16:creationId xmlns="" xmlns:a16="http://schemas.microsoft.com/office/drawing/2014/main" id="{F39856AD-3949-5303-B24B-2B542939076A}"/>
               </a:ext>
             </a:extLst>
           </p:cNvPr>
@@ -16010,7 +16040,7 @@
           <p:cNvPr id="12" name="그림 11">
             <a:extLst>
               <a:ext uri="{FF2B5EF4-FFF2-40B4-BE49-F238E27FC236}">
-                <a16:creationId xmlns:a16="http://schemas.microsoft.com/office/drawing/2014/main" xmlns="" id="{15B52A7A-A106-1A74-E26B-F314A81ED33B}"/>
+                <a16:creationId xmlns="" xmlns:a16="http://schemas.microsoft.com/office/drawing/2014/main" id="{15B52A7A-A106-1A74-E26B-F314A81ED33B}"/>
               </a:ext>
             </a:extLst>
           </p:cNvPr>
@@ -16040,7 +16070,7 @@
           <p:cNvPr id="13" name="직선 화살표 연결선 12">
             <a:extLst>
               <a:ext uri="{FF2B5EF4-FFF2-40B4-BE49-F238E27FC236}">
-                <a16:creationId xmlns:a16="http://schemas.microsoft.com/office/drawing/2014/main" xmlns="" id="{939CD1E7-E008-DC73-18E8-72E0E9852195}"/>
+                <a16:creationId xmlns="" xmlns:a16="http://schemas.microsoft.com/office/drawing/2014/main" id="{939CD1E7-E008-DC73-18E8-72E0E9852195}"/>
               </a:ext>
             </a:extLst>
           </p:cNvPr>
@@ -16081,7 +16111,7 @@
           <p:cNvPr id="14" name="직사각형 13">
             <a:extLst>
               <a:ext uri="{FF2B5EF4-FFF2-40B4-BE49-F238E27FC236}">
-                <a16:creationId xmlns:a16="http://schemas.microsoft.com/office/drawing/2014/main" xmlns="" id="{5E92FFB7-4811-9AE8-9FD1-8164F20C3204}"/>
+                <a16:creationId xmlns="" xmlns:a16="http://schemas.microsoft.com/office/drawing/2014/main" id="{5E92FFB7-4811-9AE8-9FD1-8164F20C3204}"/>
               </a:ext>
             </a:extLst>
           </p:cNvPr>
@@ -16133,7 +16163,7 @@
           <p:cNvPr id="15" name="TextBox 14">
             <a:extLst>
               <a:ext uri="{FF2B5EF4-FFF2-40B4-BE49-F238E27FC236}">
-                <a16:creationId xmlns:a16="http://schemas.microsoft.com/office/drawing/2014/main" xmlns="" id="{E6AD528D-A493-BF78-4262-65950592FA50}"/>
+                <a16:creationId xmlns="" xmlns:a16="http://schemas.microsoft.com/office/drawing/2014/main" id="{E6AD528D-A493-BF78-4262-65950592FA50}"/>
               </a:ext>
             </a:extLst>
           </p:cNvPr>
@@ -16214,7 +16244,7 @@
           <p:cNvPr id="16" name="직선 화살표 연결선 15">
             <a:extLst>
               <a:ext uri="{FF2B5EF4-FFF2-40B4-BE49-F238E27FC236}">
-                <a16:creationId xmlns:a16="http://schemas.microsoft.com/office/drawing/2014/main" xmlns="" id="{E42EBF2C-9833-8C50-F5F2-CB7E61478D60}"/>
+                <a16:creationId xmlns="" xmlns:a16="http://schemas.microsoft.com/office/drawing/2014/main" id="{E42EBF2C-9833-8C50-F5F2-CB7E61478D60}"/>
               </a:ext>
             </a:extLst>
           </p:cNvPr>
@@ -16255,7 +16285,7 @@
           <p:cNvPr id="17" name="TextBox 16">
             <a:extLst>
               <a:ext uri="{FF2B5EF4-FFF2-40B4-BE49-F238E27FC236}">
-                <a16:creationId xmlns:a16="http://schemas.microsoft.com/office/drawing/2014/main" xmlns="" id="{0B870231-0772-19D0-EF13-8C97F8514E8B}"/>
+                <a16:creationId xmlns="" xmlns:a16="http://schemas.microsoft.com/office/drawing/2014/main" id="{0B870231-0772-19D0-EF13-8C97F8514E8B}"/>
               </a:ext>
             </a:extLst>
           </p:cNvPr>
@@ -16366,7 +16396,7 @@
           <p:cNvPr id="4" name="TextBox 3">
             <a:extLst>
               <a:ext uri="{FF2B5EF4-FFF2-40B4-BE49-F238E27FC236}">
-                <a16:creationId xmlns:a16="http://schemas.microsoft.com/office/drawing/2014/main" xmlns="" id="{ECBB5955-2ADD-2FFF-E51D-22D1EA7EBAAD}"/>
+                <a16:creationId xmlns="" xmlns:a16="http://schemas.microsoft.com/office/drawing/2014/main" id="{ECBB5955-2ADD-2FFF-E51D-22D1EA7EBAAD}"/>
               </a:ext>
             </a:extLst>
           </p:cNvPr>
@@ -16424,7 +16454,7 @@
           <p:cNvPr id="5" name="TextBox 4">
             <a:extLst>
               <a:ext uri="{FF2B5EF4-FFF2-40B4-BE49-F238E27FC236}">
-                <a16:creationId xmlns:a16="http://schemas.microsoft.com/office/drawing/2014/main" xmlns="" id="{F846AA12-2388-D95A-FADA-E7A8A47A7AF9}"/>
+                <a16:creationId xmlns="" xmlns:a16="http://schemas.microsoft.com/office/drawing/2014/main" id="{F846AA12-2388-D95A-FADA-E7A8A47A7AF9}"/>
               </a:ext>
             </a:extLst>
           </p:cNvPr>
@@ -16472,7 +16502,7 @@
           <p:cNvPr id="6" name="TextBox 5">
             <a:extLst>
               <a:ext uri="{FF2B5EF4-FFF2-40B4-BE49-F238E27FC236}">
-                <a16:creationId xmlns:a16="http://schemas.microsoft.com/office/drawing/2014/main" xmlns="" id="{9AE98462-F8B8-9C8A-A74F-D05AAF50DC00}"/>
+                <a16:creationId xmlns="" xmlns:a16="http://schemas.microsoft.com/office/drawing/2014/main" id="{9AE98462-F8B8-9C8A-A74F-D05AAF50DC00}"/>
               </a:ext>
             </a:extLst>
           </p:cNvPr>
@@ -16520,7 +16550,7 @@
           <p:cNvPr id="7" name="그룹 1008">
             <a:extLst>
               <a:ext uri="{FF2B5EF4-FFF2-40B4-BE49-F238E27FC236}">
-                <a16:creationId xmlns:a16="http://schemas.microsoft.com/office/drawing/2014/main" xmlns="" id="{F39D3ED7-603C-2E97-7B42-177882578F38}"/>
+                <a16:creationId xmlns="" xmlns:a16="http://schemas.microsoft.com/office/drawing/2014/main" id="{F39D3ED7-603C-2E97-7B42-177882578F38}"/>
               </a:ext>
             </a:extLst>
           </p:cNvPr>
@@ -16540,7 +16570,7 @@
             <p:cNvPr id="8" name="그룹 1009">
               <a:extLst>
                 <a:ext uri="{FF2B5EF4-FFF2-40B4-BE49-F238E27FC236}">
-                  <a16:creationId xmlns:a16="http://schemas.microsoft.com/office/drawing/2014/main" xmlns="" id="{9F0123ED-CFA2-4361-89A1-2299F3659FEA}"/>
+                  <a16:creationId xmlns="" xmlns:a16="http://schemas.microsoft.com/office/drawing/2014/main" id="{9F0123ED-CFA2-4361-89A1-2299F3659FEA}"/>
                 </a:ext>
               </a:extLst>
             </p:cNvPr>
@@ -16560,7 +16590,7 @@
               <p:cNvPr id="13" name="Object 29">
                 <a:extLst>
                   <a:ext uri="{FF2B5EF4-FFF2-40B4-BE49-F238E27FC236}">
-                    <a16:creationId xmlns:a16="http://schemas.microsoft.com/office/drawing/2014/main" xmlns="" id="{824FD0DE-FEC5-4DC9-796B-7699DB49A88B}"/>
+                    <a16:creationId xmlns="" xmlns:a16="http://schemas.microsoft.com/office/drawing/2014/main" id="{824FD0DE-FEC5-4DC9-796B-7699DB49A88B}"/>
                   </a:ext>
                 </a:extLst>
               </p:cNvPr>
@@ -16591,7 +16621,7 @@
             <p:cNvPr id="9" name="그룹 1010">
               <a:extLst>
                 <a:ext uri="{FF2B5EF4-FFF2-40B4-BE49-F238E27FC236}">
-                  <a16:creationId xmlns:a16="http://schemas.microsoft.com/office/drawing/2014/main" xmlns="" id="{F22C35BC-2B6B-E063-13C3-B08127159F1F}"/>
+                  <a16:creationId xmlns="" xmlns:a16="http://schemas.microsoft.com/office/drawing/2014/main" id="{F22C35BC-2B6B-E063-13C3-B08127159F1F}"/>
                 </a:ext>
               </a:extLst>
             </p:cNvPr>
@@ -16611,7 +16641,7 @@
               <p:cNvPr id="12" name="Object 32">
                 <a:extLst>
                   <a:ext uri="{FF2B5EF4-FFF2-40B4-BE49-F238E27FC236}">
-                    <a16:creationId xmlns:a16="http://schemas.microsoft.com/office/drawing/2014/main" xmlns="" id="{8C02370F-3C75-7C79-FB3E-303CCDF23A73}"/>
+                    <a16:creationId xmlns="" xmlns:a16="http://schemas.microsoft.com/office/drawing/2014/main" id="{8C02370F-3C75-7C79-FB3E-303CCDF23A73}"/>
                   </a:ext>
                 </a:extLst>
               </p:cNvPr>
@@ -16642,7 +16672,7 @@
             <p:cNvPr id="10" name="그룹 1011">
               <a:extLst>
                 <a:ext uri="{FF2B5EF4-FFF2-40B4-BE49-F238E27FC236}">
-                  <a16:creationId xmlns:a16="http://schemas.microsoft.com/office/drawing/2014/main" xmlns="" id="{AD7E5D89-A54C-7B46-B0A9-0EF45D35E02B}"/>
+                  <a16:creationId xmlns="" xmlns:a16="http://schemas.microsoft.com/office/drawing/2014/main" id="{AD7E5D89-A54C-7B46-B0A9-0EF45D35E02B}"/>
                 </a:ext>
               </a:extLst>
             </p:cNvPr>
@@ -16662,7 +16692,7 @@
               <p:cNvPr id="11" name="Object 35">
                 <a:extLst>
                   <a:ext uri="{FF2B5EF4-FFF2-40B4-BE49-F238E27FC236}">
-                    <a16:creationId xmlns:a16="http://schemas.microsoft.com/office/drawing/2014/main" xmlns="" id="{2E0D9C14-494C-1DF7-1EAC-E448D95AAA53}"/>
+                    <a16:creationId xmlns="" xmlns:a16="http://schemas.microsoft.com/office/drawing/2014/main" id="{2E0D9C14-494C-1DF7-1EAC-E448D95AAA53}"/>
                   </a:ext>
                 </a:extLst>
               </p:cNvPr>
@@ -16694,7 +16724,7 @@
           <p:cNvPr id="14" name="그룹 1008">
             <a:extLst>
               <a:ext uri="{FF2B5EF4-FFF2-40B4-BE49-F238E27FC236}">
-                <a16:creationId xmlns:a16="http://schemas.microsoft.com/office/drawing/2014/main" xmlns="" id="{E32C8F39-426E-1B52-9E53-434FEF900743}"/>
+                <a16:creationId xmlns="" xmlns:a16="http://schemas.microsoft.com/office/drawing/2014/main" id="{E32C8F39-426E-1B52-9E53-434FEF900743}"/>
               </a:ext>
             </a:extLst>
           </p:cNvPr>
@@ -16714,7 +16744,7 @@
             <p:cNvPr id="15" name="그룹 1009">
               <a:extLst>
                 <a:ext uri="{FF2B5EF4-FFF2-40B4-BE49-F238E27FC236}">
-                  <a16:creationId xmlns:a16="http://schemas.microsoft.com/office/drawing/2014/main" xmlns="" id="{EEADA361-81B7-6E09-6076-4983F9F8615B}"/>
+                  <a16:creationId xmlns="" xmlns:a16="http://schemas.microsoft.com/office/drawing/2014/main" id="{EEADA361-81B7-6E09-6076-4983F9F8615B}"/>
                 </a:ext>
               </a:extLst>
             </p:cNvPr>
@@ -16734,7 +16764,7 @@
               <p:cNvPr id="20" name="Object 29">
                 <a:extLst>
                   <a:ext uri="{FF2B5EF4-FFF2-40B4-BE49-F238E27FC236}">
-                    <a16:creationId xmlns:a16="http://schemas.microsoft.com/office/drawing/2014/main" xmlns="" id="{AD5AD14F-E19E-F21F-6A00-ADE3D4FDD65B}"/>
+                    <a16:creationId xmlns="" xmlns:a16="http://schemas.microsoft.com/office/drawing/2014/main" id="{AD5AD14F-E19E-F21F-6A00-ADE3D4FDD65B}"/>
                   </a:ext>
                 </a:extLst>
               </p:cNvPr>
@@ -16765,7 +16795,7 @@
             <p:cNvPr id="16" name="그룹 1010">
               <a:extLst>
                 <a:ext uri="{FF2B5EF4-FFF2-40B4-BE49-F238E27FC236}">
-                  <a16:creationId xmlns:a16="http://schemas.microsoft.com/office/drawing/2014/main" xmlns="" id="{900DF0DE-04EA-F03E-E036-E12D2194AEF9}"/>
+                  <a16:creationId xmlns="" xmlns:a16="http://schemas.microsoft.com/office/drawing/2014/main" id="{900DF0DE-04EA-F03E-E036-E12D2194AEF9}"/>
                 </a:ext>
               </a:extLst>
             </p:cNvPr>
@@ -16785,7 +16815,7 @@
               <p:cNvPr id="19" name="Object 32">
                 <a:extLst>
                   <a:ext uri="{FF2B5EF4-FFF2-40B4-BE49-F238E27FC236}">
-                    <a16:creationId xmlns:a16="http://schemas.microsoft.com/office/drawing/2014/main" xmlns="" id="{E877B310-7866-FD1E-3651-25525D34EEC4}"/>
+                    <a16:creationId xmlns="" xmlns:a16="http://schemas.microsoft.com/office/drawing/2014/main" id="{E877B310-7866-FD1E-3651-25525D34EEC4}"/>
                   </a:ext>
                 </a:extLst>
               </p:cNvPr>
@@ -16816,7 +16846,7 @@
             <p:cNvPr id="17" name="그룹 1011">
               <a:extLst>
                 <a:ext uri="{FF2B5EF4-FFF2-40B4-BE49-F238E27FC236}">
-                  <a16:creationId xmlns:a16="http://schemas.microsoft.com/office/drawing/2014/main" xmlns="" id="{816BFF5B-882C-F3EC-0E9E-3CE36610A85A}"/>
+                  <a16:creationId xmlns="" xmlns:a16="http://schemas.microsoft.com/office/drawing/2014/main" id="{816BFF5B-882C-F3EC-0E9E-3CE36610A85A}"/>
                 </a:ext>
               </a:extLst>
             </p:cNvPr>
@@ -16836,7 +16866,7 @@
               <p:cNvPr id="18" name="Object 35">
                 <a:extLst>
                   <a:ext uri="{FF2B5EF4-FFF2-40B4-BE49-F238E27FC236}">
-                    <a16:creationId xmlns:a16="http://schemas.microsoft.com/office/drawing/2014/main" xmlns="" id="{5241C309-72E9-EB39-C974-F974633C24E6}"/>
+                    <a16:creationId xmlns="" xmlns:a16="http://schemas.microsoft.com/office/drawing/2014/main" id="{5241C309-72E9-EB39-C974-F974633C24E6}"/>
                   </a:ext>
                 </a:extLst>
               </p:cNvPr>
@@ -16868,7 +16898,7 @@
           <p:cNvPr id="21" name="TextBox 20">
             <a:extLst>
               <a:ext uri="{FF2B5EF4-FFF2-40B4-BE49-F238E27FC236}">
-                <a16:creationId xmlns:a16="http://schemas.microsoft.com/office/drawing/2014/main" xmlns="" id="{B4AF22B1-0A91-3B3B-E26D-D4CAE2C5C189}"/>
+                <a16:creationId xmlns="" xmlns:a16="http://schemas.microsoft.com/office/drawing/2014/main" id="{B4AF22B1-0A91-3B3B-E26D-D4CAE2C5C189}"/>
               </a:ext>
             </a:extLst>
           </p:cNvPr>
@@ -16935,7 +16965,7 @@
           <p:cNvPr id="22" name="TextBox 21">
             <a:extLst>
               <a:ext uri="{FF2B5EF4-FFF2-40B4-BE49-F238E27FC236}">
-                <a16:creationId xmlns:a16="http://schemas.microsoft.com/office/drawing/2014/main" xmlns="" id="{9F119D85-1BB1-823A-8C2D-508A6FD42E1E}"/>
+                <a16:creationId xmlns="" xmlns:a16="http://schemas.microsoft.com/office/drawing/2014/main" id="{9F119D85-1BB1-823A-8C2D-508A6FD42E1E}"/>
               </a:ext>
             </a:extLst>
           </p:cNvPr>
@@ -16983,7 +17013,7 @@
           <p:cNvPr id="23" name="그룹 1008">
             <a:extLst>
               <a:ext uri="{FF2B5EF4-FFF2-40B4-BE49-F238E27FC236}">
-                <a16:creationId xmlns:a16="http://schemas.microsoft.com/office/drawing/2014/main" xmlns="" id="{89BA85CF-EF8D-BFDC-C1BF-B9218654BA4F}"/>
+                <a16:creationId xmlns="" xmlns:a16="http://schemas.microsoft.com/office/drawing/2014/main" id="{89BA85CF-EF8D-BFDC-C1BF-B9218654BA4F}"/>
               </a:ext>
             </a:extLst>
           </p:cNvPr>
@@ -17003,7 +17033,7 @@
             <p:cNvPr id="24" name="그룹 1009">
               <a:extLst>
                 <a:ext uri="{FF2B5EF4-FFF2-40B4-BE49-F238E27FC236}">
-                  <a16:creationId xmlns:a16="http://schemas.microsoft.com/office/drawing/2014/main" xmlns="" id="{E54DA61C-9009-639E-AB61-2C62688EEAD9}"/>
+                  <a16:creationId xmlns="" xmlns:a16="http://schemas.microsoft.com/office/drawing/2014/main" id="{E54DA61C-9009-639E-AB61-2C62688EEAD9}"/>
                 </a:ext>
               </a:extLst>
             </p:cNvPr>
@@ -17023,7 +17053,7 @@
               <p:cNvPr id="29" name="Object 29">
                 <a:extLst>
                   <a:ext uri="{FF2B5EF4-FFF2-40B4-BE49-F238E27FC236}">
-                    <a16:creationId xmlns:a16="http://schemas.microsoft.com/office/drawing/2014/main" xmlns="" id="{46EF24E0-CE31-3771-5B58-9E735B779799}"/>
+                    <a16:creationId xmlns="" xmlns:a16="http://schemas.microsoft.com/office/drawing/2014/main" id="{46EF24E0-CE31-3771-5B58-9E735B779799}"/>
                   </a:ext>
                 </a:extLst>
               </p:cNvPr>
@@ -17054,7 +17084,7 @@
             <p:cNvPr id="25" name="그룹 1010">
               <a:extLst>
                 <a:ext uri="{FF2B5EF4-FFF2-40B4-BE49-F238E27FC236}">
-                  <a16:creationId xmlns:a16="http://schemas.microsoft.com/office/drawing/2014/main" xmlns="" id="{0CED8284-C1BC-4409-87FA-A246802C2F25}"/>
+                  <a16:creationId xmlns="" xmlns:a16="http://schemas.microsoft.com/office/drawing/2014/main" id="{0CED8284-C1BC-4409-87FA-A246802C2F25}"/>
                 </a:ext>
               </a:extLst>
             </p:cNvPr>
@@ -17074,7 +17104,7 @@
               <p:cNvPr id="28" name="Object 32">
                 <a:extLst>
                   <a:ext uri="{FF2B5EF4-FFF2-40B4-BE49-F238E27FC236}">
-                    <a16:creationId xmlns:a16="http://schemas.microsoft.com/office/drawing/2014/main" xmlns="" id="{FCBC3F1D-4991-C9DC-81EF-0D206843D73E}"/>
+                    <a16:creationId xmlns="" xmlns:a16="http://schemas.microsoft.com/office/drawing/2014/main" id="{FCBC3F1D-4991-C9DC-81EF-0D206843D73E}"/>
                   </a:ext>
                 </a:extLst>
               </p:cNvPr>
@@ -17105,7 +17135,7 @@
             <p:cNvPr id="26" name="그룹 1011">
               <a:extLst>
                 <a:ext uri="{FF2B5EF4-FFF2-40B4-BE49-F238E27FC236}">
-                  <a16:creationId xmlns:a16="http://schemas.microsoft.com/office/drawing/2014/main" xmlns="" id="{2F800E3C-B9D3-A5CF-23AC-D7A9B0DDBEDC}"/>
+                  <a16:creationId xmlns="" xmlns:a16="http://schemas.microsoft.com/office/drawing/2014/main" id="{2F800E3C-B9D3-A5CF-23AC-D7A9B0DDBEDC}"/>
                 </a:ext>
               </a:extLst>
             </p:cNvPr>
@@ -17125,7 +17155,7 @@
               <p:cNvPr id="27" name="Object 35">
                 <a:extLst>
                   <a:ext uri="{FF2B5EF4-FFF2-40B4-BE49-F238E27FC236}">
-                    <a16:creationId xmlns:a16="http://schemas.microsoft.com/office/drawing/2014/main" xmlns="" id="{2ADE9FD6-FEA9-E653-A23D-44942DD40EA3}"/>
+                    <a16:creationId xmlns="" xmlns:a16="http://schemas.microsoft.com/office/drawing/2014/main" id="{2ADE9FD6-FEA9-E653-A23D-44942DD40EA3}"/>
                   </a:ext>
                 </a:extLst>
               </p:cNvPr>
@@ -17157,7 +17187,7 @@
           <p:cNvPr id="30" name="TextBox 29">
             <a:extLst>
               <a:ext uri="{FF2B5EF4-FFF2-40B4-BE49-F238E27FC236}">
-                <a16:creationId xmlns:a16="http://schemas.microsoft.com/office/drawing/2014/main" xmlns="" id="{0CF9AA2B-6400-75B9-9783-7C7A66E1E3E9}"/>
+                <a16:creationId xmlns="" xmlns:a16="http://schemas.microsoft.com/office/drawing/2014/main" id="{0CF9AA2B-6400-75B9-9783-7C7A66E1E3E9}"/>
               </a:ext>
             </a:extLst>
           </p:cNvPr>
@@ -17205,7 +17235,7 @@
           <p:cNvPr id="31" name="그룹 1008">
             <a:extLst>
               <a:ext uri="{FF2B5EF4-FFF2-40B4-BE49-F238E27FC236}">
-                <a16:creationId xmlns:a16="http://schemas.microsoft.com/office/drawing/2014/main" xmlns="" id="{E37D11F1-ACFB-CA70-465D-81444ECCD837}"/>
+                <a16:creationId xmlns="" xmlns:a16="http://schemas.microsoft.com/office/drawing/2014/main" id="{E37D11F1-ACFB-CA70-465D-81444ECCD837}"/>
               </a:ext>
             </a:extLst>
           </p:cNvPr>
@@ -17225,7 +17255,7 @@
             <p:cNvPr id="32" name="그룹 1009">
               <a:extLst>
                 <a:ext uri="{FF2B5EF4-FFF2-40B4-BE49-F238E27FC236}">
-                  <a16:creationId xmlns:a16="http://schemas.microsoft.com/office/drawing/2014/main" xmlns="" id="{323F5164-D3CB-1817-11ED-2E73B1A9616B}"/>
+                  <a16:creationId xmlns="" xmlns:a16="http://schemas.microsoft.com/office/drawing/2014/main" id="{323F5164-D3CB-1817-11ED-2E73B1A9616B}"/>
                 </a:ext>
               </a:extLst>
             </p:cNvPr>
@@ -17245,7 +17275,7 @@
               <p:cNvPr id="37" name="Object 29">
                 <a:extLst>
                   <a:ext uri="{FF2B5EF4-FFF2-40B4-BE49-F238E27FC236}">
-                    <a16:creationId xmlns:a16="http://schemas.microsoft.com/office/drawing/2014/main" xmlns="" id="{8A75F24B-CBC2-A679-8023-A0BC0136AFF8}"/>
+                    <a16:creationId xmlns="" xmlns:a16="http://schemas.microsoft.com/office/drawing/2014/main" id="{8A75F24B-CBC2-A679-8023-A0BC0136AFF8}"/>
                   </a:ext>
                 </a:extLst>
               </p:cNvPr>
@@ -17276,7 +17306,7 @@
             <p:cNvPr id="33" name="그룹 1010">
               <a:extLst>
                 <a:ext uri="{FF2B5EF4-FFF2-40B4-BE49-F238E27FC236}">
-                  <a16:creationId xmlns:a16="http://schemas.microsoft.com/office/drawing/2014/main" xmlns="" id="{8CEBF8C7-C340-EC7C-215D-A5385045BDE0}"/>
+                  <a16:creationId xmlns="" xmlns:a16="http://schemas.microsoft.com/office/drawing/2014/main" id="{8CEBF8C7-C340-EC7C-215D-A5385045BDE0}"/>
                 </a:ext>
               </a:extLst>
             </p:cNvPr>
@@ -17296,7 +17326,7 @@
               <p:cNvPr id="36" name="Object 32">
                 <a:extLst>
                   <a:ext uri="{FF2B5EF4-FFF2-40B4-BE49-F238E27FC236}">
-                    <a16:creationId xmlns:a16="http://schemas.microsoft.com/office/drawing/2014/main" xmlns="" id="{CDB6F6D1-6D79-F959-519A-848748FFC715}"/>
+                    <a16:creationId xmlns="" xmlns:a16="http://schemas.microsoft.com/office/drawing/2014/main" id="{CDB6F6D1-6D79-F959-519A-848748FFC715}"/>
                   </a:ext>
                 </a:extLst>
               </p:cNvPr>
@@ -17327,7 +17357,7 @@
             <p:cNvPr id="34" name="그룹 1011">
               <a:extLst>
                 <a:ext uri="{FF2B5EF4-FFF2-40B4-BE49-F238E27FC236}">
-                  <a16:creationId xmlns:a16="http://schemas.microsoft.com/office/drawing/2014/main" xmlns="" id="{530BFFB8-D056-C504-F62F-706FEC47DBA7}"/>
+                  <a16:creationId xmlns="" xmlns:a16="http://schemas.microsoft.com/office/drawing/2014/main" id="{530BFFB8-D056-C504-F62F-706FEC47DBA7}"/>
                 </a:ext>
               </a:extLst>
             </p:cNvPr>
@@ -17347,7 +17377,7 @@
               <p:cNvPr id="35" name="Object 35">
                 <a:extLst>
                   <a:ext uri="{FF2B5EF4-FFF2-40B4-BE49-F238E27FC236}">
-                    <a16:creationId xmlns:a16="http://schemas.microsoft.com/office/drawing/2014/main" xmlns="" id="{35CBD28E-A2C4-BE71-7EBD-43F504D91890}"/>
+                    <a16:creationId xmlns="" xmlns:a16="http://schemas.microsoft.com/office/drawing/2014/main" id="{35CBD28E-A2C4-BE71-7EBD-43F504D91890}"/>
                   </a:ext>
                 </a:extLst>
               </p:cNvPr>
@@ -17379,7 +17409,7 @@
           <p:cNvPr id="38" name="TextBox 37">
             <a:extLst>
               <a:ext uri="{FF2B5EF4-FFF2-40B4-BE49-F238E27FC236}">
-                <a16:creationId xmlns:a16="http://schemas.microsoft.com/office/drawing/2014/main" xmlns="" id="{AA81EBDF-8DD3-F094-AC12-01C17C580882}"/>
+                <a16:creationId xmlns="" xmlns:a16="http://schemas.microsoft.com/office/drawing/2014/main" id="{AA81EBDF-8DD3-F094-AC12-01C17C580882}"/>
               </a:ext>
             </a:extLst>
           </p:cNvPr>
@@ -17476,7 +17506,7 @@
           <p:cNvPr id="4" name="TextBox 3">
             <a:extLst>
               <a:ext uri="{FF2B5EF4-FFF2-40B4-BE49-F238E27FC236}">
-                <a16:creationId xmlns:a16="http://schemas.microsoft.com/office/drawing/2014/main" xmlns="" id="{485918B9-4306-CF84-959F-3FBDC5BB906D}"/>
+                <a16:creationId xmlns="" xmlns:a16="http://schemas.microsoft.com/office/drawing/2014/main" id="{485918B9-4306-CF84-959F-3FBDC5BB906D}"/>
               </a:ext>
             </a:extLst>
           </p:cNvPr>
@@ -17544,7 +17574,7 @@
           <p:cNvPr id="5" name="TextBox 4">
             <a:extLst>
               <a:ext uri="{FF2B5EF4-FFF2-40B4-BE49-F238E27FC236}">
-                <a16:creationId xmlns:a16="http://schemas.microsoft.com/office/drawing/2014/main" xmlns="" id="{B373C9BD-D1AC-B66C-7670-4C56EFDA927F}"/>
+                <a16:creationId xmlns="" xmlns:a16="http://schemas.microsoft.com/office/drawing/2014/main" id="{B373C9BD-D1AC-B66C-7670-4C56EFDA927F}"/>
               </a:ext>
             </a:extLst>
           </p:cNvPr>
@@ -17629,7 +17659,7 @@
           <p:cNvPr id="6" name="직선 연결선 5">
             <a:extLst>
               <a:ext uri="{FF2B5EF4-FFF2-40B4-BE49-F238E27FC236}">
-                <a16:creationId xmlns:a16="http://schemas.microsoft.com/office/drawing/2014/main" xmlns="" id="{D0CC8996-59E8-457A-82F2-7EA9711C00D0}"/>
+                <a16:creationId xmlns="" xmlns:a16="http://schemas.microsoft.com/office/drawing/2014/main" id="{D0CC8996-59E8-457A-82F2-7EA9711C00D0}"/>
               </a:ext>
             </a:extLst>
           </p:cNvPr>
@@ -17672,7 +17702,7 @@
           <p:cNvPr id="7" name="직선 연결선 6">
             <a:extLst>
               <a:ext uri="{FF2B5EF4-FFF2-40B4-BE49-F238E27FC236}">
-                <a16:creationId xmlns:a16="http://schemas.microsoft.com/office/drawing/2014/main" xmlns="" id="{6311A787-6924-713F-B35C-416F8FE817F9}"/>
+                <a16:creationId xmlns="" xmlns:a16="http://schemas.microsoft.com/office/drawing/2014/main" id="{6311A787-6924-713F-B35C-416F8FE817F9}"/>
               </a:ext>
             </a:extLst>
           </p:cNvPr>
@@ -17715,7 +17745,7 @@
           <p:cNvPr id="8" name="그림 7">
             <a:extLst>
               <a:ext uri="{FF2B5EF4-FFF2-40B4-BE49-F238E27FC236}">
-                <a16:creationId xmlns:a16="http://schemas.microsoft.com/office/drawing/2014/main" xmlns="" id="{9005E0A1-23E2-4729-E870-C82AD9916665}"/>
+                <a16:creationId xmlns="" xmlns:a16="http://schemas.microsoft.com/office/drawing/2014/main" id="{9005E0A1-23E2-4729-E870-C82AD9916665}"/>
               </a:ext>
             </a:extLst>
           </p:cNvPr>
@@ -17745,7 +17775,7 @@
           <p:cNvPr id="9" name="TextBox 8">
             <a:extLst>
               <a:ext uri="{FF2B5EF4-FFF2-40B4-BE49-F238E27FC236}">
-                <a16:creationId xmlns:a16="http://schemas.microsoft.com/office/drawing/2014/main" xmlns="" id="{6714EDD5-5BDC-0351-63E0-A63EDD93B1FE}"/>
+                <a16:creationId xmlns="" xmlns:a16="http://schemas.microsoft.com/office/drawing/2014/main" id="{6714EDD5-5BDC-0351-63E0-A63EDD93B1FE}"/>
               </a:ext>
             </a:extLst>
           </p:cNvPr>
@@ -17789,7 +17819,7 @@
           <p:cNvPr id="10" name="그룹 1008">
             <a:extLst>
               <a:ext uri="{FF2B5EF4-FFF2-40B4-BE49-F238E27FC236}">
-                <a16:creationId xmlns:a16="http://schemas.microsoft.com/office/drawing/2014/main" xmlns="" id="{D2E99F86-AA48-06A0-627D-4C2A3CAA30F2}"/>
+                <a16:creationId xmlns="" xmlns:a16="http://schemas.microsoft.com/office/drawing/2014/main" id="{D2E99F86-AA48-06A0-627D-4C2A3CAA30F2}"/>
               </a:ext>
             </a:extLst>
           </p:cNvPr>
@@ -17809,7 +17839,7 @@
             <p:cNvPr id="11" name="그룹 1009">
               <a:extLst>
                 <a:ext uri="{FF2B5EF4-FFF2-40B4-BE49-F238E27FC236}">
-                  <a16:creationId xmlns:a16="http://schemas.microsoft.com/office/drawing/2014/main" xmlns="" id="{F46AE76E-7951-504C-4D8A-DAAD2524C436}"/>
+                  <a16:creationId xmlns="" xmlns:a16="http://schemas.microsoft.com/office/drawing/2014/main" id="{F46AE76E-7951-504C-4D8A-DAAD2524C436}"/>
                 </a:ext>
               </a:extLst>
             </p:cNvPr>
@@ -17829,7 +17859,7 @@
               <p:cNvPr id="16" name="Object 29">
                 <a:extLst>
                   <a:ext uri="{FF2B5EF4-FFF2-40B4-BE49-F238E27FC236}">
-                    <a16:creationId xmlns:a16="http://schemas.microsoft.com/office/drawing/2014/main" xmlns="" id="{1C5396A9-351A-2086-975B-C94D5CACB21E}"/>
+                    <a16:creationId xmlns="" xmlns:a16="http://schemas.microsoft.com/office/drawing/2014/main" id="{1C5396A9-351A-2086-975B-C94D5CACB21E}"/>
                   </a:ext>
                 </a:extLst>
               </p:cNvPr>
@@ -17860,7 +17890,7 @@
             <p:cNvPr id="12" name="그룹 1010">
               <a:extLst>
                 <a:ext uri="{FF2B5EF4-FFF2-40B4-BE49-F238E27FC236}">
-                  <a16:creationId xmlns:a16="http://schemas.microsoft.com/office/drawing/2014/main" xmlns="" id="{AACD3ACD-3C69-4E31-F641-075512DED217}"/>
+                  <a16:creationId xmlns="" xmlns:a16="http://schemas.microsoft.com/office/drawing/2014/main" id="{AACD3ACD-3C69-4E31-F641-075512DED217}"/>
                 </a:ext>
               </a:extLst>
             </p:cNvPr>
@@ -17880,7 +17910,7 @@
               <p:cNvPr id="15" name="Object 32">
                 <a:extLst>
                   <a:ext uri="{FF2B5EF4-FFF2-40B4-BE49-F238E27FC236}">
-                    <a16:creationId xmlns:a16="http://schemas.microsoft.com/office/drawing/2014/main" xmlns="" id="{F8D68833-669B-1688-1ADE-56253A1B54C2}"/>
+                    <a16:creationId xmlns="" xmlns:a16="http://schemas.microsoft.com/office/drawing/2014/main" id="{F8D68833-669B-1688-1ADE-56253A1B54C2}"/>
                   </a:ext>
                 </a:extLst>
               </p:cNvPr>
@@ -17911,7 +17941,7 @@
             <p:cNvPr id="13" name="그룹 1011">
               <a:extLst>
                 <a:ext uri="{FF2B5EF4-FFF2-40B4-BE49-F238E27FC236}">
-                  <a16:creationId xmlns:a16="http://schemas.microsoft.com/office/drawing/2014/main" xmlns="" id="{622A907A-AC20-A252-167B-D31AC0931A84}"/>
+                  <a16:creationId xmlns="" xmlns:a16="http://schemas.microsoft.com/office/drawing/2014/main" id="{622A907A-AC20-A252-167B-D31AC0931A84}"/>
                 </a:ext>
               </a:extLst>
             </p:cNvPr>
@@ -17931,7 +17961,7 @@
               <p:cNvPr id="14" name="Object 35">
                 <a:extLst>
                   <a:ext uri="{FF2B5EF4-FFF2-40B4-BE49-F238E27FC236}">
-                    <a16:creationId xmlns:a16="http://schemas.microsoft.com/office/drawing/2014/main" xmlns="" id="{0C0C62C0-F52E-D212-38F1-5A9CACC8914A}"/>
+                    <a16:creationId xmlns="" xmlns:a16="http://schemas.microsoft.com/office/drawing/2014/main" id="{0C0C62C0-F52E-D212-38F1-5A9CACC8914A}"/>
                   </a:ext>
                 </a:extLst>
               </p:cNvPr>
@@ -17963,7 +17993,7 @@
           <p:cNvPr id="17" name="그림 16">
             <a:extLst>
               <a:ext uri="{FF2B5EF4-FFF2-40B4-BE49-F238E27FC236}">
-                <a16:creationId xmlns:a16="http://schemas.microsoft.com/office/drawing/2014/main" xmlns="" id="{A9D3DCFF-8B7C-0245-B50B-3ACB3CAD5CDF}"/>
+                <a16:creationId xmlns="" xmlns:a16="http://schemas.microsoft.com/office/drawing/2014/main" id="{A9D3DCFF-8B7C-0245-B50B-3ACB3CAD5CDF}"/>
               </a:ext>
             </a:extLst>
           </p:cNvPr>
@@ -17993,7 +18023,7 @@
           <p:cNvPr id="18" name="TextBox 17">
             <a:extLst>
               <a:ext uri="{FF2B5EF4-FFF2-40B4-BE49-F238E27FC236}">
-                <a16:creationId xmlns:a16="http://schemas.microsoft.com/office/drawing/2014/main" xmlns="" id="{E5F57FB8-305E-F9C7-4279-0C52191325BE}"/>
+                <a16:creationId xmlns="" xmlns:a16="http://schemas.microsoft.com/office/drawing/2014/main" id="{E5F57FB8-305E-F9C7-4279-0C52191325BE}"/>
               </a:ext>
             </a:extLst>
           </p:cNvPr>
@@ -18054,7 +18084,7 @@
           <p:cNvPr id="19" name="직선 연결선 18">
             <a:extLst>
               <a:ext uri="{FF2B5EF4-FFF2-40B4-BE49-F238E27FC236}">
-                <a16:creationId xmlns:a16="http://schemas.microsoft.com/office/drawing/2014/main" xmlns="" id="{D89A51FF-89EC-A2D6-93F4-15E56E6EA088}"/>
+                <a16:creationId xmlns="" xmlns:a16="http://schemas.microsoft.com/office/drawing/2014/main" id="{D89A51FF-89EC-A2D6-93F4-15E56E6EA088}"/>
               </a:ext>
             </a:extLst>
           </p:cNvPr>
@@ -18097,7 +18127,7 @@
           <p:cNvPr id="20" name="직선 연결선 19">
             <a:extLst>
               <a:ext uri="{FF2B5EF4-FFF2-40B4-BE49-F238E27FC236}">
-                <a16:creationId xmlns:a16="http://schemas.microsoft.com/office/drawing/2014/main" xmlns="" id="{F3050455-2819-CF59-EA05-438640563DDB}"/>
+                <a16:creationId xmlns="" xmlns:a16="http://schemas.microsoft.com/office/drawing/2014/main" id="{F3050455-2819-CF59-EA05-438640563DDB}"/>
               </a:ext>
             </a:extLst>
           </p:cNvPr>
@@ -18140,7 +18170,7 @@
           <p:cNvPr id="21" name="TextBox 20">
             <a:extLst>
               <a:ext uri="{FF2B5EF4-FFF2-40B4-BE49-F238E27FC236}">
-                <a16:creationId xmlns:a16="http://schemas.microsoft.com/office/drawing/2014/main" xmlns="" id="{BF67CA1E-BD18-1110-B4B4-1A748B79E0E9}"/>
+                <a16:creationId xmlns="" xmlns:a16="http://schemas.microsoft.com/office/drawing/2014/main" id="{BF67CA1E-BD18-1110-B4B4-1A748B79E0E9}"/>
               </a:ext>
             </a:extLst>
           </p:cNvPr>
@@ -18184,7 +18214,7 @@
           <p:cNvPr id="22" name="그룹 1008">
             <a:extLst>
               <a:ext uri="{FF2B5EF4-FFF2-40B4-BE49-F238E27FC236}">
-                <a16:creationId xmlns:a16="http://schemas.microsoft.com/office/drawing/2014/main" xmlns="" id="{7E7AE44A-99B3-E606-EF47-212040242C38}"/>
+                <a16:creationId xmlns="" xmlns:a16="http://schemas.microsoft.com/office/drawing/2014/main" id="{7E7AE44A-99B3-E606-EF47-212040242C38}"/>
               </a:ext>
             </a:extLst>
           </p:cNvPr>
@@ -18204,7 +18234,7 @@
             <p:cNvPr id="23" name="그룹 1009">
               <a:extLst>
                 <a:ext uri="{FF2B5EF4-FFF2-40B4-BE49-F238E27FC236}">
-                  <a16:creationId xmlns:a16="http://schemas.microsoft.com/office/drawing/2014/main" xmlns="" id="{B5F2A10F-4AF0-01EE-9510-97401C53DB34}"/>
+                  <a16:creationId xmlns="" xmlns:a16="http://schemas.microsoft.com/office/drawing/2014/main" id="{B5F2A10F-4AF0-01EE-9510-97401C53DB34}"/>
                 </a:ext>
               </a:extLst>
             </p:cNvPr>
@@ -18224,7 +18254,7 @@
               <p:cNvPr id="28" name="Object 29">
                 <a:extLst>
                   <a:ext uri="{FF2B5EF4-FFF2-40B4-BE49-F238E27FC236}">
-                    <a16:creationId xmlns:a16="http://schemas.microsoft.com/office/drawing/2014/main" xmlns="" id="{F74630C9-32F3-5278-9F33-C8663749912E}"/>
+                    <a16:creationId xmlns="" xmlns:a16="http://schemas.microsoft.com/office/drawing/2014/main" id="{F74630C9-32F3-5278-9F33-C8663749912E}"/>
                   </a:ext>
                 </a:extLst>
               </p:cNvPr>
@@ -18255,7 +18285,7 @@
             <p:cNvPr id="24" name="그룹 1010">
               <a:extLst>
                 <a:ext uri="{FF2B5EF4-FFF2-40B4-BE49-F238E27FC236}">
-                  <a16:creationId xmlns:a16="http://schemas.microsoft.com/office/drawing/2014/main" xmlns="" id="{B871E0D2-A3B6-4A0D-549A-6C4981A21D07}"/>
+                  <a16:creationId xmlns="" xmlns:a16="http://schemas.microsoft.com/office/drawing/2014/main" id="{B871E0D2-A3B6-4A0D-549A-6C4981A21D07}"/>
                 </a:ext>
               </a:extLst>
             </p:cNvPr>
@@ -18275,7 +18305,7 @@
               <p:cNvPr id="27" name="Object 32">
                 <a:extLst>
                   <a:ext uri="{FF2B5EF4-FFF2-40B4-BE49-F238E27FC236}">
-                    <a16:creationId xmlns:a16="http://schemas.microsoft.com/office/drawing/2014/main" xmlns="" id="{827699B1-2B64-8378-3DCC-5FCE39355B15}"/>
+                    <a16:creationId xmlns="" xmlns:a16="http://schemas.microsoft.com/office/drawing/2014/main" id="{827699B1-2B64-8378-3DCC-5FCE39355B15}"/>
                   </a:ext>
                 </a:extLst>
               </p:cNvPr>
@@ -18306,7 +18336,7 @@
             <p:cNvPr id="25" name="그룹 1011">
               <a:extLst>
                 <a:ext uri="{FF2B5EF4-FFF2-40B4-BE49-F238E27FC236}">
-                  <a16:creationId xmlns:a16="http://schemas.microsoft.com/office/drawing/2014/main" xmlns="" id="{7B2B983C-9AFA-0E4E-4E9B-A4ABE8FBF91E}"/>
+                  <a16:creationId xmlns="" xmlns:a16="http://schemas.microsoft.com/office/drawing/2014/main" id="{7B2B983C-9AFA-0E4E-4E9B-A4ABE8FBF91E}"/>
                 </a:ext>
               </a:extLst>
             </p:cNvPr>
@@ -18326,7 +18356,7 @@
               <p:cNvPr id="26" name="Object 35">
                 <a:extLst>
                   <a:ext uri="{FF2B5EF4-FFF2-40B4-BE49-F238E27FC236}">
-                    <a16:creationId xmlns:a16="http://schemas.microsoft.com/office/drawing/2014/main" xmlns="" id="{633EFC1A-B52D-CBFA-04F7-B39571E2D106}"/>
+                    <a16:creationId xmlns="" xmlns:a16="http://schemas.microsoft.com/office/drawing/2014/main" id="{633EFC1A-B52D-CBFA-04F7-B39571E2D106}"/>
                   </a:ext>
                 </a:extLst>
               </p:cNvPr>
@@ -18358,7 +18388,7 @@
           <p:cNvPr id="30" name="TextBox 29">
             <a:extLst>
               <a:ext uri="{FF2B5EF4-FFF2-40B4-BE49-F238E27FC236}">
-                <a16:creationId xmlns:a16="http://schemas.microsoft.com/office/drawing/2014/main" xmlns="" id="{3780A5B5-FA1B-4C47-307A-878F44BE9EDF}"/>
+                <a16:creationId xmlns="" xmlns:a16="http://schemas.microsoft.com/office/drawing/2014/main" id="{3780A5B5-FA1B-4C47-307A-878F44BE9EDF}"/>
               </a:ext>
             </a:extLst>
           </p:cNvPr>
@@ -18436,7 +18466,7 @@
           <p:cNvPr id="31" name="TextBox 30">
             <a:extLst>
               <a:ext uri="{FF2B5EF4-FFF2-40B4-BE49-F238E27FC236}">
-                <a16:creationId xmlns:a16="http://schemas.microsoft.com/office/drawing/2014/main" xmlns="" id="{369E2798-FA4E-3490-ECF1-C6343816F48A}"/>
+                <a16:creationId xmlns="" xmlns:a16="http://schemas.microsoft.com/office/drawing/2014/main" id="{369E2798-FA4E-3490-ECF1-C6343816F48A}"/>
               </a:ext>
             </a:extLst>
           </p:cNvPr>
@@ -18497,7 +18527,7 @@
           <p:cNvPr id="32" name="TextBox 31">
             <a:extLst>
               <a:ext uri="{FF2B5EF4-FFF2-40B4-BE49-F238E27FC236}">
-                <a16:creationId xmlns:a16="http://schemas.microsoft.com/office/drawing/2014/main" xmlns="" id="{7A7A76A4-1AFB-88E6-000D-22012547C179}"/>
+                <a16:creationId xmlns="" xmlns:a16="http://schemas.microsoft.com/office/drawing/2014/main" id="{7A7A76A4-1AFB-88E6-000D-22012547C179}"/>
               </a:ext>
             </a:extLst>
           </p:cNvPr>
@@ -19022,7 +19052,7 @@
           <p:cNvPr id="4" name="직선 연결선 3">
             <a:extLst>
               <a:ext uri="{FF2B5EF4-FFF2-40B4-BE49-F238E27FC236}">
-                <a16:creationId xmlns:a16="http://schemas.microsoft.com/office/drawing/2014/main" xmlns="" id="{BA45ACF4-01FD-89DF-A861-B572CBFC3D23}"/>
+                <a16:creationId xmlns="" xmlns:a16="http://schemas.microsoft.com/office/drawing/2014/main" id="{BA45ACF4-01FD-89DF-A861-B572CBFC3D23}"/>
               </a:ext>
             </a:extLst>
           </p:cNvPr>
@@ -19065,7 +19095,7 @@
           <p:cNvPr id="5" name="직선 연결선 4">
             <a:extLst>
               <a:ext uri="{FF2B5EF4-FFF2-40B4-BE49-F238E27FC236}">
-                <a16:creationId xmlns:a16="http://schemas.microsoft.com/office/drawing/2014/main" xmlns="" id="{EF6CCF51-AE3D-F178-19FE-F9E6CCDC4D52}"/>
+                <a16:creationId xmlns="" xmlns:a16="http://schemas.microsoft.com/office/drawing/2014/main" id="{EF6CCF51-AE3D-F178-19FE-F9E6CCDC4D52}"/>
               </a:ext>
             </a:extLst>
           </p:cNvPr>
@@ -19108,7 +19138,7 @@
           <p:cNvPr id="6" name="그림 5">
             <a:extLst>
               <a:ext uri="{FF2B5EF4-FFF2-40B4-BE49-F238E27FC236}">
-                <a16:creationId xmlns:a16="http://schemas.microsoft.com/office/drawing/2014/main" xmlns="" id="{B38FD5A6-6D05-FB95-A006-A9674A85B421}"/>
+                <a16:creationId xmlns="" xmlns:a16="http://schemas.microsoft.com/office/drawing/2014/main" id="{B38FD5A6-6D05-FB95-A006-A9674A85B421}"/>
               </a:ext>
             </a:extLst>
           </p:cNvPr>
@@ -19138,7 +19168,7 @@
           <p:cNvPr id="7" name="TextBox 6">
             <a:extLst>
               <a:ext uri="{FF2B5EF4-FFF2-40B4-BE49-F238E27FC236}">
-                <a16:creationId xmlns:a16="http://schemas.microsoft.com/office/drawing/2014/main" xmlns="" id="{1E1B80AA-FE55-5F36-7AB2-931B6700D4A5}"/>
+                <a16:creationId xmlns="" xmlns:a16="http://schemas.microsoft.com/office/drawing/2014/main" id="{1E1B80AA-FE55-5F36-7AB2-931B6700D4A5}"/>
               </a:ext>
             </a:extLst>
           </p:cNvPr>
@@ -19182,7 +19212,7 @@
           <p:cNvPr id="8" name="그룹 1008">
             <a:extLst>
               <a:ext uri="{FF2B5EF4-FFF2-40B4-BE49-F238E27FC236}">
-                <a16:creationId xmlns:a16="http://schemas.microsoft.com/office/drawing/2014/main" xmlns="" id="{14DCEC38-6EDA-C493-85C8-53D13ACC3988}"/>
+                <a16:creationId xmlns="" xmlns:a16="http://schemas.microsoft.com/office/drawing/2014/main" id="{14DCEC38-6EDA-C493-85C8-53D13ACC3988}"/>
               </a:ext>
             </a:extLst>
           </p:cNvPr>
@@ -19202,7 +19232,7 @@
             <p:cNvPr id="9" name="그룹 1009">
               <a:extLst>
                 <a:ext uri="{FF2B5EF4-FFF2-40B4-BE49-F238E27FC236}">
-                  <a16:creationId xmlns:a16="http://schemas.microsoft.com/office/drawing/2014/main" xmlns="" id="{3D614E4E-B55F-3481-C946-50438CFD56DF}"/>
+                  <a16:creationId xmlns="" xmlns:a16="http://schemas.microsoft.com/office/drawing/2014/main" id="{3D614E4E-B55F-3481-C946-50438CFD56DF}"/>
                 </a:ext>
               </a:extLst>
             </p:cNvPr>
@@ -19222,7 +19252,7 @@
               <p:cNvPr id="14" name="Object 29">
                 <a:extLst>
                   <a:ext uri="{FF2B5EF4-FFF2-40B4-BE49-F238E27FC236}">
-                    <a16:creationId xmlns:a16="http://schemas.microsoft.com/office/drawing/2014/main" xmlns="" id="{307AE893-98AE-12BF-80D8-4F708EA65BFD}"/>
+                    <a16:creationId xmlns="" xmlns:a16="http://schemas.microsoft.com/office/drawing/2014/main" id="{307AE893-98AE-12BF-80D8-4F708EA65BFD}"/>
                   </a:ext>
                 </a:extLst>
               </p:cNvPr>
@@ -19253,7 +19283,7 @@
             <p:cNvPr id="10" name="그룹 1010">
               <a:extLst>
                 <a:ext uri="{FF2B5EF4-FFF2-40B4-BE49-F238E27FC236}">
-                  <a16:creationId xmlns:a16="http://schemas.microsoft.com/office/drawing/2014/main" xmlns="" id="{FFB80909-3473-8B9F-EB63-2C9CB0747ADB}"/>
+                  <a16:creationId xmlns="" xmlns:a16="http://schemas.microsoft.com/office/drawing/2014/main" id="{FFB80909-3473-8B9F-EB63-2C9CB0747ADB}"/>
                 </a:ext>
               </a:extLst>
             </p:cNvPr>
@@ -19273,7 +19303,7 @@
               <p:cNvPr id="13" name="Object 32">
                 <a:extLst>
                   <a:ext uri="{FF2B5EF4-FFF2-40B4-BE49-F238E27FC236}">
-                    <a16:creationId xmlns:a16="http://schemas.microsoft.com/office/drawing/2014/main" xmlns="" id="{B2E5A74B-707F-311C-745B-459D95D215F0}"/>
+                    <a16:creationId xmlns="" xmlns:a16="http://schemas.microsoft.com/office/drawing/2014/main" id="{B2E5A74B-707F-311C-745B-459D95D215F0}"/>
                   </a:ext>
                 </a:extLst>
               </p:cNvPr>
@@ -19304,7 +19334,7 @@
             <p:cNvPr id="11" name="그룹 1011">
               <a:extLst>
                 <a:ext uri="{FF2B5EF4-FFF2-40B4-BE49-F238E27FC236}">
-                  <a16:creationId xmlns:a16="http://schemas.microsoft.com/office/drawing/2014/main" xmlns="" id="{397458D7-A9CA-1972-F2D1-AFEFA7F5EC28}"/>
+                  <a16:creationId xmlns="" xmlns:a16="http://schemas.microsoft.com/office/drawing/2014/main" id="{397458D7-A9CA-1972-F2D1-AFEFA7F5EC28}"/>
                 </a:ext>
               </a:extLst>
             </p:cNvPr>
@@ -19324,7 +19354,7 @@
               <p:cNvPr id="12" name="Object 35">
                 <a:extLst>
                   <a:ext uri="{FF2B5EF4-FFF2-40B4-BE49-F238E27FC236}">
-                    <a16:creationId xmlns:a16="http://schemas.microsoft.com/office/drawing/2014/main" xmlns="" id="{6F3C58F4-7AC2-91FC-AFDA-A1A7D9269DE1}"/>
+                    <a16:creationId xmlns="" xmlns:a16="http://schemas.microsoft.com/office/drawing/2014/main" id="{6F3C58F4-7AC2-91FC-AFDA-A1A7D9269DE1}"/>
                   </a:ext>
                 </a:extLst>
               </p:cNvPr>
@@ -19356,7 +19386,7 @@
           <p:cNvPr id="15" name="그림 14">
             <a:extLst>
               <a:ext uri="{FF2B5EF4-FFF2-40B4-BE49-F238E27FC236}">
-                <a16:creationId xmlns:a16="http://schemas.microsoft.com/office/drawing/2014/main" xmlns="" id="{2E4357BD-198D-19A0-F918-C1EF0F1A7382}"/>
+                <a16:creationId xmlns="" xmlns:a16="http://schemas.microsoft.com/office/drawing/2014/main" id="{2E4357BD-198D-19A0-F918-C1EF0F1A7382}"/>
               </a:ext>
             </a:extLst>
           </p:cNvPr>
@@ -19386,7 +19416,7 @@
           <p:cNvPr id="17" name="직선 연결선 16">
             <a:extLst>
               <a:ext uri="{FF2B5EF4-FFF2-40B4-BE49-F238E27FC236}">
-                <a16:creationId xmlns:a16="http://schemas.microsoft.com/office/drawing/2014/main" xmlns="" id="{C90B6DA2-1E76-9601-48E2-A1C01D11B5CA}"/>
+                <a16:creationId xmlns="" xmlns:a16="http://schemas.microsoft.com/office/drawing/2014/main" id="{C90B6DA2-1E76-9601-48E2-A1C01D11B5CA}"/>
               </a:ext>
             </a:extLst>
           </p:cNvPr>
@@ -19429,7 +19459,7 @@
           <p:cNvPr id="18" name="직선 연결선 17">
             <a:extLst>
               <a:ext uri="{FF2B5EF4-FFF2-40B4-BE49-F238E27FC236}">
-                <a16:creationId xmlns:a16="http://schemas.microsoft.com/office/drawing/2014/main" xmlns="" id="{F5D08316-9A6B-ABA9-9ED8-B08BA85866D7}"/>
+                <a16:creationId xmlns="" xmlns:a16="http://schemas.microsoft.com/office/drawing/2014/main" id="{F5D08316-9A6B-ABA9-9ED8-B08BA85866D7}"/>
               </a:ext>
             </a:extLst>
           </p:cNvPr>
@@ -19472,7 +19502,7 @@
           <p:cNvPr id="19" name="TextBox 18">
             <a:extLst>
               <a:ext uri="{FF2B5EF4-FFF2-40B4-BE49-F238E27FC236}">
-                <a16:creationId xmlns:a16="http://schemas.microsoft.com/office/drawing/2014/main" xmlns="" id="{4A011CDF-89EA-13EB-1B33-3B4EC56E1F44}"/>
+                <a16:creationId xmlns="" xmlns:a16="http://schemas.microsoft.com/office/drawing/2014/main" id="{4A011CDF-89EA-13EB-1B33-3B4EC56E1F44}"/>
               </a:ext>
             </a:extLst>
           </p:cNvPr>
@@ -19516,7 +19546,7 @@
           <p:cNvPr id="20" name="그룹 1008">
             <a:extLst>
               <a:ext uri="{FF2B5EF4-FFF2-40B4-BE49-F238E27FC236}">
-                <a16:creationId xmlns:a16="http://schemas.microsoft.com/office/drawing/2014/main" xmlns="" id="{4D73177D-A542-0B94-D008-24F657E3FE64}"/>
+                <a16:creationId xmlns="" xmlns:a16="http://schemas.microsoft.com/office/drawing/2014/main" id="{4D73177D-A542-0B94-D008-24F657E3FE64}"/>
               </a:ext>
             </a:extLst>
           </p:cNvPr>
@@ -19536,7 +19566,7 @@
             <p:cNvPr id="21" name="그룹 1009">
               <a:extLst>
                 <a:ext uri="{FF2B5EF4-FFF2-40B4-BE49-F238E27FC236}">
-                  <a16:creationId xmlns:a16="http://schemas.microsoft.com/office/drawing/2014/main" xmlns="" id="{BFA9EB17-6DA2-071A-C094-2D40B2B9E957}"/>
+                  <a16:creationId xmlns="" xmlns:a16="http://schemas.microsoft.com/office/drawing/2014/main" id="{BFA9EB17-6DA2-071A-C094-2D40B2B9E957}"/>
                 </a:ext>
               </a:extLst>
             </p:cNvPr>
@@ -19556,7 +19586,7 @@
               <p:cNvPr id="26" name="Object 29">
                 <a:extLst>
                   <a:ext uri="{FF2B5EF4-FFF2-40B4-BE49-F238E27FC236}">
-                    <a16:creationId xmlns:a16="http://schemas.microsoft.com/office/drawing/2014/main" xmlns="" id="{C2969BEC-85E1-3716-6EE8-18A56C8F8E41}"/>
+                    <a16:creationId xmlns="" xmlns:a16="http://schemas.microsoft.com/office/drawing/2014/main" id="{C2969BEC-85E1-3716-6EE8-18A56C8F8E41}"/>
                   </a:ext>
                 </a:extLst>
               </p:cNvPr>
@@ -19587,7 +19617,7 @@
             <p:cNvPr id="22" name="그룹 1010">
               <a:extLst>
                 <a:ext uri="{FF2B5EF4-FFF2-40B4-BE49-F238E27FC236}">
-                  <a16:creationId xmlns:a16="http://schemas.microsoft.com/office/drawing/2014/main" xmlns="" id="{2C019A99-5FBA-6F44-541C-8BD783CAEE07}"/>
+                  <a16:creationId xmlns="" xmlns:a16="http://schemas.microsoft.com/office/drawing/2014/main" id="{2C019A99-5FBA-6F44-541C-8BD783CAEE07}"/>
                 </a:ext>
               </a:extLst>
             </p:cNvPr>
@@ -19607,7 +19637,7 @@
               <p:cNvPr id="25" name="Object 32">
                 <a:extLst>
                   <a:ext uri="{FF2B5EF4-FFF2-40B4-BE49-F238E27FC236}">
-                    <a16:creationId xmlns:a16="http://schemas.microsoft.com/office/drawing/2014/main" xmlns="" id="{8642C867-3E6F-E7F7-D375-564F5DE9C3FD}"/>
+                    <a16:creationId xmlns="" xmlns:a16="http://schemas.microsoft.com/office/drawing/2014/main" id="{8642C867-3E6F-E7F7-D375-564F5DE9C3FD}"/>
                   </a:ext>
                 </a:extLst>
               </p:cNvPr>
@@ -19638,7 +19668,7 @@
             <p:cNvPr id="23" name="그룹 1011">
               <a:extLst>
                 <a:ext uri="{FF2B5EF4-FFF2-40B4-BE49-F238E27FC236}">
-                  <a16:creationId xmlns:a16="http://schemas.microsoft.com/office/drawing/2014/main" xmlns="" id="{D0C5E115-41DA-428F-7597-AE486BFD8802}"/>
+                  <a16:creationId xmlns="" xmlns:a16="http://schemas.microsoft.com/office/drawing/2014/main" id="{D0C5E115-41DA-428F-7597-AE486BFD8802}"/>
                 </a:ext>
               </a:extLst>
             </p:cNvPr>
@@ -19658,7 +19688,7 @@
               <p:cNvPr id="24" name="Object 35">
                 <a:extLst>
                   <a:ext uri="{FF2B5EF4-FFF2-40B4-BE49-F238E27FC236}">
-                    <a16:creationId xmlns:a16="http://schemas.microsoft.com/office/drawing/2014/main" xmlns="" id="{B1D6D7C5-1439-C461-39D5-7BCDA892E175}"/>
+                    <a16:creationId xmlns="" xmlns:a16="http://schemas.microsoft.com/office/drawing/2014/main" id="{B1D6D7C5-1439-C461-39D5-7BCDA892E175}"/>
                   </a:ext>
                 </a:extLst>
               </p:cNvPr>
@@ -19690,7 +19720,7 @@
           <p:cNvPr id="30" name="그룹 29">
             <a:extLst>
               <a:ext uri="{FF2B5EF4-FFF2-40B4-BE49-F238E27FC236}">
-                <a16:creationId xmlns:a16="http://schemas.microsoft.com/office/drawing/2014/main" xmlns="" id="{C371F6B7-8AE2-F8D7-8AB1-18D88FA64836}"/>
+                <a16:creationId xmlns="" xmlns:a16="http://schemas.microsoft.com/office/drawing/2014/main" id="{C371F6B7-8AE2-F8D7-8AB1-18D88FA64836}"/>
               </a:ext>
             </a:extLst>
           </p:cNvPr>
@@ -19710,7 +19740,7 @@
             <p:cNvPr id="31" name="직선 연결선 30">
               <a:extLst>
                 <a:ext uri="{FF2B5EF4-FFF2-40B4-BE49-F238E27FC236}">
-                  <a16:creationId xmlns:a16="http://schemas.microsoft.com/office/drawing/2014/main" xmlns="" id="{140FFEE1-4B08-5EAB-3C6B-ED4398795616}"/>
+                  <a16:creationId xmlns="" xmlns:a16="http://schemas.microsoft.com/office/drawing/2014/main" id="{140FFEE1-4B08-5EAB-3C6B-ED4398795616}"/>
                 </a:ext>
               </a:extLst>
             </p:cNvPr>
@@ -19753,7 +19783,7 @@
             <p:cNvPr id="32" name="직선 연결선 31">
               <a:extLst>
                 <a:ext uri="{FF2B5EF4-FFF2-40B4-BE49-F238E27FC236}">
-                  <a16:creationId xmlns:a16="http://schemas.microsoft.com/office/drawing/2014/main" xmlns="" id="{8F2A108D-32C5-2723-42FA-96A3CC1B3546}"/>
+                  <a16:creationId xmlns="" xmlns:a16="http://schemas.microsoft.com/office/drawing/2014/main" id="{8F2A108D-32C5-2723-42FA-96A3CC1B3546}"/>
                 </a:ext>
               </a:extLst>
             </p:cNvPr>
@@ -19796,7 +19826,7 @@
             <p:cNvPr id="33" name="직선 연결선 32">
               <a:extLst>
                 <a:ext uri="{FF2B5EF4-FFF2-40B4-BE49-F238E27FC236}">
-                  <a16:creationId xmlns:a16="http://schemas.microsoft.com/office/drawing/2014/main" xmlns="" id="{FDFF5AB6-30B0-9145-029C-2C474F4F1E21}"/>
+                  <a16:creationId xmlns="" xmlns:a16="http://schemas.microsoft.com/office/drawing/2014/main" id="{FDFF5AB6-30B0-9145-029C-2C474F4F1E21}"/>
                 </a:ext>
               </a:extLst>
             </p:cNvPr>
@@ -19839,7 +19869,7 @@
             <p:cNvPr id="34" name="직선 연결선 33">
               <a:extLst>
                 <a:ext uri="{FF2B5EF4-FFF2-40B4-BE49-F238E27FC236}">
-                  <a16:creationId xmlns:a16="http://schemas.microsoft.com/office/drawing/2014/main" xmlns="" id="{D864E4E0-1755-052E-E285-0BD3206426C4}"/>
+                  <a16:creationId xmlns="" xmlns:a16="http://schemas.microsoft.com/office/drawing/2014/main" id="{D864E4E0-1755-052E-E285-0BD3206426C4}"/>
                 </a:ext>
               </a:extLst>
             </p:cNvPr>
@@ -19883,7 +19913,7 @@
           <p:cNvPr id="35" name="TextBox 34">
             <a:extLst>
               <a:ext uri="{FF2B5EF4-FFF2-40B4-BE49-F238E27FC236}">
-                <a16:creationId xmlns:a16="http://schemas.microsoft.com/office/drawing/2014/main" xmlns="" id="{778DB31D-EB69-6DC5-3BDA-636BE1FA3B54}"/>
+                <a16:creationId xmlns="" xmlns:a16="http://schemas.microsoft.com/office/drawing/2014/main" id="{778DB31D-EB69-6DC5-3BDA-636BE1FA3B54}"/>
               </a:ext>
             </a:extLst>
           </p:cNvPr>
@@ -19937,7 +19967,7 @@
           <p:cNvPr id="36" name="TextBox 35">
             <a:extLst>
               <a:ext uri="{FF2B5EF4-FFF2-40B4-BE49-F238E27FC236}">
-                <a16:creationId xmlns:a16="http://schemas.microsoft.com/office/drawing/2014/main" xmlns="" id="{1621356E-871B-151B-4AED-CF5903225AEA}"/>
+                <a16:creationId xmlns="" xmlns:a16="http://schemas.microsoft.com/office/drawing/2014/main" id="{1621356E-871B-151B-4AED-CF5903225AEA}"/>
               </a:ext>
             </a:extLst>
           </p:cNvPr>
@@ -19981,7 +20011,7 @@
           <p:cNvPr id="37" name="직선 화살표 연결선 36">
             <a:extLst>
               <a:ext uri="{FF2B5EF4-FFF2-40B4-BE49-F238E27FC236}">
-                <a16:creationId xmlns:a16="http://schemas.microsoft.com/office/drawing/2014/main" xmlns="" id="{FA4D2DBE-A24E-91C9-A061-EF14DFF00C9F}"/>
+                <a16:creationId xmlns="" xmlns:a16="http://schemas.microsoft.com/office/drawing/2014/main" id="{FA4D2DBE-A24E-91C9-A061-EF14DFF00C9F}"/>
               </a:ext>
             </a:extLst>
           </p:cNvPr>
@@ -20022,7 +20052,7 @@
           <p:cNvPr id="38" name="TextBox 37">
             <a:extLst>
               <a:ext uri="{FF2B5EF4-FFF2-40B4-BE49-F238E27FC236}">
-                <a16:creationId xmlns:a16="http://schemas.microsoft.com/office/drawing/2014/main" xmlns="" id="{216AC69C-363D-B57C-3300-77B7FB3EB8A8}"/>
+                <a16:creationId xmlns="" xmlns:a16="http://schemas.microsoft.com/office/drawing/2014/main" id="{216AC69C-363D-B57C-3300-77B7FB3EB8A8}"/>
               </a:ext>
             </a:extLst>
           </p:cNvPr>
@@ -20100,7 +20130,7 @@
           <p:cNvPr id="41" name="그룹 1008">
             <a:extLst>
               <a:ext uri="{FF2B5EF4-FFF2-40B4-BE49-F238E27FC236}">
-                <a16:creationId xmlns:a16="http://schemas.microsoft.com/office/drawing/2014/main" xmlns="" id="{0E2B2680-5D57-9832-6BF0-601C2E139EA4}"/>
+                <a16:creationId xmlns="" xmlns:a16="http://schemas.microsoft.com/office/drawing/2014/main" id="{0E2B2680-5D57-9832-6BF0-601C2E139EA4}"/>
               </a:ext>
             </a:extLst>
           </p:cNvPr>
@@ -20120,7 +20150,7 @@
             <p:cNvPr id="42" name="그룹 1009">
               <a:extLst>
                 <a:ext uri="{FF2B5EF4-FFF2-40B4-BE49-F238E27FC236}">
-                  <a16:creationId xmlns:a16="http://schemas.microsoft.com/office/drawing/2014/main" xmlns="" id="{CE37EC80-DC19-2701-0AE0-4AD2BF98DB0C}"/>
+                  <a16:creationId xmlns="" xmlns:a16="http://schemas.microsoft.com/office/drawing/2014/main" id="{CE37EC80-DC19-2701-0AE0-4AD2BF98DB0C}"/>
                 </a:ext>
               </a:extLst>
             </p:cNvPr>
@@ -20140,7 +20170,7 @@
               <p:cNvPr id="47" name="Object 29">
                 <a:extLst>
                   <a:ext uri="{FF2B5EF4-FFF2-40B4-BE49-F238E27FC236}">
-                    <a16:creationId xmlns:a16="http://schemas.microsoft.com/office/drawing/2014/main" xmlns="" id="{6A11BA13-B22F-7F7B-75DC-DC352ACE4F86}"/>
+                    <a16:creationId xmlns="" xmlns:a16="http://schemas.microsoft.com/office/drawing/2014/main" id="{6A11BA13-B22F-7F7B-75DC-DC352ACE4F86}"/>
                   </a:ext>
                 </a:extLst>
               </p:cNvPr>
@@ -20171,7 +20201,7 @@
             <p:cNvPr id="43" name="그룹 1010">
               <a:extLst>
                 <a:ext uri="{FF2B5EF4-FFF2-40B4-BE49-F238E27FC236}">
-                  <a16:creationId xmlns:a16="http://schemas.microsoft.com/office/drawing/2014/main" xmlns="" id="{C6608C85-8815-2557-11C5-540157E23516}"/>
+                  <a16:creationId xmlns="" xmlns:a16="http://schemas.microsoft.com/office/drawing/2014/main" id="{C6608C85-8815-2557-11C5-540157E23516}"/>
                 </a:ext>
               </a:extLst>
             </p:cNvPr>
@@ -20191,7 +20221,7 @@
               <p:cNvPr id="46" name="Object 32">
                 <a:extLst>
                   <a:ext uri="{FF2B5EF4-FFF2-40B4-BE49-F238E27FC236}">
-                    <a16:creationId xmlns:a16="http://schemas.microsoft.com/office/drawing/2014/main" xmlns="" id="{384E89EE-2B70-5449-784A-3F376F48AD07}"/>
+                    <a16:creationId xmlns="" xmlns:a16="http://schemas.microsoft.com/office/drawing/2014/main" id="{384E89EE-2B70-5449-784A-3F376F48AD07}"/>
                   </a:ext>
                 </a:extLst>
               </p:cNvPr>
@@ -20222,7 +20252,7 @@
             <p:cNvPr id="44" name="그룹 1011">
               <a:extLst>
                 <a:ext uri="{FF2B5EF4-FFF2-40B4-BE49-F238E27FC236}">
-                  <a16:creationId xmlns:a16="http://schemas.microsoft.com/office/drawing/2014/main" xmlns="" id="{C7544BB0-F0F8-EDAD-D159-DFE820879720}"/>
+                  <a16:creationId xmlns="" xmlns:a16="http://schemas.microsoft.com/office/drawing/2014/main" id="{C7544BB0-F0F8-EDAD-D159-DFE820879720}"/>
                 </a:ext>
               </a:extLst>
             </p:cNvPr>
@@ -20242,7 +20272,7 @@
               <p:cNvPr id="45" name="Object 35">
                 <a:extLst>
                   <a:ext uri="{FF2B5EF4-FFF2-40B4-BE49-F238E27FC236}">
-                    <a16:creationId xmlns:a16="http://schemas.microsoft.com/office/drawing/2014/main" xmlns="" id="{3335C191-41A3-E956-2CDF-76F5ED0CA721}"/>
+                    <a16:creationId xmlns="" xmlns:a16="http://schemas.microsoft.com/office/drawing/2014/main" id="{3335C191-41A3-E956-2CDF-76F5ED0CA721}"/>
                   </a:ext>
                 </a:extLst>
               </p:cNvPr>
@@ -20274,7 +20304,7 @@
           <p:cNvPr id="48" name="그룹 1008">
             <a:extLst>
               <a:ext uri="{FF2B5EF4-FFF2-40B4-BE49-F238E27FC236}">
-                <a16:creationId xmlns:a16="http://schemas.microsoft.com/office/drawing/2014/main" xmlns="" id="{1BEF19DF-7EBD-6BF3-3BDD-CA4DEBB74E97}"/>
+                <a16:creationId xmlns="" xmlns:a16="http://schemas.microsoft.com/office/drawing/2014/main" id="{1BEF19DF-7EBD-6BF3-3BDD-CA4DEBB74E97}"/>
               </a:ext>
             </a:extLst>
           </p:cNvPr>
@@ -20294,7 +20324,7 @@
             <p:cNvPr id="49" name="그룹 1009">
               <a:extLst>
                 <a:ext uri="{FF2B5EF4-FFF2-40B4-BE49-F238E27FC236}">
-                  <a16:creationId xmlns:a16="http://schemas.microsoft.com/office/drawing/2014/main" xmlns="" id="{2819E254-CEE9-D8BA-70FE-A74EEFC75588}"/>
+                  <a16:creationId xmlns="" xmlns:a16="http://schemas.microsoft.com/office/drawing/2014/main" id="{2819E254-CEE9-D8BA-70FE-A74EEFC75588}"/>
                 </a:ext>
               </a:extLst>
             </p:cNvPr>
@@ -20314,7 +20344,7 @@
               <p:cNvPr id="54" name="Object 29">
                 <a:extLst>
                   <a:ext uri="{FF2B5EF4-FFF2-40B4-BE49-F238E27FC236}">
-                    <a16:creationId xmlns:a16="http://schemas.microsoft.com/office/drawing/2014/main" xmlns="" id="{D61D13BB-39FC-0971-5BB8-8C6A4BACA7D6}"/>
+                    <a16:creationId xmlns="" xmlns:a16="http://schemas.microsoft.com/office/drawing/2014/main" id="{D61D13BB-39FC-0971-5BB8-8C6A4BACA7D6}"/>
                   </a:ext>
                 </a:extLst>
               </p:cNvPr>
@@ -20345,7 +20375,7 @@
             <p:cNvPr id="50" name="그룹 1010">
               <a:extLst>
                 <a:ext uri="{FF2B5EF4-FFF2-40B4-BE49-F238E27FC236}">
-                  <a16:creationId xmlns:a16="http://schemas.microsoft.com/office/drawing/2014/main" xmlns="" id="{DBE72524-FBA9-1EB7-5A3D-3A83191DCFD4}"/>
+                  <a16:creationId xmlns="" xmlns:a16="http://schemas.microsoft.com/office/drawing/2014/main" id="{DBE72524-FBA9-1EB7-5A3D-3A83191DCFD4}"/>
                 </a:ext>
               </a:extLst>
             </p:cNvPr>
@@ -20365,7 +20395,7 @@
               <p:cNvPr id="53" name="Object 32">
                 <a:extLst>
                   <a:ext uri="{FF2B5EF4-FFF2-40B4-BE49-F238E27FC236}">
-                    <a16:creationId xmlns:a16="http://schemas.microsoft.com/office/drawing/2014/main" xmlns="" id="{CE7D979E-25D5-3D9C-9716-7925AD2C0187}"/>
+                    <a16:creationId xmlns="" xmlns:a16="http://schemas.microsoft.com/office/drawing/2014/main" id="{CE7D979E-25D5-3D9C-9716-7925AD2C0187}"/>
                   </a:ext>
                 </a:extLst>
               </p:cNvPr>
@@ -20396,7 +20426,7 @@
             <p:cNvPr id="51" name="그룹 1011">
               <a:extLst>
                 <a:ext uri="{FF2B5EF4-FFF2-40B4-BE49-F238E27FC236}">
-                  <a16:creationId xmlns:a16="http://schemas.microsoft.com/office/drawing/2014/main" xmlns="" id="{350E1B3B-EF49-C25A-1367-73451CE136F5}"/>
+                  <a16:creationId xmlns="" xmlns:a16="http://schemas.microsoft.com/office/drawing/2014/main" id="{350E1B3B-EF49-C25A-1367-73451CE136F5}"/>
                 </a:ext>
               </a:extLst>
             </p:cNvPr>
@@ -20416,7 +20446,7 @@
               <p:cNvPr id="52" name="Object 35">
                 <a:extLst>
                   <a:ext uri="{FF2B5EF4-FFF2-40B4-BE49-F238E27FC236}">
-                    <a16:creationId xmlns:a16="http://schemas.microsoft.com/office/drawing/2014/main" xmlns="" id="{C4EA11B7-CFFD-6F6C-209B-AAD255B6AA1F}"/>
+                    <a16:creationId xmlns="" xmlns:a16="http://schemas.microsoft.com/office/drawing/2014/main" id="{C4EA11B7-CFFD-6F6C-209B-AAD255B6AA1F}"/>
                   </a:ext>
                 </a:extLst>
               </p:cNvPr>
@@ -20771,7 +20801,7 @@
           <p:cNvPr id="2" name="TextBox 1">
             <a:extLst>
               <a:ext uri="{FF2B5EF4-FFF2-40B4-BE49-F238E27FC236}">
-                <a16:creationId xmlns:a16="http://schemas.microsoft.com/office/drawing/2014/main" xmlns="" id="{8D19D88B-9541-32D7-90F1-0C45C993E21C}"/>
+                <a16:creationId xmlns="" xmlns:a16="http://schemas.microsoft.com/office/drawing/2014/main" id="{8D19D88B-9541-32D7-90F1-0C45C993E21C}"/>
               </a:ext>
             </a:extLst>
           </p:cNvPr>
@@ -20844,7 +20874,7 @@
           <p:cNvPr id="13" name="그림 12">
             <a:extLst>
               <a:ext uri="{FF2B5EF4-FFF2-40B4-BE49-F238E27FC236}">
-                <a16:creationId xmlns:a16="http://schemas.microsoft.com/office/drawing/2014/main" xmlns="" id="{6F7CABCC-14D6-5D27-2CCF-2F9916B77065}"/>
+                <a16:creationId xmlns="" xmlns:a16="http://schemas.microsoft.com/office/drawing/2014/main" id="{6F7CABCC-14D6-5D27-2CCF-2F9916B77065}"/>
               </a:ext>
             </a:extLst>
           </p:cNvPr>
@@ -20874,7 +20904,7 @@
           <p:cNvPr id="4" name="TextBox 3">
             <a:extLst>
               <a:ext uri="{FF2B5EF4-FFF2-40B4-BE49-F238E27FC236}">
-                <a16:creationId xmlns:a16="http://schemas.microsoft.com/office/drawing/2014/main" xmlns="" id="{63977648-1AB3-BB65-ABBC-7CD80404632C}"/>
+                <a16:creationId xmlns="" xmlns:a16="http://schemas.microsoft.com/office/drawing/2014/main" id="{63977648-1AB3-BB65-ABBC-7CD80404632C}"/>
               </a:ext>
             </a:extLst>
           </p:cNvPr>
@@ -20942,7 +20972,7 @@
           <p:cNvPr id="7" name="직선 화살표 연결선 6">
             <a:extLst>
               <a:ext uri="{FF2B5EF4-FFF2-40B4-BE49-F238E27FC236}">
-                <a16:creationId xmlns:a16="http://schemas.microsoft.com/office/drawing/2014/main" xmlns="" id="{200B892E-448A-2527-D0FD-32645EC8C09C}"/>
+                <a16:creationId xmlns="" xmlns:a16="http://schemas.microsoft.com/office/drawing/2014/main" id="{200B892E-448A-2527-D0FD-32645EC8C09C}"/>
               </a:ext>
             </a:extLst>
           </p:cNvPr>
@@ -20983,7 +21013,7 @@
           <p:cNvPr id="8" name="직사각형 7">
             <a:extLst>
               <a:ext uri="{FF2B5EF4-FFF2-40B4-BE49-F238E27FC236}">
-                <a16:creationId xmlns:a16="http://schemas.microsoft.com/office/drawing/2014/main" xmlns="" id="{07125430-4F48-1F78-31CD-D623D4AD1C1F}"/>
+                <a16:creationId xmlns="" xmlns:a16="http://schemas.microsoft.com/office/drawing/2014/main" id="{07125430-4F48-1F78-31CD-D623D4AD1C1F}"/>
               </a:ext>
             </a:extLst>
           </p:cNvPr>
@@ -21035,7 +21065,7 @@
           <p:cNvPr id="9" name="TextBox 8">
             <a:extLst>
               <a:ext uri="{FF2B5EF4-FFF2-40B4-BE49-F238E27FC236}">
-                <a16:creationId xmlns:a16="http://schemas.microsoft.com/office/drawing/2014/main" xmlns="" id="{24A98FE8-F4A9-8664-859E-1D16BEF55878}"/>
+                <a16:creationId xmlns="" xmlns:a16="http://schemas.microsoft.com/office/drawing/2014/main" id="{24A98FE8-F4A9-8664-859E-1D16BEF55878}"/>
               </a:ext>
             </a:extLst>
           </p:cNvPr>
@@ -21148,7 +21178,7 @@
           <p:cNvPr id="14" name="직선 화살표 연결선 13">
             <a:extLst>
               <a:ext uri="{FF2B5EF4-FFF2-40B4-BE49-F238E27FC236}">
-                <a16:creationId xmlns:a16="http://schemas.microsoft.com/office/drawing/2014/main" xmlns="" id="{E60DB3FE-B021-E655-CF56-45F6617885F9}"/>
+                <a16:creationId xmlns="" xmlns:a16="http://schemas.microsoft.com/office/drawing/2014/main" id="{E60DB3FE-B021-E655-CF56-45F6617885F9}"/>
               </a:ext>
             </a:extLst>
           </p:cNvPr>
@@ -21189,7 +21219,7 @@
           <p:cNvPr id="15" name="직사각형 14">
             <a:extLst>
               <a:ext uri="{FF2B5EF4-FFF2-40B4-BE49-F238E27FC236}">
-                <a16:creationId xmlns:a16="http://schemas.microsoft.com/office/drawing/2014/main" xmlns="" id="{B9243A11-4372-6FD5-7E69-0F416B5DBB73}"/>
+                <a16:creationId xmlns="" xmlns:a16="http://schemas.microsoft.com/office/drawing/2014/main" id="{B9243A11-4372-6FD5-7E69-0F416B5DBB73}"/>
               </a:ext>
             </a:extLst>
           </p:cNvPr>
@@ -21241,7 +21271,7 @@
           <p:cNvPr id="16" name="TextBox 15">
             <a:extLst>
               <a:ext uri="{FF2B5EF4-FFF2-40B4-BE49-F238E27FC236}">
-                <a16:creationId xmlns:a16="http://schemas.microsoft.com/office/drawing/2014/main" xmlns="" id="{7BFB26D6-1D1F-7D32-D34C-0DC7D3D9C616}"/>
+                <a16:creationId xmlns="" xmlns:a16="http://schemas.microsoft.com/office/drawing/2014/main" id="{7BFB26D6-1D1F-7D32-D34C-0DC7D3D9C616}"/>
               </a:ext>
             </a:extLst>
           </p:cNvPr>
@@ -21495,7 +21525,7 @@
           <p:cNvPr id="4" name="TextBox 3">
             <a:extLst>
               <a:ext uri="{FF2B5EF4-FFF2-40B4-BE49-F238E27FC236}">
-                <a16:creationId xmlns:a16="http://schemas.microsoft.com/office/drawing/2014/main" xmlns="" id="{1E6F1B97-14EB-FB1B-1B2A-A90DDA8DEF23}"/>
+                <a16:creationId xmlns="" xmlns:a16="http://schemas.microsoft.com/office/drawing/2014/main" id="{1E6F1B97-14EB-FB1B-1B2A-A90DDA8DEF23}"/>
               </a:ext>
             </a:extLst>
           </p:cNvPr>
@@ -21563,7 +21593,7 @@
           <p:cNvPr id="6" name="그림 5">
             <a:extLst>
               <a:ext uri="{FF2B5EF4-FFF2-40B4-BE49-F238E27FC236}">
-                <a16:creationId xmlns:a16="http://schemas.microsoft.com/office/drawing/2014/main" xmlns="" id="{DD5CB556-A69F-9AF6-A9BB-8DB1FBD26597}"/>
+                <a16:creationId xmlns="" xmlns:a16="http://schemas.microsoft.com/office/drawing/2014/main" id="{DD5CB556-A69F-9AF6-A9BB-8DB1FBD26597}"/>
               </a:ext>
             </a:extLst>
           </p:cNvPr>
@@ -21593,7 +21623,7 @@
           <p:cNvPr id="7" name="TextBox 6">
             <a:extLst>
               <a:ext uri="{FF2B5EF4-FFF2-40B4-BE49-F238E27FC236}">
-                <a16:creationId xmlns:a16="http://schemas.microsoft.com/office/drawing/2014/main" xmlns="" id="{406C0CEC-71BB-9A67-F8FC-7F1798122E14}"/>
+                <a16:creationId xmlns="" xmlns:a16="http://schemas.microsoft.com/office/drawing/2014/main" id="{406C0CEC-71BB-9A67-F8FC-7F1798122E14}"/>
               </a:ext>
             </a:extLst>
           </p:cNvPr>
@@ -21694,7 +21724,7 @@
           <p:cNvPr id="4" name="직선 연결선 3">
             <a:extLst>
               <a:ext uri="{FF2B5EF4-FFF2-40B4-BE49-F238E27FC236}">
-                <a16:creationId xmlns:a16="http://schemas.microsoft.com/office/drawing/2014/main" xmlns="" id="{25C91E0E-4ECA-34C4-FFEE-7FF932DD7211}"/>
+                <a16:creationId xmlns="" xmlns:a16="http://schemas.microsoft.com/office/drawing/2014/main" id="{25C91E0E-4ECA-34C4-FFEE-7FF932DD7211}"/>
               </a:ext>
             </a:extLst>
           </p:cNvPr>
@@ -21737,7 +21767,7 @@
           <p:cNvPr id="5" name="직선 연결선 4">
             <a:extLst>
               <a:ext uri="{FF2B5EF4-FFF2-40B4-BE49-F238E27FC236}">
-                <a16:creationId xmlns:a16="http://schemas.microsoft.com/office/drawing/2014/main" xmlns="" id="{EF18D769-B409-6D19-4FCB-3DA1DD09C7E3}"/>
+                <a16:creationId xmlns="" xmlns:a16="http://schemas.microsoft.com/office/drawing/2014/main" id="{EF18D769-B409-6D19-4FCB-3DA1DD09C7E3}"/>
               </a:ext>
             </a:extLst>
           </p:cNvPr>
@@ -21780,7 +21810,7 @@
           <p:cNvPr id="6" name="그림 5">
             <a:extLst>
               <a:ext uri="{FF2B5EF4-FFF2-40B4-BE49-F238E27FC236}">
-                <a16:creationId xmlns:a16="http://schemas.microsoft.com/office/drawing/2014/main" xmlns="" id="{70BA0589-58EF-C21C-E5B9-F3A20AAE8DF4}"/>
+                <a16:creationId xmlns="" xmlns:a16="http://schemas.microsoft.com/office/drawing/2014/main" id="{70BA0589-58EF-C21C-E5B9-F3A20AAE8DF4}"/>
               </a:ext>
             </a:extLst>
           </p:cNvPr>
@@ -21810,7 +21840,7 @@
           <p:cNvPr id="7" name="TextBox 6">
             <a:extLst>
               <a:ext uri="{FF2B5EF4-FFF2-40B4-BE49-F238E27FC236}">
-                <a16:creationId xmlns:a16="http://schemas.microsoft.com/office/drawing/2014/main" xmlns="" id="{2E746482-B8ED-6DBD-CE8E-A31CFB369860}"/>
+                <a16:creationId xmlns="" xmlns:a16="http://schemas.microsoft.com/office/drawing/2014/main" id="{2E746482-B8ED-6DBD-CE8E-A31CFB369860}"/>
               </a:ext>
             </a:extLst>
           </p:cNvPr>
@@ -21854,7 +21884,7 @@
           <p:cNvPr id="8" name="그룹 1008">
             <a:extLst>
               <a:ext uri="{FF2B5EF4-FFF2-40B4-BE49-F238E27FC236}">
-                <a16:creationId xmlns:a16="http://schemas.microsoft.com/office/drawing/2014/main" xmlns="" id="{4939C111-1EB4-AAA0-ACE1-628BE630806C}"/>
+                <a16:creationId xmlns="" xmlns:a16="http://schemas.microsoft.com/office/drawing/2014/main" id="{4939C111-1EB4-AAA0-ACE1-628BE630806C}"/>
               </a:ext>
             </a:extLst>
           </p:cNvPr>
@@ -21874,7 +21904,7 @@
             <p:cNvPr id="9" name="그룹 1009">
               <a:extLst>
                 <a:ext uri="{FF2B5EF4-FFF2-40B4-BE49-F238E27FC236}">
-                  <a16:creationId xmlns:a16="http://schemas.microsoft.com/office/drawing/2014/main" xmlns="" id="{B103D8F2-D1D6-E0F3-F5E7-C9DEA3606F81}"/>
+                  <a16:creationId xmlns="" xmlns:a16="http://schemas.microsoft.com/office/drawing/2014/main" id="{B103D8F2-D1D6-E0F3-F5E7-C9DEA3606F81}"/>
                 </a:ext>
               </a:extLst>
             </p:cNvPr>
@@ -21894,7 +21924,7 @@
               <p:cNvPr id="14" name="Object 29">
                 <a:extLst>
                   <a:ext uri="{FF2B5EF4-FFF2-40B4-BE49-F238E27FC236}">
-                    <a16:creationId xmlns:a16="http://schemas.microsoft.com/office/drawing/2014/main" xmlns="" id="{FCBE588B-0A86-F434-B108-943E4C82EDA9}"/>
+                    <a16:creationId xmlns="" xmlns:a16="http://schemas.microsoft.com/office/drawing/2014/main" id="{FCBE588B-0A86-F434-B108-943E4C82EDA9}"/>
                   </a:ext>
                 </a:extLst>
               </p:cNvPr>
@@ -21925,7 +21955,7 @@
             <p:cNvPr id="10" name="그룹 1010">
               <a:extLst>
                 <a:ext uri="{FF2B5EF4-FFF2-40B4-BE49-F238E27FC236}">
-                  <a16:creationId xmlns:a16="http://schemas.microsoft.com/office/drawing/2014/main" xmlns="" id="{03146068-C782-C7B5-D961-B118BD454E31}"/>
+                  <a16:creationId xmlns="" xmlns:a16="http://schemas.microsoft.com/office/drawing/2014/main" id="{03146068-C782-C7B5-D961-B118BD454E31}"/>
                 </a:ext>
               </a:extLst>
             </p:cNvPr>
@@ -21945,7 +21975,7 @@
               <p:cNvPr id="13" name="Object 32">
                 <a:extLst>
                   <a:ext uri="{FF2B5EF4-FFF2-40B4-BE49-F238E27FC236}">
-                    <a16:creationId xmlns:a16="http://schemas.microsoft.com/office/drawing/2014/main" xmlns="" id="{9B0E0D5B-4B83-EA1C-0B38-A47345D8E1E7}"/>
+                    <a16:creationId xmlns="" xmlns:a16="http://schemas.microsoft.com/office/drawing/2014/main" id="{9B0E0D5B-4B83-EA1C-0B38-A47345D8E1E7}"/>
                   </a:ext>
                 </a:extLst>
               </p:cNvPr>
@@ -21976,7 +22006,7 @@
             <p:cNvPr id="11" name="그룹 1011">
               <a:extLst>
                 <a:ext uri="{FF2B5EF4-FFF2-40B4-BE49-F238E27FC236}">
-                  <a16:creationId xmlns:a16="http://schemas.microsoft.com/office/drawing/2014/main" xmlns="" id="{A37DC8FA-E022-A6C0-123D-B6BBCF251717}"/>
+                  <a16:creationId xmlns="" xmlns:a16="http://schemas.microsoft.com/office/drawing/2014/main" id="{A37DC8FA-E022-A6C0-123D-B6BBCF251717}"/>
                 </a:ext>
               </a:extLst>
             </p:cNvPr>
@@ -21996,7 +22026,7 @@
               <p:cNvPr id="12" name="Object 35">
                 <a:extLst>
                   <a:ext uri="{FF2B5EF4-FFF2-40B4-BE49-F238E27FC236}">
-                    <a16:creationId xmlns:a16="http://schemas.microsoft.com/office/drawing/2014/main" xmlns="" id="{528AD74B-97DF-BCAC-538B-568904043751}"/>
+                    <a16:creationId xmlns="" xmlns:a16="http://schemas.microsoft.com/office/drawing/2014/main" id="{528AD74B-97DF-BCAC-538B-568904043751}"/>
                   </a:ext>
                 </a:extLst>
               </p:cNvPr>
@@ -22028,7 +22058,7 @@
           <p:cNvPr id="15" name="그림 14">
             <a:extLst>
               <a:ext uri="{FF2B5EF4-FFF2-40B4-BE49-F238E27FC236}">
-                <a16:creationId xmlns:a16="http://schemas.microsoft.com/office/drawing/2014/main" xmlns="" id="{A0F1CD3E-29E3-C715-D7FA-4C2CAD79EBA5}"/>
+                <a16:creationId xmlns="" xmlns:a16="http://schemas.microsoft.com/office/drawing/2014/main" id="{A0F1CD3E-29E3-C715-D7FA-4C2CAD79EBA5}"/>
               </a:ext>
             </a:extLst>
           </p:cNvPr>
@@ -22058,7 +22088,7 @@
           <p:cNvPr id="26" name="그룹 25">
             <a:extLst>
               <a:ext uri="{FF2B5EF4-FFF2-40B4-BE49-F238E27FC236}">
-                <a16:creationId xmlns:a16="http://schemas.microsoft.com/office/drawing/2014/main" xmlns="" id="{F8BC6191-4723-39E6-EA9C-52CC8C390706}"/>
+                <a16:creationId xmlns="" xmlns:a16="http://schemas.microsoft.com/office/drawing/2014/main" id="{F8BC6191-4723-39E6-EA9C-52CC8C390706}"/>
               </a:ext>
             </a:extLst>
           </p:cNvPr>
@@ -22078,7 +22108,7 @@
             <p:cNvPr id="27" name="직선 연결선 26">
               <a:extLst>
                 <a:ext uri="{FF2B5EF4-FFF2-40B4-BE49-F238E27FC236}">
-                  <a16:creationId xmlns:a16="http://schemas.microsoft.com/office/drawing/2014/main" xmlns="" id="{19616935-B13A-4503-4BC3-2CBDA59F70CD}"/>
+                  <a16:creationId xmlns="" xmlns:a16="http://schemas.microsoft.com/office/drawing/2014/main" id="{19616935-B13A-4503-4BC3-2CBDA59F70CD}"/>
                 </a:ext>
               </a:extLst>
             </p:cNvPr>
@@ -22121,7 +22151,7 @@
             <p:cNvPr id="28" name="직선 연결선 27">
               <a:extLst>
                 <a:ext uri="{FF2B5EF4-FFF2-40B4-BE49-F238E27FC236}">
-                  <a16:creationId xmlns:a16="http://schemas.microsoft.com/office/drawing/2014/main" xmlns="" id="{D6B25BB3-819B-B0B3-EE48-C3624BCC31C6}"/>
+                  <a16:creationId xmlns="" xmlns:a16="http://schemas.microsoft.com/office/drawing/2014/main" id="{D6B25BB3-819B-B0B3-EE48-C3624BCC31C6}"/>
                 </a:ext>
               </a:extLst>
             </p:cNvPr>
@@ -22164,7 +22194,7 @@
             <p:cNvPr id="29" name="직선 연결선 28">
               <a:extLst>
                 <a:ext uri="{FF2B5EF4-FFF2-40B4-BE49-F238E27FC236}">
-                  <a16:creationId xmlns:a16="http://schemas.microsoft.com/office/drawing/2014/main" xmlns="" id="{1486E00A-8C85-FA0F-47E0-37EBF51562CC}"/>
+                  <a16:creationId xmlns="" xmlns:a16="http://schemas.microsoft.com/office/drawing/2014/main" id="{1486E00A-8C85-FA0F-47E0-37EBF51562CC}"/>
                 </a:ext>
               </a:extLst>
             </p:cNvPr>
@@ -22207,7 +22237,7 @@
             <p:cNvPr id="30" name="직선 연결선 29">
               <a:extLst>
                 <a:ext uri="{FF2B5EF4-FFF2-40B4-BE49-F238E27FC236}">
-                  <a16:creationId xmlns:a16="http://schemas.microsoft.com/office/drawing/2014/main" xmlns="" id="{AAC2A73F-2FFC-FCF3-22B0-7BC0BCEBF805}"/>
+                  <a16:creationId xmlns="" xmlns:a16="http://schemas.microsoft.com/office/drawing/2014/main" id="{AAC2A73F-2FFC-FCF3-22B0-7BC0BCEBF805}"/>
                 </a:ext>
               </a:extLst>
             </p:cNvPr>
@@ -22251,7 +22281,7 @@
           <p:cNvPr id="31" name="TextBox 30">
             <a:extLst>
               <a:ext uri="{FF2B5EF4-FFF2-40B4-BE49-F238E27FC236}">
-                <a16:creationId xmlns:a16="http://schemas.microsoft.com/office/drawing/2014/main" xmlns="" id="{31F445E8-8F31-F78E-AF15-53EE5FDA7CE0}"/>
+                <a16:creationId xmlns="" xmlns:a16="http://schemas.microsoft.com/office/drawing/2014/main" id="{31F445E8-8F31-F78E-AF15-53EE5FDA7CE0}"/>
               </a:ext>
             </a:extLst>
           </p:cNvPr>
@@ -22305,7 +22335,7 @@
           <p:cNvPr id="32" name="TextBox 31">
             <a:extLst>
               <a:ext uri="{FF2B5EF4-FFF2-40B4-BE49-F238E27FC236}">
-                <a16:creationId xmlns:a16="http://schemas.microsoft.com/office/drawing/2014/main" xmlns="" id="{DF8FD2C3-E0A3-C77B-ED56-D536F24AD294}"/>
+                <a16:creationId xmlns="" xmlns:a16="http://schemas.microsoft.com/office/drawing/2014/main" id="{DF8FD2C3-E0A3-C77B-ED56-D536F24AD294}"/>
               </a:ext>
             </a:extLst>
           </p:cNvPr>
@@ -22349,7 +22379,7 @@
           <p:cNvPr id="37" name="그룹 1008">
             <a:extLst>
               <a:ext uri="{FF2B5EF4-FFF2-40B4-BE49-F238E27FC236}">
-                <a16:creationId xmlns:a16="http://schemas.microsoft.com/office/drawing/2014/main" xmlns="" id="{DF9C147E-149F-ABEA-2C4A-82FAED3FA470}"/>
+                <a16:creationId xmlns="" xmlns:a16="http://schemas.microsoft.com/office/drawing/2014/main" id="{DF9C147E-149F-ABEA-2C4A-82FAED3FA470}"/>
               </a:ext>
             </a:extLst>
           </p:cNvPr>
@@ -22369,7 +22399,7 @@
             <p:cNvPr id="38" name="그룹 1009">
               <a:extLst>
                 <a:ext uri="{FF2B5EF4-FFF2-40B4-BE49-F238E27FC236}">
-                  <a16:creationId xmlns:a16="http://schemas.microsoft.com/office/drawing/2014/main" xmlns="" id="{BD3E8A57-FBB3-04C7-5409-558DE30D78FA}"/>
+                  <a16:creationId xmlns="" xmlns:a16="http://schemas.microsoft.com/office/drawing/2014/main" id="{BD3E8A57-FBB3-04C7-5409-558DE30D78FA}"/>
                 </a:ext>
               </a:extLst>
             </p:cNvPr>
@@ -22389,7 +22419,7 @@
               <p:cNvPr id="43" name="Object 29">
                 <a:extLst>
                   <a:ext uri="{FF2B5EF4-FFF2-40B4-BE49-F238E27FC236}">
-                    <a16:creationId xmlns:a16="http://schemas.microsoft.com/office/drawing/2014/main" xmlns="" id="{CECD1BCA-8699-F8E3-4136-E22688C209EC}"/>
+                    <a16:creationId xmlns="" xmlns:a16="http://schemas.microsoft.com/office/drawing/2014/main" id="{CECD1BCA-8699-F8E3-4136-E22688C209EC}"/>
                   </a:ext>
                 </a:extLst>
               </p:cNvPr>
@@ -22420,7 +22450,7 @@
             <p:cNvPr id="39" name="그룹 1010">
               <a:extLst>
                 <a:ext uri="{FF2B5EF4-FFF2-40B4-BE49-F238E27FC236}">
-                  <a16:creationId xmlns:a16="http://schemas.microsoft.com/office/drawing/2014/main" xmlns="" id="{8FBA2CE0-E2CD-F240-8D43-7BD3E4968849}"/>
+                  <a16:creationId xmlns="" xmlns:a16="http://schemas.microsoft.com/office/drawing/2014/main" id="{8FBA2CE0-E2CD-F240-8D43-7BD3E4968849}"/>
                 </a:ext>
               </a:extLst>
             </p:cNvPr>
@@ -22440,7 +22470,7 @@
               <p:cNvPr id="42" name="Object 32">
                 <a:extLst>
                   <a:ext uri="{FF2B5EF4-FFF2-40B4-BE49-F238E27FC236}">
-                    <a16:creationId xmlns:a16="http://schemas.microsoft.com/office/drawing/2014/main" xmlns="" id="{98A0FC31-E97A-8E22-C393-B79240CBE80E}"/>
+                    <a16:creationId xmlns="" xmlns:a16="http://schemas.microsoft.com/office/drawing/2014/main" id="{98A0FC31-E97A-8E22-C393-B79240CBE80E}"/>
                   </a:ext>
                 </a:extLst>
               </p:cNvPr>
@@ -22471,7 +22501,7 @@
             <p:cNvPr id="40" name="그룹 1011">
               <a:extLst>
                 <a:ext uri="{FF2B5EF4-FFF2-40B4-BE49-F238E27FC236}">
-                  <a16:creationId xmlns:a16="http://schemas.microsoft.com/office/drawing/2014/main" xmlns="" id="{7E3E5742-D5BB-89BF-7BA4-91A7044389B3}"/>
+                  <a16:creationId xmlns="" xmlns:a16="http://schemas.microsoft.com/office/drawing/2014/main" id="{7E3E5742-D5BB-89BF-7BA4-91A7044389B3}"/>
                 </a:ext>
               </a:extLst>
             </p:cNvPr>
@@ -22491,7 +22521,7 @@
               <p:cNvPr id="41" name="Object 35">
                 <a:extLst>
                   <a:ext uri="{FF2B5EF4-FFF2-40B4-BE49-F238E27FC236}">
-                    <a16:creationId xmlns:a16="http://schemas.microsoft.com/office/drawing/2014/main" xmlns="" id="{E72F8305-12AF-3DDB-8253-DDE94B9A72C6}"/>
+                    <a16:creationId xmlns="" xmlns:a16="http://schemas.microsoft.com/office/drawing/2014/main" id="{E72F8305-12AF-3DDB-8253-DDE94B9A72C6}"/>
                   </a:ext>
                 </a:extLst>
               </p:cNvPr>
@@ -22523,7 +22553,7 @@
           <p:cNvPr id="44" name="그룹 1008">
             <a:extLst>
               <a:ext uri="{FF2B5EF4-FFF2-40B4-BE49-F238E27FC236}">
-                <a16:creationId xmlns:a16="http://schemas.microsoft.com/office/drawing/2014/main" xmlns="" id="{727D00EA-120D-3F22-909F-17987E6AD703}"/>
+                <a16:creationId xmlns="" xmlns:a16="http://schemas.microsoft.com/office/drawing/2014/main" id="{727D00EA-120D-3F22-909F-17987E6AD703}"/>
               </a:ext>
             </a:extLst>
           </p:cNvPr>
@@ -22543,7 +22573,7 @@
             <p:cNvPr id="45" name="그룹 1009">
               <a:extLst>
                 <a:ext uri="{FF2B5EF4-FFF2-40B4-BE49-F238E27FC236}">
-                  <a16:creationId xmlns:a16="http://schemas.microsoft.com/office/drawing/2014/main" xmlns="" id="{723E798E-825B-CF9D-F9A7-42798915085B}"/>
+                  <a16:creationId xmlns="" xmlns:a16="http://schemas.microsoft.com/office/drawing/2014/main" id="{723E798E-825B-CF9D-F9A7-42798915085B}"/>
                 </a:ext>
               </a:extLst>
             </p:cNvPr>
@@ -22563,7 +22593,7 @@
               <p:cNvPr id="50" name="Object 29">
                 <a:extLst>
                   <a:ext uri="{FF2B5EF4-FFF2-40B4-BE49-F238E27FC236}">
-                    <a16:creationId xmlns:a16="http://schemas.microsoft.com/office/drawing/2014/main" xmlns="" id="{8B500B76-4CA3-78AC-6034-5B57EE94071F}"/>
+                    <a16:creationId xmlns="" xmlns:a16="http://schemas.microsoft.com/office/drawing/2014/main" id="{8B500B76-4CA3-78AC-6034-5B57EE94071F}"/>
                   </a:ext>
                 </a:extLst>
               </p:cNvPr>
@@ -22594,7 +22624,7 @@
             <p:cNvPr id="46" name="그룹 1010">
               <a:extLst>
                 <a:ext uri="{FF2B5EF4-FFF2-40B4-BE49-F238E27FC236}">
-                  <a16:creationId xmlns:a16="http://schemas.microsoft.com/office/drawing/2014/main" xmlns="" id="{028784CC-6D39-B450-E3F2-1F4FD1430831}"/>
+                  <a16:creationId xmlns="" xmlns:a16="http://schemas.microsoft.com/office/drawing/2014/main" id="{028784CC-6D39-B450-E3F2-1F4FD1430831}"/>
                 </a:ext>
               </a:extLst>
             </p:cNvPr>
@@ -22614,7 +22644,7 @@
               <p:cNvPr id="49" name="Object 32">
                 <a:extLst>
                   <a:ext uri="{FF2B5EF4-FFF2-40B4-BE49-F238E27FC236}">
-                    <a16:creationId xmlns:a16="http://schemas.microsoft.com/office/drawing/2014/main" xmlns="" id="{20AB0B88-3BA6-EF7C-2C5C-F4E3D1ED7F12}"/>
+                    <a16:creationId xmlns="" xmlns:a16="http://schemas.microsoft.com/office/drawing/2014/main" id="{20AB0B88-3BA6-EF7C-2C5C-F4E3D1ED7F12}"/>
                   </a:ext>
                 </a:extLst>
               </p:cNvPr>
@@ -22645,7 +22675,7 @@
             <p:cNvPr id="47" name="그룹 1011">
               <a:extLst>
                 <a:ext uri="{FF2B5EF4-FFF2-40B4-BE49-F238E27FC236}">
-                  <a16:creationId xmlns:a16="http://schemas.microsoft.com/office/drawing/2014/main" xmlns="" id="{30A2FE28-070E-AD90-58AC-E3E10FF9C347}"/>
+                  <a16:creationId xmlns="" xmlns:a16="http://schemas.microsoft.com/office/drawing/2014/main" id="{30A2FE28-070E-AD90-58AC-E3E10FF9C347}"/>
                 </a:ext>
               </a:extLst>
             </p:cNvPr>
@@ -22665,7 +22695,7 @@
               <p:cNvPr id="48" name="Object 35">
                 <a:extLst>
                   <a:ext uri="{FF2B5EF4-FFF2-40B4-BE49-F238E27FC236}">
-                    <a16:creationId xmlns:a16="http://schemas.microsoft.com/office/drawing/2014/main" xmlns="" id="{F9C881E9-0EFF-2C74-6891-291665626BEF}"/>
+                    <a16:creationId xmlns="" xmlns:a16="http://schemas.microsoft.com/office/drawing/2014/main" id="{F9C881E9-0EFF-2C74-6891-291665626BEF}"/>
                   </a:ext>
                 </a:extLst>
               </p:cNvPr>
@@ -22697,7 +22727,7 @@
           <p:cNvPr id="52" name="TextBox 51">
             <a:extLst>
               <a:ext uri="{FF2B5EF4-FFF2-40B4-BE49-F238E27FC236}">
-                <a16:creationId xmlns:a16="http://schemas.microsoft.com/office/drawing/2014/main" xmlns="" id="{5DE19AC2-F0B0-9996-172F-42876E2D657C}"/>
+                <a16:creationId xmlns="" xmlns:a16="http://schemas.microsoft.com/office/drawing/2014/main" id="{5DE19AC2-F0B0-9996-172F-42876E2D657C}"/>
               </a:ext>
             </a:extLst>
           </p:cNvPr>
@@ -22748,7 +22778,7 @@
           <p:cNvPr id="53" name="TextBox 52">
             <a:extLst>
               <a:ext uri="{FF2B5EF4-FFF2-40B4-BE49-F238E27FC236}">
-                <a16:creationId xmlns:a16="http://schemas.microsoft.com/office/drawing/2014/main" xmlns="" id="{F134201D-3343-610B-E103-99DCEFBE682F}"/>
+                <a16:creationId xmlns="" xmlns:a16="http://schemas.microsoft.com/office/drawing/2014/main" id="{F134201D-3343-610B-E103-99DCEFBE682F}"/>
               </a:ext>
             </a:extLst>
           </p:cNvPr>
@@ -22829,7 +22859,7 @@
           <p:cNvPr id="5" name="그림 4">
             <a:extLst>
               <a:ext uri="{FF2B5EF4-FFF2-40B4-BE49-F238E27FC236}">
-                <a16:creationId xmlns:a16="http://schemas.microsoft.com/office/drawing/2014/main" xmlns="" id="{981B080B-75CC-56F7-DAFD-8E3B32B99A1E}"/>
+                <a16:creationId xmlns="" xmlns:a16="http://schemas.microsoft.com/office/drawing/2014/main" id="{981B080B-75CC-56F7-DAFD-8E3B32B99A1E}"/>
               </a:ext>
             </a:extLst>
           </p:cNvPr>
@@ -22859,7 +22889,7 @@
           <p:cNvPr id="6" name="직선 화살표 연결선 5">
             <a:extLst>
               <a:ext uri="{FF2B5EF4-FFF2-40B4-BE49-F238E27FC236}">
-                <a16:creationId xmlns:a16="http://schemas.microsoft.com/office/drawing/2014/main" xmlns="" id="{D3535342-890E-605D-924B-1B318F6B8665}"/>
+                <a16:creationId xmlns="" xmlns:a16="http://schemas.microsoft.com/office/drawing/2014/main" id="{D3535342-890E-605D-924B-1B318F6B8665}"/>
               </a:ext>
             </a:extLst>
           </p:cNvPr>
@@ -22900,7 +22930,7 @@
           <p:cNvPr id="7" name="직사각형 6">
             <a:extLst>
               <a:ext uri="{FF2B5EF4-FFF2-40B4-BE49-F238E27FC236}">
-                <a16:creationId xmlns:a16="http://schemas.microsoft.com/office/drawing/2014/main" xmlns="" id="{C7F3346F-3628-5BD7-7532-938A6C67EC85}"/>
+                <a16:creationId xmlns="" xmlns:a16="http://schemas.microsoft.com/office/drawing/2014/main" id="{C7F3346F-3628-5BD7-7532-938A6C67EC85}"/>
               </a:ext>
             </a:extLst>
           </p:cNvPr>
@@ -22952,7 +22982,7 @@
           <p:cNvPr id="8" name="TextBox 7">
             <a:extLst>
               <a:ext uri="{FF2B5EF4-FFF2-40B4-BE49-F238E27FC236}">
-                <a16:creationId xmlns:a16="http://schemas.microsoft.com/office/drawing/2014/main" xmlns="" id="{D81D503A-8C08-3793-58D3-BF8FFE24519A}"/>
+                <a16:creationId xmlns="" xmlns:a16="http://schemas.microsoft.com/office/drawing/2014/main" id="{D81D503A-8C08-3793-58D3-BF8FFE24519A}"/>
               </a:ext>
             </a:extLst>
           </p:cNvPr>
@@ -23013,7 +23043,7 @@
           <p:cNvPr id="10" name="그림 9">
             <a:extLst>
               <a:ext uri="{FF2B5EF4-FFF2-40B4-BE49-F238E27FC236}">
-                <a16:creationId xmlns:a16="http://schemas.microsoft.com/office/drawing/2014/main" xmlns="" id="{ECE7821B-5BFD-304F-3F29-06D3DE0A4F5C}"/>
+                <a16:creationId xmlns="" xmlns:a16="http://schemas.microsoft.com/office/drawing/2014/main" id="{ECE7821B-5BFD-304F-3F29-06D3DE0A4F5C}"/>
               </a:ext>
             </a:extLst>
           </p:cNvPr>
@@ -23043,7 +23073,7 @@
           <p:cNvPr id="11" name="TextBox 10">
             <a:extLst>
               <a:ext uri="{FF2B5EF4-FFF2-40B4-BE49-F238E27FC236}">
-                <a16:creationId xmlns:a16="http://schemas.microsoft.com/office/drawing/2014/main" xmlns="" id="{B5D9BC58-684C-C704-DEE6-C52F406F29C0}"/>
+                <a16:creationId xmlns="" xmlns:a16="http://schemas.microsoft.com/office/drawing/2014/main" id="{B5D9BC58-684C-C704-DEE6-C52F406F29C0}"/>
               </a:ext>
             </a:extLst>
           </p:cNvPr>
@@ -23202,7 +23232,7 @@
           <p:cNvPr id="4" name="TextBox 3">
             <a:extLst>
               <a:ext uri="{FF2B5EF4-FFF2-40B4-BE49-F238E27FC236}">
-                <a16:creationId xmlns:a16="http://schemas.microsoft.com/office/drawing/2014/main" xmlns="" id="{22E2DB4C-43F7-17F4-EB20-86A4DF57EC84}"/>
+                <a16:creationId xmlns="" xmlns:a16="http://schemas.microsoft.com/office/drawing/2014/main" id="{22E2DB4C-43F7-17F4-EB20-86A4DF57EC84}"/>
               </a:ext>
             </a:extLst>
           </p:cNvPr>
@@ -23343,7 +23373,7 @@
           <p:cNvPr id="5" name="그림 4">
             <a:extLst>
               <a:ext uri="{FF2B5EF4-FFF2-40B4-BE49-F238E27FC236}">
-                <a16:creationId xmlns:a16="http://schemas.microsoft.com/office/drawing/2014/main" xmlns="" id="{03B1340D-33F3-371D-8613-8683AB430C64}"/>
+                <a16:creationId xmlns="" xmlns:a16="http://schemas.microsoft.com/office/drawing/2014/main" id="{03B1340D-33F3-371D-8613-8683AB430C64}"/>
               </a:ext>
             </a:extLst>
           </p:cNvPr>
@@ -23373,7 +23403,7 @@
           <p:cNvPr id="6" name="직선 화살표 연결선 5">
             <a:extLst>
               <a:ext uri="{FF2B5EF4-FFF2-40B4-BE49-F238E27FC236}">
-                <a16:creationId xmlns:a16="http://schemas.microsoft.com/office/drawing/2014/main" xmlns="" id="{F2AD171B-419E-07A8-723D-7E4D4FCBDF9F}"/>
+                <a16:creationId xmlns="" xmlns:a16="http://schemas.microsoft.com/office/drawing/2014/main" id="{F2AD171B-419E-07A8-723D-7E4D4FCBDF9F}"/>
               </a:ext>
             </a:extLst>
           </p:cNvPr>
@@ -23414,7 +23444,7 @@
           <p:cNvPr id="7" name="직사각형 6">
             <a:extLst>
               <a:ext uri="{FF2B5EF4-FFF2-40B4-BE49-F238E27FC236}">
-                <a16:creationId xmlns:a16="http://schemas.microsoft.com/office/drawing/2014/main" xmlns="" id="{E686DBED-C291-E878-9488-DB60EAED2C50}"/>
+                <a16:creationId xmlns="" xmlns:a16="http://schemas.microsoft.com/office/drawing/2014/main" id="{E686DBED-C291-E878-9488-DB60EAED2C50}"/>
               </a:ext>
             </a:extLst>
           </p:cNvPr>
@@ -23466,7 +23496,7 @@
           <p:cNvPr id="8" name="TextBox 7">
             <a:extLst>
               <a:ext uri="{FF2B5EF4-FFF2-40B4-BE49-F238E27FC236}">
-                <a16:creationId xmlns:a16="http://schemas.microsoft.com/office/drawing/2014/main" xmlns="" id="{8340BDB6-61C9-221E-C8FB-49CCA030E56D}"/>
+                <a16:creationId xmlns="" xmlns:a16="http://schemas.microsoft.com/office/drawing/2014/main" id="{8340BDB6-61C9-221E-C8FB-49CCA030E56D}"/>
               </a:ext>
             </a:extLst>
           </p:cNvPr>
@@ -23730,7 +23760,7 @@
           <p:cNvPr id="4" name="TextBox 3">
             <a:extLst>
               <a:ext uri="{FF2B5EF4-FFF2-40B4-BE49-F238E27FC236}">
-                <a16:creationId xmlns:a16="http://schemas.microsoft.com/office/drawing/2014/main" xmlns="" id="{E6016F07-5E43-D848-FFFB-1F1258FC4388}"/>
+                <a16:creationId xmlns="" xmlns:a16="http://schemas.microsoft.com/office/drawing/2014/main" id="{E6016F07-5E43-D848-FFFB-1F1258FC4388}"/>
               </a:ext>
             </a:extLst>
           </p:cNvPr>
@@ -23831,7 +23861,7 @@
           <p:cNvPr id="4" name="TextBox 3">
             <a:extLst>
               <a:ext uri="{FF2B5EF4-FFF2-40B4-BE49-F238E27FC236}">
-                <a16:creationId xmlns:a16="http://schemas.microsoft.com/office/drawing/2014/main" xmlns="" id="{EE79C406-3461-D6A5-5346-D7C2FC38FCCD}"/>
+                <a16:creationId xmlns="" xmlns:a16="http://schemas.microsoft.com/office/drawing/2014/main" id="{EE79C406-3461-D6A5-5346-D7C2FC38FCCD}"/>
               </a:ext>
             </a:extLst>
           </p:cNvPr>
@@ -23882,7 +23912,7 @@
           <p:cNvPr id="8" name="TextBox 7">
             <a:extLst>
               <a:ext uri="{FF2B5EF4-FFF2-40B4-BE49-F238E27FC236}">
-                <a16:creationId xmlns:a16="http://schemas.microsoft.com/office/drawing/2014/main" xmlns="" id="{2FFEA572-0493-CB52-6BE5-4BCEFE8076B6}"/>
+                <a16:creationId xmlns="" xmlns:a16="http://schemas.microsoft.com/office/drawing/2014/main" id="{2FFEA572-0493-CB52-6BE5-4BCEFE8076B6}"/>
               </a:ext>
             </a:extLst>
           </p:cNvPr>
@@ -24138,7 +24168,7 @@
           <p:cNvPr id="6" name="그림 5">
             <a:extLst>
               <a:ext uri="{FF2B5EF4-FFF2-40B4-BE49-F238E27FC236}">
-                <a16:creationId xmlns:a16="http://schemas.microsoft.com/office/drawing/2014/main" xmlns="" id="{DA74F038-7D17-4F05-5831-9E732A033733}"/>
+                <a16:creationId xmlns="" xmlns:a16="http://schemas.microsoft.com/office/drawing/2014/main" id="{DA74F038-7D17-4F05-5831-9E732A033733}"/>
               </a:ext>
             </a:extLst>
           </p:cNvPr>
@@ -24168,7 +24198,7 @@
           <p:cNvPr id="7" name="직선 화살표 연결선 6">
             <a:extLst>
               <a:ext uri="{FF2B5EF4-FFF2-40B4-BE49-F238E27FC236}">
-                <a16:creationId xmlns:a16="http://schemas.microsoft.com/office/drawing/2014/main" xmlns="" id="{F8CDF37E-F5CD-20C3-9352-05F0ED200BF0}"/>
+                <a16:creationId xmlns="" xmlns:a16="http://schemas.microsoft.com/office/drawing/2014/main" id="{F8CDF37E-F5CD-20C3-9352-05F0ED200BF0}"/>
               </a:ext>
             </a:extLst>
           </p:cNvPr>
@@ -24209,7 +24239,7 @@
           <p:cNvPr id="9" name="직사각형 8">
             <a:extLst>
               <a:ext uri="{FF2B5EF4-FFF2-40B4-BE49-F238E27FC236}">
-                <a16:creationId xmlns:a16="http://schemas.microsoft.com/office/drawing/2014/main" xmlns="" id="{E19787B1-332E-4CFF-1F2D-7D60B503D1F7}"/>
+                <a16:creationId xmlns="" xmlns:a16="http://schemas.microsoft.com/office/drawing/2014/main" id="{E19787B1-332E-4CFF-1F2D-7D60B503D1F7}"/>
               </a:ext>
             </a:extLst>
           </p:cNvPr>
@@ -24261,7 +24291,7 @@
           <p:cNvPr id="10" name="TextBox 9">
             <a:extLst>
               <a:ext uri="{FF2B5EF4-FFF2-40B4-BE49-F238E27FC236}">
-                <a16:creationId xmlns:a16="http://schemas.microsoft.com/office/drawing/2014/main" xmlns="" id="{1D2259E5-3E44-EF21-C8FD-899E34E417B2}"/>
+                <a16:creationId xmlns="" xmlns:a16="http://schemas.microsoft.com/office/drawing/2014/main" id="{1D2259E5-3E44-EF21-C8FD-899E34E417B2}"/>
               </a:ext>
             </a:extLst>
           </p:cNvPr>
@@ -24332,7 +24362,7 @@
           <p:cNvPr id="14" name="그림 13">
             <a:extLst>
               <a:ext uri="{FF2B5EF4-FFF2-40B4-BE49-F238E27FC236}">
-                <a16:creationId xmlns:a16="http://schemas.microsoft.com/office/drawing/2014/main" xmlns="" id="{501EEA91-8859-0CA6-5CDE-FF67E9E90705}"/>
+                <a16:creationId xmlns="" xmlns:a16="http://schemas.microsoft.com/office/drawing/2014/main" id="{501EEA91-8859-0CA6-5CDE-FF67E9E90705}"/>
               </a:ext>
             </a:extLst>
           </p:cNvPr>
@@ -24362,7 +24392,7 @@
           <p:cNvPr id="15" name="직사각형 14">
             <a:extLst>
               <a:ext uri="{FF2B5EF4-FFF2-40B4-BE49-F238E27FC236}">
-                <a16:creationId xmlns:a16="http://schemas.microsoft.com/office/drawing/2014/main" xmlns="" id="{587302C8-CD1F-58C0-3753-0C919E73159A}"/>
+                <a16:creationId xmlns="" xmlns:a16="http://schemas.microsoft.com/office/drawing/2014/main" id="{587302C8-CD1F-58C0-3753-0C919E73159A}"/>
               </a:ext>
             </a:extLst>
           </p:cNvPr>
@@ -24414,7 +24444,7 @@
           <p:cNvPr id="16" name="직사각형 15">
             <a:extLst>
               <a:ext uri="{FF2B5EF4-FFF2-40B4-BE49-F238E27FC236}">
-                <a16:creationId xmlns:a16="http://schemas.microsoft.com/office/drawing/2014/main" xmlns="" id="{0F9A7DCE-AE3F-A3D4-75CD-7810D20E8B2B}"/>
+                <a16:creationId xmlns="" xmlns:a16="http://schemas.microsoft.com/office/drawing/2014/main" id="{0F9A7DCE-AE3F-A3D4-75CD-7810D20E8B2B}"/>
               </a:ext>
             </a:extLst>
           </p:cNvPr>
@@ -24661,7 +24691,7 @@
           <p:cNvPr id="4" name="TextBox 3">
             <a:extLst>
               <a:ext uri="{FF2B5EF4-FFF2-40B4-BE49-F238E27FC236}">
-                <a16:creationId xmlns:a16="http://schemas.microsoft.com/office/drawing/2014/main" xmlns="" id="{E3E7BB62-3A69-8D61-2029-8C35FAF88C23}"/>
+                <a16:creationId xmlns="" xmlns:a16="http://schemas.microsoft.com/office/drawing/2014/main" id="{E3E7BB62-3A69-8D61-2029-8C35FAF88C23}"/>
               </a:ext>
             </a:extLst>
           </p:cNvPr>
@@ -24791,7 +24821,7 @@
           <p:cNvPr id="6" name="그림 5">
             <a:extLst>
               <a:ext uri="{FF2B5EF4-FFF2-40B4-BE49-F238E27FC236}">
-                <a16:creationId xmlns:a16="http://schemas.microsoft.com/office/drawing/2014/main" xmlns="" id="{DB7590B5-C863-81C1-8745-434242FCC7C2}"/>
+                <a16:creationId xmlns="" xmlns:a16="http://schemas.microsoft.com/office/drawing/2014/main" id="{DB7590B5-C863-81C1-8745-434242FCC7C2}"/>
               </a:ext>
             </a:extLst>
           </p:cNvPr>
@@ -24858,7 +24888,7 @@
           <p:cNvPr id="5" name="TextBox 4">
             <a:extLst>
               <a:ext uri="{FF2B5EF4-FFF2-40B4-BE49-F238E27FC236}">
-                <a16:creationId xmlns:a16="http://schemas.microsoft.com/office/drawing/2014/main" xmlns="" id="{D15853EE-94B0-D08B-DCB7-3381290CC3FF}"/>
+                <a16:creationId xmlns="" xmlns:a16="http://schemas.microsoft.com/office/drawing/2014/main" id="{D15853EE-94B0-D08B-DCB7-3381290CC3FF}"/>
               </a:ext>
             </a:extLst>
           </p:cNvPr>
@@ -24899,7 +24929,7 @@
           <p:cNvPr id="4" name="TextBox 3">
             <a:extLst>
               <a:ext uri="{FF2B5EF4-FFF2-40B4-BE49-F238E27FC236}">
-                <a16:creationId xmlns:a16="http://schemas.microsoft.com/office/drawing/2014/main" xmlns="" id="{A2AD056B-97A4-5BCC-4460-250160F3E171}"/>
+                <a16:creationId xmlns="" xmlns:a16="http://schemas.microsoft.com/office/drawing/2014/main" id="{A2AD056B-97A4-5BCC-4460-250160F3E171}"/>
               </a:ext>
             </a:extLst>
           </p:cNvPr>
@@ -25048,7 +25078,7 @@
           <p:cNvPr id="7" name="TextBox 6">
             <a:extLst>
               <a:ext uri="{FF2B5EF4-FFF2-40B4-BE49-F238E27FC236}">
-                <a16:creationId xmlns:a16="http://schemas.microsoft.com/office/drawing/2014/main" xmlns="" id="{A2AD056B-97A4-5BCC-4460-250160F3E171}"/>
+                <a16:creationId xmlns="" xmlns:a16="http://schemas.microsoft.com/office/drawing/2014/main" id="{A2AD056B-97A4-5BCC-4460-250160F3E171}"/>
               </a:ext>
             </a:extLst>
           </p:cNvPr>
@@ -25115,7 +25145,7 @@
           <p:cNvPr id="8" name="TextBox 7">
             <a:extLst>
               <a:ext uri="{FF2B5EF4-FFF2-40B4-BE49-F238E27FC236}">
-                <a16:creationId xmlns:a16="http://schemas.microsoft.com/office/drawing/2014/main" xmlns="" id="{A2AD056B-97A4-5BCC-4460-250160F3E171}"/>
+                <a16:creationId xmlns="" xmlns:a16="http://schemas.microsoft.com/office/drawing/2014/main" id="{A2AD056B-97A4-5BCC-4460-250160F3E171}"/>
               </a:ext>
             </a:extLst>
           </p:cNvPr>
@@ -25627,7 +25657,7 @@
           <p:cNvPr id="4" name="TextBox 3">
             <a:extLst>
               <a:ext uri="{FF2B5EF4-FFF2-40B4-BE49-F238E27FC236}">
-                <a16:creationId xmlns:a16="http://schemas.microsoft.com/office/drawing/2014/main" xmlns="" id="{ABFCFD7E-1F85-385E-4396-41BD1DCE415E}"/>
+                <a16:creationId xmlns="" xmlns:a16="http://schemas.microsoft.com/office/drawing/2014/main" id="{ABFCFD7E-1F85-385E-4396-41BD1DCE415E}"/>
               </a:ext>
             </a:extLst>
           </p:cNvPr>
@@ -25838,7 +25868,7 @@
           <p:cNvPr id="4" name="TextBox 3">
             <a:extLst>
               <a:ext uri="{FF2B5EF4-FFF2-40B4-BE49-F238E27FC236}">
-                <a16:creationId xmlns:a16="http://schemas.microsoft.com/office/drawing/2014/main" xmlns="" id="{FFD29A58-633C-CA3B-D457-7BC6CD266C3F}"/>
+                <a16:creationId xmlns="" xmlns:a16="http://schemas.microsoft.com/office/drawing/2014/main" id="{FFD29A58-633C-CA3B-D457-7BC6CD266C3F}"/>
               </a:ext>
             </a:extLst>
           </p:cNvPr>
@@ -26301,7 +26331,7 @@
           <p:cNvPr id="2" name="TextBox 1">
             <a:extLst>
               <a:ext uri="{FF2B5EF4-FFF2-40B4-BE49-F238E27FC236}">
-                <a16:creationId xmlns:a16="http://schemas.microsoft.com/office/drawing/2014/main" xmlns="" id="{76F36AE5-79B5-0B9F-E510-1C27AAC4B649}"/>
+                <a16:creationId xmlns="" xmlns:a16="http://schemas.microsoft.com/office/drawing/2014/main" id="{76F36AE5-79B5-0B9F-E510-1C27AAC4B649}"/>
               </a:ext>
             </a:extLst>
           </p:cNvPr>
@@ -26386,7 +26416,7 @@
           <p:cNvPr id="4" name="TextBox 3">
             <a:extLst>
               <a:ext uri="{FF2B5EF4-FFF2-40B4-BE49-F238E27FC236}">
-                <a16:creationId xmlns:a16="http://schemas.microsoft.com/office/drawing/2014/main" xmlns="" id="{5ADC00B6-990A-40DC-3CEA-505258F5E8DA}"/>
+                <a16:creationId xmlns="" xmlns:a16="http://schemas.microsoft.com/office/drawing/2014/main" id="{5ADC00B6-990A-40DC-3CEA-505258F5E8DA}"/>
               </a:ext>
             </a:extLst>
           </p:cNvPr>
@@ -26454,7 +26484,7 @@
           <p:cNvPr id="7" name="그룹 1018">
             <a:extLst>
               <a:ext uri="{FF2B5EF4-FFF2-40B4-BE49-F238E27FC236}">
-                <a16:creationId xmlns:a16="http://schemas.microsoft.com/office/drawing/2014/main" xmlns="" id="{F53BC57C-78A5-6AFC-CB34-7E3FD29B339F}"/>
+                <a16:creationId xmlns="" xmlns:a16="http://schemas.microsoft.com/office/drawing/2014/main" id="{F53BC57C-78A5-6AFC-CB34-7E3FD29B339F}"/>
               </a:ext>
             </a:extLst>
           </p:cNvPr>
@@ -26474,7 +26504,7 @@
             <p:cNvPr id="8" name="Object 61">
               <a:extLst>
                 <a:ext uri="{FF2B5EF4-FFF2-40B4-BE49-F238E27FC236}">
-                  <a16:creationId xmlns:a16="http://schemas.microsoft.com/office/drawing/2014/main" xmlns="" id="{E6F73685-14E5-06A9-813C-1C372BD6F4DE}"/>
+                  <a16:creationId xmlns="" xmlns:a16="http://schemas.microsoft.com/office/drawing/2014/main" id="{E6F73685-14E5-06A9-813C-1C372BD6F4DE}"/>
                 </a:ext>
               </a:extLst>
             </p:cNvPr>
@@ -26505,7 +26535,7 @@
           <p:cNvPr id="13" name="TextBox 12">
             <a:extLst>
               <a:ext uri="{FF2B5EF4-FFF2-40B4-BE49-F238E27FC236}">
-                <a16:creationId xmlns:a16="http://schemas.microsoft.com/office/drawing/2014/main" xmlns="" id="{A06D4055-10A8-4A24-5EDC-0761473BA40F}"/>
+                <a16:creationId xmlns="" xmlns:a16="http://schemas.microsoft.com/office/drawing/2014/main" id="{A06D4055-10A8-4A24-5EDC-0761473BA40F}"/>
               </a:ext>
             </a:extLst>
           </p:cNvPr>
@@ -26549,7 +26579,7 @@
           <p:cNvPr id="17" name="그룹 1008">
             <a:extLst>
               <a:ext uri="{FF2B5EF4-FFF2-40B4-BE49-F238E27FC236}">
-                <a16:creationId xmlns:a16="http://schemas.microsoft.com/office/drawing/2014/main" xmlns="" id="{E395BDE3-2EDE-065D-70E8-56E348228ACF}"/>
+                <a16:creationId xmlns="" xmlns:a16="http://schemas.microsoft.com/office/drawing/2014/main" id="{E395BDE3-2EDE-065D-70E8-56E348228ACF}"/>
               </a:ext>
             </a:extLst>
           </p:cNvPr>
@@ -26569,7 +26599,7 @@
             <p:cNvPr id="18" name="그룹 1009">
               <a:extLst>
                 <a:ext uri="{FF2B5EF4-FFF2-40B4-BE49-F238E27FC236}">
-                  <a16:creationId xmlns:a16="http://schemas.microsoft.com/office/drawing/2014/main" xmlns="" id="{852F4DEB-DB33-DB3F-9E9F-52A46CD0B10A}"/>
+                  <a16:creationId xmlns="" xmlns:a16="http://schemas.microsoft.com/office/drawing/2014/main" id="{852F4DEB-DB33-DB3F-9E9F-52A46CD0B10A}"/>
                 </a:ext>
               </a:extLst>
             </p:cNvPr>
@@ -26589,7 +26619,7 @@
               <p:cNvPr id="23" name="Object 29">
                 <a:extLst>
                   <a:ext uri="{FF2B5EF4-FFF2-40B4-BE49-F238E27FC236}">
-                    <a16:creationId xmlns:a16="http://schemas.microsoft.com/office/drawing/2014/main" xmlns="" id="{7E353D3B-14D4-8A64-5888-3F0C062C2CDD}"/>
+                    <a16:creationId xmlns="" xmlns:a16="http://schemas.microsoft.com/office/drawing/2014/main" id="{7E353D3B-14D4-8A64-5888-3F0C062C2CDD}"/>
                   </a:ext>
                 </a:extLst>
               </p:cNvPr>
@@ -26620,7 +26650,7 @@
             <p:cNvPr id="19" name="그룹 1010">
               <a:extLst>
                 <a:ext uri="{FF2B5EF4-FFF2-40B4-BE49-F238E27FC236}">
-                  <a16:creationId xmlns:a16="http://schemas.microsoft.com/office/drawing/2014/main" xmlns="" id="{001E38AB-1390-ABD0-BE01-9727136FEAEE}"/>
+                  <a16:creationId xmlns="" xmlns:a16="http://schemas.microsoft.com/office/drawing/2014/main" id="{001E38AB-1390-ABD0-BE01-9727136FEAEE}"/>
                 </a:ext>
               </a:extLst>
             </p:cNvPr>
@@ -26640,7 +26670,7 @@
               <p:cNvPr id="22" name="Object 32">
                 <a:extLst>
                   <a:ext uri="{FF2B5EF4-FFF2-40B4-BE49-F238E27FC236}">
-                    <a16:creationId xmlns:a16="http://schemas.microsoft.com/office/drawing/2014/main" xmlns="" id="{2ED1C30F-0D0B-F86C-8215-2598D332B5A3}"/>
+                    <a16:creationId xmlns="" xmlns:a16="http://schemas.microsoft.com/office/drawing/2014/main" id="{2ED1C30F-0D0B-F86C-8215-2598D332B5A3}"/>
                   </a:ext>
                 </a:extLst>
               </p:cNvPr>
@@ -26671,7 +26701,7 @@
             <p:cNvPr id="20" name="그룹 1011">
               <a:extLst>
                 <a:ext uri="{FF2B5EF4-FFF2-40B4-BE49-F238E27FC236}">
-                  <a16:creationId xmlns:a16="http://schemas.microsoft.com/office/drawing/2014/main" xmlns="" id="{1BCB8DE5-ABAF-4198-BC16-85BB76F2DB24}"/>
+                  <a16:creationId xmlns="" xmlns:a16="http://schemas.microsoft.com/office/drawing/2014/main" id="{1BCB8DE5-ABAF-4198-BC16-85BB76F2DB24}"/>
                 </a:ext>
               </a:extLst>
             </p:cNvPr>
@@ -26691,7 +26721,7 @@
               <p:cNvPr id="21" name="Object 35">
                 <a:extLst>
                   <a:ext uri="{FF2B5EF4-FFF2-40B4-BE49-F238E27FC236}">
-                    <a16:creationId xmlns:a16="http://schemas.microsoft.com/office/drawing/2014/main" xmlns="" id="{86E7BA23-0A1E-B581-CADC-06AB269DB2BD}"/>
+                    <a16:creationId xmlns="" xmlns:a16="http://schemas.microsoft.com/office/drawing/2014/main" id="{86E7BA23-0A1E-B581-CADC-06AB269DB2BD}"/>
                   </a:ext>
                 </a:extLst>
               </p:cNvPr>
@@ -26723,7 +26753,7 @@
           <p:cNvPr id="26" name="그룹 1018">
             <a:extLst>
               <a:ext uri="{FF2B5EF4-FFF2-40B4-BE49-F238E27FC236}">
-                <a16:creationId xmlns:a16="http://schemas.microsoft.com/office/drawing/2014/main" xmlns="" id="{F53BC57C-78A5-6AFC-CB34-7E3FD29B339F}"/>
+                <a16:creationId xmlns="" xmlns:a16="http://schemas.microsoft.com/office/drawing/2014/main" id="{F53BC57C-78A5-6AFC-CB34-7E3FD29B339F}"/>
               </a:ext>
             </a:extLst>
           </p:cNvPr>
@@ -26743,7 +26773,7 @@
             <p:cNvPr id="27" name="Object 61">
               <a:extLst>
                 <a:ext uri="{FF2B5EF4-FFF2-40B4-BE49-F238E27FC236}">
-                  <a16:creationId xmlns:a16="http://schemas.microsoft.com/office/drawing/2014/main" xmlns="" id="{E6F73685-14E5-06A9-813C-1C372BD6F4DE}"/>
+                  <a16:creationId xmlns="" xmlns:a16="http://schemas.microsoft.com/office/drawing/2014/main" id="{E6F73685-14E5-06A9-813C-1C372BD6F4DE}"/>
                 </a:ext>
               </a:extLst>
             </p:cNvPr>
@@ -26774,7 +26804,7 @@
           <p:cNvPr id="32" name="TextBox 31">
             <a:extLst>
               <a:ext uri="{FF2B5EF4-FFF2-40B4-BE49-F238E27FC236}">
-                <a16:creationId xmlns:a16="http://schemas.microsoft.com/office/drawing/2014/main" xmlns="" id="{A06D4055-10A8-4A24-5EDC-0761473BA40F}"/>
+                <a16:creationId xmlns="" xmlns:a16="http://schemas.microsoft.com/office/drawing/2014/main" id="{A06D4055-10A8-4A24-5EDC-0761473BA40F}"/>
               </a:ext>
             </a:extLst>
           </p:cNvPr>
@@ -26818,7 +26848,7 @@
           <p:cNvPr id="36" name="그룹 1008">
             <a:extLst>
               <a:ext uri="{FF2B5EF4-FFF2-40B4-BE49-F238E27FC236}">
-                <a16:creationId xmlns:a16="http://schemas.microsoft.com/office/drawing/2014/main" xmlns="" id="{E395BDE3-2EDE-065D-70E8-56E348228ACF}"/>
+                <a16:creationId xmlns="" xmlns:a16="http://schemas.microsoft.com/office/drawing/2014/main" id="{E395BDE3-2EDE-065D-70E8-56E348228ACF}"/>
               </a:ext>
             </a:extLst>
           </p:cNvPr>
@@ -26838,7 +26868,7 @@
             <p:cNvPr id="37" name="그룹 1009">
               <a:extLst>
                 <a:ext uri="{FF2B5EF4-FFF2-40B4-BE49-F238E27FC236}">
-                  <a16:creationId xmlns:a16="http://schemas.microsoft.com/office/drawing/2014/main" xmlns="" id="{852F4DEB-DB33-DB3F-9E9F-52A46CD0B10A}"/>
+                  <a16:creationId xmlns="" xmlns:a16="http://schemas.microsoft.com/office/drawing/2014/main" id="{852F4DEB-DB33-DB3F-9E9F-52A46CD0B10A}"/>
                 </a:ext>
               </a:extLst>
             </p:cNvPr>
@@ -26858,7 +26888,7 @@
               <p:cNvPr id="42" name="Object 29">
                 <a:extLst>
                   <a:ext uri="{FF2B5EF4-FFF2-40B4-BE49-F238E27FC236}">
-                    <a16:creationId xmlns:a16="http://schemas.microsoft.com/office/drawing/2014/main" xmlns="" id="{7E353D3B-14D4-8A64-5888-3F0C062C2CDD}"/>
+                    <a16:creationId xmlns="" xmlns:a16="http://schemas.microsoft.com/office/drawing/2014/main" id="{7E353D3B-14D4-8A64-5888-3F0C062C2CDD}"/>
                   </a:ext>
                 </a:extLst>
               </p:cNvPr>
@@ -26889,7 +26919,7 @@
             <p:cNvPr id="38" name="그룹 1010">
               <a:extLst>
                 <a:ext uri="{FF2B5EF4-FFF2-40B4-BE49-F238E27FC236}">
-                  <a16:creationId xmlns:a16="http://schemas.microsoft.com/office/drawing/2014/main" xmlns="" id="{001E38AB-1390-ABD0-BE01-9727136FEAEE}"/>
+                  <a16:creationId xmlns="" xmlns:a16="http://schemas.microsoft.com/office/drawing/2014/main" id="{001E38AB-1390-ABD0-BE01-9727136FEAEE}"/>
                 </a:ext>
               </a:extLst>
             </p:cNvPr>
@@ -26909,7 +26939,7 @@
               <p:cNvPr id="41" name="Object 32">
                 <a:extLst>
                   <a:ext uri="{FF2B5EF4-FFF2-40B4-BE49-F238E27FC236}">
-                    <a16:creationId xmlns:a16="http://schemas.microsoft.com/office/drawing/2014/main" xmlns="" id="{2ED1C30F-0D0B-F86C-8215-2598D332B5A3}"/>
+                    <a16:creationId xmlns="" xmlns:a16="http://schemas.microsoft.com/office/drawing/2014/main" id="{2ED1C30F-0D0B-F86C-8215-2598D332B5A3}"/>
                   </a:ext>
                 </a:extLst>
               </p:cNvPr>
@@ -26940,7 +26970,7 @@
             <p:cNvPr id="39" name="그룹 1011">
               <a:extLst>
                 <a:ext uri="{FF2B5EF4-FFF2-40B4-BE49-F238E27FC236}">
-                  <a16:creationId xmlns:a16="http://schemas.microsoft.com/office/drawing/2014/main" xmlns="" id="{1BCB8DE5-ABAF-4198-BC16-85BB76F2DB24}"/>
+                  <a16:creationId xmlns="" xmlns:a16="http://schemas.microsoft.com/office/drawing/2014/main" id="{1BCB8DE5-ABAF-4198-BC16-85BB76F2DB24}"/>
                 </a:ext>
               </a:extLst>
             </p:cNvPr>
@@ -26960,7 +26990,7 @@
               <p:cNvPr id="40" name="Object 35">
                 <a:extLst>
                   <a:ext uri="{FF2B5EF4-FFF2-40B4-BE49-F238E27FC236}">
-                    <a16:creationId xmlns:a16="http://schemas.microsoft.com/office/drawing/2014/main" xmlns="" id="{86E7BA23-0A1E-B581-CADC-06AB269DB2BD}"/>
+                    <a16:creationId xmlns="" xmlns:a16="http://schemas.microsoft.com/office/drawing/2014/main" id="{86E7BA23-0A1E-B581-CADC-06AB269DB2BD}"/>
                   </a:ext>
                 </a:extLst>
               </p:cNvPr>
@@ -26992,7 +27022,7 @@
           <p:cNvPr id="43" name="TextBox 42">
             <a:extLst>
               <a:ext uri="{FF2B5EF4-FFF2-40B4-BE49-F238E27FC236}">
-                <a16:creationId xmlns:a16="http://schemas.microsoft.com/office/drawing/2014/main" xmlns="" id="{A2AD056B-97A4-5BCC-4460-250160F3E171}"/>
+                <a16:creationId xmlns="" xmlns:a16="http://schemas.microsoft.com/office/drawing/2014/main" id="{A2AD056B-97A4-5BCC-4460-250160F3E171}"/>
               </a:ext>
             </a:extLst>
           </p:cNvPr>
@@ -27050,7 +27080,7 @@
           <p:cNvPr id="2" name="표 1">
             <a:extLst>
               <a:ext uri="{FF2B5EF4-FFF2-40B4-BE49-F238E27FC236}">
-                <a16:creationId xmlns:a16="http://schemas.microsoft.com/office/drawing/2014/main" xmlns="" id="{E52660DC-6640-F2D6-D63F-2D7D520AAFEB}"/>
+                <a16:creationId xmlns="" xmlns:a16="http://schemas.microsoft.com/office/drawing/2014/main" id="{E52660DC-6640-F2D6-D63F-2D7D520AAFEB}"/>
               </a:ext>
             </a:extLst>
           </p:cNvPr>
@@ -27075,21 +27105,21 @@
                 <a:gridCol w="2802475">
                   <a:extLst>
                     <a:ext uri="{9D8B030D-6E8A-4147-A177-3AD203B41FA5}">
-                      <a16:colId xmlns:a16="http://schemas.microsoft.com/office/drawing/2014/main" xmlns="" val="1960770391"/>
+                      <a16:colId xmlns="" xmlns:a16="http://schemas.microsoft.com/office/drawing/2014/main" val="1960770391"/>
                     </a:ext>
                   </a:extLst>
                 </a:gridCol>
                 <a:gridCol w="2836664">
                   <a:extLst>
                     <a:ext uri="{9D8B030D-6E8A-4147-A177-3AD203B41FA5}">
-                      <a16:colId xmlns:a16="http://schemas.microsoft.com/office/drawing/2014/main" xmlns="" val="733308553"/>
+                      <a16:colId xmlns="" xmlns:a16="http://schemas.microsoft.com/office/drawing/2014/main" val="733308553"/>
                     </a:ext>
                   </a:extLst>
                 </a:gridCol>
                 <a:gridCol w="4419261">
                   <a:extLst>
                     <a:ext uri="{9D8B030D-6E8A-4147-A177-3AD203B41FA5}">
-                      <a16:colId xmlns:a16="http://schemas.microsoft.com/office/drawing/2014/main" xmlns="" val="1661322813"/>
+                      <a16:colId xmlns="" xmlns:a16="http://schemas.microsoft.com/office/drawing/2014/main" val="1661322813"/>
                     </a:ext>
                   </a:extLst>
                 </a:gridCol>
@@ -27286,7 +27316,7 @@
                 </a:tc>
                 <a:extLst>
                   <a:ext uri="{0D108BD9-81ED-4DB2-BD59-A6C34878D82A}">
-                    <a16:rowId xmlns:a16="http://schemas.microsoft.com/office/drawing/2014/main" xmlns="" val="2452905565"/>
+                    <a16:rowId xmlns="" xmlns:a16="http://schemas.microsoft.com/office/drawing/2014/main" val="2452905565"/>
                   </a:ext>
                 </a:extLst>
               </a:tr>
@@ -27517,7 +27547,7 @@
                 </a:tc>
                 <a:extLst>
                   <a:ext uri="{0D108BD9-81ED-4DB2-BD59-A6C34878D82A}">
-                    <a16:rowId xmlns:a16="http://schemas.microsoft.com/office/drawing/2014/main" xmlns="" val="3551452526"/>
+                    <a16:rowId xmlns="" xmlns:a16="http://schemas.microsoft.com/office/drawing/2014/main" val="3551452526"/>
                   </a:ext>
                 </a:extLst>
               </a:tr>
@@ -27713,7 +27743,7 @@
                 </a:tc>
                 <a:extLst>
                   <a:ext uri="{0D108BD9-81ED-4DB2-BD59-A6C34878D82A}">
-                    <a16:rowId xmlns:a16="http://schemas.microsoft.com/office/drawing/2014/main" xmlns="" val="3645064171"/>
+                    <a16:rowId xmlns="" xmlns:a16="http://schemas.microsoft.com/office/drawing/2014/main" val="3645064171"/>
                   </a:ext>
                 </a:extLst>
               </a:tr>
@@ -27909,7 +27939,7 @@
                 </a:tc>
                 <a:extLst>
                   <a:ext uri="{0D108BD9-81ED-4DB2-BD59-A6C34878D82A}">
-                    <a16:rowId xmlns:a16="http://schemas.microsoft.com/office/drawing/2014/main" xmlns="" val="2802120283"/>
+                    <a16:rowId xmlns="" xmlns:a16="http://schemas.microsoft.com/office/drawing/2014/main" val="2802120283"/>
                   </a:ext>
                 </a:extLst>
               </a:tr>
@@ -28105,7 +28135,7 @@
                 </a:tc>
                 <a:extLst>
                   <a:ext uri="{0D108BD9-81ED-4DB2-BD59-A6C34878D82A}">
-                    <a16:rowId xmlns:a16="http://schemas.microsoft.com/office/drawing/2014/main" xmlns="" val="1362299918"/>
+                    <a16:rowId xmlns="" xmlns:a16="http://schemas.microsoft.com/office/drawing/2014/main" val="1362299918"/>
                   </a:ext>
                 </a:extLst>
               </a:tr>
@@ -28277,7 +28307,7 @@
           <p:cNvPr id="4" name="직선 화살표 연결선 3">
             <a:extLst>
               <a:ext uri="{FF2B5EF4-FFF2-40B4-BE49-F238E27FC236}">
-                <a16:creationId xmlns:a16="http://schemas.microsoft.com/office/drawing/2014/main" xmlns="" id="{299DF5EC-9DF4-5255-06AC-0A7CE4FF58C3}"/>
+                <a16:creationId xmlns="" xmlns:a16="http://schemas.microsoft.com/office/drawing/2014/main" id="{299DF5EC-9DF4-5255-06AC-0A7CE4FF58C3}"/>
               </a:ext>
             </a:extLst>
           </p:cNvPr>
@@ -28318,7 +28348,7 @@
           <p:cNvPr id="5" name="직사각형 4">
             <a:extLst>
               <a:ext uri="{FF2B5EF4-FFF2-40B4-BE49-F238E27FC236}">
-                <a16:creationId xmlns:a16="http://schemas.microsoft.com/office/drawing/2014/main" xmlns="" id="{FFF506F9-840A-0508-4CAF-3AC711D8D5CE}"/>
+                <a16:creationId xmlns="" xmlns:a16="http://schemas.microsoft.com/office/drawing/2014/main" id="{FFF506F9-840A-0508-4CAF-3AC711D8D5CE}"/>
               </a:ext>
             </a:extLst>
           </p:cNvPr>
@@ -28370,7 +28400,7 @@
           <p:cNvPr id="6" name="TextBox 5">
             <a:extLst>
               <a:ext uri="{FF2B5EF4-FFF2-40B4-BE49-F238E27FC236}">
-                <a16:creationId xmlns:a16="http://schemas.microsoft.com/office/drawing/2014/main" xmlns="" id="{C6D113C6-EA5C-788F-0C77-E7CE6EBB865F}"/>
+                <a16:creationId xmlns="" xmlns:a16="http://schemas.microsoft.com/office/drawing/2014/main" id="{C6D113C6-EA5C-788F-0C77-E7CE6EBB865F}"/>
               </a:ext>
             </a:extLst>
           </p:cNvPr>
@@ -28418,7 +28448,7 @@
           <p:cNvPr id="7" name="직선 화살표 연결선 6">
             <a:extLst>
               <a:ext uri="{FF2B5EF4-FFF2-40B4-BE49-F238E27FC236}">
-                <a16:creationId xmlns:a16="http://schemas.microsoft.com/office/drawing/2014/main" xmlns="" id="{299DF5EC-9DF4-5255-06AC-0A7CE4FF58C3}"/>
+                <a16:creationId xmlns="" xmlns:a16="http://schemas.microsoft.com/office/drawing/2014/main" id="{299DF5EC-9DF4-5255-06AC-0A7CE4FF58C3}"/>
               </a:ext>
             </a:extLst>
           </p:cNvPr>
@@ -28459,7 +28489,7 @@
           <p:cNvPr id="8" name="직사각형 7">
             <a:extLst>
               <a:ext uri="{FF2B5EF4-FFF2-40B4-BE49-F238E27FC236}">
-                <a16:creationId xmlns:a16="http://schemas.microsoft.com/office/drawing/2014/main" xmlns="" id="{FFF506F9-840A-0508-4CAF-3AC711D8D5CE}"/>
+                <a16:creationId xmlns="" xmlns:a16="http://schemas.microsoft.com/office/drawing/2014/main" id="{FFF506F9-840A-0508-4CAF-3AC711D8D5CE}"/>
               </a:ext>
             </a:extLst>
           </p:cNvPr>
@@ -28511,7 +28541,7 @@
           <p:cNvPr id="9" name="TextBox 8">
             <a:extLst>
               <a:ext uri="{FF2B5EF4-FFF2-40B4-BE49-F238E27FC236}">
-                <a16:creationId xmlns:a16="http://schemas.microsoft.com/office/drawing/2014/main" xmlns="" id="{C6D113C6-EA5C-788F-0C77-E7CE6EBB865F}"/>
+                <a16:creationId xmlns="" xmlns:a16="http://schemas.microsoft.com/office/drawing/2014/main" id="{C6D113C6-EA5C-788F-0C77-E7CE6EBB865F}"/>
               </a:ext>
             </a:extLst>
           </p:cNvPr>
@@ -28542,17 +28572,7 @@
                 <a:latin typeface="G마켓 산스 Medium" panose="02000000000000000000" pitchFamily="50" charset="-127"/>
                 <a:ea typeface="G마켓 산스 Medium" panose="02000000000000000000" pitchFamily="50" charset="-127"/>
               </a:rPr>
-              <a:t>바이트</a:t>
-            </a:r>
-            <a:r>
-              <a:rPr lang="ko-KR" altLang="en-US" sz="3600" smtClean="0">
-                <a:solidFill>
-                  <a:srgbClr val="FF0000"/>
-                </a:solidFill>
-                <a:latin typeface="G마켓 산스 Medium" panose="02000000000000000000" pitchFamily="50" charset="-127"/>
-                <a:ea typeface="G마켓 산스 Medium" panose="02000000000000000000" pitchFamily="50" charset="-127"/>
-              </a:rPr>
-              <a:t>기반 스트림은 한글이 깨진다</a:t>
+              <a:t>바이트기반 스트림은 한글이 깨진다</a:t>
             </a:r>
             <a:endParaRPr lang="en-US" altLang="ko-KR" sz="3600" dirty="0">
               <a:solidFill>
@@ -28630,7 +28650,7 @@
           <p:cNvPr id="5" name="TextBox 4">
             <a:extLst>
               <a:ext uri="{FF2B5EF4-FFF2-40B4-BE49-F238E27FC236}">
-                <a16:creationId xmlns:a16="http://schemas.microsoft.com/office/drawing/2014/main" xmlns="" id="{C6D113C6-EA5C-788F-0C77-E7CE6EBB865F}"/>
+                <a16:creationId xmlns="" xmlns:a16="http://schemas.microsoft.com/office/drawing/2014/main" id="{C6D113C6-EA5C-788F-0C77-E7CE6EBB865F}"/>
               </a:ext>
             </a:extLst>
           </p:cNvPr>
@@ -28661,17 +28681,7 @@
                 <a:latin typeface="G마켓 산스 Medium" panose="02000000000000000000" pitchFamily="50" charset="-127"/>
                 <a:ea typeface="G마켓 산스 Medium" panose="02000000000000000000" pitchFamily="50" charset="-127"/>
               </a:rPr>
-              <a:t>바이트</a:t>
-            </a:r>
-            <a:r>
-              <a:rPr lang="ko-KR" altLang="en-US" sz="3600" smtClean="0">
-                <a:solidFill>
-                  <a:srgbClr val="FF0000"/>
-                </a:solidFill>
-                <a:latin typeface="G마켓 산스 Medium" panose="02000000000000000000" pitchFamily="50" charset="-127"/>
-                <a:ea typeface="G마켓 산스 Medium" panose="02000000000000000000" pitchFamily="50" charset="-127"/>
-              </a:rPr>
-              <a:t>기반 스트림과 사용법이 동일하다</a:t>
+              <a:t>바이트기반 스트림과 사용법이 동일하다</a:t>
             </a:r>
             <a:endParaRPr lang="en-US" altLang="ko-KR" sz="3600" dirty="0">
               <a:solidFill>
@@ -28749,7 +28759,7 @@
           <p:cNvPr id="5" name="직선 화살표 연결선 4">
             <a:extLst>
               <a:ext uri="{FF2B5EF4-FFF2-40B4-BE49-F238E27FC236}">
-                <a16:creationId xmlns:a16="http://schemas.microsoft.com/office/drawing/2014/main" xmlns="" id="{299DF5EC-9DF4-5255-06AC-0A7CE4FF58C3}"/>
+                <a16:creationId xmlns="" xmlns:a16="http://schemas.microsoft.com/office/drawing/2014/main" id="{299DF5EC-9DF4-5255-06AC-0A7CE4FF58C3}"/>
               </a:ext>
             </a:extLst>
           </p:cNvPr>
@@ -28790,7 +28800,7 @@
           <p:cNvPr id="6" name="직사각형 5">
             <a:extLst>
               <a:ext uri="{FF2B5EF4-FFF2-40B4-BE49-F238E27FC236}">
-                <a16:creationId xmlns:a16="http://schemas.microsoft.com/office/drawing/2014/main" xmlns="" id="{FFF506F9-840A-0508-4CAF-3AC711D8D5CE}"/>
+                <a16:creationId xmlns="" xmlns:a16="http://schemas.microsoft.com/office/drawing/2014/main" id="{FFF506F9-840A-0508-4CAF-3AC711D8D5CE}"/>
               </a:ext>
             </a:extLst>
           </p:cNvPr>
@@ -28842,7 +28852,7 @@
           <p:cNvPr id="7" name="TextBox 6">
             <a:extLst>
               <a:ext uri="{FF2B5EF4-FFF2-40B4-BE49-F238E27FC236}">
-                <a16:creationId xmlns:a16="http://schemas.microsoft.com/office/drawing/2014/main" xmlns="" id="{C6D113C6-EA5C-788F-0C77-E7CE6EBB865F}"/>
+                <a16:creationId xmlns="" xmlns:a16="http://schemas.microsoft.com/office/drawing/2014/main" id="{C6D113C6-EA5C-788F-0C77-E7CE6EBB865F}"/>
               </a:ext>
             </a:extLst>
           </p:cNvPr>
@@ -28937,7 +28947,7 @@
           <p:cNvPr id="4" name="TextBox 3">
             <a:extLst>
               <a:ext uri="{FF2B5EF4-FFF2-40B4-BE49-F238E27FC236}">
-                <a16:creationId xmlns:a16="http://schemas.microsoft.com/office/drawing/2014/main" xmlns="" id="{EE79C406-3461-D6A5-5346-D7C2FC38FCCD}"/>
+                <a16:creationId xmlns="" xmlns:a16="http://schemas.microsoft.com/office/drawing/2014/main" id="{EE79C406-3461-D6A5-5346-D7C2FC38FCCD}"/>
               </a:ext>
             </a:extLst>
           </p:cNvPr>
@@ -29070,7 +29080,7 @@
           <p:cNvPr id="6" name="TextBox 5">
             <a:extLst>
               <a:ext uri="{FF2B5EF4-FFF2-40B4-BE49-F238E27FC236}">
-                <a16:creationId xmlns:a16="http://schemas.microsoft.com/office/drawing/2014/main" xmlns="" id="{C6D113C6-EA5C-788F-0C77-E7CE6EBB865F}"/>
+                <a16:creationId xmlns="" xmlns:a16="http://schemas.microsoft.com/office/drawing/2014/main" id="{C6D113C6-EA5C-788F-0C77-E7CE6EBB865F}"/>
               </a:ext>
             </a:extLst>
           </p:cNvPr>
@@ -29128,7 +29138,7 @@
           <p:cNvPr id="7" name="TextBox 6">
             <a:extLst>
               <a:ext uri="{FF2B5EF4-FFF2-40B4-BE49-F238E27FC236}">
-                <a16:creationId xmlns:a16="http://schemas.microsoft.com/office/drawing/2014/main" xmlns="" id="{C6D113C6-EA5C-788F-0C77-E7CE6EBB865F}"/>
+                <a16:creationId xmlns="" xmlns:a16="http://schemas.microsoft.com/office/drawing/2014/main" id="{C6D113C6-EA5C-788F-0C77-E7CE6EBB865F}"/>
               </a:ext>
             </a:extLst>
           </p:cNvPr>
@@ -29348,7 +29358,7 @@
           <p:cNvPr id="4" name="Object 1">
             <a:extLst>
               <a:ext uri="{FF2B5EF4-FFF2-40B4-BE49-F238E27FC236}">
-                <a16:creationId xmlns:a16="http://schemas.microsoft.com/office/drawing/2014/main" xmlns="" id="{B0329035-BE76-33A8-0F2E-44624FCC1DED}"/>
+                <a16:creationId xmlns="" xmlns:a16="http://schemas.microsoft.com/office/drawing/2014/main" id="{B0329035-BE76-33A8-0F2E-44624FCC1DED}"/>
               </a:ext>
             </a:extLst>
           </p:cNvPr>
@@ -29378,7 +29388,7 @@
           <p:cNvPr id="7" name="그룹 1001">
             <a:extLst>
               <a:ext uri="{FF2B5EF4-FFF2-40B4-BE49-F238E27FC236}">
-                <a16:creationId xmlns:a16="http://schemas.microsoft.com/office/drawing/2014/main" xmlns="" id="{CD24CE9D-AC18-B6CD-F397-7E8E03D6FE26}"/>
+                <a16:creationId xmlns="" xmlns:a16="http://schemas.microsoft.com/office/drawing/2014/main" id="{CD24CE9D-AC18-B6CD-F397-7E8E03D6FE26}"/>
               </a:ext>
             </a:extLst>
           </p:cNvPr>
@@ -29398,7 +29408,7 @@
             <p:cNvPr id="8" name="Object 5">
               <a:extLst>
                 <a:ext uri="{FF2B5EF4-FFF2-40B4-BE49-F238E27FC236}">
-                  <a16:creationId xmlns:a16="http://schemas.microsoft.com/office/drawing/2014/main" xmlns="" id="{0EEF25E8-3BA8-EBAA-6DC2-66D70C3F9F4D}"/>
+                  <a16:creationId xmlns="" xmlns:a16="http://schemas.microsoft.com/office/drawing/2014/main" id="{0EEF25E8-3BA8-EBAA-6DC2-66D70C3F9F4D}"/>
                 </a:ext>
               </a:extLst>
             </p:cNvPr>
@@ -29429,7 +29439,7 @@
           <p:cNvPr id="9" name="그룹 1002">
             <a:extLst>
               <a:ext uri="{FF2B5EF4-FFF2-40B4-BE49-F238E27FC236}">
-                <a16:creationId xmlns:a16="http://schemas.microsoft.com/office/drawing/2014/main" xmlns="" id="{0F281BC9-DE1F-D1FE-E64C-C4640398F00C}"/>
+                <a16:creationId xmlns="" xmlns:a16="http://schemas.microsoft.com/office/drawing/2014/main" id="{0F281BC9-DE1F-D1FE-E64C-C4640398F00C}"/>
               </a:ext>
             </a:extLst>
           </p:cNvPr>
@@ -29449,7 +29459,7 @@
             <p:cNvPr id="10" name="Object 8">
               <a:extLst>
                 <a:ext uri="{FF2B5EF4-FFF2-40B4-BE49-F238E27FC236}">
-                  <a16:creationId xmlns:a16="http://schemas.microsoft.com/office/drawing/2014/main" xmlns="" id="{F669DCEF-04BB-7046-3F7F-5B513213556E}"/>
+                  <a16:creationId xmlns="" xmlns:a16="http://schemas.microsoft.com/office/drawing/2014/main" id="{F669DCEF-04BB-7046-3F7F-5B513213556E}"/>
                 </a:ext>
               </a:extLst>
             </p:cNvPr>
@@ -29480,7 +29490,7 @@
           <p:cNvPr id="11" name="그룹 1003">
             <a:extLst>
               <a:ext uri="{FF2B5EF4-FFF2-40B4-BE49-F238E27FC236}">
-                <a16:creationId xmlns:a16="http://schemas.microsoft.com/office/drawing/2014/main" xmlns="" id="{1F91EEF9-13EA-BB7F-B056-D35E7DB989AC}"/>
+                <a16:creationId xmlns="" xmlns:a16="http://schemas.microsoft.com/office/drawing/2014/main" id="{1F91EEF9-13EA-BB7F-B056-D35E7DB989AC}"/>
               </a:ext>
             </a:extLst>
           </p:cNvPr>
@@ -29500,7 +29510,7 @@
             <p:cNvPr id="12" name="Object 11">
               <a:extLst>
                 <a:ext uri="{FF2B5EF4-FFF2-40B4-BE49-F238E27FC236}">
-                  <a16:creationId xmlns:a16="http://schemas.microsoft.com/office/drawing/2014/main" xmlns="" id="{2CFFB217-AEFB-2C9E-5F86-6EE19510FFC6}"/>
+                  <a16:creationId xmlns="" xmlns:a16="http://schemas.microsoft.com/office/drawing/2014/main" id="{2CFFB217-AEFB-2C9E-5F86-6EE19510FFC6}"/>
                 </a:ext>
               </a:extLst>
             </p:cNvPr>
@@ -29531,7 +29541,7 @@
           <p:cNvPr id="13" name="그룹 1004">
             <a:extLst>
               <a:ext uri="{FF2B5EF4-FFF2-40B4-BE49-F238E27FC236}">
-                <a16:creationId xmlns:a16="http://schemas.microsoft.com/office/drawing/2014/main" xmlns="" id="{123B9C7E-94E8-E7E1-81BE-D59EA0299187}"/>
+                <a16:creationId xmlns="" xmlns:a16="http://schemas.microsoft.com/office/drawing/2014/main" id="{123B9C7E-94E8-E7E1-81BE-D59EA0299187}"/>
               </a:ext>
             </a:extLst>
           </p:cNvPr>
@@ -29551,7 +29561,7 @@
             <p:cNvPr id="14" name="Object 14">
               <a:extLst>
                 <a:ext uri="{FF2B5EF4-FFF2-40B4-BE49-F238E27FC236}">
-                  <a16:creationId xmlns:a16="http://schemas.microsoft.com/office/drawing/2014/main" xmlns="" id="{B6291552-2D89-A79F-7ACD-EA0EF9A4C389}"/>
+                  <a16:creationId xmlns="" xmlns:a16="http://schemas.microsoft.com/office/drawing/2014/main" id="{B6291552-2D89-A79F-7ACD-EA0EF9A4C389}"/>
                 </a:ext>
               </a:extLst>
             </p:cNvPr>
@@ -29582,7 +29592,7 @@
           <p:cNvPr id="15" name="TextBox 14">
             <a:extLst>
               <a:ext uri="{FF2B5EF4-FFF2-40B4-BE49-F238E27FC236}">
-                <a16:creationId xmlns:a16="http://schemas.microsoft.com/office/drawing/2014/main" xmlns="" id="{7D99763A-FC24-23F5-5BA9-D7B042E0F323}"/>
+                <a16:creationId xmlns="" xmlns:a16="http://schemas.microsoft.com/office/drawing/2014/main" id="{7D99763A-FC24-23F5-5BA9-D7B042E0F323}"/>
               </a:ext>
             </a:extLst>
           </p:cNvPr>
@@ -29667,7 +29677,7 @@
           <p:cNvPr id="9" name="TextBox 8">
             <a:extLst>
               <a:ext uri="{FF2B5EF4-FFF2-40B4-BE49-F238E27FC236}">
-                <a16:creationId xmlns:a16="http://schemas.microsoft.com/office/drawing/2014/main" xmlns="" id="{D15853EE-94B0-D08B-DCB7-3381290CC3FF}"/>
+                <a16:creationId xmlns="" xmlns:a16="http://schemas.microsoft.com/office/drawing/2014/main" id="{D15853EE-94B0-D08B-DCB7-3381290CC3FF}"/>
               </a:ext>
             </a:extLst>
           </p:cNvPr>
@@ -29715,7 +29725,7 @@
           <p:cNvPr id="11" name="TextBox 10">
             <a:extLst>
               <a:ext uri="{FF2B5EF4-FFF2-40B4-BE49-F238E27FC236}">
-                <a16:creationId xmlns:a16="http://schemas.microsoft.com/office/drawing/2014/main" xmlns="" id="{A2AD056B-97A4-5BCC-4460-250160F3E171}"/>
+                <a16:creationId xmlns="" xmlns:a16="http://schemas.microsoft.com/office/drawing/2014/main" id="{A2AD056B-97A4-5BCC-4460-250160F3E171}"/>
               </a:ext>
             </a:extLst>
           </p:cNvPr>
@@ -29843,7 +29853,7 @@
           <p:cNvPr id="15" name="직선 화살표 연결선 14">
             <a:extLst>
               <a:ext uri="{FF2B5EF4-FFF2-40B4-BE49-F238E27FC236}">
-                <a16:creationId xmlns:a16="http://schemas.microsoft.com/office/drawing/2014/main" xmlns="" id="{299DF5EC-9DF4-5255-06AC-0A7CE4FF58C3}"/>
+                <a16:creationId xmlns="" xmlns:a16="http://schemas.microsoft.com/office/drawing/2014/main" id="{299DF5EC-9DF4-5255-06AC-0A7CE4FF58C3}"/>
               </a:ext>
             </a:extLst>
           </p:cNvPr>
@@ -29884,7 +29894,7 @@
           <p:cNvPr id="17" name="TextBox 16">
             <a:extLst>
               <a:ext uri="{FF2B5EF4-FFF2-40B4-BE49-F238E27FC236}">
-                <a16:creationId xmlns:a16="http://schemas.microsoft.com/office/drawing/2014/main" xmlns="" id="{C6D113C6-EA5C-788F-0C77-E7CE6EBB865F}"/>
+                <a16:creationId xmlns="" xmlns:a16="http://schemas.microsoft.com/office/drawing/2014/main" id="{C6D113C6-EA5C-788F-0C77-E7CE6EBB865F}"/>
               </a:ext>
             </a:extLst>
           </p:cNvPr>
@@ -29942,7 +29952,7 @@
           <p:cNvPr id="18" name="직선 화살표 연결선 17">
             <a:extLst>
               <a:ext uri="{FF2B5EF4-FFF2-40B4-BE49-F238E27FC236}">
-                <a16:creationId xmlns:a16="http://schemas.microsoft.com/office/drawing/2014/main" xmlns="" id="{299DF5EC-9DF4-5255-06AC-0A7CE4FF58C3}"/>
+                <a16:creationId xmlns="" xmlns:a16="http://schemas.microsoft.com/office/drawing/2014/main" id="{299DF5EC-9DF4-5255-06AC-0A7CE4FF58C3}"/>
               </a:ext>
             </a:extLst>
           </p:cNvPr>
@@ -29983,7 +29993,7 @@
           <p:cNvPr id="21" name="TextBox 20">
             <a:extLst>
               <a:ext uri="{FF2B5EF4-FFF2-40B4-BE49-F238E27FC236}">
-                <a16:creationId xmlns:a16="http://schemas.microsoft.com/office/drawing/2014/main" xmlns="" id="{C6D113C6-EA5C-788F-0C77-E7CE6EBB865F}"/>
+                <a16:creationId xmlns="" xmlns:a16="http://schemas.microsoft.com/office/drawing/2014/main" id="{C6D113C6-EA5C-788F-0C77-E7CE6EBB865F}"/>
               </a:ext>
             </a:extLst>
           </p:cNvPr>
@@ -30071,7 +30081,7 @@
           <p:cNvPr id="4" name="TextBox 3">
             <a:extLst>
               <a:ext uri="{FF2B5EF4-FFF2-40B4-BE49-F238E27FC236}">
-                <a16:creationId xmlns="" xmlns:a16="http://schemas.microsoft.com/office/drawing/2014/main" id="{D15853EE-94B0-D08B-DCB7-3381290CC3FF}"/>
+                <a16:creationId xmlns:a16="http://schemas.microsoft.com/office/drawing/2014/main" xmlns="" id="{D15853EE-94B0-D08B-DCB7-3381290CC3FF}"/>
               </a:ext>
             </a:extLst>
           </p:cNvPr>
@@ -30119,7 +30129,7 @@
           <p:cNvPr id="6" name="TextBox 5">
             <a:extLst>
               <a:ext uri="{FF2B5EF4-FFF2-40B4-BE49-F238E27FC236}">
-                <a16:creationId xmlns="" xmlns:a16="http://schemas.microsoft.com/office/drawing/2014/main" id="{52176D31-35F7-8916-46FA-6095EFEC1E49}"/>
+                <a16:creationId xmlns:a16="http://schemas.microsoft.com/office/drawing/2014/main" xmlns="" id="{52176D31-35F7-8916-46FA-6095EFEC1E49}"/>
               </a:ext>
             </a:extLst>
           </p:cNvPr>
@@ -30361,7 +30371,7 @@
           <p:cNvPr id="4" name="TextBox 3">
             <a:extLst>
               <a:ext uri="{FF2B5EF4-FFF2-40B4-BE49-F238E27FC236}">
-                <a16:creationId xmlns="" xmlns:a16="http://schemas.microsoft.com/office/drawing/2014/main" id="{52176D31-35F7-8916-46FA-6095EFEC1E49}"/>
+                <a16:creationId xmlns:a16="http://schemas.microsoft.com/office/drawing/2014/main" xmlns="" id="{52176D31-35F7-8916-46FA-6095EFEC1E49}"/>
               </a:ext>
             </a:extLst>
           </p:cNvPr>
@@ -30470,7 +30480,7 @@
           <p:cNvPr id="13" name="직사각형 12">
             <a:extLst>
               <a:ext uri="{FF2B5EF4-FFF2-40B4-BE49-F238E27FC236}">
-                <a16:creationId xmlns="" xmlns:a16="http://schemas.microsoft.com/office/drawing/2014/main" id="{FFF506F9-840A-0508-4CAF-3AC711D8D5CE}"/>
+                <a16:creationId xmlns:a16="http://schemas.microsoft.com/office/drawing/2014/main" xmlns="" id="{FFF506F9-840A-0508-4CAF-3AC711D8D5CE}"/>
               </a:ext>
             </a:extLst>
           </p:cNvPr>
@@ -30522,7 +30532,7 @@
           <p:cNvPr id="14" name="직사각형 13">
             <a:extLst>
               <a:ext uri="{FF2B5EF4-FFF2-40B4-BE49-F238E27FC236}">
-                <a16:creationId xmlns="" xmlns:a16="http://schemas.microsoft.com/office/drawing/2014/main" id="{FFF506F9-840A-0508-4CAF-3AC711D8D5CE}"/>
+                <a16:creationId xmlns:a16="http://schemas.microsoft.com/office/drawing/2014/main" xmlns="" id="{FFF506F9-840A-0508-4CAF-3AC711D8D5CE}"/>
               </a:ext>
             </a:extLst>
           </p:cNvPr>
@@ -30574,7 +30584,7 @@
           <p:cNvPr id="15" name="TextBox 14">
             <a:extLst>
               <a:ext uri="{FF2B5EF4-FFF2-40B4-BE49-F238E27FC236}">
-                <a16:creationId xmlns="" xmlns:a16="http://schemas.microsoft.com/office/drawing/2014/main" id="{52176D31-35F7-8916-46FA-6095EFEC1E49}"/>
+                <a16:creationId xmlns:a16="http://schemas.microsoft.com/office/drawing/2014/main" xmlns="" id="{52176D31-35F7-8916-46FA-6095EFEC1E49}"/>
               </a:ext>
             </a:extLst>
           </p:cNvPr>
@@ -30675,7 +30685,7 @@
           <p:cNvPr id="16" name="직선 화살표 연결선 15">
             <a:extLst>
               <a:ext uri="{FF2B5EF4-FFF2-40B4-BE49-F238E27FC236}">
-                <a16:creationId xmlns="" xmlns:a16="http://schemas.microsoft.com/office/drawing/2014/main" id="{299DF5EC-9DF4-5255-06AC-0A7CE4FF58C3}"/>
+                <a16:creationId xmlns:a16="http://schemas.microsoft.com/office/drawing/2014/main" xmlns="" id="{299DF5EC-9DF4-5255-06AC-0A7CE4FF58C3}"/>
               </a:ext>
             </a:extLst>
           </p:cNvPr>
@@ -30716,7 +30726,7 @@
           <p:cNvPr id="17" name="TextBox 16">
             <a:extLst>
               <a:ext uri="{FF2B5EF4-FFF2-40B4-BE49-F238E27FC236}">
-                <a16:creationId xmlns="" xmlns:a16="http://schemas.microsoft.com/office/drawing/2014/main" id="{C6D113C6-EA5C-788F-0C77-E7CE6EBB865F}"/>
+                <a16:creationId xmlns:a16="http://schemas.microsoft.com/office/drawing/2014/main" xmlns="" id="{C6D113C6-EA5C-788F-0C77-E7CE6EBB865F}"/>
               </a:ext>
             </a:extLst>
           </p:cNvPr>
@@ -30917,7 +30927,7 @@
           <p:cNvPr id="8" name="직사각형 7">
             <a:extLst>
               <a:ext uri="{FF2B5EF4-FFF2-40B4-BE49-F238E27FC236}">
-                <a16:creationId xmlns="" xmlns:a16="http://schemas.microsoft.com/office/drawing/2014/main" id="{FFF506F9-840A-0508-4CAF-3AC711D8D5CE}"/>
+                <a16:creationId xmlns:a16="http://schemas.microsoft.com/office/drawing/2014/main" xmlns="" id="{FFF506F9-840A-0508-4CAF-3AC711D8D5CE}"/>
               </a:ext>
             </a:extLst>
           </p:cNvPr>
@@ -31006,7 +31016,7 @@
           <p:cNvPr id="4" name="TextBox 3">
             <a:extLst>
               <a:ext uri="{FF2B5EF4-FFF2-40B4-BE49-F238E27FC236}">
-                <a16:creationId xmlns="" xmlns:a16="http://schemas.microsoft.com/office/drawing/2014/main" id="{D15853EE-94B0-D08B-DCB7-3381290CC3FF}"/>
+                <a16:creationId xmlns:a16="http://schemas.microsoft.com/office/drawing/2014/main" xmlns="" id="{D15853EE-94B0-D08B-DCB7-3381290CC3FF}"/>
               </a:ext>
             </a:extLst>
           </p:cNvPr>
@@ -31173,7 +31183,7 @@
           <p:cNvPr id="6" name="직선 화살표 연결선 5">
             <a:extLst>
               <a:ext uri="{FF2B5EF4-FFF2-40B4-BE49-F238E27FC236}">
-                <a16:creationId xmlns:a16="http://schemas.microsoft.com/office/drawing/2014/main" xmlns="" id="{299DF5EC-9DF4-5255-06AC-0A7CE4FF58C3}"/>
+                <a16:creationId xmlns="" xmlns:a16="http://schemas.microsoft.com/office/drawing/2014/main" id="{299DF5EC-9DF4-5255-06AC-0A7CE4FF58C3}"/>
               </a:ext>
             </a:extLst>
           </p:cNvPr>
@@ -31214,7 +31224,7 @@
           <p:cNvPr id="8" name="직선 화살표 연결선 7">
             <a:extLst>
               <a:ext uri="{FF2B5EF4-FFF2-40B4-BE49-F238E27FC236}">
-                <a16:creationId xmlns:a16="http://schemas.microsoft.com/office/drawing/2014/main" xmlns="" id="{299DF5EC-9DF4-5255-06AC-0A7CE4FF58C3}"/>
+                <a16:creationId xmlns="" xmlns:a16="http://schemas.microsoft.com/office/drawing/2014/main" id="{299DF5EC-9DF4-5255-06AC-0A7CE4FF58C3}"/>
               </a:ext>
             </a:extLst>
           </p:cNvPr>
@@ -31255,7 +31265,7 @@
           <p:cNvPr id="10" name="직선 화살표 연결선 9">
             <a:extLst>
               <a:ext uri="{FF2B5EF4-FFF2-40B4-BE49-F238E27FC236}">
-                <a16:creationId xmlns:a16="http://schemas.microsoft.com/office/drawing/2014/main" xmlns="" id="{299DF5EC-9DF4-5255-06AC-0A7CE4FF58C3}"/>
+                <a16:creationId xmlns="" xmlns:a16="http://schemas.microsoft.com/office/drawing/2014/main" id="{299DF5EC-9DF4-5255-06AC-0A7CE4FF58C3}"/>
               </a:ext>
             </a:extLst>
           </p:cNvPr>
@@ -31333,7 +31343,7 @@
           <p:cNvPr id="4" name="TextBox 3">
             <a:extLst>
               <a:ext uri="{FF2B5EF4-FFF2-40B4-BE49-F238E27FC236}">
-                <a16:creationId xmlns="" xmlns:a16="http://schemas.microsoft.com/office/drawing/2014/main" id="{D15853EE-94B0-D08B-DCB7-3381290CC3FF}"/>
+                <a16:creationId xmlns:a16="http://schemas.microsoft.com/office/drawing/2014/main" xmlns="" id="{D15853EE-94B0-D08B-DCB7-3381290CC3FF}"/>
               </a:ext>
             </a:extLst>
           </p:cNvPr>
@@ -31391,7 +31401,7 @@
           <p:cNvPr id="5" name="TextBox 4">
             <a:extLst>
               <a:ext uri="{FF2B5EF4-FFF2-40B4-BE49-F238E27FC236}">
-                <a16:creationId xmlns:a16="http://schemas.microsoft.com/office/drawing/2014/main" xmlns="" id="{E3E7BB62-3A69-8D61-2029-8C35FAF88C23}"/>
+                <a16:creationId xmlns="" xmlns:a16="http://schemas.microsoft.com/office/drawing/2014/main" id="{E3E7BB62-3A69-8D61-2029-8C35FAF88C23}"/>
               </a:ext>
             </a:extLst>
           </p:cNvPr>
@@ -31401,7 +31411,7 @@
         <p:spPr>
           <a:xfrm>
             <a:off x="1219200" y="1210906"/>
-            <a:ext cx="16521113" cy="1323439"/>
+            <a:ext cx="16521113" cy="1938992"/>
           </a:xfrm>
           <a:prstGeom prst="rect">
             <a:avLst/>
@@ -31415,7 +31425,7 @@
           <a:lstStyle/>
           <a:p>
             <a:r>
-              <a:rPr lang="en-US" altLang="ko-KR" sz="4000">
+              <a:rPr lang="en-US" altLang="ko-KR" sz="4000" dirty="0">
                 <a:solidFill>
                   <a:srgbClr val="4C50BC"/>
                 </a:solidFill>
@@ -31425,7 +31435,7 @@
               <a:t>1</a:t>
             </a:r>
             <a:r>
-              <a:rPr lang="en-US" altLang="ko-KR" sz="4000" smtClean="0">
+              <a:rPr lang="en-US" altLang="ko-KR" sz="4000" dirty="0" smtClean="0">
                 <a:solidFill>
                   <a:srgbClr val="4C50BC"/>
                 </a:solidFill>
@@ -31435,7 +31445,7 @@
               <a:t>.</a:t>
             </a:r>
             <a:r>
-              <a:rPr lang="ko-KR" altLang="en-US" sz="4000" smtClean="0">
+              <a:rPr lang="ko-KR" altLang="en-US" sz="4000" dirty="0" smtClean="0">
                 <a:solidFill>
                   <a:srgbClr val="4C50BC"/>
                 </a:solidFill>
@@ -31445,27 +31455,37 @@
               <a:t>다음의 </a:t>
             </a:r>
             <a:r>
-              <a:rPr lang="en-US" altLang="ko-KR" sz="4000" smtClean="0">
+              <a:rPr lang="en-US" altLang="ko-KR" sz="4000" dirty="0" err="1" smtClean="0">
                 <a:solidFill>
                   <a:srgbClr val="4C50BC"/>
                 </a:solidFill>
                 <a:latin typeface="G마켓 산스 Medium" panose="02000000000000000000" pitchFamily="50" charset="-127"/>
                 <a:ea typeface="G마켓 산스 Medium" panose="02000000000000000000" pitchFamily="50" charset="-127"/>
               </a:rPr>
-              <a:t>Json </a:t>
-            </a:r>
-            <a:r>
-              <a:rPr lang="ko-KR" altLang="en-US" sz="4000" smtClean="0">
+              <a:t>Json</a:t>
+            </a:r>
+            <a:r>
+              <a:rPr lang="en-US" altLang="ko-KR" sz="4000" dirty="0" smtClean="0">
                 <a:solidFill>
                   <a:srgbClr val="4C50BC"/>
                 </a:solidFill>
                 <a:latin typeface="G마켓 산스 Medium" panose="02000000000000000000" pitchFamily="50" charset="-127"/>
                 <a:ea typeface="G마켓 산스 Medium" panose="02000000000000000000" pitchFamily="50" charset="-127"/>
               </a:rPr>
+              <a:t> </a:t>
+            </a:r>
+            <a:r>
+              <a:rPr lang="ko-KR" altLang="en-US" sz="4000" dirty="0" smtClean="0">
+                <a:solidFill>
+                  <a:srgbClr val="4C50BC"/>
+                </a:solidFill>
+                <a:latin typeface="G마켓 산스 Medium" panose="02000000000000000000" pitchFamily="50" charset="-127"/>
+                <a:ea typeface="G마켓 산스 Medium" panose="02000000000000000000" pitchFamily="50" charset="-127"/>
+              </a:rPr>
               <a:t>데이터를 </a:t>
             </a:r>
             <a:r>
-              <a:rPr lang="en-US" altLang="ko-KR" sz="4000" smtClean="0">
+              <a:rPr lang="en-US" altLang="ko-KR" sz="4000" dirty="0" smtClean="0">
                 <a:solidFill>
                   <a:srgbClr val="4C50BC"/>
                 </a:solidFill>
@@ -31475,47 +31495,87 @@
               <a:t>String </a:t>
             </a:r>
             <a:r>
-              <a:rPr lang="ko-KR" altLang="en-US" sz="4000" smtClean="0">
+              <a:rPr lang="ko-KR" altLang="en-US" sz="4000" dirty="0" smtClean="0">
                 <a:solidFill>
                   <a:srgbClr val="4C50BC"/>
                 </a:solidFill>
                 <a:latin typeface="G마켓 산스 Medium" panose="02000000000000000000" pitchFamily="50" charset="-127"/>
                 <a:ea typeface="G마켓 산스 Medium" panose="02000000000000000000" pitchFamily="50" charset="-127"/>
               </a:rPr>
-              <a:t>배열로 초기화한후 </a:t>
-            </a:r>
-            <a:r>
-              <a:rPr lang="en-US" altLang="ko-KR" sz="4000" smtClean="0">
+              <a:t>배열로 </a:t>
+            </a:r>
+            <a:r>
+              <a:rPr lang="ko-KR" altLang="en-US" sz="4000" dirty="0" err="1" smtClean="0">
                 <a:solidFill>
                   <a:srgbClr val="4C50BC"/>
                 </a:solidFill>
                 <a:latin typeface="G마켓 산스 Medium" panose="02000000000000000000" pitchFamily="50" charset="-127"/>
                 <a:ea typeface="G마켓 산스 Medium" panose="02000000000000000000" pitchFamily="50" charset="-127"/>
               </a:rPr>
+              <a:t>초기화한후</a:t>
+            </a:r>
+            <a:r>
+              <a:rPr lang="ko-KR" altLang="en-US" sz="4000" dirty="0" smtClean="0">
+                <a:solidFill>
+                  <a:srgbClr val="4C50BC"/>
+                </a:solidFill>
+                <a:latin typeface="G마켓 산스 Medium" panose="02000000000000000000" pitchFamily="50" charset="-127"/>
+                <a:ea typeface="G마켓 산스 Medium" panose="02000000000000000000" pitchFamily="50" charset="-127"/>
+              </a:rPr>
+              <a:t> </a:t>
+            </a:r>
+            <a:r>
+              <a:rPr lang="en-US" altLang="ko-KR" sz="4000" dirty="0" smtClean="0">
+                <a:solidFill>
+                  <a:srgbClr val="4C50BC"/>
+                </a:solidFill>
+                <a:latin typeface="G마켓 산스 Medium" panose="02000000000000000000" pitchFamily="50" charset="-127"/>
+                <a:ea typeface="G마켓 산스 Medium" panose="02000000000000000000" pitchFamily="50" charset="-127"/>
+              </a:rPr>
               <a:t>JSON </a:t>
             </a:r>
             <a:r>
-              <a:rPr lang="ko-KR" altLang="en-US" sz="4000" smtClean="0">
+              <a:rPr lang="ko-KR" altLang="en-US" sz="4000" dirty="0" smtClean="0">
                 <a:solidFill>
                   <a:srgbClr val="4C50BC"/>
                 </a:solidFill>
                 <a:latin typeface="G마켓 산스 Medium" panose="02000000000000000000" pitchFamily="50" charset="-127"/>
                 <a:ea typeface="G마켓 산스 Medium" panose="02000000000000000000" pitchFamily="50" charset="-127"/>
               </a:rPr>
-              <a:t>관련 클래스를 이용하여 두번째 특기인 </a:t>
-            </a:r>
-            <a:r>
-              <a:rPr lang="en-US" altLang="ko-KR" sz="4000" smtClean="0">
+              <a:t>관련 클래스를 이용하여 </a:t>
+            </a:r>
+            <a:r>
+              <a:rPr lang="ko-KR" altLang="en-US" sz="4000" dirty="0" err="1" smtClean="0">
                 <a:solidFill>
                   <a:srgbClr val="4C50BC"/>
                 </a:solidFill>
                 <a:latin typeface="G마켓 산스 Medium" panose="02000000000000000000" pitchFamily="50" charset="-127"/>
                 <a:ea typeface="G마켓 산스 Medium" panose="02000000000000000000" pitchFamily="50" charset="-127"/>
               </a:rPr>
+              <a:t>두번째</a:t>
+            </a:r>
+            <a:r>
+              <a:rPr lang="ko-KR" altLang="en-US" sz="4000" dirty="0" smtClean="0">
+                <a:solidFill>
+                  <a:srgbClr val="4C50BC"/>
+                </a:solidFill>
+                <a:latin typeface="G마켓 산스 Medium" panose="02000000000000000000" pitchFamily="50" charset="-127"/>
+                <a:ea typeface="G마켓 산스 Medium" panose="02000000000000000000" pitchFamily="50" charset="-127"/>
+              </a:rPr>
+              <a:t> 특기인 </a:t>
+            </a:r>
+            <a:r>
+              <a:rPr lang="en-US" altLang="ko-KR" sz="4000" dirty="0" smtClean="0">
+                <a:solidFill>
+                  <a:srgbClr val="4C50BC"/>
+                </a:solidFill>
+                <a:latin typeface="G마켓 산스 Medium" panose="02000000000000000000" pitchFamily="50" charset="-127"/>
+                <a:ea typeface="G마켓 산스 Medium" panose="02000000000000000000" pitchFamily="50" charset="-127"/>
+              </a:rPr>
               <a:t>“</a:t>
             </a:r>
             <a:r>
-              <a:rPr lang="ko-KR" altLang="en-US" sz="4000" smtClean="0">
+              <a:rPr lang="ko-KR" altLang="en-US" sz="4000" dirty="0" smtClean="0">
                 <a:solidFill>
                   <a:srgbClr val="4C50BC"/>
                 </a:solidFill>
@@ -31525,7 +31585,7 @@
               <a:t>코딩 </a:t>
             </a:r>
             <a:r>
-              <a:rPr lang="en-US" altLang="ko-KR" sz="4000" smtClean="0">
+              <a:rPr lang="en-US" altLang="ko-KR" sz="4000" dirty="0" smtClean="0">
                 <a:solidFill>
                   <a:srgbClr val="4C50BC"/>
                 </a:solidFill>
@@ -31535,7 +31595,7 @@
               <a:t>“ </a:t>
             </a:r>
             <a:r>
-              <a:rPr lang="ko-KR" altLang="en-US" sz="4000" smtClean="0">
+              <a:rPr lang="ko-KR" altLang="en-US" sz="4000" dirty="0" smtClean="0">
                 <a:solidFill>
                   <a:srgbClr val="4C50BC"/>
                 </a:solidFill>
@@ -31545,9 +31605,71 @@
               <a:t>문자열을 가져와 보자</a:t>
             </a:r>
             <a:r>
-              <a:rPr lang="en-US" altLang="ko-KR" sz="4000" smtClean="0">
+              <a:rPr lang="en-US" altLang="ko-KR" sz="4000" dirty="0" smtClean="0">
                 <a:solidFill>
                   <a:srgbClr val="4C50BC"/>
+                </a:solidFill>
+                <a:latin typeface="G마켓 산스 Medium" panose="02000000000000000000" pitchFamily="50" charset="-127"/>
+                <a:ea typeface="G마켓 산스 Medium" panose="02000000000000000000" pitchFamily="50" charset="-127"/>
+              </a:rPr>
+              <a:t>.</a:t>
+            </a:r>
+          </a:p>
+          <a:p>
+            <a:r>
+              <a:rPr lang="en-US" altLang="ko-KR" sz="4000" dirty="0" smtClean="0">
+                <a:solidFill>
+                  <a:srgbClr val="4D4848"/>
+                </a:solidFill>
+                <a:latin typeface="G마켓 산스 Medium" panose="02000000000000000000" pitchFamily="50" charset="-127"/>
+                <a:ea typeface="G마켓 산스 Medium" panose="02000000000000000000" pitchFamily="50" charset="-127"/>
+              </a:rPr>
+              <a:t>- #</a:t>
+            </a:r>
+            <a:r>
+              <a:rPr lang="ko-KR" altLang="en-US" sz="4000" dirty="0" smtClean="0">
+                <a:solidFill>
+                  <a:srgbClr val="4D4848"/>
+                </a:solidFill>
+                <a:latin typeface="G마켓 산스 Medium" panose="02000000000000000000" pitchFamily="50" charset="-127"/>
+                <a:ea typeface="G마켓 산스 Medium" panose="02000000000000000000" pitchFamily="50" charset="-127"/>
+              </a:rPr>
+              <a:t>은 반드시 문자열 내에서 </a:t>
+            </a:r>
+            <a:r>
+              <a:rPr lang="en-US" altLang="ko-KR" sz="4000" dirty="0" smtClean="0">
+                <a:solidFill>
+                  <a:srgbClr val="4D4848"/>
+                </a:solidFill>
+                <a:latin typeface="G마켓 산스 Medium" panose="02000000000000000000" pitchFamily="50" charset="-127"/>
+                <a:ea typeface="G마켓 산스 Medium" panose="02000000000000000000" pitchFamily="50" charset="-127"/>
+              </a:rPr>
+              <a:t>\”#\” </a:t>
+            </a:r>
+            <a:r>
+              <a:rPr lang="ko-KR" altLang="en-US" sz="4000" dirty="0" smtClean="0">
+                <a:solidFill>
+                  <a:srgbClr val="4D4848"/>
+                </a:solidFill>
+                <a:latin typeface="G마켓 산스 Medium" panose="02000000000000000000" pitchFamily="50" charset="-127"/>
+                <a:ea typeface="G마켓 산스 Medium" panose="02000000000000000000" pitchFamily="50" charset="-127"/>
+              </a:rPr>
+              <a:t>으로 </a:t>
+            </a:r>
+            <a:r>
+              <a:rPr lang="ko-KR" altLang="en-US" sz="4000" dirty="0" err="1" smtClean="0">
+                <a:solidFill>
+                  <a:srgbClr val="4D4848"/>
+                </a:solidFill>
+                <a:latin typeface="G마켓 산스 Medium" panose="02000000000000000000" pitchFamily="50" charset="-127"/>
+                <a:ea typeface="G마켓 산스 Medium" panose="02000000000000000000" pitchFamily="50" charset="-127"/>
+              </a:rPr>
+              <a:t>표현해야한다</a:t>
+            </a:r>
+            <a:r>
+              <a:rPr lang="en-US" altLang="ko-KR" sz="4000" dirty="0" smtClean="0">
+                <a:solidFill>
+                  <a:srgbClr val="4D4848"/>
                 </a:solidFill>
                 <a:latin typeface="G마켓 산스 Medium" panose="02000000000000000000" pitchFamily="50" charset="-127"/>
                 <a:ea typeface="G마켓 산스 Medium" panose="02000000000000000000" pitchFamily="50" charset="-127"/>
@@ -31556,7 +31678,7 @@
             </a:r>
             <a:endParaRPr lang="en-US" altLang="ko-KR" sz="4000" dirty="0">
               <a:solidFill>
-                <a:srgbClr val="4C50BC"/>
+                <a:srgbClr val="4D4848"/>
               </a:solidFill>
               <a:latin typeface="G마켓 산스 Medium" panose="02000000000000000000" pitchFamily="50" charset="-127"/>
               <a:ea typeface="G마켓 산스 Medium" panose="02000000000000000000" pitchFamily="50" charset="-127"/>
@@ -31580,7 +31702,7 @@
         </p:blipFill>
         <p:spPr>
           <a:xfrm>
-            <a:off x="919860" y="2705100"/>
+            <a:off x="919860" y="3390900"/>
             <a:ext cx="16820453" cy="6201827"/>
           </a:xfrm>
           <a:prstGeom prst="rect">
@@ -31625,12 +31747,177 @@
           <a:chExt cx="0" cy="0"/>
         </a:xfrm>
       </p:grpSpPr>
+      <p:pic>
+        <p:nvPicPr>
+          <p:cNvPr id="4" name="그림 3"/>
+          <p:cNvPicPr>
+            <a:picLocks noChangeAspect="1"/>
+          </p:cNvPicPr>
+          <p:nvPr/>
+        </p:nvPicPr>
+        <p:blipFill>
+          <a:blip r:embed="rId2"/>
+          <a:stretch>
+            <a:fillRect/>
+          </a:stretch>
+        </p:blipFill>
+        <p:spPr>
+          <a:xfrm>
+            <a:off x="380999" y="800100"/>
+            <a:ext cx="17627601" cy="7086600"/>
+          </a:xfrm>
+          <a:prstGeom prst="rect">
+            <a:avLst/>
+          </a:prstGeom>
+        </p:spPr>
+      </p:pic>
+      <p:pic>
+        <p:nvPicPr>
+          <p:cNvPr id="5" name="그림 4"/>
+          <p:cNvPicPr>
+            <a:picLocks noChangeAspect="1"/>
+          </p:cNvPicPr>
+          <p:nvPr/>
+        </p:nvPicPr>
+        <p:blipFill>
+          <a:blip r:embed="rId3">
+            <a:extLst>
+              <a:ext uri="{BEBA8EAE-BF5A-486C-A8C5-ECC9F3942E4B}">
+                <a14:imgProps xmlns:a14="http://schemas.microsoft.com/office/drawing/2010/main">
+                  <a14:imgLayer r:embed="rId4">
+                    <a14:imgEffect>
+                      <a14:artisticGlass/>
+                    </a14:imgEffect>
+                  </a14:imgLayer>
+                </a14:imgProps>
+              </a:ext>
+            </a:extLst>
+          </a:blip>
+          <a:stretch>
+            <a:fillRect/>
+          </a:stretch>
+        </p:blipFill>
+        <p:spPr>
+          <a:xfrm>
+            <a:off x="381000" y="800100"/>
+            <a:ext cx="17627601" cy="7086600"/>
+          </a:xfrm>
+          <a:prstGeom prst="rect">
+            <a:avLst/>
+          </a:prstGeom>
+        </p:spPr>
+      </p:pic>
+    </p:spTree>
+    <p:extLst>
+      <p:ext uri="{BB962C8B-B14F-4D97-AF65-F5344CB8AC3E}">
+        <p14:creationId xmlns:p14="http://schemas.microsoft.com/office/powerpoint/2010/main" val="1496721354"/>
+      </p:ext>
+    </p:extLst>
+  </p:cSld>
+  <p:clrMapOvr>
+    <a:masterClrMapping/>
+  </p:clrMapOvr>
+  <p:timing>
+    <p:tnLst>
+      <p:par>
+        <p:cTn id="1" dur="indefinite" restart="never" nodeType="tmRoot">
+          <p:childTnLst>
+            <p:seq concurrent="1" nextAc="seek">
+              <p:cTn id="2" dur="indefinite" nodeType="mainSeq">
+                <p:childTnLst>
+                  <p:par>
+                    <p:cTn id="3" fill="hold">
+                      <p:stCondLst>
+                        <p:cond delay="indefinite"/>
+                      </p:stCondLst>
+                      <p:childTnLst>
+                        <p:par>
+                          <p:cTn id="4" fill="hold">
+                            <p:stCondLst>
+                              <p:cond delay="0"/>
+                            </p:stCondLst>
+                            <p:childTnLst>
+                              <p:par>
+                                <p:cTn id="5" presetID="1" presetClass="exit" presetSubtype="0" fill="hold" nodeType="clickEffect">
+                                  <p:stCondLst>
+                                    <p:cond delay="0"/>
+                                  </p:stCondLst>
+                                  <p:childTnLst>
+                                    <p:set>
+                                      <p:cBhvr>
+                                        <p:cTn id="6" dur="1" fill="hold">
+                                          <p:stCondLst>
+                                            <p:cond delay="0"/>
+                                          </p:stCondLst>
+                                        </p:cTn>
+                                        <p:tgtEl>
+                                          <p:spTgt spid="5"/>
+                                        </p:tgtEl>
+                                        <p:attrNameLst>
+                                          <p:attrName>style.visibility</p:attrName>
+                                        </p:attrNameLst>
+                                      </p:cBhvr>
+                                      <p:to>
+                                        <p:strVal val="hidden"/>
+                                      </p:to>
+                                    </p:set>
+                                  </p:childTnLst>
+                                </p:cTn>
+                              </p:par>
+                            </p:childTnLst>
+                          </p:cTn>
+                        </p:par>
+                      </p:childTnLst>
+                    </p:cTn>
+                  </p:par>
+                </p:childTnLst>
+              </p:cTn>
+              <p:prevCondLst>
+                <p:cond evt="onPrev" delay="0">
+                  <p:tgtEl>
+                    <p:sldTgt/>
+                  </p:tgtEl>
+                </p:cond>
+              </p:prevCondLst>
+              <p:nextCondLst>
+                <p:cond evt="onNext" delay="0">
+                  <p:tgtEl>
+                    <p:sldTgt/>
+                  </p:tgtEl>
+                </p:cond>
+              </p:nextCondLst>
+            </p:seq>
+          </p:childTnLst>
+        </p:cTn>
+      </p:par>
+    </p:tnLst>
+  </p:timing>
+</p:sld>
+</file>
+
+<file path=ppt/slides/slide58.xml><?xml version="1.0" encoding="utf-8"?>
+<p:sld xmlns:a="http://schemas.openxmlformats.org/drawingml/2006/main" xmlns:r="http://schemas.openxmlformats.org/officeDocument/2006/relationships" xmlns:p="http://schemas.openxmlformats.org/presentationml/2006/main">
+  <p:cSld>
+    <p:spTree>
+      <p:nvGrpSpPr>
+        <p:cNvPr id="1" name=""/>
+        <p:cNvGrpSpPr/>
+        <p:nvPr/>
+      </p:nvGrpSpPr>
+      <p:grpSpPr>
+        <a:xfrm>
+          <a:off x="0" y="0"/>
+          <a:ext cx="0" cy="0"/>
+          <a:chOff x="0" y="0"/>
+          <a:chExt cx="0" cy="0"/>
+        </a:xfrm>
+      </p:grpSpPr>
       <p:sp>
         <p:nvSpPr>
           <p:cNvPr id="4" name="TextBox 3">
             <a:extLst>
               <a:ext uri="{FF2B5EF4-FFF2-40B4-BE49-F238E27FC236}">
-                <a16:creationId xmlns:a16="http://schemas.microsoft.com/office/drawing/2014/main" xmlns="" id="{E3E7BB62-3A69-8D61-2029-8C35FAF88C23}"/>
+                <a16:creationId xmlns="" xmlns:a16="http://schemas.microsoft.com/office/drawing/2014/main" id="{E3E7BB62-3A69-8D61-2029-8C35FAF88C23}"/>
               </a:ext>
             </a:extLst>
           </p:cNvPr>
@@ -31817,43 +32104,97 @@
           <a:lstStyle/>
           <a:p>
             <a:r>
-              <a:rPr lang="en-US" altLang="ko-KR" sz="2800">
+              <a:rPr lang="en-US" altLang="ko-KR" sz="2800" dirty="0">
                 <a:latin typeface="Consolas" panose="020B0609020204030204" pitchFamily="49" charset="0"/>
               </a:rPr>
               <a:t>String </a:t>
             </a:r>
             <a:r>
-              <a:rPr lang="en-US" altLang="ko-KR" sz="2800" u="sng">
+              <a:rPr lang="en-US" altLang="ko-KR" sz="2800" u="sng" dirty="0" err="1">
                 <a:latin typeface="Consolas" panose="020B0609020204030204" pitchFamily="49" charset="0"/>
               </a:rPr>
               <a:t>str</a:t>
             </a:r>
             <a:r>
-              <a:rPr lang="en-US" altLang="ko-KR" sz="2800">
+              <a:rPr lang="en-US" altLang="ko-KR" sz="2800" dirty="0">
                 <a:latin typeface="Consolas" panose="020B0609020204030204" pitchFamily="49" charset="0"/>
               </a:rPr>
-              <a:t> = "{\"id\":\"chatcmpl-6vX5cfe1VRa29F7AzS8kBmYjbh4In\",\"object\":\"chat.completion\",\"created\":1679169912,\"model\":\"gpt-3.5-turbo-0301\",\"usage\":{\"prompt_tokens\":11,\"completion_tokens\":32,\"total_tokens\":43},\"choices\":[{\"message\":{\"role\":\"assistant\",\"content\":</a:t>
-            </a:r>
-            <a:r>
-              <a:rPr lang="en-US" altLang="ko-KR" sz="2800">
+              <a:t> = "{\"id\":\"chatcmpl-6vX5cfe1VRa29F7AzS8kBmYjbh4In\",\"object\":\"</a:t>
+            </a:r>
+            <a:r>
+              <a:rPr lang="en-US" altLang="ko-KR" sz="2800" dirty="0" err="1">
+                <a:latin typeface="Consolas" panose="020B0609020204030204" pitchFamily="49" charset="0"/>
+              </a:rPr>
+              <a:t>chat.completion</a:t>
+            </a:r>
+            <a:r>
+              <a:rPr lang="en-US" altLang="ko-KR" sz="2800" dirty="0">
+                <a:latin typeface="Consolas" panose="020B0609020204030204" pitchFamily="49" charset="0"/>
+              </a:rPr>
+              <a:t>\",\"created\":1679169912,\"model\":\"gpt-3.5-turbo-0301\",\"usage\":{\"</a:t>
+            </a:r>
+            <a:r>
+              <a:rPr lang="en-US" altLang="ko-KR" sz="2800" dirty="0" err="1">
+                <a:latin typeface="Consolas" panose="020B0609020204030204" pitchFamily="49" charset="0"/>
+              </a:rPr>
+              <a:t>prompt_tokens</a:t>
+            </a:r>
+            <a:r>
+              <a:rPr lang="en-US" altLang="ko-KR" sz="2800" dirty="0">
+                <a:latin typeface="Consolas" panose="020B0609020204030204" pitchFamily="49" charset="0"/>
+              </a:rPr>
+              <a:t>\":11,\"</a:t>
+            </a:r>
+            <a:r>
+              <a:rPr lang="en-US" altLang="ko-KR" sz="2800" dirty="0" err="1">
+                <a:latin typeface="Consolas" panose="020B0609020204030204" pitchFamily="49" charset="0"/>
+              </a:rPr>
+              <a:t>completion_tokens</a:t>
+            </a:r>
+            <a:r>
+              <a:rPr lang="en-US" altLang="ko-KR" sz="2800" dirty="0">
+                <a:latin typeface="Consolas" panose="020B0609020204030204" pitchFamily="49" charset="0"/>
+              </a:rPr>
+              <a:t>\":32,\"</a:t>
+            </a:r>
+            <a:r>
+              <a:rPr lang="en-US" altLang="ko-KR" sz="2800" dirty="0" err="1">
+                <a:latin typeface="Consolas" panose="020B0609020204030204" pitchFamily="49" charset="0"/>
+              </a:rPr>
+              <a:t>total_tokens</a:t>
+            </a:r>
+            <a:r>
+              <a:rPr lang="en-US" altLang="ko-KR" sz="2800" dirty="0">
+                <a:latin typeface="Consolas" panose="020B0609020204030204" pitchFamily="49" charset="0"/>
+              </a:rPr>
+              <a:t>\":43},\"choices\":[{\"message\":{\"role\":\"assistant\",\"content</a:t>
+            </a:r>
+            <a:r>
+              <a:rPr lang="en-US" altLang="ko-KR" sz="2800" dirty="0" smtClean="0">
+                <a:latin typeface="Consolas" panose="020B0609020204030204" pitchFamily="49" charset="0"/>
+              </a:rPr>
+              <a:t>\":</a:t>
+            </a:r>
+            <a:r>
+              <a:rPr lang="en-US" altLang="ko-KR" sz="2800" dirty="0" smtClean="0">
                 <a:solidFill>
                   <a:srgbClr val="FF0000"/>
                 </a:solidFill>
                 <a:latin typeface="Consolas" panose="020B0609020204030204" pitchFamily="49" charset="0"/>
               </a:rPr>
-              <a:t>\"</a:t>
-            </a:r>
-            <a:r>
-              <a:rPr lang="ko-KR" altLang="en-US" sz="2800">
+              <a:t>\＂</a:t>
+            </a:r>
+            <a:r>
+              <a:rPr lang="ko-KR" altLang="en-US" sz="2800" dirty="0" smtClean="0">
                 <a:solidFill>
                   <a:srgbClr val="FF0000"/>
                 </a:solidFill>
                 <a:latin typeface="Consolas" panose="020B0609020204030204" pitchFamily="49" charset="0"/>
               </a:rPr>
-              <a:t>하세요</a:t>
-            </a:r>
-            <a:r>
-              <a:rPr lang="en-US" altLang="ko-KR" sz="2800">
+              <a:t>안녕하세요</a:t>
+            </a:r>
+            <a:r>
+              <a:rPr lang="en-US" altLang="ko-KR" sz="2800" dirty="0">
                 <a:solidFill>
                   <a:srgbClr val="FF0000"/>
                 </a:solidFill>
@@ -31862,7 +32203,7 @@
               <a:t>! </a:t>
             </a:r>
             <a:r>
-              <a:rPr lang="ko-KR" altLang="en-US" sz="2800">
+              <a:rPr lang="ko-KR" altLang="en-US" sz="2800" dirty="0">
                 <a:solidFill>
                   <a:srgbClr val="FF0000"/>
                 </a:solidFill>
@@ -31871,7 +32212,7 @@
               <a:t>저는 </a:t>
             </a:r>
             <a:r>
-              <a:rPr lang="en-US" altLang="ko-KR" sz="2800">
+              <a:rPr lang="en-US" altLang="ko-KR" sz="2800" dirty="0">
                 <a:solidFill>
                   <a:srgbClr val="FF0000"/>
                 </a:solidFill>
@@ -31880,7 +32221,7 @@
               <a:t>AI </a:t>
             </a:r>
             <a:r>
-              <a:rPr lang="ko-KR" altLang="en-US" sz="2800">
+              <a:rPr lang="ko-KR" altLang="en-US" sz="2800" dirty="0" err="1">
                 <a:solidFill>
                   <a:srgbClr val="FF0000"/>
                 </a:solidFill>
@@ -31889,7 +32230,7 @@
               <a:t>어시스턴트입니다</a:t>
             </a:r>
             <a:r>
-              <a:rPr lang="en-US" altLang="ko-KR" sz="2800">
+              <a:rPr lang="en-US" altLang="ko-KR" sz="2800" dirty="0">
                 <a:solidFill>
                   <a:srgbClr val="FF0000"/>
                 </a:solidFill>
@@ -31898,7 +32239,7 @@
               <a:t>. </a:t>
             </a:r>
             <a:r>
-              <a:rPr lang="ko-KR" altLang="en-US" sz="2800">
+              <a:rPr lang="ko-KR" altLang="en-US" sz="2800" dirty="0">
                 <a:solidFill>
                   <a:srgbClr val="FF0000"/>
                 </a:solidFill>
@@ -31907,7 +32248,7 @@
               <a:t>어떤 도움이 필요하신가요</a:t>
             </a:r>
             <a:r>
-              <a:rPr lang="en-US" altLang="ko-KR" sz="2800">
+              <a:rPr lang="en-US" altLang="ko-KR" sz="2800" dirty="0">
                 <a:solidFill>
                   <a:srgbClr val="FF0000"/>
                 </a:solidFill>
@@ -31916,18 +32257,54 @@
               <a:t>?\"</a:t>
             </a:r>
             <a:r>
-              <a:rPr lang="en-US" altLang="ko-KR" sz="2800">
+              <a:rPr lang="en-US" altLang="ko-KR" sz="2800" dirty="0">
                 <a:latin typeface="Consolas" panose="020B0609020204030204" pitchFamily="49" charset="0"/>
               </a:rPr>
-              <a:t>},\"finish_reason\":\"stop\",\"index\":0}]}";</a:t>
-            </a:r>
-            <a:endParaRPr lang="en-US" altLang="ko-KR" sz="2800">
+              <a:t>},\"</a:t>
+            </a:r>
+            <a:r>
+              <a:rPr lang="en-US" altLang="ko-KR" sz="2800" dirty="0" err="1">
+                <a:latin typeface="Consolas" panose="020B0609020204030204" pitchFamily="49" charset="0"/>
+              </a:rPr>
+              <a:t>finish_reason</a:t>
+            </a:r>
+            <a:r>
+              <a:rPr lang="en-US" altLang="ko-KR" sz="2800" dirty="0">
+                <a:latin typeface="Consolas" panose="020B0609020204030204" pitchFamily="49" charset="0"/>
+              </a:rPr>
+              <a:t>\":\"stop\",\"index\":0}]}";</a:t>
+            </a:r>
+            <a:endParaRPr lang="en-US" altLang="ko-KR" sz="2800" dirty="0">
               <a:effectLst/>
               <a:latin typeface="Consolas" panose="020B0609020204030204" pitchFamily="49" charset="0"/>
             </a:endParaRPr>
           </a:p>
         </p:txBody>
       </p:sp>
+      <p:pic>
+        <p:nvPicPr>
+          <p:cNvPr id="2" name="그림 1"/>
+          <p:cNvPicPr>
+            <a:picLocks noChangeAspect="1"/>
+          </p:cNvPicPr>
+          <p:nvPr/>
+        </p:nvPicPr>
+        <p:blipFill>
+          <a:blip r:embed="rId2"/>
+          <a:stretch>
+            <a:fillRect/>
+          </a:stretch>
+        </p:blipFill>
+        <p:spPr>
+          <a:xfrm>
+            <a:off x="842962" y="6819900"/>
+            <a:ext cx="15360807" cy="2286000"/>
+          </a:xfrm>
+          <a:prstGeom prst="rect">
+            <a:avLst/>
+          </a:prstGeom>
+        </p:spPr>
+      </p:pic>
     </p:spTree>
     <p:extLst>
       <p:ext uri="{BB962C8B-B14F-4D97-AF65-F5344CB8AC3E}">
@@ -31948,17 +32325,9 @@
 </p:sld>
 </file>
 
-<file path=ppt/slides/slide58.xml><?xml version="1.0" encoding="utf-8"?>
+<file path=ppt/slides/slide59.xml><?xml version="1.0" encoding="utf-8"?>
 <p:sld xmlns:a="http://schemas.openxmlformats.org/drawingml/2006/main" xmlns:r="http://schemas.openxmlformats.org/officeDocument/2006/relationships" xmlns:p="http://schemas.openxmlformats.org/presentationml/2006/main">
-  <p:cSld name="Slide 20">
-    <p:bg>
-      <p:bgPr>
-        <a:solidFill>
-          <a:srgbClr val="4C50BB"/>
-        </a:solidFill>
-        <a:effectLst/>
-      </p:bgPr>
-    </p:bg>
+  <p:cSld>
     <p:spTree>
       <p:nvGrpSpPr>
         <p:cNvPr id="1" name=""/>
@@ -31973,313 +32342,72 @@
           <a:chExt cx="0" cy="0"/>
         </a:xfrm>
       </p:grpSpPr>
-      <p:grpSp>
-        <p:nvGrpSpPr>
-          <p:cNvPr id="1001" name="그룹 1001"/>
-          <p:cNvGrpSpPr/>
-          <p:nvPr/>
-        </p:nvGrpSpPr>
-        <p:grpSpPr>
-          <a:xfrm>
-            <a:off x="17068073" y="8290746"/>
-            <a:ext cx="2147094" cy="191978"/>
-            <a:chOff x="17068073" y="8290746"/>
-            <a:chExt cx="2147094" cy="191978"/>
-          </a:xfrm>
-        </p:grpSpPr>
-        <p:pic>
-          <p:nvPicPr>
-            <p:cNvPr id="3" name="Object 2"/>
-            <p:cNvPicPr>
-              <a:picLocks noChangeAspect="1"/>
-            </p:cNvPicPr>
-            <p:nvPr/>
-          </p:nvPicPr>
-          <p:blipFill>
-            <a:blip r:embed="rId2" cstate="print"/>
-            <a:stretch>
-              <a:fillRect/>
-            </a:stretch>
-          </p:blipFill>
-          <p:spPr>
-            <a:xfrm>
-              <a:off x="17068073" y="8290746"/>
-              <a:ext cx="2147094" cy="191978"/>
-            </a:xfrm>
-            <a:prstGeom prst="rect">
-              <a:avLst/>
-            </a:prstGeom>
-          </p:spPr>
-        </p:pic>
-      </p:grpSp>
-      <p:grpSp>
-        <p:nvGrpSpPr>
-          <p:cNvPr id="1002" name="그룹 1002"/>
-          <p:cNvGrpSpPr/>
-          <p:nvPr/>
-        </p:nvGrpSpPr>
-        <p:grpSpPr>
-          <a:xfrm>
-            <a:off x="-159165" y="2132538"/>
-            <a:ext cx="6123451" cy="191978"/>
-            <a:chOff x="-159165" y="2132538"/>
-            <a:chExt cx="6123451" cy="191978"/>
-          </a:xfrm>
-        </p:grpSpPr>
-        <p:pic>
-          <p:nvPicPr>
-            <p:cNvPr id="6" name="Object 5"/>
-            <p:cNvPicPr>
-              <a:picLocks noChangeAspect="1"/>
-            </p:cNvPicPr>
-            <p:nvPr/>
-          </p:nvPicPr>
-          <p:blipFill>
-            <a:blip r:embed="rId3" cstate="print"/>
-            <a:stretch>
-              <a:fillRect/>
-            </a:stretch>
-          </p:blipFill>
-          <p:spPr>
-            <a:xfrm rot="-10800000">
-              <a:off x="-159165" y="2132538"/>
-              <a:ext cx="6123451" cy="191978"/>
-            </a:xfrm>
-            <a:prstGeom prst="rect">
-              <a:avLst/>
-            </a:prstGeom>
-          </p:spPr>
-        </p:pic>
-      </p:grpSp>
       <p:pic>
         <p:nvPicPr>
-          <p:cNvPr id="8" name="Object 7"/>
+          <p:cNvPr id="4" name="그림 3"/>
           <p:cNvPicPr>
             <a:picLocks noChangeAspect="1"/>
           </p:cNvPicPr>
           <p:nvPr/>
         </p:nvPicPr>
         <p:blipFill>
-          <a:blip r:embed="rId4" cstate="print"/>
+          <a:blip r:embed="rId2"/>
           <a:stretch>
             <a:fillRect/>
           </a:stretch>
         </p:blipFill>
         <p:spPr>
           <a:xfrm>
-            <a:off x="1435154" y="1816061"/>
-            <a:ext cx="8946667" cy="7503307"/>
+            <a:off x="381000" y="495300"/>
+            <a:ext cx="17291492" cy="8610600"/>
           </a:xfrm>
           <a:prstGeom prst="rect">
             <a:avLst/>
           </a:prstGeom>
         </p:spPr>
       </p:pic>
-      <p:grpSp>
-        <p:nvGrpSpPr>
-          <p:cNvPr id="1003" name="그룹 1003"/>
-          <p:cNvGrpSpPr/>
+      <p:pic>
+        <p:nvPicPr>
+          <p:cNvPr id="5" name="그림 4"/>
+          <p:cNvPicPr>
+            <a:picLocks noChangeAspect="1"/>
+          </p:cNvPicPr>
           <p:nvPr/>
-        </p:nvGrpSpPr>
-        <p:grpSpPr>
-          <a:xfrm>
-            <a:off x="14201487" y="-793619"/>
-            <a:ext cx="5013680" cy="4965048"/>
-            <a:chOff x="14201487" y="-793619"/>
-            <a:chExt cx="5013680" cy="4965048"/>
-          </a:xfrm>
-        </p:grpSpPr>
-        <p:pic>
-          <p:nvPicPr>
-            <p:cNvPr id="10" name="Object 9"/>
-            <p:cNvPicPr>
-              <a:picLocks noChangeAspect="1"/>
-            </p:cNvPicPr>
-            <p:nvPr/>
-          </p:nvPicPr>
-          <p:blipFill>
-            <a:blip r:embed="rId5" cstate="print"/>
-            <a:stretch>
-              <a:fillRect/>
-            </a:stretch>
-          </p:blipFill>
-          <p:spPr>
-            <a:xfrm>
-              <a:off x="14201487" y="-793619"/>
-              <a:ext cx="5013680" cy="4965048"/>
-            </a:xfrm>
-            <a:prstGeom prst="rect">
-              <a:avLst/>
-            </a:prstGeom>
-          </p:spPr>
-        </p:pic>
-      </p:grpSp>
-      <p:grpSp>
-        <p:nvGrpSpPr>
-          <p:cNvPr id="1004" name="그룹 1004"/>
-          <p:cNvGrpSpPr/>
-          <p:nvPr/>
-        </p:nvGrpSpPr>
-        <p:grpSpPr>
-          <a:xfrm>
-            <a:off x="1504762" y="6159972"/>
-            <a:ext cx="3591960" cy="3557118"/>
-            <a:chOff x="1504762" y="6159972"/>
-            <a:chExt cx="3591960" cy="3557118"/>
-          </a:xfrm>
-        </p:grpSpPr>
-        <p:pic>
-          <p:nvPicPr>
-            <p:cNvPr id="13" name="Object 12"/>
-            <p:cNvPicPr>
-              <a:picLocks noChangeAspect="1"/>
-            </p:cNvPicPr>
-            <p:nvPr/>
-          </p:nvPicPr>
-          <p:blipFill>
-            <a:blip r:embed="rId6" cstate="print"/>
-            <a:stretch>
-              <a:fillRect/>
-            </a:stretch>
-          </p:blipFill>
-          <p:spPr>
-            <a:xfrm>
-              <a:off x="1504762" y="6159972"/>
-              <a:ext cx="3591960" cy="3557118"/>
-            </a:xfrm>
-            <a:prstGeom prst="rect">
-              <a:avLst/>
-            </a:prstGeom>
-          </p:spPr>
-        </p:pic>
-      </p:grpSp>
-      <p:grpSp>
-        <p:nvGrpSpPr>
-          <p:cNvPr id="1005" name="그룹 1005"/>
-          <p:cNvGrpSpPr/>
-          <p:nvPr/>
-        </p:nvGrpSpPr>
-        <p:grpSpPr>
-          <a:xfrm>
-            <a:off x="-1490827" y="7194398"/>
-            <a:ext cx="4258895" cy="4258895"/>
-            <a:chOff x="-1490827" y="7194398"/>
-            <a:chExt cx="4258895" cy="4258895"/>
-          </a:xfrm>
-        </p:grpSpPr>
-        <p:pic>
-          <p:nvPicPr>
-            <p:cNvPr id="16" name="Object 15"/>
-            <p:cNvPicPr>
-              <a:picLocks noChangeAspect="1"/>
-            </p:cNvPicPr>
-            <p:nvPr/>
-          </p:nvPicPr>
-          <p:blipFill>
-            <a:blip r:embed="rId7" cstate="print"/>
-            <a:stretch>
-              <a:fillRect/>
-            </a:stretch>
-          </p:blipFill>
-          <p:spPr>
-            <a:xfrm rot="2700000">
-              <a:off x="-1490827" y="7194398"/>
-              <a:ext cx="4258895" cy="4258895"/>
-            </a:xfrm>
-            <a:prstGeom prst="rect">
-              <a:avLst/>
-            </a:prstGeom>
-          </p:spPr>
-        </p:pic>
-      </p:grpSp>
-      <p:grpSp>
-        <p:nvGrpSpPr>
-          <p:cNvPr id="1006" name="그룹 1006"/>
-          <p:cNvGrpSpPr/>
-          <p:nvPr/>
-        </p:nvGrpSpPr>
-        <p:grpSpPr>
-          <a:xfrm>
-            <a:off x="14236022" y="2461029"/>
-            <a:ext cx="4258895" cy="4258895"/>
-            <a:chOff x="14236022" y="2461029"/>
-            <a:chExt cx="4258895" cy="4258895"/>
-          </a:xfrm>
-        </p:grpSpPr>
-        <p:pic>
-          <p:nvPicPr>
-            <p:cNvPr id="22" name="Object 21"/>
-            <p:cNvPicPr>
-              <a:picLocks noChangeAspect="1"/>
-            </p:cNvPicPr>
-            <p:nvPr/>
-          </p:nvPicPr>
-          <p:blipFill>
-            <a:blip r:embed="rId8" cstate="print"/>
-            <a:stretch>
-              <a:fillRect/>
-            </a:stretch>
-          </p:blipFill>
-          <p:spPr>
-            <a:xfrm rot="2700000">
-              <a:off x="14236022" y="2461029"/>
-              <a:ext cx="4258895" cy="4258895"/>
-            </a:xfrm>
-            <a:prstGeom prst="rect">
-              <a:avLst/>
-            </a:prstGeom>
-          </p:spPr>
-        </p:pic>
-      </p:grpSp>
-      <p:sp>
-        <p:nvSpPr>
-          <p:cNvPr id="2" name="TextBox 1">
+        </p:nvPicPr>
+        <p:blipFill>
+          <a:blip r:embed="rId3">
             <a:extLst>
-              <a:ext uri="{FF2B5EF4-FFF2-40B4-BE49-F238E27FC236}">
-                <a16:creationId xmlns:a16="http://schemas.microsoft.com/office/drawing/2014/main" xmlns="" id="{715D88A2-BD52-978B-A00A-540446126E3D}"/>
+              <a:ext uri="{BEBA8EAE-BF5A-486C-A8C5-ECC9F3942E4B}">
+                <a14:imgProps xmlns:a14="http://schemas.microsoft.com/office/drawing/2010/main">
+                  <a14:imgLayer r:embed="rId4">
+                    <a14:imgEffect>
+                      <a14:artisticGlass/>
+                    </a14:imgEffect>
+                  </a14:imgLayer>
+                </a14:imgProps>
               </a:ext>
             </a:extLst>
-          </p:cNvPr>
-          <p:cNvSpPr txBox="1"/>
-          <p:nvPr/>
-        </p:nvSpPr>
+          </a:blip>
+          <a:stretch>
+            <a:fillRect/>
+          </a:stretch>
+        </p:blipFill>
         <p:spPr>
           <a:xfrm>
-            <a:off x="15011400" y="8648279"/>
-            <a:ext cx="2743200" cy="584775"/>
+            <a:off x="381000" y="495300"/>
+            <a:ext cx="17291492" cy="8610600"/>
           </a:xfrm>
           <a:prstGeom prst="rect">
             <a:avLst/>
           </a:prstGeom>
-          <a:noFill/>
         </p:spPr>
-        <p:txBody>
-          <a:bodyPr wrap="square">
-            <a:spAutoFit/>
-          </a:bodyPr>
-          <a:lstStyle/>
-          <a:p>
-            <a:r>
-              <a:rPr lang="ko-KR" altLang="en-US" sz="3200">
-                <a:solidFill>
-                  <a:schemeClr val="bg1"/>
-                </a:solidFill>
-                <a:latin typeface="G마켓 산스 Light" panose="02000000000000000000" pitchFamily="50" charset="-127"/>
-                <a:ea typeface="G마켓 산스 Light" panose="02000000000000000000" pitchFamily="50" charset="-127"/>
-              </a:rPr>
-              <a:t>강사 박주병</a:t>
-            </a:r>
-            <a:endParaRPr lang="en-US" altLang="ko-KR" sz="2000">
-              <a:solidFill>
-                <a:schemeClr val="bg1"/>
-              </a:solidFill>
-              <a:latin typeface="G마켓 산스 Light" panose="02000000000000000000" pitchFamily="50" charset="-127"/>
-              <a:ea typeface="G마켓 산스 Light" panose="02000000000000000000" pitchFamily="50" charset="-127"/>
-            </a:endParaRPr>
-          </a:p>
-        </p:txBody>
-      </p:sp>
+      </p:pic>
     </p:spTree>
+    <p:extLst>
+      <p:ext uri="{BB962C8B-B14F-4D97-AF65-F5344CB8AC3E}">
+        <p14:creationId xmlns:p14="http://schemas.microsoft.com/office/powerpoint/2010/main" val="3751156901"/>
+      </p:ext>
+    </p:extLst>
   </p:cSld>
   <p:clrMapOvr>
     <a:masterClrMapping/>
@@ -32287,7 +32415,75 @@
   <p:timing>
     <p:tnLst>
       <p:par>
-        <p:cTn id="1" dur="indefinite" restart="never" nodeType="tmRoot"/>
+        <p:cTn id="1" dur="indefinite" restart="never" nodeType="tmRoot">
+          <p:childTnLst>
+            <p:seq concurrent="1" nextAc="seek">
+              <p:cTn id="2" dur="indefinite" nodeType="mainSeq">
+                <p:childTnLst>
+                  <p:par>
+                    <p:cTn id="3" fill="hold">
+                      <p:stCondLst>
+                        <p:cond delay="indefinite"/>
+                      </p:stCondLst>
+                      <p:childTnLst>
+                        <p:par>
+                          <p:cTn id="4" fill="hold">
+                            <p:stCondLst>
+                              <p:cond delay="0"/>
+                            </p:stCondLst>
+                            <p:childTnLst>
+                              <p:par>
+                                <p:cTn id="5" presetID="1" presetClass="exit" presetSubtype="0" fill="hold" nodeType="clickEffect">
+                                  <p:stCondLst>
+                                    <p:cond delay="0"/>
+                                  </p:stCondLst>
+                                  <p:childTnLst>
+                                    <p:set>
+                                      <p:cBhvr>
+                                        <p:cTn id="6" dur="1" fill="hold">
+                                          <p:stCondLst>
+                                            <p:cond delay="0"/>
+                                          </p:stCondLst>
+                                        </p:cTn>
+                                        <p:tgtEl>
+                                          <p:spTgt spid="5"/>
+                                        </p:tgtEl>
+                                        <p:attrNameLst>
+                                          <p:attrName>style.visibility</p:attrName>
+                                        </p:attrNameLst>
+                                      </p:cBhvr>
+                                      <p:to>
+                                        <p:strVal val="hidden"/>
+                                      </p:to>
+                                    </p:set>
+                                  </p:childTnLst>
+                                </p:cTn>
+                              </p:par>
+                            </p:childTnLst>
+                          </p:cTn>
+                        </p:par>
+                      </p:childTnLst>
+                    </p:cTn>
+                  </p:par>
+                </p:childTnLst>
+              </p:cTn>
+              <p:prevCondLst>
+                <p:cond evt="onPrev" delay="0">
+                  <p:tgtEl>
+                    <p:sldTgt/>
+                  </p:tgtEl>
+                </p:cond>
+              </p:prevCondLst>
+              <p:nextCondLst>
+                <p:cond evt="onNext" delay="0">
+                  <p:tgtEl>
+                    <p:sldTgt/>
+                  </p:tgtEl>
+                </p:cond>
+              </p:nextCondLst>
+            </p:seq>
+          </p:childTnLst>
+        </p:cTn>
       </p:par>
     </p:tnLst>
   </p:timing>
@@ -32316,7 +32512,7 @@
           <p:cNvPr id="4" name="TextBox 3">
             <a:extLst>
               <a:ext uri="{FF2B5EF4-FFF2-40B4-BE49-F238E27FC236}">
-                <a16:creationId xmlns:a16="http://schemas.microsoft.com/office/drawing/2014/main" xmlns="" id="{D15853EE-94B0-D08B-DCB7-3381290CC3FF}"/>
+                <a16:creationId xmlns="" xmlns:a16="http://schemas.microsoft.com/office/drawing/2014/main" id="{D15853EE-94B0-D08B-DCB7-3381290CC3FF}"/>
               </a:ext>
             </a:extLst>
           </p:cNvPr>
@@ -32374,7 +32570,7 @@
           <p:cNvPr id="5" name="직선 연결선 4">
             <a:extLst>
               <a:ext uri="{FF2B5EF4-FFF2-40B4-BE49-F238E27FC236}">
-                <a16:creationId xmlns:a16="http://schemas.microsoft.com/office/drawing/2014/main" xmlns="" id="{1172879B-889D-0C2F-EEA8-003E6793F36F}"/>
+                <a16:creationId xmlns="" xmlns:a16="http://schemas.microsoft.com/office/drawing/2014/main" id="{1172879B-889D-0C2F-EEA8-003E6793F36F}"/>
               </a:ext>
             </a:extLst>
           </p:cNvPr>
@@ -32417,7 +32613,7 @@
           <p:cNvPr id="8" name="직선 연결선 7">
             <a:extLst>
               <a:ext uri="{FF2B5EF4-FFF2-40B4-BE49-F238E27FC236}">
-                <a16:creationId xmlns:a16="http://schemas.microsoft.com/office/drawing/2014/main" xmlns="" id="{1172879B-889D-0C2F-EEA8-003E6793F36F}"/>
+                <a16:creationId xmlns="" xmlns:a16="http://schemas.microsoft.com/office/drawing/2014/main" id="{1172879B-889D-0C2F-EEA8-003E6793F36F}"/>
               </a:ext>
             </a:extLst>
           </p:cNvPr>
@@ -32525,7 +32721,7 @@
           <p:cNvPr id="7" name="TextBox 6">
             <a:extLst>
               <a:ext uri="{FF2B5EF4-FFF2-40B4-BE49-F238E27FC236}">
-                <a16:creationId xmlns:a16="http://schemas.microsoft.com/office/drawing/2014/main" xmlns="" id="{A2AD056B-97A4-5BCC-4460-250160F3E171}"/>
+                <a16:creationId xmlns="" xmlns:a16="http://schemas.microsoft.com/office/drawing/2014/main" id="{A2AD056B-97A4-5BCC-4460-250160F3E171}"/>
               </a:ext>
             </a:extLst>
           </p:cNvPr>
@@ -32569,7 +32765,7 @@
           <p:cNvPr id="10" name="그룹 1008">
             <a:extLst>
               <a:ext uri="{FF2B5EF4-FFF2-40B4-BE49-F238E27FC236}">
-                <a16:creationId xmlns:a16="http://schemas.microsoft.com/office/drawing/2014/main" xmlns="" id="{678F6342-C505-E8AD-ADA4-022CB2C2088E}"/>
+                <a16:creationId xmlns="" xmlns:a16="http://schemas.microsoft.com/office/drawing/2014/main" id="{678F6342-C505-E8AD-ADA4-022CB2C2088E}"/>
               </a:ext>
             </a:extLst>
           </p:cNvPr>
@@ -32589,7 +32785,7 @@
             <p:cNvPr id="11" name="그룹 1009">
               <a:extLst>
                 <a:ext uri="{FF2B5EF4-FFF2-40B4-BE49-F238E27FC236}">
-                  <a16:creationId xmlns:a16="http://schemas.microsoft.com/office/drawing/2014/main" xmlns="" id="{4E1F1FED-812B-9BBB-925A-84B54A077414}"/>
+                  <a16:creationId xmlns="" xmlns:a16="http://schemas.microsoft.com/office/drawing/2014/main" id="{4E1F1FED-812B-9BBB-925A-84B54A077414}"/>
                 </a:ext>
               </a:extLst>
             </p:cNvPr>
@@ -32609,7 +32805,7 @@
               <p:cNvPr id="16" name="Object 29">
                 <a:extLst>
                   <a:ext uri="{FF2B5EF4-FFF2-40B4-BE49-F238E27FC236}">
-                    <a16:creationId xmlns:a16="http://schemas.microsoft.com/office/drawing/2014/main" xmlns="" id="{7B078609-4286-7B00-51EB-809C8E2DE289}"/>
+                    <a16:creationId xmlns="" xmlns:a16="http://schemas.microsoft.com/office/drawing/2014/main" id="{7B078609-4286-7B00-51EB-809C8E2DE289}"/>
                   </a:ext>
                 </a:extLst>
               </p:cNvPr>
@@ -32640,7 +32836,7 @@
             <p:cNvPr id="12" name="그룹 1010">
               <a:extLst>
                 <a:ext uri="{FF2B5EF4-FFF2-40B4-BE49-F238E27FC236}">
-                  <a16:creationId xmlns:a16="http://schemas.microsoft.com/office/drawing/2014/main" xmlns="" id="{02A649BF-B5B5-FBAF-7DFD-E118A4DF8907}"/>
+                  <a16:creationId xmlns="" xmlns:a16="http://schemas.microsoft.com/office/drawing/2014/main" id="{02A649BF-B5B5-FBAF-7DFD-E118A4DF8907}"/>
                 </a:ext>
               </a:extLst>
             </p:cNvPr>
@@ -32660,7 +32856,7 @@
               <p:cNvPr id="15" name="Object 32">
                 <a:extLst>
                   <a:ext uri="{FF2B5EF4-FFF2-40B4-BE49-F238E27FC236}">
-                    <a16:creationId xmlns:a16="http://schemas.microsoft.com/office/drawing/2014/main" xmlns="" id="{2A0FFF23-B3C9-3EA0-1C1B-A87D4FF098AE}"/>
+                    <a16:creationId xmlns="" xmlns:a16="http://schemas.microsoft.com/office/drawing/2014/main" id="{2A0FFF23-B3C9-3EA0-1C1B-A87D4FF098AE}"/>
                   </a:ext>
                 </a:extLst>
               </p:cNvPr>
@@ -32691,7 +32887,7 @@
             <p:cNvPr id="13" name="그룹 1011">
               <a:extLst>
                 <a:ext uri="{FF2B5EF4-FFF2-40B4-BE49-F238E27FC236}">
-                  <a16:creationId xmlns:a16="http://schemas.microsoft.com/office/drawing/2014/main" xmlns="" id="{881F5410-F7FB-F261-A584-707359BAC593}"/>
+                  <a16:creationId xmlns="" xmlns:a16="http://schemas.microsoft.com/office/drawing/2014/main" id="{881F5410-F7FB-F261-A584-707359BAC593}"/>
                 </a:ext>
               </a:extLst>
             </p:cNvPr>
@@ -32711,7 +32907,7 @@
               <p:cNvPr id="14" name="Object 35">
                 <a:extLst>
                   <a:ext uri="{FF2B5EF4-FFF2-40B4-BE49-F238E27FC236}">
-                    <a16:creationId xmlns:a16="http://schemas.microsoft.com/office/drawing/2014/main" xmlns="" id="{4E99E669-73EB-F9F4-EFE8-DC107035C265}"/>
+                    <a16:creationId xmlns="" xmlns:a16="http://schemas.microsoft.com/office/drawing/2014/main" id="{4E99E669-73EB-F9F4-EFE8-DC107035C265}"/>
                   </a:ext>
                 </a:extLst>
               </p:cNvPr>
@@ -32767,7 +32963,7 @@
           <p:cNvPr id="18" name="TextBox 17">
             <a:extLst>
               <a:ext uri="{FF2B5EF4-FFF2-40B4-BE49-F238E27FC236}">
-                <a16:creationId xmlns:a16="http://schemas.microsoft.com/office/drawing/2014/main" xmlns="" id="{A2AD056B-97A4-5BCC-4460-250160F3E171}"/>
+                <a16:creationId xmlns="" xmlns:a16="http://schemas.microsoft.com/office/drawing/2014/main" id="{A2AD056B-97A4-5BCC-4460-250160F3E171}"/>
               </a:ext>
             </a:extLst>
           </p:cNvPr>
@@ -32815,7 +33011,7 @@
           <p:cNvPr id="19" name="직선 연결선 18">
             <a:extLst>
               <a:ext uri="{FF2B5EF4-FFF2-40B4-BE49-F238E27FC236}">
-                <a16:creationId xmlns:a16="http://schemas.microsoft.com/office/drawing/2014/main" xmlns="" id="{1172879B-889D-0C2F-EEA8-003E6793F36F}"/>
+                <a16:creationId xmlns="" xmlns:a16="http://schemas.microsoft.com/office/drawing/2014/main" id="{1172879B-889D-0C2F-EEA8-003E6793F36F}"/>
               </a:ext>
             </a:extLst>
           </p:cNvPr>
@@ -32858,7 +33054,7 @@
           <p:cNvPr id="20" name="직선 연결선 19">
             <a:extLst>
               <a:ext uri="{FF2B5EF4-FFF2-40B4-BE49-F238E27FC236}">
-                <a16:creationId xmlns:a16="http://schemas.microsoft.com/office/drawing/2014/main" xmlns="" id="{1172879B-889D-0C2F-EEA8-003E6793F36F}"/>
+                <a16:creationId xmlns="" xmlns:a16="http://schemas.microsoft.com/office/drawing/2014/main" id="{1172879B-889D-0C2F-EEA8-003E6793F36F}"/>
               </a:ext>
             </a:extLst>
           </p:cNvPr>
@@ -32901,7 +33097,7 @@
           <p:cNvPr id="21" name="TextBox 20">
             <a:extLst>
               <a:ext uri="{FF2B5EF4-FFF2-40B4-BE49-F238E27FC236}">
-                <a16:creationId xmlns:a16="http://schemas.microsoft.com/office/drawing/2014/main" xmlns="" id="{A2AD056B-97A4-5BCC-4460-250160F3E171}"/>
+                <a16:creationId xmlns="" xmlns:a16="http://schemas.microsoft.com/office/drawing/2014/main" id="{A2AD056B-97A4-5BCC-4460-250160F3E171}"/>
               </a:ext>
             </a:extLst>
           </p:cNvPr>
@@ -32945,7 +33141,7 @@
           <p:cNvPr id="29" name="그룹 1008">
             <a:extLst>
               <a:ext uri="{FF2B5EF4-FFF2-40B4-BE49-F238E27FC236}">
-                <a16:creationId xmlns:a16="http://schemas.microsoft.com/office/drawing/2014/main" xmlns="" id="{54FFE8A6-6CB8-DCBA-07F7-749FA78BF4A4}"/>
+                <a16:creationId xmlns="" xmlns:a16="http://schemas.microsoft.com/office/drawing/2014/main" id="{54FFE8A6-6CB8-DCBA-07F7-749FA78BF4A4}"/>
               </a:ext>
             </a:extLst>
           </p:cNvPr>
@@ -32965,7 +33161,7 @@
             <p:cNvPr id="30" name="그룹 1009">
               <a:extLst>
                 <a:ext uri="{FF2B5EF4-FFF2-40B4-BE49-F238E27FC236}">
-                  <a16:creationId xmlns:a16="http://schemas.microsoft.com/office/drawing/2014/main" xmlns="" id="{AFC4D322-4969-89C3-C972-D8E8E418CA73}"/>
+                  <a16:creationId xmlns="" xmlns:a16="http://schemas.microsoft.com/office/drawing/2014/main" id="{AFC4D322-4969-89C3-C972-D8E8E418CA73}"/>
                 </a:ext>
               </a:extLst>
             </p:cNvPr>
@@ -32985,7 +33181,7 @@
               <p:cNvPr id="35" name="Object 29">
                 <a:extLst>
                   <a:ext uri="{FF2B5EF4-FFF2-40B4-BE49-F238E27FC236}">
-                    <a16:creationId xmlns:a16="http://schemas.microsoft.com/office/drawing/2014/main" xmlns="" id="{696B190E-C178-4E07-7621-24C3B48A9BCF}"/>
+                    <a16:creationId xmlns="" xmlns:a16="http://schemas.microsoft.com/office/drawing/2014/main" id="{696B190E-C178-4E07-7621-24C3B48A9BCF}"/>
                   </a:ext>
                 </a:extLst>
               </p:cNvPr>
@@ -33016,7 +33212,7 @@
             <p:cNvPr id="31" name="그룹 1010">
               <a:extLst>
                 <a:ext uri="{FF2B5EF4-FFF2-40B4-BE49-F238E27FC236}">
-                  <a16:creationId xmlns:a16="http://schemas.microsoft.com/office/drawing/2014/main" xmlns="" id="{88F3509F-17A2-2BE7-261F-3BA022FF91BA}"/>
+                  <a16:creationId xmlns="" xmlns:a16="http://schemas.microsoft.com/office/drawing/2014/main" id="{88F3509F-17A2-2BE7-261F-3BA022FF91BA}"/>
                 </a:ext>
               </a:extLst>
             </p:cNvPr>
@@ -33036,7 +33232,7 @@
               <p:cNvPr id="34" name="Object 32">
                 <a:extLst>
                   <a:ext uri="{FF2B5EF4-FFF2-40B4-BE49-F238E27FC236}">
-                    <a16:creationId xmlns:a16="http://schemas.microsoft.com/office/drawing/2014/main" xmlns="" id="{6183A7B0-D571-9788-43CE-90A93A934096}"/>
+                    <a16:creationId xmlns="" xmlns:a16="http://schemas.microsoft.com/office/drawing/2014/main" id="{6183A7B0-D571-9788-43CE-90A93A934096}"/>
                   </a:ext>
                 </a:extLst>
               </p:cNvPr>
@@ -33067,7 +33263,7 @@
             <p:cNvPr id="32" name="그룹 1011">
               <a:extLst>
                 <a:ext uri="{FF2B5EF4-FFF2-40B4-BE49-F238E27FC236}">
-                  <a16:creationId xmlns:a16="http://schemas.microsoft.com/office/drawing/2014/main" xmlns="" id="{3DB0BB1F-6A07-787C-7717-F712317AF8C3}"/>
+                  <a16:creationId xmlns="" xmlns:a16="http://schemas.microsoft.com/office/drawing/2014/main" id="{3DB0BB1F-6A07-787C-7717-F712317AF8C3}"/>
                 </a:ext>
               </a:extLst>
             </p:cNvPr>
@@ -33087,7 +33283,7 @@
               <p:cNvPr id="33" name="Object 35">
                 <a:extLst>
                   <a:ext uri="{FF2B5EF4-FFF2-40B4-BE49-F238E27FC236}">
-                    <a16:creationId xmlns:a16="http://schemas.microsoft.com/office/drawing/2014/main" xmlns="" id="{A003AF1A-29EE-2DC2-0E03-479F705DFFB6}"/>
+                    <a16:creationId xmlns="" xmlns:a16="http://schemas.microsoft.com/office/drawing/2014/main" id="{A003AF1A-29EE-2DC2-0E03-479F705DFFB6}"/>
                   </a:ext>
                 </a:extLst>
               </p:cNvPr>
@@ -33119,7 +33315,7 @@
           <p:cNvPr id="36" name="TextBox 35">
             <a:extLst>
               <a:ext uri="{FF2B5EF4-FFF2-40B4-BE49-F238E27FC236}">
-                <a16:creationId xmlns:a16="http://schemas.microsoft.com/office/drawing/2014/main" xmlns="" id="{A2AD056B-97A4-5BCC-4460-250160F3E171}"/>
+                <a16:creationId xmlns="" xmlns:a16="http://schemas.microsoft.com/office/drawing/2014/main" id="{A2AD056B-97A4-5BCC-4460-250160F3E171}"/>
               </a:ext>
             </a:extLst>
           </p:cNvPr>
@@ -33167,7 +33363,7 @@
           <p:cNvPr id="3" name="Picture 4" descr="https://search.pstatic.net/common/?src=http%3A%2F%2Fshop1.phinf.naver.net%2F20230414_148%2F1681433429315NNFA7_JPEG%2Fplus0_1000071974.jpg&amp;type=sc960_832">
             <a:extLst>
               <a:ext uri="{FF2B5EF4-FFF2-40B4-BE49-F238E27FC236}">
-                <a16:creationId xmlns:a16="http://schemas.microsoft.com/office/drawing/2014/main" xmlns="" id="{157C01CE-C31A-4855-2EE5-8AA55836DEFE}"/>
+                <a16:creationId xmlns="" xmlns:a16="http://schemas.microsoft.com/office/drawing/2014/main" id="{157C01CE-C31A-4855-2EE5-8AA55836DEFE}"/>
               </a:ext>
             </a:extLst>
           </p:cNvPr>
@@ -33214,7 +33410,7 @@
           <p:cNvPr id="6" name="Picture 2" descr="https://search.pstatic.net/common/?src=http%3A%2F%2Fshop1.phinf.naver.net%2F20230407_156%2F1680851079622nkFWr_JPEG%2F81986859343781772_1262867453.jpg&amp;type=sc960_832">
             <a:extLst>
               <a:ext uri="{FF2B5EF4-FFF2-40B4-BE49-F238E27FC236}">
-                <a16:creationId xmlns:a16="http://schemas.microsoft.com/office/drawing/2014/main" xmlns="" id="{602246F0-2C6F-EB49-7197-DF3D117A4A7A}"/>
+                <a16:creationId xmlns="" xmlns:a16="http://schemas.microsoft.com/office/drawing/2014/main" id="{602246F0-2C6F-EB49-7197-DF3D117A4A7A}"/>
               </a:ext>
             </a:extLst>
           </p:cNvPr>
@@ -33261,7 +33457,7 @@
           <p:cNvPr id="9" name="Picture 2">
             <a:extLst>
               <a:ext uri="{FF2B5EF4-FFF2-40B4-BE49-F238E27FC236}">
-                <a16:creationId xmlns:a16="http://schemas.microsoft.com/office/drawing/2014/main" xmlns="" id="{0B2BFBD1-7D72-142E-6006-4E7AD95909E0}"/>
+                <a16:creationId xmlns="" xmlns:a16="http://schemas.microsoft.com/office/drawing/2014/main" id="{0B2BFBD1-7D72-142E-6006-4E7AD95909E0}"/>
               </a:ext>
             </a:extLst>
           </p:cNvPr>
@@ -33308,7 +33504,7 @@
           <p:cNvPr id="1028" name="Picture 4">
             <a:extLst>
               <a:ext uri="{FF2B5EF4-FFF2-40B4-BE49-F238E27FC236}">
-                <a16:creationId xmlns:a16="http://schemas.microsoft.com/office/drawing/2014/main" xmlns="" id="{BB21002D-EA1B-7AAC-1A5D-7E27C389FD58}"/>
+                <a16:creationId xmlns="" xmlns:a16="http://schemas.microsoft.com/office/drawing/2014/main" id="{BB21002D-EA1B-7AAC-1A5D-7E27C389FD58}"/>
               </a:ext>
             </a:extLst>
           </p:cNvPr>
@@ -33849,6 +34045,352 @@
 </p:sld>
 </file>
 
+<file path=ppt/slides/slide60.xml><?xml version="1.0" encoding="utf-8"?>
+<p:sld xmlns:a="http://schemas.openxmlformats.org/drawingml/2006/main" xmlns:r="http://schemas.openxmlformats.org/officeDocument/2006/relationships" xmlns:p="http://schemas.openxmlformats.org/presentationml/2006/main">
+  <p:cSld name="Slide 20">
+    <p:bg>
+      <p:bgPr>
+        <a:solidFill>
+          <a:srgbClr val="4C50BB"/>
+        </a:solidFill>
+        <a:effectLst/>
+      </p:bgPr>
+    </p:bg>
+    <p:spTree>
+      <p:nvGrpSpPr>
+        <p:cNvPr id="1" name=""/>
+        <p:cNvGrpSpPr/>
+        <p:nvPr/>
+      </p:nvGrpSpPr>
+      <p:grpSpPr>
+        <a:xfrm>
+          <a:off x="0" y="0"/>
+          <a:ext cx="0" cy="0"/>
+          <a:chOff x="0" y="0"/>
+          <a:chExt cx="0" cy="0"/>
+        </a:xfrm>
+      </p:grpSpPr>
+      <p:grpSp>
+        <p:nvGrpSpPr>
+          <p:cNvPr id="1001" name="그룹 1001"/>
+          <p:cNvGrpSpPr/>
+          <p:nvPr/>
+        </p:nvGrpSpPr>
+        <p:grpSpPr>
+          <a:xfrm>
+            <a:off x="17068073" y="8290746"/>
+            <a:ext cx="2147094" cy="191978"/>
+            <a:chOff x="17068073" y="8290746"/>
+            <a:chExt cx="2147094" cy="191978"/>
+          </a:xfrm>
+        </p:grpSpPr>
+        <p:pic>
+          <p:nvPicPr>
+            <p:cNvPr id="3" name="Object 2"/>
+            <p:cNvPicPr>
+              <a:picLocks noChangeAspect="1"/>
+            </p:cNvPicPr>
+            <p:nvPr/>
+          </p:nvPicPr>
+          <p:blipFill>
+            <a:blip r:embed="rId2" cstate="print"/>
+            <a:stretch>
+              <a:fillRect/>
+            </a:stretch>
+          </p:blipFill>
+          <p:spPr>
+            <a:xfrm>
+              <a:off x="17068073" y="8290746"/>
+              <a:ext cx="2147094" cy="191978"/>
+            </a:xfrm>
+            <a:prstGeom prst="rect">
+              <a:avLst/>
+            </a:prstGeom>
+          </p:spPr>
+        </p:pic>
+      </p:grpSp>
+      <p:grpSp>
+        <p:nvGrpSpPr>
+          <p:cNvPr id="1002" name="그룹 1002"/>
+          <p:cNvGrpSpPr/>
+          <p:nvPr/>
+        </p:nvGrpSpPr>
+        <p:grpSpPr>
+          <a:xfrm>
+            <a:off x="-159165" y="2132538"/>
+            <a:ext cx="6123451" cy="191978"/>
+            <a:chOff x="-159165" y="2132538"/>
+            <a:chExt cx="6123451" cy="191978"/>
+          </a:xfrm>
+        </p:grpSpPr>
+        <p:pic>
+          <p:nvPicPr>
+            <p:cNvPr id="6" name="Object 5"/>
+            <p:cNvPicPr>
+              <a:picLocks noChangeAspect="1"/>
+            </p:cNvPicPr>
+            <p:nvPr/>
+          </p:nvPicPr>
+          <p:blipFill>
+            <a:blip r:embed="rId3" cstate="print"/>
+            <a:stretch>
+              <a:fillRect/>
+            </a:stretch>
+          </p:blipFill>
+          <p:spPr>
+            <a:xfrm rot="-10800000">
+              <a:off x="-159165" y="2132538"/>
+              <a:ext cx="6123451" cy="191978"/>
+            </a:xfrm>
+            <a:prstGeom prst="rect">
+              <a:avLst/>
+            </a:prstGeom>
+          </p:spPr>
+        </p:pic>
+      </p:grpSp>
+      <p:pic>
+        <p:nvPicPr>
+          <p:cNvPr id="8" name="Object 7"/>
+          <p:cNvPicPr>
+            <a:picLocks noChangeAspect="1"/>
+          </p:cNvPicPr>
+          <p:nvPr/>
+        </p:nvPicPr>
+        <p:blipFill>
+          <a:blip r:embed="rId4" cstate="print"/>
+          <a:stretch>
+            <a:fillRect/>
+          </a:stretch>
+        </p:blipFill>
+        <p:spPr>
+          <a:xfrm>
+            <a:off x="1435154" y="1816061"/>
+            <a:ext cx="8946667" cy="7503307"/>
+          </a:xfrm>
+          <a:prstGeom prst="rect">
+            <a:avLst/>
+          </a:prstGeom>
+        </p:spPr>
+      </p:pic>
+      <p:grpSp>
+        <p:nvGrpSpPr>
+          <p:cNvPr id="1003" name="그룹 1003"/>
+          <p:cNvGrpSpPr/>
+          <p:nvPr/>
+        </p:nvGrpSpPr>
+        <p:grpSpPr>
+          <a:xfrm>
+            <a:off x="14201487" y="-793619"/>
+            <a:ext cx="5013680" cy="4965048"/>
+            <a:chOff x="14201487" y="-793619"/>
+            <a:chExt cx="5013680" cy="4965048"/>
+          </a:xfrm>
+        </p:grpSpPr>
+        <p:pic>
+          <p:nvPicPr>
+            <p:cNvPr id="10" name="Object 9"/>
+            <p:cNvPicPr>
+              <a:picLocks noChangeAspect="1"/>
+            </p:cNvPicPr>
+            <p:nvPr/>
+          </p:nvPicPr>
+          <p:blipFill>
+            <a:blip r:embed="rId5" cstate="print"/>
+            <a:stretch>
+              <a:fillRect/>
+            </a:stretch>
+          </p:blipFill>
+          <p:spPr>
+            <a:xfrm>
+              <a:off x="14201487" y="-793619"/>
+              <a:ext cx="5013680" cy="4965048"/>
+            </a:xfrm>
+            <a:prstGeom prst="rect">
+              <a:avLst/>
+            </a:prstGeom>
+          </p:spPr>
+        </p:pic>
+      </p:grpSp>
+      <p:grpSp>
+        <p:nvGrpSpPr>
+          <p:cNvPr id="1004" name="그룹 1004"/>
+          <p:cNvGrpSpPr/>
+          <p:nvPr/>
+        </p:nvGrpSpPr>
+        <p:grpSpPr>
+          <a:xfrm>
+            <a:off x="1504762" y="6159972"/>
+            <a:ext cx="3591960" cy="3557118"/>
+            <a:chOff x="1504762" y="6159972"/>
+            <a:chExt cx="3591960" cy="3557118"/>
+          </a:xfrm>
+        </p:grpSpPr>
+        <p:pic>
+          <p:nvPicPr>
+            <p:cNvPr id="13" name="Object 12"/>
+            <p:cNvPicPr>
+              <a:picLocks noChangeAspect="1"/>
+            </p:cNvPicPr>
+            <p:nvPr/>
+          </p:nvPicPr>
+          <p:blipFill>
+            <a:blip r:embed="rId6" cstate="print"/>
+            <a:stretch>
+              <a:fillRect/>
+            </a:stretch>
+          </p:blipFill>
+          <p:spPr>
+            <a:xfrm>
+              <a:off x="1504762" y="6159972"/>
+              <a:ext cx="3591960" cy="3557118"/>
+            </a:xfrm>
+            <a:prstGeom prst="rect">
+              <a:avLst/>
+            </a:prstGeom>
+          </p:spPr>
+        </p:pic>
+      </p:grpSp>
+      <p:grpSp>
+        <p:nvGrpSpPr>
+          <p:cNvPr id="1005" name="그룹 1005"/>
+          <p:cNvGrpSpPr/>
+          <p:nvPr/>
+        </p:nvGrpSpPr>
+        <p:grpSpPr>
+          <a:xfrm>
+            <a:off x="-1490827" y="7194398"/>
+            <a:ext cx="4258895" cy="4258895"/>
+            <a:chOff x="-1490827" y="7194398"/>
+            <a:chExt cx="4258895" cy="4258895"/>
+          </a:xfrm>
+        </p:grpSpPr>
+        <p:pic>
+          <p:nvPicPr>
+            <p:cNvPr id="16" name="Object 15"/>
+            <p:cNvPicPr>
+              <a:picLocks noChangeAspect="1"/>
+            </p:cNvPicPr>
+            <p:nvPr/>
+          </p:nvPicPr>
+          <p:blipFill>
+            <a:blip r:embed="rId7" cstate="print"/>
+            <a:stretch>
+              <a:fillRect/>
+            </a:stretch>
+          </p:blipFill>
+          <p:spPr>
+            <a:xfrm rot="2700000">
+              <a:off x="-1490827" y="7194398"/>
+              <a:ext cx="4258895" cy="4258895"/>
+            </a:xfrm>
+            <a:prstGeom prst="rect">
+              <a:avLst/>
+            </a:prstGeom>
+          </p:spPr>
+        </p:pic>
+      </p:grpSp>
+      <p:grpSp>
+        <p:nvGrpSpPr>
+          <p:cNvPr id="1006" name="그룹 1006"/>
+          <p:cNvGrpSpPr/>
+          <p:nvPr/>
+        </p:nvGrpSpPr>
+        <p:grpSpPr>
+          <a:xfrm>
+            <a:off x="14236022" y="2461029"/>
+            <a:ext cx="4258895" cy="4258895"/>
+            <a:chOff x="14236022" y="2461029"/>
+            <a:chExt cx="4258895" cy="4258895"/>
+          </a:xfrm>
+        </p:grpSpPr>
+        <p:pic>
+          <p:nvPicPr>
+            <p:cNvPr id="22" name="Object 21"/>
+            <p:cNvPicPr>
+              <a:picLocks noChangeAspect="1"/>
+            </p:cNvPicPr>
+            <p:nvPr/>
+          </p:nvPicPr>
+          <p:blipFill>
+            <a:blip r:embed="rId8" cstate="print"/>
+            <a:stretch>
+              <a:fillRect/>
+            </a:stretch>
+          </p:blipFill>
+          <p:spPr>
+            <a:xfrm rot="2700000">
+              <a:off x="14236022" y="2461029"/>
+              <a:ext cx="4258895" cy="4258895"/>
+            </a:xfrm>
+            <a:prstGeom prst="rect">
+              <a:avLst/>
+            </a:prstGeom>
+          </p:spPr>
+        </p:pic>
+      </p:grpSp>
+      <p:sp>
+        <p:nvSpPr>
+          <p:cNvPr id="2" name="TextBox 1">
+            <a:extLst>
+              <a:ext uri="{FF2B5EF4-FFF2-40B4-BE49-F238E27FC236}">
+                <a16:creationId xmlns="" xmlns:a16="http://schemas.microsoft.com/office/drawing/2014/main" id="{715D88A2-BD52-978B-A00A-540446126E3D}"/>
+              </a:ext>
+            </a:extLst>
+          </p:cNvPr>
+          <p:cNvSpPr txBox="1"/>
+          <p:nvPr/>
+        </p:nvSpPr>
+        <p:spPr>
+          <a:xfrm>
+            <a:off x="15011400" y="8648279"/>
+            <a:ext cx="2743200" cy="584775"/>
+          </a:xfrm>
+          <a:prstGeom prst="rect">
+            <a:avLst/>
+          </a:prstGeom>
+          <a:noFill/>
+        </p:spPr>
+        <p:txBody>
+          <a:bodyPr wrap="square">
+            <a:spAutoFit/>
+          </a:bodyPr>
+          <a:lstStyle/>
+          <a:p>
+            <a:r>
+              <a:rPr lang="ko-KR" altLang="en-US" sz="3200">
+                <a:solidFill>
+                  <a:schemeClr val="bg1"/>
+                </a:solidFill>
+                <a:latin typeface="G마켓 산스 Light" panose="02000000000000000000" pitchFamily="50" charset="-127"/>
+                <a:ea typeface="G마켓 산스 Light" panose="02000000000000000000" pitchFamily="50" charset="-127"/>
+              </a:rPr>
+              <a:t>강사 박주병</a:t>
+            </a:r>
+            <a:endParaRPr lang="en-US" altLang="ko-KR" sz="2000">
+              <a:solidFill>
+                <a:schemeClr val="bg1"/>
+              </a:solidFill>
+              <a:latin typeface="G마켓 산스 Light" panose="02000000000000000000" pitchFamily="50" charset="-127"/>
+              <a:ea typeface="G마켓 산스 Light" panose="02000000000000000000" pitchFamily="50" charset="-127"/>
+            </a:endParaRPr>
+          </a:p>
+        </p:txBody>
+      </p:sp>
+    </p:spTree>
+  </p:cSld>
+  <p:clrMapOvr>
+    <a:masterClrMapping/>
+  </p:clrMapOvr>
+  <p:timing>
+    <p:tnLst>
+      <p:par>
+        <p:cTn id="1" dur="indefinite" restart="never" nodeType="tmRoot"/>
+      </p:par>
+    </p:tnLst>
+  </p:timing>
+</p:sld>
+</file>
+
 <file path=ppt/slides/slide7.xml><?xml version="1.0" encoding="utf-8"?>
 <p:sld xmlns:a="http://schemas.openxmlformats.org/drawingml/2006/main" xmlns:r="http://schemas.openxmlformats.org/officeDocument/2006/relationships" xmlns:p="http://schemas.openxmlformats.org/presentationml/2006/main">
   <p:cSld>
@@ -33871,7 +34413,7 @@
           <p:cNvPr id="4" name="TextBox 3">
             <a:extLst>
               <a:ext uri="{FF2B5EF4-FFF2-40B4-BE49-F238E27FC236}">
-                <a16:creationId xmlns:a16="http://schemas.microsoft.com/office/drawing/2014/main" xmlns="" id="{5ADC00B6-990A-40DC-3CEA-505258F5E8DA}"/>
+                <a16:creationId xmlns="" xmlns:a16="http://schemas.microsoft.com/office/drawing/2014/main" id="{5ADC00B6-990A-40DC-3CEA-505258F5E8DA}"/>
               </a:ext>
             </a:extLst>
           </p:cNvPr>
@@ -33982,7 +34524,7 @@
           <p:cNvPr id="4" name="TextBox 3">
             <a:extLst>
               <a:ext uri="{FF2B5EF4-FFF2-40B4-BE49-F238E27FC236}">
-                <a16:creationId xmlns:a16="http://schemas.microsoft.com/office/drawing/2014/main" xmlns="" id="{D15853EE-94B0-D08B-DCB7-3381290CC3FF}"/>
+                <a16:creationId xmlns="" xmlns:a16="http://schemas.microsoft.com/office/drawing/2014/main" id="{D15853EE-94B0-D08B-DCB7-3381290CC3FF}"/>
               </a:ext>
             </a:extLst>
           </p:cNvPr>
@@ -34040,7 +34582,7 @@
           <p:cNvPr id="5" name="직선 연결선 4">
             <a:extLst>
               <a:ext uri="{FF2B5EF4-FFF2-40B4-BE49-F238E27FC236}">
-                <a16:creationId xmlns:a16="http://schemas.microsoft.com/office/drawing/2014/main" xmlns="" id="{1172879B-889D-0C2F-EEA8-003E6793F36F}"/>
+                <a16:creationId xmlns="" xmlns:a16="http://schemas.microsoft.com/office/drawing/2014/main" id="{1172879B-889D-0C2F-EEA8-003E6793F36F}"/>
               </a:ext>
             </a:extLst>
           </p:cNvPr>
@@ -34083,7 +34625,7 @@
           <p:cNvPr id="6" name="직선 연결선 5">
             <a:extLst>
               <a:ext uri="{FF2B5EF4-FFF2-40B4-BE49-F238E27FC236}">
-                <a16:creationId xmlns:a16="http://schemas.microsoft.com/office/drawing/2014/main" xmlns="" id="{1172879B-889D-0C2F-EEA8-003E6793F36F}"/>
+                <a16:creationId xmlns="" xmlns:a16="http://schemas.microsoft.com/office/drawing/2014/main" id="{1172879B-889D-0C2F-EEA8-003E6793F36F}"/>
               </a:ext>
             </a:extLst>
           </p:cNvPr>
@@ -34150,7 +34692,7 @@
           <p:cNvPr id="9" name="TextBox 8">
             <a:extLst>
               <a:ext uri="{FF2B5EF4-FFF2-40B4-BE49-F238E27FC236}">
-                <a16:creationId xmlns:a16="http://schemas.microsoft.com/office/drawing/2014/main" xmlns="" id="{A2AD056B-97A4-5BCC-4460-250160F3E171}"/>
+                <a16:creationId xmlns="" xmlns:a16="http://schemas.microsoft.com/office/drawing/2014/main" id="{A2AD056B-97A4-5BCC-4460-250160F3E171}"/>
               </a:ext>
             </a:extLst>
           </p:cNvPr>
@@ -34217,7 +34759,7 @@
           <p:cNvPr id="10" name="그룹 1008">
             <a:extLst>
               <a:ext uri="{FF2B5EF4-FFF2-40B4-BE49-F238E27FC236}">
-                <a16:creationId xmlns:a16="http://schemas.microsoft.com/office/drawing/2014/main" xmlns="" id="{678F6342-C505-E8AD-ADA4-022CB2C2088E}"/>
+                <a16:creationId xmlns="" xmlns:a16="http://schemas.microsoft.com/office/drawing/2014/main" id="{678F6342-C505-E8AD-ADA4-022CB2C2088E}"/>
               </a:ext>
             </a:extLst>
           </p:cNvPr>
@@ -34237,7 +34779,7 @@
             <p:cNvPr id="11" name="그룹 1009">
               <a:extLst>
                 <a:ext uri="{FF2B5EF4-FFF2-40B4-BE49-F238E27FC236}">
-                  <a16:creationId xmlns:a16="http://schemas.microsoft.com/office/drawing/2014/main" xmlns="" id="{4E1F1FED-812B-9BBB-925A-84B54A077414}"/>
+                  <a16:creationId xmlns="" xmlns:a16="http://schemas.microsoft.com/office/drawing/2014/main" id="{4E1F1FED-812B-9BBB-925A-84B54A077414}"/>
                 </a:ext>
               </a:extLst>
             </p:cNvPr>
@@ -34257,7 +34799,7 @@
               <p:cNvPr id="16" name="Object 29">
                 <a:extLst>
                   <a:ext uri="{FF2B5EF4-FFF2-40B4-BE49-F238E27FC236}">
-                    <a16:creationId xmlns:a16="http://schemas.microsoft.com/office/drawing/2014/main" xmlns="" id="{7B078609-4286-7B00-51EB-809C8E2DE289}"/>
+                    <a16:creationId xmlns="" xmlns:a16="http://schemas.microsoft.com/office/drawing/2014/main" id="{7B078609-4286-7B00-51EB-809C8E2DE289}"/>
                   </a:ext>
                 </a:extLst>
               </p:cNvPr>
@@ -34288,7 +34830,7 @@
             <p:cNvPr id="12" name="그룹 1010">
               <a:extLst>
                 <a:ext uri="{FF2B5EF4-FFF2-40B4-BE49-F238E27FC236}">
-                  <a16:creationId xmlns:a16="http://schemas.microsoft.com/office/drawing/2014/main" xmlns="" id="{02A649BF-B5B5-FBAF-7DFD-E118A4DF8907}"/>
+                  <a16:creationId xmlns="" xmlns:a16="http://schemas.microsoft.com/office/drawing/2014/main" id="{02A649BF-B5B5-FBAF-7DFD-E118A4DF8907}"/>
                 </a:ext>
               </a:extLst>
             </p:cNvPr>
@@ -34308,7 +34850,7 @@
               <p:cNvPr id="15" name="Object 32">
                 <a:extLst>
                   <a:ext uri="{FF2B5EF4-FFF2-40B4-BE49-F238E27FC236}">
-                    <a16:creationId xmlns:a16="http://schemas.microsoft.com/office/drawing/2014/main" xmlns="" id="{2A0FFF23-B3C9-3EA0-1C1B-A87D4FF098AE}"/>
+                    <a16:creationId xmlns="" xmlns:a16="http://schemas.microsoft.com/office/drawing/2014/main" id="{2A0FFF23-B3C9-3EA0-1C1B-A87D4FF098AE}"/>
                   </a:ext>
                 </a:extLst>
               </p:cNvPr>
@@ -34339,7 +34881,7 @@
             <p:cNvPr id="13" name="그룹 1011">
               <a:extLst>
                 <a:ext uri="{FF2B5EF4-FFF2-40B4-BE49-F238E27FC236}">
-                  <a16:creationId xmlns:a16="http://schemas.microsoft.com/office/drawing/2014/main" xmlns="" id="{881F5410-F7FB-F261-A584-707359BAC593}"/>
+                  <a16:creationId xmlns="" xmlns:a16="http://schemas.microsoft.com/office/drawing/2014/main" id="{881F5410-F7FB-F261-A584-707359BAC593}"/>
                 </a:ext>
               </a:extLst>
             </p:cNvPr>
@@ -34359,7 +34901,7 @@
               <p:cNvPr id="14" name="Object 35">
                 <a:extLst>
                   <a:ext uri="{FF2B5EF4-FFF2-40B4-BE49-F238E27FC236}">
-                    <a16:creationId xmlns:a16="http://schemas.microsoft.com/office/drawing/2014/main" xmlns="" id="{4E99E669-73EB-F9F4-EFE8-DC107035C265}"/>
+                    <a16:creationId xmlns="" xmlns:a16="http://schemas.microsoft.com/office/drawing/2014/main" id="{4E99E669-73EB-F9F4-EFE8-DC107035C265}"/>
                   </a:ext>
                 </a:extLst>
               </p:cNvPr>
@@ -34415,7 +34957,7 @@
           <p:cNvPr id="18" name="TextBox 17">
             <a:extLst>
               <a:ext uri="{FF2B5EF4-FFF2-40B4-BE49-F238E27FC236}">
-                <a16:creationId xmlns:a16="http://schemas.microsoft.com/office/drawing/2014/main" xmlns="" id="{A2AD056B-97A4-5BCC-4460-250160F3E171}"/>
+                <a16:creationId xmlns="" xmlns:a16="http://schemas.microsoft.com/office/drawing/2014/main" id="{A2AD056B-97A4-5BCC-4460-250160F3E171}"/>
               </a:ext>
             </a:extLst>
           </p:cNvPr>
@@ -34463,7 +35005,7 @@
           <p:cNvPr id="19" name="직선 연결선 18">
             <a:extLst>
               <a:ext uri="{FF2B5EF4-FFF2-40B4-BE49-F238E27FC236}">
-                <a16:creationId xmlns:a16="http://schemas.microsoft.com/office/drawing/2014/main" xmlns="" id="{1172879B-889D-0C2F-EEA8-003E6793F36F}"/>
+                <a16:creationId xmlns="" xmlns:a16="http://schemas.microsoft.com/office/drawing/2014/main" id="{1172879B-889D-0C2F-EEA8-003E6793F36F}"/>
               </a:ext>
             </a:extLst>
           </p:cNvPr>
@@ -34506,7 +35048,7 @@
           <p:cNvPr id="20" name="직선 연결선 19">
             <a:extLst>
               <a:ext uri="{FF2B5EF4-FFF2-40B4-BE49-F238E27FC236}">
-                <a16:creationId xmlns:a16="http://schemas.microsoft.com/office/drawing/2014/main" xmlns="" id="{1172879B-889D-0C2F-EEA8-003E6793F36F}"/>
+                <a16:creationId xmlns="" xmlns:a16="http://schemas.microsoft.com/office/drawing/2014/main" id="{1172879B-889D-0C2F-EEA8-003E6793F36F}"/>
               </a:ext>
             </a:extLst>
           </p:cNvPr>
@@ -34549,7 +35091,7 @@
           <p:cNvPr id="21" name="TextBox 20">
             <a:extLst>
               <a:ext uri="{FF2B5EF4-FFF2-40B4-BE49-F238E27FC236}">
-                <a16:creationId xmlns:a16="http://schemas.microsoft.com/office/drawing/2014/main" xmlns="" id="{A2AD056B-97A4-5BCC-4460-250160F3E171}"/>
+                <a16:creationId xmlns="" xmlns:a16="http://schemas.microsoft.com/office/drawing/2014/main" id="{A2AD056B-97A4-5BCC-4460-250160F3E171}"/>
               </a:ext>
             </a:extLst>
           </p:cNvPr>
@@ -34616,7 +35158,7 @@
           <p:cNvPr id="22" name="그룹 1008">
             <a:extLst>
               <a:ext uri="{FF2B5EF4-FFF2-40B4-BE49-F238E27FC236}">
-                <a16:creationId xmlns:a16="http://schemas.microsoft.com/office/drawing/2014/main" xmlns="" id="{54FFE8A6-6CB8-DCBA-07F7-749FA78BF4A4}"/>
+                <a16:creationId xmlns="" xmlns:a16="http://schemas.microsoft.com/office/drawing/2014/main" id="{54FFE8A6-6CB8-DCBA-07F7-749FA78BF4A4}"/>
               </a:ext>
             </a:extLst>
           </p:cNvPr>
@@ -34636,7 +35178,7 @@
             <p:cNvPr id="23" name="그룹 1009">
               <a:extLst>
                 <a:ext uri="{FF2B5EF4-FFF2-40B4-BE49-F238E27FC236}">
-                  <a16:creationId xmlns:a16="http://schemas.microsoft.com/office/drawing/2014/main" xmlns="" id="{AFC4D322-4969-89C3-C972-D8E8E418CA73}"/>
+                  <a16:creationId xmlns="" xmlns:a16="http://schemas.microsoft.com/office/drawing/2014/main" id="{AFC4D322-4969-89C3-C972-D8E8E418CA73}"/>
                 </a:ext>
               </a:extLst>
             </p:cNvPr>
@@ -34656,7 +35198,7 @@
               <p:cNvPr id="28" name="Object 29">
                 <a:extLst>
                   <a:ext uri="{FF2B5EF4-FFF2-40B4-BE49-F238E27FC236}">
-                    <a16:creationId xmlns:a16="http://schemas.microsoft.com/office/drawing/2014/main" xmlns="" id="{696B190E-C178-4E07-7621-24C3B48A9BCF}"/>
+                    <a16:creationId xmlns="" xmlns:a16="http://schemas.microsoft.com/office/drawing/2014/main" id="{696B190E-C178-4E07-7621-24C3B48A9BCF}"/>
                   </a:ext>
                 </a:extLst>
               </p:cNvPr>
@@ -34687,7 +35229,7 @@
             <p:cNvPr id="24" name="그룹 1010">
               <a:extLst>
                 <a:ext uri="{FF2B5EF4-FFF2-40B4-BE49-F238E27FC236}">
-                  <a16:creationId xmlns:a16="http://schemas.microsoft.com/office/drawing/2014/main" xmlns="" id="{88F3509F-17A2-2BE7-261F-3BA022FF91BA}"/>
+                  <a16:creationId xmlns="" xmlns:a16="http://schemas.microsoft.com/office/drawing/2014/main" id="{88F3509F-17A2-2BE7-261F-3BA022FF91BA}"/>
                 </a:ext>
               </a:extLst>
             </p:cNvPr>
@@ -34707,7 +35249,7 @@
               <p:cNvPr id="27" name="Object 32">
                 <a:extLst>
                   <a:ext uri="{FF2B5EF4-FFF2-40B4-BE49-F238E27FC236}">
-                    <a16:creationId xmlns:a16="http://schemas.microsoft.com/office/drawing/2014/main" xmlns="" id="{6183A7B0-D571-9788-43CE-90A93A934096}"/>
+                    <a16:creationId xmlns="" xmlns:a16="http://schemas.microsoft.com/office/drawing/2014/main" id="{6183A7B0-D571-9788-43CE-90A93A934096}"/>
                   </a:ext>
                 </a:extLst>
               </p:cNvPr>
@@ -34738,7 +35280,7 @@
             <p:cNvPr id="25" name="그룹 1011">
               <a:extLst>
                 <a:ext uri="{FF2B5EF4-FFF2-40B4-BE49-F238E27FC236}">
-                  <a16:creationId xmlns:a16="http://schemas.microsoft.com/office/drawing/2014/main" xmlns="" id="{3DB0BB1F-6A07-787C-7717-F712317AF8C3}"/>
+                  <a16:creationId xmlns="" xmlns:a16="http://schemas.microsoft.com/office/drawing/2014/main" id="{3DB0BB1F-6A07-787C-7717-F712317AF8C3}"/>
                 </a:ext>
               </a:extLst>
             </p:cNvPr>
@@ -34758,7 +35300,7 @@
               <p:cNvPr id="26" name="Object 35">
                 <a:extLst>
                   <a:ext uri="{FF2B5EF4-FFF2-40B4-BE49-F238E27FC236}">
-                    <a16:creationId xmlns:a16="http://schemas.microsoft.com/office/drawing/2014/main" xmlns="" id="{A003AF1A-29EE-2DC2-0E03-479F705DFFB6}"/>
+                    <a16:creationId xmlns="" xmlns:a16="http://schemas.microsoft.com/office/drawing/2014/main" id="{A003AF1A-29EE-2DC2-0E03-479F705DFFB6}"/>
                   </a:ext>
                 </a:extLst>
               </p:cNvPr>
@@ -34790,7 +35332,7 @@
           <p:cNvPr id="29" name="TextBox 28">
             <a:extLst>
               <a:ext uri="{FF2B5EF4-FFF2-40B4-BE49-F238E27FC236}">
-                <a16:creationId xmlns:a16="http://schemas.microsoft.com/office/drawing/2014/main" xmlns="" id="{A2AD056B-97A4-5BCC-4460-250160F3E171}"/>
+                <a16:creationId xmlns="" xmlns:a16="http://schemas.microsoft.com/office/drawing/2014/main" id="{A2AD056B-97A4-5BCC-4460-250160F3E171}"/>
               </a:ext>
             </a:extLst>
           </p:cNvPr>
@@ -35246,7 +35788,7 @@
           <p:cNvPr id="4" name="TextBox 3">
             <a:extLst>
               <a:ext uri="{FF2B5EF4-FFF2-40B4-BE49-F238E27FC236}">
-                <a16:creationId xmlns:a16="http://schemas.microsoft.com/office/drawing/2014/main" xmlns="" id="{5ADC00B6-990A-40DC-3CEA-505258F5E8DA}"/>
+                <a16:creationId xmlns="" xmlns:a16="http://schemas.microsoft.com/office/drawing/2014/main" id="{5ADC00B6-990A-40DC-3CEA-505258F5E8DA}"/>
               </a:ext>
             </a:extLst>
           </p:cNvPr>
@@ -35314,7 +35856,7 @@
           <p:cNvPr id="7" name="그룹 1018">
             <a:extLst>
               <a:ext uri="{FF2B5EF4-FFF2-40B4-BE49-F238E27FC236}">
-                <a16:creationId xmlns:a16="http://schemas.microsoft.com/office/drawing/2014/main" xmlns="" id="{F53BC57C-78A5-6AFC-CB34-7E3FD29B339F}"/>
+                <a16:creationId xmlns="" xmlns:a16="http://schemas.microsoft.com/office/drawing/2014/main" id="{F53BC57C-78A5-6AFC-CB34-7E3FD29B339F}"/>
               </a:ext>
             </a:extLst>
           </p:cNvPr>
@@ -35334,7 +35876,7 @@
             <p:cNvPr id="8" name="Object 61">
               <a:extLst>
                 <a:ext uri="{FF2B5EF4-FFF2-40B4-BE49-F238E27FC236}">
-                  <a16:creationId xmlns:a16="http://schemas.microsoft.com/office/drawing/2014/main" xmlns="" id="{E6F73685-14E5-06A9-813C-1C372BD6F4DE}"/>
+                  <a16:creationId xmlns="" xmlns:a16="http://schemas.microsoft.com/office/drawing/2014/main" id="{E6F73685-14E5-06A9-813C-1C372BD6F4DE}"/>
                 </a:ext>
               </a:extLst>
             </p:cNvPr>
@@ -35365,7 +35907,7 @@
           <p:cNvPr id="15" name="TextBox 14">
             <a:extLst>
               <a:ext uri="{FF2B5EF4-FFF2-40B4-BE49-F238E27FC236}">
-                <a16:creationId xmlns:a16="http://schemas.microsoft.com/office/drawing/2014/main" xmlns="" id="{A06D4055-10A8-4A24-5EDC-0761473BA40F}"/>
+                <a16:creationId xmlns="" xmlns:a16="http://schemas.microsoft.com/office/drawing/2014/main" id="{A06D4055-10A8-4A24-5EDC-0761473BA40F}"/>
               </a:ext>
             </a:extLst>
           </p:cNvPr>
@@ -35419,7 +35961,7 @@
           <p:cNvPr id="23" name="그룹 1008">
             <a:extLst>
               <a:ext uri="{FF2B5EF4-FFF2-40B4-BE49-F238E27FC236}">
-                <a16:creationId xmlns:a16="http://schemas.microsoft.com/office/drawing/2014/main" xmlns="" id="{E395BDE3-2EDE-065D-70E8-56E348228ACF}"/>
+                <a16:creationId xmlns="" xmlns:a16="http://schemas.microsoft.com/office/drawing/2014/main" id="{E395BDE3-2EDE-065D-70E8-56E348228ACF}"/>
               </a:ext>
             </a:extLst>
           </p:cNvPr>
@@ -35439,7 +35981,7 @@
             <p:cNvPr id="24" name="그룹 1009">
               <a:extLst>
                 <a:ext uri="{FF2B5EF4-FFF2-40B4-BE49-F238E27FC236}">
-                  <a16:creationId xmlns:a16="http://schemas.microsoft.com/office/drawing/2014/main" xmlns="" id="{852F4DEB-DB33-DB3F-9E9F-52A46CD0B10A}"/>
+                  <a16:creationId xmlns="" xmlns:a16="http://schemas.microsoft.com/office/drawing/2014/main" id="{852F4DEB-DB33-DB3F-9E9F-52A46CD0B10A}"/>
                 </a:ext>
               </a:extLst>
             </p:cNvPr>
@@ -35459,7 +36001,7 @@
               <p:cNvPr id="29" name="Object 29">
                 <a:extLst>
                   <a:ext uri="{FF2B5EF4-FFF2-40B4-BE49-F238E27FC236}">
-                    <a16:creationId xmlns:a16="http://schemas.microsoft.com/office/drawing/2014/main" xmlns="" id="{7E353D3B-14D4-8A64-5888-3F0C062C2CDD}"/>
+                    <a16:creationId xmlns="" xmlns:a16="http://schemas.microsoft.com/office/drawing/2014/main" id="{7E353D3B-14D4-8A64-5888-3F0C062C2CDD}"/>
                   </a:ext>
                 </a:extLst>
               </p:cNvPr>
@@ -35490,7 +36032,7 @@
             <p:cNvPr id="25" name="그룹 1010">
               <a:extLst>
                 <a:ext uri="{FF2B5EF4-FFF2-40B4-BE49-F238E27FC236}">
-                  <a16:creationId xmlns:a16="http://schemas.microsoft.com/office/drawing/2014/main" xmlns="" id="{001E38AB-1390-ABD0-BE01-9727136FEAEE}"/>
+                  <a16:creationId xmlns="" xmlns:a16="http://schemas.microsoft.com/office/drawing/2014/main" id="{001E38AB-1390-ABD0-BE01-9727136FEAEE}"/>
                 </a:ext>
               </a:extLst>
             </p:cNvPr>
@@ -35510,7 +36052,7 @@
               <p:cNvPr id="28" name="Object 32">
                 <a:extLst>
                   <a:ext uri="{FF2B5EF4-FFF2-40B4-BE49-F238E27FC236}">
-                    <a16:creationId xmlns:a16="http://schemas.microsoft.com/office/drawing/2014/main" xmlns="" id="{2ED1C30F-0D0B-F86C-8215-2598D332B5A3}"/>
+                    <a16:creationId xmlns="" xmlns:a16="http://schemas.microsoft.com/office/drawing/2014/main" id="{2ED1C30F-0D0B-F86C-8215-2598D332B5A3}"/>
                   </a:ext>
                 </a:extLst>
               </p:cNvPr>
@@ -35541,7 +36083,7 @@
             <p:cNvPr id="26" name="그룹 1011">
               <a:extLst>
                 <a:ext uri="{FF2B5EF4-FFF2-40B4-BE49-F238E27FC236}">
-                  <a16:creationId xmlns:a16="http://schemas.microsoft.com/office/drawing/2014/main" xmlns="" id="{1BCB8DE5-ABAF-4198-BC16-85BB76F2DB24}"/>
+                  <a16:creationId xmlns="" xmlns:a16="http://schemas.microsoft.com/office/drawing/2014/main" id="{1BCB8DE5-ABAF-4198-BC16-85BB76F2DB24}"/>
                 </a:ext>
               </a:extLst>
             </p:cNvPr>
@@ -35561,7 +36103,7 @@
               <p:cNvPr id="27" name="Object 35">
                 <a:extLst>
                   <a:ext uri="{FF2B5EF4-FFF2-40B4-BE49-F238E27FC236}">
-                    <a16:creationId xmlns:a16="http://schemas.microsoft.com/office/drawing/2014/main" xmlns="" id="{86E7BA23-0A1E-B581-CADC-06AB269DB2BD}"/>
+                    <a16:creationId xmlns="" xmlns:a16="http://schemas.microsoft.com/office/drawing/2014/main" id="{86E7BA23-0A1E-B581-CADC-06AB269DB2BD}"/>
                   </a:ext>
                 </a:extLst>
               </p:cNvPr>
@@ -35593,7 +36135,7 @@
           <p:cNvPr id="32" name="그룹 1018">
             <a:extLst>
               <a:ext uri="{FF2B5EF4-FFF2-40B4-BE49-F238E27FC236}">
-                <a16:creationId xmlns:a16="http://schemas.microsoft.com/office/drawing/2014/main" xmlns="" id="{F53BC57C-78A5-6AFC-CB34-7E3FD29B339F}"/>
+                <a16:creationId xmlns="" xmlns:a16="http://schemas.microsoft.com/office/drawing/2014/main" id="{F53BC57C-78A5-6AFC-CB34-7E3FD29B339F}"/>
               </a:ext>
             </a:extLst>
           </p:cNvPr>
@@ -35613,7 +36155,7 @@
             <p:cNvPr id="33" name="Object 61">
               <a:extLst>
                 <a:ext uri="{FF2B5EF4-FFF2-40B4-BE49-F238E27FC236}">
-                  <a16:creationId xmlns:a16="http://schemas.microsoft.com/office/drawing/2014/main" xmlns="" id="{E6F73685-14E5-06A9-813C-1C372BD6F4DE}"/>
+                  <a16:creationId xmlns="" xmlns:a16="http://schemas.microsoft.com/office/drawing/2014/main" id="{E6F73685-14E5-06A9-813C-1C372BD6F4DE}"/>
                 </a:ext>
               </a:extLst>
             </p:cNvPr>
@@ -35644,7 +36186,7 @@
           <p:cNvPr id="38" name="TextBox 37">
             <a:extLst>
               <a:ext uri="{FF2B5EF4-FFF2-40B4-BE49-F238E27FC236}">
-                <a16:creationId xmlns:a16="http://schemas.microsoft.com/office/drawing/2014/main" xmlns="" id="{A06D4055-10A8-4A24-5EDC-0761473BA40F}"/>
+                <a16:creationId xmlns="" xmlns:a16="http://schemas.microsoft.com/office/drawing/2014/main" id="{A06D4055-10A8-4A24-5EDC-0761473BA40F}"/>
               </a:ext>
             </a:extLst>
           </p:cNvPr>
@@ -35698,7 +36240,7 @@
           <p:cNvPr id="42" name="그룹 1008">
             <a:extLst>
               <a:ext uri="{FF2B5EF4-FFF2-40B4-BE49-F238E27FC236}">
-                <a16:creationId xmlns:a16="http://schemas.microsoft.com/office/drawing/2014/main" xmlns="" id="{E395BDE3-2EDE-065D-70E8-56E348228ACF}"/>
+                <a16:creationId xmlns="" xmlns:a16="http://schemas.microsoft.com/office/drawing/2014/main" id="{E395BDE3-2EDE-065D-70E8-56E348228ACF}"/>
               </a:ext>
             </a:extLst>
           </p:cNvPr>
@@ -35718,7 +36260,7 @@
             <p:cNvPr id="43" name="그룹 1009">
               <a:extLst>
                 <a:ext uri="{FF2B5EF4-FFF2-40B4-BE49-F238E27FC236}">
-                  <a16:creationId xmlns:a16="http://schemas.microsoft.com/office/drawing/2014/main" xmlns="" id="{852F4DEB-DB33-DB3F-9E9F-52A46CD0B10A}"/>
+                  <a16:creationId xmlns="" xmlns:a16="http://schemas.microsoft.com/office/drawing/2014/main" id="{852F4DEB-DB33-DB3F-9E9F-52A46CD0B10A}"/>
                 </a:ext>
               </a:extLst>
             </p:cNvPr>
@@ -35738,7 +36280,7 @@
               <p:cNvPr id="48" name="Object 29">
                 <a:extLst>
                   <a:ext uri="{FF2B5EF4-FFF2-40B4-BE49-F238E27FC236}">
-                    <a16:creationId xmlns:a16="http://schemas.microsoft.com/office/drawing/2014/main" xmlns="" id="{7E353D3B-14D4-8A64-5888-3F0C062C2CDD}"/>
+                    <a16:creationId xmlns="" xmlns:a16="http://schemas.microsoft.com/office/drawing/2014/main" id="{7E353D3B-14D4-8A64-5888-3F0C062C2CDD}"/>
                   </a:ext>
                 </a:extLst>
               </p:cNvPr>
@@ -35769,7 +36311,7 @@
             <p:cNvPr id="44" name="그룹 1010">
               <a:extLst>
                 <a:ext uri="{FF2B5EF4-FFF2-40B4-BE49-F238E27FC236}">
-                  <a16:creationId xmlns:a16="http://schemas.microsoft.com/office/drawing/2014/main" xmlns="" id="{001E38AB-1390-ABD0-BE01-9727136FEAEE}"/>
+                  <a16:creationId xmlns="" xmlns:a16="http://schemas.microsoft.com/office/drawing/2014/main" id="{001E38AB-1390-ABD0-BE01-9727136FEAEE}"/>
                 </a:ext>
               </a:extLst>
             </p:cNvPr>
@@ -35789,7 +36331,7 @@
               <p:cNvPr id="47" name="Object 32">
                 <a:extLst>
                   <a:ext uri="{FF2B5EF4-FFF2-40B4-BE49-F238E27FC236}">
-                    <a16:creationId xmlns:a16="http://schemas.microsoft.com/office/drawing/2014/main" xmlns="" id="{2ED1C30F-0D0B-F86C-8215-2598D332B5A3}"/>
+                    <a16:creationId xmlns="" xmlns:a16="http://schemas.microsoft.com/office/drawing/2014/main" id="{2ED1C30F-0D0B-F86C-8215-2598D332B5A3}"/>
                   </a:ext>
                 </a:extLst>
               </p:cNvPr>
@@ -35820,7 +36362,7 @@
             <p:cNvPr id="45" name="그룹 1011">
               <a:extLst>
                 <a:ext uri="{FF2B5EF4-FFF2-40B4-BE49-F238E27FC236}">
-                  <a16:creationId xmlns:a16="http://schemas.microsoft.com/office/drawing/2014/main" xmlns="" id="{1BCB8DE5-ABAF-4198-BC16-85BB76F2DB24}"/>
+                  <a16:creationId xmlns="" xmlns:a16="http://schemas.microsoft.com/office/drawing/2014/main" id="{1BCB8DE5-ABAF-4198-BC16-85BB76F2DB24}"/>
                 </a:ext>
               </a:extLst>
             </p:cNvPr>
@@ -35840,7 +36382,7 @@
               <p:cNvPr id="46" name="Object 35">
                 <a:extLst>
                   <a:ext uri="{FF2B5EF4-FFF2-40B4-BE49-F238E27FC236}">
-                    <a16:creationId xmlns:a16="http://schemas.microsoft.com/office/drawing/2014/main" xmlns="" id="{86E7BA23-0A1E-B581-CADC-06AB269DB2BD}"/>
+                    <a16:creationId xmlns="" xmlns:a16="http://schemas.microsoft.com/office/drawing/2014/main" id="{86E7BA23-0A1E-B581-CADC-06AB269DB2BD}"/>
                   </a:ext>
                 </a:extLst>
               </p:cNvPr>
@@ -35872,7 +36414,7 @@
           <p:cNvPr id="49" name="TextBox 48">
             <a:extLst>
               <a:ext uri="{FF2B5EF4-FFF2-40B4-BE49-F238E27FC236}">
-                <a16:creationId xmlns:a16="http://schemas.microsoft.com/office/drawing/2014/main" xmlns="" id="{A2AD056B-97A4-5BCC-4460-250160F3E171}"/>
+                <a16:creationId xmlns="" xmlns:a16="http://schemas.microsoft.com/office/drawing/2014/main" id="{A2AD056B-97A4-5BCC-4460-250160F3E171}"/>
               </a:ext>
             </a:extLst>
           </p:cNvPr>
@@ -35993,7 +36535,7 @@
           <p:cNvPr id="3" name="표 2">
             <a:extLst>
               <a:ext uri="{FF2B5EF4-FFF2-40B4-BE49-F238E27FC236}">
-                <a16:creationId xmlns:a16="http://schemas.microsoft.com/office/drawing/2014/main" xmlns="" id="{6205573F-969B-52F5-5333-9EE483187CEC}"/>
+                <a16:creationId xmlns="" xmlns:a16="http://schemas.microsoft.com/office/drawing/2014/main" id="{6205573F-969B-52F5-5333-9EE483187CEC}"/>
               </a:ext>
             </a:extLst>
           </p:cNvPr>
@@ -36022,21 +36564,21 @@
                 <a:gridCol w="2802475">
                   <a:extLst>
                     <a:ext uri="{9D8B030D-6E8A-4147-A177-3AD203B41FA5}">
-                      <a16:colId xmlns:a16="http://schemas.microsoft.com/office/drawing/2014/main" xmlns="" val="1960770391"/>
+                      <a16:colId xmlns="" xmlns:a16="http://schemas.microsoft.com/office/drawing/2014/main" val="1960770391"/>
                     </a:ext>
                   </a:extLst>
                 </a:gridCol>
                 <a:gridCol w="2836664">
                   <a:extLst>
                     <a:ext uri="{9D8B030D-6E8A-4147-A177-3AD203B41FA5}">
-                      <a16:colId xmlns:a16="http://schemas.microsoft.com/office/drawing/2014/main" xmlns="" val="733308553"/>
+                      <a16:colId xmlns="" xmlns:a16="http://schemas.microsoft.com/office/drawing/2014/main" val="733308553"/>
                     </a:ext>
                   </a:extLst>
                 </a:gridCol>
                 <a:gridCol w="4419261">
                   <a:extLst>
                     <a:ext uri="{9D8B030D-6E8A-4147-A177-3AD203B41FA5}">
-                      <a16:colId xmlns:a16="http://schemas.microsoft.com/office/drawing/2014/main" xmlns="" val="1661322813"/>
+                      <a16:colId xmlns="" xmlns:a16="http://schemas.microsoft.com/office/drawing/2014/main" val="1661322813"/>
                     </a:ext>
                   </a:extLst>
                 </a:gridCol>
@@ -36233,7 +36775,7 @@
                 </a:tc>
                 <a:extLst>
                   <a:ext uri="{0D108BD9-81ED-4DB2-BD59-A6C34878D82A}">
-                    <a16:rowId xmlns:a16="http://schemas.microsoft.com/office/drawing/2014/main" xmlns="" val="2452905565"/>
+                    <a16:rowId xmlns="" xmlns:a16="http://schemas.microsoft.com/office/drawing/2014/main" val="2452905565"/>
                   </a:ext>
                 </a:extLst>
               </a:tr>
@@ -36458,7 +37000,7 @@
                 </a:tc>
                 <a:extLst>
                   <a:ext uri="{0D108BD9-81ED-4DB2-BD59-A6C34878D82A}">
-                    <a16:rowId xmlns:a16="http://schemas.microsoft.com/office/drawing/2014/main" xmlns="" val="3551452526"/>
+                    <a16:rowId xmlns="" xmlns:a16="http://schemas.microsoft.com/office/drawing/2014/main" val="3551452526"/>
                   </a:ext>
                 </a:extLst>
               </a:tr>
@@ -36651,7 +37193,7 @@
                 </a:tc>
                 <a:extLst>
                   <a:ext uri="{0D108BD9-81ED-4DB2-BD59-A6C34878D82A}">
-                    <a16:rowId xmlns:a16="http://schemas.microsoft.com/office/drawing/2014/main" xmlns="" val="3645064171"/>
+                    <a16:rowId xmlns="" xmlns:a16="http://schemas.microsoft.com/office/drawing/2014/main" val="3645064171"/>
                   </a:ext>
                 </a:extLst>
               </a:tr>
@@ -36844,7 +37386,7 @@
                 </a:tc>
                 <a:extLst>
                   <a:ext uri="{0D108BD9-81ED-4DB2-BD59-A6C34878D82A}">
-                    <a16:rowId xmlns:a16="http://schemas.microsoft.com/office/drawing/2014/main" xmlns="" val="2802120283"/>
+                    <a16:rowId xmlns="" xmlns:a16="http://schemas.microsoft.com/office/drawing/2014/main" val="2802120283"/>
                   </a:ext>
                 </a:extLst>
               </a:tr>
@@ -37037,7 +37579,7 @@
                 </a:tc>
                 <a:extLst>
                   <a:ext uri="{0D108BD9-81ED-4DB2-BD59-A6C34878D82A}">
-                    <a16:rowId xmlns:a16="http://schemas.microsoft.com/office/drawing/2014/main" xmlns="" val="1362299918"/>
+                    <a16:rowId xmlns="" xmlns:a16="http://schemas.microsoft.com/office/drawing/2014/main" val="1362299918"/>
                   </a:ext>
                 </a:extLst>
               </a:tr>

--- a/JavaLecture/LectureFile/java 15강 입출력.pptx
+++ b/JavaLecture/LectureFile/java 15강 입출력.pptx
@@ -267,7 +267,7 @@
           <a:p>
             <a:fld id="{D79F2C30-10E1-4C46-91DC-BBDB9629E720}" type="datetimeFigureOut">
               <a:rPr lang="ko-KR" altLang="en-US" smtClean="0"/>
-              <a:t>2023-05-13 Saturday</a:t>
+              <a:t>2023-09-16 Saturday</a:t>
             </a:fld>
             <a:endParaRPr lang="ko-KR" altLang="en-US"/>
           </a:p>
@@ -895,7 +895,7 @@
           <a:p>
             <a:fld id="{F8166F1F-CE9B-4651-A6AA-CD717754106B}" type="datetimeFigureOut">
               <a:rPr lang="en-US" smtClean="0"/>
-              <a:t>5/13/2023</a:t>
+              <a:t>9/16/2023</a:t>
             </a:fld>
             <a:endParaRPr lang="en-US"/>
           </a:p>
@@ -1098,7 +1098,7 @@
           <a:p>
             <a:fld id="{A76116CE-C4A3-4A05-B2D7-7C2E9A889C0F}" type="datetimeFigureOut">
               <a:rPr lang="en-US" smtClean="0"/>
-              <a:t>5/13/2023</a:t>
+              <a:t>9/16/2023</a:t>
             </a:fld>
             <a:endParaRPr lang="en-US"/>
           </a:p>
@@ -1301,7 +1301,7 @@
           <a:p>
             <a:fld id="{A76116CE-C4A3-4A05-B2D7-7C2E9A889C0F}" type="datetimeFigureOut">
               <a:rPr lang="en-US" smtClean="0"/>
-              <a:t>5/13/2023</a:t>
+              <a:t>9/16/2023</a:t>
             </a:fld>
             <a:endParaRPr lang="en-US"/>
           </a:p>
@@ -1506,7 +1506,7 @@
           <a:p>
             <a:fld id="{A76116CE-C4A3-4A05-B2D7-7C2E9A889C0F}" type="datetimeFigureOut">
               <a:rPr lang="en-US" smtClean="0"/>
-              <a:t>5/13/2023</a:t>
+              <a:t>9/16/2023</a:t>
             </a:fld>
             <a:endParaRPr lang="en-US"/>
           </a:p>
@@ -1575,13 +1575,6 @@
   <p:clrMapOvr>
     <a:masterClrMapping/>
   </p:clrMapOvr>
-  <p:timing>
-    <p:tnLst>
-      <p:par>
-        <p:cTn id="1" dur="indefinite" restart="never" nodeType="tmRoot"/>
-      </p:par>
-    </p:tnLst>
-  </p:timing>
 </p:sldLayout>
 </file>
 
@@ -1783,7 +1776,7 @@
           <a:p>
             <a:fld id="{A76116CE-C4A3-4A05-B2D7-7C2E9A889C0F}" type="datetimeFigureOut">
               <a:rPr lang="en-US" smtClean="0"/>
-              <a:t>5/13/2023</a:t>
+              <a:t>9/16/2023</a:t>
             </a:fld>
             <a:endParaRPr lang="en-US"/>
           </a:p>
@@ -2101,7 +2094,7 @@
           <a:p>
             <a:fld id="{A76116CE-C4A3-4A05-B2D7-7C2E9A889C0F}" type="datetimeFigureOut">
               <a:rPr lang="en-US" smtClean="0"/>
-              <a:t>5/13/2023</a:t>
+              <a:t>9/16/2023</a:t>
             </a:fld>
             <a:endParaRPr lang="en-US"/>
           </a:p>
@@ -2559,7 +2552,7 @@
           <a:p>
             <a:fld id="{A76116CE-C4A3-4A05-B2D7-7C2E9A889C0F}" type="datetimeFigureOut">
               <a:rPr lang="en-US" smtClean="0"/>
-              <a:t>5/13/2023</a:t>
+              <a:t>9/16/2023</a:t>
             </a:fld>
             <a:endParaRPr lang="en-US"/>
           </a:p>
@@ -2703,7 +2696,7 @@
           <a:p>
             <a:fld id="{A76116CE-C4A3-4A05-B2D7-7C2E9A889C0F}" type="datetimeFigureOut">
               <a:rPr lang="en-US" smtClean="0"/>
-              <a:t>5/13/2023</a:t>
+              <a:t>9/16/2023</a:t>
             </a:fld>
             <a:endParaRPr lang="en-US"/>
           </a:p>
@@ -2817,7 +2810,7 @@
           <a:p>
             <a:fld id="{A76116CE-C4A3-4A05-B2D7-7C2E9A889C0F}" type="datetimeFigureOut">
               <a:rPr lang="en-US" smtClean="0"/>
-              <a:t>5/13/2023</a:t>
+              <a:t>9/16/2023</a:t>
             </a:fld>
             <a:endParaRPr lang="en-US"/>
           </a:p>
@@ -3120,7 +3113,7 @@
           <a:p>
             <a:fld id="{A76116CE-C4A3-4A05-B2D7-7C2E9A889C0F}" type="datetimeFigureOut">
               <a:rPr lang="en-US" smtClean="0"/>
-              <a:t>5/13/2023</a:t>
+              <a:t>9/16/2023</a:t>
             </a:fld>
             <a:endParaRPr lang="en-US"/>
           </a:p>
@@ -3400,7 +3393,7 @@
           <a:p>
             <a:fld id="{A76116CE-C4A3-4A05-B2D7-7C2E9A889C0F}" type="datetimeFigureOut">
               <a:rPr lang="en-US" smtClean="0"/>
-              <a:t>5/13/2023</a:t>
+              <a:t>9/16/2023</a:t>
             </a:fld>
             <a:endParaRPr lang="en-US"/>
           </a:p>
@@ -3499,7 +3492,7 @@
           <p:cNvPr id="7" name="TextBox 6">
             <a:extLst>
               <a:ext uri="{FF2B5EF4-FFF2-40B4-BE49-F238E27FC236}">
-                <a16:creationId xmlns="" xmlns:a16="http://schemas.microsoft.com/office/drawing/2014/main" id="{ED98C3E1-0944-40F4-F276-BC2632E20DB5}"/>
+                <a16:creationId xmlns:a16="http://schemas.microsoft.com/office/drawing/2014/main" id="{ED98C3E1-0944-40F4-F276-BC2632E20DB5}"/>
               </a:ext>
             </a:extLst>
           </p:cNvPr>
@@ -3551,7 +3544,7 @@
           <p:cNvPr id="8" name="TextBox 7">
             <a:extLst>
               <a:ext uri="{FF2B5EF4-FFF2-40B4-BE49-F238E27FC236}">
-                <a16:creationId xmlns="" xmlns:a16="http://schemas.microsoft.com/office/drawing/2014/main" id="{44E2B849-0C40-FD6D-6731-0F029831B26B}"/>
+                <a16:creationId xmlns:a16="http://schemas.microsoft.com/office/drawing/2014/main" id="{44E2B849-0C40-FD6D-6731-0F029831B26B}"/>
               </a:ext>
             </a:extLst>
           </p:cNvPr>
@@ -3614,13 +3607,6 @@
     <p:sldLayoutId id="2147483658" r:id="rId10"/>
     <p:sldLayoutId id="2147483659" r:id="rId11"/>
   </p:sldLayoutIdLst>
-  <p:timing>
-    <p:tnLst>
-      <p:par>
-        <p:cTn id="1" dur="indefinite" restart="never" nodeType="tmRoot"/>
-      </p:par>
-    </p:tnLst>
-  </p:timing>
   <p:txStyles>
     <p:titleStyle>
       <a:lvl1pPr algn="ctr" defTabSz="914400" rtl="0" eaLnBrk="1" latinLnBrk="0" hangingPunct="1">
@@ -4177,7 +4163,7 @@
           <p:cNvPr id="2" name="TextBox 1">
             <a:extLst>
               <a:ext uri="{FF2B5EF4-FFF2-40B4-BE49-F238E27FC236}">
-                <a16:creationId xmlns="" xmlns:a16="http://schemas.microsoft.com/office/drawing/2014/main" id="{E9A453A8-9968-67AB-7B4A-83EEB4662AA6}"/>
+                <a16:creationId xmlns:a16="http://schemas.microsoft.com/office/drawing/2014/main" id="{E9A453A8-9968-67AB-7B4A-83EEB4662AA6}"/>
               </a:ext>
             </a:extLst>
           </p:cNvPr>
@@ -4225,7 +4211,7 @@
           <p:cNvPr id="4" name="TextBox 3">
             <a:extLst>
               <a:ext uri="{FF2B5EF4-FFF2-40B4-BE49-F238E27FC236}">
-                <a16:creationId xmlns="" xmlns:a16="http://schemas.microsoft.com/office/drawing/2014/main" id="{F4B7A35A-8AAC-4622-64BC-CAD1472D4115}"/>
+                <a16:creationId xmlns:a16="http://schemas.microsoft.com/office/drawing/2014/main" id="{F4B7A35A-8AAC-4622-64BC-CAD1472D4115}"/>
               </a:ext>
             </a:extLst>
           </p:cNvPr>
@@ -4297,7 +4283,7 @@
           <p:cNvPr id="7" name="TextBox 6">
             <a:extLst>
               <a:ext uri="{FF2B5EF4-FFF2-40B4-BE49-F238E27FC236}">
-                <a16:creationId xmlns="" xmlns:a16="http://schemas.microsoft.com/office/drawing/2014/main" id="{3ACE900A-D779-4343-6623-8588B376F0A1}"/>
+                <a16:creationId xmlns:a16="http://schemas.microsoft.com/office/drawing/2014/main" id="{3ACE900A-D779-4343-6623-8588B376F0A1}"/>
               </a:ext>
             </a:extLst>
           </p:cNvPr>
@@ -4361,7 +4347,7 @@
           <p:cNvPr id="4" name="TextBox 3">
             <a:extLst>
               <a:ext uri="{FF2B5EF4-FFF2-40B4-BE49-F238E27FC236}">
-                <a16:creationId xmlns="" xmlns:a16="http://schemas.microsoft.com/office/drawing/2014/main" id="{5ADC00B6-990A-40DC-3CEA-505258F5E8DA}"/>
+                <a16:creationId xmlns:a16="http://schemas.microsoft.com/office/drawing/2014/main" id="{5ADC00B6-990A-40DC-3CEA-505258F5E8DA}"/>
               </a:ext>
             </a:extLst>
           </p:cNvPr>
@@ -4429,7 +4415,7 @@
           <p:cNvPr id="7" name="그룹 1018">
             <a:extLst>
               <a:ext uri="{FF2B5EF4-FFF2-40B4-BE49-F238E27FC236}">
-                <a16:creationId xmlns="" xmlns:a16="http://schemas.microsoft.com/office/drawing/2014/main" id="{F53BC57C-78A5-6AFC-CB34-7E3FD29B339F}"/>
+                <a16:creationId xmlns:a16="http://schemas.microsoft.com/office/drawing/2014/main" id="{F53BC57C-78A5-6AFC-CB34-7E3FD29B339F}"/>
               </a:ext>
             </a:extLst>
           </p:cNvPr>
@@ -4449,7 +4435,7 @@
             <p:cNvPr id="8" name="Object 61">
               <a:extLst>
                 <a:ext uri="{FF2B5EF4-FFF2-40B4-BE49-F238E27FC236}">
-                  <a16:creationId xmlns="" xmlns:a16="http://schemas.microsoft.com/office/drawing/2014/main" id="{E6F73685-14E5-06A9-813C-1C372BD6F4DE}"/>
+                  <a16:creationId xmlns:a16="http://schemas.microsoft.com/office/drawing/2014/main" id="{E6F73685-14E5-06A9-813C-1C372BD6F4DE}"/>
                 </a:ext>
               </a:extLst>
             </p:cNvPr>
@@ -4480,7 +4466,7 @@
           <p:cNvPr id="13" name="TextBox 12">
             <a:extLst>
               <a:ext uri="{FF2B5EF4-FFF2-40B4-BE49-F238E27FC236}">
-                <a16:creationId xmlns="" xmlns:a16="http://schemas.microsoft.com/office/drawing/2014/main" id="{A06D4055-10A8-4A24-5EDC-0761473BA40F}"/>
+                <a16:creationId xmlns:a16="http://schemas.microsoft.com/office/drawing/2014/main" id="{A06D4055-10A8-4A24-5EDC-0761473BA40F}"/>
               </a:ext>
             </a:extLst>
           </p:cNvPr>
@@ -4524,7 +4510,7 @@
           <p:cNvPr id="17" name="그룹 1008">
             <a:extLst>
               <a:ext uri="{FF2B5EF4-FFF2-40B4-BE49-F238E27FC236}">
-                <a16:creationId xmlns="" xmlns:a16="http://schemas.microsoft.com/office/drawing/2014/main" id="{E395BDE3-2EDE-065D-70E8-56E348228ACF}"/>
+                <a16:creationId xmlns:a16="http://schemas.microsoft.com/office/drawing/2014/main" id="{E395BDE3-2EDE-065D-70E8-56E348228ACF}"/>
               </a:ext>
             </a:extLst>
           </p:cNvPr>
@@ -4544,7 +4530,7 @@
             <p:cNvPr id="18" name="그룹 1009">
               <a:extLst>
                 <a:ext uri="{FF2B5EF4-FFF2-40B4-BE49-F238E27FC236}">
-                  <a16:creationId xmlns="" xmlns:a16="http://schemas.microsoft.com/office/drawing/2014/main" id="{852F4DEB-DB33-DB3F-9E9F-52A46CD0B10A}"/>
+                  <a16:creationId xmlns:a16="http://schemas.microsoft.com/office/drawing/2014/main" id="{852F4DEB-DB33-DB3F-9E9F-52A46CD0B10A}"/>
                 </a:ext>
               </a:extLst>
             </p:cNvPr>
@@ -4564,7 +4550,7 @@
               <p:cNvPr id="23" name="Object 29">
                 <a:extLst>
                   <a:ext uri="{FF2B5EF4-FFF2-40B4-BE49-F238E27FC236}">
-                    <a16:creationId xmlns="" xmlns:a16="http://schemas.microsoft.com/office/drawing/2014/main" id="{7E353D3B-14D4-8A64-5888-3F0C062C2CDD}"/>
+                    <a16:creationId xmlns:a16="http://schemas.microsoft.com/office/drawing/2014/main" id="{7E353D3B-14D4-8A64-5888-3F0C062C2CDD}"/>
                   </a:ext>
                 </a:extLst>
               </p:cNvPr>
@@ -4595,7 +4581,7 @@
             <p:cNvPr id="19" name="그룹 1010">
               <a:extLst>
                 <a:ext uri="{FF2B5EF4-FFF2-40B4-BE49-F238E27FC236}">
-                  <a16:creationId xmlns="" xmlns:a16="http://schemas.microsoft.com/office/drawing/2014/main" id="{001E38AB-1390-ABD0-BE01-9727136FEAEE}"/>
+                  <a16:creationId xmlns:a16="http://schemas.microsoft.com/office/drawing/2014/main" id="{001E38AB-1390-ABD0-BE01-9727136FEAEE}"/>
                 </a:ext>
               </a:extLst>
             </p:cNvPr>
@@ -4615,7 +4601,7 @@
               <p:cNvPr id="22" name="Object 32">
                 <a:extLst>
                   <a:ext uri="{FF2B5EF4-FFF2-40B4-BE49-F238E27FC236}">
-                    <a16:creationId xmlns="" xmlns:a16="http://schemas.microsoft.com/office/drawing/2014/main" id="{2ED1C30F-0D0B-F86C-8215-2598D332B5A3}"/>
+                    <a16:creationId xmlns:a16="http://schemas.microsoft.com/office/drawing/2014/main" id="{2ED1C30F-0D0B-F86C-8215-2598D332B5A3}"/>
                   </a:ext>
                 </a:extLst>
               </p:cNvPr>
@@ -4646,7 +4632,7 @@
             <p:cNvPr id="20" name="그룹 1011">
               <a:extLst>
                 <a:ext uri="{FF2B5EF4-FFF2-40B4-BE49-F238E27FC236}">
-                  <a16:creationId xmlns="" xmlns:a16="http://schemas.microsoft.com/office/drawing/2014/main" id="{1BCB8DE5-ABAF-4198-BC16-85BB76F2DB24}"/>
+                  <a16:creationId xmlns:a16="http://schemas.microsoft.com/office/drawing/2014/main" id="{1BCB8DE5-ABAF-4198-BC16-85BB76F2DB24}"/>
                 </a:ext>
               </a:extLst>
             </p:cNvPr>
@@ -4666,7 +4652,7 @@
               <p:cNvPr id="21" name="Object 35">
                 <a:extLst>
                   <a:ext uri="{FF2B5EF4-FFF2-40B4-BE49-F238E27FC236}">
-                    <a16:creationId xmlns="" xmlns:a16="http://schemas.microsoft.com/office/drawing/2014/main" id="{86E7BA23-0A1E-B581-CADC-06AB269DB2BD}"/>
+                    <a16:creationId xmlns:a16="http://schemas.microsoft.com/office/drawing/2014/main" id="{86E7BA23-0A1E-B581-CADC-06AB269DB2BD}"/>
                   </a:ext>
                 </a:extLst>
               </p:cNvPr>
@@ -4698,7 +4684,7 @@
           <p:cNvPr id="26" name="그룹 1018">
             <a:extLst>
               <a:ext uri="{FF2B5EF4-FFF2-40B4-BE49-F238E27FC236}">
-                <a16:creationId xmlns="" xmlns:a16="http://schemas.microsoft.com/office/drawing/2014/main" id="{F53BC57C-78A5-6AFC-CB34-7E3FD29B339F}"/>
+                <a16:creationId xmlns:a16="http://schemas.microsoft.com/office/drawing/2014/main" id="{F53BC57C-78A5-6AFC-CB34-7E3FD29B339F}"/>
               </a:ext>
             </a:extLst>
           </p:cNvPr>
@@ -4718,7 +4704,7 @@
             <p:cNvPr id="27" name="Object 61">
               <a:extLst>
                 <a:ext uri="{FF2B5EF4-FFF2-40B4-BE49-F238E27FC236}">
-                  <a16:creationId xmlns="" xmlns:a16="http://schemas.microsoft.com/office/drawing/2014/main" id="{E6F73685-14E5-06A9-813C-1C372BD6F4DE}"/>
+                  <a16:creationId xmlns:a16="http://schemas.microsoft.com/office/drawing/2014/main" id="{E6F73685-14E5-06A9-813C-1C372BD6F4DE}"/>
                 </a:ext>
               </a:extLst>
             </p:cNvPr>
@@ -4749,7 +4735,7 @@
           <p:cNvPr id="32" name="TextBox 31">
             <a:extLst>
               <a:ext uri="{FF2B5EF4-FFF2-40B4-BE49-F238E27FC236}">
-                <a16:creationId xmlns="" xmlns:a16="http://schemas.microsoft.com/office/drawing/2014/main" id="{A06D4055-10A8-4A24-5EDC-0761473BA40F}"/>
+                <a16:creationId xmlns:a16="http://schemas.microsoft.com/office/drawing/2014/main" id="{A06D4055-10A8-4A24-5EDC-0761473BA40F}"/>
               </a:ext>
             </a:extLst>
           </p:cNvPr>
@@ -4793,7 +4779,7 @@
           <p:cNvPr id="36" name="그룹 1008">
             <a:extLst>
               <a:ext uri="{FF2B5EF4-FFF2-40B4-BE49-F238E27FC236}">
-                <a16:creationId xmlns="" xmlns:a16="http://schemas.microsoft.com/office/drawing/2014/main" id="{E395BDE3-2EDE-065D-70E8-56E348228ACF}"/>
+                <a16:creationId xmlns:a16="http://schemas.microsoft.com/office/drawing/2014/main" id="{E395BDE3-2EDE-065D-70E8-56E348228ACF}"/>
               </a:ext>
             </a:extLst>
           </p:cNvPr>
@@ -4813,7 +4799,7 @@
             <p:cNvPr id="37" name="그룹 1009">
               <a:extLst>
                 <a:ext uri="{FF2B5EF4-FFF2-40B4-BE49-F238E27FC236}">
-                  <a16:creationId xmlns="" xmlns:a16="http://schemas.microsoft.com/office/drawing/2014/main" id="{852F4DEB-DB33-DB3F-9E9F-52A46CD0B10A}"/>
+                  <a16:creationId xmlns:a16="http://schemas.microsoft.com/office/drawing/2014/main" id="{852F4DEB-DB33-DB3F-9E9F-52A46CD0B10A}"/>
                 </a:ext>
               </a:extLst>
             </p:cNvPr>
@@ -4833,7 +4819,7 @@
               <p:cNvPr id="42" name="Object 29">
                 <a:extLst>
                   <a:ext uri="{FF2B5EF4-FFF2-40B4-BE49-F238E27FC236}">
-                    <a16:creationId xmlns="" xmlns:a16="http://schemas.microsoft.com/office/drawing/2014/main" id="{7E353D3B-14D4-8A64-5888-3F0C062C2CDD}"/>
+                    <a16:creationId xmlns:a16="http://schemas.microsoft.com/office/drawing/2014/main" id="{7E353D3B-14D4-8A64-5888-3F0C062C2CDD}"/>
                   </a:ext>
                 </a:extLst>
               </p:cNvPr>
@@ -4864,7 +4850,7 @@
             <p:cNvPr id="38" name="그룹 1010">
               <a:extLst>
                 <a:ext uri="{FF2B5EF4-FFF2-40B4-BE49-F238E27FC236}">
-                  <a16:creationId xmlns="" xmlns:a16="http://schemas.microsoft.com/office/drawing/2014/main" id="{001E38AB-1390-ABD0-BE01-9727136FEAEE}"/>
+                  <a16:creationId xmlns:a16="http://schemas.microsoft.com/office/drawing/2014/main" id="{001E38AB-1390-ABD0-BE01-9727136FEAEE}"/>
                 </a:ext>
               </a:extLst>
             </p:cNvPr>
@@ -4884,7 +4870,7 @@
               <p:cNvPr id="41" name="Object 32">
                 <a:extLst>
                   <a:ext uri="{FF2B5EF4-FFF2-40B4-BE49-F238E27FC236}">
-                    <a16:creationId xmlns="" xmlns:a16="http://schemas.microsoft.com/office/drawing/2014/main" id="{2ED1C30F-0D0B-F86C-8215-2598D332B5A3}"/>
+                    <a16:creationId xmlns:a16="http://schemas.microsoft.com/office/drawing/2014/main" id="{2ED1C30F-0D0B-F86C-8215-2598D332B5A3}"/>
                   </a:ext>
                 </a:extLst>
               </p:cNvPr>
@@ -4915,7 +4901,7 @@
             <p:cNvPr id="39" name="그룹 1011">
               <a:extLst>
                 <a:ext uri="{FF2B5EF4-FFF2-40B4-BE49-F238E27FC236}">
-                  <a16:creationId xmlns="" xmlns:a16="http://schemas.microsoft.com/office/drawing/2014/main" id="{1BCB8DE5-ABAF-4198-BC16-85BB76F2DB24}"/>
+                  <a16:creationId xmlns:a16="http://schemas.microsoft.com/office/drawing/2014/main" id="{1BCB8DE5-ABAF-4198-BC16-85BB76F2DB24}"/>
                 </a:ext>
               </a:extLst>
             </p:cNvPr>
@@ -4935,7 +4921,7 @@
               <p:cNvPr id="40" name="Object 35">
                 <a:extLst>
                   <a:ext uri="{FF2B5EF4-FFF2-40B4-BE49-F238E27FC236}">
-                    <a16:creationId xmlns="" xmlns:a16="http://schemas.microsoft.com/office/drawing/2014/main" id="{86E7BA23-0A1E-B581-CADC-06AB269DB2BD}"/>
+                    <a16:creationId xmlns:a16="http://schemas.microsoft.com/office/drawing/2014/main" id="{86E7BA23-0A1E-B581-CADC-06AB269DB2BD}"/>
                   </a:ext>
                 </a:extLst>
               </p:cNvPr>
@@ -4967,7 +4953,7 @@
           <p:cNvPr id="43" name="TextBox 42">
             <a:extLst>
               <a:ext uri="{FF2B5EF4-FFF2-40B4-BE49-F238E27FC236}">
-                <a16:creationId xmlns="" xmlns:a16="http://schemas.microsoft.com/office/drawing/2014/main" id="{A2AD056B-97A4-5BCC-4460-250160F3E171}"/>
+                <a16:creationId xmlns:a16="http://schemas.microsoft.com/office/drawing/2014/main" id="{A2AD056B-97A4-5BCC-4460-250160F3E171}"/>
               </a:ext>
             </a:extLst>
           </p:cNvPr>
@@ -5058,7 +5044,7 @@
           <p:cNvPr id="2" name="표 1">
             <a:extLst>
               <a:ext uri="{FF2B5EF4-FFF2-40B4-BE49-F238E27FC236}">
-                <a16:creationId xmlns="" xmlns:a16="http://schemas.microsoft.com/office/drawing/2014/main" id="{E52660DC-6640-F2D6-D63F-2D7D520AAFEB}"/>
+                <a16:creationId xmlns:a16="http://schemas.microsoft.com/office/drawing/2014/main" id="{E52660DC-6640-F2D6-D63F-2D7D520AAFEB}"/>
               </a:ext>
             </a:extLst>
           </p:cNvPr>
@@ -5087,21 +5073,21 @@
                 <a:gridCol w="2802475">
                   <a:extLst>
                     <a:ext uri="{9D8B030D-6E8A-4147-A177-3AD203B41FA5}">
-                      <a16:colId xmlns="" xmlns:a16="http://schemas.microsoft.com/office/drawing/2014/main" val="1960770391"/>
+                      <a16:colId xmlns:a16="http://schemas.microsoft.com/office/drawing/2014/main" val="1960770391"/>
                     </a:ext>
                   </a:extLst>
                 </a:gridCol>
                 <a:gridCol w="2836664">
                   <a:extLst>
                     <a:ext uri="{9D8B030D-6E8A-4147-A177-3AD203B41FA5}">
-                      <a16:colId xmlns="" xmlns:a16="http://schemas.microsoft.com/office/drawing/2014/main" val="733308553"/>
+                      <a16:colId xmlns:a16="http://schemas.microsoft.com/office/drawing/2014/main" val="733308553"/>
                     </a:ext>
                   </a:extLst>
                 </a:gridCol>
                 <a:gridCol w="4419261">
                   <a:extLst>
                     <a:ext uri="{9D8B030D-6E8A-4147-A177-3AD203B41FA5}">
-                      <a16:colId xmlns="" xmlns:a16="http://schemas.microsoft.com/office/drawing/2014/main" val="1661322813"/>
+                      <a16:colId xmlns:a16="http://schemas.microsoft.com/office/drawing/2014/main" val="1661322813"/>
                     </a:ext>
                   </a:extLst>
                 </a:gridCol>
@@ -5298,7 +5284,7 @@
                 </a:tc>
                 <a:extLst>
                   <a:ext uri="{0D108BD9-81ED-4DB2-BD59-A6C34878D82A}">
-                    <a16:rowId xmlns="" xmlns:a16="http://schemas.microsoft.com/office/drawing/2014/main" val="2452905565"/>
+                    <a16:rowId xmlns:a16="http://schemas.microsoft.com/office/drawing/2014/main" val="2452905565"/>
                   </a:ext>
                 </a:extLst>
               </a:tr>
@@ -5529,7 +5515,7 @@
                 </a:tc>
                 <a:extLst>
                   <a:ext uri="{0D108BD9-81ED-4DB2-BD59-A6C34878D82A}">
-                    <a16:rowId xmlns="" xmlns:a16="http://schemas.microsoft.com/office/drawing/2014/main" val="3551452526"/>
+                    <a16:rowId xmlns:a16="http://schemas.microsoft.com/office/drawing/2014/main" val="3551452526"/>
                   </a:ext>
                 </a:extLst>
               </a:tr>
@@ -5725,7 +5711,7 @@
                 </a:tc>
                 <a:extLst>
                   <a:ext uri="{0D108BD9-81ED-4DB2-BD59-A6C34878D82A}">
-                    <a16:rowId xmlns="" xmlns:a16="http://schemas.microsoft.com/office/drawing/2014/main" val="3645064171"/>
+                    <a16:rowId xmlns:a16="http://schemas.microsoft.com/office/drawing/2014/main" val="3645064171"/>
                   </a:ext>
                 </a:extLst>
               </a:tr>
@@ -5921,7 +5907,7 @@
                 </a:tc>
                 <a:extLst>
                   <a:ext uri="{0D108BD9-81ED-4DB2-BD59-A6C34878D82A}">
-                    <a16:rowId xmlns="" xmlns:a16="http://schemas.microsoft.com/office/drawing/2014/main" val="2802120283"/>
+                    <a16:rowId xmlns:a16="http://schemas.microsoft.com/office/drawing/2014/main" val="2802120283"/>
                   </a:ext>
                 </a:extLst>
               </a:tr>
@@ -6117,7 +6103,7 @@
                 </a:tc>
                 <a:extLst>
                   <a:ext uri="{0D108BD9-81ED-4DB2-BD59-A6C34878D82A}">
-                    <a16:rowId xmlns="" xmlns:a16="http://schemas.microsoft.com/office/drawing/2014/main" val="1362299918"/>
+                    <a16:rowId xmlns:a16="http://schemas.microsoft.com/office/drawing/2014/main" val="1362299918"/>
                   </a:ext>
                 </a:extLst>
               </a:tr>
@@ -6241,7 +6227,7 @@
           <p:cNvPr id="4" name="TextBox 3">
             <a:extLst>
               <a:ext uri="{FF2B5EF4-FFF2-40B4-BE49-F238E27FC236}">
-                <a16:creationId xmlns="" xmlns:a16="http://schemas.microsoft.com/office/drawing/2014/main" id="{5ADC00B6-990A-40DC-3CEA-505258F5E8DA}"/>
+                <a16:creationId xmlns:a16="http://schemas.microsoft.com/office/drawing/2014/main" id="{5ADC00B6-990A-40DC-3CEA-505258F5E8DA}"/>
               </a:ext>
             </a:extLst>
           </p:cNvPr>
@@ -6299,7 +6285,7 @@
           <p:cNvPr id="5" name="TextBox 4">
             <a:extLst>
               <a:ext uri="{FF2B5EF4-FFF2-40B4-BE49-F238E27FC236}">
-                <a16:creationId xmlns="" xmlns:a16="http://schemas.microsoft.com/office/drawing/2014/main" id="{A2AD056B-97A4-5BCC-4460-250160F3E171}"/>
+                <a16:creationId xmlns:a16="http://schemas.microsoft.com/office/drawing/2014/main" id="{A2AD056B-97A4-5BCC-4460-250160F3E171}"/>
               </a:ext>
             </a:extLst>
           </p:cNvPr>
@@ -6323,7 +6309,7 @@
           <a:lstStyle/>
           <a:p>
             <a:r>
-              <a:rPr lang="ko-KR" altLang="en-US" sz="4000" dirty="0" err="1">
+              <a:rPr lang="ko-KR" altLang="en-US" sz="4000" dirty="0">
                 <a:solidFill>
                   <a:schemeClr val="tx1">
                     <a:lumMod val="50000"/>
@@ -6333,59 +6319,7 @@
                 <a:latin typeface="G마켓 산스 Medium" panose="02000000000000000000" pitchFamily="50" charset="-127"/>
                 <a:ea typeface="G마켓 산스 Medium" panose="02000000000000000000" pitchFamily="50" charset="-127"/>
               </a:rPr>
-              <a:t>스트림의</a:t>
-            </a:r>
-            <a:r>
-              <a:rPr lang="ko-KR" altLang="en-US" sz="4000" dirty="0">
-                <a:solidFill>
-                  <a:schemeClr val="tx1">
-                    <a:lumMod val="50000"/>
-                    <a:lumOff val="50000"/>
-                  </a:schemeClr>
-                </a:solidFill>
-                <a:latin typeface="G마켓 산스 Medium" panose="02000000000000000000" pitchFamily="50" charset="-127"/>
-                <a:ea typeface="G마켓 산스 Medium" panose="02000000000000000000" pitchFamily="50" charset="-127"/>
-              </a:rPr>
-              <a:t> 부가적인 기능이나 성능 </a:t>
-            </a:r>
-            <a:r>
-              <a:rPr lang="ko-KR" altLang="en-US" sz="4000" dirty="0" err="1">
-                <a:solidFill>
-                  <a:schemeClr val="tx1">
-                    <a:lumMod val="50000"/>
-                    <a:lumOff val="50000"/>
-                  </a:schemeClr>
-                </a:solidFill>
-                <a:latin typeface="G마켓 산스 Medium" panose="02000000000000000000" pitchFamily="50" charset="-127"/>
-                <a:ea typeface="G마켓 산스 Medium" panose="02000000000000000000" pitchFamily="50" charset="-127"/>
-              </a:rPr>
-              <a:t>향상등을</a:t>
-            </a:r>
-            <a:r>
-              <a:rPr lang="ko-KR" altLang="en-US" sz="4000" dirty="0">
-                <a:solidFill>
-                  <a:schemeClr val="tx1">
-                    <a:lumMod val="50000"/>
-                    <a:lumOff val="50000"/>
-                  </a:schemeClr>
-                </a:solidFill>
-                <a:latin typeface="G마켓 산스 Medium" panose="02000000000000000000" pitchFamily="50" charset="-127"/>
-                <a:ea typeface="G마켓 산스 Medium" panose="02000000000000000000" pitchFamily="50" charset="-127"/>
-              </a:rPr>
-              <a:t> 도와주는 </a:t>
-            </a:r>
-            <a:r>
-              <a:rPr lang="ko-KR" altLang="en-US" sz="4000" dirty="0" err="1">
-                <a:solidFill>
-                  <a:schemeClr val="tx1">
-                    <a:lumMod val="50000"/>
-                    <a:lumOff val="50000"/>
-                  </a:schemeClr>
-                </a:solidFill>
-                <a:latin typeface="G마켓 산스 Medium" panose="02000000000000000000" pitchFamily="50" charset="-127"/>
-                <a:ea typeface="G마켓 산스 Medium" panose="02000000000000000000" pitchFamily="50" charset="-127"/>
-              </a:rPr>
-              <a:t>스트림</a:t>
+              <a:t>스트림의 부가적인 기능이나 성능 향상 등을 도와주는 스트림</a:t>
             </a:r>
             <a:endParaRPr lang="en-US" altLang="ko-KR" sz="4000" dirty="0">
               <a:solidFill>
@@ -6457,7 +6391,7 @@
           <p:cNvPr id="7" name="직선 화살표 연결선 6">
             <a:extLst>
               <a:ext uri="{FF2B5EF4-FFF2-40B4-BE49-F238E27FC236}">
-                <a16:creationId xmlns="" xmlns:a16="http://schemas.microsoft.com/office/drawing/2014/main" id="{299DF5EC-9DF4-5255-06AC-0A7CE4FF58C3}"/>
+                <a16:creationId xmlns:a16="http://schemas.microsoft.com/office/drawing/2014/main" id="{299DF5EC-9DF4-5255-06AC-0A7CE4FF58C3}"/>
               </a:ext>
             </a:extLst>
           </p:cNvPr>
@@ -6498,7 +6432,7 @@
           <p:cNvPr id="8" name="TextBox 7">
             <a:extLst>
               <a:ext uri="{FF2B5EF4-FFF2-40B4-BE49-F238E27FC236}">
-                <a16:creationId xmlns="" xmlns:a16="http://schemas.microsoft.com/office/drawing/2014/main" id="{C6D113C6-EA5C-788F-0C77-E7CE6EBB865F}"/>
+                <a16:creationId xmlns:a16="http://schemas.microsoft.com/office/drawing/2014/main" id="{C6D113C6-EA5C-788F-0C77-E7CE6EBB865F}"/>
               </a:ext>
             </a:extLst>
           </p:cNvPr>
@@ -6574,13 +6508,6 @@
   <p:clrMapOvr>
     <a:masterClrMapping/>
   </p:clrMapOvr>
-  <p:timing>
-    <p:tnLst>
-      <p:par>
-        <p:cTn id="1" dur="indefinite" restart="never" nodeType="tmRoot"/>
-      </p:par>
-    </p:tnLst>
-  </p:timing>
 </p:sld>
 </file>
 
@@ -6606,7 +6533,7 @@
           <p:cNvPr id="4" name="그룹 1018">
             <a:extLst>
               <a:ext uri="{FF2B5EF4-FFF2-40B4-BE49-F238E27FC236}">
-                <a16:creationId xmlns="" xmlns:a16="http://schemas.microsoft.com/office/drawing/2014/main" id="{0C5247D1-E285-7CDC-25F8-F1ABCDE304BE}"/>
+                <a16:creationId xmlns:a16="http://schemas.microsoft.com/office/drawing/2014/main" id="{0C5247D1-E285-7CDC-25F8-F1ABCDE304BE}"/>
               </a:ext>
             </a:extLst>
           </p:cNvPr>
@@ -6626,7 +6553,7 @@
             <p:cNvPr id="5" name="Object 61">
               <a:extLst>
                 <a:ext uri="{FF2B5EF4-FFF2-40B4-BE49-F238E27FC236}">
-                  <a16:creationId xmlns="" xmlns:a16="http://schemas.microsoft.com/office/drawing/2014/main" id="{29C480AF-46D1-D9A5-6C87-226E5620D948}"/>
+                  <a16:creationId xmlns:a16="http://schemas.microsoft.com/office/drawing/2014/main" id="{29C480AF-46D1-D9A5-6C87-226E5620D948}"/>
                 </a:ext>
               </a:extLst>
             </p:cNvPr>
@@ -6657,7 +6584,7 @@
           <p:cNvPr id="6" name="그룹 1018">
             <a:extLst>
               <a:ext uri="{FF2B5EF4-FFF2-40B4-BE49-F238E27FC236}">
-                <a16:creationId xmlns="" xmlns:a16="http://schemas.microsoft.com/office/drawing/2014/main" id="{F53BC57C-78A5-6AFC-CB34-7E3FD29B339F}"/>
+                <a16:creationId xmlns:a16="http://schemas.microsoft.com/office/drawing/2014/main" id="{F53BC57C-78A5-6AFC-CB34-7E3FD29B339F}"/>
               </a:ext>
             </a:extLst>
           </p:cNvPr>
@@ -6677,7 +6604,7 @@
             <p:cNvPr id="7" name="Object 61">
               <a:extLst>
                 <a:ext uri="{FF2B5EF4-FFF2-40B4-BE49-F238E27FC236}">
-                  <a16:creationId xmlns="" xmlns:a16="http://schemas.microsoft.com/office/drawing/2014/main" id="{E6F73685-14E5-06A9-813C-1C372BD6F4DE}"/>
+                  <a16:creationId xmlns:a16="http://schemas.microsoft.com/office/drawing/2014/main" id="{E6F73685-14E5-06A9-813C-1C372BD6F4DE}"/>
                 </a:ext>
               </a:extLst>
             </p:cNvPr>
@@ -6708,7 +6635,7 @@
           <p:cNvPr id="10" name="그룹 1018">
             <a:extLst>
               <a:ext uri="{FF2B5EF4-FFF2-40B4-BE49-F238E27FC236}">
-                <a16:creationId xmlns="" xmlns:a16="http://schemas.microsoft.com/office/drawing/2014/main" id="{11F8DF7C-F95F-B0B5-FC7F-85E369D002C6}"/>
+                <a16:creationId xmlns:a16="http://schemas.microsoft.com/office/drawing/2014/main" id="{11F8DF7C-F95F-B0B5-FC7F-85E369D002C6}"/>
               </a:ext>
             </a:extLst>
           </p:cNvPr>
@@ -6728,7 +6655,7 @@
             <p:cNvPr id="11" name="Object 61">
               <a:extLst>
                 <a:ext uri="{FF2B5EF4-FFF2-40B4-BE49-F238E27FC236}">
-                  <a16:creationId xmlns="" xmlns:a16="http://schemas.microsoft.com/office/drawing/2014/main" id="{B8B15D9F-D5FD-93DD-D076-037E1D6FFEC7}"/>
+                  <a16:creationId xmlns:a16="http://schemas.microsoft.com/office/drawing/2014/main" id="{B8B15D9F-D5FD-93DD-D076-037E1D6FFEC7}"/>
                 </a:ext>
               </a:extLst>
             </p:cNvPr>
@@ -6759,7 +6686,7 @@
           <p:cNvPr id="12" name="TextBox 11">
             <a:extLst>
               <a:ext uri="{FF2B5EF4-FFF2-40B4-BE49-F238E27FC236}">
-                <a16:creationId xmlns="" xmlns:a16="http://schemas.microsoft.com/office/drawing/2014/main" id="{A06D4055-10A8-4A24-5EDC-0761473BA40F}"/>
+                <a16:creationId xmlns:a16="http://schemas.microsoft.com/office/drawing/2014/main" id="{A06D4055-10A8-4A24-5EDC-0761473BA40F}"/>
               </a:ext>
             </a:extLst>
           </p:cNvPr>
@@ -6813,7 +6740,7 @@
           <p:cNvPr id="13" name="TextBox 12">
             <a:extLst>
               <a:ext uri="{FF2B5EF4-FFF2-40B4-BE49-F238E27FC236}">
-                <a16:creationId xmlns="" xmlns:a16="http://schemas.microsoft.com/office/drawing/2014/main" id="{044C5ACF-17B6-5920-7904-E16248F54A6A}"/>
+                <a16:creationId xmlns:a16="http://schemas.microsoft.com/office/drawing/2014/main" id="{044C5ACF-17B6-5920-7904-E16248F54A6A}"/>
               </a:ext>
             </a:extLst>
           </p:cNvPr>
@@ -6867,7 +6794,7 @@
           <p:cNvPr id="14" name="TextBox 13">
             <a:extLst>
               <a:ext uri="{FF2B5EF4-FFF2-40B4-BE49-F238E27FC236}">
-                <a16:creationId xmlns="" xmlns:a16="http://schemas.microsoft.com/office/drawing/2014/main" id="{101E227B-A9BD-20A0-66DD-A013FA376D02}"/>
+                <a16:creationId xmlns:a16="http://schemas.microsoft.com/office/drawing/2014/main" id="{101E227B-A9BD-20A0-66DD-A013FA376D02}"/>
               </a:ext>
             </a:extLst>
           </p:cNvPr>
@@ -6921,7 +6848,7 @@
           <p:cNvPr id="15" name="그룹 1008">
             <a:extLst>
               <a:ext uri="{FF2B5EF4-FFF2-40B4-BE49-F238E27FC236}">
-                <a16:creationId xmlns="" xmlns:a16="http://schemas.microsoft.com/office/drawing/2014/main" id="{E395BDE3-2EDE-065D-70E8-56E348228ACF}"/>
+                <a16:creationId xmlns:a16="http://schemas.microsoft.com/office/drawing/2014/main" id="{E395BDE3-2EDE-065D-70E8-56E348228ACF}"/>
               </a:ext>
             </a:extLst>
           </p:cNvPr>
@@ -6941,7 +6868,7 @@
             <p:cNvPr id="16" name="그룹 1009">
               <a:extLst>
                 <a:ext uri="{FF2B5EF4-FFF2-40B4-BE49-F238E27FC236}">
-                  <a16:creationId xmlns="" xmlns:a16="http://schemas.microsoft.com/office/drawing/2014/main" id="{852F4DEB-DB33-DB3F-9E9F-52A46CD0B10A}"/>
+                  <a16:creationId xmlns:a16="http://schemas.microsoft.com/office/drawing/2014/main" id="{852F4DEB-DB33-DB3F-9E9F-52A46CD0B10A}"/>
                 </a:ext>
               </a:extLst>
             </p:cNvPr>
@@ -6961,7 +6888,7 @@
               <p:cNvPr id="21" name="Object 29">
                 <a:extLst>
                   <a:ext uri="{FF2B5EF4-FFF2-40B4-BE49-F238E27FC236}">
-                    <a16:creationId xmlns="" xmlns:a16="http://schemas.microsoft.com/office/drawing/2014/main" id="{7E353D3B-14D4-8A64-5888-3F0C062C2CDD}"/>
+                    <a16:creationId xmlns:a16="http://schemas.microsoft.com/office/drawing/2014/main" id="{7E353D3B-14D4-8A64-5888-3F0C062C2CDD}"/>
                   </a:ext>
                 </a:extLst>
               </p:cNvPr>
@@ -6992,7 +6919,7 @@
             <p:cNvPr id="17" name="그룹 1010">
               <a:extLst>
                 <a:ext uri="{FF2B5EF4-FFF2-40B4-BE49-F238E27FC236}">
-                  <a16:creationId xmlns="" xmlns:a16="http://schemas.microsoft.com/office/drawing/2014/main" id="{001E38AB-1390-ABD0-BE01-9727136FEAEE}"/>
+                  <a16:creationId xmlns:a16="http://schemas.microsoft.com/office/drawing/2014/main" id="{001E38AB-1390-ABD0-BE01-9727136FEAEE}"/>
                 </a:ext>
               </a:extLst>
             </p:cNvPr>
@@ -7012,7 +6939,7 @@
               <p:cNvPr id="20" name="Object 32">
                 <a:extLst>
                   <a:ext uri="{FF2B5EF4-FFF2-40B4-BE49-F238E27FC236}">
-                    <a16:creationId xmlns="" xmlns:a16="http://schemas.microsoft.com/office/drawing/2014/main" id="{2ED1C30F-0D0B-F86C-8215-2598D332B5A3}"/>
+                    <a16:creationId xmlns:a16="http://schemas.microsoft.com/office/drawing/2014/main" id="{2ED1C30F-0D0B-F86C-8215-2598D332B5A3}"/>
                   </a:ext>
                 </a:extLst>
               </p:cNvPr>
@@ -7043,7 +6970,7 @@
             <p:cNvPr id="18" name="그룹 1011">
               <a:extLst>
                 <a:ext uri="{FF2B5EF4-FFF2-40B4-BE49-F238E27FC236}">
-                  <a16:creationId xmlns="" xmlns:a16="http://schemas.microsoft.com/office/drawing/2014/main" id="{1BCB8DE5-ABAF-4198-BC16-85BB76F2DB24}"/>
+                  <a16:creationId xmlns:a16="http://schemas.microsoft.com/office/drawing/2014/main" id="{1BCB8DE5-ABAF-4198-BC16-85BB76F2DB24}"/>
                 </a:ext>
               </a:extLst>
             </p:cNvPr>
@@ -7063,7 +6990,7 @@
               <p:cNvPr id="19" name="Object 35">
                 <a:extLst>
                   <a:ext uri="{FF2B5EF4-FFF2-40B4-BE49-F238E27FC236}">
-                    <a16:creationId xmlns="" xmlns:a16="http://schemas.microsoft.com/office/drawing/2014/main" id="{86E7BA23-0A1E-B581-CADC-06AB269DB2BD}"/>
+                    <a16:creationId xmlns:a16="http://schemas.microsoft.com/office/drawing/2014/main" id="{86E7BA23-0A1E-B581-CADC-06AB269DB2BD}"/>
                   </a:ext>
                 </a:extLst>
               </p:cNvPr>
@@ -7095,7 +7022,7 @@
           <p:cNvPr id="22" name="그룹 1008">
             <a:extLst>
               <a:ext uri="{FF2B5EF4-FFF2-40B4-BE49-F238E27FC236}">
-                <a16:creationId xmlns="" xmlns:a16="http://schemas.microsoft.com/office/drawing/2014/main" id="{E395BDE3-2EDE-065D-70E8-56E348228ACF}"/>
+                <a16:creationId xmlns:a16="http://schemas.microsoft.com/office/drawing/2014/main" id="{E395BDE3-2EDE-065D-70E8-56E348228ACF}"/>
               </a:ext>
             </a:extLst>
           </p:cNvPr>
@@ -7115,7 +7042,7 @@
             <p:cNvPr id="23" name="그룹 1009">
               <a:extLst>
                 <a:ext uri="{FF2B5EF4-FFF2-40B4-BE49-F238E27FC236}">
-                  <a16:creationId xmlns="" xmlns:a16="http://schemas.microsoft.com/office/drawing/2014/main" id="{852F4DEB-DB33-DB3F-9E9F-52A46CD0B10A}"/>
+                  <a16:creationId xmlns:a16="http://schemas.microsoft.com/office/drawing/2014/main" id="{852F4DEB-DB33-DB3F-9E9F-52A46CD0B10A}"/>
                 </a:ext>
               </a:extLst>
             </p:cNvPr>
@@ -7135,7 +7062,7 @@
               <p:cNvPr id="28" name="Object 29">
                 <a:extLst>
                   <a:ext uri="{FF2B5EF4-FFF2-40B4-BE49-F238E27FC236}">
-                    <a16:creationId xmlns="" xmlns:a16="http://schemas.microsoft.com/office/drawing/2014/main" id="{7E353D3B-14D4-8A64-5888-3F0C062C2CDD}"/>
+                    <a16:creationId xmlns:a16="http://schemas.microsoft.com/office/drawing/2014/main" id="{7E353D3B-14D4-8A64-5888-3F0C062C2CDD}"/>
                   </a:ext>
                 </a:extLst>
               </p:cNvPr>
@@ -7166,7 +7093,7 @@
             <p:cNvPr id="24" name="그룹 1010">
               <a:extLst>
                 <a:ext uri="{FF2B5EF4-FFF2-40B4-BE49-F238E27FC236}">
-                  <a16:creationId xmlns="" xmlns:a16="http://schemas.microsoft.com/office/drawing/2014/main" id="{001E38AB-1390-ABD0-BE01-9727136FEAEE}"/>
+                  <a16:creationId xmlns:a16="http://schemas.microsoft.com/office/drawing/2014/main" id="{001E38AB-1390-ABD0-BE01-9727136FEAEE}"/>
                 </a:ext>
               </a:extLst>
             </p:cNvPr>
@@ -7186,7 +7113,7 @@
               <p:cNvPr id="27" name="Object 32">
                 <a:extLst>
                   <a:ext uri="{FF2B5EF4-FFF2-40B4-BE49-F238E27FC236}">
-                    <a16:creationId xmlns="" xmlns:a16="http://schemas.microsoft.com/office/drawing/2014/main" id="{2ED1C30F-0D0B-F86C-8215-2598D332B5A3}"/>
+                    <a16:creationId xmlns:a16="http://schemas.microsoft.com/office/drawing/2014/main" id="{2ED1C30F-0D0B-F86C-8215-2598D332B5A3}"/>
                   </a:ext>
                 </a:extLst>
               </p:cNvPr>
@@ -7217,7 +7144,7 @@
             <p:cNvPr id="25" name="그룹 1011">
               <a:extLst>
                 <a:ext uri="{FF2B5EF4-FFF2-40B4-BE49-F238E27FC236}">
-                  <a16:creationId xmlns="" xmlns:a16="http://schemas.microsoft.com/office/drawing/2014/main" id="{1BCB8DE5-ABAF-4198-BC16-85BB76F2DB24}"/>
+                  <a16:creationId xmlns:a16="http://schemas.microsoft.com/office/drawing/2014/main" id="{1BCB8DE5-ABAF-4198-BC16-85BB76F2DB24}"/>
                 </a:ext>
               </a:extLst>
             </p:cNvPr>
@@ -7237,7 +7164,7 @@
               <p:cNvPr id="26" name="Object 35">
                 <a:extLst>
                   <a:ext uri="{FF2B5EF4-FFF2-40B4-BE49-F238E27FC236}">
-                    <a16:creationId xmlns="" xmlns:a16="http://schemas.microsoft.com/office/drawing/2014/main" id="{86E7BA23-0A1E-B581-CADC-06AB269DB2BD}"/>
+                    <a16:creationId xmlns:a16="http://schemas.microsoft.com/office/drawing/2014/main" id="{86E7BA23-0A1E-B581-CADC-06AB269DB2BD}"/>
                   </a:ext>
                 </a:extLst>
               </p:cNvPr>
@@ -7269,7 +7196,7 @@
           <p:cNvPr id="29" name="TextBox 28">
             <a:extLst>
               <a:ext uri="{FF2B5EF4-FFF2-40B4-BE49-F238E27FC236}">
-                <a16:creationId xmlns="" xmlns:a16="http://schemas.microsoft.com/office/drawing/2014/main" id="{A2AD056B-97A4-5BCC-4460-250160F3E171}"/>
+                <a16:creationId xmlns:a16="http://schemas.microsoft.com/office/drawing/2014/main" id="{A2AD056B-97A4-5BCC-4460-250160F3E171}"/>
               </a:ext>
             </a:extLst>
           </p:cNvPr>
@@ -7370,7 +7297,7 @@
           <p:cNvPr id="2" name="직선 화살표 연결선 1">
             <a:extLst>
               <a:ext uri="{FF2B5EF4-FFF2-40B4-BE49-F238E27FC236}">
-                <a16:creationId xmlns="" xmlns:a16="http://schemas.microsoft.com/office/drawing/2014/main" id="{9F8D4998-0622-3DEF-A6CA-A8343684ED6D}"/>
+                <a16:creationId xmlns:a16="http://schemas.microsoft.com/office/drawing/2014/main" id="{9F8D4998-0622-3DEF-A6CA-A8343684ED6D}"/>
               </a:ext>
             </a:extLst>
           </p:cNvPr>
@@ -7411,7 +7338,7 @@
           <p:cNvPr id="3" name="TextBox 2">
             <a:extLst>
               <a:ext uri="{FF2B5EF4-FFF2-40B4-BE49-F238E27FC236}">
-                <a16:creationId xmlns="" xmlns:a16="http://schemas.microsoft.com/office/drawing/2014/main" id="{E788309F-5417-6527-3D13-DC8281B71834}"/>
+                <a16:creationId xmlns:a16="http://schemas.microsoft.com/office/drawing/2014/main" id="{E788309F-5417-6527-3D13-DC8281B71834}"/>
               </a:ext>
             </a:extLst>
           </p:cNvPr>
@@ -7674,7 +7601,7 @@
           <p:cNvPr id="5" name="직선 화살표 연결선 4">
             <a:extLst>
               <a:ext uri="{FF2B5EF4-FFF2-40B4-BE49-F238E27FC236}">
-                <a16:creationId xmlns="" xmlns:a16="http://schemas.microsoft.com/office/drawing/2014/main" id="{299DF5EC-9DF4-5255-06AC-0A7CE4FF58C3}"/>
+                <a16:creationId xmlns:a16="http://schemas.microsoft.com/office/drawing/2014/main" id="{299DF5EC-9DF4-5255-06AC-0A7CE4FF58C3}"/>
               </a:ext>
             </a:extLst>
           </p:cNvPr>
@@ -7715,7 +7642,7 @@
           <p:cNvPr id="6" name="TextBox 5">
             <a:extLst>
               <a:ext uri="{FF2B5EF4-FFF2-40B4-BE49-F238E27FC236}">
-                <a16:creationId xmlns="" xmlns:a16="http://schemas.microsoft.com/office/drawing/2014/main" id="{C6D113C6-EA5C-788F-0C77-E7CE6EBB865F}"/>
+                <a16:creationId xmlns:a16="http://schemas.microsoft.com/office/drawing/2014/main" id="{C6D113C6-EA5C-788F-0C77-E7CE6EBB865F}"/>
               </a:ext>
             </a:extLst>
           </p:cNvPr>
@@ -7776,7 +7703,7 @@
           <p:cNvPr id="8" name="TextBox 7">
             <a:extLst>
               <a:ext uri="{FF2B5EF4-FFF2-40B4-BE49-F238E27FC236}">
-                <a16:creationId xmlns="" xmlns:a16="http://schemas.microsoft.com/office/drawing/2014/main" id="{C6D113C6-EA5C-788F-0C77-E7CE6EBB865F}"/>
+                <a16:creationId xmlns:a16="http://schemas.microsoft.com/office/drawing/2014/main" id="{C6D113C6-EA5C-788F-0C77-E7CE6EBB865F}"/>
               </a:ext>
             </a:extLst>
           </p:cNvPr>
@@ -7857,7 +7784,7 @@
           <p:cNvPr id="4" name="표 2">
             <a:extLst>
               <a:ext uri="{FF2B5EF4-FFF2-40B4-BE49-F238E27FC236}">
-                <a16:creationId xmlns="" xmlns:a16="http://schemas.microsoft.com/office/drawing/2014/main" id="{D2CC6F32-611A-E22D-EB8C-52D626A5B319}"/>
+                <a16:creationId xmlns:a16="http://schemas.microsoft.com/office/drawing/2014/main" id="{D2CC6F32-611A-E22D-EB8C-52D626A5B319}"/>
               </a:ext>
             </a:extLst>
           </p:cNvPr>
@@ -7886,21 +7813,21 @@
                 <a:gridCol w="3205862">
                   <a:extLst>
                     <a:ext uri="{9D8B030D-6E8A-4147-A177-3AD203B41FA5}">
-                      <a16:colId xmlns="" xmlns:a16="http://schemas.microsoft.com/office/drawing/2014/main" val="1960770391"/>
+                      <a16:colId xmlns:a16="http://schemas.microsoft.com/office/drawing/2014/main" val="1960770391"/>
                     </a:ext>
                   </a:extLst>
                 </a:gridCol>
                 <a:gridCol w="3244971">
                   <a:extLst>
                     <a:ext uri="{9D8B030D-6E8A-4147-A177-3AD203B41FA5}">
-                      <a16:colId xmlns="" xmlns:a16="http://schemas.microsoft.com/office/drawing/2014/main" val="733308553"/>
+                      <a16:colId xmlns:a16="http://schemas.microsoft.com/office/drawing/2014/main" val="733308553"/>
                     </a:ext>
                   </a:extLst>
                 </a:gridCol>
                 <a:gridCol w="5055367">
                   <a:extLst>
                     <a:ext uri="{9D8B030D-6E8A-4147-A177-3AD203B41FA5}">
-                      <a16:colId xmlns="" xmlns:a16="http://schemas.microsoft.com/office/drawing/2014/main" val="1661322813"/>
+                      <a16:colId xmlns:a16="http://schemas.microsoft.com/office/drawing/2014/main" val="1661322813"/>
                     </a:ext>
                   </a:extLst>
                 </a:gridCol>
@@ -8085,7 +8012,7 @@
                 </a:tc>
                 <a:extLst>
                   <a:ext uri="{0D108BD9-81ED-4DB2-BD59-A6C34878D82A}">
-                    <a16:rowId xmlns="" xmlns:a16="http://schemas.microsoft.com/office/drawing/2014/main" val="2452905565"/>
+                    <a16:rowId xmlns:a16="http://schemas.microsoft.com/office/drawing/2014/main" val="2452905565"/>
                   </a:ext>
                 </a:extLst>
               </a:tr>
@@ -8292,7 +8219,7 @@
                 </a:tc>
                 <a:extLst>
                   <a:ext uri="{0D108BD9-81ED-4DB2-BD59-A6C34878D82A}">
-                    <a16:rowId xmlns="" xmlns:a16="http://schemas.microsoft.com/office/drawing/2014/main" val="3551452526"/>
+                    <a16:rowId xmlns:a16="http://schemas.microsoft.com/office/drawing/2014/main" val="3551452526"/>
                   </a:ext>
                 </a:extLst>
               </a:tr>
@@ -8476,7 +8403,7 @@
                 </a:tc>
                 <a:extLst>
                   <a:ext uri="{0D108BD9-81ED-4DB2-BD59-A6C34878D82A}">
-                    <a16:rowId xmlns="" xmlns:a16="http://schemas.microsoft.com/office/drawing/2014/main" val="3645064171"/>
+                    <a16:rowId xmlns:a16="http://schemas.microsoft.com/office/drawing/2014/main" val="3645064171"/>
                   </a:ext>
                 </a:extLst>
               </a:tr>
@@ -8672,7 +8599,7 @@
                 </a:tc>
                 <a:extLst>
                   <a:ext uri="{0D108BD9-81ED-4DB2-BD59-A6C34878D82A}">
-                    <a16:rowId xmlns="" xmlns:a16="http://schemas.microsoft.com/office/drawing/2014/main" val="2802120283"/>
+                    <a16:rowId xmlns:a16="http://schemas.microsoft.com/office/drawing/2014/main" val="2802120283"/>
                   </a:ext>
                 </a:extLst>
               </a:tr>
@@ -8862,7 +8789,7 @@
                 </a:tc>
                 <a:extLst>
                   <a:ext uri="{0D108BD9-81ED-4DB2-BD59-A6C34878D82A}">
-                    <a16:rowId xmlns="" xmlns:a16="http://schemas.microsoft.com/office/drawing/2014/main" val="1362299918"/>
+                    <a16:rowId xmlns:a16="http://schemas.microsoft.com/office/drawing/2014/main" val="1362299918"/>
                   </a:ext>
                 </a:extLst>
               </a:tr>
@@ -9052,7 +8979,7 @@
                 </a:tc>
                 <a:extLst>
                   <a:ext uri="{0D108BD9-81ED-4DB2-BD59-A6C34878D82A}">
-                    <a16:rowId xmlns="" xmlns:a16="http://schemas.microsoft.com/office/drawing/2014/main" val="2632365449"/>
+                    <a16:rowId xmlns:a16="http://schemas.microsoft.com/office/drawing/2014/main" val="2632365449"/>
                   </a:ext>
                 </a:extLst>
               </a:tr>
@@ -9272,7 +9199,7 @@
                 </a:tc>
                 <a:extLst>
                   <a:ext uri="{0D108BD9-81ED-4DB2-BD59-A6C34878D82A}">
-                    <a16:rowId xmlns="" xmlns:a16="http://schemas.microsoft.com/office/drawing/2014/main" val="10006"/>
+                    <a16:rowId xmlns:a16="http://schemas.microsoft.com/office/drawing/2014/main" val="10006"/>
                   </a:ext>
                 </a:extLst>
               </a:tr>
@@ -9459,7 +9386,7 @@
                 </a:tc>
                 <a:extLst>
                   <a:ext uri="{0D108BD9-81ED-4DB2-BD59-A6C34878D82A}">
-                    <a16:rowId xmlns="" xmlns:a16="http://schemas.microsoft.com/office/drawing/2014/main" val="10007"/>
+                    <a16:rowId xmlns:a16="http://schemas.microsoft.com/office/drawing/2014/main" val="10007"/>
                   </a:ext>
                 </a:extLst>
               </a:tr>
@@ -9472,7 +9399,7 @@
           <p:cNvPr id="2" name="TextBox 1">
             <a:extLst>
               <a:ext uri="{FF2B5EF4-FFF2-40B4-BE49-F238E27FC236}">
-                <a16:creationId xmlns="" xmlns:a16="http://schemas.microsoft.com/office/drawing/2014/main" id="{FC994EA4-1CC6-6A56-1952-5FE96AF3F17D}"/>
+                <a16:creationId xmlns:a16="http://schemas.microsoft.com/office/drawing/2014/main" id="{FC994EA4-1CC6-6A56-1952-5FE96AF3F17D}"/>
               </a:ext>
             </a:extLst>
           </p:cNvPr>
@@ -9574,7 +9501,7 @@
           <p:cNvPr id="7" name="직선 화살표 연결선 6">
             <a:extLst>
               <a:ext uri="{FF2B5EF4-FFF2-40B4-BE49-F238E27FC236}">
-                <a16:creationId xmlns="" xmlns:a16="http://schemas.microsoft.com/office/drawing/2014/main" id="{299DF5EC-9DF4-5255-06AC-0A7CE4FF58C3}"/>
+                <a16:creationId xmlns:a16="http://schemas.microsoft.com/office/drawing/2014/main" id="{299DF5EC-9DF4-5255-06AC-0A7CE4FF58C3}"/>
               </a:ext>
             </a:extLst>
           </p:cNvPr>
@@ -9615,7 +9542,7 @@
           <p:cNvPr id="8" name="TextBox 7">
             <a:extLst>
               <a:ext uri="{FF2B5EF4-FFF2-40B4-BE49-F238E27FC236}">
-                <a16:creationId xmlns="" xmlns:a16="http://schemas.microsoft.com/office/drawing/2014/main" id="{C6D113C6-EA5C-788F-0C77-E7CE6EBB865F}"/>
+                <a16:creationId xmlns:a16="http://schemas.microsoft.com/office/drawing/2014/main" id="{C6D113C6-EA5C-788F-0C77-E7CE6EBB865F}"/>
               </a:ext>
             </a:extLst>
           </p:cNvPr>
@@ -9706,7 +9633,7 @@
           <p:cNvPr id="4" name="TextBox 3">
             <a:extLst>
               <a:ext uri="{FF2B5EF4-FFF2-40B4-BE49-F238E27FC236}">
-                <a16:creationId xmlns="" xmlns:a16="http://schemas.microsoft.com/office/drawing/2014/main" id="{5ADC00B6-990A-40DC-3CEA-505258F5E8DA}"/>
+                <a16:creationId xmlns:a16="http://schemas.microsoft.com/office/drawing/2014/main" id="{5ADC00B6-990A-40DC-3CEA-505258F5E8DA}"/>
               </a:ext>
             </a:extLst>
           </p:cNvPr>
@@ -9774,7 +9701,7 @@
           <p:cNvPr id="5" name="TextBox 4">
             <a:extLst>
               <a:ext uri="{FF2B5EF4-FFF2-40B4-BE49-F238E27FC236}">
-                <a16:creationId xmlns="" xmlns:a16="http://schemas.microsoft.com/office/drawing/2014/main" id="{A2AD056B-97A4-5BCC-4460-250160F3E171}"/>
+                <a16:creationId xmlns:a16="http://schemas.microsoft.com/office/drawing/2014/main" id="{A2AD056B-97A4-5BCC-4460-250160F3E171}"/>
               </a:ext>
             </a:extLst>
           </p:cNvPr>
@@ -9906,7 +9833,7 @@
           <p:cNvPr id="2" name="표 2">
             <a:extLst>
               <a:ext uri="{FF2B5EF4-FFF2-40B4-BE49-F238E27FC236}">
-                <a16:creationId xmlns="" xmlns:a16="http://schemas.microsoft.com/office/drawing/2014/main" id="{278095BB-0BB0-CADF-7C55-2C97A29850EA}"/>
+                <a16:creationId xmlns:a16="http://schemas.microsoft.com/office/drawing/2014/main" id="{278095BB-0BB0-CADF-7C55-2C97A29850EA}"/>
               </a:ext>
             </a:extLst>
           </p:cNvPr>
@@ -9935,21 +9862,21 @@
                 <a:gridCol w="3205862">
                   <a:extLst>
                     <a:ext uri="{9D8B030D-6E8A-4147-A177-3AD203B41FA5}">
-                      <a16:colId xmlns="" xmlns:a16="http://schemas.microsoft.com/office/drawing/2014/main" val="1960770391"/>
+                      <a16:colId xmlns:a16="http://schemas.microsoft.com/office/drawing/2014/main" val="1960770391"/>
                     </a:ext>
                   </a:extLst>
                 </a:gridCol>
                 <a:gridCol w="3244971">
                   <a:extLst>
                     <a:ext uri="{9D8B030D-6E8A-4147-A177-3AD203B41FA5}">
-                      <a16:colId xmlns="" xmlns:a16="http://schemas.microsoft.com/office/drawing/2014/main" val="733308553"/>
+                      <a16:colId xmlns:a16="http://schemas.microsoft.com/office/drawing/2014/main" val="733308553"/>
                     </a:ext>
                   </a:extLst>
                 </a:gridCol>
                 <a:gridCol w="5055367">
                   <a:extLst>
                     <a:ext uri="{9D8B030D-6E8A-4147-A177-3AD203B41FA5}">
-                      <a16:colId xmlns="" xmlns:a16="http://schemas.microsoft.com/office/drawing/2014/main" val="1661322813"/>
+                      <a16:colId xmlns:a16="http://schemas.microsoft.com/office/drawing/2014/main" val="1661322813"/>
                     </a:ext>
                   </a:extLst>
                 </a:gridCol>
@@ -10134,7 +10061,7 @@
                 </a:tc>
                 <a:extLst>
                   <a:ext uri="{0D108BD9-81ED-4DB2-BD59-A6C34878D82A}">
-                    <a16:rowId xmlns="" xmlns:a16="http://schemas.microsoft.com/office/drawing/2014/main" val="2452905565"/>
+                    <a16:rowId xmlns:a16="http://schemas.microsoft.com/office/drawing/2014/main" val="2452905565"/>
                   </a:ext>
                 </a:extLst>
               </a:tr>
@@ -10359,7 +10286,7 @@
                 </a:tc>
                 <a:extLst>
                   <a:ext uri="{0D108BD9-81ED-4DB2-BD59-A6C34878D82A}">
-                    <a16:rowId xmlns="" xmlns:a16="http://schemas.microsoft.com/office/drawing/2014/main" val="3551452526"/>
+                    <a16:rowId xmlns:a16="http://schemas.microsoft.com/office/drawing/2014/main" val="3551452526"/>
                   </a:ext>
                 </a:extLst>
               </a:tr>
@@ -10543,7 +10470,7 @@
                 </a:tc>
                 <a:extLst>
                   <a:ext uri="{0D108BD9-81ED-4DB2-BD59-A6C34878D82A}">
-                    <a16:rowId xmlns="" xmlns:a16="http://schemas.microsoft.com/office/drawing/2014/main" val="3645064171"/>
+                    <a16:rowId xmlns:a16="http://schemas.microsoft.com/office/drawing/2014/main" val="3645064171"/>
                   </a:ext>
                 </a:extLst>
               </a:tr>
@@ -10802,7 +10729,7 @@
                 </a:tc>
                 <a:extLst>
                   <a:ext uri="{0D108BD9-81ED-4DB2-BD59-A6C34878D82A}">
-                    <a16:rowId xmlns="" xmlns:a16="http://schemas.microsoft.com/office/drawing/2014/main" val="2802120283"/>
+                    <a16:rowId xmlns:a16="http://schemas.microsoft.com/office/drawing/2014/main" val="2802120283"/>
                   </a:ext>
                 </a:extLst>
               </a:tr>
@@ -11079,7 +11006,7 @@
                 </a:tc>
                 <a:extLst>
                   <a:ext uri="{0D108BD9-81ED-4DB2-BD59-A6C34878D82A}">
-                    <a16:rowId xmlns="" xmlns:a16="http://schemas.microsoft.com/office/drawing/2014/main" val="1362299918"/>
+                    <a16:rowId xmlns:a16="http://schemas.microsoft.com/office/drawing/2014/main" val="1362299918"/>
                   </a:ext>
                 </a:extLst>
               </a:tr>
@@ -11260,7 +11187,7 @@
                 </a:tc>
                 <a:extLst>
                   <a:ext uri="{0D108BD9-81ED-4DB2-BD59-A6C34878D82A}">
-                    <a16:rowId xmlns="" xmlns:a16="http://schemas.microsoft.com/office/drawing/2014/main" val="2632365449"/>
+                    <a16:rowId xmlns:a16="http://schemas.microsoft.com/office/drawing/2014/main" val="2632365449"/>
                   </a:ext>
                 </a:extLst>
               </a:tr>
@@ -11450,7 +11377,7 @@
                 </a:tc>
                 <a:extLst>
                   <a:ext uri="{0D108BD9-81ED-4DB2-BD59-A6C34878D82A}">
-                    <a16:rowId xmlns="" xmlns:a16="http://schemas.microsoft.com/office/drawing/2014/main" val="10006"/>
+                    <a16:rowId xmlns:a16="http://schemas.microsoft.com/office/drawing/2014/main" val="10006"/>
                   </a:ext>
                 </a:extLst>
               </a:tr>
@@ -11640,7 +11567,7 @@
                 </a:tc>
                 <a:extLst>
                   <a:ext uri="{0D108BD9-81ED-4DB2-BD59-A6C34878D82A}">
-                    <a16:rowId xmlns="" xmlns:a16="http://schemas.microsoft.com/office/drawing/2014/main" val="10007"/>
+                    <a16:rowId xmlns:a16="http://schemas.microsoft.com/office/drawing/2014/main" val="10007"/>
                   </a:ext>
                 </a:extLst>
               </a:tr>
@@ -11683,7 +11610,7 @@
           <p:cNvPr id="4" name="TextBox 3">
             <a:extLst>
               <a:ext uri="{FF2B5EF4-FFF2-40B4-BE49-F238E27FC236}">
-                <a16:creationId xmlns="" xmlns:a16="http://schemas.microsoft.com/office/drawing/2014/main" id="{94F75598-C09D-0931-1010-2538F09D551F}"/>
+                <a16:creationId xmlns:a16="http://schemas.microsoft.com/office/drawing/2014/main" id="{94F75598-C09D-0931-1010-2538F09D551F}"/>
               </a:ext>
             </a:extLst>
           </p:cNvPr>
@@ -11751,7 +11678,7 @@
           <p:cNvPr id="5" name="표 2">
             <a:extLst>
               <a:ext uri="{FF2B5EF4-FFF2-40B4-BE49-F238E27FC236}">
-                <a16:creationId xmlns="" xmlns:a16="http://schemas.microsoft.com/office/drawing/2014/main" id="{48E7657F-AC29-74E9-2D25-D5A229EBCF36}"/>
+                <a16:creationId xmlns:a16="http://schemas.microsoft.com/office/drawing/2014/main" id="{48E7657F-AC29-74E9-2D25-D5A229EBCF36}"/>
               </a:ext>
             </a:extLst>
           </p:cNvPr>
@@ -11780,14 +11707,14 @@
                 <a:gridCol w="7109896">
                   <a:extLst>
                     <a:ext uri="{9D8B030D-6E8A-4147-A177-3AD203B41FA5}">
-                      <a16:colId xmlns="" xmlns:a16="http://schemas.microsoft.com/office/drawing/2014/main" val="733308553"/>
+                      <a16:colId xmlns:a16="http://schemas.microsoft.com/office/drawing/2014/main" val="733308553"/>
                     </a:ext>
                   </a:extLst>
                 </a:gridCol>
                 <a:gridCol w="5154675">
                   <a:extLst>
                     <a:ext uri="{9D8B030D-6E8A-4147-A177-3AD203B41FA5}">
-                      <a16:colId xmlns="" xmlns:a16="http://schemas.microsoft.com/office/drawing/2014/main" val="1661322813"/>
+                      <a16:colId xmlns:a16="http://schemas.microsoft.com/office/drawing/2014/main" val="1661322813"/>
                     </a:ext>
                   </a:extLst>
                 </a:gridCol>
@@ -11913,7 +11840,7 @@
                 </a:tc>
                 <a:extLst>
                   <a:ext uri="{0D108BD9-81ED-4DB2-BD59-A6C34878D82A}">
-                    <a16:rowId xmlns="" xmlns:a16="http://schemas.microsoft.com/office/drawing/2014/main" val="2452905565"/>
+                    <a16:rowId xmlns:a16="http://schemas.microsoft.com/office/drawing/2014/main" val="2452905565"/>
                   </a:ext>
                 </a:extLst>
               </a:tr>
@@ -12133,7 +12060,7 @@
                 </a:tc>
                 <a:extLst>
                   <a:ext uri="{0D108BD9-81ED-4DB2-BD59-A6C34878D82A}">
-                    <a16:rowId xmlns="" xmlns:a16="http://schemas.microsoft.com/office/drawing/2014/main" val="3551452526"/>
+                    <a16:rowId xmlns:a16="http://schemas.microsoft.com/office/drawing/2014/main" val="3551452526"/>
                   </a:ext>
                 </a:extLst>
               </a:tr>
@@ -12293,7 +12220,7 @@
                 </a:tc>
                 <a:extLst>
                   <a:ext uri="{0D108BD9-81ED-4DB2-BD59-A6C34878D82A}">
-                    <a16:rowId xmlns="" xmlns:a16="http://schemas.microsoft.com/office/drawing/2014/main" val="3645064171"/>
+                    <a16:rowId xmlns:a16="http://schemas.microsoft.com/office/drawing/2014/main" val="3645064171"/>
                   </a:ext>
                 </a:extLst>
               </a:tr>
@@ -12462,7 +12389,7 @@
                 </a:tc>
                 <a:extLst>
                   <a:ext uri="{0D108BD9-81ED-4DB2-BD59-A6C34878D82A}">
-                    <a16:rowId xmlns="" xmlns:a16="http://schemas.microsoft.com/office/drawing/2014/main" val="2802120283"/>
+                    <a16:rowId xmlns:a16="http://schemas.microsoft.com/office/drawing/2014/main" val="2802120283"/>
                   </a:ext>
                 </a:extLst>
               </a:tr>
@@ -12665,7 +12592,7 @@
                 </a:tc>
                 <a:extLst>
                   <a:ext uri="{0D108BD9-81ED-4DB2-BD59-A6C34878D82A}">
-                    <a16:rowId xmlns="" xmlns:a16="http://schemas.microsoft.com/office/drawing/2014/main" val="1362299918"/>
+                    <a16:rowId xmlns:a16="http://schemas.microsoft.com/office/drawing/2014/main" val="1362299918"/>
                   </a:ext>
                 </a:extLst>
               </a:tr>
@@ -12678,7 +12605,7 @@
           <p:cNvPr id="7" name="그림 6">
             <a:extLst>
               <a:ext uri="{FF2B5EF4-FFF2-40B4-BE49-F238E27FC236}">
-                <a16:creationId xmlns="" xmlns:a16="http://schemas.microsoft.com/office/drawing/2014/main" id="{AE0A8D26-3EEF-035B-4D36-DF73FF7E8C37}"/>
+                <a16:creationId xmlns:a16="http://schemas.microsoft.com/office/drawing/2014/main" id="{AE0A8D26-3EEF-035B-4D36-DF73FF7E8C37}"/>
               </a:ext>
             </a:extLst>
           </p:cNvPr>
@@ -12708,7 +12635,7 @@
           <p:cNvPr id="9" name="그림 8">
             <a:extLst>
               <a:ext uri="{FF2B5EF4-FFF2-40B4-BE49-F238E27FC236}">
-                <a16:creationId xmlns="" xmlns:a16="http://schemas.microsoft.com/office/drawing/2014/main" id="{A85B3710-4FE1-D460-7C50-70851A7BAF55}"/>
+                <a16:creationId xmlns:a16="http://schemas.microsoft.com/office/drawing/2014/main" id="{A85B3710-4FE1-D460-7C50-70851A7BAF55}"/>
               </a:ext>
             </a:extLst>
           </p:cNvPr>
@@ -12743,13 +12670,6 @@
   <p:clrMapOvr>
     <a:masterClrMapping/>
   </p:clrMapOvr>
-  <p:timing>
-    <p:tnLst>
-      <p:par>
-        <p:cTn id="1" dur="indefinite" restart="never" nodeType="tmRoot"/>
-      </p:par>
-    </p:tnLst>
-  </p:timing>
 </p:sld>
 </file>
 
@@ -12775,7 +12695,7 @@
           <p:cNvPr id="9" name="그림 8">
             <a:extLst>
               <a:ext uri="{FF2B5EF4-FFF2-40B4-BE49-F238E27FC236}">
-                <a16:creationId xmlns="" xmlns:a16="http://schemas.microsoft.com/office/drawing/2014/main" id="{AD0F232F-57C5-C7CA-B698-FCE285DA8A30}"/>
+                <a16:creationId xmlns:a16="http://schemas.microsoft.com/office/drawing/2014/main" id="{AD0F232F-57C5-C7CA-B698-FCE285DA8A30}"/>
               </a:ext>
             </a:extLst>
           </p:cNvPr>
@@ -12805,7 +12725,7 @@
           <p:cNvPr id="11" name="그림 10">
             <a:extLst>
               <a:ext uri="{FF2B5EF4-FFF2-40B4-BE49-F238E27FC236}">
-                <a16:creationId xmlns="" xmlns:a16="http://schemas.microsoft.com/office/drawing/2014/main" id="{821B2C13-4F47-C35F-05C9-992EECEA08D1}"/>
+                <a16:creationId xmlns:a16="http://schemas.microsoft.com/office/drawing/2014/main" id="{821B2C13-4F47-C35F-05C9-992EECEA08D1}"/>
               </a:ext>
             </a:extLst>
           </p:cNvPr>
@@ -12835,7 +12755,7 @@
           <p:cNvPr id="13" name="그림 12">
             <a:extLst>
               <a:ext uri="{FF2B5EF4-FFF2-40B4-BE49-F238E27FC236}">
-                <a16:creationId xmlns="" xmlns:a16="http://schemas.microsoft.com/office/drawing/2014/main" id="{F56CDBD7-5423-AAE0-85B9-DD0EF96DF962}"/>
+                <a16:creationId xmlns:a16="http://schemas.microsoft.com/office/drawing/2014/main" id="{F56CDBD7-5423-AAE0-85B9-DD0EF96DF962}"/>
               </a:ext>
             </a:extLst>
           </p:cNvPr>
@@ -12865,7 +12785,7 @@
           <p:cNvPr id="14" name="TextBox 13">
             <a:extLst>
               <a:ext uri="{FF2B5EF4-FFF2-40B4-BE49-F238E27FC236}">
-                <a16:creationId xmlns="" xmlns:a16="http://schemas.microsoft.com/office/drawing/2014/main" id="{DFA52370-E1A4-7531-FDCB-2071825E9DB5}"/>
+                <a16:creationId xmlns:a16="http://schemas.microsoft.com/office/drawing/2014/main" id="{DFA52370-E1A4-7531-FDCB-2071825E9DB5}"/>
               </a:ext>
             </a:extLst>
           </p:cNvPr>
@@ -12933,7 +12853,7 @@
           <p:cNvPr id="16" name="그림 15">
             <a:extLst>
               <a:ext uri="{FF2B5EF4-FFF2-40B4-BE49-F238E27FC236}">
-                <a16:creationId xmlns="" xmlns:a16="http://schemas.microsoft.com/office/drawing/2014/main" id="{53315EB8-FA37-B696-2A81-595F3BBBB080}"/>
+                <a16:creationId xmlns:a16="http://schemas.microsoft.com/office/drawing/2014/main" id="{53315EB8-FA37-B696-2A81-595F3BBBB080}"/>
               </a:ext>
             </a:extLst>
           </p:cNvPr>
@@ -12963,7 +12883,7 @@
           <p:cNvPr id="17" name="직사각형 16">
             <a:extLst>
               <a:ext uri="{FF2B5EF4-FFF2-40B4-BE49-F238E27FC236}">
-                <a16:creationId xmlns="" xmlns:a16="http://schemas.microsoft.com/office/drawing/2014/main" id="{4ABB6460-CABA-DEA4-B03C-21723FF1CB71}"/>
+                <a16:creationId xmlns:a16="http://schemas.microsoft.com/office/drawing/2014/main" id="{4ABB6460-CABA-DEA4-B03C-21723FF1CB71}"/>
               </a:ext>
             </a:extLst>
           </p:cNvPr>
@@ -13015,7 +12935,7 @@
           <p:cNvPr id="18" name="직선 화살표 연결선 17">
             <a:extLst>
               <a:ext uri="{FF2B5EF4-FFF2-40B4-BE49-F238E27FC236}">
-                <a16:creationId xmlns="" xmlns:a16="http://schemas.microsoft.com/office/drawing/2014/main" id="{CC0BAF65-6802-40B1-5004-BFB8D3C5465A}"/>
+                <a16:creationId xmlns:a16="http://schemas.microsoft.com/office/drawing/2014/main" id="{CC0BAF65-6802-40B1-5004-BFB8D3C5465A}"/>
               </a:ext>
             </a:extLst>
           </p:cNvPr>
@@ -13056,7 +12976,7 @@
           <p:cNvPr id="19" name="TextBox 18">
             <a:extLst>
               <a:ext uri="{FF2B5EF4-FFF2-40B4-BE49-F238E27FC236}">
-                <a16:creationId xmlns="" xmlns:a16="http://schemas.microsoft.com/office/drawing/2014/main" id="{3E4B0FDF-9D84-B4F4-6ABF-4E7AAA2938DA}"/>
+                <a16:creationId xmlns:a16="http://schemas.microsoft.com/office/drawing/2014/main" id="{3E4B0FDF-9D84-B4F4-6ABF-4E7AAA2938DA}"/>
               </a:ext>
             </a:extLst>
           </p:cNvPr>
@@ -13137,7 +13057,7 @@
           <p:cNvPr id="5" name="그림 4">
             <a:extLst>
               <a:ext uri="{FF2B5EF4-FFF2-40B4-BE49-F238E27FC236}">
-                <a16:creationId xmlns="" xmlns:a16="http://schemas.microsoft.com/office/drawing/2014/main" id="{0C58F38A-668D-F086-BA73-F9C2EDAAE878}"/>
+                <a16:creationId xmlns:a16="http://schemas.microsoft.com/office/drawing/2014/main" id="{0C58F38A-668D-F086-BA73-F9C2EDAAE878}"/>
               </a:ext>
             </a:extLst>
           </p:cNvPr>
@@ -13167,7 +13087,7 @@
           <p:cNvPr id="7" name="그림 6">
             <a:extLst>
               <a:ext uri="{FF2B5EF4-FFF2-40B4-BE49-F238E27FC236}">
-                <a16:creationId xmlns="" xmlns:a16="http://schemas.microsoft.com/office/drawing/2014/main" id="{4B10BD0B-E467-B079-A989-BF312FAA7A0A}"/>
+                <a16:creationId xmlns:a16="http://schemas.microsoft.com/office/drawing/2014/main" id="{4B10BD0B-E467-B079-A989-BF312FAA7A0A}"/>
               </a:ext>
             </a:extLst>
           </p:cNvPr>
@@ -13329,7 +13249,7 @@
           <p:cNvPr id="4" name="TextBox 3">
             <a:extLst>
               <a:ext uri="{FF2B5EF4-FFF2-40B4-BE49-F238E27FC236}">
-                <a16:creationId xmlns="" xmlns:a16="http://schemas.microsoft.com/office/drawing/2014/main" id="{A4B47D42-18AA-229A-0D37-134EBEF1C590}"/>
+                <a16:creationId xmlns:a16="http://schemas.microsoft.com/office/drawing/2014/main" id="{A4B47D42-18AA-229A-0D37-134EBEF1C590}"/>
               </a:ext>
             </a:extLst>
           </p:cNvPr>
@@ -13450,7 +13370,7 @@
           <p:cNvPr id="5" name="TextBox 4">
             <a:extLst>
               <a:ext uri="{FF2B5EF4-FFF2-40B4-BE49-F238E27FC236}">
-                <a16:creationId xmlns="" xmlns:a16="http://schemas.microsoft.com/office/drawing/2014/main" id="{9AC23E82-E1D0-37C7-8671-62256955F11C}"/>
+                <a16:creationId xmlns:a16="http://schemas.microsoft.com/office/drawing/2014/main" id="{9AC23E82-E1D0-37C7-8671-62256955F11C}"/>
               </a:ext>
             </a:extLst>
           </p:cNvPr>
@@ -13623,7 +13543,7 @@
           <p:cNvPr id="6" name="그림 5">
             <a:extLst>
               <a:ext uri="{FF2B5EF4-FFF2-40B4-BE49-F238E27FC236}">
-                <a16:creationId xmlns="" xmlns:a16="http://schemas.microsoft.com/office/drawing/2014/main" id="{30D96430-B52F-869F-CAE4-D3C67B7C95B5}"/>
+                <a16:creationId xmlns:a16="http://schemas.microsoft.com/office/drawing/2014/main" id="{30D96430-B52F-869F-CAE4-D3C67B7C95B5}"/>
               </a:ext>
             </a:extLst>
           </p:cNvPr>
@@ -13931,7 +13851,7 @@
           <p:cNvPr id="11" name="TextBox 10">
             <a:extLst>
               <a:ext uri="{FF2B5EF4-FFF2-40B4-BE49-F238E27FC236}">
-                <a16:creationId xmlns="" xmlns:a16="http://schemas.microsoft.com/office/drawing/2014/main" id="{9F88F580-08BE-88C2-D640-13F0026591CB}"/>
+                <a16:creationId xmlns:a16="http://schemas.microsoft.com/office/drawing/2014/main" id="{9F88F580-08BE-88C2-D640-13F0026591CB}"/>
               </a:ext>
             </a:extLst>
           </p:cNvPr>
@@ -13982,7 +13902,7 @@
           <p:cNvPr id="13" name="TextBox 12">
             <a:extLst>
               <a:ext uri="{FF2B5EF4-FFF2-40B4-BE49-F238E27FC236}">
-                <a16:creationId xmlns="" xmlns:a16="http://schemas.microsoft.com/office/drawing/2014/main" id="{72769C28-9BB6-DE9C-7B6F-264B77B8DD0E}"/>
+                <a16:creationId xmlns:a16="http://schemas.microsoft.com/office/drawing/2014/main" id="{72769C28-9BB6-DE9C-7B6F-264B77B8DD0E}"/>
               </a:ext>
             </a:extLst>
           </p:cNvPr>
@@ -14030,7 +13950,7 @@
           <p:cNvPr id="14" name="TextBox 13">
             <a:extLst>
               <a:ext uri="{FF2B5EF4-FFF2-40B4-BE49-F238E27FC236}">
-                <a16:creationId xmlns="" xmlns:a16="http://schemas.microsoft.com/office/drawing/2014/main" id="{270FBB6A-01CE-5637-78DA-58F0C974145C}"/>
+                <a16:creationId xmlns:a16="http://schemas.microsoft.com/office/drawing/2014/main" id="{270FBB6A-01CE-5637-78DA-58F0C974145C}"/>
               </a:ext>
             </a:extLst>
           </p:cNvPr>
@@ -14078,7 +13998,7 @@
           <p:cNvPr id="2" name="Object 17">
             <a:extLst>
               <a:ext uri="{FF2B5EF4-FFF2-40B4-BE49-F238E27FC236}">
-                <a16:creationId xmlns="" xmlns:a16="http://schemas.microsoft.com/office/drawing/2014/main" id="{140B283D-FE58-FA6F-6F7C-E0F1DBB62A65}"/>
+                <a16:creationId xmlns:a16="http://schemas.microsoft.com/office/drawing/2014/main" id="{140B283D-FE58-FA6F-6F7C-E0F1DBB62A65}"/>
               </a:ext>
             </a:extLst>
           </p:cNvPr>
@@ -14108,7 +14028,7 @@
           <p:cNvPr id="4" name="TextBox 3">
             <a:extLst>
               <a:ext uri="{FF2B5EF4-FFF2-40B4-BE49-F238E27FC236}">
-                <a16:creationId xmlns="" xmlns:a16="http://schemas.microsoft.com/office/drawing/2014/main" id="{2C8D0998-79BC-6FD2-59D9-8052B4A25F65}"/>
+                <a16:creationId xmlns:a16="http://schemas.microsoft.com/office/drawing/2014/main" id="{2C8D0998-79BC-6FD2-59D9-8052B4A25F65}"/>
               </a:ext>
             </a:extLst>
           </p:cNvPr>
@@ -14156,7 +14076,7 @@
           <p:cNvPr id="5" name="Object 18">
             <a:extLst>
               <a:ext uri="{FF2B5EF4-FFF2-40B4-BE49-F238E27FC236}">
-                <a16:creationId xmlns="" xmlns:a16="http://schemas.microsoft.com/office/drawing/2014/main" id="{3F58EA3E-1018-64D3-FAB2-4F6B9618FA56}"/>
+                <a16:creationId xmlns:a16="http://schemas.microsoft.com/office/drawing/2014/main" id="{3F58EA3E-1018-64D3-FAB2-4F6B9618FA56}"/>
               </a:ext>
             </a:extLst>
           </p:cNvPr>
@@ -14186,7 +14106,7 @@
           <p:cNvPr id="8" name="TextBox 7">
             <a:extLst>
               <a:ext uri="{FF2B5EF4-FFF2-40B4-BE49-F238E27FC236}">
-                <a16:creationId xmlns="" xmlns:a16="http://schemas.microsoft.com/office/drawing/2014/main" id="{681D3F16-7DCF-41AD-F5F1-0558C78C0E4D}"/>
+                <a16:creationId xmlns:a16="http://schemas.microsoft.com/office/drawing/2014/main" id="{681D3F16-7DCF-41AD-F5F1-0558C78C0E4D}"/>
               </a:ext>
             </a:extLst>
           </p:cNvPr>
@@ -14259,7 +14179,7 @@
           <p:cNvPr id="4" name="TextBox 3">
             <a:extLst>
               <a:ext uri="{FF2B5EF4-FFF2-40B4-BE49-F238E27FC236}">
-                <a16:creationId xmlns="" xmlns:a16="http://schemas.microsoft.com/office/drawing/2014/main" id="{C81487F5-7D8C-9906-1F93-ABBDA7A0F5C3}"/>
+                <a16:creationId xmlns:a16="http://schemas.microsoft.com/office/drawing/2014/main" id="{C81487F5-7D8C-9906-1F93-ABBDA7A0F5C3}"/>
               </a:ext>
             </a:extLst>
           </p:cNvPr>
@@ -14360,7 +14280,7 @@
           <p:cNvPr id="6" name="그림 5">
             <a:extLst>
               <a:ext uri="{FF2B5EF4-FFF2-40B4-BE49-F238E27FC236}">
-                <a16:creationId xmlns="" xmlns:a16="http://schemas.microsoft.com/office/drawing/2014/main" id="{0B027E8F-3AB7-7678-3534-0C89F2A31003}"/>
+                <a16:creationId xmlns:a16="http://schemas.microsoft.com/office/drawing/2014/main" id="{0B027E8F-3AB7-7678-3534-0C89F2A31003}"/>
               </a:ext>
             </a:extLst>
           </p:cNvPr>
@@ -14390,7 +14310,7 @@
           <p:cNvPr id="7" name="직사각형 6">
             <a:extLst>
               <a:ext uri="{FF2B5EF4-FFF2-40B4-BE49-F238E27FC236}">
-                <a16:creationId xmlns="" xmlns:a16="http://schemas.microsoft.com/office/drawing/2014/main" id="{B5899ECF-219A-C5C7-80F2-CE9DD3ADC122}"/>
+                <a16:creationId xmlns:a16="http://schemas.microsoft.com/office/drawing/2014/main" id="{B5899ECF-219A-C5C7-80F2-CE9DD3ADC122}"/>
               </a:ext>
             </a:extLst>
           </p:cNvPr>
@@ -14447,13 +14367,6 @@
   <p:clrMapOvr>
     <a:masterClrMapping/>
   </p:clrMapOvr>
-  <p:timing>
-    <p:tnLst>
-      <p:par>
-        <p:cTn id="1" dur="indefinite" restart="never" nodeType="tmRoot"/>
-      </p:par>
-    </p:tnLst>
-  </p:timing>
 </p:sld>
 </file>
 
@@ -14479,7 +14392,7 @@
           <p:cNvPr id="5" name="그림 4">
             <a:extLst>
               <a:ext uri="{FF2B5EF4-FFF2-40B4-BE49-F238E27FC236}">
-                <a16:creationId xmlns="" xmlns:a16="http://schemas.microsoft.com/office/drawing/2014/main" id="{42B188B5-1E6E-9160-FFA8-1F6B7CB539BD}"/>
+                <a16:creationId xmlns:a16="http://schemas.microsoft.com/office/drawing/2014/main" id="{42B188B5-1E6E-9160-FFA8-1F6B7CB539BD}"/>
               </a:ext>
             </a:extLst>
           </p:cNvPr>
@@ -14509,7 +14422,7 @@
           <p:cNvPr id="7" name="그림 6">
             <a:extLst>
               <a:ext uri="{FF2B5EF4-FFF2-40B4-BE49-F238E27FC236}">
-                <a16:creationId xmlns="" xmlns:a16="http://schemas.microsoft.com/office/drawing/2014/main" id="{26F6553B-1023-1B6D-A835-0D79AF451235}"/>
+                <a16:creationId xmlns:a16="http://schemas.microsoft.com/office/drawing/2014/main" id="{26F6553B-1023-1B6D-A835-0D79AF451235}"/>
               </a:ext>
             </a:extLst>
           </p:cNvPr>
@@ -14539,7 +14452,7 @@
           <p:cNvPr id="8" name="TextBox 7">
             <a:extLst>
               <a:ext uri="{FF2B5EF4-FFF2-40B4-BE49-F238E27FC236}">
-                <a16:creationId xmlns="" xmlns:a16="http://schemas.microsoft.com/office/drawing/2014/main" id="{B9FA400A-B8B5-83B3-7238-B83D697C57CB}"/>
+                <a16:creationId xmlns:a16="http://schemas.microsoft.com/office/drawing/2014/main" id="{B9FA400A-B8B5-83B3-7238-B83D697C57CB}"/>
               </a:ext>
             </a:extLst>
           </p:cNvPr>
@@ -14590,7 +14503,7 @@
           <p:cNvPr id="10" name="그림 9">
             <a:extLst>
               <a:ext uri="{FF2B5EF4-FFF2-40B4-BE49-F238E27FC236}">
-                <a16:creationId xmlns="" xmlns:a16="http://schemas.microsoft.com/office/drawing/2014/main" id="{B0FD798C-49ED-D01A-FF7E-3F9DE2FF623D}"/>
+                <a16:creationId xmlns:a16="http://schemas.microsoft.com/office/drawing/2014/main" id="{B0FD798C-49ED-D01A-FF7E-3F9DE2FF623D}"/>
               </a:ext>
             </a:extLst>
           </p:cNvPr>
@@ -14620,7 +14533,7 @@
           <p:cNvPr id="11" name="TextBox 10">
             <a:extLst>
               <a:ext uri="{FF2B5EF4-FFF2-40B4-BE49-F238E27FC236}">
-                <a16:creationId xmlns="" xmlns:a16="http://schemas.microsoft.com/office/drawing/2014/main" id="{C9F6AFE8-C396-FF1A-6451-19A9CAB1CDBF}"/>
+                <a16:creationId xmlns:a16="http://schemas.microsoft.com/office/drawing/2014/main" id="{C9F6AFE8-C396-FF1A-6451-19A9CAB1CDBF}"/>
               </a:ext>
             </a:extLst>
           </p:cNvPr>
@@ -14691,7 +14604,7 @@
           <p:cNvPr id="12" name="그림 11">
             <a:extLst>
               <a:ext uri="{FF2B5EF4-FFF2-40B4-BE49-F238E27FC236}">
-                <a16:creationId xmlns="" xmlns:a16="http://schemas.microsoft.com/office/drawing/2014/main" id="{4AE3EE00-181E-3E15-E39F-D46245B6DF7F}"/>
+                <a16:creationId xmlns:a16="http://schemas.microsoft.com/office/drawing/2014/main" id="{4AE3EE00-181E-3E15-E39F-D46245B6DF7F}"/>
               </a:ext>
             </a:extLst>
           </p:cNvPr>
@@ -14871,7 +14784,7 @@
           <p:cNvPr id="4" name="TextBox 3">
             <a:extLst>
               <a:ext uri="{FF2B5EF4-FFF2-40B4-BE49-F238E27FC236}">
-                <a16:creationId xmlns="" xmlns:a16="http://schemas.microsoft.com/office/drawing/2014/main" id="{714AD66A-1431-81A5-C485-5B5EE9D88CD9}"/>
+                <a16:creationId xmlns:a16="http://schemas.microsoft.com/office/drawing/2014/main" id="{714AD66A-1431-81A5-C485-5B5EE9D88CD9}"/>
               </a:ext>
             </a:extLst>
           </p:cNvPr>
@@ -14952,7 +14865,7 @@
           <p:cNvPr id="6" name="그림 5">
             <a:extLst>
               <a:ext uri="{FF2B5EF4-FFF2-40B4-BE49-F238E27FC236}">
-                <a16:creationId xmlns="" xmlns:a16="http://schemas.microsoft.com/office/drawing/2014/main" id="{4DD77E04-6E0A-113A-8B50-2F0D213B173C}"/>
+                <a16:creationId xmlns:a16="http://schemas.microsoft.com/office/drawing/2014/main" id="{4DD77E04-6E0A-113A-8B50-2F0D213B173C}"/>
               </a:ext>
             </a:extLst>
           </p:cNvPr>
@@ -14982,7 +14895,7 @@
           <p:cNvPr id="7" name="TextBox 6">
             <a:extLst>
               <a:ext uri="{FF2B5EF4-FFF2-40B4-BE49-F238E27FC236}">
-                <a16:creationId xmlns="" xmlns:a16="http://schemas.microsoft.com/office/drawing/2014/main" id="{7688AD3F-0A4F-B617-5D69-BCD02042E948}"/>
+                <a16:creationId xmlns:a16="http://schemas.microsoft.com/office/drawing/2014/main" id="{7688AD3F-0A4F-B617-5D69-BCD02042E948}"/>
               </a:ext>
             </a:extLst>
           </p:cNvPr>
@@ -15050,7 +14963,7 @@
           <p:cNvPr id="8" name="직사각형 7">
             <a:extLst>
               <a:ext uri="{FF2B5EF4-FFF2-40B4-BE49-F238E27FC236}">
-                <a16:creationId xmlns="" xmlns:a16="http://schemas.microsoft.com/office/drawing/2014/main" id="{72399CD4-03E0-2E83-8173-848FB14CF325}"/>
+                <a16:creationId xmlns:a16="http://schemas.microsoft.com/office/drawing/2014/main" id="{72399CD4-03E0-2E83-8173-848FB14CF325}"/>
               </a:ext>
             </a:extLst>
           </p:cNvPr>
@@ -15102,7 +15015,7 @@
           <p:cNvPr id="9" name="직사각형 8">
             <a:extLst>
               <a:ext uri="{FF2B5EF4-FFF2-40B4-BE49-F238E27FC236}">
-                <a16:creationId xmlns="" xmlns:a16="http://schemas.microsoft.com/office/drawing/2014/main" id="{F032ECF1-4D2A-58ED-74B9-781946710DCF}"/>
+                <a16:creationId xmlns:a16="http://schemas.microsoft.com/office/drawing/2014/main" id="{F032ECF1-4D2A-58ED-74B9-781946710DCF}"/>
               </a:ext>
             </a:extLst>
           </p:cNvPr>
@@ -15154,7 +15067,7 @@
           <p:cNvPr id="10" name="직선 화살표 연결선 9">
             <a:extLst>
               <a:ext uri="{FF2B5EF4-FFF2-40B4-BE49-F238E27FC236}">
-                <a16:creationId xmlns="" xmlns:a16="http://schemas.microsoft.com/office/drawing/2014/main" id="{5FDA891A-69C5-B9EC-35D4-0B9F77865DCA}"/>
+                <a16:creationId xmlns:a16="http://schemas.microsoft.com/office/drawing/2014/main" id="{5FDA891A-69C5-B9EC-35D4-0B9F77865DCA}"/>
               </a:ext>
             </a:extLst>
           </p:cNvPr>
@@ -15195,7 +15108,7 @@
           <p:cNvPr id="11" name="TextBox 10">
             <a:extLst>
               <a:ext uri="{FF2B5EF4-FFF2-40B4-BE49-F238E27FC236}">
-                <a16:creationId xmlns="" xmlns:a16="http://schemas.microsoft.com/office/drawing/2014/main" id="{D1659B4E-EC4C-C0EF-3689-E85887FEB6C0}"/>
+                <a16:creationId xmlns:a16="http://schemas.microsoft.com/office/drawing/2014/main" id="{D1659B4E-EC4C-C0EF-3689-E85887FEB6C0}"/>
               </a:ext>
             </a:extLst>
           </p:cNvPr>
@@ -15286,7 +15199,7 @@
           <p:cNvPr id="14" name="그림 13">
             <a:extLst>
               <a:ext uri="{FF2B5EF4-FFF2-40B4-BE49-F238E27FC236}">
-                <a16:creationId xmlns="" xmlns:a16="http://schemas.microsoft.com/office/drawing/2014/main" id="{1E0C07AA-4519-0F4F-BD8D-4D7191B57876}"/>
+                <a16:creationId xmlns:a16="http://schemas.microsoft.com/office/drawing/2014/main" id="{1E0C07AA-4519-0F4F-BD8D-4D7191B57876}"/>
               </a:ext>
             </a:extLst>
           </p:cNvPr>
@@ -15346,7 +15259,7 @@
           <p:cNvPr id="5" name="그림 4">
             <a:extLst>
               <a:ext uri="{FF2B5EF4-FFF2-40B4-BE49-F238E27FC236}">
-                <a16:creationId xmlns="" xmlns:a16="http://schemas.microsoft.com/office/drawing/2014/main" id="{ACFECC8E-077E-192F-8168-FE5A1D129F24}"/>
+                <a16:creationId xmlns:a16="http://schemas.microsoft.com/office/drawing/2014/main" id="{ACFECC8E-077E-192F-8168-FE5A1D129F24}"/>
               </a:ext>
             </a:extLst>
           </p:cNvPr>
@@ -15376,7 +15289,7 @@
           <p:cNvPr id="6" name="직선 화살표 연결선 5">
             <a:extLst>
               <a:ext uri="{FF2B5EF4-FFF2-40B4-BE49-F238E27FC236}">
-                <a16:creationId xmlns="" xmlns:a16="http://schemas.microsoft.com/office/drawing/2014/main" id="{4C73D929-C88F-513D-0486-C18214676825}"/>
+                <a16:creationId xmlns:a16="http://schemas.microsoft.com/office/drawing/2014/main" id="{4C73D929-C88F-513D-0486-C18214676825}"/>
               </a:ext>
             </a:extLst>
           </p:cNvPr>
@@ -15417,7 +15330,7 @@
           <p:cNvPr id="7" name="직사각형 6">
             <a:extLst>
               <a:ext uri="{FF2B5EF4-FFF2-40B4-BE49-F238E27FC236}">
-                <a16:creationId xmlns="" xmlns:a16="http://schemas.microsoft.com/office/drawing/2014/main" id="{774B6D50-DB97-F8B2-5B68-020C110A2151}"/>
+                <a16:creationId xmlns:a16="http://schemas.microsoft.com/office/drawing/2014/main" id="{774B6D50-DB97-F8B2-5B68-020C110A2151}"/>
               </a:ext>
             </a:extLst>
           </p:cNvPr>
@@ -15469,7 +15382,7 @@
           <p:cNvPr id="8" name="TextBox 7">
             <a:extLst>
               <a:ext uri="{FF2B5EF4-FFF2-40B4-BE49-F238E27FC236}">
-                <a16:creationId xmlns="" xmlns:a16="http://schemas.microsoft.com/office/drawing/2014/main" id="{BB2BB848-BE50-697B-873A-9160BEA3AB6C}"/>
+                <a16:creationId xmlns:a16="http://schemas.microsoft.com/office/drawing/2014/main" id="{BB2BB848-BE50-697B-873A-9160BEA3AB6C}"/>
               </a:ext>
             </a:extLst>
           </p:cNvPr>
@@ -15590,7 +15503,7 @@
           <p:cNvPr id="5" name="그림 4">
             <a:extLst>
               <a:ext uri="{FF2B5EF4-FFF2-40B4-BE49-F238E27FC236}">
-                <a16:creationId xmlns="" xmlns:a16="http://schemas.microsoft.com/office/drawing/2014/main" id="{9CAB82E4-9461-C08B-9F2B-A0FE4CC8F63C}"/>
+                <a16:creationId xmlns:a16="http://schemas.microsoft.com/office/drawing/2014/main" id="{9CAB82E4-9461-C08B-9F2B-A0FE4CC8F63C}"/>
               </a:ext>
             </a:extLst>
           </p:cNvPr>
@@ -15620,7 +15533,7 @@
           <p:cNvPr id="7" name="그림 6">
             <a:extLst>
               <a:ext uri="{FF2B5EF4-FFF2-40B4-BE49-F238E27FC236}">
-                <a16:creationId xmlns="" xmlns:a16="http://schemas.microsoft.com/office/drawing/2014/main" id="{3DA27BC0-5D81-043E-1C9B-BBD8904CF8C4}"/>
+                <a16:creationId xmlns:a16="http://schemas.microsoft.com/office/drawing/2014/main" id="{3DA27BC0-5D81-043E-1C9B-BBD8904CF8C4}"/>
               </a:ext>
             </a:extLst>
           </p:cNvPr>
@@ -15650,7 +15563,7 @@
           <p:cNvPr id="8" name="직사각형 7">
             <a:extLst>
               <a:ext uri="{FF2B5EF4-FFF2-40B4-BE49-F238E27FC236}">
-                <a16:creationId xmlns="" xmlns:a16="http://schemas.microsoft.com/office/drawing/2014/main" id="{2A381ED6-8B90-2798-EDBC-07641F27291E}"/>
+                <a16:creationId xmlns:a16="http://schemas.microsoft.com/office/drawing/2014/main" id="{2A381ED6-8B90-2798-EDBC-07641F27291E}"/>
               </a:ext>
             </a:extLst>
           </p:cNvPr>
@@ -15702,7 +15615,7 @@
           <p:cNvPr id="9" name="직선 화살표 연결선 8">
             <a:extLst>
               <a:ext uri="{FF2B5EF4-FFF2-40B4-BE49-F238E27FC236}">
-                <a16:creationId xmlns="" xmlns:a16="http://schemas.microsoft.com/office/drawing/2014/main" id="{70B48AFB-0111-0CEF-AC72-74CEBDF2809B}"/>
+                <a16:creationId xmlns:a16="http://schemas.microsoft.com/office/drawing/2014/main" id="{70B48AFB-0111-0CEF-AC72-74CEBDF2809B}"/>
               </a:ext>
             </a:extLst>
           </p:cNvPr>
@@ -15743,7 +15656,7 @@
           <p:cNvPr id="10" name="TextBox 9">
             <a:extLst>
               <a:ext uri="{FF2B5EF4-FFF2-40B4-BE49-F238E27FC236}">
-                <a16:creationId xmlns="" xmlns:a16="http://schemas.microsoft.com/office/drawing/2014/main" id="{984B5AFF-469B-392E-1F28-2F754162E183}"/>
+                <a16:creationId xmlns:a16="http://schemas.microsoft.com/office/drawing/2014/main" id="{984B5AFF-469B-392E-1F28-2F754162E183}"/>
               </a:ext>
             </a:extLst>
           </p:cNvPr>
@@ -15794,7 +15707,7 @@
           <p:cNvPr id="13" name="그림 12">
             <a:extLst>
               <a:ext uri="{FF2B5EF4-FFF2-40B4-BE49-F238E27FC236}">
-                <a16:creationId xmlns="" xmlns:a16="http://schemas.microsoft.com/office/drawing/2014/main" id="{CBD42DC9-D177-9501-FD03-DDAAB6DE8107}"/>
+                <a16:creationId xmlns:a16="http://schemas.microsoft.com/office/drawing/2014/main" id="{CBD42DC9-D177-9501-FD03-DDAAB6DE8107}"/>
               </a:ext>
             </a:extLst>
           </p:cNvPr>
@@ -15824,7 +15737,7 @@
           <p:cNvPr id="15" name="TextBox 14">
             <a:extLst>
               <a:ext uri="{FF2B5EF4-FFF2-40B4-BE49-F238E27FC236}">
-                <a16:creationId xmlns="" xmlns:a16="http://schemas.microsoft.com/office/drawing/2014/main" id="{62F7974A-2843-44F2-F4E2-23080B171E42}"/>
+                <a16:creationId xmlns:a16="http://schemas.microsoft.com/office/drawing/2014/main" id="{62F7974A-2843-44F2-F4E2-23080B171E42}"/>
               </a:ext>
             </a:extLst>
           </p:cNvPr>
@@ -15875,7 +15788,7 @@
           <p:cNvPr id="16" name="그림 15">
             <a:extLst>
               <a:ext uri="{FF2B5EF4-FFF2-40B4-BE49-F238E27FC236}">
-                <a16:creationId xmlns="" xmlns:a16="http://schemas.microsoft.com/office/drawing/2014/main" id="{D33F0424-88A6-7EE0-C6F0-F9BB3C8DB26A}"/>
+                <a16:creationId xmlns:a16="http://schemas.microsoft.com/office/drawing/2014/main" id="{D33F0424-88A6-7EE0-C6F0-F9BB3C8DB26A}"/>
               </a:ext>
             </a:extLst>
           </p:cNvPr>
@@ -16010,7 +15923,7 @@
           <p:cNvPr id="10" name="그림 9">
             <a:extLst>
               <a:ext uri="{FF2B5EF4-FFF2-40B4-BE49-F238E27FC236}">
-                <a16:creationId xmlns="" xmlns:a16="http://schemas.microsoft.com/office/drawing/2014/main" id="{F39856AD-3949-5303-B24B-2B542939076A}"/>
+                <a16:creationId xmlns:a16="http://schemas.microsoft.com/office/drawing/2014/main" id="{F39856AD-3949-5303-B24B-2B542939076A}"/>
               </a:ext>
             </a:extLst>
           </p:cNvPr>
@@ -16040,7 +15953,7 @@
           <p:cNvPr id="12" name="그림 11">
             <a:extLst>
               <a:ext uri="{FF2B5EF4-FFF2-40B4-BE49-F238E27FC236}">
-                <a16:creationId xmlns="" xmlns:a16="http://schemas.microsoft.com/office/drawing/2014/main" id="{15B52A7A-A106-1A74-E26B-F314A81ED33B}"/>
+                <a16:creationId xmlns:a16="http://schemas.microsoft.com/office/drawing/2014/main" id="{15B52A7A-A106-1A74-E26B-F314A81ED33B}"/>
               </a:ext>
             </a:extLst>
           </p:cNvPr>
@@ -16070,7 +15983,7 @@
           <p:cNvPr id="13" name="직선 화살표 연결선 12">
             <a:extLst>
               <a:ext uri="{FF2B5EF4-FFF2-40B4-BE49-F238E27FC236}">
-                <a16:creationId xmlns="" xmlns:a16="http://schemas.microsoft.com/office/drawing/2014/main" id="{939CD1E7-E008-DC73-18E8-72E0E9852195}"/>
+                <a16:creationId xmlns:a16="http://schemas.microsoft.com/office/drawing/2014/main" id="{939CD1E7-E008-DC73-18E8-72E0E9852195}"/>
               </a:ext>
             </a:extLst>
           </p:cNvPr>
@@ -16111,7 +16024,7 @@
           <p:cNvPr id="14" name="직사각형 13">
             <a:extLst>
               <a:ext uri="{FF2B5EF4-FFF2-40B4-BE49-F238E27FC236}">
-                <a16:creationId xmlns="" xmlns:a16="http://schemas.microsoft.com/office/drawing/2014/main" id="{5E92FFB7-4811-9AE8-9FD1-8164F20C3204}"/>
+                <a16:creationId xmlns:a16="http://schemas.microsoft.com/office/drawing/2014/main" id="{5E92FFB7-4811-9AE8-9FD1-8164F20C3204}"/>
               </a:ext>
             </a:extLst>
           </p:cNvPr>
@@ -16163,7 +16076,7 @@
           <p:cNvPr id="15" name="TextBox 14">
             <a:extLst>
               <a:ext uri="{FF2B5EF4-FFF2-40B4-BE49-F238E27FC236}">
-                <a16:creationId xmlns="" xmlns:a16="http://schemas.microsoft.com/office/drawing/2014/main" id="{E6AD528D-A493-BF78-4262-65950592FA50}"/>
+                <a16:creationId xmlns:a16="http://schemas.microsoft.com/office/drawing/2014/main" id="{E6AD528D-A493-BF78-4262-65950592FA50}"/>
               </a:ext>
             </a:extLst>
           </p:cNvPr>
@@ -16244,7 +16157,7 @@
           <p:cNvPr id="16" name="직선 화살표 연결선 15">
             <a:extLst>
               <a:ext uri="{FF2B5EF4-FFF2-40B4-BE49-F238E27FC236}">
-                <a16:creationId xmlns="" xmlns:a16="http://schemas.microsoft.com/office/drawing/2014/main" id="{E42EBF2C-9833-8C50-F5F2-CB7E61478D60}"/>
+                <a16:creationId xmlns:a16="http://schemas.microsoft.com/office/drawing/2014/main" id="{E42EBF2C-9833-8C50-F5F2-CB7E61478D60}"/>
               </a:ext>
             </a:extLst>
           </p:cNvPr>
@@ -16285,7 +16198,7 @@
           <p:cNvPr id="17" name="TextBox 16">
             <a:extLst>
               <a:ext uri="{FF2B5EF4-FFF2-40B4-BE49-F238E27FC236}">
-                <a16:creationId xmlns="" xmlns:a16="http://schemas.microsoft.com/office/drawing/2014/main" id="{0B870231-0772-19D0-EF13-8C97F8514E8B}"/>
+                <a16:creationId xmlns:a16="http://schemas.microsoft.com/office/drawing/2014/main" id="{0B870231-0772-19D0-EF13-8C97F8514E8B}"/>
               </a:ext>
             </a:extLst>
           </p:cNvPr>
@@ -16396,7 +16309,7 @@
           <p:cNvPr id="4" name="TextBox 3">
             <a:extLst>
               <a:ext uri="{FF2B5EF4-FFF2-40B4-BE49-F238E27FC236}">
-                <a16:creationId xmlns="" xmlns:a16="http://schemas.microsoft.com/office/drawing/2014/main" id="{ECBB5955-2ADD-2FFF-E51D-22D1EA7EBAAD}"/>
+                <a16:creationId xmlns:a16="http://schemas.microsoft.com/office/drawing/2014/main" id="{ECBB5955-2ADD-2FFF-E51D-22D1EA7EBAAD}"/>
               </a:ext>
             </a:extLst>
           </p:cNvPr>
@@ -16454,7 +16367,7 @@
           <p:cNvPr id="5" name="TextBox 4">
             <a:extLst>
               <a:ext uri="{FF2B5EF4-FFF2-40B4-BE49-F238E27FC236}">
-                <a16:creationId xmlns="" xmlns:a16="http://schemas.microsoft.com/office/drawing/2014/main" id="{F846AA12-2388-D95A-FADA-E7A8A47A7AF9}"/>
+                <a16:creationId xmlns:a16="http://schemas.microsoft.com/office/drawing/2014/main" id="{F846AA12-2388-D95A-FADA-E7A8A47A7AF9}"/>
               </a:ext>
             </a:extLst>
           </p:cNvPr>
@@ -16502,7 +16415,7 @@
           <p:cNvPr id="6" name="TextBox 5">
             <a:extLst>
               <a:ext uri="{FF2B5EF4-FFF2-40B4-BE49-F238E27FC236}">
-                <a16:creationId xmlns="" xmlns:a16="http://schemas.microsoft.com/office/drawing/2014/main" id="{9AE98462-F8B8-9C8A-A74F-D05AAF50DC00}"/>
+                <a16:creationId xmlns:a16="http://schemas.microsoft.com/office/drawing/2014/main" id="{9AE98462-F8B8-9C8A-A74F-D05AAF50DC00}"/>
               </a:ext>
             </a:extLst>
           </p:cNvPr>
@@ -16550,7 +16463,7 @@
           <p:cNvPr id="7" name="그룹 1008">
             <a:extLst>
               <a:ext uri="{FF2B5EF4-FFF2-40B4-BE49-F238E27FC236}">
-                <a16:creationId xmlns="" xmlns:a16="http://schemas.microsoft.com/office/drawing/2014/main" id="{F39D3ED7-603C-2E97-7B42-177882578F38}"/>
+                <a16:creationId xmlns:a16="http://schemas.microsoft.com/office/drawing/2014/main" id="{F39D3ED7-603C-2E97-7B42-177882578F38}"/>
               </a:ext>
             </a:extLst>
           </p:cNvPr>
@@ -16570,7 +16483,7 @@
             <p:cNvPr id="8" name="그룹 1009">
               <a:extLst>
                 <a:ext uri="{FF2B5EF4-FFF2-40B4-BE49-F238E27FC236}">
-                  <a16:creationId xmlns="" xmlns:a16="http://schemas.microsoft.com/office/drawing/2014/main" id="{9F0123ED-CFA2-4361-89A1-2299F3659FEA}"/>
+                  <a16:creationId xmlns:a16="http://schemas.microsoft.com/office/drawing/2014/main" id="{9F0123ED-CFA2-4361-89A1-2299F3659FEA}"/>
                 </a:ext>
               </a:extLst>
             </p:cNvPr>
@@ -16590,7 +16503,7 @@
               <p:cNvPr id="13" name="Object 29">
                 <a:extLst>
                   <a:ext uri="{FF2B5EF4-FFF2-40B4-BE49-F238E27FC236}">
-                    <a16:creationId xmlns="" xmlns:a16="http://schemas.microsoft.com/office/drawing/2014/main" id="{824FD0DE-FEC5-4DC9-796B-7699DB49A88B}"/>
+                    <a16:creationId xmlns:a16="http://schemas.microsoft.com/office/drawing/2014/main" id="{824FD0DE-FEC5-4DC9-796B-7699DB49A88B}"/>
                   </a:ext>
                 </a:extLst>
               </p:cNvPr>
@@ -16621,7 +16534,7 @@
             <p:cNvPr id="9" name="그룹 1010">
               <a:extLst>
                 <a:ext uri="{FF2B5EF4-FFF2-40B4-BE49-F238E27FC236}">
-                  <a16:creationId xmlns="" xmlns:a16="http://schemas.microsoft.com/office/drawing/2014/main" id="{F22C35BC-2B6B-E063-13C3-B08127159F1F}"/>
+                  <a16:creationId xmlns:a16="http://schemas.microsoft.com/office/drawing/2014/main" id="{F22C35BC-2B6B-E063-13C3-B08127159F1F}"/>
                 </a:ext>
               </a:extLst>
             </p:cNvPr>
@@ -16641,7 +16554,7 @@
               <p:cNvPr id="12" name="Object 32">
                 <a:extLst>
                   <a:ext uri="{FF2B5EF4-FFF2-40B4-BE49-F238E27FC236}">
-                    <a16:creationId xmlns="" xmlns:a16="http://schemas.microsoft.com/office/drawing/2014/main" id="{8C02370F-3C75-7C79-FB3E-303CCDF23A73}"/>
+                    <a16:creationId xmlns:a16="http://schemas.microsoft.com/office/drawing/2014/main" id="{8C02370F-3C75-7C79-FB3E-303CCDF23A73}"/>
                   </a:ext>
                 </a:extLst>
               </p:cNvPr>
@@ -16672,7 +16585,7 @@
             <p:cNvPr id="10" name="그룹 1011">
               <a:extLst>
                 <a:ext uri="{FF2B5EF4-FFF2-40B4-BE49-F238E27FC236}">
-                  <a16:creationId xmlns="" xmlns:a16="http://schemas.microsoft.com/office/drawing/2014/main" id="{AD7E5D89-A54C-7B46-B0A9-0EF45D35E02B}"/>
+                  <a16:creationId xmlns:a16="http://schemas.microsoft.com/office/drawing/2014/main" id="{AD7E5D89-A54C-7B46-B0A9-0EF45D35E02B}"/>
                 </a:ext>
               </a:extLst>
             </p:cNvPr>
@@ -16692,7 +16605,7 @@
               <p:cNvPr id="11" name="Object 35">
                 <a:extLst>
                   <a:ext uri="{FF2B5EF4-FFF2-40B4-BE49-F238E27FC236}">
-                    <a16:creationId xmlns="" xmlns:a16="http://schemas.microsoft.com/office/drawing/2014/main" id="{2E0D9C14-494C-1DF7-1EAC-E448D95AAA53}"/>
+                    <a16:creationId xmlns:a16="http://schemas.microsoft.com/office/drawing/2014/main" id="{2E0D9C14-494C-1DF7-1EAC-E448D95AAA53}"/>
                   </a:ext>
                 </a:extLst>
               </p:cNvPr>
@@ -16724,7 +16637,7 @@
           <p:cNvPr id="14" name="그룹 1008">
             <a:extLst>
               <a:ext uri="{FF2B5EF4-FFF2-40B4-BE49-F238E27FC236}">
-                <a16:creationId xmlns="" xmlns:a16="http://schemas.microsoft.com/office/drawing/2014/main" id="{E32C8F39-426E-1B52-9E53-434FEF900743}"/>
+                <a16:creationId xmlns:a16="http://schemas.microsoft.com/office/drawing/2014/main" id="{E32C8F39-426E-1B52-9E53-434FEF900743}"/>
               </a:ext>
             </a:extLst>
           </p:cNvPr>
@@ -16744,7 +16657,7 @@
             <p:cNvPr id="15" name="그룹 1009">
               <a:extLst>
                 <a:ext uri="{FF2B5EF4-FFF2-40B4-BE49-F238E27FC236}">
-                  <a16:creationId xmlns="" xmlns:a16="http://schemas.microsoft.com/office/drawing/2014/main" id="{EEADA361-81B7-6E09-6076-4983F9F8615B}"/>
+                  <a16:creationId xmlns:a16="http://schemas.microsoft.com/office/drawing/2014/main" id="{EEADA361-81B7-6E09-6076-4983F9F8615B}"/>
                 </a:ext>
               </a:extLst>
             </p:cNvPr>
@@ -16764,7 +16677,7 @@
               <p:cNvPr id="20" name="Object 29">
                 <a:extLst>
                   <a:ext uri="{FF2B5EF4-FFF2-40B4-BE49-F238E27FC236}">
-                    <a16:creationId xmlns="" xmlns:a16="http://schemas.microsoft.com/office/drawing/2014/main" id="{AD5AD14F-E19E-F21F-6A00-ADE3D4FDD65B}"/>
+                    <a16:creationId xmlns:a16="http://schemas.microsoft.com/office/drawing/2014/main" id="{AD5AD14F-E19E-F21F-6A00-ADE3D4FDD65B}"/>
                   </a:ext>
                 </a:extLst>
               </p:cNvPr>
@@ -16795,7 +16708,7 @@
             <p:cNvPr id="16" name="그룹 1010">
               <a:extLst>
                 <a:ext uri="{FF2B5EF4-FFF2-40B4-BE49-F238E27FC236}">
-                  <a16:creationId xmlns="" xmlns:a16="http://schemas.microsoft.com/office/drawing/2014/main" id="{900DF0DE-04EA-F03E-E036-E12D2194AEF9}"/>
+                  <a16:creationId xmlns:a16="http://schemas.microsoft.com/office/drawing/2014/main" id="{900DF0DE-04EA-F03E-E036-E12D2194AEF9}"/>
                 </a:ext>
               </a:extLst>
             </p:cNvPr>
@@ -16815,7 +16728,7 @@
               <p:cNvPr id="19" name="Object 32">
                 <a:extLst>
                   <a:ext uri="{FF2B5EF4-FFF2-40B4-BE49-F238E27FC236}">
-                    <a16:creationId xmlns="" xmlns:a16="http://schemas.microsoft.com/office/drawing/2014/main" id="{E877B310-7866-FD1E-3651-25525D34EEC4}"/>
+                    <a16:creationId xmlns:a16="http://schemas.microsoft.com/office/drawing/2014/main" id="{E877B310-7866-FD1E-3651-25525D34EEC4}"/>
                   </a:ext>
                 </a:extLst>
               </p:cNvPr>
@@ -16846,7 +16759,7 @@
             <p:cNvPr id="17" name="그룹 1011">
               <a:extLst>
                 <a:ext uri="{FF2B5EF4-FFF2-40B4-BE49-F238E27FC236}">
-                  <a16:creationId xmlns="" xmlns:a16="http://schemas.microsoft.com/office/drawing/2014/main" id="{816BFF5B-882C-F3EC-0E9E-3CE36610A85A}"/>
+                  <a16:creationId xmlns:a16="http://schemas.microsoft.com/office/drawing/2014/main" id="{816BFF5B-882C-F3EC-0E9E-3CE36610A85A}"/>
                 </a:ext>
               </a:extLst>
             </p:cNvPr>
@@ -16866,7 +16779,7 @@
               <p:cNvPr id="18" name="Object 35">
                 <a:extLst>
                   <a:ext uri="{FF2B5EF4-FFF2-40B4-BE49-F238E27FC236}">
-                    <a16:creationId xmlns="" xmlns:a16="http://schemas.microsoft.com/office/drawing/2014/main" id="{5241C309-72E9-EB39-C974-F974633C24E6}"/>
+                    <a16:creationId xmlns:a16="http://schemas.microsoft.com/office/drawing/2014/main" id="{5241C309-72E9-EB39-C974-F974633C24E6}"/>
                   </a:ext>
                 </a:extLst>
               </p:cNvPr>
@@ -16898,7 +16811,7 @@
           <p:cNvPr id="21" name="TextBox 20">
             <a:extLst>
               <a:ext uri="{FF2B5EF4-FFF2-40B4-BE49-F238E27FC236}">
-                <a16:creationId xmlns="" xmlns:a16="http://schemas.microsoft.com/office/drawing/2014/main" id="{B4AF22B1-0A91-3B3B-E26D-D4CAE2C5C189}"/>
+                <a16:creationId xmlns:a16="http://schemas.microsoft.com/office/drawing/2014/main" id="{B4AF22B1-0A91-3B3B-E26D-D4CAE2C5C189}"/>
               </a:ext>
             </a:extLst>
           </p:cNvPr>
@@ -16965,7 +16878,7 @@
           <p:cNvPr id="22" name="TextBox 21">
             <a:extLst>
               <a:ext uri="{FF2B5EF4-FFF2-40B4-BE49-F238E27FC236}">
-                <a16:creationId xmlns="" xmlns:a16="http://schemas.microsoft.com/office/drawing/2014/main" id="{9F119D85-1BB1-823A-8C2D-508A6FD42E1E}"/>
+                <a16:creationId xmlns:a16="http://schemas.microsoft.com/office/drawing/2014/main" id="{9F119D85-1BB1-823A-8C2D-508A6FD42E1E}"/>
               </a:ext>
             </a:extLst>
           </p:cNvPr>
@@ -17013,7 +16926,7 @@
           <p:cNvPr id="23" name="그룹 1008">
             <a:extLst>
               <a:ext uri="{FF2B5EF4-FFF2-40B4-BE49-F238E27FC236}">
-                <a16:creationId xmlns="" xmlns:a16="http://schemas.microsoft.com/office/drawing/2014/main" id="{89BA85CF-EF8D-BFDC-C1BF-B9218654BA4F}"/>
+                <a16:creationId xmlns:a16="http://schemas.microsoft.com/office/drawing/2014/main" id="{89BA85CF-EF8D-BFDC-C1BF-B9218654BA4F}"/>
               </a:ext>
             </a:extLst>
           </p:cNvPr>
@@ -17033,7 +16946,7 @@
             <p:cNvPr id="24" name="그룹 1009">
               <a:extLst>
                 <a:ext uri="{FF2B5EF4-FFF2-40B4-BE49-F238E27FC236}">
-                  <a16:creationId xmlns="" xmlns:a16="http://schemas.microsoft.com/office/drawing/2014/main" id="{E54DA61C-9009-639E-AB61-2C62688EEAD9}"/>
+                  <a16:creationId xmlns:a16="http://schemas.microsoft.com/office/drawing/2014/main" id="{E54DA61C-9009-639E-AB61-2C62688EEAD9}"/>
                 </a:ext>
               </a:extLst>
             </p:cNvPr>
@@ -17053,7 +16966,7 @@
               <p:cNvPr id="29" name="Object 29">
                 <a:extLst>
                   <a:ext uri="{FF2B5EF4-FFF2-40B4-BE49-F238E27FC236}">
-                    <a16:creationId xmlns="" xmlns:a16="http://schemas.microsoft.com/office/drawing/2014/main" id="{46EF24E0-CE31-3771-5B58-9E735B779799}"/>
+                    <a16:creationId xmlns:a16="http://schemas.microsoft.com/office/drawing/2014/main" id="{46EF24E0-CE31-3771-5B58-9E735B779799}"/>
                   </a:ext>
                 </a:extLst>
               </p:cNvPr>
@@ -17084,7 +16997,7 @@
             <p:cNvPr id="25" name="그룹 1010">
               <a:extLst>
                 <a:ext uri="{FF2B5EF4-FFF2-40B4-BE49-F238E27FC236}">
-                  <a16:creationId xmlns="" xmlns:a16="http://schemas.microsoft.com/office/drawing/2014/main" id="{0CED8284-C1BC-4409-87FA-A246802C2F25}"/>
+                  <a16:creationId xmlns:a16="http://schemas.microsoft.com/office/drawing/2014/main" id="{0CED8284-C1BC-4409-87FA-A246802C2F25}"/>
                 </a:ext>
               </a:extLst>
             </p:cNvPr>
@@ -17104,7 +17017,7 @@
               <p:cNvPr id="28" name="Object 32">
                 <a:extLst>
                   <a:ext uri="{FF2B5EF4-FFF2-40B4-BE49-F238E27FC236}">
-                    <a16:creationId xmlns="" xmlns:a16="http://schemas.microsoft.com/office/drawing/2014/main" id="{FCBC3F1D-4991-C9DC-81EF-0D206843D73E}"/>
+                    <a16:creationId xmlns:a16="http://schemas.microsoft.com/office/drawing/2014/main" id="{FCBC3F1D-4991-C9DC-81EF-0D206843D73E}"/>
                   </a:ext>
                 </a:extLst>
               </p:cNvPr>
@@ -17135,7 +17048,7 @@
             <p:cNvPr id="26" name="그룹 1011">
               <a:extLst>
                 <a:ext uri="{FF2B5EF4-FFF2-40B4-BE49-F238E27FC236}">
-                  <a16:creationId xmlns="" xmlns:a16="http://schemas.microsoft.com/office/drawing/2014/main" id="{2F800E3C-B9D3-A5CF-23AC-D7A9B0DDBEDC}"/>
+                  <a16:creationId xmlns:a16="http://schemas.microsoft.com/office/drawing/2014/main" id="{2F800E3C-B9D3-A5CF-23AC-D7A9B0DDBEDC}"/>
                 </a:ext>
               </a:extLst>
             </p:cNvPr>
@@ -17155,7 +17068,7 @@
               <p:cNvPr id="27" name="Object 35">
                 <a:extLst>
                   <a:ext uri="{FF2B5EF4-FFF2-40B4-BE49-F238E27FC236}">
-                    <a16:creationId xmlns="" xmlns:a16="http://schemas.microsoft.com/office/drawing/2014/main" id="{2ADE9FD6-FEA9-E653-A23D-44942DD40EA3}"/>
+                    <a16:creationId xmlns:a16="http://schemas.microsoft.com/office/drawing/2014/main" id="{2ADE9FD6-FEA9-E653-A23D-44942DD40EA3}"/>
                   </a:ext>
                 </a:extLst>
               </p:cNvPr>
@@ -17187,7 +17100,7 @@
           <p:cNvPr id="30" name="TextBox 29">
             <a:extLst>
               <a:ext uri="{FF2B5EF4-FFF2-40B4-BE49-F238E27FC236}">
-                <a16:creationId xmlns="" xmlns:a16="http://schemas.microsoft.com/office/drawing/2014/main" id="{0CF9AA2B-6400-75B9-9783-7C7A66E1E3E9}"/>
+                <a16:creationId xmlns:a16="http://schemas.microsoft.com/office/drawing/2014/main" id="{0CF9AA2B-6400-75B9-9783-7C7A66E1E3E9}"/>
               </a:ext>
             </a:extLst>
           </p:cNvPr>
@@ -17235,7 +17148,7 @@
           <p:cNvPr id="31" name="그룹 1008">
             <a:extLst>
               <a:ext uri="{FF2B5EF4-FFF2-40B4-BE49-F238E27FC236}">
-                <a16:creationId xmlns="" xmlns:a16="http://schemas.microsoft.com/office/drawing/2014/main" id="{E37D11F1-ACFB-CA70-465D-81444ECCD837}"/>
+                <a16:creationId xmlns:a16="http://schemas.microsoft.com/office/drawing/2014/main" id="{E37D11F1-ACFB-CA70-465D-81444ECCD837}"/>
               </a:ext>
             </a:extLst>
           </p:cNvPr>
@@ -17255,7 +17168,7 @@
             <p:cNvPr id="32" name="그룹 1009">
               <a:extLst>
                 <a:ext uri="{FF2B5EF4-FFF2-40B4-BE49-F238E27FC236}">
-                  <a16:creationId xmlns="" xmlns:a16="http://schemas.microsoft.com/office/drawing/2014/main" id="{323F5164-D3CB-1817-11ED-2E73B1A9616B}"/>
+                  <a16:creationId xmlns:a16="http://schemas.microsoft.com/office/drawing/2014/main" id="{323F5164-D3CB-1817-11ED-2E73B1A9616B}"/>
                 </a:ext>
               </a:extLst>
             </p:cNvPr>
@@ -17275,7 +17188,7 @@
               <p:cNvPr id="37" name="Object 29">
                 <a:extLst>
                   <a:ext uri="{FF2B5EF4-FFF2-40B4-BE49-F238E27FC236}">
-                    <a16:creationId xmlns="" xmlns:a16="http://schemas.microsoft.com/office/drawing/2014/main" id="{8A75F24B-CBC2-A679-8023-A0BC0136AFF8}"/>
+                    <a16:creationId xmlns:a16="http://schemas.microsoft.com/office/drawing/2014/main" id="{8A75F24B-CBC2-A679-8023-A0BC0136AFF8}"/>
                   </a:ext>
                 </a:extLst>
               </p:cNvPr>
@@ -17306,7 +17219,7 @@
             <p:cNvPr id="33" name="그룹 1010">
               <a:extLst>
                 <a:ext uri="{FF2B5EF4-FFF2-40B4-BE49-F238E27FC236}">
-                  <a16:creationId xmlns="" xmlns:a16="http://schemas.microsoft.com/office/drawing/2014/main" id="{8CEBF8C7-C340-EC7C-215D-A5385045BDE0}"/>
+                  <a16:creationId xmlns:a16="http://schemas.microsoft.com/office/drawing/2014/main" id="{8CEBF8C7-C340-EC7C-215D-A5385045BDE0}"/>
                 </a:ext>
               </a:extLst>
             </p:cNvPr>
@@ -17326,7 +17239,7 @@
               <p:cNvPr id="36" name="Object 32">
                 <a:extLst>
                   <a:ext uri="{FF2B5EF4-FFF2-40B4-BE49-F238E27FC236}">
-                    <a16:creationId xmlns="" xmlns:a16="http://schemas.microsoft.com/office/drawing/2014/main" id="{CDB6F6D1-6D79-F959-519A-848748FFC715}"/>
+                    <a16:creationId xmlns:a16="http://schemas.microsoft.com/office/drawing/2014/main" id="{CDB6F6D1-6D79-F959-519A-848748FFC715}"/>
                   </a:ext>
                 </a:extLst>
               </p:cNvPr>
@@ -17357,7 +17270,7 @@
             <p:cNvPr id="34" name="그룹 1011">
               <a:extLst>
                 <a:ext uri="{FF2B5EF4-FFF2-40B4-BE49-F238E27FC236}">
-                  <a16:creationId xmlns="" xmlns:a16="http://schemas.microsoft.com/office/drawing/2014/main" id="{530BFFB8-D056-C504-F62F-706FEC47DBA7}"/>
+                  <a16:creationId xmlns:a16="http://schemas.microsoft.com/office/drawing/2014/main" id="{530BFFB8-D056-C504-F62F-706FEC47DBA7}"/>
                 </a:ext>
               </a:extLst>
             </p:cNvPr>
@@ -17377,7 +17290,7 @@
               <p:cNvPr id="35" name="Object 35">
                 <a:extLst>
                   <a:ext uri="{FF2B5EF4-FFF2-40B4-BE49-F238E27FC236}">
-                    <a16:creationId xmlns="" xmlns:a16="http://schemas.microsoft.com/office/drawing/2014/main" id="{35CBD28E-A2C4-BE71-7EBD-43F504D91890}"/>
+                    <a16:creationId xmlns:a16="http://schemas.microsoft.com/office/drawing/2014/main" id="{35CBD28E-A2C4-BE71-7EBD-43F504D91890}"/>
                   </a:ext>
                 </a:extLst>
               </p:cNvPr>
@@ -17409,7 +17322,7 @@
           <p:cNvPr id="38" name="TextBox 37">
             <a:extLst>
               <a:ext uri="{FF2B5EF4-FFF2-40B4-BE49-F238E27FC236}">
-                <a16:creationId xmlns="" xmlns:a16="http://schemas.microsoft.com/office/drawing/2014/main" id="{AA81EBDF-8DD3-F094-AC12-01C17C580882}"/>
+                <a16:creationId xmlns:a16="http://schemas.microsoft.com/office/drawing/2014/main" id="{AA81EBDF-8DD3-F094-AC12-01C17C580882}"/>
               </a:ext>
             </a:extLst>
           </p:cNvPr>
@@ -17506,7 +17419,7 @@
           <p:cNvPr id="4" name="TextBox 3">
             <a:extLst>
               <a:ext uri="{FF2B5EF4-FFF2-40B4-BE49-F238E27FC236}">
-                <a16:creationId xmlns="" xmlns:a16="http://schemas.microsoft.com/office/drawing/2014/main" id="{485918B9-4306-CF84-959F-3FBDC5BB906D}"/>
+                <a16:creationId xmlns:a16="http://schemas.microsoft.com/office/drawing/2014/main" id="{485918B9-4306-CF84-959F-3FBDC5BB906D}"/>
               </a:ext>
             </a:extLst>
           </p:cNvPr>
@@ -17574,7 +17487,7 @@
           <p:cNvPr id="5" name="TextBox 4">
             <a:extLst>
               <a:ext uri="{FF2B5EF4-FFF2-40B4-BE49-F238E27FC236}">
-                <a16:creationId xmlns="" xmlns:a16="http://schemas.microsoft.com/office/drawing/2014/main" id="{B373C9BD-D1AC-B66C-7670-4C56EFDA927F}"/>
+                <a16:creationId xmlns:a16="http://schemas.microsoft.com/office/drawing/2014/main" id="{B373C9BD-D1AC-B66C-7670-4C56EFDA927F}"/>
               </a:ext>
             </a:extLst>
           </p:cNvPr>
@@ -17659,7 +17572,7 @@
           <p:cNvPr id="6" name="직선 연결선 5">
             <a:extLst>
               <a:ext uri="{FF2B5EF4-FFF2-40B4-BE49-F238E27FC236}">
-                <a16:creationId xmlns="" xmlns:a16="http://schemas.microsoft.com/office/drawing/2014/main" id="{D0CC8996-59E8-457A-82F2-7EA9711C00D0}"/>
+                <a16:creationId xmlns:a16="http://schemas.microsoft.com/office/drawing/2014/main" id="{D0CC8996-59E8-457A-82F2-7EA9711C00D0}"/>
               </a:ext>
             </a:extLst>
           </p:cNvPr>
@@ -17702,7 +17615,7 @@
           <p:cNvPr id="7" name="직선 연결선 6">
             <a:extLst>
               <a:ext uri="{FF2B5EF4-FFF2-40B4-BE49-F238E27FC236}">
-                <a16:creationId xmlns="" xmlns:a16="http://schemas.microsoft.com/office/drawing/2014/main" id="{6311A787-6924-713F-B35C-416F8FE817F9}"/>
+                <a16:creationId xmlns:a16="http://schemas.microsoft.com/office/drawing/2014/main" id="{6311A787-6924-713F-B35C-416F8FE817F9}"/>
               </a:ext>
             </a:extLst>
           </p:cNvPr>
@@ -17745,7 +17658,7 @@
           <p:cNvPr id="8" name="그림 7">
             <a:extLst>
               <a:ext uri="{FF2B5EF4-FFF2-40B4-BE49-F238E27FC236}">
-                <a16:creationId xmlns="" xmlns:a16="http://schemas.microsoft.com/office/drawing/2014/main" id="{9005E0A1-23E2-4729-E870-C82AD9916665}"/>
+                <a16:creationId xmlns:a16="http://schemas.microsoft.com/office/drawing/2014/main" id="{9005E0A1-23E2-4729-E870-C82AD9916665}"/>
               </a:ext>
             </a:extLst>
           </p:cNvPr>
@@ -17775,7 +17688,7 @@
           <p:cNvPr id="9" name="TextBox 8">
             <a:extLst>
               <a:ext uri="{FF2B5EF4-FFF2-40B4-BE49-F238E27FC236}">
-                <a16:creationId xmlns="" xmlns:a16="http://schemas.microsoft.com/office/drawing/2014/main" id="{6714EDD5-5BDC-0351-63E0-A63EDD93B1FE}"/>
+                <a16:creationId xmlns:a16="http://schemas.microsoft.com/office/drawing/2014/main" id="{6714EDD5-5BDC-0351-63E0-A63EDD93B1FE}"/>
               </a:ext>
             </a:extLst>
           </p:cNvPr>
@@ -17819,7 +17732,7 @@
           <p:cNvPr id="10" name="그룹 1008">
             <a:extLst>
               <a:ext uri="{FF2B5EF4-FFF2-40B4-BE49-F238E27FC236}">
-                <a16:creationId xmlns="" xmlns:a16="http://schemas.microsoft.com/office/drawing/2014/main" id="{D2E99F86-AA48-06A0-627D-4C2A3CAA30F2}"/>
+                <a16:creationId xmlns:a16="http://schemas.microsoft.com/office/drawing/2014/main" id="{D2E99F86-AA48-06A0-627D-4C2A3CAA30F2}"/>
               </a:ext>
             </a:extLst>
           </p:cNvPr>
@@ -17839,7 +17752,7 @@
             <p:cNvPr id="11" name="그룹 1009">
               <a:extLst>
                 <a:ext uri="{FF2B5EF4-FFF2-40B4-BE49-F238E27FC236}">
-                  <a16:creationId xmlns="" xmlns:a16="http://schemas.microsoft.com/office/drawing/2014/main" id="{F46AE76E-7951-504C-4D8A-DAAD2524C436}"/>
+                  <a16:creationId xmlns:a16="http://schemas.microsoft.com/office/drawing/2014/main" id="{F46AE76E-7951-504C-4D8A-DAAD2524C436}"/>
                 </a:ext>
               </a:extLst>
             </p:cNvPr>
@@ -17859,7 +17772,7 @@
               <p:cNvPr id="16" name="Object 29">
                 <a:extLst>
                   <a:ext uri="{FF2B5EF4-FFF2-40B4-BE49-F238E27FC236}">
-                    <a16:creationId xmlns="" xmlns:a16="http://schemas.microsoft.com/office/drawing/2014/main" id="{1C5396A9-351A-2086-975B-C94D5CACB21E}"/>
+                    <a16:creationId xmlns:a16="http://schemas.microsoft.com/office/drawing/2014/main" id="{1C5396A9-351A-2086-975B-C94D5CACB21E}"/>
                   </a:ext>
                 </a:extLst>
               </p:cNvPr>
@@ -17890,7 +17803,7 @@
             <p:cNvPr id="12" name="그룹 1010">
               <a:extLst>
                 <a:ext uri="{FF2B5EF4-FFF2-40B4-BE49-F238E27FC236}">
-                  <a16:creationId xmlns="" xmlns:a16="http://schemas.microsoft.com/office/drawing/2014/main" id="{AACD3ACD-3C69-4E31-F641-075512DED217}"/>
+                  <a16:creationId xmlns:a16="http://schemas.microsoft.com/office/drawing/2014/main" id="{AACD3ACD-3C69-4E31-F641-075512DED217}"/>
                 </a:ext>
               </a:extLst>
             </p:cNvPr>
@@ -17910,7 +17823,7 @@
               <p:cNvPr id="15" name="Object 32">
                 <a:extLst>
                   <a:ext uri="{FF2B5EF4-FFF2-40B4-BE49-F238E27FC236}">
-                    <a16:creationId xmlns="" xmlns:a16="http://schemas.microsoft.com/office/drawing/2014/main" id="{F8D68833-669B-1688-1ADE-56253A1B54C2}"/>
+                    <a16:creationId xmlns:a16="http://schemas.microsoft.com/office/drawing/2014/main" id="{F8D68833-669B-1688-1ADE-56253A1B54C2}"/>
                   </a:ext>
                 </a:extLst>
               </p:cNvPr>
@@ -17941,7 +17854,7 @@
             <p:cNvPr id="13" name="그룹 1011">
               <a:extLst>
                 <a:ext uri="{FF2B5EF4-FFF2-40B4-BE49-F238E27FC236}">
-                  <a16:creationId xmlns="" xmlns:a16="http://schemas.microsoft.com/office/drawing/2014/main" id="{622A907A-AC20-A252-167B-D31AC0931A84}"/>
+                  <a16:creationId xmlns:a16="http://schemas.microsoft.com/office/drawing/2014/main" id="{622A907A-AC20-A252-167B-D31AC0931A84}"/>
                 </a:ext>
               </a:extLst>
             </p:cNvPr>
@@ -17961,7 +17874,7 @@
               <p:cNvPr id="14" name="Object 35">
                 <a:extLst>
                   <a:ext uri="{FF2B5EF4-FFF2-40B4-BE49-F238E27FC236}">
-                    <a16:creationId xmlns="" xmlns:a16="http://schemas.microsoft.com/office/drawing/2014/main" id="{0C0C62C0-F52E-D212-38F1-5A9CACC8914A}"/>
+                    <a16:creationId xmlns:a16="http://schemas.microsoft.com/office/drawing/2014/main" id="{0C0C62C0-F52E-D212-38F1-5A9CACC8914A}"/>
                   </a:ext>
                 </a:extLst>
               </p:cNvPr>
@@ -17993,7 +17906,7 @@
           <p:cNvPr id="17" name="그림 16">
             <a:extLst>
               <a:ext uri="{FF2B5EF4-FFF2-40B4-BE49-F238E27FC236}">
-                <a16:creationId xmlns="" xmlns:a16="http://schemas.microsoft.com/office/drawing/2014/main" id="{A9D3DCFF-8B7C-0245-B50B-3ACB3CAD5CDF}"/>
+                <a16:creationId xmlns:a16="http://schemas.microsoft.com/office/drawing/2014/main" id="{A9D3DCFF-8B7C-0245-B50B-3ACB3CAD5CDF}"/>
               </a:ext>
             </a:extLst>
           </p:cNvPr>
@@ -18023,7 +17936,7 @@
           <p:cNvPr id="18" name="TextBox 17">
             <a:extLst>
               <a:ext uri="{FF2B5EF4-FFF2-40B4-BE49-F238E27FC236}">
-                <a16:creationId xmlns="" xmlns:a16="http://schemas.microsoft.com/office/drawing/2014/main" id="{E5F57FB8-305E-F9C7-4279-0C52191325BE}"/>
+                <a16:creationId xmlns:a16="http://schemas.microsoft.com/office/drawing/2014/main" id="{E5F57FB8-305E-F9C7-4279-0C52191325BE}"/>
               </a:ext>
             </a:extLst>
           </p:cNvPr>
@@ -18084,7 +17997,7 @@
           <p:cNvPr id="19" name="직선 연결선 18">
             <a:extLst>
               <a:ext uri="{FF2B5EF4-FFF2-40B4-BE49-F238E27FC236}">
-                <a16:creationId xmlns="" xmlns:a16="http://schemas.microsoft.com/office/drawing/2014/main" id="{D89A51FF-89EC-A2D6-93F4-15E56E6EA088}"/>
+                <a16:creationId xmlns:a16="http://schemas.microsoft.com/office/drawing/2014/main" id="{D89A51FF-89EC-A2D6-93F4-15E56E6EA088}"/>
               </a:ext>
             </a:extLst>
           </p:cNvPr>
@@ -18127,7 +18040,7 @@
           <p:cNvPr id="20" name="직선 연결선 19">
             <a:extLst>
               <a:ext uri="{FF2B5EF4-FFF2-40B4-BE49-F238E27FC236}">
-                <a16:creationId xmlns="" xmlns:a16="http://schemas.microsoft.com/office/drawing/2014/main" id="{F3050455-2819-CF59-EA05-438640563DDB}"/>
+                <a16:creationId xmlns:a16="http://schemas.microsoft.com/office/drawing/2014/main" id="{F3050455-2819-CF59-EA05-438640563DDB}"/>
               </a:ext>
             </a:extLst>
           </p:cNvPr>
@@ -18170,7 +18083,7 @@
           <p:cNvPr id="21" name="TextBox 20">
             <a:extLst>
               <a:ext uri="{FF2B5EF4-FFF2-40B4-BE49-F238E27FC236}">
-                <a16:creationId xmlns="" xmlns:a16="http://schemas.microsoft.com/office/drawing/2014/main" id="{BF67CA1E-BD18-1110-B4B4-1A748B79E0E9}"/>
+                <a16:creationId xmlns:a16="http://schemas.microsoft.com/office/drawing/2014/main" id="{BF67CA1E-BD18-1110-B4B4-1A748B79E0E9}"/>
               </a:ext>
             </a:extLst>
           </p:cNvPr>
@@ -18214,7 +18127,7 @@
           <p:cNvPr id="22" name="그룹 1008">
             <a:extLst>
               <a:ext uri="{FF2B5EF4-FFF2-40B4-BE49-F238E27FC236}">
-                <a16:creationId xmlns="" xmlns:a16="http://schemas.microsoft.com/office/drawing/2014/main" id="{7E7AE44A-99B3-E606-EF47-212040242C38}"/>
+                <a16:creationId xmlns:a16="http://schemas.microsoft.com/office/drawing/2014/main" id="{7E7AE44A-99B3-E606-EF47-212040242C38}"/>
               </a:ext>
             </a:extLst>
           </p:cNvPr>
@@ -18234,7 +18147,7 @@
             <p:cNvPr id="23" name="그룹 1009">
               <a:extLst>
                 <a:ext uri="{FF2B5EF4-FFF2-40B4-BE49-F238E27FC236}">
-                  <a16:creationId xmlns="" xmlns:a16="http://schemas.microsoft.com/office/drawing/2014/main" id="{B5F2A10F-4AF0-01EE-9510-97401C53DB34}"/>
+                  <a16:creationId xmlns:a16="http://schemas.microsoft.com/office/drawing/2014/main" id="{B5F2A10F-4AF0-01EE-9510-97401C53DB34}"/>
                 </a:ext>
               </a:extLst>
             </p:cNvPr>
@@ -18254,7 +18167,7 @@
               <p:cNvPr id="28" name="Object 29">
                 <a:extLst>
                   <a:ext uri="{FF2B5EF4-FFF2-40B4-BE49-F238E27FC236}">
-                    <a16:creationId xmlns="" xmlns:a16="http://schemas.microsoft.com/office/drawing/2014/main" id="{F74630C9-32F3-5278-9F33-C8663749912E}"/>
+                    <a16:creationId xmlns:a16="http://schemas.microsoft.com/office/drawing/2014/main" id="{F74630C9-32F3-5278-9F33-C8663749912E}"/>
                   </a:ext>
                 </a:extLst>
               </p:cNvPr>
@@ -18285,7 +18198,7 @@
             <p:cNvPr id="24" name="그룹 1010">
               <a:extLst>
                 <a:ext uri="{FF2B5EF4-FFF2-40B4-BE49-F238E27FC236}">
-                  <a16:creationId xmlns="" xmlns:a16="http://schemas.microsoft.com/office/drawing/2014/main" id="{B871E0D2-A3B6-4A0D-549A-6C4981A21D07}"/>
+                  <a16:creationId xmlns:a16="http://schemas.microsoft.com/office/drawing/2014/main" id="{B871E0D2-A3B6-4A0D-549A-6C4981A21D07}"/>
                 </a:ext>
               </a:extLst>
             </p:cNvPr>
@@ -18305,7 +18218,7 @@
               <p:cNvPr id="27" name="Object 32">
                 <a:extLst>
                   <a:ext uri="{FF2B5EF4-FFF2-40B4-BE49-F238E27FC236}">
-                    <a16:creationId xmlns="" xmlns:a16="http://schemas.microsoft.com/office/drawing/2014/main" id="{827699B1-2B64-8378-3DCC-5FCE39355B15}"/>
+                    <a16:creationId xmlns:a16="http://schemas.microsoft.com/office/drawing/2014/main" id="{827699B1-2B64-8378-3DCC-5FCE39355B15}"/>
                   </a:ext>
                 </a:extLst>
               </p:cNvPr>
@@ -18336,7 +18249,7 @@
             <p:cNvPr id="25" name="그룹 1011">
               <a:extLst>
                 <a:ext uri="{FF2B5EF4-FFF2-40B4-BE49-F238E27FC236}">
-                  <a16:creationId xmlns="" xmlns:a16="http://schemas.microsoft.com/office/drawing/2014/main" id="{7B2B983C-9AFA-0E4E-4E9B-A4ABE8FBF91E}"/>
+                  <a16:creationId xmlns:a16="http://schemas.microsoft.com/office/drawing/2014/main" id="{7B2B983C-9AFA-0E4E-4E9B-A4ABE8FBF91E}"/>
                 </a:ext>
               </a:extLst>
             </p:cNvPr>
@@ -18356,7 +18269,7 @@
               <p:cNvPr id="26" name="Object 35">
                 <a:extLst>
                   <a:ext uri="{FF2B5EF4-FFF2-40B4-BE49-F238E27FC236}">
-                    <a16:creationId xmlns="" xmlns:a16="http://schemas.microsoft.com/office/drawing/2014/main" id="{633EFC1A-B52D-CBFA-04F7-B39571E2D106}"/>
+                    <a16:creationId xmlns:a16="http://schemas.microsoft.com/office/drawing/2014/main" id="{633EFC1A-B52D-CBFA-04F7-B39571E2D106}"/>
                   </a:ext>
                 </a:extLst>
               </p:cNvPr>
@@ -18388,7 +18301,7 @@
           <p:cNvPr id="30" name="TextBox 29">
             <a:extLst>
               <a:ext uri="{FF2B5EF4-FFF2-40B4-BE49-F238E27FC236}">
-                <a16:creationId xmlns="" xmlns:a16="http://schemas.microsoft.com/office/drawing/2014/main" id="{3780A5B5-FA1B-4C47-307A-878F44BE9EDF}"/>
+                <a16:creationId xmlns:a16="http://schemas.microsoft.com/office/drawing/2014/main" id="{3780A5B5-FA1B-4C47-307A-878F44BE9EDF}"/>
               </a:ext>
             </a:extLst>
           </p:cNvPr>
@@ -18466,7 +18379,7 @@
           <p:cNvPr id="31" name="TextBox 30">
             <a:extLst>
               <a:ext uri="{FF2B5EF4-FFF2-40B4-BE49-F238E27FC236}">
-                <a16:creationId xmlns="" xmlns:a16="http://schemas.microsoft.com/office/drawing/2014/main" id="{369E2798-FA4E-3490-ECF1-C6343816F48A}"/>
+                <a16:creationId xmlns:a16="http://schemas.microsoft.com/office/drawing/2014/main" id="{369E2798-FA4E-3490-ECF1-C6343816F48A}"/>
               </a:ext>
             </a:extLst>
           </p:cNvPr>
@@ -18527,7 +18440,7 @@
           <p:cNvPr id="32" name="TextBox 31">
             <a:extLst>
               <a:ext uri="{FF2B5EF4-FFF2-40B4-BE49-F238E27FC236}">
-                <a16:creationId xmlns="" xmlns:a16="http://schemas.microsoft.com/office/drawing/2014/main" id="{7A7A76A4-1AFB-88E6-000D-22012547C179}"/>
+                <a16:creationId xmlns:a16="http://schemas.microsoft.com/office/drawing/2014/main" id="{7A7A76A4-1AFB-88E6-000D-22012547C179}"/>
               </a:ext>
             </a:extLst>
           </p:cNvPr>
@@ -19052,7 +18965,7 @@
           <p:cNvPr id="4" name="직선 연결선 3">
             <a:extLst>
               <a:ext uri="{FF2B5EF4-FFF2-40B4-BE49-F238E27FC236}">
-                <a16:creationId xmlns="" xmlns:a16="http://schemas.microsoft.com/office/drawing/2014/main" id="{BA45ACF4-01FD-89DF-A861-B572CBFC3D23}"/>
+                <a16:creationId xmlns:a16="http://schemas.microsoft.com/office/drawing/2014/main" id="{BA45ACF4-01FD-89DF-A861-B572CBFC3D23}"/>
               </a:ext>
             </a:extLst>
           </p:cNvPr>
@@ -19095,7 +19008,7 @@
           <p:cNvPr id="5" name="직선 연결선 4">
             <a:extLst>
               <a:ext uri="{FF2B5EF4-FFF2-40B4-BE49-F238E27FC236}">
-                <a16:creationId xmlns="" xmlns:a16="http://schemas.microsoft.com/office/drawing/2014/main" id="{EF6CCF51-AE3D-F178-19FE-F9E6CCDC4D52}"/>
+                <a16:creationId xmlns:a16="http://schemas.microsoft.com/office/drawing/2014/main" id="{EF6CCF51-AE3D-F178-19FE-F9E6CCDC4D52}"/>
               </a:ext>
             </a:extLst>
           </p:cNvPr>
@@ -19138,7 +19051,7 @@
           <p:cNvPr id="6" name="그림 5">
             <a:extLst>
               <a:ext uri="{FF2B5EF4-FFF2-40B4-BE49-F238E27FC236}">
-                <a16:creationId xmlns="" xmlns:a16="http://schemas.microsoft.com/office/drawing/2014/main" id="{B38FD5A6-6D05-FB95-A006-A9674A85B421}"/>
+                <a16:creationId xmlns:a16="http://schemas.microsoft.com/office/drawing/2014/main" id="{B38FD5A6-6D05-FB95-A006-A9674A85B421}"/>
               </a:ext>
             </a:extLst>
           </p:cNvPr>
@@ -19168,7 +19081,7 @@
           <p:cNvPr id="7" name="TextBox 6">
             <a:extLst>
               <a:ext uri="{FF2B5EF4-FFF2-40B4-BE49-F238E27FC236}">
-                <a16:creationId xmlns="" xmlns:a16="http://schemas.microsoft.com/office/drawing/2014/main" id="{1E1B80AA-FE55-5F36-7AB2-931B6700D4A5}"/>
+                <a16:creationId xmlns:a16="http://schemas.microsoft.com/office/drawing/2014/main" id="{1E1B80AA-FE55-5F36-7AB2-931B6700D4A5}"/>
               </a:ext>
             </a:extLst>
           </p:cNvPr>
@@ -19212,7 +19125,7 @@
           <p:cNvPr id="8" name="그룹 1008">
             <a:extLst>
               <a:ext uri="{FF2B5EF4-FFF2-40B4-BE49-F238E27FC236}">
-                <a16:creationId xmlns="" xmlns:a16="http://schemas.microsoft.com/office/drawing/2014/main" id="{14DCEC38-6EDA-C493-85C8-53D13ACC3988}"/>
+                <a16:creationId xmlns:a16="http://schemas.microsoft.com/office/drawing/2014/main" id="{14DCEC38-6EDA-C493-85C8-53D13ACC3988}"/>
               </a:ext>
             </a:extLst>
           </p:cNvPr>
@@ -19232,7 +19145,7 @@
             <p:cNvPr id="9" name="그룹 1009">
               <a:extLst>
                 <a:ext uri="{FF2B5EF4-FFF2-40B4-BE49-F238E27FC236}">
-                  <a16:creationId xmlns="" xmlns:a16="http://schemas.microsoft.com/office/drawing/2014/main" id="{3D614E4E-B55F-3481-C946-50438CFD56DF}"/>
+                  <a16:creationId xmlns:a16="http://schemas.microsoft.com/office/drawing/2014/main" id="{3D614E4E-B55F-3481-C946-50438CFD56DF}"/>
                 </a:ext>
               </a:extLst>
             </p:cNvPr>
@@ -19252,7 +19165,7 @@
               <p:cNvPr id="14" name="Object 29">
                 <a:extLst>
                   <a:ext uri="{FF2B5EF4-FFF2-40B4-BE49-F238E27FC236}">
-                    <a16:creationId xmlns="" xmlns:a16="http://schemas.microsoft.com/office/drawing/2014/main" id="{307AE893-98AE-12BF-80D8-4F708EA65BFD}"/>
+                    <a16:creationId xmlns:a16="http://schemas.microsoft.com/office/drawing/2014/main" id="{307AE893-98AE-12BF-80D8-4F708EA65BFD}"/>
                   </a:ext>
                 </a:extLst>
               </p:cNvPr>
@@ -19283,7 +19196,7 @@
             <p:cNvPr id="10" name="그룹 1010">
               <a:extLst>
                 <a:ext uri="{FF2B5EF4-FFF2-40B4-BE49-F238E27FC236}">
-                  <a16:creationId xmlns="" xmlns:a16="http://schemas.microsoft.com/office/drawing/2014/main" id="{FFB80909-3473-8B9F-EB63-2C9CB0747ADB}"/>
+                  <a16:creationId xmlns:a16="http://schemas.microsoft.com/office/drawing/2014/main" id="{FFB80909-3473-8B9F-EB63-2C9CB0747ADB}"/>
                 </a:ext>
               </a:extLst>
             </p:cNvPr>
@@ -19303,7 +19216,7 @@
               <p:cNvPr id="13" name="Object 32">
                 <a:extLst>
                   <a:ext uri="{FF2B5EF4-FFF2-40B4-BE49-F238E27FC236}">
-                    <a16:creationId xmlns="" xmlns:a16="http://schemas.microsoft.com/office/drawing/2014/main" id="{B2E5A74B-707F-311C-745B-459D95D215F0}"/>
+                    <a16:creationId xmlns:a16="http://schemas.microsoft.com/office/drawing/2014/main" id="{B2E5A74B-707F-311C-745B-459D95D215F0}"/>
                   </a:ext>
                 </a:extLst>
               </p:cNvPr>
@@ -19334,7 +19247,7 @@
             <p:cNvPr id="11" name="그룹 1011">
               <a:extLst>
                 <a:ext uri="{FF2B5EF4-FFF2-40B4-BE49-F238E27FC236}">
-                  <a16:creationId xmlns="" xmlns:a16="http://schemas.microsoft.com/office/drawing/2014/main" id="{397458D7-A9CA-1972-F2D1-AFEFA7F5EC28}"/>
+                  <a16:creationId xmlns:a16="http://schemas.microsoft.com/office/drawing/2014/main" id="{397458D7-A9CA-1972-F2D1-AFEFA7F5EC28}"/>
                 </a:ext>
               </a:extLst>
             </p:cNvPr>
@@ -19354,7 +19267,7 @@
               <p:cNvPr id="12" name="Object 35">
                 <a:extLst>
                   <a:ext uri="{FF2B5EF4-FFF2-40B4-BE49-F238E27FC236}">
-                    <a16:creationId xmlns="" xmlns:a16="http://schemas.microsoft.com/office/drawing/2014/main" id="{6F3C58F4-7AC2-91FC-AFDA-A1A7D9269DE1}"/>
+                    <a16:creationId xmlns:a16="http://schemas.microsoft.com/office/drawing/2014/main" id="{6F3C58F4-7AC2-91FC-AFDA-A1A7D9269DE1}"/>
                   </a:ext>
                 </a:extLst>
               </p:cNvPr>
@@ -19386,7 +19299,7 @@
           <p:cNvPr id="15" name="그림 14">
             <a:extLst>
               <a:ext uri="{FF2B5EF4-FFF2-40B4-BE49-F238E27FC236}">
-                <a16:creationId xmlns="" xmlns:a16="http://schemas.microsoft.com/office/drawing/2014/main" id="{2E4357BD-198D-19A0-F918-C1EF0F1A7382}"/>
+                <a16:creationId xmlns:a16="http://schemas.microsoft.com/office/drawing/2014/main" id="{2E4357BD-198D-19A0-F918-C1EF0F1A7382}"/>
               </a:ext>
             </a:extLst>
           </p:cNvPr>
@@ -19416,7 +19329,7 @@
           <p:cNvPr id="17" name="직선 연결선 16">
             <a:extLst>
               <a:ext uri="{FF2B5EF4-FFF2-40B4-BE49-F238E27FC236}">
-                <a16:creationId xmlns="" xmlns:a16="http://schemas.microsoft.com/office/drawing/2014/main" id="{C90B6DA2-1E76-9601-48E2-A1C01D11B5CA}"/>
+                <a16:creationId xmlns:a16="http://schemas.microsoft.com/office/drawing/2014/main" id="{C90B6DA2-1E76-9601-48E2-A1C01D11B5CA}"/>
               </a:ext>
             </a:extLst>
           </p:cNvPr>
@@ -19459,7 +19372,7 @@
           <p:cNvPr id="18" name="직선 연결선 17">
             <a:extLst>
               <a:ext uri="{FF2B5EF4-FFF2-40B4-BE49-F238E27FC236}">
-                <a16:creationId xmlns="" xmlns:a16="http://schemas.microsoft.com/office/drawing/2014/main" id="{F5D08316-9A6B-ABA9-9ED8-B08BA85866D7}"/>
+                <a16:creationId xmlns:a16="http://schemas.microsoft.com/office/drawing/2014/main" id="{F5D08316-9A6B-ABA9-9ED8-B08BA85866D7}"/>
               </a:ext>
             </a:extLst>
           </p:cNvPr>
@@ -19502,7 +19415,7 @@
           <p:cNvPr id="19" name="TextBox 18">
             <a:extLst>
               <a:ext uri="{FF2B5EF4-FFF2-40B4-BE49-F238E27FC236}">
-                <a16:creationId xmlns="" xmlns:a16="http://schemas.microsoft.com/office/drawing/2014/main" id="{4A011CDF-89EA-13EB-1B33-3B4EC56E1F44}"/>
+                <a16:creationId xmlns:a16="http://schemas.microsoft.com/office/drawing/2014/main" id="{4A011CDF-89EA-13EB-1B33-3B4EC56E1F44}"/>
               </a:ext>
             </a:extLst>
           </p:cNvPr>
@@ -19546,7 +19459,7 @@
           <p:cNvPr id="20" name="그룹 1008">
             <a:extLst>
               <a:ext uri="{FF2B5EF4-FFF2-40B4-BE49-F238E27FC236}">
-                <a16:creationId xmlns="" xmlns:a16="http://schemas.microsoft.com/office/drawing/2014/main" id="{4D73177D-A542-0B94-D008-24F657E3FE64}"/>
+                <a16:creationId xmlns:a16="http://schemas.microsoft.com/office/drawing/2014/main" id="{4D73177D-A542-0B94-D008-24F657E3FE64}"/>
               </a:ext>
             </a:extLst>
           </p:cNvPr>
@@ -19566,7 +19479,7 @@
             <p:cNvPr id="21" name="그룹 1009">
               <a:extLst>
                 <a:ext uri="{FF2B5EF4-FFF2-40B4-BE49-F238E27FC236}">
-                  <a16:creationId xmlns="" xmlns:a16="http://schemas.microsoft.com/office/drawing/2014/main" id="{BFA9EB17-6DA2-071A-C094-2D40B2B9E957}"/>
+                  <a16:creationId xmlns:a16="http://schemas.microsoft.com/office/drawing/2014/main" id="{BFA9EB17-6DA2-071A-C094-2D40B2B9E957}"/>
                 </a:ext>
               </a:extLst>
             </p:cNvPr>
@@ -19586,7 +19499,7 @@
               <p:cNvPr id="26" name="Object 29">
                 <a:extLst>
                   <a:ext uri="{FF2B5EF4-FFF2-40B4-BE49-F238E27FC236}">
-                    <a16:creationId xmlns="" xmlns:a16="http://schemas.microsoft.com/office/drawing/2014/main" id="{C2969BEC-85E1-3716-6EE8-18A56C8F8E41}"/>
+                    <a16:creationId xmlns:a16="http://schemas.microsoft.com/office/drawing/2014/main" id="{C2969BEC-85E1-3716-6EE8-18A56C8F8E41}"/>
                   </a:ext>
                 </a:extLst>
               </p:cNvPr>
@@ -19617,7 +19530,7 @@
             <p:cNvPr id="22" name="그룹 1010">
               <a:extLst>
                 <a:ext uri="{FF2B5EF4-FFF2-40B4-BE49-F238E27FC236}">
-                  <a16:creationId xmlns="" xmlns:a16="http://schemas.microsoft.com/office/drawing/2014/main" id="{2C019A99-5FBA-6F44-541C-8BD783CAEE07}"/>
+                  <a16:creationId xmlns:a16="http://schemas.microsoft.com/office/drawing/2014/main" id="{2C019A99-5FBA-6F44-541C-8BD783CAEE07}"/>
                 </a:ext>
               </a:extLst>
             </p:cNvPr>
@@ -19637,7 +19550,7 @@
               <p:cNvPr id="25" name="Object 32">
                 <a:extLst>
                   <a:ext uri="{FF2B5EF4-FFF2-40B4-BE49-F238E27FC236}">
-                    <a16:creationId xmlns="" xmlns:a16="http://schemas.microsoft.com/office/drawing/2014/main" id="{8642C867-3E6F-E7F7-D375-564F5DE9C3FD}"/>
+                    <a16:creationId xmlns:a16="http://schemas.microsoft.com/office/drawing/2014/main" id="{8642C867-3E6F-E7F7-D375-564F5DE9C3FD}"/>
                   </a:ext>
                 </a:extLst>
               </p:cNvPr>
@@ -19668,7 +19581,7 @@
             <p:cNvPr id="23" name="그룹 1011">
               <a:extLst>
                 <a:ext uri="{FF2B5EF4-FFF2-40B4-BE49-F238E27FC236}">
-                  <a16:creationId xmlns="" xmlns:a16="http://schemas.microsoft.com/office/drawing/2014/main" id="{D0C5E115-41DA-428F-7597-AE486BFD8802}"/>
+                  <a16:creationId xmlns:a16="http://schemas.microsoft.com/office/drawing/2014/main" id="{D0C5E115-41DA-428F-7597-AE486BFD8802}"/>
                 </a:ext>
               </a:extLst>
             </p:cNvPr>
@@ -19688,7 +19601,7 @@
               <p:cNvPr id="24" name="Object 35">
                 <a:extLst>
                   <a:ext uri="{FF2B5EF4-FFF2-40B4-BE49-F238E27FC236}">
-                    <a16:creationId xmlns="" xmlns:a16="http://schemas.microsoft.com/office/drawing/2014/main" id="{B1D6D7C5-1439-C461-39D5-7BCDA892E175}"/>
+                    <a16:creationId xmlns:a16="http://schemas.microsoft.com/office/drawing/2014/main" id="{B1D6D7C5-1439-C461-39D5-7BCDA892E175}"/>
                   </a:ext>
                 </a:extLst>
               </p:cNvPr>
@@ -19720,7 +19633,7 @@
           <p:cNvPr id="30" name="그룹 29">
             <a:extLst>
               <a:ext uri="{FF2B5EF4-FFF2-40B4-BE49-F238E27FC236}">
-                <a16:creationId xmlns="" xmlns:a16="http://schemas.microsoft.com/office/drawing/2014/main" id="{C371F6B7-8AE2-F8D7-8AB1-18D88FA64836}"/>
+                <a16:creationId xmlns:a16="http://schemas.microsoft.com/office/drawing/2014/main" id="{C371F6B7-8AE2-F8D7-8AB1-18D88FA64836}"/>
               </a:ext>
             </a:extLst>
           </p:cNvPr>
@@ -19740,7 +19653,7 @@
             <p:cNvPr id="31" name="직선 연결선 30">
               <a:extLst>
                 <a:ext uri="{FF2B5EF4-FFF2-40B4-BE49-F238E27FC236}">
-                  <a16:creationId xmlns="" xmlns:a16="http://schemas.microsoft.com/office/drawing/2014/main" id="{140FFEE1-4B08-5EAB-3C6B-ED4398795616}"/>
+                  <a16:creationId xmlns:a16="http://schemas.microsoft.com/office/drawing/2014/main" id="{140FFEE1-4B08-5EAB-3C6B-ED4398795616}"/>
                 </a:ext>
               </a:extLst>
             </p:cNvPr>
@@ -19783,7 +19696,7 @@
             <p:cNvPr id="32" name="직선 연결선 31">
               <a:extLst>
                 <a:ext uri="{FF2B5EF4-FFF2-40B4-BE49-F238E27FC236}">
-                  <a16:creationId xmlns="" xmlns:a16="http://schemas.microsoft.com/office/drawing/2014/main" id="{8F2A108D-32C5-2723-42FA-96A3CC1B3546}"/>
+                  <a16:creationId xmlns:a16="http://schemas.microsoft.com/office/drawing/2014/main" id="{8F2A108D-32C5-2723-42FA-96A3CC1B3546}"/>
                 </a:ext>
               </a:extLst>
             </p:cNvPr>
@@ -19826,7 +19739,7 @@
             <p:cNvPr id="33" name="직선 연결선 32">
               <a:extLst>
                 <a:ext uri="{FF2B5EF4-FFF2-40B4-BE49-F238E27FC236}">
-                  <a16:creationId xmlns="" xmlns:a16="http://schemas.microsoft.com/office/drawing/2014/main" id="{FDFF5AB6-30B0-9145-029C-2C474F4F1E21}"/>
+                  <a16:creationId xmlns:a16="http://schemas.microsoft.com/office/drawing/2014/main" id="{FDFF5AB6-30B0-9145-029C-2C474F4F1E21}"/>
                 </a:ext>
               </a:extLst>
             </p:cNvPr>
@@ -19869,7 +19782,7 @@
             <p:cNvPr id="34" name="직선 연결선 33">
               <a:extLst>
                 <a:ext uri="{FF2B5EF4-FFF2-40B4-BE49-F238E27FC236}">
-                  <a16:creationId xmlns="" xmlns:a16="http://schemas.microsoft.com/office/drawing/2014/main" id="{D864E4E0-1755-052E-E285-0BD3206426C4}"/>
+                  <a16:creationId xmlns:a16="http://schemas.microsoft.com/office/drawing/2014/main" id="{D864E4E0-1755-052E-E285-0BD3206426C4}"/>
                 </a:ext>
               </a:extLst>
             </p:cNvPr>
@@ -19913,7 +19826,7 @@
           <p:cNvPr id="35" name="TextBox 34">
             <a:extLst>
               <a:ext uri="{FF2B5EF4-FFF2-40B4-BE49-F238E27FC236}">
-                <a16:creationId xmlns="" xmlns:a16="http://schemas.microsoft.com/office/drawing/2014/main" id="{778DB31D-EB69-6DC5-3BDA-636BE1FA3B54}"/>
+                <a16:creationId xmlns:a16="http://schemas.microsoft.com/office/drawing/2014/main" id="{778DB31D-EB69-6DC5-3BDA-636BE1FA3B54}"/>
               </a:ext>
             </a:extLst>
           </p:cNvPr>
@@ -19967,7 +19880,7 @@
           <p:cNvPr id="36" name="TextBox 35">
             <a:extLst>
               <a:ext uri="{FF2B5EF4-FFF2-40B4-BE49-F238E27FC236}">
-                <a16:creationId xmlns="" xmlns:a16="http://schemas.microsoft.com/office/drawing/2014/main" id="{1621356E-871B-151B-4AED-CF5903225AEA}"/>
+                <a16:creationId xmlns:a16="http://schemas.microsoft.com/office/drawing/2014/main" id="{1621356E-871B-151B-4AED-CF5903225AEA}"/>
               </a:ext>
             </a:extLst>
           </p:cNvPr>
@@ -20011,7 +19924,7 @@
           <p:cNvPr id="37" name="직선 화살표 연결선 36">
             <a:extLst>
               <a:ext uri="{FF2B5EF4-FFF2-40B4-BE49-F238E27FC236}">
-                <a16:creationId xmlns="" xmlns:a16="http://schemas.microsoft.com/office/drawing/2014/main" id="{FA4D2DBE-A24E-91C9-A061-EF14DFF00C9F}"/>
+                <a16:creationId xmlns:a16="http://schemas.microsoft.com/office/drawing/2014/main" id="{FA4D2DBE-A24E-91C9-A061-EF14DFF00C9F}"/>
               </a:ext>
             </a:extLst>
           </p:cNvPr>
@@ -20052,7 +19965,7 @@
           <p:cNvPr id="38" name="TextBox 37">
             <a:extLst>
               <a:ext uri="{FF2B5EF4-FFF2-40B4-BE49-F238E27FC236}">
-                <a16:creationId xmlns="" xmlns:a16="http://schemas.microsoft.com/office/drawing/2014/main" id="{216AC69C-363D-B57C-3300-77B7FB3EB8A8}"/>
+                <a16:creationId xmlns:a16="http://schemas.microsoft.com/office/drawing/2014/main" id="{216AC69C-363D-B57C-3300-77B7FB3EB8A8}"/>
               </a:ext>
             </a:extLst>
           </p:cNvPr>
@@ -20130,7 +20043,7 @@
           <p:cNvPr id="41" name="그룹 1008">
             <a:extLst>
               <a:ext uri="{FF2B5EF4-FFF2-40B4-BE49-F238E27FC236}">
-                <a16:creationId xmlns="" xmlns:a16="http://schemas.microsoft.com/office/drawing/2014/main" id="{0E2B2680-5D57-9832-6BF0-601C2E139EA4}"/>
+                <a16:creationId xmlns:a16="http://schemas.microsoft.com/office/drawing/2014/main" id="{0E2B2680-5D57-9832-6BF0-601C2E139EA4}"/>
               </a:ext>
             </a:extLst>
           </p:cNvPr>
@@ -20150,7 +20063,7 @@
             <p:cNvPr id="42" name="그룹 1009">
               <a:extLst>
                 <a:ext uri="{FF2B5EF4-FFF2-40B4-BE49-F238E27FC236}">
-                  <a16:creationId xmlns="" xmlns:a16="http://schemas.microsoft.com/office/drawing/2014/main" id="{CE37EC80-DC19-2701-0AE0-4AD2BF98DB0C}"/>
+                  <a16:creationId xmlns:a16="http://schemas.microsoft.com/office/drawing/2014/main" id="{CE37EC80-DC19-2701-0AE0-4AD2BF98DB0C}"/>
                 </a:ext>
               </a:extLst>
             </p:cNvPr>
@@ -20170,7 +20083,7 @@
               <p:cNvPr id="47" name="Object 29">
                 <a:extLst>
                   <a:ext uri="{FF2B5EF4-FFF2-40B4-BE49-F238E27FC236}">
-                    <a16:creationId xmlns="" xmlns:a16="http://schemas.microsoft.com/office/drawing/2014/main" id="{6A11BA13-B22F-7F7B-75DC-DC352ACE4F86}"/>
+                    <a16:creationId xmlns:a16="http://schemas.microsoft.com/office/drawing/2014/main" id="{6A11BA13-B22F-7F7B-75DC-DC352ACE4F86}"/>
                   </a:ext>
                 </a:extLst>
               </p:cNvPr>
@@ -20201,7 +20114,7 @@
             <p:cNvPr id="43" name="그룹 1010">
               <a:extLst>
                 <a:ext uri="{FF2B5EF4-FFF2-40B4-BE49-F238E27FC236}">
-                  <a16:creationId xmlns="" xmlns:a16="http://schemas.microsoft.com/office/drawing/2014/main" id="{C6608C85-8815-2557-11C5-540157E23516}"/>
+                  <a16:creationId xmlns:a16="http://schemas.microsoft.com/office/drawing/2014/main" id="{C6608C85-8815-2557-11C5-540157E23516}"/>
                 </a:ext>
               </a:extLst>
             </p:cNvPr>
@@ -20221,7 +20134,7 @@
               <p:cNvPr id="46" name="Object 32">
                 <a:extLst>
                   <a:ext uri="{FF2B5EF4-FFF2-40B4-BE49-F238E27FC236}">
-                    <a16:creationId xmlns="" xmlns:a16="http://schemas.microsoft.com/office/drawing/2014/main" id="{384E89EE-2B70-5449-784A-3F376F48AD07}"/>
+                    <a16:creationId xmlns:a16="http://schemas.microsoft.com/office/drawing/2014/main" id="{384E89EE-2B70-5449-784A-3F376F48AD07}"/>
                   </a:ext>
                 </a:extLst>
               </p:cNvPr>
@@ -20252,7 +20165,7 @@
             <p:cNvPr id="44" name="그룹 1011">
               <a:extLst>
                 <a:ext uri="{FF2B5EF4-FFF2-40B4-BE49-F238E27FC236}">
-                  <a16:creationId xmlns="" xmlns:a16="http://schemas.microsoft.com/office/drawing/2014/main" id="{C7544BB0-F0F8-EDAD-D159-DFE820879720}"/>
+                  <a16:creationId xmlns:a16="http://schemas.microsoft.com/office/drawing/2014/main" id="{C7544BB0-F0F8-EDAD-D159-DFE820879720}"/>
                 </a:ext>
               </a:extLst>
             </p:cNvPr>
@@ -20272,7 +20185,7 @@
               <p:cNvPr id="45" name="Object 35">
                 <a:extLst>
                   <a:ext uri="{FF2B5EF4-FFF2-40B4-BE49-F238E27FC236}">
-                    <a16:creationId xmlns="" xmlns:a16="http://schemas.microsoft.com/office/drawing/2014/main" id="{3335C191-41A3-E956-2CDF-76F5ED0CA721}"/>
+                    <a16:creationId xmlns:a16="http://schemas.microsoft.com/office/drawing/2014/main" id="{3335C191-41A3-E956-2CDF-76F5ED0CA721}"/>
                   </a:ext>
                 </a:extLst>
               </p:cNvPr>
@@ -20304,7 +20217,7 @@
           <p:cNvPr id="48" name="그룹 1008">
             <a:extLst>
               <a:ext uri="{FF2B5EF4-FFF2-40B4-BE49-F238E27FC236}">
-                <a16:creationId xmlns="" xmlns:a16="http://schemas.microsoft.com/office/drawing/2014/main" id="{1BEF19DF-7EBD-6BF3-3BDD-CA4DEBB74E97}"/>
+                <a16:creationId xmlns:a16="http://schemas.microsoft.com/office/drawing/2014/main" id="{1BEF19DF-7EBD-6BF3-3BDD-CA4DEBB74E97}"/>
               </a:ext>
             </a:extLst>
           </p:cNvPr>
@@ -20324,7 +20237,7 @@
             <p:cNvPr id="49" name="그룹 1009">
               <a:extLst>
                 <a:ext uri="{FF2B5EF4-FFF2-40B4-BE49-F238E27FC236}">
-                  <a16:creationId xmlns="" xmlns:a16="http://schemas.microsoft.com/office/drawing/2014/main" id="{2819E254-CEE9-D8BA-70FE-A74EEFC75588}"/>
+                  <a16:creationId xmlns:a16="http://schemas.microsoft.com/office/drawing/2014/main" id="{2819E254-CEE9-D8BA-70FE-A74EEFC75588}"/>
                 </a:ext>
               </a:extLst>
             </p:cNvPr>
@@ -20344,7 +20257,7 @@
               <p:cNvPr id="54" name="Object 29">
                 <a:extLst>
                   <a:ext uri="{FF2B5EF4-FFF2-40B4-BE49-F238E27FC236}">
-                    <a16:creationId xmlns="" xmlns:a16="http://schemas.microsoft.com/office/drawing/2014/main" id="{D61D13BB-39FC-0971-5BB8-8C6A4BACA7D6}"/>
+                    <a16:creationId xmlns:a16="http://schemas.microsoft.com/office/drawing/2014/main" id="{D61D13BB-39FC-0971-5BB8-8C6A4BACA7D6}"/>
                   </a:ext>
                 </a:extLst>
               </p:cNvPr>
@@ -20375,7 +20288,7 @@
             <p:cNvPr id="50" name="그룹 1010">
               <a:extLst>
                 <a:ext uri="{FF2B5EF4-FFF2-40B4-BE49-F238E27FC236}">
-                  <a16:creationId xmlns="" xmlns:a16="http://schemas.microsoft.com/office/drawing/2014/main" id="{DBE72524-FBA9-1EB7-5A3D-3A83191DCFD4}"/>
+                  <a16:creationId xmlns:a16="http://schemas.microsoft.com/office/drawing/2014/main" id="{DBE72524-FBA9-1EB7-5A3D-3A83191DCFD4}"/>
                 </a:ext>
               </a:extLst>
             </p:cNvPr>
@@ -20395,7 +20308,7 @@
               <p:cNvPr id="53" name="Object 32">
                 <a:extLst>
                   <a:ext uri="{FF2B5EF4-FFF2-40B4-BE49-F238E27FC236}">
-                    <a16:creationId xmlns="" xmlns:a16="http://schemas.microsoft.com/office/drawing/2014/main" id="{CE7D979E-25D5-3D9C-9716-7925AD2C0187}"/>
+                    <a16:creationId xmlns:a16="http://schemas.microsoft.com/office/drawing/2014/main" id="{CE7D979E-25D5-3D9C-9716-7925AD2C0187}"/>
                   </a:ext>
                 </a:extLst>
               </p:cNvPr>
@@ -20426,7 +20339,7 @@
             <p:cNvPr id="51" name="그룹 1011">
               <a:extLst>
                 <a:ext uri="{FF2B5EF4-FFF2-40B4-BE49-F238E27FC236}">
-                  <a16:creationId xmlns="" xmlns:a16="http://schemas.microsoft.com/office/drawing/2014/main" id="{350E1B3B-EF49-C25A-1367-73451CE136F5}"/>
+                  <a16:creationId xmlns:a16="http://schemas.microsoft.com/office/drawing/2014/main" id="{350E1B3B-EF49-C25A-1367-73451CE136F5}"/>
                 </a:ext>
               </a:extLst>
             </p:cNvPr>
@@ -20446,7 +20359,7 @@
               <p:cNvPr id="52" name="Object 35">
                 <a:extLst>
                   <a:ext uri="{FF2B5EF4-FFF2-40B4-BE49-F238E27FC236}">
-                    <a16:creationId xmlns="" xmlns:a16="http://schemas.microsoft.com/office/drawing/2014/main" id="{C4EA11B7-CFFD-6F6C-209B-AAD255B6AA1F}"/>
+                    <a16:creationId xmlns:a16="http://schemas.microsoft.com/office/drawing/2014/main" id="{C4EA11B7-CFFD-6F6C-209B-AAD255B6AA1F}"/>
                   </a:ext>
                 </a:extLst>
               </p:cNvPr>
@@ -20801,7 +20714,7 @@
           <p:cNvPr id="2" name="TextBox 1">
             <a:extLst>
               <a:ext uri="{FF2B5EF4-FFF2-40B4-BE49-F238E27FC236}">
-                <a16:creationId xmlns="" xmlns:a16="http://schemas.microsoft.com/office/drawing/2014/main" id="{8D19D88B-9541-32D7-90F1-0C45C993E21C}"/>
+                <a16:creationId xmlns:a16="http://schemas.microsoft.com/office/drawing/2014/main" id="{8D19D88B-9541-32D7-90F1-0C45C993E21C}"/>
               </a:ext>
             </a:extLst>
           </p:cNvPr>
@@ -20874,7 +20787,7 @@
           <p:cNvPr id="13" name="그림 12">
             <a:extLst>
               <a:ext uri="{FF2B5EF4-FFF2-40B4-BE49-F238E27FC236}">
-                <a16:creationId xmlns="" xmlns:a16="http://schemas.microsoft.com/office/drawing/2014/main" id="{6F7CABCC-14D6-5D27-2CCF-2F9916B77065}"/>
+                <a16:creationId xmlns:a16="http://schemas.microsoft.com/office/drawing/2014/main" id="{6F7CABCC-14D6-5D27-2CCF-2F9916B77065}"/>
               </a:ext>
             </a:extLst>
           </p:cNvPr>
@@ -20904,7 +20817,7 @@
           <p:cNvPr id="4" name="TextBox 3">
             <a:extLst>
               <a:ext uri="{FF2B5EF4-FFF2-40B4-BE49-F238E27FC236}">
-                <a16:creationId xmlns="" xmlns:a16="http://schemas.microsoft.com/office/drawing/2014/main" id="{63977648-1AB3-BB65-ABBC-7CD80404632C}"/>
+                <a16:creationId xmlns:a16="http://schemas.microsoft.com/office/drawing/2014/main" id="{63977648-1AB3-BB65-ABBC-7CD80404632C}"/>
               </a:ext>
             </a:extLst>
           </p:cNvPr>
@@ -20972,7 +20885,7 @@
           <p:cNvPr id="7" name="직선 화살표 연결선 6">
             <a:extLst>
               <a:ext uri="{FF2B5EF4-FFF2-40B4-BE49-F238E27FC236}">
-                <a16:creationId xmlns="" xmlns:a16="http://schemas.microsoft.com/office/drawing/2014/main" id="{200B892E-448A-2527-D0FD-32645EC8C09C}"/>
+                <a16:creationId xmlns:a16="http://schemas.microsoft.com/office/drawing/2014/main" id="{200B892E-448A-2527-D0FD-32645EC8C09C}"/>
               </a:ext>
             </a:extLst>
           </p:cNvPr>
@@ -21013,7 +20926,7 @@
           <p:cNvPr id="8" name="직사각형 7">
             <a:extLst>
               <a:ext uri="{FF2B5EF4-FFF2-40B4-BE49-F238E27FC236}">
-                <a16:creationId xmlns="" xmlns:a16="http://schemas.microsoft.com/office/drawing/2014/main" id="{07125430-4F48-1F78-31CD-D623D4AD1C1F}"/>
+                <a16:creationId xmlns:a16="http://schemas.microsoft.com/office/drawing/2014/main" id="{07125430-4F48-1F78-31CD-D623D4AD1C1F}"/>
               </a:ext>
             </a:extLst>
           </p:cNvPr>
@@ -21065,7 +20978,7 @@
           <p:cNvPr id="9" name="TextBox 8">
             <a:extLst>
               <a:ext uri="{FF2B5EF4-FFF2-40B4-BE49-F238E27FC236}">
-                <a16:creationId xmlns="" xmlns:a16="http://schemas.microsoft.com/office/drawing/2014/main" id="{24A98FE8-F4A9-8664-859E-1D16BEF55878}"/>
+                <a16:creationId xmlns:a16="http://schemas.microsoft.com/office/drawing/2014/main" id="{24A98FE8-F4A9-8664-859E-1D16BEF55878}"/>
               </a:ext>
             </a:extLst>
           </p:cNvPr>
@@ -21178,7 +21091,7 @@
           <p:cNvPr id="14" name="직선 화살표 연결선 13">
             <a:extLst>
               <a:ext uri="{FF2B5EF4-FFF2-40B4-BE49-F238E27FC236}">
-                <a16:creationId xmlns="" xmlns:a16="http://schemas.microsoft.com/office/drawing/2014/main" id="{E60DB3FE-B021-E655-CF56-45F6617885F9}"/>
+                <a16:creationId xmlns:a16="http://schemas.microsoft.com/office/drawing/2014/main" id="{E60DB3FE-B021-E655-CF56-45F6617885F9}"/>
               </a:ext>
             </a:extLst>
           </p:cNvPr>
@@ -21219,7 +21132,7 @@
           <p:cNvPr id="15" name="직사각형 14">
             <a:extLst>
               <a:ext uri="{FF2B5EF4-FFF2-40B4-BE49-F238E27FC236}">
-                <a16:creationId xmlns="" xmlns:a16="http://schemas.microsoft.com/office/drawing/2014/main" id="{B9243A11-4372-6FD5-7E69-0F416B5DBB73}"/>
+                <a16:creationId xmlns:a16="http://schemas.microsoft.com/office/drawing/2014/main" id="{B9243A11-4372-6FD5-7E69-0F416B5DBB73}"/>
               </a:ext>
             </a:extLst>
           </p:cNvPr>
@@ -21271,7 +21184,7 @@
           <p:cNvPr id="16" name="TextBox 15">
             <a:extLst>
               <a:ext uri="{FF2B5EF4-FFF2-40B4-BE49-F238E27FC236}">
-                <a16:creationId xmlns="" xmlns:a16="http://schemas.microsoft.com/office/drawing/2014/main" id="{7BFB26D6-1D1F-7D32-D34C-0DC7D3D9C616}"/>
+                <a16:creationId xmlns:a16="http://schemas.microsoft.com/office/drawing/2014/main" id="{7BFB26D6-1D1F-7D32-D34C-0DC7D3D9C616}"/>
               </a:ext>
             </a:extLst>
           </p:cNvPr>
@@ -21525,7 +21438,7 @@
           <p:cNvPr id="4" name="TextBox 3">
             <a:extLst>
               <a:ext uri="{FF2B5EF4-FFF2-40B4-BE49-F238E27FC236}">
-                <a16:creationId xmlns="" xmlns:a16="http://schemas.microsoft.com/office/drawing/2014/main" id="{1E6F1B97-14EB-FB1B-1B2A-A90DDA8DEF23}"/>
+                <a16:creationId xmlns:a16="http://schemas.microsoft.com/office/drawing/2014/main" id="{1E6F1B97-14EB-FB1B-1B2A-A90DDA8DEF23}"/>
               </a:ext>
             </a:extLst>
           </p:cNvPr>
@@ -21593,7 +21506,7 @@
           <p:cNvPr id="6" name="그림 5">
             <a:extLst>
               <a:ext uri="{FF2B5EF4-FFF2-40B4-BE49-F238E27FC236}">
-                <a16:creationId xmlns="" xmlns:a16="http://schemas.microsoft.com/office/drawing/2014/main" id="{DD5CB556-A69F-9AF6-A9BB-8DB1FBD26597}"/>
+                <a16:creationId xmlns:a16="http://schemas.microsoft.com/office/drawing/2014/main" id="{DD5CB556-A69F-9AF6-A9BB-8DB1FBD26597}"/>
               </a:ext>
             </a:extLst>
           </p:cNvPr>
@@ -21623,7 +21536,7 @@
           <p:cNvPr id="7" name="TextBox 6">
             <a:extLst>
               <a:ext uri="{FF2B5EF4-FFF2-40B4-BE49-F238E27FC236}">
-                <a16:creationId xmlns="" xmlns:a16="http://schemas.microsoft.com/office/drawing/2014/main" id="{406C0CEC-71BB-9A67-F8FC-7F1798122E14}"/>
+                <a16:creationId xmlns:a16="http://schemas.microsoft.com/office/drawing/2014/main" id="{406C0CEC-71BB-9A67-F8FC-7F1798122E14}"/>
               </a:ext>
             </a:extLst>
           </p:cNvPr>
@@ -21724,7 +21637,7 @@
           <p:cNvPr id="4" name="직선 연결선 3">
             <a:extLst>
               <a:ext uri="{FF2B5EF4-FFF2-40B4-BE49-F238E27FC236}">
-                <a16:creationId xmlns="" xmlns:a16="http://schemas.microsoft.com/office/drawing/2014/main" id="{25C91E0E-4ECA-34C4-FFEE-7FF932DD7211}"/>
+                <a16:creationId xmlns:a16="http://schemas.microsoft.com/office/drawing/2014/main" id="{25C91E0E-4ECA-34C4-FFEE-7FF932DD7211}"/>
               </a:ext>
             </a:extLst>
           </p:cNvPr>
@@ -21767,7 +21680,7 @@
           <p:cNvPr id="5" name="직선 연결선 4">
             <a:extLst>
               <a:ext uri="{FF2B5EF4-FFF2-40B4-BE49-F238E27FC236}">
-                <a16:creationId xmlns="" xmlns:a16="http://schemas.microsoft.com/office/drawing/2014/main" id="{EF18D769-B409-6D19-4FCB-3DA1DD09C7E3}"/>
+                <a16:creationId xmlns:a16="http://schemas.microsoft.com/office/drawing/2014/main" id="{EF18D769-B409-6D19-4FCB-3DA1DD09C7E3}"/>
               </a:ext>
             </a:extLst>
           </p:cNvPr>
@@ -21810,7 +21723,7 @@
           <p:cNvPr id="6" name="그림 5">
             <a:extLst>
               <a:ext uri="{FF2B5EF4-FFF2-40B4-BE49-F238E27FC236}">
-                <a16:creationId xmlns="" xmlns:a16="http://schemas.microsoft.com/office/drawing/2014/main" id="{70BA0589-58EF-C21C-E5B9-F3A20AAE8DF4}"/>
+                <a16:creationId xmlns:a16="http://schemas.microsoft.com/office/drawing/2014/main" id="{70BA0589-58EF-C21C-E5B9-F3A20AAE8DF4}"/>
               </a:ext>
             </a:extLst>
           </p:cNvPr>
@@ -21840,7 +21753,7 @@
           <p:cNvPr id="7" name="TextBox 6">
             <a:extLst>
               <a:ext uri="{FF2B5EF4-FFF2-40B4-BE49-F238E27FC236}">
-                <a16:creationId xmlns="" xmlns:a16="http://schemas.microsoft.com/office/drawing/2014/main" id="{2E746482-B8ED-6DBD-CE8E-A31CFB369860}"/>
+                <a16:creationId xmlns:a16="http://schemas.microsoft.com/office/drawing/2014/main" id="{2E746482-B8ED-6DBD-CE8E-A31CFB369860}"/>
               </a:ext>
             </a:extLst>
           </p:cNvPr>
@@ -21884,7 +21797,7 @@
           <p:cNvPr id="8" name="그룹 1008">
             <a:extLst>
               <a:ext uri="{FF2B5EF4-FFF2-40B4-BE49-F238E27FC236}">
-                <a16:creationId xmlns="" xmlns:a16="http://schemas.microsoft.com/office/drawing/2014/main" id="{4939C111-1EB4-AAA0-ACE1-628BE630806C}"/>
+                <a16:creationId xmlns:a16="http://schemas.microsoft.com/office/drawing/2014/main" id="{4939C111-1EB4-AAA0-ACE1-628BE630806C}"/>
               </a:ext>
             </a:extLst>
           </p:cNvPr>
@@ -21904,7 +21817,7 @@
             <p:cNvPr id="9" name="그룹 1009">
               <a:extLst>
                 <a:ext uri="{FF2B5EF4-FFF2-40B4-BE49-F238E27FC236}">
-                  <a16:creationId xmlns="" xmlns:a16="http://schemas.microsoft.com/office/drawing/2014/main" id="{B103D8F2-D1D6-E0F3-F5E7-C9DEA3606F81}"/>
+                  <a16:creationId xmlns:a16="http://schemas.microsoft.com/office/drawing/2014/main" id="{B103D8F2-D1D6-E0F3-F5E7-C9DEA3606F81}"/>
                 </a:ext>
               </a:extLst>
             </p:cNvPr>
@@ -21924,7 +21837,7 @@
               <p:cNvPr id="14" name="Object 29">
                 <a:extLst>
                   <a:ext uri="{FF2B5EF4-FFF2-40B4-BE49-F238E27FC236}">
-                    <a16:creationId xmlns="" xmlns:a16="http://schemas.microsoft.com/office/drawing/2014/main" id="{FCBE588B-0A86-F434-B108-943E4C82EDA9}"/>
+                    <a16:creationId xmlns:a16="http://schemas.microsoft.com/office/drawing/2014/main" id="{FCBE588B-0A86-F434-B108-943E4C82EDA9}"/>
                   </a:ext>
                 </a:extLst>
               </p:cNvPr>
@@ -21955,7 +21868,7 @@
             <p:cNvPr id="10" name="그룹 1010">
               <a:extLst>
                 <a:ext uri="{FF2B5EF4-FFF2-40B4-BE49-F238E27FC236}">
-                  <a16:creationId xmlns="" xmlns:a16="http://schemas.microsoft.com/office/drawing/2014/main" id="{03146068-C782-C7B5-D961-B118BD454E31}"/>
+                  <a16:creationId xmlns:a16="http://schemas.microsoft.com/office/drawing/2014/main" id="{03146068-C782-C7B5-D961-B118BD454E31}"/>
                 </a:ext>
               </a:extLst>
             </p:cNvPr>
@@ -21975,7 +21888,7 @@
               <p:cNvPr id="13" name="Object 32">
                 <a:extLst>
                   <a:ext uri="{FF2B5EF4-FFF2-40B4-BE49-F238E27FC236}">
-                    <a16:creationId xmlns="" xmlns:a16="http://schemas.microsoft.com/office/drawing/2014/main" id="{9B0E0D5B-4B83-EA1C-0B38-A47345D8E1E7}"/>
+                    <a16:creationId xmlns:a16="http://schemas.microsoft.com/office/drawing/2014/main" id="{9B0E0D5B-4B83-EA1C-0B38-A47345D8E1E7}"/>
                   </a:ext>
                 </a:extLst>
               </p:cNvPr>
@@ -22006,7 +21919,7 @@
             <p:cNvPr id="11" name="그룹 1011">
               <a:extLst>
                 <a:ext uri="{FF2B5EF4-FFF2-40B4-BE49-F238E27FC236}">
-                  <a16:creationId xmlns="" xmlns:a16="http://schemas.microsoft.com/office/drawing/2014/main" id="{A37DC8FA-E022-A6C0-123D-B6BBCF251717}"/>
+                  <a16:creationId xmlns:a16="http://schemas.microsoft.com/office/drawing/2014/main" id="{A37DC8FA-E022-A6C0-123D-B6BBCF251717}"/>
                 </a:ext>
               </a:extLst>
             </p:cNvPr>
@@ -22026,7 +21939,7 @@
               <p:cNvPr id="12" name="Object 35">
                 <a:extLst>
                   <a:ext uri="{FF2B5EF4-FFF2-40B4-BE49-F238E27FC236}">
-                    <a16:creationId xmlns="" xmlns:a16="http://schemas.microsoft.com/office/drawing/2014/main" id="{528AD74B-97DF-BCAC-538B-568904043751}"/>
+                    <a16:creationId xmlns:a16="http://schemas.microsoft.com/office/drawing/2014/main" id="{528AD74B-97DF-BCAC-538B-568904043751}"/>
                   </a:ext>
                 </a:extLst>
               </p:cNvPr>
@@ -22058,7 +21971,7 @@
           <p:cNvPr id="15" name="그림 14">
             <a:extLst>
               <a:ext uri="{FF2B5EF4-FFF2-40B4-BE49-F238E27FC236}">
-                <a16:creationId xmlns="" xmlns:a16="http://schemas.microsoft.com/office/drawing/2014/main" id="{A0F1CD3E-29E3-C715-D7FA-4C2CAD79EBA5}"/>
+                <a16:creationId xmlns:a16="http://schemas.microsoft.com/office/drawing/2014/main" id="{A0F1CD3E-29E3-C715-D7FA-4C2CAD79EBA5}"/>
               </a:ext>
             </a:extLst>
           </p:cNvPr>
@@ -22088,7 +22001,7 @@
           <p:cNvPr id="26" name="그룹 25">
             <a:extLst>
               <a:ext uri="{FF2B5EF4-FFF2-40B4-BE49-F238E27FC236}">
-                <a16:creationId xmlns="" xmlns:a16="http://schemas.microsoft.com/office/drawing/2014/main" id="{F8BC6191-4723-39E6-EA9C-52CC8C390706}"/>
+                <a16:creationId xmlns:a16="http://schemas.microsoft.com/office/drawing/2014/main" id="{F8BC6191-4723-39E6-EA9C-52CC8C390706}"/>
               </a:ext>
             </a:extLst>
           </p:cNvPr>
@@ -22108,7 +22021,7 @@
             <p:cNvPr id="27" name="직선 연결선 26">
               <a:extLst>
                 <a:ext uri="{FF2B5EF4-FFF2-40B4-BE49-F238E27FC236}">
-                  <a16:creationId xmlns="" xmlns:a16="http://schemas.microsoft.com/office/drawing/2014/main" id="{19616935-B13A-4503-4BC3-2CBDA59F70CD}"/>
+                  <a16:creationId xmlns:a16="http://schemas.microsoft.com/office/drawing/2014/main" id="{19616935-B13A-4503-4BC3-2CBDA59F70CD}"/>
                 </a:ext>
               </a:extLst>
             </p:cNvPr>
@@ -22151,7 +22064,7 @@
             <p:cNvPr id="28" name="직선 연결선 27">
               <a:extLst>
                 <a:ext uri="{FF2B5EF4-FFF2-40B4-BE49-F238E27FC236}">
-                  <a16:creationId xmlns="" xmlns:a16="http://schemas.microsoft.com/office/drawing/2014/main" id="{D6B25BB3-819B-B0B3-EE48-C3624BCC31C6}"/>
+                  <a16:creationId xmlns:a16="http://schemas.microsoft.com/office/drawing/2014/main" id="{D6B25BB3-819B-B0B3-EE48-C3624BCC31C6}"/>
                 </a:ext>
               </a:extLst>
             </p:cNvPr>
@@ -22194,7 +22107,7 @@
             <p:cNvPr id="29" name="직선 연결선 28">
               <a:extLst>
                 <a:ext uri="{FF2B5EF4-FFF2-40B4-BE49-F238E27FC236}">
-                  <a16:creationId xmlns="" xmlns:a16="http://schemas.microsoft.com/office/drawing/2014/main" id="{1486E00A-8C85-FA0F-47E0-37EBF51562CC}"/>
+                  <a16:creationId xmlns:a16="http://schemas.microsoft.com/office/drawing/2014/main" id="{1486E00A-8C85-FA0F-47E0-37EBF51562CC}"/>
                 </a:ext>
               </a:extLst>
             </p:cNvPr>
@@ -22237,7 +22150,7 @@
             <p:cNvPr id="30" name="직선 연결선 29">
               <a:extLst>
                 <a:ext uri="{FF2B5EF4-FFF2-40B4-BE49-F238E27FC236}">
-                  <a16:creationId xmlns="" xmlns:a16="http://schemas.microsoft.com/office/drawing/2014/main" id="{AAC2A73F-2FFC-FCF3-22B0-7BC0BCEBF805}"/>
+                  <a16:creationId xmlns:a16="http://schemas.microsoft.com/office/drawing/2014/main" id="{AAC2A73F-2FFC-FCF3-22B0-7BC0BCEBF805}"/>
                 </a:ext>
               </a:extLst>
             </p:cNvPr>
@@ -22281,7 +22194,7 @@
           <p:cNvPr id="31" name="TextBox 30">
             <a:extLst>
               <a:ext uri="{FF2B5EF4-FFF2-40B4-BE49-F238E27FC236}">
-                <a16:creationId xmlns="" xmlns:a16="http://schemas.microsoft.com/office/drawing/2014/main" id="{31F445E8-8F31-F78E-AF15-53EE5FDA7CE0}"/>
+                <a16:creationId xmlns:a16="http://schemas.microsoft.com/office/drawing/2014/main" id="{31F445E8-8F31-F78E-AF15-53EE5FDA7CE0}"/>
               </a:ext>
             </a:extLst>
           </p:cNvPr>
@@ -22335,7 +22248,7 @@
           <p:cNvPr id="32" name="TextBox 31">
             <a:extLst>
               <a:ext uri="{FF2B5EF4-FFF2-40B4-BE49-F238E27FC236}">
-                <a16:creationId xmlns="" xmlns:a16="http://schemas.microsoft.com/office/drawing/2014/main" id="{DF8FD2C3-E0A3-C77B-ED56-D536F24AD294}"/>
+                <a16:creationId xmlns:a16="http://schemas.microsoft.com/office/drawing/2014/main" id="{DF8FD2C3-E0A3-C77B-ED56-D536F24AD294}"/>
               </a:ext>
             </a:extLst>
           </p:cNvPr>
@@ -22379,7 +22292,7 @@
           <p:cNvPr id="37" name="그룹 1008">
             <a:extLst>
               <a:ext uri="{FF2B5EF4-FFF2-40B4-BE49-F238E27FC236}">
-                <a16:creationId xmlns="" xmlns:a16="http://schemas.microsoft.com/office/drawing/2014/main" id="{DF9C147E-149F-ABEA-2C4A-82FAED3FA470}"/>
+                <a16:creationId xmlns:a16="http://schemas.microsoft.com/office/drawing/2014/main" id="{DF9C147E-149F-ABEA-2C4A-82FAED3FA470}"/>
               </a:ext>
             </a:extLst>
           </p:cNvPr>
@@ -22399,7 +22312,7 @@
             <p:cNvPr id="38" name="그룹 1009">
               <a:extLst>
                 <a:ext uri="{FF2B5EF4-FFF2-40B4-BE49-F238E27FC236}">
-                  <a16:creationId xmlns="" xmlns:a16="http://schemas.microsoft.com/office/drawing/2014/main" id="{BD3E8A57-FBB3-04C7-5409-558DE30D78FA}"/>
+                  <a16:creationId xmlns:a16="http://schemas.microsoft.com/office/drawing/2014/main" id="{BD3E8A57-FBB3-04C7-5409-558DE30D78FA}"/>
                 </a:ext>
               </a:extLst>
             </p:cNvPr>
@@ -22419,7 +22332,7 @@
               <p:cNvPr id="43" name="Object 29">
                 <a:extLst>
                   <a:ext uri="{FF2B5EF4-FFF2-40B4-BE49-F238E27FC236}">
-                    <a16:creationId xmlns="" xmlns:a16="http://schemas.microsoft.com/office/drawing/2014/main" id="{CECD1BCA-8699-F8E3-4136-E22688C209EC}"/>
+                    <a16:creationId xmlns:a16="http://schemas.microsoft.com/office/drawing/2014/main" id="{CECD1BCA-8699-F8E3-4136-E22688C209EC}"/>
                   </a:ext>
                 </a:extLst>
               </p:cNvPr>
@@ -22450,7 +22363,7 @@
             <p:cNvPr id="39" name="그룹 1010">
               <a:extLst>
                 <a:ext uri="{FF2B5EF4-FFF2-40B4-BE49-F238E27FC236}">
-                  <a16:creationId xmlns="" xmlns:a16="http://schemas.microsoft.com/office/drawing/2014/main" id="{8FBA2CE0-E2CD-F240-8D43-7BD3E4968849}"/>
+                  <a16:creationId xmlns:a16="http://schemas.microsoft.com/office/drawing/2014/main" id="{8FBA2CE0-E2CD-F240-8D43-7BD3E4968849}"/>
                 </a:ext>
               </a:extLst>
             </p:cNvPr>
@@ -22470,7 +22383,7 @@
               <p:cNvPr id="42" name="Object 32">
                 <a:extLst>
                   <a:ext uri="{FF2B5EF4-FFF2-40B4-BE49-F238E27FC236}">
-                    <a16:creationId xmlns="" xmlns:a16="http://schemas.microsoft.com/office/drawing/2014/main" id="{98A0FC31-E97A-8E22-C393-B79240CBE80E}"/>
+                    <a16:creationId xmlns:a16="http://schemas.microsoft.com/office/drawing/2014/main" id="{98A0FC31-E97A-8E22-C393-B79240CBE80E}"/>
                   </a:ext>
                 </a:extLst>
               </p:cNvPr>
@@ -22501,7 +22414,7 @@
             <p:cNvPr id="40" name="그룹 1011">
               <a:extLst>
                 <a:ext uri="{FF2B5EF4-FFF2-40B4-BE49-F238E27FC236}">
-                  <a16:creationId xmlns="" xmlns:a16="http://schemas.microsoft.com/office/drawing/2014/main" id="{7E3E5742-D5BB-89BF-7BA4-91A7044389B3}"/>
+                  <a16:creationId xmlns:a16="http://schemas.microsoft.com/office/drawing/2014/main" id="{7E3E5742-D5BB-89BF-7BA4-91A7044389B3}"/>
                 </a:ext>
               </a:extLst>
             </p:cNvPr>
@@ -22521,7 +22434,7 @@
               <p:cNvPr id="41" name="Object 35">
                 <a:extLst>
                   <a:ext uri="{FF2B5EF4-FFF2-40B4-BE49-F238E27FC236}">
-                    <a16:creationId xmlns="" xmlns:a16="http://schemas.microsoft.com/office/drawing/2014/main" id="{E72F8305-12AF-3DDB-8253-DDE94B9A72C6}"/>
+                    <a16:creationId xmlns:a16="http://schemas.microsoft.com/office/drawing/2014/main" id="{E72F8305-12AF-3DDB-8253-DDE94B9A72C6}"/>
                   </a:ext>
                 </a:extLst>
               </p:cNvPr>
@@ -22553,7 +22466,7 @@
           <p:cNvPr id="44" name="그룹 1008">
             <a:extLst>
               <a:ext uri="{FF2B5EF4-FFF2-40B4-BE49-F238E27FC236}">
-                <a16:creationId xmlns="" xmlns:a16="http://schemas.microsoft.com/office/drawing/2014/main" id="{727D00EA-120D-3F22-909F-17987E6AD703}"/>
+                <a16:creationId xmlns:a16="http://schemas.microsoft.com/office/drawing/2014/main" id="{727D00EA-120D-3F22-909F-17987E6AD703}"/>
               </a:ext>
             </a:extLst>
           </p:cNvPr>
@@ -22573,7 +22486,7 @@
             <p:cNvPr id="45" name="그룹 1009">
               <a:extLst>
                 <a:ext uri="{FF2B5EF4-FFF2-40B4-BE49-F238E27FC236}">
-                  <a16:creationId xmlns="" xmlns:a16="http://schemas.microsoft.com/office/drawing/2014/main" id="{723E798E-825B-CF9D-F9A7-42798915085B}"/>
+                  <a16:creationId xmlns:a16="http://schemas.microsoft.com/office/drawing/2014/main" id="{723E798E-825B-CF9D-F9A7-42798915085B}"/>
                 </a:ext>
               </a:extLst>
             </p:cNvPr>
@@ -22593,7 +22506,7 @@
               <p:cNvPr id="50" name="Object 29">
                 <a:extLst>
                   <a:ext uri="{FF2B5EF4-FFF2-40B4-BE49-F238E27FC236}">
-                    <a16:creationId xmlns="" xmlns:a16="http://schemas.microsoft.com/office/drawing/2014/main" id="{8B500B76-4CA3-78AC-6034-5B57EE94071F}"/>
+                    <a16:creationId xmlns:a16="http://schemas.microsoft.com/office/drawing/2014/main" id="{8B500B76-4CA3-78AC-6034-5B57EE94071F}"/>
                   </a:ext>
                 </a:extLst>
               </p:cNvPr>
@@ -22624,7 +22537,7 @@
             <p:cNvPr id="46" name="그룹 1010">
               <a:extLst>
                 <a:ext uri="{FF2B5EF4-FFF2-40B4-BE49-F238E27FC236}">
-                  <a16:creationId xmlns="" xmlns:a16="http://schemas.microsoft.com/office/drawing/2014/main" id="{028784CC-6D39-B450-E3F2-1F4FD1430831}"/>
+                  <a16:creationId xmlns:a16="http://schemas.microsoft.com/office/drawing/2014/main" id="{028784CC-6D39-B450-E3F2-1F4FD1430831}"/>
                 </a:ext>
               </a:extLst>
             </p:cNvPr>
@@ -22644,7 +22557,7 @@
               <p:cNvPr id="49" name="Object 32">
                 <a:extLst>
                   <a:ext uri="{FF2B5EF4-FFF2-40B4-BE49-F238E27FC236}">
-                    <a16:creationId xmlns="" xmlns:a16="http://schemas.microsoft.com/office/drawing/2014/main" id="{20AB0B88-3BA6-EF7C-2C5C-F4E3D1ED7F12}"/>
+                    <a16:creationId xmlns:a16="http://schemas.microsoft.com/office/drawing/2014/main" id="{20AB0B88-3BA6-EF7C-2C5C-F4E3D1ED7F12}"/>
                   </a:ext>
                 </a:extLst>
               </p:cNvPr>
@@ -22675,7 +22588,7 @@
             <p:cNvPr id="47" name="그룹 1011">
               <a:extLst>
                 <a:ext uri="{FF2B5EF4-FFF2-40B4-BE49-F238E27FC236}">
-                  <a16:creationId xmlns="" xmlns:a16="http://schemas.microsoft.com/office/drawing/2014/main" id="{30A2FE28-070E-AD90-58AC-E3E10FF9C347}"/>
+                  <a16:creationId xmlns:a16="http://schemas.microsoft.com/office/drawing/2014/main" id="{30A2FE28-070E-AD90-58AC-E3E10FF9C347}"/>
                 </a:ext>
               </a:extLst>
             </p:cNvPr>
@@ -22695,7 +22608,7 @@
               <p:cNvPr id="48" name="Object 35">
                 <a:extLst>
                   <a:ext uri="{FF2B5EF4-FFF2-40B4-BE49-F238E27FC236}">
-                    <a16:creationId xmlns="" xmlns:a16="http://schemas.microsoft.com/office/drawing/2014/main" id="{F9C881E9-0EFF-2C74-6891-291665626BEF}"/>
+                    <a16:creationId xmlns:a16="http://schemas.microsoft.com/office/drawing/2014/main" id="{F9C881E9-0EFF-2C74-6891-291665626BEF}"/>
                   </a:ext>
                 </a:extLst>
               </p:cNvPr>
@@ -22727,7 +22640,7 @@
           <p:cNvPr id="52" name="TextBox 51">
             <a:extLst>
               <a:ext uri="{FF2B5EF4-FFF2-40B4-BE49-F238E27FC236}">
-                <a16:creationId xmlns="" xmlns:a16="http://schemas.microsoft.com/office/drawing/2014/main" id="{5DE19AC2-F0B0-9996-172F-42876E2D657C}"/>
+                <a16:creationId xmlns:a16="http://schemas.microsoft.com/office/drawing/2014/main" id="{5DE19AC2-F0B0-9996-172F-42876E2D657C}"/>
               </a:ext>
             </a:extLst>
           </p:cNvPr>
@@ -22778,7 +22691,7 @@
           <p:cNvPr id="53" name="TextBox 52">
             <a:extLst>
               <a:ext uri="{FF2B5EF4-FFF2-40B4-BE49-F238E27FC236}">
-                <a16:creationId xmlns="" xmlns:a16="http://schemas.microsoft.com/office/drawing/2014/main" id="{F134201D-3343-610B-E103-99DCEFBE682F}"/>
+                <a16:creationId xmlns:a16="http://schemas.microsoft.com/office/drawing/2014/main" id="{F134201D-3343-610B-E103-99DCEFBE682F}"/>
               </a:ext>
             </a:extLst>
           </p:cNvPr>
@@ -22859,7 +22772,7 @@
           <p:cNvPr id="5" name="그림 4">
             <a:extLst>
               <a:ext uri="{FF2B5EF4-FFF2-40B4-BE49-F238E27FC236}">
-                <a16:creationId xmlns="" xmlns:a16="http://schemas.microsoft.com/office/drawing/2014/main" id="{981B080B-75CC-56F7-DAFD-8E3B32B99A1E}"/>
+                <a16:creationId xmlns:a16="http://schemas.microsoft.com/office/drawing/2014/main" id="{981B080B-75CC-56F7-DAFD-8E3B32B99A1E}"/>
               </a:ext>
             </a:extLst>
           </p:cNvPr>
@@ -22889,7 +22802,7 @@
           <p:cNvPr id="6" name="직선 화살표 연결선 5">
             <a:extLst>
               <a:ext uri="{FF2B5EF4-FFF2-40B4-BE49-F238E27FC236}">
-                <a16:creationId xmlns="" xmlns:a16="http://schemas.microsoft.com/office/drawing/2014/main" id="{D3535342-890E-605D-924B-1B318F6B8665}"/>
+                <a16:creationId xmlns:a16="http://schemas.microsoft.com/office/drawing/2014/main" id="{D3535342-890E-605D-924B-1B318F6B8665}"/>
               </a:ext>
             </a:extLst>
           </p:cNvPr>
@@ -22930,7 +22843,7 @@
           <p:cNvPr id="7" name="직사각형 6">
             <a:extLst>
               <a:ext uri="{FF2B5EF4-FFF2-40B4-BE49-F238E27FC236}">
-                <a16:creationId xmlns="" xmlns:a16="http://schemas.microsoft.com/office/drawing/2014/main" id="{C7F3346F-3628-5BD7-7532-938A6C67EC85}"/>
+                <a16:creationId xmlns:a16="http://schemas.microsoft.com/office/drawing/2014/main" id="{C7F3346F-3628-5BD7-7532-938A6C67EC85}"/>
               </a:ext>
             </a:extLst>
           </p:cNvPr>
@@ -22982,7 +22895,7 @@
           <p:cNvPr id="8" name="TextBox 7">
             <a:extLst>
               <a:ext uri="{FF2B5EF4-FFF2-40B4-BE49-F238E27FC236}">
-                <a16:creationId xmlns="" xmlns:a16="http://schemas.microsoft.com/office/drawing/2014/main" id="{D81D503A-8C08-3793-58D3-BF8FFE24519A}"/>
+                <a16:creationId xmlns:a16="http://schemas.microsoft.com/office/drawing/2014/main" id="{D81D503A-8C08-3793-58D3-BF8FFE24519A}"/>
               </a:ext>
             </a:extLst>
           </p:cNvPr>
@@ -23043,7 +22956,7 @@
           <p:cNvPr id="10" name="그림 9">
             <a:extLst>
               <a:ext uri="{FF2B5EF4-FFF2-40B4-BE49-F238E27FC236}">
-                <a16:creationId xmlns="" xmlns:a16="http://schemas.microsoft.com/office/drawing/2014/main" id="{ECE7821B-5BFD-304F-3F29-06D3DE0A4F5C}"/>
+                <a16:creationId xmlns:a16="http://schemas.microsoft.com/office/drawing/2014/main" id="{ECE7821B-5BFD-304F-3F29-06D3DE0A4F5C}"/>
               </a:ext>
             </a:extLst>
           </p:cNvPr>
@@ -23073,7 +22986,7 @@
           <p:cNvPr id="11" name="TextBox 10">
             <a:extLst>
               <a:ext uri="{FF2B5EF4-FFF2-40B4-BE49-F238E27FC236}">
-                <a16:creationId xmlns="" xmlns:a16="http://schemas.microsoft.com/office/drawing/2014/main" id="{B5D9BC58-684C-C704-DEE6-C52F406F29C0}"/>
+                <a16:creationId xmlns:a16="http://schemas.microsoft.com/office/drawing/2014/main" id="{B5D9BC58-684C-C704-DEE6-C52F406F29C0}"/>
               </a:ext>
             </a:extLst>
           </p:cNvPr>
@@ -23232,7 +23145,7 @@
           <p:cNvPr id="4" name="TextBox 3">
             <a:extLst>
               <a:ext uri="{FF2B5EF4-FFF2-40B4-BE49-F238E27FC236}">
-                <a16:creationId xmlns="" xmlns:a16="http://schemas.microsoft.com/office/drawing/2014/main" id="{22E2DB4C-43F7-17F4-EB20-86A4DF57EC84}"/>
+                <a16:creationId xmlns:a16="http://schemas.microsoft.com/office/drawing/2014/main" id="{22E2DB4C-43F7-17F4-EB20-86A4DF57EC84}"/>
               </a:ext>
             </a:extLst>
           </p:cNvPr>
@@ -23373,7 +23286,7 @@
           <p:cNvPr id="5" name="그림 4">
             <a:extLst>
               <a:ext uri="{FF2B5EF4-FFF2-40B4-BE49-F238E27FC236}">
-                <a16:creationId xmlns="" xmlns:a16="http://schemas.microsoft.com/office/drawing/2014/main" id="{03B1340D-33F3-371D-8613-8683AB430C64}"/>
+                <a16:creationId xmlns:a16="http://schemas.microsoft.com/office/drawing/2014/main" id="{03B1340D-33F3-371D-8613-8683AB430C64}"/>
               </a:ext>
             </a:extLst>
           </p:cNvPr>
@@ -23403,7 +23316,7 @@
           <p:cNvPr id="6" name="직선 화살표 연결선 5">
             <a:extLst>
               <a:ext uri="{FF2B5EF4-FFF2-40B4-BE49-F238E27FC236}">
-                <a16:creationId xmlns="" xmlns:a16="http://schemas.microsoft.com/office/drawing/2014/main" id="{F2AD171B-419E-07A8-723D-7E4D4FCBDF9F}"/>
+                <a16:creationId xmlns:a16="http://schemas.microsoft.com/office/drawing/2014/main" id="{F2AD171B-419E-07A8-723D-7E4D4FCBDF9F}"/>
               </a:ext>
             </a:extLst>
           </p:cNvPr>
@@ -23444,7 +23357,7 @@
           <p:cNvPr id="7" name="직사각형 6">
             <a:extLst>
               <a:ext uri="{FF2B5EF4-FFF2-40B4-BE49-F238E27FC236}">
-                <a16:creationId xmlns="" xmlns:a16="http://schemas.microsoft.com/office/drawing/2014/main" id="{E686DBED-C291-E878-9488-DB60EAED2C50}"/>
+                <a16:creationId xmlns:a16="http://schemas.microsoft.com/office/drawing/2014/main" id="{E686DBED-C291-E878-9488-DB60EAED2C50}"/>
               </a:ext>
             </a:extLst>
           </p:cNvPr>
@@ -23496,7 +23409,7 @@
           <p:cNvPr id="8" name="TextBox 7">
             <a:extLst>
               <a:ext uri="{FF2B5EF4-FFF2-40B4-BE49-F238E27FC236}">
-                <a16:creationId xmlns="" xmlns:a16="http://schemas.microsoft.com/office/drawing/2014/main" id="{8340BDB6-61C9-221E-C8FB-49CCA030E56D}"/>
+                <a16:creationId xmlns:a16="http://schemas.microsoft.com/office/drawing/2014/main" id="{8340BDB6-61C9-221E-C8FB-49CCA030E56D}"/>
               </a:ext>
             </a:extLst>
           </p:cNvPr>
@@ -23760,7 +23673,7 @@
           <p:cNvPr id="4" name="TextBox 3">
             <a:extLst>
               <a:ext uri="{FF2B5EF4-FFF2-40B4-BE49-F238E27FC236}">
-                <a16:creationId xmlns="" xmlns:a16="http://schemas.microsoft.com/office/drawing/2014/main" id="{E6016F07-5E43-D848-FFFB-1F1258FC4388}"/>
+                <a16:creationId xmlns:a16="http://schemas.microsoft.com/office/drawing/2014/main" id="{E6016F07-5E43-D848-FFFB-1F1258FC4388}"/>
               </a:ext>
             </a:extLst>
           </p:cNvPr>
@@ -23861,7 +23774,7 @@
           <p:cNvPr id="4" name="TextBox 3">
             <a:extLst>
               <a:ext uri="{FF2B5EF4-FFF2-40B4-BE49-F238E27FC236}">
-                <a16:creationId xmlns="" xmlns:a16="http://schemas.microsoft.com/office/drawing/2014/main" id="{EE79C406-3461-D6A5-5346-D7C2FC38FCCD}"/>
+                <a16:creationId xmlns:a16="http://schemas.microsoft.com/office/drawing/2014/main" id="{EE79C406-3461-D6A5-5346-D7C2FC38FCCD}"/>
               </a:ext>
             </a:extLst>
           </p:cNvPr>
@@ -23912,7 +23825,7 @@
           <p:cNvPr id="8" name="TextBox 7">
             <a:extLst>
               <a:ext uri="{FF2B5EF4-FFF2-40B4-BE49-F238E27FC236}">
-                <a16:creationId xmlns="" xmlns:a16="http://schemas.microsoft.com/office/drawing/2014/main" id="{2FFEA572-0493-CB52-6BE5-4BCEFE8076B6}"/>
+                <a16:creationId xmlns:a16="http://schemas.microsoft.com/office/drawing/2014/main" id="{2FFEA572-0493-CB52-6BE5-4BCEFE8076B6}"/>
               </a:ext>
             </a:extLst>
           </p:cNvPr>
@@ -24168,7 +24081,7 @@
           <p:cNvPr id="6" name="그림 5">
             <a:extLst>
               <a:ext uri="{FF2B5EF4-FFF2-40B4-BE49-F238E27FC236}">
-                <a16:creationId xmlns="" xmlns:a16="http://schemas.microsoft.com/office/drawing/2014/main" id="{DA74F038-7D17-4F05-5831-9E732A033733}"/>
+                <a16:creationId xmlns:a16="http://schemas.microsoft.com/office/drawing/2014/main" id="{DA74F038-7D17-4F05-5831-9E732A033733}"/>
               </a:ext>
             </a:extLst>
           </p:cNvPr>
@@ -24198,7 +24111,7 @@
           <p:cNvPr id="7" name="직선 화살표 연결선 6">
             <a:extLst>
               <a:ext uri="{FF2B5EF4-FFF2-40B4-BE49-F238E27FC236}">
-                <a16:creationId xmlns="" xmlns:a16="http://schemas.microsoft.com/office/drawing/2014/main" id="{F8CDF37E-F5CD-20C3-9352-05F0ED200BF0}"/>
+                <a16:creationId xmlns:a16="http://schemas.microsoft.com/office/drawing/2014/main" id="{F8CDF37E-F5CD-20C3-9352-05F0ED200BF0}"/>
               </a:ext>
             </a:extLst>
           </p:cNvPr>
@@ -24239,7 +24152,7 @@
           <p:cNvPr id="9" name="직사각형 8">
             <a:extLst>
               <a:ext uri="{FF2B5EF4-FFF2-40B4-BE49-F238E27FC236}">
-                <a16:creationId xmlns="" xmlns:a16="http://schemas.microsoft.com/office/drawing/2014/main" id="{E19787B1-332E-4CFF-1F2D-7D60B503D1F7}"/>
+                <a16:creationId xmlns:a16="http://schemas.microsoft.com/office/drawing/2014/main" id="{E19787B1-332E-4CFF-1F2D-7D60B503D1F7}"/>
               </a:ext>
             </a:extLst>
           </p:cNvPr>
@@ -24291,7 +24204,7 @@
           <p:cNvPr id="10" name="TextBox 9">
             <a:extLst>
               <a:ext uri="{FF2B5EF4-FFF2-40B4-BE49-F238E27FC236}">
-                <a16:creationId xmlns="" xmlns:a16="http://schemas.microsoft.com/office/drawing/2014/main" id="{1D2259E5-3E44-EF21-C8FD-899E34E417B2}"/>
+                <a16:creationId xmlns:a16="http://schemas.microsoft.com/office/drawing/2014/main" id="{1D2259E5-3E44-EF21-C8FD-899E34E417B2}"/>
               </a:ext>
             </a:extLst>
           </p:cNvPr>
@@ -24362,7 +24275,7 @@
           <p:cNvPr id="14" name="그림 13">
             <a:extLst>
               <a:ext uri="{FF2B5EF4-FFF2-40B4-BE49-F238E27FC236}">
-                <a16:creationId xmlns="" xmlns:a16="http://schemas.microsoft.com/office/drawing/2014/main" id="{501EEA91-8859-0CA6-5CDE-FF67E9E90705}"/>
+                <a16:creationId xmlns:a16="http://schemas.microsoft.com/office/drawing/2014/main" id="{501EEA91-8859-0CA6-5CDE-FF67E9E90705}"/>
               </a:ext>
             </a:extLst>
           </p:cNvPr>
@@ -24392,7 +24305,7 @@
           <p:cNvPr id="15" name="직사각형 14">
             <a:extLst>
               <a:ext uri="{FF2B5EF4-FFF2-40B4-BE49-F238E27FC236}">
-                <a16:creationId xmlns="" xmlns:a16="http://schemas.microsoft.com/office/drawing/2014/main" id="{587302C8-CD1F-58C0-3753-0C919E73159A}"/>
+                <a16:creationId xmlns:a16="http://schemas.microsoft.com/office/drawing/2014/main" id="{587302C8-CD1F-58C0-3753-0C919E73159A}"/>
               </a:ext>
             </a:extLst>
           </p:cNvPr>
@@ -24444,7 +24357,7 @@
           <p:cNvPr id="16" name="직사각형 15">
             <a:extLst>
               <a:ext uri="{FF2B5EF4-FFF2-40B4-BE49-F238E27FC236}">
-                <a16:creationId xmlns="" xmlns:a16="http://schemas.microsoft.com/office/drawing/2014/main" id="{0F9A7DCE-AE3F-A3D4-75CD-7810D20E8B2B}"/>
+                <a16:creationId xmlns:a16="http://schemas.microsoft.com/office/drawing/2014/main" id="{0F9A7DCE-AE3F-A3D4-75CD-7810D20E8B2B}"/>
               </a:ext>
             </a:extLst>
           </p:cNvPr>
@@ -24691,7 +24604,7 @@
           <p:cNvPr id="4" name="TextBox 3">
             <a:extLst>
               <a:ext uri="{FF2B5EF4-FFF2-40B4-BE49-F238E27FC236}">
-                <a16:creationId xmlns="" xmlns:a16="http://schemas.microsoft.com/office/drawing/2014/main" id="{E3E7BB62-3A69-8D61-2029-8C35FAF88C23}"/>
+                <a16:creationId xmlns:a16="http://schemas.microsoft.com/office/drawing/2014/main" id="{E3E7BB62-3A69-8D61-2029-8C35FAF88C23}"/>
               </a:ext>
             </a:extLst>
           </p:cNvPr>
@@ -24701,7 +24614,7 @@
         <p:spPr>
           <a:xfrm>
             <a:off x="883443" y="571500"/>
-            <a:ext cx="16521113" cy="1323439"/>
+            <a:ext cx="16521113" cy="2554545"/>
           </a:xfrm>
           <a:prstGeom prst="rect">
             <a:avLst/>
@@ -24732,27 +24645,7 @@
                 <a:latin typeface="G마켓 산스 Medium" panose="02000000000000000000" pitchFamily="50" charset="-127"/>
                 <a:ea typeface="G마켓 산스 Medium" panose="02000000000000000000" pitchFamily="50" charset="-127"/>
               </a:rPr>
-              <a:t>파일의 내용을 </a:t>
-            </a:r>
-            <a:r>
-              <a:rPr lang="ko-KR" altLang="en-US" sz="4000" dirty="0" err="1">
-                <a:solidFill>
-                  <a:srgbClr val="4C50BC"/>
-                </a:solidFill>
-                <a:latin typeface="G마켓 산스 Medium" panose="02000000000000000000" pitchFamily="50" charset="-127"/>
-                <a:ea typeface="G마켓 산스 Medium" panose="02000000000000000000" pitchFamily="50" charset="-127"/>
-              </a:rPr>
-              <a:t>읽은후</a:t>
-            </a:r>
-            <a:r>
-              <a:rPr lang="ko-KR" altLang="en-US" sz="4000" dirty="0">
-                <a:solidFill>
-                  <a:srgbClr val="4C50BC"/>
-                </a:solidFill>
-                <a:latin typeface="G마켓 산스 Medium" panose="02000000000000000000" pitchFamily="50" charset="-127"/>
-                <a:ea typeface="G마켓 산스 Medium" panose="02000000000000000000" pitchFamily="50" charset="-127"/>
-              </a:rPr>
-              <a:t> </a:t>
+              <a:t>파일의 내용을 읽은 후 </a:t>
             </a:r>
             <a:r>
               <a:rPr lang="en-US" altLang="ko-KR" sz="4000" dirty="0" err="1">
@@ -24814,6 +24707,87 @@
               <a:t>.</a:t>
             </a:r>
           </a:p>
+          <a:p>
+            <a:r>
+              <a:rPr lang="en-US" altLang="ko-KR" sz="4000" dirty="0">
+                <a:solidFill>
+                  <a:schemeClr val="bg1">
+                    <a:lumMod val="50000"/>
+                  </a:schemeClr>
+                </a:solidFill>
+                <a:latin typeface="G마켓 산스 Medium" panose="02000000000000000000" pitchFamily="50" charset="-127"/>
+                <a:ea typeface="G마켓 산스 Medium" panose="02000000000000000000" pitchFamily="50" charset="-127"/>
+              </a:rPr>
+              <a:t>- original_copy.txt </a:t>
+            </a:r>
+            <a:r>
+              <a:rPr lang="ko-KR" altLang="en-US" sz="4000" dirty="0">
+                <a:solidFill>
+                  <a:schemeClr val="bg1">
+                    <a:lumMod val="50000"/>
+                  </a:schemeClr>
+                </a:solidFill>
+                <a:latin typeface="G마켓 산스 Medium" panose="02000000000000000000" pitchFamily="50" charset="-127"/>
+                <a:ea typeface="G마켓 산스 Medium" panose="02000000000000000000" pitchFamily="50" charset="-127"/>
+              </a:rPr>
+              <a:t>파일이 존재하지 않아도 해당이름으로 </a:t>
+            </a:r>
+            <a:r>
+              <a:rPr lang="en-US" altLang="ko-KR" sz="4000" dirty="0">
+                <a:solidFill>
+                  <a:schemeClr val="bg1">
+                    <a:lumMod val="50000"/>
+                  </a:schemeClr>
+                </a:solidFill>
+                <a:latin typeface="G마켓 산스 Medium" panose="02000000000000000000" pitchFamily="50" charset="-127"/>
+                <a:ea typeface="G마켓 산스 Medium" panose="02000000000000000000" pitchFamily="50" charset="-127"/>
+              </a:rPr>
+              <a:t>Output</a:t>
+            </a:r>
+            <a:r>
+              <a:rPr lang="ko-KR" altLang="en-US" sz="4000" dirty="0" err="1">
+                <a:solidFill>
+                  <a:schemeClr val="bg1">
+                    <a:lumMod val="50000"/>
+                  </a:schemeClr>
+                </a:solidFill>
+                <a:latin typeface="G마켓 산스 Medium" panose="02000000000000000000" pitchFamily="50" charset="-127"/>
+                <a:ea typeface="G마켓 산스 Medium" panose="02000000000000000000" pitchFamily="50" charset="-127"/>
+              </a:rPr>
+              <a:t>을하면</a:t>
+            </a:r>
+            <a:r>
+              <a:rPr lang="ko-KR" altLang="en-US" sz="4000" dirty="0">
+                <a:solidFill>
+                  <a:schemeClr val="bg1">
+                    <a:lumMod val="50000"/>
+                  </a:schemeClr>
+                </a:solidFill>
+                <a:latin typeface="G마켓 산스 Medium" panose="02000000000000000000" pitchFamily="50" charset="-127"/>
+                <a:ea typeface="G마켓 산스 Medium" panose="02000000000000000000" pitchFamily="50" charset="-127"/>
+              </a:rPr>
+              <a:t> 파일을 생성해준다</a:t>
+            </a:r>
+            <a:r>
+              <a:rPr lang="en-US" altLang="ko-KR" sz="4000" dirty="0">
+                <a:solidFill>
+                  <a:schemeClr val="bg1">
+                    <a:lumMod val="50000"/>
+                  </a:schemeClr>
+                </a:solidFill>
+                <a:latin typeface="G마켓 산스 Medium" panose="02000000000000000000" pitchFamily="50" charset="-127"/>
+                <a:ea typeface="G마켓 산스 Medium" panose="02000000000000000000" pitchFamily="50" charset="-127"/>
+              </a:rPr>
+              <a:t>.</a:t>
+            </a:r>
+            <a:endParaRPr lang="en-US" altLang="ko-KR" sz="4000" dirty="0">
+              <a:solidFill>
+                <a:srgbClr val="4C50BC"/>
+              </a:solidFill>
+              <a:latin typeface="G마켓 산스 Medium" panose="02000000000000000000" pitchFamily="50" charset="-127"/>
+              <a:ea typeface="G마켓 산스 Medium" panose="02000000000000000000" pitchFamily="50" charset="-127"/>
+            </a:endParaRPr>
+          </a:p>
         </p:txBody>
       </p:sp>
       <p:pic>
@@ -24821,7 +24795,7 @@
           <p:cNvPr id="6" name="그림 5">
             <a:extLst>
               <a:ext uri="{FF2B5EF4-FFF2-40B4-BE49-F238E27FC236}">
-                <a16:creationId xmlns="" xmlns:a16="http://schemas.microsoft.com/office/drawing/2014/main" id="{DB7590B5-C863-81C1-8745-434242FCC7C2}"/>
+                <a16:creationId xmlns:a16="http://schemas.microsoft.com/office/drawing/2014/main" id="{DB7590B5-C863-81C1-8745-434242FCC7C2}"/>
               </a:ext>
             </a:extLst>
           </p:cNvPr>
@@ -24838,7 +24812,7 @@
         </p:blipFill>
         <p:spPr>
           <a:xfrm>
-            <a:off x="1143000" y="2933700"/>
+            <a:off x="1066800" y="3467100"/>
             <a:ext cx="11797144" cy="4953000"/>
           </a:xfrm>
           <a:prstGeom prst="rect">
@@ -24856,13 +24830,6 @@
   <p:clrMapOvr>
     <a:masterClrMapping/>
   </p:clrMapOvr>
-  <p:timing>
-    <p:tnLst>
-      <p:par>
-        <p:cTn id="1" dur="indefinite" restart="never" nodeType="tmRoot"/>
-      </p:par>
-    </p:tnLst>
-  </p:timing>
 </p:sld>
 </file>
 
@@ -24888,7 +24855,7 @@
           <p:cNvPr id="5" name="TextBox 4">
             <a:extLst>
               <a:ext uri="{FF2B5EF4-FFF2-40B4-BE49-F238E27FC236}">
-                <a16:creationId xmlns="" xmlns:a16="http://schemas.microsoft.com/office/drawing/2014/main" id="{D15853EE-94B0-D08B-DCB7-3381290CC3FF}"/>
+                <a16:creationId xmlns:a16="http://schemas.microsoft.com/office/drawing/2014/main" id="{D15853EE-94B0-D08B-DCB7-3381290CC3FF}"/>
               </a:ext>
             </a:extLst>
           </p:cNvPr>
@@ -24929,7 +24896,7 @@
           <p:cNvPr id="4" name="TextBox 3">
             <a:extLst>
               <a:ext uri="{FF2B5EF4-FFF2-40B4-BE49-F238E27FC236}">
-                <a16:creationId xmlns="" xmlns:a16="http://schemas.microsoft.com/office/drawing/2014/main" id="{A2AD056B-97A4-5BCC-4460-250160F3E171}"/>
+                <a16:creationId xmlns:a16="http://schemas.microsoft.com/office/drawing/2014/main" id="{A2AD056B-97A4-5BCC-4460-250160F3E171}"/>
               </a:ext>
             </a:extLst>
           </p:cNvPr>
@@ -25078,7 +25045,7 @@
           <p:cNvPr id="7" name="TextBox 6">
             <a:extLst>
               <a:ext uri="{FF2B5EF4-FFF2-40B4-BE49-F238E27FC236}">
-                <a16:creationId xmlns="" xmlns:a16="http://schemas.microsoft.com/office/drawing/2014/main" id="{A2AD056B-97A4-5BCC-4460-250160F3E171}"/>
+                <a16:creationId xmlns:a16="http://schemas.microsoft.com/office/drawing/2014/main" id="{A2AD056B-97A4-5BCC-4460-250160F3E171}"/>
               </a:ext>
             </a:extLst>
           </p:cNvPr>
@@ -25145,7 +25112,7 @@
           <p:cNvPr id="8" name="TextBox 7">
             <a:extLst>
               <a:ext uri="{FF2B5EF4-FFF2-40B4-BE49-F238E27FC236}">
-                <a16:creationId xmlns="" xmlns:a16="http://schemas.microsoft.com/office/drawing/2014/main" id="{A2AD056B-97A4-5BCC-4460-250160F3E171}"/>
+                <a16:creationId xmlns:a16="http://schemas.microsoft.com/office/drawing/2014/main" id="{A2AD056B-97A4-5BCC-4460-250160F3E171}"/>
               </a:ext>
             </a:extLst>
           </p:cNvPr>
@@ -25657,7 +25624,7 @@
           <p:cNvPr id="4" name="TextBox 3">
             <a:extLst>
               <a:ext uri="{FF2B5EF4-FFF2-40B4-BE49-F238E27FC236}">
-                <a16:creationId xmlns="" xmlns:a16="http://schemas.microsoft.com/office/drawing/2014/main" id="{ABFCFD7E-1F85-385E-4396-41BD1DCE415E}"/>
+                <a16:creationId xmlns:a16="http://schemas.microsoft.com/office/drawing/2014/main" id="{ABFCFD7E-1F85-385E-4396-41BD1DCE415E}"/>
               </a:ext>
             </a:extLst>
           </p:cNvPr>
@@ -25730,17 +25697,7 @@
                 <a:latin typeface="G마켓 산스 Medium" panose="02000000000000000000" pitchFamily="50" charset="-127"/>
                 <a:ea typeface="G마켓 산스 Medium" panose="02000000000000000000" pitchFamily="50" charset="-127"/>
               </a:rPr>
-              <a:t>해당 </a:t>
-            </a:r>
-            <a:r>
-              <a:rPr lang="ko-KR" altLang="en-US" sz="4000" smtClean="0">
-                <a:solidFill>
-                  <a:srgbClr val="4C50BB"/>
-                </a:solidFill>
-                <a:latin typeface="G마켓 산스 Medium" panose="02000000000000000000" pitchFamily="50" charset="-127"/>
-                <a:ea typeface="G마켓 산스 Medium" panose="02000000000000000000" pitchFamily="50" charset="-127"/>
-              </a:rPr>
-              <a:t>소스코드는 </a:t>
+              <a:t>해당 소스코드는 </a:t>
             </a:r>
             <a:r>
               <a:rPr lang="ko-KR" altLang="en-US" sz="4000" dirty="0">
@@ -25836,13 +25793,6 @@
   <p:clrMapOvr>
     <a:masterClrMapping/>
   </p:clrMapOvr>
-  <p:timing>
-    <p:tnLst>
-      <p:par>
-        <p:cTn id="1" dur="indefinite" restart="never" nodeType="tmRoot"/>
-      </p:par>
-    </p:tnLst>
-  </p:timing>
 </p:sld>
 </file>
 
@@ -25868,7 +25818,7 @@
           <p:cNvPr id="4" name="TextBox 3">
             <a:extLst>
               <a:ext uri="{FF2B5EF4-FFF2-40B4-BE49-F238E27FC236}">
-                <a16:creationId xmlns="" xmlns:a16="http://schemas.microsoft.com/office/drawing/2014/main" id="{FFD29A58-633C-CA3B-D457-7BC6CD266C3F}"/>
+                <a16:creationId xmlns:a16="http://schemas.microsoft.com/office/drawing/2014/main" id="{FFD29A58-633C-CA3B-D457-7BC6CD266C3F}"/>
               </a:ext>
             </a:extLst>
           </p:cNvPr>
@@ -25895,7 +25845,7 @@
               <a:buAutoNum type="arabicPeriod" startAt="4"/>
             </a:pPr>
             <a:r>
-              <a:rPr lang="ko-KR" altLang="en-US" sz="4000" smtClean="0">
+              <a:rPr lang="ko-KR" altLang="en-US" sz="4000">
                 <a:solidFill>
                   <a:srgbClr val="4C50BB"/>
                 </a:solidFill>
@@ -25934,7 +25884,7 @@
           </a:p>
           <a:p>
             <a:r>
-              <a:rPr lang="en-US" altLang="ko-KR" sz="4000" smtClean="0">
+              <a:rPr lang="en-US" altLang="ko-KR" sz="4000">
                 <a:solidFill>
                   <a:srgbClr val="4C50BB"/>
                 </a:solidFill>
@@ -25944,7 +25894,7 @@
               <a:t>     </a:t>
             </a:r>
             <a:r>
-              <a:rPr lang="ko-KR" altLang="en-US" sz="4000" smtClean="0">
+              <a:rPr lang="ko-KR" altLang="en-US" sz="4000">
                 <a:solidFill>
                   <a:srgbClr val="4C50BB"/>
                 </a:solidFill>
@@ -26331,7 +26281,7 @@
           <p:cNvPr id="2" name="TextBox 1">
             <a:extLst>
               <a:ext uri="{FF2B5EF4-FFF2-40B4-BE49-F238E27FC236}">
-                <a16:creationId xmlns="" xmlns:a16="http://schemas.microsoft.com/office/drawing/2014/main" id="{76F36AE5-79B5-0B9F-E510-1C27AAC4B649}"/>
+                <a16:creationId xmlns:a16="http://schemas.microsoft.com/office/drawing/2014/main" id="{76F36AE5-79B5-0B9F-E510-1C27AAC4B649}"/>
               </a:ext>
             </a:extLst>
           </p:cNvPr>
@@ -26384,13 +26334,6 @@
   <p:clrMapOvr>
     <a:masterClrMapping/>
   </p:clrMapOvr>
-  <p:timing>
-    <p:tnLst>
-      <p:par>
-        <p:cTn id="1" dur="indefinite" restart="never" nodeType="tmRoot"/>
-      </p:par>
-    </p:tnLst>
-  </p:timing>
 </p:sld>
 </file>
 
@@ -26416,7 +26359,7 @@
           <p:cNvPr id="4" name="TextBox 3">
             <a:extLst>
               <a:ext uri="{FF2B5EF4-FFF2-40B4-BE49-F238E27FC236}">
-                <a16:creationId xmlns="" xmlns:a16="http://schemas.microsoft.com/office/drawing/2014/main" id="{5ADC00B6-990A-40DC-3CEA-505258F5E8DA}"/>
+                <a16:creationId xmlns:a16="http://schemas.microsoft.com/office/drawing/2014/main" id="{5ADC00B6-990A-40DC-3CEA-505258F5E8DA}"/>
               </a:ext>
             </a:extLst>
           </p:cNvPr>
@@ -26484,7 +26427,7 @@
           <p:cNvPr id="7" name="그룹 1018">
             <a:extLst>
               <a:ext uri="{FF2B5EF4-FFF2-40B4-BE49-F238E27FC236}">
-                <a16:creationId xmlns="" xmlns:a16="http://schemas.microsoft.com/office/drawing/2014/main" id="{F53BC57C-78A5-6AFC-CB34-7E3FD29B339F}"/>
+                <a16:creationId xmlns:a16="http://schemas.microsoft.com/office/drawing/2014/main" id="{F53BC57C-78A5-6AFC-CB34-7E3FD29B339F}"/>
               </a:ext>
             </a:extLst>
           </p:cNvPr>
@@ -26504,7 +26447,7 @@
             <p:cNvPr id="8" name="Object 61">
               <a:extLst>
                 <a:ext uri="{FF2B5EF4-FFF2-40B4-BE49-F238E27FC236}">
-                  <a16:creationId xmlns="" xmlns:a16="http://schemas.microsoft.com/office/drawing/2014/main" id="{E6F73685-14E5-06A9-813C-1C372BD6F4DE}"/>
+                  <a16:creationId xmlns:a16="http://schemas.microsoft.com/office/drawing/2014/main" id="{E6F73685-14E5-06A9-813C-1C372BD6F4DE}"/>
                 </a:ext>
               </a:extLst>
             </p:cNvPr>
@@ -26535,7 +26478,7 @@
           <p:cNvPr id="13" name="TextBox 12">
             <a:extLst>
               <a:ext uri="{FF2B5EF4-FFF2-40B4-BE49-F238E27FC236}">
-                <a16:creationId xmlns="" xmlns:a16="http://schemas.microsoft.com/office/drawing/2014/main" id="{A06D4055-10A8-4A24-5EDC-0761473BA40F}"/>
+                <a16:creationId xmlns:a16="http://schemas.microsoft.com/office/drawing/2014/main" id="{A06D4055-10A8-4A24-5EDC-0761473BA40F}"/>
               </a:ext>
             </a:extLst>
           </p:cNvPr>
@@ -26579,7 +26522,7 @@
           <p:cNvPr id="17" name="그룹 1008">
             <a:extLst>
               <a:ext uri="{FF2B5EF4-FFF2-40B4-BE49-F238E27FC236}">
-                <a16:creationId xmlns="" xmlns:a16="http://schemas.microsoft.com/office/drawing/2014/main" id="{E395BDE3-2EDE-065D-70E8-56E348228ACF}"/>
+                <a16:creationId xmlns:a16="http://schemas.microsoft.com/office/drawing/2014/main" id="{E395BDE3-2EDE-065D-70E8-56E348228ACF}"/>
               </a:ext>
             </a:extLst>
           </p:cNvPr>
@@ -26599,7 +26542,7 @@
             <p:cNvPr id="18" name="그룹 1009">
               <a:extLst>
                 <a:ext uri="{FF2B5EF4-FFF2-40B4-BE49-F238E27FC236}">
-                  <a16:creationId xmlns="" xmlns:a16="http://schemas.microsoft.com/office/drawing/2014/main" id="{852F4DEB-DB33-DB3F-9E9F-52A46CD0B10A}"/>
+                  <a16:creationId xmlns:a16="http://schemas.microsoft.com/office/drawing/2014/main" id="{852F4DEB-DB33-DB3F-9E9F-52A46CD0B10A}"/>
                 </a:ext>
               </a:extLst>
             </p:cNvPr>
@@ -26619,7 +26562,7 @@
               <p:cNvPr id="23" name="Object 29">
                 <a:extLst>
                   <a:ext uri="{FF2B5EF4-FFF2-40B4-BE49-F238E27FC236}">
-                    <a16:creationId xmlns="" xmlns:a16="http://schemas.microsoft.com/office/drawing/2014/main" id="{7E353D3B-14D4-8A64-5888-3F0C062C2CDD}"/>
+                    <a16:creationId xmlns:a16="http://schemas.microsoft.com/office/drawing/2014/main" id="{7E353D3B-14D4-8A64-5888-3F0C062C2CDD}"/>
                   </a:ext>
                 </a:extLst>
               </p:cNvPr>
@@ -26650,7 +26593,7 @@
             <p:cNvPr id="19" name="그룹 1010">
               <a:extLst>
                 <a:ext uri="{FF2B5EF4-FFF2-40B4-BE49-F238E27FC236}">
-                  <a16:creationId xmlns="" xmlns:a16="http://schemas.microsoft.com/office/drawing/2014/main" id="{001E38AB-1390-ABD0-BE01-9727136FEAEE}"/>
+                  <a16:creationId xmlns:a16="http://schemas.microsoft.com/office/drawing/2014/main" id="{001E38AB-1390-ABD0-BE01-9727136FEAEE}"/>
                 </a:ext>
               </a:extLst>
             </p:cNvPr>
@@ -26670,7 +26613,7 @@
               <p:cNvPr id="22" name="Object 32">
                 <a:extLst>
                   <a:ext uri="{FF2B5EF4-FFF2-40B4-BE49-F238E27FC236}">
-                    <a16:creationId xmlns="" xmlns:a16="http://schemas.microsoft.com/office/drawing/2014/main" id="{2ED1C30F-0D0B-F86C-8215-2598D332B5A3}"/>
+                    <a16:creationId xmlns:a16="http://schemas.microsoft.com/office/drawing/2014/main" id="{2ED1C30F-0D0B-F86C-8215-2598D332B5A3}"/>
                   </a:ext>
                 </a:extLst>
               </p:cNvPr>
@@ -26701,7 +26644,7 @@
             <p:cNvPr id="20" name="그룹 1011">
               <a:extLst>
                 <a:ext uri="{FF2B5EF4-FFF2-40B4-BE49-F238E27FC236}">
-                  <a16:creationId xmlns="" xmlns:a16="http://schemas.microsoft.com/office/drawing/2014/main" id="{1BCB8DE5-ABAF-4198-BC16-85BB76F2DB24}"/>
+                  <a16:creationId xmlns:a16="http://schemas.microsoft.com/office/drawing/2014/main" id="{1BCB8DE5-ABAF-4198-BC16-85BB76F2DB24}"/>
                 </a:ext>
               </a:extLst>
             </p:cNvPr>
@@ -26721,7 +26664,7 @@
               <p:cNvPr id="21" name="Object 35">
                 <a:extLst>
                   <a:ext uri="{FF2B5EF4-FFF2-40B4-BE49-F238E27FC236}">
-                    <a16:creationId xmlns="" xmlns:a16="http://schemas.microsoft.com/office/drawing/2014/main" id="{86E7BA23-0A1E-B581-CADC-06AB269DB2BD}"/>
+                    <a16:creationId xmlns:a16="http://schemas.microsoft.com/office/drawing/2014/main" id="{86E7BA23-0A1E-B581-CADC-06AB269DB2BD}"/>
                   </a:ext>
                 </a:extLst>
               </p:cNvPr>
@@ -26753,7 +26696,7 @@
           <p:cNvPr id="26" name="그룹 1018">
             <a:extLst>
               <a:ext uri="{FF2B5EF4-FFF2-40B4-BE49-F238E27FC236}">
-                <a16:creationId xmlns="" xmlns:a16="http://schemas.microsoft.com/office/drawing/2014/main" id="{F53BC57C-78A5-6AFC-CB34-7E3FD29B339F}"/>
+                <a16:creationId xmlns:a16="http://schemas.microsoft.com/office/drawing/2014/main" id="{F53BC57C-78A5-6AFC-CB34-7E3FD29B339F}"/>
               </a:ext>
             </a:extLst>
           </p:cNvPr>
@@ -26773,7 +26716,7 @@
             <p:cNvPr id="27" name="Object 61">
               <a:extLst>
                 <a:ext uri="{FF2B5EF4-FFF2-40B4-BE49-F238E27FC236}">
-                  <a16:creationId xmlns="" xmlns:a16="http://schemas.microsoft.com/office/drawing/2014/main" id="{E6F73685-14E5-06A9-813C-1C372BD6F4DE}"/>
+                  <a16:creationId xmlns:a16="http://schemas.microsoft.com/office/drawing/2014/main" id="{E6F73685-14E5-06A9-813C-1C372BD6F4DE}"/>
                 </a:ext>
               </a:extLst>
             </p:cNvPr>
@@ -26804,7 +26747,7 @@
           <p:cNvPr id="32" name="TextBox 31">
             <a:extLst>
               <a:ext uri="{FF2B5EF4-FFF2-40B4-BE49-F238E27FC236}">
-                <a16:creationId xmlns="" xmlns:a16="http://schemas.microsoft.com/office/drawing/2014/main" id="{A06D4055-10A8-4A24-5EDC-0761473BA40F}"/>
+                <a16:creationId xmlns:a16="http://schemas.microsoft.com/office/drawing/2014/main" id="{A06D4055-10A8-4A24-5EDC-0761473BA40F}"/>
               </a:ext>
             </a:extLst>
           </p:cNvPr>
@@ -26848,7 +26791,7 @@
           <p:cNvPr id="36" name="그룹 1008">
             <a:extLst>
               <a:ext uri="{FF2B5EF4-FFF2-40B4-BE49-F238E27FC236}">
-                <a16:creationId xmlns="" xmlns:a16="http://schemas.microsoft.com/office/drawing/2014/main" id="{E395BDE3-2EDE-065D-70E8-56E348228ACF}"/>
+                <a16:creationId xmlns:a16="http://schemas.microsoft.com/office/drawing/2014/main" id="{E395BDE3-2EDE-065D-70E8-56E348228ACF}"/>
               </a:ext>
             </a:extLst>
           </p:cNvPr>
@@ -26868,7 +26811,7 @@
             <p:cNvPr id="37" name="그룹 1009">
               <a:extLst>
                 <a:ext uri="{FF2B5EF4-FFF2-40B4-BE49-F238E27FC236}">
-                  <a16:creationId xmlns="" xmlns:a16="http://schemas.microsoft.com/office/drawing/2014/main" id="{852F4DEB-DB33-DB3F-9E9F-52A46CD0B10A}"/>
+                  <a16:creationId xmlns:a16="http://schemas.microsoft.com/office/drawing/2014/main" id="{852F4DEB-DB33-DB3F-9E9F-52A46CD0B10A}"/>
                 </a:ext>
               </a:extLst>
             </p:cNvPr>
@@ -26888,7 +26831,7 @@
               <p:cNvPr id="42" name="Object 29">
                 <a:extLst>
                   <a:ext uri="{FF2B5EF4-FFF2-40B4-BE49-F238E27FC236}">
-                    <a16:creationId xmlns="" xmlns:a16="http://schemas.microsoft.com/office/drawing/2014/main" id="{7E353D3B-14D4-8A64-5888-3F0C062C2CDD}"/>
+                    <a16:creationId xmlns:a16="http://schemas.microsoft.com/office/drawing/2014/main" id="{7E353D3B-14D4-8A64-5888-3F0C062C2CDD}"/>
                   </a:ext>
                 </a:extLst>
               </p:cNvPr>
@@ -26919,7 +26862,7 @@
             <p:cNvPr id="38" name="그룹 1010">
               <a:extLst>
                 <a:ext uri="{FF2B5EF4-FFF2-40B4-BE49-F238E27FC236}">
-                  <a16:creationId xmlns="" xmlns:a16="http://schemas.microsoft.com/office/drawing/2014/main" id="{001E38AB-1390-ABD0-BE01-9727136FEAEE}"/>
+                  <a16:creationId xmlns:a16="http://schemas.microsoft.com/office/drawing/2014/main" id="{001E38AB-1390-ABD0-BE01-9727136FEAEE}"/>
                 </a:ext>
               </a:extLst>
             </p:cNvPr>
@@ -26939,7 +26882,7 @@
               <p:cNvPr id="41" name="Object 32">
                 <a:extLst>
                   <a:ext uri="{FF2B5EF4-FFF2-40B4-BE49-F238E27FC236}">
-                    <a16:creationId xmlns="" xmlns:a16="http://schemas.microsoft.com/office/drawing/2014/main" id="{2ED1C30F-0D0B-F86C-8215-2598D332B5A3}"/>
+                    <a16:creationId xmlns:a16="http://schemas.microsoft.com/office/drawing/2014/main" id="{2ED1C30F-0D0B-F86C-8215-2598D332B5A3}"/>
                   </a:ext>
                 </a:extLst>
               </p:cNvPr>
@@ -26970,7 +26913,7 @@
             <p:cNvPr id="39" name="그룹 1011">
               <a:extLst>
                 <a:ext uri="{FF2B5EF4-FFF2-40B4-BE49-F238E27FC236}">
-                  <a16:creationId xmlns="" xmlns:a16="http://schemas.microsoft.com/office/drawing/2014/main" id="{1BCB8DE5-ABAF-4198-BC16-85BB76F2DB24}"/>
+                  <a16:creationId xmlns:a16="http://schemas.microsoft.com/office/drawing/2014/main" id="{1BCB8DE5-ABAF-4198-BC16-85BB76F2DB24}"/>
                 </a:ext>
               </a:extLst>
             </p:cNvPr>
@@ -26990,7 +26933,7 @@
               <p:cNvPr id="40" name="Object 35">
                 <a:extLst>
                   <a:ext uri="{FF2B5EF4-FFF2-40B4-BE49-F238E27FC236}">
-                    <a16:creationId xmlns="" xmlns:a16="http://schemas.microsoft.com/office/drawing/2014/main" id="{86E7BA23-0A1E-B581-CADC-06AB269DB2BD}"/>
+                    <a16:creationId xmlns:a16="http://schemas.microsoft.com/office/drawing/2014/main" id="{86E7BA23-0A1E-B581-CADC-06AB269DB2BD}"/>
                   </a:ext>
                 </a:extLst>
               </p:cNvPr>
@@ -27022,7 +26965,7 @@
           <p:cNvPr id="43" name="TextBox 42">
             <a:extLst>
               <a:ext uri="{FF2B5EF4-FFF2-40B4-BE49-F238E27FC236}">
-                <a16:creationId xmlns="" xmlns:a16="http://schemas.microsoft.com/office/drawing/2014/main" id="{A2AD056B-97A4-5BCC-4460-250160F3E171}"/>
+                <a16:creationId xmlns:a16="http://schemas.microsoft.com/office/drawing/2014/main" id="{A2AD056B-97A4-5BCC-4460-250160F3E171}"/>
               </a:ext>
             </a:extLst>
           </p:cNvPr>
@@ -27046,7 +26989,7 @@
           <a:lstStyle/>
           <a:p>
             <a:r>
-              <a:rPr lang="ko-KR" altLang="en-US" sz="4000" smtClean="0">
+              <a:rPr lang="ko-KR" altLang="en-US" sz="4000">
                 <a:solidFill>
                   <a:srgbClr val="FF0000"/>
                 </a:solidFill>
@@ -27056,7 +26999,7 @@
               <a:t>바이트 기반 스트림과 크게 다르지 않다</a:t>
             </a:r>
             <a:r>
-              <a:rPr lang="en-US" altLang="ko-KR" sz="4000" smtClean="0">
+              <a:rPr lang="en-US" altLang="ko-KR" sz="4000">
                 <a:solidFill>
                   <a:srgbClr val="FF0000"/>
                 </a:solidFill>
@@ -27080,16 +27023,14 @@
           <p:cNvPr id="2" name="표 1">
             <a:extLst>
               <a:ext uri="{FF2B5EF4-FFF2-40B4-BE49-F238E27FC236}">
-                <a16:creationId xmlns="" xmlns:a16="http://schemas.microsoft.com/office/drawing/2014/main" id="{E52660DC-6640-F2D6-D63F-2D7D520AAFEB}"/>
+                <a16:creationId xmlns:a16="http://schemas.microsoft.com/office/drawing/2014/main" id="{E52660DC-6640-F2D6-D63F-2D7D520AAFEB}"/>
               </a:ext>
             </a:extLst>
           </p:cNvPr>
           <p:cNvGraphicFramePr>
             <a:graphicFrameLocks noGrp="1"/>
           </p:cNvGraphicFramePr>
-          <p:nvPr>
-            <p:extLst/>
-          </p:nvPr>
+          <p:nvPr/>
         </p:nvGraphicFramePr>
         <p:xfrm>
           <a:off x="2932665" y="4716988"/>
@@ -27105,21 +27046,21 @@
                 <a:gridCol w="2802475">
                   <a:extLst>
                     <a:ext uri="{9D8B030D-6E8A-4147-A177-3AD203B41FA5}">
-                      <a16:colId xmlns="" xmlns:a16="http://schemas.microsoft.com/office/drawing/2014/main" val="1960770391"/>
+                      <a16:colId xmlns:a16="http://schemas.microsoft.com/office/drawing/2014/main" val="1960770391"/>
                     </a:ext>
                   </a:extLst>
                 </a:gridCol>
                 <a:gridCol w="2836664">
                   <a:extLst>
                     <a:ext uri="{9D8B030D-6E8A-4147-A177-3AD203B41FA5}">
-                      <a16:colId xmlns="" xmlns:a16="http://schemas.microsoft.com/office/drawing/2014/main" val="733308553"/>
+                      <a16:colId xmlns:a16="http://schemas.microsoft.com/office/drawing/2014/main" val="733308553"/>
                     </a:ext>
                   </a:extLst>
                 </a:gridCol>
                 <a:gridCol w="4419261">
                   <a:extLst>
                     <a:ext uri="{9D8B030D-6E8A-4147-A177-3AD203B41FA5}">
-                      <a16:colId xmlns="" xmlns:a16="http://schemas.microsoft.com/office/drawing/2014/main" val="1661322813"/>
+                      <a16:colId xmlns:a16="http://schemas.microsoft.com/office/drawing/2014/main" val="1661322813"/>
                     </a:ext>
                   </a:extLst>
                 </a:gridCol>
@@ -27316,7 +27257,7 @@
                 </a:tc>
                 <a:extLst>
                   <a:ext uri="{0D108BD9-81ED-4DB2-BD59-A6C34878D82A}">
-                    <a16:rowId xmlns="" xmlns:a16="http://schemas.microsoft.com/office/drawing/2014/main" val="2452905565"/>
+                    <a16:rowId xmlns:a16="http://schemas.microsoft.com/office/drawing/2014/main" val="2452905565"/>
                   </a:ext>
                 </a:extLst>
               </a:tr>
@@ -27547,7 +27488,7 @@
                 </a:tc>
                 <a:extLst>
                   <a:ext uri="{0D108BD9-81ED-4DB2-BD59-A6C34878D82A}">
-                    <a16:rowId xmlns="" xmlns:a16="http://schemas.microsoft.com/office/drawing/2014/main" val="3551452526"/>
+                    <a16:rowId xmlns:a16="http://schemas.microsoft.com/office/drawing/2014/main" val="3551452526"/>
                   </a:ext>
                 </a:extLst>
               </a:tr>
@@ -27743,7 +27684,7 @@
                 </a:tc>
                 <a:extLst>
                   <a:ext uri="{0D108BD9-81ED-4DB2-BD59-A6C34878D82A}">
-                    <a16:rowId xmlns="" xmlns:a16="http://schemas.microsoft.com/office/drawing/2014/main" val="3645064171"/>
+                    <a16:rowId xmlns:a16="http://schemas.microsoft.com/office/drawing/2014/main" val="3645064171"/>
                   </a:ext>
                 </a:extLst>
               </a:tr>
@@ -27939,7 +27880,7 @@
                 </a:tc>
                 <a:extLst>
                   <a:ext uri="{0D108BD9-81ED-4DB2-BD59-A6C34878D82A}">
-                    <a16:rowId xmlns="" xmlns:a16="http://schemas.microsoft.com/office/drawing/2014/main" val="2802120283"/>
+                    <a16:rowId xmlns:a16="http://schemas.microsoft.com/office/drawing/2014/main" val="2802120283"/>
                   </a:ext>
                 </a:extLst>
               </a:tr>
@@ -28135,7 +28076,7 @@
                 </a:tc>
                 <a:extLst>
                   <a:ext uri="{0D108BD9-81ED-4DB2-BD59-A6C34878D82A}">
-                    <a16:rowId xmlns="" xmlns:a16="http://schemas.microsoft.com/office/drawing/2014/main" val="1362299918"/>
+                    <a16:rowId xmlns:a16="http://schemas.microsoft.com/office/drawing/2014/main" val="1362299918"/>
                   </a:ext>
                 </a:extLst>
               </a:tr>
@@ -28307,7 +28248,7 @@
           <p:cNvPr id="4" name="직선 화살표 연결선 3">
             <a:extLst>
               <a:ext uri="{FF2B5EF4-FFF2-40B4-BE49-F238E27FC236}">
-                <a16:creationId xmlns="" xmlns:a16="http://schemas.microsoft.com/office/drawing/2014/main" id="{299DF5EC-9DF4-5255-06AC-0A7CE4FF58C3}"/>
+                <a16:creationId xmlns:a16="http://schemas.microsoft.com/office/drawing/2014/main" id="{299DF5EC-9DF4-5255-06AC-0A7CE4FF58C3}"/>
               </a:ext>
             </a:extLst>
           </p:cNvPr>
@@ -28348,7 +28289,7 @@
           <p:cNvPr id="5" name="직사각형 4">
             <a:extLst>
               <a:ext uri="{FF2B5EF4-FFF2-40B4-BE49-F238E27FC236}">
-                <a16:creationId xmlns="" xmlns:a16="http://schemas.microsoft.com/office/drawing/2014/main" id="{FFF506F9-840A-0508-4CAF-3AC711D8D5CE}"/>
+                <a16:creationId xmlns:a16="http://schemas.microsoft.com/office/drawing/2014/main" id="{FFF506F9-840A-0508-4CAF-3AC711D8D5CE}"/>
               </a:ext>
             </a:extLst>
           </p:cNvPr>
@@ -28400,7 +28341,7 @@
           <p:cNvPr id="6" name="TextBox 5">
             <a:extLst>
               <a:ext uri="{FF2B5EF4-FFF2-40B4-BE49-F238E27FC236}">
-                <a16:creationId xmlns="" xmlns:a16="http://schemas.microsoft.com/office/drawing/2014/main" id="{C6D113C6-EA5C-788F-0C77-E7CE6EBB865F}"/>
+                <a16:creationId xmlns:a16="http://schemas.microsoft.com/office/drawing/2014/main" id="{C6D113C6-EA5C-788F-0C77-E7CE6EBB865F}"/>
               </a:ext>
             </a:extLst>
           </p:cNvPr>
@@ -28424,7 +28365,7 @@
           <a:lstStyle/>
           <a:p>
             <a:r>
-              <a:rPr lang="ko-KR" altLang="en-US" sz="3600" smtClean="0">
+              <a:rPr lang="ko-KR" altLang="en-US" sz="3600">
                 <a:solidFill>
                   <a:srgbClr val="FF0000"/>
                 </a:solidFill>
@@ -28448,7 +28389,7 @@
           <p:cNvPr id="7" name="직선 화살표 연결선 6">
             <a:extLst>
               <a:ext uri="{FF2B5EF4-FFF2-40B4-BE49-F238E27FC236}">
-                <a16:creationId xmlns="" xmlns:a16="http://schemas.microsoft.com/office/drawing/2014/main" id="{299DF5EC-9DF4-5255-06AC-0A7CE4FF58C3}"/>
+                <a16:creationId xmlns:a16="http://schemas.microsoft.com/office/drawing/2014/main" id="{299DF5EC-9DF4-5255-06AC-0A7CE4FF58C3}"/>
               </a:ext>
             </a:extLst>
           </p:cNvPr>
@@ -28489,7 +28430,7 @@
           <p:cNvPr id="8" name="직사각형 7">
             <a:extLst>
               <a:ext uri="{FF2B5EF4-FFF2-40B4-BE49-F238E27FC236}">
-                <a16:creationId xmlns="" xmlns:a16="http://schemas.microsoft.com/office/drawing/2014/main" id="{FFF506F9-840A-0508-4CAF-3AC711D8D5CE}"/>
+                <a16:creationId xmlns:a16="http://schemas.microsoft.com/office/drawing/2014/main" id="{FFF506F9-840A-0508-4CAF-3AC711D8D5CE}"/>
               </a:ext>
             </a:extLst>
           </p:cNvPr>
@@ -28541,7 +28482,7 @@
           <p:cNvPr id="9" name="TextBox 8">
             <a:extLst>
               <a:ext uri="{FF2B5EF4-FFF2-40B4-BE49-F238E27FC236}">
-                <a16:creationId xmlns="" xmlns:a16="http://schemas.microsoft.com/office/drawing/2014/main" id="{C6D113C6-EA5C-788F-0C77-E7CE6EBB865F}"/>
+                <a16:creationId xmlns:a16="http://schemas.microsoft.com/office/drawing/2014/main" id="{C6D113C6-EA5C-788F-0C77-E7CE6EBB865F}"/>
               </a:ext>
             </a:extLst>
           </p:cNvPr>
@@ -28565,7 +28506,7 @@
           <a:lstStyle/>
           <a:p>
             <a:r>
-              <a:rPr lang="ko-KR" altLang="en-US" sz="3600" smtClean="0">
+              <a:rPr lang="ko-KR" altLang="en-US" sz="3600">
                 <a:solidFill>
                   <a:srgbClr val="FF0000"/>
                 </a:solidFill>
@@ -28594,13 +28535,6 @@
   <p:clrMapOvr>
     <a:masterClrMapping/>
   </p:clrMapOvr>
-  <p:timing>
-    <p:tnLst>
-      <p:par>
-        <p:cTn id="1" dur="indefinite" restart="never" nodeType="tmRoot"/>
-      </p:par>
-    </p:tnLst>
-  </p:timing>
 </p:sld>
 </file>
 
@@ -28650,7 +28584,7 @@
           <p:cNvPr id="5" name="TextBox 4">
             <a:extLst>
               <a:ext uri="{FF2B5EF4-FFF2-40B4-BE49-F238E27FC236}">
-                <a16:creationId xmlns="" xmlns:a16="http://schemas.microsoft.com/office/drawing/2014/main" id="{C6D113C6-EA5C-788F-0C77-E7CE6EBB865F}"/>
+                <a16:creationId xmlns:a16="http://schemas.microsoft.com/office/drawing/2014/main" id="{C6D113C6-EA5C-788F-0C77-E7CE6EBB865F}"/>
               </a:ext>
             </a:extLst>
           </p:cNvPr>
@@ -28674,7 +28608,7 @@
           <a:lstStyle/>
           <a:p>
             <a:r>
-              <a:rPr lang="ko-KR" altLang="en-US" sz="3600" smtClean="0">
+              <a:rPr lang="ko-KR" altLang="en-US" sz="3600">
                 <a:solidFill>
                   <a:srgbClr val="FF0000"/>
                 </a:solidFill>
@@ -28703,13 +28637,6 @@
   <p:clrMapOvr>
     <a:masterClrMapping/>
   </p:clrMapOvr>
-  <p:timing>
-    <p:tnLst>
-      <p:par>
-        <p:cTn id="1" dur="indefinite" restart="never" nodeType="tmRoot"/>
-      </p:par>
-    </p:tnLst>
-  </p:timing>
 </p:sld>
 </file>
 
@@ -28759,7 +28686,7 @@
           <p:cNvPr id="5" name="직선 화살표 연결선 4">
             <a:extLst>
               <a:ext uri="{FF2B5EF4-FFF2-40B4-BE49-F238E27FC236}">
-                <a16:creationId xmlns="" xmlns:a16="http://schemas.microsoft.com/office/drawing/2014/main" id="{299DF5EC-9DF4-5255-06AC-0A7CE4FF58C3}"/>
+                <a16:creationId xmlns:a16="http://schemas.microsoft.com/office/drawing/2014/main" id="{299DF5EC-9DF4-5255-06AC-0A7CE4FF58C3}"/>
               </a:ext>
             </a:extLst>
           </p:cNvPr>
@@ -28800,7 +28727,7 @@
           <p:cNvPr id="6" name="직사각형 5">
             <a:extLst>
               <a:ext uri="{FF2B5EF4-FFF2-40B4-BE49-F238E27FC236}">
-                <a16:creationId xmlns="" xmlns:a16="http://schemas.microsoft.com/office/drawing/2014/main" id="{FFF506F9-840A-0508-4CAF-3AC711D8D5CE}"/>
+                <a16:creationId xmlns:a16="http://schemas.microsoft.com/office/drawing/2014/main" id="{FFF506F9-840A-0508-4CAF-3AC711D8D5CE}"/>
               </a:ext>
             </a:extLst>
           </p:cNvPr>
@@ -28852,7 +28779,7 @@
           <p:cNvPr id="7" name="TextBox 6">
             <a:extLst>
               <a:ext uri="{FF2B5EF4-FFF2-40B4-BE49-F238E27FC236}">
-                <a16:creationId xmlns="" xmlns:a16="http://schemas.microsoft.com/office/drawing/2014/main" id="{C6D113C6-EA5C-788F-0C77-E7CE6EBB865F}"/>
+                <a16:creationId xmlns:a16="http://schemas.microsoft.com/office/drawing/2014/main" id="{C6D113C6-EA5C-788F-0C77-E7CE6EBB865F}"/>
               </a:ext>
             </a:extLst>
           </p:cNvPr>
@@ -28876,7 +28803,7 @@
           <a:lstStyle/>
           <a:p>
             <a:r>
-              <a:rPr lang="ko-KR" altLang="en-US" sz="3600" smtClean="0">
+              <a:rPr lang="ko-KR" altLang="en-US" sz="3600">
                 <a:solidFill>
                   <a:srgbClr val="FF0000"/>
                 </a:solidFill>
@@ -28886,7 +28813,7 @@
               <a:t>버퍼역시 사용법이 동일하다</a:t>
             </a:r>
             <a:r>
-              <a:rPr lang="en-US" altLang="ko-KR" sz="3600" smtClean="0">
+              <a:rPr lang="en-US" altLang="ko-KR" sz="3600">
                 <a:solidFill>
                   <a:srgbClr val="FF0000"/>
                 </a:solidFill>
@@ -28915,13 +28842,6 @@
   <p:clrMapOvr>
     <a:masterClrMapping/>
   </p:clrMapOvr>
-  <p:timing>
-    <p:tnLst>
-      <p:par>
-        <p:cTn id="1" dur="indefinite" restart="never" nodeType="tmRoot"/>
-      </p:par>
-    </p:tnLst>
-  </p:timing>
 </p:sld>
 </file>
 
@@ -28947,7 +28867,7 @@
           <p:cNvPr id="4" name="TextBox 3">
             <a:extLst>
               <a:ext uri="{FF2B5EF4-FFF2-40B4-BE49-F238E27FC236}">
-                <a16:creationId xmlns="" xmlns:a16="http://schemas.microsoft.com/office/drawing/2014/main" id="{EE79C406-3461-D6A5-5346-D7C2FC38FCCD}"/>
+                <a16:creationId xmlns:a16="http://schemas.microsoft.com/office/drawing/2014/main" id="{EE79C406-3461-D6A5-5346-D7C2FC38FCCD}"/>
               </a:ext>
             </a:extLst>
           </p:cNvPr>
@@ -28956,8 +28876,8 @@
         </p:nvSpPr>
         <p:spPr>
           <a:xfrm>
-            <a:off x="3657600" y="876300"/>
-            <a:ext cx="12344400" cy="2308324"/>
+            <a:off x="2057400" y="825669"/>
+            <a:ext cx="14173200" cy="2308324"/>
           </a:xfrm>
           <a:prstGeom prst="rect">
             <a:avLst/>
@@ -28971,7 +28891,7 @@
           <a:lstStyle/>
           <a:p>
             <a:r>
-              <a:rPr lang="ko-KR" altLang="en-US" sz="4800" smtClean="0">
+              <a:rPr lang="ko-KR" altLang="en-US" sz="4800" dirty="0">
                 <a:solidFill>
                   <a:srgbClr val="4C50BC"/>
                 </a:solidFill>
@@ -28981,19 +28901,29 @@
               <a:t>그동안 </a:t>
             </a:r>
             <a:r>
-              <a:rPr lang="en-US" altLang="ko-KR" sz="4800" smtClean="0">
+              <a:rPr lang="en-US" altLang="ko-KR" sz="4800" dirty="0" err="1">
                 <a:solidFill>
                   <a:srgbClr val="4C50BC"/>
                 </a:solidFill>
                 <a:latin typeface="G마켓 산스 Medium" panose="02000000000000000000" pitchFamily="50" charset="-127"/>
                 <a:ea typeface="G마켓 산스 Medium" panose="02000000000000000000" pitchFamily="50" charset="-127"/>
               </a:rPr>
-              <a:t>System.out.println() </a:t>
+              <a:t>System.out.println</a:t>
+            </a:r>
+            <a:r>
+              <a:rPr lang="en-US" altLang="ko-KR" sz="4800" dirty="0">
+                <a:solidFill>
+                  <a:srgbClr val="4C50BC"/>
+                </a:solidFill>
+                <a:latin typeface="G마켓 산스 Medium" panose="02000000000000000000" pitchFamily="50" charset="-127"/>
+                <a:ea typeface="G마켓 산스 Medium" panose="02000000000000000000" pitchFamily="50" charset="-127"/>
+              </a:rPr>
+              <a:t>() </a:t>
             </a:r>
           </a:p>
           <a:p>
             <a:r>
-              <a:rPr lang="en-US" altLang="ko-KR" sz="4800" smtClean="0">
+              <a:rPr lang="en-US" altLang="ko-KR" sz="4800" dirty="0">
                 <a:solidFill>
                   <a:srgbClr val="4C50BC"/>
                 </a:solidFill>
@@ -29003,16 +28933,26 @@
               <a:t>Scanner </a:t>
             </a:r>
             <a:r>
-              <a:rPr lang="ko-KR" altLang="en-US" sz="4800" smtClean="0">
+              <a:rPr lang="ko-KR" altLang="en-US" sz="4800" dirty="0">
                 <a:solidFill>
                   <a:srgbClr val="4C50BC"/>
                 </a:solidFill>
                 <a:latin typeface="G마켓 산스 Medium" panose="02000000000000000000" pitchFamily="50" charset="-127"/>
                 <a:ea typeface="G마켓 산스 Medium" panose="02000000000000000000" pitchFamily="50" charset="-127"/>
               </a:rPr>
-              <a:t>등을 이용해서 입출력을 했었는데</a:t>
-            </a:r>
-            <a:endParaRPr lang="en-US" altLang="ko-KR" sz="4800" smtClean="0">
+              <a:t>등을 이용해서 입출력을 </a:t>
+            </a:r>
+            <a:r>
+              <a:rPr lang="ko-KR" altLang="en-US" sz="4800" dirty="0" err="1">
+                <a:solidFill>
+                  <a:srgbClr val="4C50BC"/>
+                </a:solidFill>
+                <a:latin typeface="G마켓 산스 Medium" panose="02000000000000000000" pitchFamily="50" charset="-127"/>
+                <a:ea typeface="G마켓 산스 Medium" panose="02000000000000000000" pitchFamily="50" charset="-127"/>
+              </a:rPr>
+              <a:t>했었는데</a:t>
+            </a:r>
+            <a:endParaRPr lang="en-US" altLang="ko-KR" sz="4800" dirty="0">
               <a:solidFill>
                 <a:srgbClr val="4C50BC"/>
               </a:solidFill>
@@ -29022,32 +28962,35 @@
           </a:p>
           <a:p>
             <a:r>
-              <a:rPr lang="ko-KR" altLang="en-US" sz="4800" smtClean="0">
+              <a:rPr lang="ko-KR" altLang="en-US" sz="4800" dirty="0">
                 <a:solidFill>
                   <a:srgbClr val="4C50BC"/>
                 </a:solidFill>
                 <a:latin typeface="G마켓 산스 Medium" panose="02000000000000000000" pitchFamily="50" charset="-127"/>
                 <a:ea typeface="G마켓 산스 Medium" panose="02000000000000000000" pitchFamily="50" charset="-127"/>
               </a:rPr>
-              <a:t>이것들은 스트림이 필요없는가</a:t>
-            </a:r>
-            <a:r>
-              <a:rPr lang="en-US" altLang="ko-KR" sz="4800" smtClean="0">
+              <a:t>이것들은 스트림이 </a:t>
+            </a:r>
+            <a:r>
+              <a:rPr lang="ko-KR" altLang="en-US" sz="4800" dirty="0" err="1">
                 <a:solidFill>
                   <a:srgbClr val="4C50BC"/>
                 </a:solidFill>
                 <a:latin typeface="G마켓 산스 Medium" panose="02000000000000000000" pitchFamily="50" charset="-127"/>
                 <a:ea typeface="G마켓 산스 Medium" panose="02000000000000000000" pitchFamily="50" charset="-127"/>
               </a:rPr>
+              <a:t>필요없는가</a:t>
+            </a:r>
+            <a:r>
+              <a:rPr lang="en-US" altLang="ko-KR" sz="4800" dirty="0">
+                <a:solidFill>
+                  <a:srgbClr val="4C50BC"/>
+                </a:solidFill>
+                <a:latin typeface="G마켓 산스 Medium" panose="02000000000000000000" pitchFamily="50" charset="-127"/>
+                <a:ea typeface="G마켓 산스 Medium" panose="02000000000000000000" pitchFamily="50" charset="-127"/>
+              </a:rPr>
               <a:t>?</a:t>
             </a:r>
-            <a:endParaRPr lang="en-US" altLang="ko-KR" sz="4800" dirty="0">
-              <a:solidFill>
-                <a:srgbClr val="4C50BC"/>
-              </a:solidFill>
-              <a:latin typeface="G마켓 산스 Medium" panose="02000000000000000000" pitchFamily="50" charset="-127"/>
-              <a:ea typeface="G마켓 산스 Medium" panose="02000000000000000000" pitchFamily="50" charset="-127"/>
-            </a:endParaRPr>
           </a:p>
         </p:txBody>
       </p:sp>
@@ -29080,7 +29023,7 @@
           <p:cNvPr id="6" name="TextBox 5">
             <a:extLst>
               <a:ext uri="{FF2B5EF4-FFF2-40B4-BE49-F238E27FC236}">
-                <a16:creationId xmlns="" xmlns:a16="http://schemas.microsoft.com/office/drawing/2014/main" id="{C6D113C6-EA5C-788F-0C77-E7CE6EBB865F}"/>
+                <a16:creationId xmlns:a16="http://schemas.microsoft.com/office/drawing/2014/main" id="{C6D113C6-EA5C-788F-0C77-E7CE6EBB865F}"/>
               </a:ext>
             </a:extLst>
           </p:cNvPr>
@@ -29104,32 +29047,35 @@
           <a:lstStyle/>
           <a:p>
             <a:r>
-              <a:rPr lang="ko-KR" altLang="en-US" sz="3600" smtClean="0">
+              <a:rPr lang="ko-KR" altLang="en-US" sz="3600" dirty="0">
                 <a:solidFill>
                   <a:srgbClr val="FF0000"/>
                 </a:solidFill>
                 <a:latin typeface="G마켓 산스 Medium" panose="02000000000000000000" pitchFamily="50" charset="-127"/>
                 <a:ea typeface="G마켓 산스 Medium" panose="02000000000000000000" pitchFamily="50" charset="-127"/>
               </a:rPr>
-              <a:t>그동안 스트림을 알게 모르게 사용해온것이다</a:t>
-            </a:r>
-            <a:r>
-              <a:rPr lang="en-US" altLang="ko-KR" sz="3600" smtClean="0">
+              <a:t>그동안 스트림을 알게 모르게 </a:t>
+            </a:r>
+            <a:r>
+              <a:rPr lang="ko-KR" altLang="en-US" sz="3600" dirty="0" err="1">
                 <a:solidFill>
                   <a:srgbClr val="FF0000"/>
                 </a:solidFill>
                 <a:latin typeface="G마켓 산스 Medium" panose="02000000000000000000" pitchFamily="50" charset="-127"/>
                 <a:ea typeface="G마켓 산스 Medium" panose="02000000000000000000" pitchFamily="50" charset="-127"/>
               </a:rPr>
+              <a:t>사용해온것이다</a:t>
+            </a:r>
+            <a:r>
+              <a:rPr lang="en-US" altLang="ko-KR" sz="3600" dirty="0">
+                <a:solidFill>
+                  <a:srgbClr val="FF0000"/>
+                </a:solidFill>
+                <a:latin typeface="G마켓 산스 Medium" panose="02000000000000000000" pitchFamily="50" charset="-127"/>
+                <a:ea typeface="G마켓 산스 Medium" panose="02000000000000000000" pitchFamily="50" charset="-127"/>
+              </a:rPr>
               <a:t>.</a:t>
             </a:r>
-            <a:endParaRPr lang="en-US" altLang="ko-KR" sz="3600" dirty="0">
-              <a:solidFill>
-                <a:srgbClr val="FF0000"/>
-              </a:solidFill>
-              <a:latin typeface="G마켓 산스 Medium" panose="02000000000000000000" pitchFamily="50" charset="-127"/>
-              <a:ea typeface="G마켓 산스 Medium" panose="02000000000000000000" pitchFamily="50" charset="-127"/>
-            </a:endParaRPr>
           </a:p>
         </p:txBody>
       </p:sp>
@@ -29138,7 +29084,7 @@
           <p:cNvPr id="7" name="TextBox 6">
             <a:extLst>
               <a:ext uri="{FF2B5EF4-FFF2-40B4-BE49-F238E27FC236}">
-                <a16:creationId xmlns="" xmlns:a16="http://schemas.microsoft.com/office/drawing/2014/main" id="{C6D113C6-EA5C-788F-0C77-E7CE6EBB865F}"/>
+                <a16:creationId xmlns:a16="http://schemas.microsoft.com/office/drawing/2014/main" id="{C6D113C6-EA5C-788F-0C77-E7CE6EBB865F}"/>
               </a:ext>
             </a:extLst>
           </p:cNvPr>
@@ -29148,7 +29094,7 @@
         <p:spPr>
           <a:xfrm>
             <a:off x="4191000" y="7468969"/>
-            <a:ext cx="10591800" cy="646331"/>
+            <a:ext cx="12039600" cy="646331"/>
           </a:xfrm>
           <a:prstGeom prst="rect">
             <a:avLst/>
@@ -29162,32 +29108,45 @@
           <a:lstStyle/>
           <a:p>
             <a:r>
-              <a:rPr lang="ko-KR" altLang="en-US" sz="3600" smtClean="0">
+              <a:rPr lang="ko-KR" altLang="en-US" sz="3600" dirty="0">
                 <a:solidFill>
                   <a:srgbClr val="FF0000"/>
                 </a:solidFill>
                 <a:latin typeface="G마켓 산스 Medium" panose="02000000000000000000" pitchFamily="50" charset="-127"/>
                 <a:ea typeface="G마켓 산스 Medium" panose="02000000000000000000" pitchFamily="50" charset="-127"/>
               </a:rPr>
-              <a:t>콘솔로 입출력 하는것을 표준 입출력 이라고 부른다</a:t>
-            </a:r>
-            <a:r>
-              <a:rPr lang="en-US" altLang="ko-KR" sz="3600" smtClean="0">
+              <a:t>콘솔로 입출력 </a:t>
+            </a:r>
+            <a:r>
+              <a:rPr lang="ko-KR" altLang="en-US" sz="3600" dirty="0" err="1">
                 <a:solidFill>
                   <a:srgbClr val="FF0000"/>
                 </a:solidFill>
                 <a:latin typeface="G마켓 산스 Medium" panose="02000000000000000000" pitchFamily="50" charset="-127"/>
                 <a:ea typeface="G마켓 산스 Medium" panose="02000000000000000000" pitchFamily="50" charset="-127"/>
               </a:rPr>
+              <a:t>하는것을</a:t>
+            </a:r>
+            <a:r>
+              <a:rPr lang="ko-KR" altLang="en-US" sz="3600" dirty="0">
+                <a:solidFill>
+                  <a:srgbClr val="FF0000"/>
+                </a:solidFill>
+                <a:latin typeface="G마켓 산스 Medium" panose="02000000000000000000" pitchFamily="50" charset="-127"/>
+                <a:ea typeface="G마켓 산스 Medium" panose="02000000000000000000" pitchFamily="50" charset="-127"/>
+              </a:rPr>
+              <a:t> 표준 입출력 이라고 부른다</a:t>
+            </a:r>
+            <a:r>
+              <a:rPr lang="en-US" altLang="ko-KR" sz="3600" dirty="0">
+                <a:solidFill>
+                  <a:srgbClr val="FF0000"/>
+                </a:solidFill>
+                <a:latin typeface="G마켓 산스 Medium" panose="02000000000000000000" pitchFamily="50" charset="-127"/>
+                <a:ea typeface="G마켓 산스 Medium" panose="02000000000000000000" pitchFamily="50" charset="-127"/>
+              </a:rPr>
               <a:t>.</a:t>
             </a:r>
-            <a:endParaRPr lang="en-US" altLang="ko-KR" sz="3600" dirty="0">
-              <a:solidFill>
-                <a:srgbClr val="FF0000"/>
-              </a:solidFill>
-              <a:latin typeface="G마켓 산스 Medium" panose="02000000000000000000" pitchFamily="50" charset="-127"/>
-              <a:ea typeface="G마켓 산스 Medium" panose="02000000000000000000" pitchFamily="50" charset="-127"/>
-            </a:endParaRPr>
           </a:p>
         </p:txBody>
       </p:sp>
@@ -29358,7 +29317,7 @@
           <p:cNvPr id="4" name="Object 1">
             <a:extLst>
               <a:ext uri="{FF2B5EF4-FFF2-40B4-BE49-F238E27FC236}">
-                <a16:creationId xmlns="" xmlns:a16="http://schemas.microsoft.com/office/drawing/2014/main" id="{B0329035-BE76-33A8-0F2E-44624FCC1DED}"/>
+                <a16:creationId xmlns:a16="http://schemas.microsoft.com/office/drawing/2014/main" id="{B0329035-BE76-33A8-0F2E-44624FCC1DED}"/>
               </a:ext>
             </a:extLst>
           </p:cNvPr>
@@ -29388,7 +29347,7 @@
           <p:cNvPr id="7" name="그룹 1001">
             <a:extLst>
               <a:ext uri="{FF2B5EF4-FFF2-40B4-BE49-F238E27FC236}">
-                <a16:creationId xmlns="" xmlns:a16="http://schemas.microsoft.com/office/drawing/2014/main" id="{CD24CE9D-AC18-B6CD-F397-7E8E03D6FE26}"/>
+                <a16:creationId xmlns:a16="http://schemas.microsoft.com/office/drawing/2014/main" id="{CD24CE9D-AC18-B6CD-F397-7E8E03D6FE26}"/>
               </a:ext>
             </a:extLst>
           </p:cNvPr>
@@ -29408,7 +29367,7 @@
             <p:cNvPr id="8" name="Object 5">
               <a:extLst>
                 <a:ext uri="{FF2B5EF4-FFF2-40B4-BE49-F238E27FC236}">
-                  <a16:creationId xmlns="" xmlns:a16="http://schemas.microsoft.com/office/drawing/2014/main" id="{0EEF25E8-3BA8-EBAA-6DC2-66D70C3F9F4D}"/>
+                  <a16:creationId xmlns:a16="http://schemas.microsoft.com/office/drawing/2014/main" id="{0EEF25E8-3BA8-EBAA-6DC2-66D70C3F9F4D}"/>
                 </a:ext>
               </a:extLst>
             </p:cNvPr>
@@ -29439,7 +29398,7 @@
           <p:cNvPr id="9" name="그룹 1002">
             <a:extLst>
               <a:ext uri="{FF2B5EF4-FFF2-40B4-BE49-F238E27FC236}">
-                <a16:creationId xmlns="" xmlns:a16="http://schemas.microsoft.com/office/drawing/2014/main" id="{0F281BC9-DE1F-D1FE-E64C-C4640398F00C}"/>
+                <a16:creationId xmlns:a16="http://schemas.microsoft.com/office/drawing/2014/main" id="{0F281BC9-DE1F-D1FE-E64C-C4640398F00C}"/>
               </a:ext>
             </a:extLst>
           </p:cNvPr>
@@ -29459,7 +29418,7 @@
             <p:cNvPr id="10" name="Object 8">
               <a:extLst>
                 <a:ext uri="{FF2B5EF4-FFF2-40B4-BE49-F238E27FC236}">
-                  <a16:creationId xmlns="" xmlns:a16="http://schemas.microsoft.com/office/drawing/2014/main" id="{F669DCEF-04BB-7046-3F7F-5B513213556E}"/>
+                  <a16:creationId xmlns:a16="http://schemas.microsoft.com/office/drawing/2014/main" id="{F669DCEF-04BB-7046-3F7F-5B513213556E}"/>
                 </a:ext>
               </a:extLst>
             </p:cNvPr>
@@ -29490,7 +29449,7 @@
           <p:cNvPr id="11" name="그룹 1003">
             <a:extLst>
               <a:ext uri="{FF2B5EF4-FFF2-40B4-BE49-F238E27FC236}">
-                <a16:creationId xmlns="" xmlns:a16="http://schemas.microsoft.com/office/drawing/2014/main" id="{1F91EEF9-13EA-BB7F-B056-D35E7DB989AC}"/>
+                <a16:creationId xmlns:a16="http://schemas.microsoft.com/office/drawing/2014/main" id="{1F91EEF9-13EA-BB7F-B056-D35E7DB989AC}"/>
               </a:ext>
             </a:extLst>
           </p:cNvPr>
@@ -29510,7 +29469,7 @@
             <p:cNvPr id="12" name="Object 11">
               <a:extLst>
                 <a:ext uri="{FF2B5EF4-FFF2-40B4-BE49-F238E27FC236}">
-                  <a16:creationId xmlns="" xmlns:a16="http://schemas.microsoft.com/office/drawing/2014/main" id="{2CFFB217-AEFB-2C9E-5F86-6EE19510FFC6}"/>
+                  <a16:creationId xmlns:a16="http://schemas.microsoft.com/office/drawing/2014/main" id="{2CFFB217-AEFB-2C9E-5F86-6EE19510FFC6}"/>
                 </a:ext>
               </a:extLst>
             </p:cNvPr>
@@ -29541,7 +29500,7 @@
           <p:cNvPr id="13" name="그룹 1004">
             <a:extLst>
               <a:ext uri="{FF2B5EF4-FFF2-40B4-BE49-F238E27FC236}">
-                <a16:creationId xmlns="" xmlns:a16="http://schemas.microsoft.com/office/drawing/2014/main" id="{123B9C7E-94E8-E7E1-81BE-D59EA0299187}"/>
+                <a16:creationId xmlns:a16="http://schemas.microsoft.com/office/drawing/2014/main" id="{123B9C7E-94E8-E7E1-81BE-D59EA0299187}"/>
               </a:ext>
             </a:extLst>
           </p:cNvPr>
@@ -29561,7 +29520,7 @@
             <p:cNvPr id="14" name="Object 14">
               <a:extLst>
                 <a:ext uri="{FF2B5EF4-FFF2-40B4-BE49-F238E27FC236}">
-                  <a16:creationId xmlns="" xmlns:a16="http://schemas.microsoft.com/office/drawing/2014/main" id="{B6291552-2D89-A79F-7ACD-EA0EF9A4C389}"/>
+                  <a16:creationId xmlns:a16="http://schemas.microsoft.com/office/drawing/2014/main" id="{B6291552-2D89-A79F-7ACD-EA0EF9A4C389}"/>
                 </a:ext>
               </a:extLst>
             </p:cNvPr>
@@ -29592,7 +29551,7 @@
           <p:cNvPr id="15" name="TextBox 14">
             <a:extLst>
               <a:ext uri="{FF2B5EF4-FFF2-40B4-BE49-F238E27FC236}">
-                <a16:creationId xmlns="" xmlns:a16="http://schemas.microsoft.com/office/drawing/2014/main" id="{7D99763A-FC24-23F5-5BA9-D7B042E0F323}"/>
+                <a16:creationId xmlns:a16="http://schemas.microsoft.com/office/drawing/2014/main" id="{7D99763A-FC24-23F5-5BA9-D7B042E0F323}"/>
               </a:ext>
             </a:extLst>
           </p:cNvPr>
@@ -29616,7 +29575,7 @@
           <a:lstStyle/>
           <a:p>
             <a:r>
-              <a:rPr lang="en-US" altLang="ko-KR" sz="6600" smtClean="0">
+              <a:rPr lang="en-US" altLang="ko-KR" sz="6600">
                 <a:solidFill>
                   <a:schemeClr val="bg1"/>
                 </a:solidFill>
@@ -29645,13 +29604,6 @@
   <p:clrMapOvr>
     <a:masterClrMapping/>
   </p:clrMapOvr>
-  <p:timing>
-    <p:tnLst>
-      <p:par>
-        <p:cTn id="1" dur="indefinite" restart="never" nodeType="tmRoot"/>
-      </p:par>
-    </p:tnLst>
-  </p:timing>
 </p:sld>
 </file>
 
@@ -29677,7 +29629,7 @@
           <p:cNvPr id="9" name="TextBox 8">
             <a:extLst>
               <a:ext uri="{FF2B5EF4-FFF2-40B4-BE49-F238E27FC236}">
-                <a16:creationId xmlns="" xmlns:a16="http://schemas.microsoft.com/office/drawing/2014/main" id="{D15853EE-94B0-D08B-DCB7-3381290CC3FF}"/>
+                <a16:creationId xmlns:a16="http://schemas.microsoft.com/office/drawing/2014/main" id="{D15853EE-94B0-D08B-DCB7-3381290CC3FF}"/>
               </a:ext>
             </a:extLst>
           </p:cNvPr>
@@ -29725,7 +29677,7 @@
           <p:cNvPr id="11" name="TextBox 10">
             <a:extLst>
               <a:ext uri="{FF2B5EF4-FFF2-40B4-BE49-F238E27FC236}">
-                <a16:creationId xmlns="" xmlns:a16="http://schemas.microsoft.com/office/drawing/2014/main" id="{A2AD056B-97A4-5BCC-4460-250160F3E171}"/>
+                <a16:creationId xmlns:a16="http://schemas.microsoft.com/office/drawing/2014/main" id="{A2AD056B-97A4-5BCC-4460-250160F3E171}"/>
               </a:ext>
             </a:extLst>
           </p:cNvPr>
@@ -29802,7 +29754,7 @@
       </p:sp>
       <p:pic>
         <p:nvPicPr>
-          <p:cNvPr id="13" name="그림 12"/>
+          <p:cNvPr id="14" name="그림 13"/>
           <p:cNvPicPr>
             <a:picLocks noChangeAspect="1"/>
           </p:cNvPicPr>
@@ -29816,30 +29768,6 @@
         </p:blipFill>
         <p:spPr>
           <a:xfrm>
-            <a:off x="12190415" y="3390900"/>
-            <a:ext cx="6097585" cy="3505200"/>
-          </a:xfrm>
-          <a:prstGeom prst="rect">
-            <a:avLst/>
-          </a:prstGeom>
-        </p:spPr>
-      </p:pic>
-      <p:pic>
-        <p:nvPicPr>
-          <p:cNvPr id="14" name="그림 13"/>
-          <p:cNvPicPr>
-            <a:picLocks noChangeAspect="1"/>
-          </p:cNvPicPr>
-          <p:nvPr/>
-        </p:nvPicPr>
-        <p:blipFill>
-          <a:blip r:embed="rId3"/>
-          <a:stretch>
-            <a:fillRect/>
-          </a:stretch>
-        </p:blipFill>
-        <p:spPr>
-          <a:xfrm>
             <a:off x="0" y="3924300"/>
             <a:ext cx="8646981" cy="2971800"/>
           </a:xfrm>
@@ -29853,19 +29781,20 @@
           <p:cNvPr id="15" name="직선 화살표 연결선 14">
             <a:extLst>
               <a:ext uri="{FF2B5EF4-FFF2-40B4-BE49-F238E27FC236}">
-                <a16:creationId xmlns="" xmlns:a16="http://schemas.microsoft.com/office/drawing/2014/main" id="{299DF5EC-9DF4-5255-06AC-0A7CE4FF58C3}"/>
+                <a16:creationId xmlns:a16="http://schemas.microsoft.com/office/drawing/2014/main" id="{299DF5EC-9DF4-5255-06AC-0A7CE4FF58C3}"/>
               </a:ext>
             </a:extLst>
           </p:cNvPr>
           <p:cNvCxnSpPr>
             <a:cxnSpLocks/>
+            <a:endCxn id="2" idx="1"/>
           </p:cNvCxnSpPr>
           <p:nvPr/>
         </p:nvCxnSpPr>
         <p:spPr>
-          <a:xfrm>
-            <a:off x="6705600" y="4533900"/>
-            <a:ext cx="5791200" cy="228600"/>
+          <a:xfrm flipV="1">
+            <a:off x="6705600" y="3703830"/>
+            <a:ext cx="6705600" cy="830070"/>
           </a:xfrm>
           <a:prstGeom prst="straightConnector1">
             <a:avLst/>
@@ -29894,7 +29823,7 @@
           <p:cNvPr id="17" name="TextBox 16">
             <a:extLst>
               <a:ext uri="{FF2B5EF4-FFF2-40B4-BE49-F238E27FC236}">
-                <a16:creationId xmlns="" xmlns:a16="http://schemas.microsoft.com/office/drawing/2014/main" id="{C6D113C6-EA5C-788F-0C77-E7CE6EBB865F}"/>
+                <a16:creationId xmlns:a16="http://schemas.microsoft.com/office/drawing/2014/main" id="{C6D113C6-EA5C-788F-0C77-E7CE6EBB865F}"/>
               </a:ext>
             </a:extLst>
           </p:cNvPr>
@@ -29903,7 +29832,7 @@
         </p:nvSpPr>
         <p:spPr>
           <a:xfrm>
-            <a:off x="8763000" y="3601134"/>
+            <a:off x="9448800" y="2824586"/>
             <a:ext cx="2819400" cy="646331"/>
           </a:xfrm>
           <a:prstGeom prst="rect">
@@ -29952,19 +29881,20 @@
           <p:cNvPr id="18" name="직선 화살표 연결선 17">
             <a:extLst>
               <a:ext uri="{FF2B5EF4-FFF2-40B4-BE49-F238E27FC236}">
-                <a16:creationId xmlns="" xmlns:a16="http://schemas.microsoft.com/office/drawing/2014/main" id="{299DF5EC-9DF4-5255-06AC-0A7CE4FF58C3}"/>
+                <a16:creationId xmlns:a16="http://schemas.microsoft.com/office/drawing/2014/main" id="{299DF5EC-9DF4-5255-06AC-0A7CE4FF58C3}"/>
               </a:ext>
             </a:extLst>
           </p:cNvPr>
           <p:cNvCxnSpPr>
             <a:cxnSpLocks/>
+            <a:stCxn id="5" idx="1"/>
           </p:cNvCxnSpPr>
           <p:nvPr/>
         </p:nvCxnSpPr>
         <p:spPr>
-          <a:xfrm flipH="1">
-            <a:off x="5676900" y="5715000"/>
-            <a:ext cx="6972300" cy="419100"/>
+          <a:xfrm flipH="1" flipV="1">
+            <a:off x="5676900" y="6134100"/>
+            <a:ext cx="7581900" cy="1216896"/>
           </a:xfrm>
           <a:prstGeom prst="straightConnector1">
             <a:avLst/>
@@ -29993,7 +29923,7 @@
           <p:cNvPr id="21" name="TextBox 20">
             <a:extLst>
               <a:ext uri="{FF2B5EF4-FFF2-40B4-BE49-F238E27FC236}">
-                <a16:creationId xmlns="" xmlns:a16="http://schemas.microsoft.com/office/drawing/2014/main" id="{C6D113C6-EA5C-788F-0C77-E7CE6EBB865F}"/>
+                <a16:creationId xmlns:a16="http://schemas.microsoft.com/office/drawing/2014/main" id="{C6D113C6-EA5C-788F-0C77-E7CE6EBB865F}"/>
               </a:ext>
             </a:extLst>
           </p:cNvPr>
@@ -30002,7 +29932,7 @@
         </p:nvSpPr>
         <p:spPr>
           <a:xfrm>
-            <a:off x="8985185" y="6052451"/>
+            <a:off x="9467850" y="7514497"/>
             <a:ext cx="2819400" cy="646331"/>
           </a:xfrm>
           <a:prstGeom prst="rect">
@@ -30046,6 +29976,100 @@
           </a:p>
         </p:txBody>
       </p:sp>
+      <p:pic>
+        <p:nvPicPr>
+          <p:cNvPr id="2" name="Picture 4" descr="https://search.pstatic.net/common/?src=http%3A%2F%2Fshop1.phinf.naver.net%2F20230414_148%2F1681433429315NNFA7_JPEG%2Fplus0_1000071974.jpg&amp;type=sc960_832">
+            <a:extLst>
+              <a:ext uri="{FF2B5EF4-FFF2-40B4-BE49-F238E27FC236}">
+                <a16:creationId xmlns:a16="http://schemas.microsoft.com/office/drawing/2014/main" id="{AA161CF6-459B-F516-9673-56A05F0358B0}"/>
+              </a:ext>
+            </a:extLst>
+          </p:cNvPr>
+          <p:cNvPicPr>
+            <a:picLocks noChangeAspect="1" noChangeArrowheads="1"/>
+          </p:cNvPicPr>
+          <p:nvPr/>
+        </p:nvPicPr>
+        <p:blipFill>
+          <a:blip r:embed="rId3">
+            <a:extLst>
+              <a:ext uri="{28A0092B-C50C-407E-A947-70E740481C1C}">
+                <a14:useLocalDpi xmlns:a14="http://schemas.microsoft.com/office/drawing/2010/main" val="0"/>
+              </a:ext>
+            </a:extLst>
+          </a:blip>
+          <a:srcRect/>
+          <a:stretch>
+            <a:fillRect/>
+          </a:stretch>
+        </p:blipFill>
+        <p:spPr bwMode="auto">
+          <a:xfrm>
+            <a:off x="13411200" y="1875862"/>
+            <a:ext cx="3655934" cy="3655935"/>
+          </a:xfrm>
+          <a:prstGeom prst="rect">
+            <a:avLst/>
+          </a:prstGeom>
+          <a:noFill/>
+          <a:extLst>
+            <a:ext uri="{909E8E84-426E-40DD-AFC4-6F175D3DCCD1}">
+              <a14:hiddenFill xmlns:a14="http://schemas.microsoft.com/office/drawing/2010/main">
+                <a:solidFill>
+                  <a:srgbClr val="FFFFFF"/>
+                </a:solidFill>
+              </a14:hiddenFill>
+            </a:ext>
+          </a:extLst>
+        </p:spPr>
+      </p:pic>
+      <p:pic>
+        <p:nvPicPr>
+          <p:cNvPr id="5" name="Picture 2" descr="https://search.pstatic.net/common/?src=http%3A%2F%2Fshop1.phinf.naver.net%2F20230407_156%2F1680851079622nkFWr_JPEG%2F81986859343781772_1262867453.jpg&amp;type=sc960_832">
+            <a:extLst>
+              <a:ext uri="{FF2B5EF4-FFF2-40B4-BE49-F238E27FC236}">
+                <a16:creationId xmlns:a16="http://schemas.microsoft.com/office/drawing/2014/main" id="{DC29E2C8-B63D-DDB4-A936-D91967A5CF2C}"/>
+              </a:ext>
+            </a:extLst>
+          </p:cNvPr>
+          <p:cNvPicPr>
+            <a:picLocks noChangeAspect="1" noChangeArrowheads="1"/>
+          </p:cNvPicPr>
+          <p:nvPr/>
+        </p:nvPicPr>
+        <p:blipFill>
+          <a:blip r:embed="rId4">
+            <a:extLst>
+              <a:ext uri="{28A0092B-C50C-407E-A947-70E740481C1C}">
+                <a14:useLocalDpi xmlns:a14="http://schemas.microsoft.com/office/drawing/2010/main" val="0"/>
+              </a:ext>
+            </a:extLst>
+          </a:blip>
+          <a:srcRect/>
+          <a:stretch>
+            <a:fillRect/>
+          </a:stretch>
+        </p:blipFill>
+        <p:spPr bwMode="auto">
+          <a:xfrm>
+            <a:off x="13258800" y="5731329"/>
+            <a:ext cx="3239332" cy="3239333"/>
+          </a:xfrm>
+          <a:prstGeom prst="rect">
+            <a:avLst/>
+          </a:prstGeom>
+          <a:noFill/>
+          <a:extLst>
+            <a:ext uri="{909E8E84-426E-40DD-AFC4-6F175D3DCCD1}">
+              <a14:hiddenFill xmlns:a14="http://schemas.microsoft.com/office/drawing/2010/main">
+                <a:solidFill>
+                  <a:srgbClr val="FFFFFF"/>
+                </a:solidFill>
+              </a14:hiddenFill>
+            </a:ext>
+          </a:extLst>
+        </p:spPr>
+      </p:pic>
     </p:spTree>
     <p:extLst>
       <p:ext uri="{BB962C8B-B14F-4D97-AF65-F5344CB8AC3E}">
@@ -30056,6 +30080,126 @@
   <p:clrMapOvr>
     <a:masterClrMapping/>
   </p:clrMapOvr>
+  <p:timing>
+    <p:tnLst>
+      <p:par>
+        <p:cTn id="1" dur="indefinite" restart="never" nodeType="tmRoot">
+          <p:childTnLst>
+            <p:seq concurrent="1" nextAc="seek">
+              <p:cTn id="2" dur="indefinite" nodeType="mainSeq">
+                <p:childTnLst>
+                  <p:par>
+                    <p:cTn id="3" fill="hold">
+                      <p:stCondLst>
+                        <p:cond delay="indefinite"/>
+                      </p:stCondLst>
+                      <p:childTnLst>
+                        <p:par>
+                          <p:cTn id="4" fill="hold">
+                            <p:stCondLst>
+                              <p:cond delay="0"/>
+                            </p:stCondLst>
+                            <p:childTnLst>
+                              <p:par>
+                                <p:cTn id="5" presetID="1" presetClass="entr" presetSubtype="0" fill="hold" nodeType="clickEffect">
+                                  <p:stCondLst>
+                                    <p:cond delay="0"/>
+                                  </p:stCondLst>
+                                  <p:childTnLst>
+                                    <p:set>
+                                      <p:cBhvr>
+                                        <p:cTn id="6" dur="1" fill="hold">
+                                          <p:stCondLst>
+                                            <p:cond delay="0"/>
+                                          </p:stCondLst>
+                                        </p:cTn>
+                                        <p:tgtEl>
+                                          <p:spTgt spid="2"/>
+                                        </p:tgtEl>
+                                        <p:attrNameLst>
+                                          <p:attrName>style.visibility</p:attrName>
+                                        </p:attrNameLst>
+                                      </p:cBhvr>
+                                      <p:to>
+                                        <p:strVal val="visible"/>
+                                      </p:to>
+                                    </p:set>
+                                  </p:childTnLst>
+                                </p:cTn>
+                              </p:par>
+                            </p:childTnLst>
+                          </p:cTn>
+                        </p:par>
+                      </p:childTnLst>
+                    </p:cTn>
+                  </p:par>
+                  <p:par>
+                    <p:cTn id="7" fill="hold">
+                      <p:stCondLst>
+                        <p:cond delay="indefinite"/>
+                      </p:stCondLst>
+                      <p:childTnLst>
+                        <p:par>
+                          <p:cTn id="8" fill="hold">
+                            <p:stCondLst>
+                              <p:cond delay="0"/>
+                            </p:stCondLst>
+                            <p:childTnLst>
+                              <p:par>
+                                <p:cTn id="9" presetID="1" presetClass="entr" presetSubtype="0" fill="hold" nodeType="clickEffect">
+                                  <p:stCondLst>
+                                    <p:cond delay="0"/>
+                                  </p:stCondLst>
+                                  <p:childTnLst>
+                                    <p:set>
+                                      <p:cBhvr>
+                                        <p:cTn id="10" dur="1" fill="hold">
+                                          <p:stCondLst>
+                                            <p:cond delay="0"/>
+                                          </p:stCondLst>
+                                        </p:cTn>
+                                        <p:tgtEl>
+                                          <p:spTgt spid="5"/>
+                                        </p:tgtEl>
+                                        <p:attrNameLst>
+                                          <p:attrName>style.visibility</p:attrName>
+                                        </p:attrNameLst>
+                                      </p:cBhvr>
+                                      <p:to>
+                                        <p:strVal val="visible"/>
+                                      </p:to>
+                                    </p:set>
+                                  </p:childTnLst>
+                                </p:cTn>
+                              </p:par>
+                            </p:childTnLst>
+                          </p:cTn>
+                        </p:par>
+                      </p:childTnLst>
+                    </p:cTn>
+                  </p:par>
+                </p:childTnLst>
+              </p:cTn>
+              <p:prevCondLst>
+                <p:cond evt="onPrev" delay="0">
+                  <p:tgtEl>
+                    <p:sldTgt/>
+                  </p:tgtEl>
+                </p:cond>
+              </p:prevCondLst>
+              <p:nextCondLst>
+                <p:cond evt="onNext" delay="0">
+                  <p:tgtEl>
+                    <p:sldTgt/>
+                  </p:tgtEl>
+                </p:cond>
+              </p:nextCondLst>
+            </p:seq>
+          </p:childTnLst>
+        </p:cTn>
+      </p:par>
+    </p:tnLst>
+  </p:timing>
 </p:sld>
 </file>
 
@@ -30081,7 +30225,7 @@
           <p:cNvPr id="4" name="TextBox 3">
             <a:extLst>
               <a:ext uri="{FF2B5EF4-FFF2-40B4-BE49-F238E27FC236}">
-                <a16:creationId xmlns:a16="http://schemas.microsoft.com/office/drawing/2014/main" xmlns="" id="{D15853EE-94B0-D08B-DCB7-3381290CC3FF}"/>
+                <a16:creationId xmlns:a16="http://schemas.microsoft.com/office/drawing/2014/main" id="{D15853EE-94B0-D08B-DCB7-3381290CC3FF}"/>
               </a:ext>
             </a:extLst>
           </p:cNvPr>
@@ -30105,7 +30249,7 @@
           <a:lstStyle/>
           <a:p>
             <a:r>
-              <a:rPr lang="en-US" altLang="ko-KR" sz="4800" smtClean="0">
+              <a:rPr lang="en-US" altLang="ko-KR" sz="4800" dirty="0">
                 <a:solidFill>
                   <a:srgbClr val="4C50BC"/>
                 </a:solidFill>
@@ -30114,13 +30258,6 @@
               </a:rPr>
               <a:t>Json</a:t>
             </a:r>
-            <a:endParaRPr lang="en-US" altLang="ko-KR" sz="4800" dirty="0">
-              <a:solidFill>
-                <a:srgbClr val="4C50BC"/>
-              </a:solidFill>
-              <a:latin typeface="G마켓 산스 Medium" panose="02000000000000000000" pitchFamily="50" charset="-127"/>
-              <a:ea typeface="G마켓 산스 Medium" panose="02000000000000000000" pitchFamily="50" charset="-127"/>
-            </a:endParaRPr>
           </a:p>
         </p:txBody>
       </p:sp>
@@ -30129,7 +30266,7 @@
           <p:cNvPr id="6" name="TextBox 5">
             <a:extLst>
               <a:ext uri="{FF2B5EF4-FFF2-40B4-BE49-F238E27FC236}">
-                <a16:creationId xmlns:a16="http://schemas.microsoft.com/office/drawing/2014/main" xmlns="" id="{52176D31-35F7-8916-46FA-6095EFEC1E49}"/>
+                <a16:creationId xmlns:a16="http://schemas.microsoft.com/office/drawing/2014/main" id="{52176D31-35F7-8916-46FA-6095EFEC1E49}"/>
               </a:ext>
             </a:extLst>
           </p:cNvPr>
@@ -30153,7 +30290,7 @@
           <a:lstStyle/>
           <a:p>
             <a:r>
-              <a:rPr lang="en-US" altLang="ko-KR" sz="3600" smtClean="0">
+              <a:rPr lang="en-US" altLang="ko-KR" sz="3600">
                 <a:solidFill>
                   <a:schemeClr val="tx1">
                     <a:lumMod val="50000"/>
@@ -30166,7 +30303,7 @@
               <a:t>key </a:t>
             </a:r>
             <a:r>
-              <a:rPr lang="ko-KR" altLang="en-US" sz="3600" smtClean="0">
+              <a:rPr lang="ko-KR" altLang="en-US" sz="3600">
                 <a:solidFill>
                   <a:schemeClr val="tx1">
                     <a:lumMod val="50000"/>
@@ -30179,7 +30316,7 @@
               <a:t>와 </a:t>
             </a:r>
             <a:r>
-              <a:rPr lang="en-US" altLang="ko-KR" sz="3600" smtClean="0">
+              <a:rPr lang="en-US" altLang="ko-KR" sz="3600">
                 <a:solidFill>
                   <a:schemeClr val="tx1">
                     <a:lumMod val="50000"/>
@@ -30192,7 +30329,7 @@
               <a:t>value </a:t>
             </a:r>
             <a:r>
-              <a:rPr lang="ko-KR" altLang="en-US" sz="3600" smtClean="0">
+              <a:rPr lang="ko-KR" altLang="en-US" sz="3600">
                 <a:solidFill>
                   <a:schemeClr val="tx1">
                     <a:lumMod val="50000"/>
@@ -30205,7 +30342,7 @@
               <a:t>로 이루어진 데이터 형태이며 현재 서버와의 통신에서 가장많이 쓰이는 데이터 형태이다</a:t>
             </a:r>
             <a:r>
-              <a:rPr lang="en-US" altLang="ko-KR" sz="3600" smtClean="0">
+              <a:rPr lang="en-US" altLang="ko-KR" sz="3600">
                 <a:solidFill>
                   <a:schemeClr val="tx1">
                     <a:lumMod val="50000"/>
@@ -30278,13 +30415,6 @@
   <p:clrMapOvr>
     <a:masterClrMapping/>
   </p:clrMapOvr>
-  <p:timing>
-    <p:tnLst>
-      <p:par>
-        <p:cTn id="1" dur="indefinite" restart="never" nodeType="tmRoot"/>
-      </p:par>
-    </p:tnLst>
-  </p:timing>
 </p:sld>
 </file>
 
@@ -30339,13 +30469,6 @@
   <p:clrMapOvr>
     <a:masterClrMapping/>
   </p:clrMapOvr>
-  <p:timing>
-    <p:tnLst>
-      <p:par>
-        <p:cTn id="1" dur="indefinite" restart="never" nodeType="tmRoot"/>
-      </p:par>
-    </p:tnLst>
-  </p:timing>
 </p:sld>
 </file>
 
@@ -30371,7 +30494,7 @@
           <p:cNvPr id="4" name="TextBox 3">
             <a:extLst>
               <a:ext uri="{FF2B5EF4-FFF2-40B4-BE49-F238E27FC236}">
-                <a16:creationId xmlns:a16="http://schemas.microsoft.com/office/drawing/2014/main" xmlns="" id="{52176D31-35F7-8916-46FA-6095EFEC1E49}"/>
+                <a16:creationId xmlns:a16="http://schemas.microsoft.com/office/drawing/2014/main" id="{52176D31-35F7-8916-46FA-6095EFEC1E49}"/>
               </a:ext>
             </a:extLst>
           </p:cNvPr>
@@ -30395,7 +30518,7 @@
           <a:lstStyle/>
           <a:p>
             <a:r>
-              <a:rPr lang="en-US" altLang="ko-KR" sz="3600" smtClean="0">
+              <a:rPr lang="en-US" altLang="ko-KR" sz="3600">
                 <a:solidFill>
                   <a:srgbClr val="4C50BC"/>
                 </a:solidFill>
@@ -30405,7 +30528,7 @@
               <a:t>json </a:t>
             </a:r>
             <a:r>
-              <a:rPr lang="ko-KR" altLang="en-US" sz="3600" smtClean="0">
+              <a:rPr lang="ko-KR" altLang="en-US" sz="3600">
                 <a:solidFill>
                   <a:srgbClr val="4C50BC"/>
                 </a:solidFill>
@@ -30415,7 +30538,7 @@
               <a:t>파싱에 필요한  라이브러리를 다운 받아 추가해야 한다</a:t>
             </a:r>
             <a:r>
-              <a:rPr lang="en-US" altLang="ko-KR" sz="3600" smtClean="0">
+              <a:rPr lang="en-US" altLang="ko-KR" sz="3600">
                 <a:solidFill>
                   <a:srgbClr val="4C50BC"/>
                 </a:solidFill>
@@ -30480,7 +30603,7 @@
           <p:cNvPr id="13" name="직사각형 12">
             <a:extLst>
               <a:ext uri="{FF2B5EF4-FFF2-40B4-BE49-F238E27FC236}">
-                <a16:creationId xmlns:a16="http://schemas.microsoft.com/office/drawing/2014/main" xmlns="" id="{FFF506F9-840A-0508-4CAF-3AC711D8D5CE}"/>
+                <a16:creationId xmlns:a16="http://schemas.microsoft.com/office/drawing/2014/main" id="{FFF506F9-840A-0508-4CAF-3AC711D8D5CE}"/>
               </a:ext>
             </a:extLst>
           </p:cNvPr>
@@ -30532,7 +30655,7 @@
           <p:cNvPr id="14" name="직사각형 13">
             <a:extLst>
               <a:ext uri="{FF2B5EF4-FFF2-40B4-BE49-F238E27FC236}">
-                <a16:creationId xmlns:a16="http://schemas.microsoft.com/office/drawing/2014/main" xmlns="" id="{FFF506F9-840A-0508-4CAF-3AC711D8D5CE}"/>
+                <a16:creationId xmlns:a16="http://schemas.microsoft.com/office/drawing/2014/main" id="{FFF506F9-840A-0508-4CAF-3AC711D8D5CE}"/>
               </a:ext>
             </a:extLst>
           </p:cNvPr>
@@ -30584,7 +30707,7 @@
           <p:cNvPr id="15" name="TextBox 14">
             <a:extLst>
               <a:ext uri="{FF2B5EF4-FFF2-40B4-BE49-F238E27FC236}">
-                <a16:creationId xmlns:a16="http://schemas.microsoft.com/office/drawing/2014/main" xmlns="" id="{52176D31-35F7-8916-46FA-6095EFEC1E49}"/>
+                <a16:creationId xmlns:a16="http://schemas.microsoft.com/office/drawing/2014/main" id="{52176D31-35F7-8916-46FA-6095EFEC1E49}"/>
               </a:ext>
             </a:extLst>
           </p:cNvPr>
@@ -30608,7 +30731,7 @@
           <a:lstStyle/>
           <a:p>
             <a:r>
-              <a:rPr lang="en-US" altLang="ko-KR" sz="3600" smtClean="0">
+              <a:rPr lang="en-US" altLang="ko-KR" sz="3600">
                 <a:solidFill>
                   <a:srgbClr val="4C50BC"/>
                 </a:solidFill>
@@ -30618,7 +30741,7 @@
               <a:t>jar </a:t>
             </a:r>
             <a:r>
-              <a:rPr lang="ko-KR" altLang="en-US" sz="3600" smtClean="0">
+              <a:rPr lang="ko-KR" altLang="en-US" sz="3600">
                 <a:solidFill>
                   <a:srgbClr val="4C50BC"/>
                 </a:solidFill>
@@ -30628,7 +30751,7 @@
               <a:t>파일을 프로젝트 폴더로 카피를 하고 라이브러리를 추가 한다</a:t>
             </a:r>
             <a:r>
-              <a:rPr lang="en-US" altLang="ko-KR" sz="3600" smtClean="0">
+              <a:rPr lang="en-US" altLang="ko-KR" sz="3600">
                 <a:solidFill>
                   <a:srgbClr val="4C50BC"/>
                 </a:solidFill>
@@ -30638,7 +30761,7 @@
               <a:t>. </a:t>
             </a:r>
             <a:r>
-              <a:rPr lang="ko-KR" altLang="en-US" sz="3600" smtClean="0">
+              <a:rPr lang="ko-KR" altLang="en-US" sz="3600">
                 <a:solidFill>
                   <a:srgbClr val="4C50BC"/>
                 </a:solidFill>
@@ -30648,7 +30771,7 @@
               <a:t>그래야지 나중에 </a:t>
             </a:r>
             <a:r>
-              <a:rPr lang="en-US" altLang="ko-KR" sz="3600" smtClean="0">
+              <a:rPr lang="en-US" altLang="ko-KR" sz="3600">
                 <a:solidFill>
                   <a:srgbClr val="4C50BC"/>
                 </a:solidFill>
@@ -30658,7 +30781,7 @@
               <a:t>export </a:t>
             </a:r>
             <a:r>
-              <a:rPr lang="ko-KR" altLang="en-US" sz="3600" smtClean="0">
+              <a:rPr lang="ko-KR" altLang="en-US" sz="3600">
                 <a:solidFill>
                   <a:srgbClr val="4C50BC"/>
                 </a:solidFill>
@@ -30668,7 +30791,7 @@
               <a:t>하더라도 프로젝트와 함께 라이브러리들도 같이 움직인다</a:t>
             </a:r>
             <a:r>
-              <a:rPr lang="en-US" altLang="ko-KR" sz="3600" smtClean="0">
+              <a:rPr lang="en-US" altLang="ko-KR" sz="3600">
                 <a:solidFill>
                   <a:srgbClr val="4C50BC"/>
                 </a:solidFill>
@@ -30685,7 +30808,7 @@
           <p:cNvPr id="16" name="직선 화살표 연결선 15">
             <a:extLst>
               <a:ext uri="{FF2B5EF4-FFF2-40B4-BE49-F238E27FC236}">
-                <a16:creationId xmlns:a16="http://schemas.microsoft.com/office/drawing/2014/main" xmlns="" id="{299DF5EC-9DF4-5255-06AC-0A7CE4FF58C3}"/>
+                <a16:creationId xmlns:a16="http://schemas.microsoft.com/office/drawing/2014/main" id="{299DF5EC-9DF4-5255-06AC-0A7CE4FF58C3}"/>
               </a:ext>
             </a:extLst>
           </p:cNvPr>
@@ -30726,7 +30849,7 @@
           <p:cNvPr id="17" name="TextBox 16">
             <a:extLst>
               <a:ext uri="{FF2B5EF4-FFF2-40B4-BE49-F238E27FC236}">
-                <a16:creationId xmlns:a16="http://schemas.microsoft.com/office/drawing/2014/main" xmlns="" id="{C6D113C6-EA5C-788F-0C77-E7CE6EBB865F}"/>
+                <a16:creationId xmlns:a16="http://schemas.microsoft.com/office/drawing/2014/main" id="{C6D113C6-EA5C-788F-0C77-E7CE6EBB865F}"/>
               </a:ext>
             </a:extLst>
           </p:cNvPr>
@@ -30750,7 +30873,7 @@
           <a:lstStyle/>
           <a:p>
             <a:r>
-              <a:rPr lang="ko-KR" altLang="en-US" sz="3200" smtClean="0">
+              <a:rPr lang="ko-KR" altLang="en-US" sz="3200">
                 <a:solidFill>
                   <a:srgbClr val="FF0000"/>
                 </a:solidFill>
@@ -30760,7 +30883,7 @@
               <a:t>혹시 </a:t>
             </a:r>
             <a:r>
-              <a:rPr lang="en-US" altLang="ko-KR" sz="3200" smtClean="0">
+              <a:rPr lang="en-US" altLang="ko-KR" sz="3200">
                 <a:solidFill>
                   <a:srgbClr val="FF0000"/>
                 </a:solidFill>
@@ -30770,7 +30893,7 @@
               <a:t>import</a:t>
             </a:r>
             <a:r>
-              <a:rPr lang="ko-KR" altLang="en-US" sz="3200" smtClean="0">
+              <a:rPr lang="ko-KR" altLang="en-US" sz="3200">
                 <a:solidFill>
                   <a:srgbClr val="FF0000"/>
                 </a:solidFill>
@@ -30823,13 +30946,6 @@
   <p:clrMapOvr>
     <a:masterClrMapping/>
   </p:clrMapOvr>
-  <p:timing>
-    <p:tnLst>
-      <p:par>
-        <p:cTn id="1" dur="indefinite" restart="never" nodeType="tmRoot"/>
-      </p:par>
-    </p:tnLst>
-  </p:timing>
 </p:sld>
 </file>
 
@@ -30874,9 +30990,67 @@
           </a:prstGeom>
         </p:spPr>
       </p:pic>
+      <p:sp>
+        <p:nvSpPr>
+          <p:cNvPr id="8" name="직사각형 7">
+            <a:extLst>
+              <a:ext uri="{FF2B5EF4-FFF2-40B4-BE49-F238E27FC236}">
+                <a16:creationId xmlns:a16="http://schemas.microsoft.com/office/drawing/2014/main" id="{FFF506F9-840A-0508-4CAF-3AC711D8D5CE}"/>
+              </a:ext>
+            </a:extLst>
+          </p:cNvPr>
+          <p:cNvSpPr/>
+          <p:nvPr/>
+        </p:nvSpPr>
+        <p:spPr>
+          <a:xfrm>
+            <a:off x="1469174" y="8459464"/>
+            <a:ext cx="1185863" cy="457200"/>
+          </a:xfrm>
+          <a:prstGeom prst="rect">
+            <a:avLst/>
+          </a:prstGeom>
+          <a:noFill/>
+          <a:ln>
+            <a:solidFill>
+              <a:srgbClr val="FF0000"/>
+            </a:solidFill>
+          </a:ln>
+        </p:spPr>
+        <p:style>
+          <a:lnRef idx="2">
+            <a:schemeClr val="accent2">
+              <a:shade val="50000"/>
+            </a:schemeClr>
+          </a:lnRef>
+          <a:fillRef idx="1">
+            <a:schemeClr val="accent2"/>
+          </a:fillRef>
+          <a:effectRef idx="0">
+            <a:schemeClr val="accent2"/>
+          </a:effectRef>
+          <a:fontRef idx="minor">
+            <a:schemeClr val="lt1"/>
+          </a:fontRef>
+        </p:style>
+        <p:txBody>
+          <a:bodyPr rtlCol="0" anchor="ctr"/>
+          <a:lstStyle/>
+          <a:p>
+            <a:pPr algn="ctr"/>
+            <a:endParaRPr lang="ko-KR" altLang="en-US"/>
+          </a:p>
+        </p:txBody>
+      </p:sp>
       <p:pic>
         <p:nvPicPr>
-          <p:cNvPr id="6" name="그림 5"/>
+          <p:cNvPr id="2" name="그림 1">
+            <a:extLst>
+              <a:ext uri="{FF2B5EF4-FFF2-40B4-BE49-F238E27FC236}">
+                <a16:creationId xmlns:a16="http://schemas.microsoft.com/office/drawing/2014/main" id="{31CEACE7-54D4-4D70-5F97-B4C9F70E59CC}"/>
+              </a:ext>
+            </a:extLst>
+          </p:cNvPr>
           <p:cNvPicPr>
             <a:picLocks noChangeAspect="1"/>
           </p:cNvPicPr>
@@ -30890,32 +31064,8 @@
         </p:blipFill>
         <p:spPr>
           <a:xfrm>
-            <a:off x="5236893" y="1050777"/>
-            <a:ext cx="8610600" cy="3895725"/>
-          </a:xfrm>
-          <a:prstGeom prst="rect">
-            <a:avLst/>
-          </a:prstGeom>
-        </p:spPr>
-      </p:pic>
-      <p:pic>
-        <p:nvPicPr>
-          <p:cNvPr id="7" name="그림 6"/>
-          <p:cNvPicPr>
-            <a:picLocks noChangeAspect="1"/>
-          </p:cNvPicPr>
-          <p:nvPr/>
-        </p:nvPicPr>
-        <p:blipFill>
-          <a:blip r:embed="rId4"/>
-          <a:stretch>
-            <a:fillRect/>
-          </a:stretch>
-        </p:blipFill>
-        <p:spPr>
-          <a:xfrm>
-            <a:off x="5324475" y="5033981"/>
-            <a:ext cx="8696325" cy="5181600"/>
+            <a:off x="5715000" y="1375229"/>
+            <a:ext cx="11752729" cy="7010400"/>
           </a:xfrm>
           <a:prstGeom prst="rect">
             <a:avLst/>
@@ -30924,10 +31074,10 @@
       </p:pic>
       <p:sp>
         <p:nvSpPr>
-          <p:cNvPr id="8" name="직사각형 7">
+          <p:cNvPr id="3" name="직사각형 2">
             <a:extLst>
               <a:ext uri="{FF2B5EF4-FFF2-40B4-BE49-F238E27FC236}">
-                <a16:creationId xmlns:a16="http://schemas.microsoft.com/office/drawing/2014/main" xmlns="" id="{FFF506F9-840A-0508-4CAF-3AC711D8D5CE}"/>
+                <a16:creationId xmlns:a16="http://schemas.microsoft.com/office/drawing/2014/main" id="{4354770C-36C3-BD93-89AE-98A5E04DA1CB}"/>
               </a:ext>
             </a:extLst>
           </p:cNvPr>
@@ -30936,8 +31086,164 @@
         </p:nvSpPr>
         <p:spPr>
           <a:xfrm>
-            <a:off x="1469174" y="8459464"/>
-            <a:ext cx="1185863" cy="457200"/>
+            <a:off x="5952565" y="2975429"/>
+            <a:ext cx="1447800" cy="381000"/>
+          </a:xfrm>
+          <a:prstGeom prst="rect">
+            <a:avLst/>
+          </a:prstGeom>
+          <a:noFill/>
+          <a:ln>
+            <a:solidFill>
+              <a:srgbClr val="FF0000"/>
+            </a:solidFill>
+          </a:ln>
+        </p:spPr>
+        <p:style>
+          <a:lnRef idx="2">
+            <a:schemeClr val="accent2">
+              <a:shade val="50000"/>
+            </a:schemeClr>
+          </a:lnRef>
+          <a:fillRef idx="1">
+            <a:schemeClr val="accent2"/>
+          </a:fillRef>
+          <a:effectRef idx="0">
+            <a:schemeClr val="accent2"/>
+          </a:effectRef>
+          <a:fontRef idx="minor">
+            <a:schemeClr val="lt1"/>
+          </a:fontRef>
+        </p:style>
+        <p:txBody>
+          <a:bodyPr rtlCol="0" anchor="ctr"/>
+          <a:lstStyle/>
+          <a:p>
+            <a:pPr algn="ctr"/>
+            <a:endParaRPr lang="ko-KR" altLang="en-US"/>
+          </a:p>
+        </p:txBody>
+      </p:sp>
+      <p:sp>
+        <p:nvSpPr>
+          <p:cNvPr id="4" name="직사각형 3">
+            <a:extLst>
+              <a:ext uri="{FF2B5EF4-FFF2-40B4-BE49-F238E27FC236}">
+                <a16:creationId xmlns:a16="http://schemas.microsoft.com/office/drawing/2014/main" id="{584348E9-4A98-BD72-337F-7DD9C5EBBE23}"/>
+              </a:ext>
+            </a:extLst>
+          </p:cNvPr>
+          <p:cNvSpPr/>
+          <p:nvPr/>
+        </p:nvSpPr>
+        <p:spPr>
+          <a:xfrm>
+            <a:off x="10143564" y="2213429"/>
+            <a:ext cx="838201" cy="381000"/>
+          </a:xfrm>
+          <a:prstGeom prst="rect">
+            <a:avLst/>
+          </a:prstGeom>
+          <a:noFill/>
+          <a:ln>
+            <a:solidFill>
+              <a:srgbClr val="FF0000"/>
+            </a:solidFill>
+          </a:ln>
+        </p:spPr>
+        <p:style>
+          <a:lnRef idx="2">
+            <a:schemeClr val="accent2">
+              <a:shade val="50000"/>
+            </a:schemeClr>
+          </a:lnRef>
+          <a:fillRef idx="1">
+            <a:schemeClr val="accent2"/>
+          </a:fillRef>
+          <a:effectRef idx="0">
+            <a:schemeClr val="accent2"/>
+          </a:effectRef>
+          <a:fontRef idx="minor">
+            <a:schemeClr val="lt1"/>
+          </a:fontRef>
+        </p:style>
+        <p:txBody>
+          <a:bodyPr rtlCol="0" anchor="ctr"/>
+          <a:lstStyle/>
+          <a:p>
+            <a:pPr algn="ctr"/>
+            <a:endParaRPr lang="ko-KR" altLang="en-US"/>
+          </a:p>
+        </p:txBody>
+      </p:sp>
+      <p:sp>
+        <p:nvSpPr>
+          <p:cNvPr id="9" name="직사각형 8">
+            <a:extLst>
+              <a:ext uri="{FF2B5EF4-FFF2-40B4-BE49-F238E27FC236}">
+                <a16:creationId xmlns:a16="http://schemas.microsoft.com/office/drawing/2014/main" id="{07D598F1-AA33-9A09-FAE6-99459CF9AA9C}"/>
+              </a:ext>
+            </a:extLst>
+          </p:cNvPr>
+          <p:cNvSpPr/>
+          <p:nvPr/>
+        </p:nvSpPr>
+        <p:spPr>
+          <a:xfrm>
+            <a:off x="8543365" y="3369129"/>
+            <a:ext cx="4191000" cy="673100"/>
+          </a:xfrm>
+          <a:prstGeom prst="rect">
+            <a:avLst/>
+          </a:prstGeom>
+          <a:noFill/>
+          <a:ln>
+            <a:solidFill>
+              <a:srgbClr val="FF0000"/>
+            </a:solidFill>
+          </a:ln>
+        </p:spPr>
+        <p:style>
+          <a:lnRef idx="2">
+            <a:schemeClr val="accent2">
+              <a:shade val="50000"/>
+            </a:schemeClr>
+          </a:lnRef>
+          <a:fillRef idx="1">
+            <a:schemeClr val="accent2"/>
+          </a:fillRef>
+          <a:effectRef idx="0">
+            <a:schemeClr val="accent2"/>
+          </a:effectRef>
+          <a:fontRef idx="minor">
+            <a:schemeClr val="lt1"/>
+          </a:fontRef>
+        </p:style>
+        <p:txBody>
+          <a:bodyPr rtlCol="0" anchor="ctr"/>
+          <a:lstStyle/>
+          <a:p>
+            <a:pPr algn="ctr"/>
+            <a:endParaRPr lang="ko-KR" altLang="en-US"/>
+          </a:p>
+        </p:txBody>
+      </p:sp>
+      <p:sp>
+        <p:nvSpPr>
+          <p:cNvPr id="10" name="직사각형 9">
+            <a:extLst>
+              <a:ext uri="{FF2B5EF4-FFF2-40B4-BE49-F238E27FC236}">
+                <a16:creationId xmlns:a16="http://schemas.microsoft.com/office/drawing/2014/main" id="{3A3EB409-E5C8-249D-B3E3-7AA5E346BF1A}"/>
+              </a:ext>
+            </a:extLst>
+          </p:cNvPr>
+          <p:cNvSpPr/>
+          <p:nvPr/>
+        </p:nvSpPr>
+        <p:spPr>
+          <a:xfrm>
+            <a:off x="15325165" y="3280229"/>
+            <a:ext cx="2095500" cy="381000"/>
           </a:xfrm>
           <a:prstGeom prst="rect">
             <a:avLst/>
@@ -30984,13 +31290,6 @@
   <p:clrMapOvr>
     <a:masterClrMapping/>
   </p:clrMapOvr>
-  <p:timing>
-    <p:tnLst>
-      <p:par>
-        <p:cTn id="1" dur="indefinite" restart="never" nodeType="tmRoot"/>
-      </p:par>
-    </p:tnLst>
-  </p:timing>
 </p:sld>
 </file>
 
@@ -31016,7 +31315,7 @@
           <p:cNvPr id="4" name="TextBox 3">
             <a:extLst>
               <a:ext uri="{FF2B5EF4-FFF2-40B4-BE49-F238E27FC236}">
-                <a16:creationId xmlns:a16="http://schemas.microsoft.com/office/drawing/2014/main" xmlns="" id="{D15853EE-94B0-D08B-DCB7-3381290CC3FF}"/>
+                <a16:creationId xmlns:a16="http://schemas.microsoft.com/office/drawing/2014/main" id="{D15853EE-94B0-D08B-DCB7-3381290CC3FF}"/>
               </a:ext>
             </a:extLst>
           </p:cNvPr>
@@ -31040,7 +31339,7 @@
           <a:lstStyle/>
           <a:p>
             <a:r>
-              <a:rPr lang="en-US" altLang="ko-KR" sz="4800" smtClean="0">
+              <a:rPr lang="en-US" altLang="ko-KR" sz="4800">
                 <a:solidFill>
                   <a:srgbClr val="4C50BC"/>
                 </a:solidFill>
@@ -31050,7 +31349,7 @@
               <a:t>JSONObject , JSONArray </a:t>
             </a:r>
             <a:r>
-              <a:rPr lang="ko-KR" altLang="en-US" sz="4800" smtClean="0">
+              <a:rPr lang="ko-KR" altLang="en-US" sz="4800">
                 <a:solidFill>
                   <a:srgbClr val="4C50BC"/>
                 </a:solidFill>
@@ -31103,13 +31402,6 @@
   <p:clrMapOvr>
     <a:masterClrMapping/>
   </p:clrMapOvr>
-  <p:timing>
-    <p:tnLst>
-      <p:par>
-        <p:cTn id="1" dur="indefinite" restart="never" nodeType="tmRoot"/>
-      </p:par>
-    </p:tnLst>
-  </p:timing>
 </p:sld>
 </file>
 
@@ -31183,7 +31475,7 @@
           <p:cNvPr id="6" name="직선 화살표 연결선 5">
             <a:extLst>
               <a:ext uri="{FF2B5EF4-FFF2-40B4-BE49-F238E27FC236}">
-                <a16:creationId xmlns="" xmlns:a16="http://schemas.microsoft.com/office/drawing/2014/main" id="{299DF5EC-9DF4-5255-06AC-0A7CE4FF58C3}"/>
+                <a16:creationId xmlns:a16="http://schemas.microsoft.com/office/drawing/2014/main" id="{299DF5EC-9DF4-5255-06AC-0A7CE4FF58C3}"/>
               </a:ext>
             </a:extLst>
           </p:cNvPr>
@@ -31224,7 +31516,7 @@
           <p:cNvPr id="8" name="직선 화살표 연결선 7">
             <a:extLst>
               <a:ext uri="{FF2B5EF4-FFF2-40B4-BE49-F238E27FC236}">
-                <a16:creationId xmlns="" xmlns:a16="http://schemas.microsoft.com/office/drawing/2014/main" id="{299DF5EC-9DF4-5255-06AC-0A7CE4FF58C3}"/>
+                <a16:creationId xmlns:a16="http://schemas.microsoft.com/office/drawing/2014/main" id="{299DF5EC-9DF4-5255-06AC-0A7CE4FF58C3}"/>
               </a:ext>
             </a:extLst>
           </p:cNvPr>
@@ -31265,7 +31557,7 @@
           <p:cNvPr id="10" name="직선 화살표 연결선 9">
             <a:extLst>
               <a:ext uri="{FF2B5EF4-FFF2-40B4-BE49-F238E27FC236}">
-                <a16:creationId xmlns="" xmlns:a16="http://schemas.microsoft.com/office/drawing/2014/main" id="{299DF5EC-9DF4-5255-06AC-0A7CE4FF58C3}"/>
+                <a16:creationId xmlns:a16="http://schemas.microsoft.com/office/drawing/2014/main" id="{299DF5EC-9DF4-5255-06AC-0A7CE4FF58C3}"/>
               </a:ext>
             </a:extLst>
           </p:cNvPr>
@@ -31311,13 +31603,6 @@
   <p:clrMapOvr>
     <a:masterClrMapping/>
   </p:clrMapOvr>
-  <p:timing>
-    <p:tnLst>
-      <p:par>
-        <p:cTn id="1" dur="indefinite" restart="never" nodeType="tmRoot"/>
-      </p:par>
-    </p:tnLst>
-  </p:timing>
 </p:sld>
 </file>
 
@@ -31343,7 +31628,7 @@
           <p:cNvPr id="4" name="TextBox 3">
             <a:extLst>
               <a:ext uri="{FF2B5EF4-FFF2-40B4-BE49-F238E27FC236}">
-                <a16:creationId xmlns:a16="http://schemas.microsoft.com/office/drawing/2014/main" xmlns="" id="{D15853EE-94B0-D08B-DCB7-3381290CC3FF}"/>
+                <a16:creationId xmlns:a16="http://schemas.microsoft.com/office/drawing/2014/main" id="{D15853EE-94B0-D08B-DCB7-3381290CC3FF}"/>
               </a:ext>
             </a:extLst>
           </p:cNvPr>
@@ -31367,7 +31652,7 @@
           <a:lstStyle/>
           <a:p>
             <a:r>
-              <a:rPr lang="ko-KR" altLang="en-US" sz="4800" smtClean="0">
+              <a:rPr lang="ko-KR" altLang="en-US" sz="4800">
                 <a:solidFill>
                   <a:srgbClr val="4C50BC"/>
                 </a:solidFill>
@@ -31377,7 +31662,7 @@
               <a:t>실습문제 </a:t>
             </a:r>
             <a:r>
-              <a:rPr lang="en-US" altLang="ko-KR" sz="4800" smtClean="0">
+              <a:rPr lang="en-US" altLang="ko-KR" sz="4800">
                 <a:solidFill>
                   <a:srgbClr val="4C50BC"/>
                 </a:solidFill>
@@ -31401,7 +31686,7 @@
           <p:cNvPr id="5" name="TextBox 4">
             <a:extLst>
               <a:ext uri="{FF2B5EF4-FFF2-40B4-BE49-F238E27FC236}">
-                <a16:creationId xmlns="" xmlns:a16="http://schemas.microsoft.com/office/drawing/2014/main" id="{E3E7BB62-3A69-8D61-2029-8C35FAF88C23}"/>
+                <a16:creationId xmlns:a16="http://schemas.microsoft.com/office/drawing/2014/main" id="{E3E7BB62-3A69-8D61-2029-8C35FAF88C23}"/>
               </a:ext>
             </a:extLst>
           </p:cNvPr>
@@ -31432,263 +31717,150 @@
                 <a:latin typeface="G마켓 산스 Medium" panose="02000000000000000000" pitchFamily="50" charset="-127"/>
                 <a:ea typeface="G마켓 산스 Medium" panose="02000000000000000000" pitchFamily="50" charset="-127"/>
               </a:rPr>
-              <a:t>1</a:t>
-            </a:r>
-            <a:r>
-              <a:rPr lang="en-US" altLang="ko-KR" sz="4000" dirty="0" smtClean="0">
+              <a:t>1.</a:t>
+            </a:r>
+            <a:r>
+              <a:rPr lang="ko-KR" altLang="en-US" sz="4000" dirty="0">
                 <a:solidFill>
                   <a:srgbClr val="4C50BC"/>
                 </a:solidFill>
                 <a:latin typeface="G마켓 산스 Medium" panose="02000000000000000000" pitchFamily="50" charset="-127"/>
                 <a:ea typeface="G마켓 산스 Medium" panose="02000000000000000000" pitchFamily="50" charset="-127"/>
               </a:rPr>
+              <a:t>다음의 </a:t>
+            </a:r>
+            <a:r>
+              <a:rPr lang="en-US" altLang="ko-KR" sz="4000" dirty="0" err="1">
+                <a:solidFill>
+                  <a:srgbClr val="4C50BC"/>
+                </a:solidFill>
+                <a:latin typeface="G마켓 산스 Medium" panose="02000000000000000000" pitchFamily="50" charset="-127"/>
+                <a:ea typeface="G마켓 산스 Medium" panose="02000000000000000000" pitchFamily="50" charset="-127"/>
+              </a:rPr>
+              <a:t>Json</a:t>
+            </a:r>
+            <a:r>
+              <a:rPr lang="en-US" altLang="ko-KR" sz="4000" dirty="0">
+                <a:solidFill>
+                  <a:srgbClr val="4C50BC"/>
+                </a:solidFill>
+                <a:latin typeface="G마켓 산스 Medium" panose="02000000000000000000" pitchFamily="50" charset="-127"/>
+                <a:ea typeface="G마켓 산스 Medium" panose="02000000000000000000" pitchFamily="50" charset="-127"/>
+              </a:rPr>
+              <a:t> </a:t>
+            </a:r>
+            <a:r>
+              <a:rPr lang="ko-KR" altLang="en-US" sz="4000" dirty="0">
+                <a:solidFill>
+                  <a:srgbClr val="4C50BC"/>
+                </a:solidFill>
+                <a:latin typeface="G마켓 산스 Medium" panose="02000000000000000000" pitchFamily="50" charset="-127"/>
+                <a:ea typeface="G마켓 산스 Medium" panose="02000000000000000000" pitchFamily="50" charset="-127"/>
+              </a:rPr>
+              <a:t>데이터를 </a:t>
+            </a:r>
+            <a:r>
+              <a:rPr lang="en-US" altLang="ko-KR" sz="4000" dirty="0">
+                <a:solidFill>
+                  <a:srgbClr val="4C50BC"/>
+                </a:solidFill>
+                <a:latin typeface="G마켓 산스 Medium" panose="02000000000000000000" pitchFamily="50" charset="-127"/>
+                <a:ea typeface="G마켓 산스 Medium" panose="02000000000000000000" pitchFamily="50" charset="-127"/>
+              </a:rPr>
+              <a:t>String </a:t>
+            </a:r>
+            <a:r>
+              <a:rPr lang="ko-KR" altLang="en-US" sz="4000" dirty="0">
+                <a:solidFill>
+                  <a:srgbClr val="4C50BC"/>
+                </a:solidFill>
+                <a:latin typeface="G마켓 산스 Medium" panose="02000000000000000000" pitchFamily="50" charset="-127"/>
+                <a:ea typeface="G마켓 산스 Medium" panose="02000000000000000000" pitchFamily="50" charset="-127"/>
+              </a:rPr>
+              <a:t>변수로 초기화 한 후 </a:t>
+            </a:r>
+            <a:r>
+              <a:rPr lang="en-US" altLang="ko-KR" sz="4000" dirty="0">
+                <a:solidFill>
+                  <a:srgbClr val="4C50BC"/>
+                </a:solidFill>
+                <a:latin typeface="G마켓 산스 Medium" panose="02000000000000000000" pitchFamily="50" charset="-127"/>
+                <a:ea typeface="G마켓 산스 Medium" panose="02000000000000000000" pitchFamily="50" charset="-127"/>
+              </a:rPr>
+              <a:t>JSON </a:t>
+            </a:r>
+            <a:r>
+              <a:rPr lang="ko-KR" altLang="en-US" sz="4000" dirty="0">
+                <a:solidFill>
+                  <a:srgbClr val="4C50BC"/>
+                </a:solidFill>
+                <a:latin typeface="G마켓 산스 Medium" panose="02000000000000000000" pitchFamily="50" charset="-127"/>
+                <a:ea typeface="G마켓 산스 Medium" panose="02000000000000000000" pitchFamily="50" charset="-127"/>
+              </a:rPr>
+              <a:t>관련 클래스를 이용하여 객체화 하여 두번째 특기인 </a:t>
+            </a:r>
+            <a:r>
+              <a:rPr lang="en-US" altLang="ko-KR" sz="4000" dirty="0">
+                <a:solidFill>
+                  <a:srgbClr val="4C50BC"/>
+                </a:solidFill>
+                <a:latin typeface="G마켓 산스 Medium" panose="02000000000000000000" pitchFamily="50" charset="-127"/>
+                <a:ea typeface="G마켓 산스 Medium" panose="02000000000000000000" pitchFamily="50" charset="-127"/>
+              </a:rPr>
+              <a:t>“</a:t>
+            </a:r>
+            <a:r>
+              <a:rPr lang="ko-KR" altLang="en-US" sz="4000" dirty="0">
+                <a:solidFill>
+                  <a:srgbClr val="4C50BC"/>
+                </a:solidFill>
+                <a:latin typeface="G마켓 산스 Medium" panose="02000000000000000000" pitchFamily="50" charset="-127"/>
+                <a:ea typeface="G마켓 산스 Medium" panose="02000000000000000000" pitchFamily="50" charset="-127"/>
+              </a:rPr>
+              <a:t>코딩 </a:t>
+            </a:r>
+            <a:r>
+              <a:rPr lang="en-US" altLang="ko-KR" sz="4000" dirty="0">
+                <a:solidFill>
+                  <a:srgbClr val="4C50BC"/>
+                </a:solidFill>
+                <a:latin typeface="G마켓 산스 Medium" panose="02000000000000000000" pitchFamily="50" charset="-127"/>
+                <a:ea typeface="G마켓 산스 Medium" panose="02000000000000000000" pitchFamily="50" charset="-127"/>
+              </a:rPr>
+              <a:t>“ </a:t>
+            </a:r>
+            <a:r>
+              <a:rPr lang="ko-KR" altLang="en-US" sz="4000" dirty="0">
+                <a:solidFill>
+                  <a:srgbClr val="4C50BC"/>
+                </a:solidFill>
+                <a:latin typeface="G마켓 산스 Medium" panose="02000000000000000000" pitchFamily="50" charset="-127"/>
+                <a:ea typeface="G마켓 산스 Medium" panose="02000000000000000000" pitchFamily="50" charset="-127"/>
+              </a:rPr>
+              <a:t>문자열을 가져와 보자</a:t>
+            </a:r>
+            <a:r>
+              <a:rPr lang="en-US" altLang="ko-KR" sz="4000" dirty="0">
+                <a:solidFill>
+                  <a:srgbClr val="4C50BC"/>
+                </a:solidFill>
+                <a:latin typeface="G마켓 산스 Medium" panose="02000000000000000000" pitchFamily="50" charset="-127"/>
+                <a:ea typeface="G마켓 산스 Medium" panose="02000000000000000000" pitchFamily="50" charset="-127"/>
+              </a:rPr>
               <a:t>.</a:t>
             </a:r>
-            <a:r>
-              <a:rPr lang="ko-KR" altLang="en-US" sz="4000" dirty="0" smtClean="0">
-                <a:solidFill>
-                  <a:srgbClr val="4C50BC"/>
-                </a:solidFill>
-                <a:latin typeface="G마켓 산스 Medium" panose="02000000000000000000" pitchFamily="50" charset="-127"/>
-                <a:ea typeface="G마켓 산스 Medium" panose="02000000000000000000" pitchFamily="50" charset="-127"/>
-              </a:rPr>
-              <a:t>다음의 </a:t>
-            </a:r>
-            <a:r>
-              <a:rPr lang="en-US" altLang="ko-KR" sz="4000" dirty="0" err="1" smtClean="0">
-                <a:solidFill>
-                  <a:srgbClr val="4C50BC"/>
-                </a:solidFill>
-                <a:latin typeface="G마켓 산스 Medium" panose="02000000000000000000" pitchFamily="50" charset="-127"/>
-                <a:ea typeface="G마켓 산스 Medium" panose="02000000000000000000" pitchFamily="50" charset="-127"/>
-              </a:rPr>
-              <a:t>Json</a:t>
-            </a:r>
-            <a:r>
-              <a:rPr lang="en-US" altLang="ko-KR" sz="4000" dirty="0" smtClean="0">
-                <a:solidFill>
-                  <a:srgbClr val="4C50BC"/>
-                </a:solidFill>
-                <a:latin typeface="G마켓 산스 Medium" panose="02000000000000000000" pitchFamily="50" charset="-127"/>
-                <a:ea typeface="G마켓 산스 Medium" panose="02000000000000000000" pitchFamily="50" charset="-127"/>
-              </a:rPr>
-              <a:t> </a:t>
-            </a:r>
-            <a:r>
-              <a:rPr lang="ko-KR" altLang="en-US" sz="4000" dirty="0" smtClean="0">
-                <a:solidFill>
-                  <a:srgbClr val="4C50BC"/>
-                </a:solidFill>
-                <a:latin typeface="G마켓 산스 Medium" panose="02000000000000000000" pitchFamily="50" charset="-127"/>
-                <a:ea typeface="G마켓 산스 Medium" panose="02000000000000000000" pitchFamily="50" charset="-127"/>
-              </a:rPr>
-              <a:t>데이터를 </a:t>
-            </a:r>
-            <a:r>
-              <a:rPr lang="en-US" altLang="ko-KR" sz="4000" dirty="0" smtClean="0">
-                <a:solidFill>
-                  <a:srgbClr val="4C50BC"/>
-                </a:solidFill>
-                <a:latin typeface="G마켓 산스 Medium" panose="02000000000000000000" pitchFamily="50" charset="-127"/>
-                <a:ea typeface="G마켓 산스 Medium" panose="02000000000000000000" pitchFamily="50" charset="-127"/>
-              </a:rPr>
-              <a:t>String </a:t>
-            </a:r>
-            <a:r>
-              <a:rPr lang="ko-KR" altLang="en-US" sz="4000" dirty="0" smtClean="0">
-                <a:solidFill>
-                  <a:srgbClr val="4C50BC"/>
-                </a:solidFill>
-                <a:latin typeface="G마켓 산스 Medium" panose="02000000000000000000" pitchFamily="50" charset="-127"/>
-                <a:ea typeface="G마켓 산스 Medium" panose="02000000000000000000" pitchFamily="50" charset="-127"/>
-              </a:rPr>
-              <a:t>배열로 </a:t>
-            </a:r>
-            <a:r>
-              <a:rPr lang="ko-KR" altLang="en-US" sz="4000" dirty="0" err="1" smtClean="0">
-                <a:solidFill>
-                  <a:srgbClr val="4C50BC"/>
-                </a:solidFill>
-                <a:latin typeface="G마켓 산스 Medium" panose="02000000000000000000" pitchFamily="50" charset="-127"/>
-                <a:ea typeface="G마켓 산스 Medium" panose="02000000000000000000" pitchFamily="50" charset="-127"/>
-              </a:rPr>
-              <a:t>초기화한후</a:t>
-            </a:r>
-            <a:r>
-              <a:rPr lang="ko-KR" altLang="en-US" sz="4000" dirty="0" smtClean="0">
-                <a:solidFill>
-                  <a:srgbClr val="4C50BC"/>
-                </a:solidFill>
-                <a:latin typeface="G마켓 산스 Medium" panose="02000000000000000000" pitchFamily="50" charset="-127"/>
-                <a:ea typeface="G마켓 산스 Medium" panose="02000000000000000000" pitchFamily="50" charset="-127"/>
-              </a:rPr>
-              <a:t> </a:t>
-            </a:r>
-            <a:r>
-              <a:rPr lang="en-US" altLang="ko-KR" sz="4000" dirty="0" smtClean="0">
-                <a:solidFill>
-                  <a:srgbClr val="4C50BC"/>
-                </a:solidFill>
-                <a:latin typeface="G마켓 산스 Medium" panose="02000000000000000000" pitchFamily="50" charset="-127"/>
-                <a:ea typeface="G마켓 산스 Medium" panose="02000000000000000000" pitchFamily="50" charset="-127"/>
-              </a:rPr>
-              <a:t>JSON </a:t>
-            </a:r>
-            <a:r>
-              <a:rPr lang="ko-KR" altLang="en-US" sz="4000" dirty="0" smtClean="0">
-                <a:solidFill>
-                  <a:srgbClr val="4C50BC"/>
-                </a:solidFill>
-                <a:latin typeface="G마켓 산스 Medium" panose="02000000000000000000" pitchFamily="50" charset="-127"/>
-                <a:ea typeface="G마켓 산스 Medium" panose="02000000000000000000" pitchFamily="50" charset="-127"/>
-              </a:rPr>
-              <a:t>관련 클래스를 이용하여 </a:t>
-            </a:r>
-            <a:r>
-              <a:rPr lang="ko-KR" altLang="en-US" sz="4000" dirty="0" err="1" smtClean="0">
-                <a:solidFill>
-                  <a:srgbClr val="4C50BC"/>
-                </a:solidFill>
-                <a:latin typeface="G마켓 산스 Medium" panose="02000000000000000000" pitchFamily="50" charset="-127"/>
-                <a:ea typeface="G마켓 산스 Medium" panose="02000000000000000000" pitchFamily="50" charset="-127"/>
-              </a:rPr>
-              <a:t>두번째</a:t>
-            </a:r>
-            <a:r>
-              <a:rPr lang="ko-KR" altLang="en-US" sz="4000" dirty="0" smtClean="0">
-                <a:solidFill>
-                  <a:srgbClr val="4C50BC"/>
-                </a:solidFill>
-                <a:latin typeface="G마켓 산스 Medium" panose="02000000000000000000" pitchFamily="50" charset="-127"/>
-                <a:ea typeface="G마켓 산스 Medium" panose="02000000000000000000" pitchFamily="50" charset="-127"/>
-              </a:rPr>
-              <a:t> 특기인 </a:t>
-            </a:r>
-            <a:r>
-              <a:rPr lang="en-US" altLang="ko-KR" sz="4000" dirty="0" smtClean="0">
-                <a:solidFill>
-                  <a:srgbClr val="4C50BC"/>
-                </a:solidFill>
-                <a:latin typeface="G마켓 산스 Medium" panose="02000000000000000000" pitchFamily="50" charset="-127"/>
-                <a:ea typeface="G마켓 산스 Medium" panose="02000000000000000000" pitchFamily="50" charset="-127"/>
-              </a:rPr>
-              <a:t>“</a:t>
-            </a:r>
-            <a:r>
-              <a:rPr lang="ko-KR" altLang="en-US" sz="4000" dirty="0" smtClean="0">
-                <a:solidFill>
-                  <a:srgbClr val="4C50BC"/>
-                </a:solidFill>
-                <a:latin typeface="G마켓 산스 Medium" panose="02000000000000000000" pitchFamily="50" charset="-127"/>
-                <a:ea typeface="G마켓 산스 Medium" panose="02000000000000000000" pitchFamily="50" charset="-127"/>
-              </a:rPr>
-              <a:t>코딩 </a:t>
-            </a:r>
-            <a:r>
-              <a:rPr lang="en-US" altLang="ko-KR" sz="4000" dirty="0" smtClean="0">
-                <a:solidFill>
-                  <a:srgbClr val="4C50BC"/>
-                </a:solidFill>
-                <a:latin typeface="G마켓 산스 Medium" panose="02000000000000000000" pitchFamily="50" charset="-127"/>
-                <a:ea typeface="G마켓 산스 Medium" panose="02000000000000000000" pitchFamily="50" charset="-127"/>
-              </a:rPr>
-              <a:t>“ </a:t>
-            </a:r>
-            <a:r>
-              <a:rPr lang="ko-KR" altLang="en-US" sz="4000" dirty="0" smtClean="0">
-                <a:solidFill>
-                  <a:srgbClr val="4C50BC"/>
-                </a:solidFill>
-                <a:latin typeface="G마켓 산스 Medium" panose="02000000000000000000" pitchFamily="50" charset="-127"/>
-                <a:ea typeface="G마켓 산스 Medium" panose="02000000000000000000" pitchFamily="50" charset="-127"/>
-              </a:rPr>
-              <a:t>문자열을 가져와 보자</a:t>
-            </a:r>
-            <a:r>
-              <a:rPr lang="en-US" altLang="ko-KR" sz="4000" dirty="0" smtClean="0">
-                <a:solidFill>
-                  <a:srgbClr val="4C50BC"/>
-                </a:solidFill>
-                <a:latin typeface="G마켓 산스 Medium" panose="02000000000000000000" pitchFamily="50" charset="-127"/>
-                <a:ea typeface="G마켓 산스 Medium" panose="02000000000000000000" pitchFamily="50" charset="-127"/>
-              </a:rPr>
-              <a:t>.</a:t>
-            </a:r>
-          </a:p>
-          <a:p>
-            <a:r>
-              <a:rPr lang="en-US" altLang="ko-KR" sz="4000" dirty="0" smtClean="0">
-                <a:solidFill>
-                  <a:srgbClr val="4D4848"/>
-                </a:solidFill>
-                <a:latin typeface="G마켓 산스 Medium" panose="02000000000000000000" pitchFamily="50" charset="-127"/>
-                <a:ea typeface="G마켓 산스 Medium" panose="02000000000000000000" pitchFamily="50" charset="-127"/>
-              </a:rPr>
-              <a:t>- #</a:t>
-            </a:r>
-            <a:r>
-              <a:rPr lang="ko-KR" altLang="en-US" sz="4000" dirty="0" smtClean="0">
-                <a:solidFill>
-                  <a:srgbClr val="4D4848"/>
-                </a:solidFill>
-                <a:latin typeface="G마켓 산스 Medium" panose="02000000000000000000" pitchFamily="50" charset="-127"/>
-                <a:ea typeface="G마켓 산스 Medium" panose="02000000000000000000" pitchFamily="50" charset="-127"/>
-              </a:rPr>
-              <a:t>은 반드시 문자열 내에서 </a:t>
-            </a:r>
-            <a:r>
-              <a:rPr lang="en-US" altLang="ko-KR" sz="4000" dirty="0" smtClean="0">
-                <a:solidFill>
-                  <a:srgbClr val="4D4848"/>
-                </a:solidFill>
-                <a:latin typeface="G마켓 산스 Medium" panose="02000000000000000000" pitchFamily="50" charset="-127"/>
-                <a:ea typeface="G마켓 산스 Medium" panose="02000000000000000000" pitchFamily="50" charset="-127"/>
-              </a:rPr>
-              <a:t>\”#\” </a:t>
-            </a:r>
-            <a:r>
-              <a:rPr lang="ko-KR" altLang="en-US" sz="4000" dirty="0" smtClean="0">
-                <a:solidFill>
-                  <a:srgbClr val="4D4848"/>
-                </a:solidFill>
-                <a:latin typeface="G마켓 산스 Medium" panose="02000000000000000000" pitchFamily="50" charset="-127"/>
-                <a:ea typeface="G마켓 산스 Medium" panose="02000000000000000000" pitchFamily="50" charset="-127"/>
-              </a:rPr>
-              <a:t>으로 </a:t>
-            </a:r>
-            <a:r>
-              <a:rPr lang="ko-KR" altLang="en-US" sz="4000" dirty="0" err="1" smtClean="0">
-                <a:solidFill>
-                  <a:srgbClr val="4D4848"/>
-                </a:solidFill>
-                <a:latin typeface="G마켓 산스 Medium" panose="02000000000000000000" pitchFamily="50" charset="-127"/>
-                <a:ea typeface="G마켓 산스 Medium" panose="02000000000000000000" pitchFamily="50" charset="-127"/>
-              </a:rPr>
-              <a:t>표현해야한다</a:t>
-            </a:r>
-            <a:r>
-              <a:rPr lang="en-US" altLang="ko-KR" sz="4000" dirty="0" smtClean="0">
-                <a:solidFill>
-                  <a:srgbClr val="4D4848"/>
-                </a:solidFill>
-                <a:latin typeface="G마켓 산스 Medium" panose="02000000000000000000" pitchFamily="50" charset="-127"/>
-                <a:ea typeface="G마켓 산스 Medium" panose="02000000000000000000" pitchFamily="50" charset="-127"/>
-              </a:rPr>
-              <a:t>.</a:t>
-            </a:r>
-            <a:endParaRPr lang="en-US" altLang="ko-KR" sz="4000" dirty="0">
-              <a:solidFill>
-                <a:srgbClr val="4D4848"/>
-              </a:solidFill>
-              <a:latin typeface="G마켓 산스 Medium" panose="02000000000000000000" pitchFamily="50" charset="-127"/>
-              <a:ea typeface="G마켓 산스 Medium" panose="02000000000000000000" pitchFamily="50" charset="-127"/>
-            </a:endParaRPr>
           </a:p>
         </p:txBody>
       </p:sp>
       <p:pic>
         <p:nvPicPr>
-          <p:cNvPr id="6" name="그림 5"/>
+          <p:cNvPr id="3" name="그림 2">
+            <a:extLst>
+              <a:ext uri="{FF2B5EF4-FFF2-40B4-BE49-F238E27FC236}">
+                <a16:creationId xmlns:a16="http://schemas.microsoft.com/office/drawing/2014/main" id="{576062E0-AC62-6AA3-A26B-862814A84454}"/>
+              </a:ext>
+            </a:extLst>
+          </p:cNvPr>
           <p:cNvPicPr>
             <a:picLocks noChangeAspect="1"/>
           </p:cNvPicPr>
@@ -31702,8 +31874,8 @@
         </p:blipFill>
         <p:spPr>
           <a:xfrm>
-            <a:off x="919860" y="3390900"/>
-            <a:ext cx="16820453" cy="6201827"/>
+            <a:off x="1201057" y="4270078"/>
+            <a:ext cx="16125825" cy="5734050"/>
           </a:xfrm>
           <a:prstGeom prst="rect">
             <a:avLst/>
@@ -31720,13 +31892,6 @@
   <p:clrMapOvr>
     <a:masterClrMapping/>
   </p:clrMapOvr>
-  <p:timing>
-    <p:tnLst>
-      <p:par>
-        <p:cTn id="1" dur="indefinite" restart="never" nodeType="tmRoot"/>
-      </p:par>
-    </p:tnLst>
-  </p:timing>
 </p:sld>
 </file>
 
@@ -31917,7 +32082,7 @@
           <p:cNvPr id="4" name="TextBox 3">
             <a:extLst>
               <a:ext uri="{FF2B5EF4-FFF2-40B4-BE49-F238E27FC236}">
-                <a16:creationId xmlns="" xmlns:a16="http://schemas.microsoft.com/office/drawing/2014/main" id="{E3E7BB62-3A69-8D61-2029-8C35FAF88C23}"/>
+                <a16:creationId xmlns:a16="http://schemas.microsoft.com/office/drawing/2014/main" id="{E3E7BB62-3A69-8D61-2029-8C35FAF88C23}"/>
               </a:ext>
             </a:extLst>
           </p:cNvPr>
@@ -31948,70 +32113,60 @@
                 <a:latin typeface="G마켓 산스 Medium" panose="02000000000000000000" pitchFamily="50" charset="-127"/>
                 <a:ea typeface="G마켓 산스 Medium" panose="02000000000000000000" pitchFamily="50" charset="-127"/>
               </a:rPr>
-              <a:t>2</a:t>
-            </a:r>
-            <a:r>
-              <a:rPr lang="en-US" altLang="ko-KR" sz="4000" smtClean="0">
+              <a:t>2.</a:t>
+            </a:r>
+            <a:r>
+              <a:rPr lang="ko-KR" altLang="en-US" sz="4000">
                 <a:solidFill>
                   <a:srgbClr val="4C50BC"/>
                 </a:solidFill>
                 <a:latin typeface="G마켓 산스 Medium" panose="02000000000000000000" pitchFamily="50" charset="-127"/>
                 <a:ea typeface="G마켓 산스 Medium" panose="02000000000000000000" pitchFamily="50" charset="-127"/>
               </a:rPr>
-              <a:t>.</a:t>
-            </a:r>
-            <a:r>
-              <a:rPr lang="ko-KR" altLang="en-US" sz="4000" smtClean="0">
+              <a:t>다음은 </a:t>
+            </a:r>
+            <a:r>
+              <a:rPr lang="en-US" altLang="ko-KR" sz="4000">
                 <a:solidFill>
                   <a:srgbClr val="4C50BC"/>
                 </a:solidFill>
                 <a:latin typeface="G마켓 산스 Medium" panose="02000000000000000000" pitchFamily="50" charset="-127"/>
                 <a:ea typeface="G마켓 산스 Medium" panose="02000000000000000000" pitchFamily="50" charset="-127"/>
               </a:rPr>
-              <a:t>다음은 </a:t>
-            </a:r>
-            <a:r>
-              <a:rPr lang="en-US" altLang="ko-KR" sz="4000" smtClean="0">
+              <a:t>chatGPT</a:t>
+            </a:r>
+            <a:r>
+              <a:rPr lang="ko-KR" altLang="en-US" sz="4000">
                 <a:solidFill>
                   <a:srgbClr val="4C50BC"/>
                 </a:solidFill>
                 <a:latin typeface="G마켓 산스 Medium" panose="02000000000000000000" pitchFamily="50" charset="-127"/>
                 <a:ea typeface="G마켓 산스 Medium" panose="02000000000000000000" pitchFamily="50" charset="-127"/>
               </a:rPr>
-              <a:t>chatGPT</a:t>
-            </a:r>
-            <a:r>
-              <a:rPr lang="ko-KR" altLang="en-US" sz="4000" smtClean="0">
+              <a:t>가 응답으로 준 </a:t>
+            </a:r>
+            <a:r>
+              <a:rPr lang="en-US" altLang="ko-KR" sz="4000">
                 <a:solidFill>
                   <a:srgbClr val="4C50BC"/>
                 </a:solidFill>
                 <a:latin typeface="G마켓 산스 Medium" panose="02000000000000000000" pitchFamily="50" charset="-127"/>
                 <a:ea typeface="G마켓 산스 Medium" panose="02000000000000000000" pitchFamily="50" charset="-127"/>
               </a:rPr>
-              <a:t>가 응답으로 준 </a:t>
-            </a:r>
-            <a:r>
-              <a:rPr lang="en-US" altLang="ko-KR" sz="4000" smtClean="0">
+              <a:t>JSON</a:t>
+            </a:r>
+            <a:r>
+              <a:rPr lang="ko-KR" altLang="en-US" sz="4000">
                 <a:solidFill>
                   <a:srgbClr val="4C50BC"/>
                 </a:solidFill>
                 <a:latin typeface="G마켓 산스 Medium" panose="02000000000000000000" pitchFamily="50" charset="-127"/>
                 <a:ea typeface="G마켓 산스 Medium" panose="02000000000000000000" pitchFamily="50" charset="-127"/>
               </a:rPr>
-              <a:t>JSON</a:t>
-            </a:r>
-            <a:r>
-              <a:rPr lang="ko-KR" altLang="en-US" sz="4000" smtClean="0">
-                <a:solidFill>
-                  <a:srgbClr val="4C50BC"/>
-                </a:solidFill>
-                <a:latin typeface="G마켓 산스 Medium" panose="02000000000000000000" pitchFamily="50" charset="-127"/>
-                <a:ea typeface="G마켓 산스 Medium" panose="02000000000000000000" pitchFamily="50" charset="-127"/>
-              </a:rPr>
               <a:t>의 형태이다</a:t>
             </a:r>
             <a:r>
-              <a:rPr lang="en-US" altLang="ko-KR" sz="4000" smtClean="0">
+              <a:rPr lang="en-US" altLang="ko-KR" sz="4000">
                 <a:solidFill>
                   <a:srgbClr val="4C50BC"/>
                 </a:solidFill>
@@ -32023,7 +32178,7 @@
           </a:p>
           <a:p>
             <a:r>
-              <a:rPr lang="ko-KR" altLang="en-US" sz="4000" smtClean="0">
+              <a:rPr lang="ko-KR" altLang="en-US" sz="4000">
                 <a:solidFill>
                   <a:srgbClr val="4C50BC"/>
                 </a:solidFill>
@@ -32033,7 +32188,7 @@
               <a:t>이중 실질적인 대답은 빨간색 부분이다 이 응답만을 파싱하여 </a:t>
             </a:r>
             <a:r>
-              <a:rPr lang="en-US" altLang="ko-KR" sz="4000" smtClean="0">
+              <a:rPr lang="en-US" altLang="ko-KR" sz="4000">
                 <a:solidFill>
                   <a:srgbClr val="4C50BC"/>
                 </a:solidFill>
@@ -32043,7 +32198,7 @@
               <a:t>String </a:t>
             </a:r>
             <a:r>
-              <a:rPr lang="ko-KR" altLang="en-US" sz="4000" smtClean="0">
+              <a:rPr lang="ko-KR" altLang="en-US" sz="4000">
                 <a:solidFill>
                   <a:srgbClr val="4C50BC"/>
                 </a:solidFill>
@@ -32053,7 +32208,7 @@
               <a:t>변수에 담아보자</a:t>
             </a:r>
             <a:r>
-              <a:rPr lang="en-US" altLang="ko-KR" sz="4000" smtClean="0">
+              <a:rPr lang="en-US" altLang="ko-KR" sz="4000">
                 <a:solidFill>
                   <a:srgbClr val="4C50BC"/>
                 </a:solidFill>
@@ -32063,7 +32218,7 @@
               <a:t>.</a:t>
             </a:r>
             <a:r>
-              <a:rPr lang="ko-KR" altLang="en-US" sz="4000" smtClean="0">
+              <a:rPr lang="ko-KR" altLang="en-US" sz="4000">
                 <a:solidFill>
                   <a:srgbClr val="4C50BC"/>
                 </a:solidFill>
@@ -32090,7 +32245,7 @@
         </p:nvSpPr>
         <p:spPr>
           <a:xfrm>
-            <a:off x="838200" y="3009900"/>
+            <a:off x="838200" y="2628900"/>
             <a:ext cx="16611600" cy="3108543"/>
           </a:xfrm>
           <a:prstGeom prst="rect">
@@ -32167,25 +32322,19 @@
               <a:rPr lang="en-US" altLang="ko-KR" sz="2800" dirty="0">
                 <a:latin typeface="Consolas" panose="020B0609020204030204" pitchFamily="49" charset="0"/>
               </a:rPr>
-              <a:t>\":43},\"choices\":[{\"message\":{\"role\":\"assistant\",\"content</a:t>
-            </a:r>
-            <a:r>
-              <a:rPr lang="en-US" altLang="ko-KR" sz="2800" dirty="0" smtClean="0">
+              <a:t>\":43},\"choices\":[{\"message\":{\"role\":\"assistant\",\"content\":</a:t>
+            </a:r>
+            <a:r>
+              <a:rPr lang="en-US" altLang="ko-KR" sz="2800" dirty="0">
+                <a:solidFill>
+                  <a:srgbClr val="FF0000"/>
+                </a:solidFill>
                 <a:latin typeface="Consolas" panose="020B0609020204030204" pitchFamily="49" charset="0"/>
               </a:rPr>
-              <a:t>\":</a:t>
-            </a:r>
-            <a:r>
-              <a:rPr lang="en-US" altLang="ko-KR" sz="2800" dirty="0" smtClean="0">
-                <a:solidFill>
-                  <a:srgbClr val="FF0000"/>
-                </a:solidFill>
-                <a:latin typeface="Consolas" panose="020B0609020204030204" pitchFamily="49" charset="0"/>
-              </a:rPr>
               <a:t>\＂</a:t>
             </a:r>
             <a:r>
-              <a:rPr lang="ko-KR" altLang="en-US" sz="2800" dirty="0" smtClean="0">
+              <a:rPr lang="ko-KR" altLang="en-US" sz="2800" dirty="0">
                 <a:solidFill>
                   <a:srgbClr val="FF0000"/>
                 </a:solidFill>
@@ -32315,13 +32464,6 @@
   <p:clrMapOvr>
     <a:masterClrMapping/>
   </p:clrMapOvr>
-  <p:timing>
-    <p:tnLst>
-      <p:par>
-        <p:cTn id="1" dur="indefinite" restart="never" nodeType="tmRoot"/>
-      </p:par>
-    </p:tnLst>
-  </p:timing>
 </p:sld>
 </file>
 
@@ -32512,7 +32654,7 @@
           <p:cNvPr id="4" name="TextBox 3">
             <a:extLst>
               <a:ext uri="{FF2B5EF4-FFF2-40B4-BE49-F238E27FC236}">
-                <a16:creationId xmlns="" xmlns:a16="http://schemas.microsoft.com/office/drawing/2014/main" id="{D15853EE-94B0-D08B-DCB7-3381290CC3FF}"/>
+                <a16:creationId xmlns:a16="http://schemas.microsoft.com/office/drawing/2014/main" id="{D15853EE-94B0-D08B-DCB7-3381290CC3FF}"/>
               </a:ext>
             </a:extLst>
           </p:cNvPr>
@@ -32570,7 +32712,7 @@
           <p:cNvPr id="5" name="직선 연결선 4">
             <a:extLst>
               <a:ext uri="{FF2B5EF4-FFF2-40B4-BE49-F238E27FC236}">
-                <a16:creationId xmlns="" xmlns:a16="http://schemas.microsoft.com/office/drawing/2014/main" id="{1172879B-889D-0C2F-EEA8-003E6793F36F}"/>
+                <a16:creationId xmlns:a16="http://schemas.microsoft.com/office/drawing/2014/main" id="{1172879B-889D-0C2F-EEA8-003E6793F36F}"/>
               </a:ext>
             </a:extLst>
           </p:cNvPr>
@@ -32613,7 +32755,7 @@
           <p:cNvPr id="8" name="직선 연결선 7">
             <a:extLst>
               <a:ext uri="{FF2B5EF4-FFF2-40B4-BE49-F238E27FC236}">
-                <a16:creationId xmlns="" xmlns:a16="http://schemas.microsoft.com/office/drawing/2014/main" id="{1172879B-889D-0C2F-EEA8-003E6793F36F}"/>
+                <a16:creationId xmlns:a16="http://schemas.microsoft.com/office/drawing/2014/main" id="{1172879B-889D-0C2F-EEA8-003E6793F36F}"/>
               </a:ext>
             </a:extLst>
           </p:cNvPr>
@@ -32721,7 +32863,7 @@
           <p:cNvPr id="7" name="TextBox 6">
             <a:extLst>
               <a:ext uri="{FF2B5EF4-FFF2-40B4-BE49-F238E27FC236}">
-                <a16:creationId xmlns="" xmlns:a16="http://schemas.microsoft.com/office/drawing/2014/main" id="{A2AD056B-97A4-5BCC-4460-250160F3E171}"/>
+                <a16:creationId xmlns:a16="http://schemas.microsoft.com/office/drawing/2014/main" id="{A2AD056B-97A4-5BCC-4460-250160F3E171}"/>
               </a:ext>
             </a:extLst>
           </p:cNvPr>
@@ -32765,7 +32907,7 @@
           <p:cNvPr id="10" name="그룹 1008">
             <a:extLst>
               <a:ext uri="{FF2B5EF4-FFF2-40B4-BE49-F238E27FC236}">
-                <a16:creationId xmlns="" xmlns:a16="http://schemas.microsoft.com/office/drawing/2014/main" id="{678F6342-C505-E8AD-ADA4-022CB2C2088E}"/>
+                <a16:creationId xmlns:a16="http://schemas.microsoft.com/office/drawing/2014/main" id="{678F6342-C505-E8AD-ADA4-022CB2C2088E}"/>
               </a:ext>
             </a:extLst>
           </p:cNvPr>
@@ -32785,7 +32927,7 @@
             <p:cNvPr id="11" name="그룹 1009">
               <a:extLst>
                 <a:ext uri="{FF2B5EF4-FFF2-40B4-BE49-F238E27FC236}">
-                  <a16:creationId xmlns="" xmlns:a16="http://schemas.microsoft.com/office/drawing/2014/main" id="{4E1F1FED-812B-9BBB-925A-84B54A077414}"/>
+                  <a16:creationId xmlns:a16="http://schemas.microsoft.com/office/drawing/2014/main" id="{4E1F1FED-812B-9BBB-925A-84B54A077414}"/>
                 </a:ext>
               </a:extLst>
             </p:cNvPr>
@@ -32805,7 +32947,7 @@
               <p:cNvPr id="16" name="Object 29">
                 <a:extLst>
                   <a:ext uri="{FF2B5EF4-FFF2-40B4-BE49-F238E27FC236}">
-                    <a16:creationId xmlns="" xmlns:a16="http://schemas.microsoft.com/office/drawing/2014/main" id="{7B078609-4286-7B00-51EB-809C8E2DE289}"/>
+                    <a16:creationId xmlns:a16="http://schemas.microsoft.com/office/drawing/2014/main" id="{7B078609-4286-7B00-51EB-809C8E2DE289}"/>
                   </a:ext>
                 </a:extLst>
               </p:cNvPr>
@@ -32836,7 +32978,7 @@
             <p:cNvPr id="12" name="그룹 1010">
               <a:extLst>
                 <a:ext uri="{FF2B5EF4-FFF2-40B4-BE49-F238E27FC236}">
-                  <a16:creationId xmlns="" xmlns:a16="http://schemas.microsoft.com/office/drawing/2014/main" id="{02A649BF-B5B5-FBAF-7DFD-E118A4DF8907}"/>
+                  <a16:creationId xmlns:a16="http://schemas.microsoft.com/office/drawing/2014/main" id="{02A649BF-B5B5-FBAF-7DFD-E118A4DF8907}"/>
                 </a:ext>
               </a:extLst>
             </p:cNvPr>
@@ -32856,7 +32998,7 @@
               <p:cNvPr id="15" name="Object 32">
                 <a:extLst>
                   <a:ext uri="{FF2B5EF4-FFF2-40B4-BE49-F238E27FC236}">
-                    <a16:creationId xmlns="" xmlns:a16="http://schemas.microsoft.com/office/drawing/2014/main" id="{2A0FFF23-B3C9-3EA0-1C1B-A87D4FF098AE}"/>
+                    <a16:creationId xmlns:a16="http://schemas.microsoft.com/office/drawing/2014/main" id="{2A0FFF23-B3C9-3EA0-1C1B-A87D4FF098AE}"/>
                   </a:ext>
                 </a:extLst>
               </p:cNvPr>
@@ -32887,7 +33029,7 @@
             <p:cNvPr id="13" name="그룹 1011">
               <a:extLst>
                 <a:ext uri="{FF2B5EF4-FFF2-40B4-BE49-F238E27FC236}">
-                  <a16:creationId xmlns="" xmlns:a16="http://schemas.microsoft.com/office/drawing/2014/main" id="{881F5410-F7FB-F261-A584-707359BAC593}"/>
+                  <a16:creationId xmlns:a16="http://schemas.microsoft.com/office/drawing/2014/main" id="{881F5410-F7FB-F261-A584-707359BAC593}"/>
                 </a:ext>
               </a:extLst>
             </p:cNvPr>
@@ -32907,7 +33049,7 @@
               <p:cNvPr id="14" name="Object 35">
                 <a:extLst>
                   <a:ext uri="{FF2B5EF4-FFF2-40B4-BE49-F238E27FC236}">
-                    <a16:creationId xmlns="" xmlns:a16="http://schemas.microsoft.com/office/drawing/2014/main" id="{4E99E669-73EB-F9F4-EFE8-DC107035C265}"/>
+                    <a16:creationId xmlns:a16="http://schemas.microsoft.com/office/drawing/2014/main" id="{4E99E669-73EB-F9F4-EFE8-DC107035C265}"/>
                   </a:ext>
                 </a:extLst>
               </p:cNvPr>
@@ -32950,8 +33092,8 @@
         </p:blipFill>
         <p:spPr>
           <a:xfrm>
-            <a:off x="1228300" y="4836870"/>
-            <a:ext cx="3934313" cy="3060762"/>
+            <a:off x="279152" y="4098464"/>
+            <a:ext cx="4883462" cy="3799168"/>
           </a:xfrm>
           <a:prstGeom prst="rect">
             <a:avLst/>
@@ -32963,7 +33105,7 @@
           <p:cNvPr id="18" name="TextBox 17">
             <a:extLst>
               <a:ext uri="{FF2B5EF4-FFF2-40B4-BE49-F238E27FC236}">
-                <a16:creationId xmlns="" xmlns:a16="http://schemas.microsoft.com/office/drawing/2014/main" id="{A2AD056B-97A4-5BCC-4460-250160F3E171}"/>
+                <a16:creationId xmlns:a16="http://schemas.microsoft.com/office/drawing/2014/main" id="{A2AD056B-97A4-5BCC-4460-250160F3E171}"/>
               </a:ext>
             </a:extLst>
           </p:cNvPr>
@@ -33011,7 +33153,7 @@
           <p:cNvPr id="19" name="직선 연결선 18">
             <a:extLst>
               <a:ext uri="{FF2B5EF4-FFF2-40B4-BE49-F238E27FC236}">
-                <a16:creationId xmlns="" xmlns:a16="http://schemas.microsoft.com/office/drawing/2014/main" id="{1172879B-889D-0C2F-EEA8-003E6793F36F}"/>
+                <a16:creationId xmlns:a16="http://schemas.microsoft.com/office/drawing/2014/main" id="{1172879B-889D-0C2F-EEA8-003E6793F36F}"/>
               </a:ext>
             </a:extLst>
           </p:cNvPr>
@@ -33054,7 +33196,7 @@
           <p:cNvPr id="20" name="직선 연결선 19">
             <a:extLst>
               <a:ext uri="{FF2B5EF4-FFF2-40B4-BE49-F238E27FC236}">
-                <a16:creationId xmlns="" xmlns:a16="http://schemas.microsoft.com/office/drawing/2014/main" id="{1172879B-889D-0C2F-EEA8-003E6793F36F}"/>
+                <a16:creationId xmlns:a16="http://schemas.microsoft.com/office/drawing/2014/main" id="{1172879B-889D-0C2F-EEA8-003E6793F36F}"/>
               </a:ext>
             </a:extLst>
           </p:cNvPr>
@@ -33097,7 +33239,7 @@
           <p:cNvPr id="21" name="TextBox 20">
             <a:extLst>
               <a:ext uri="{FF2B5EF4-FFF2-40B4-BE49-F238E27FC236}">
-                <a16:creationId xmlns="" xmlns:a16="http://schemas.microsoft.com/office/drawing/2014/main" id="{A2AD056B-97A4-5BCC-4460-250160F3E171}"/>
+                <a16:creationId xmlns:a16="http://schemas.microsoft.com/office/drawing/2014/main" id="{A2AD056B-97A4-5BCC-4460-250160F3E171}"/>
               </a:ext>
             </a:extLst>
           </p:cNvPr>
@@ -33141,7 +33283,7 @@
           <p:cNvPr id="29" name="그룹 1008">
             <a:extLst>
               <a:ext uri="{FF2B5EF4-FFF2-40B4-BE49-F238E27FC236}">
-                <a16:creationId xmlns="" xmlns:a16="http://schemas.microsoft.com/office/drawing/2014/main" id="{54FFE8A6-6CB8-DCBA-07F7-749FA78BF4A4}"/>
+                <a16:creationId xmlns:a16="http://schemas.microsoft.com/office/drawing/2014/main" id="{54FFE8A6-6CB8-DCBA-07F7-749FA78BF4A4}"/>
               </a:ext>
             </a:extLst>
           </p:cNvPr>
@@ -33161,7 +33303,7 @@
             <p:cNvPr id="30" name="그룹 1009">
               <a:extLst>
                 <a:ext uri="{FF2B5EF4-FFF2-40B4-BE49-F238E27FC236}">
-                  <a16:creationId xmlns="" xmlns:a16="http://schemas.microsoft.com/office/drawing/2014/main" id="{AFC4D322-4969-89C3-C972-D8E8E418CA73}"/>
+                  <a16:creationId xmlns:a16="http://schemas.microsoft.com/office/drawing/2014/main" id="{AFC4D322-4969-89C3-C972-D8E8E418CA73}"/>
                 </a:ext>
               </a:extLst>
             </p:cNvPr>
@@ -33181,7 +33323,7 @@
               <p:cNvPr id="35" name="Object 29">
                 <a:extLst>
                   <a:ext uri="{FF2B5EF4-FFF2-40B4-BE49-F238E27FC236}">
-                    <a16:creationId xmlns="" xmlns:a16="http://schemas.microsoft.com/office/drawing/2014/main" id="{696B190E-C178-4E07-7621-24C3B48A9BCF}"/>
+                    <a16:creationId xmlns:a16="http://schemas.microsoft.com/office/drawing/2014/main" id="{696B190E-C178-4E07-7621-24C3B48A9BCF}"/>
                   </a:ext>
                 </a:extLst>
               </p:cNvPr>
@@ -33212,7 +33354,7 @@
             <p:cNvPr id="31" name="그룹 1010">
               <a:extLst>
                 <a:ext uri="{FF2B5EF4-FFF2-40B4-BE49-F238E27FC236}">
-                  <a16:creationId xmlns="" xmlns:a16="http://schemas.microsoft.com/office/drawing/2014/main" id="{88F3509F-17A2-2BE7-261F-3BA022FF91BA}"/>
+                  <a16:creationId xmlns:a16="http://schemas.microsoft.com/office/drawing/2014/main" id="{88F3509F-17A2-2BE7-261F-3BA022FF91BA}"/>
                 </a:ext>
               </a:extLst>
             </p:cNvPr>
@@ -33232,7 +33374,7 @@
               <p:cNvPr id="34" name="Object 32">
                 <a:extLst>
                   <a:ext uri="{FF2B5EF4-FFF2-40B4-BE49-F238E27FC236}">
-                    <a16:creationId xmlns="" xmlns:a16="http://schemas.microsoft.com/office/drawing/2014/main" id="{6183A7B0-D571-9788-43CE-90A93A934096}"/>
+                    <a16:creationId xmlns:a16="http://schemas.microsoft.com/office/drawing/2014/main" id="{6183A7B0-D571-9788-43CE-90A93A934096}"/>
                   </a:ext>
                 </a:extLst>
               </p:cNvPr>
@@ -33263,7 +33405,7 @@
             <p:cNvPr id="32" name="그룹 1011">
               <a:extLst>
                 <a:ext uri="{FF2B5EF4-FFF2-40B4-BE49-F238E27FC236}">
-                  <a16:creationId xmlns="" xmlns:a16="http://schemas.microsoft.com/office/drawing/2014/main" id="{3DB0BB1F-6A07-787C-7717-F712317AF8C3}"/>
+                  <a16:creationId xmlns:a16="http://schemas.microsoft.com/office/drawing/2014/main" id="{3DB0BB1F-6A07-787C-7717-F712317AF8C3}"/>
                 </a:ext>
               </a:extLst>
             </p:cNvPr>
@@ -33283,7 +33425,7 @@
               <p:cNvPr id="33" name="Object 35">
                 <a:extLst>
                   <a:ext uri="{FF2B5EF4-FFF2-40B4-BE49-F238E27FC236}">
-                    <a16:creationId xmlns="" xmlns:a16="http://schemas.microsoft.com/office/drawing/2014/main" id="{A003AF1A-29EE-2DC2-0E03-479F705DFFB6}"/>
+                    <a16:creationId xmlns:a16="http://schemas.microsoft.com/office/drawing/2014/main" id="{A003AF1A-29EE-2DC2-0E03-479F705DFFB6}"/>
                   </a:ext>
                 </a:extLst>
               </p:cNvPr>
@@ -33315,7 +33457,7 @@
           <p:cNvPr id="36" name="TextBox 35">
             <a:extLst>
               <a:ext uri="{FF2B5EF4-FFF2-40B4-BE49-F238E27FC236}">
-                <a16:creationId xmlns="" xmlns:a16="http://schemas.microsoft.com/office/drawing/2014/main" id="{A2AD056B-97A4-5BCC-4460-250160F3E171}"/>
+                <a16:creationId xmlns:a16="http://schemas.microsoft.com/office/drawing/2014/main" id="{A2AD056B-97A4-5BCC-4460-250160F3E171}"/>
               </a:ext>
             </a:extLst>
           </p:cNvPr>
@@ -33363,7 +33505,7 @@
           <p:cNvPr id="3" name="Picture 4" descr="https://search.pstatic.net/common/?src=http%3A%2F%2Fshop1.phinf.naver.net%2F20230414_148%2F1681433429315NNFA7_JPEG%2Fplus0_1000071974.jpg&amp;type=sc960_832">
             <a:extLst>
               <a:ext uri="{FF2B5EF4-FFF2-40B4-BE49-F238E27FC236}">
-                <a16:creationId xmlns="" xmlns:a16="http://schemas.microsoft.com/office/drawing/2014/main" id="{157C01CE-C31A-4855-2EE5-8AA55836DEFE}"/>
+                <a16:creationId xmlns:a16="http://schemas.microsoft.com/office/drawing/2014/main" id="{157C01CE-C31A-4855-2EE5-8AA55836DEFE}"/>
               </a:ext>
             </a:extLst>
           </p:cNvPr>
@@ -33410,7 +33552,7 @@
           <p:cNvPr id="6" name="Picture 2" descr="https://search.pstatic.net/common/?src=http%3A%2F%2Fshop1.phinf.naver.net%2F20230407_156%2F1680851079622nkFWr_JPEG%2F81986859343781772_1262867453.jpg&amp;type=sc960_832">
             <a:extLst>
               <a:ext uri="{FF2B5EF4-FFF2-40B4-BE49-F238E27FC236}">
-                <a16:creationId xmlns="" xmlns:a16="http://schemas.microsoft.com/office/drawing/2014/main" id="{602246F0-2C6F-EB49-7197-DF3D117A4A7A}"/>
+                <a16:creationId xmlns:a16="http://schemas.microsoft.com/office/drawing/2014/main" id="{602246F0-2C6F-EB49-7197-DF3D117A4A7A}"/>
               </a:ext>
             </a:extLst>
           </p:cNvPr>
@@ -33457,7 +33599,7 @@
           <p:cNvPr id="9" name="Picture 2">
             <a:extLst>
               <a:ext uri="{FF2B5EF4-FFF2-40B4-BE49-F238E27FC236}">
-                <a16:creationId xmlns="" xmlns:a16="http://schemas.microsoft.com/office/drawing/2014/main" id="{0B2BFBD1-7D72-142E-6006-4E7AD95909E0}"/>
+                <a16:creationId xmlns:a16="http://schemas.microsoft.com/office/drawing/2014/main" id="{0B2BFBD1-7D72-142E-6006-4E7AD95909E0}"/>
               </a:ext>
             </a:extLst>
           </p:cNvPr>
@@ -33504,7 +33646,7 @@
           <p:cNvPr id="1028" name="Picture 4">
             <a:extLst>
               <a:ext uri="{FF2B5EF4-FFF2-40B4-BE49-F238E27FC236}">
-                <a16:creationId xmlns="" xmlns:a16="http://schemas.microsoft.com/office/drawing/2014/main" id="{BB21002D-EA1B-7AAC-1A5D-7E27C389FD58}"/>
+                <a16:creationId xmlns:a16="http://schemas.microsoft.com/office/drawing/2014/main" id="{BB21002D-EA1B-7AAC-1A5D-7E27C389FD58}"/>
               </a:ext>
             </a:extLst>
           </p:cNvPr>
@@ -34333,7 +34475,7 @@
           <p:cNvPr id="2" name="TextBox 1">
             <a:extLst>
               <a:ext uri="{FF2B5EF4-FFF2-40B4-BE49-F238E27FC236}">
-                <a16:creationId xmlns="" xmlns:a16="http://schemas.microsoft.com/office/drawing/2014/main" id="{715D88A2-BD52-978B-A00A-540446126E3D}"/>
+                <a16:creationId xmlns:a16="http://schemas.microsoft.com/office/drawing/2014/main" id="{715D88A2-BD52-978B-A00A-540446126E3D}"/>
               </a:ext>
             </a:extLst>
           </p:cNvPr>
@@ -34381,13 +34523,6 @@
   <p:clrMapOvr>
     <a:masterClrMapping/>
   </p:clrMapOvr>
-  <p:timing>
-    <p:tnLst>
-      <p:par>
-        <p:cTn id="1" dur="indefinite" restart="never" nodeType="tmRoot"/>
-      </p:par>
-    </p:tnLst>
-  </p:timing>
 </p:sld>
 </file>
 
@@ -34413,7 +34548,7 @@
           <p:cNvPr id="4" name="TextBox 3">
             <a:extLst>
               <a:ext uri="{FF2B5EF4-FFF2-40B4-BE49-F238E27FC236}">
-                <a16:creationId xmlns="" xmlns:a16="http://schemas.microsoft.com/office/drawing/2014/main" id="{5ADC00B6-990A-40DC-3CEA-505258F5E8DA}"/>
+                <a16:creationId xmlns:a16="http://schemas.microsoft.com/office/drawing/2014/main" id="{5ADC00B6-990A-40DC-3CEA-505258F5E8DA}"/>
               </a:ext>
             </a:extLst>
           </p:cNvPr>
@@ -34524,7 +34659,7 @@
           <p:cNvPr id="4" name="TextBox 3">
             <a:extLst>
               <a:ext uri="{FF2B5EF4-FFF2-40B4-BE49-F238E27FC236}">
-                <a16:creationId xmlns="" xmlns:a16="http://schemas.microsoft.com/office/drawing/2014/main" id="{D15853EE-94B0-D08B-DCB7-3381290CC3FF}"/>
+                <a16:creationId xmlns:a16="http://schemas.microsoft.com/office/drawing/2014/main" id="{D15853EE-94B0-D08B-DCB7-3381290CC3FF}"/>
               </a:ext>
             </a:extLst>
           </p:cNvPr>
@@ -34582,7 +34717,7 @@
           <p:cNvPr id="5" name="직선 연결선 4">
             <a:extLst>
               <a:ext uri="{FF2B5EF4-FFF2-40B4-BE49-F238E27FC236}">
-                <a16:creationId xmlns="" xmlns:a16="http://schemas.microsoft.com/office/drawing/2014/main" id="{1172879B-889D-0C2F-EEA8-003E6793F36F}"/>
+                <a16:creationId xmlns:a16="http://schemas.microsoft.com/office/drawing/2014/main" id="{1172879B-889D-0C2F-EEA8-003E6793F36F}"/>
               </a:ext>
             </a:extLst>
           </p:cNvPr>
@@ -34625,7 +34760,7 @@
           <p:cNvPr id="6" name="직선 연결선 5">
             <a:extLst>
               <a:ext uri="{FF2B5EF4-FFF2-40B4-BE49-F238E27FC236}">
-                <a16:creationId xmlns="" xmlns:a16="http://schemas.microsoft.com/office/drawing/2014/main" id="{1172879B-889D-0C2F-EEA8-003E6793F36F}"/>
+                <a16:creationId xmlns:a16="http://schemas.microsoft.com/office/drawing/2014/main" id="{1172879B-889D-0C2F-EEA8-003E6793F36F}"/>
               </a:ext>
             </a:extLst>
           </p:cNvPr>
@@ -34692,7 +34827,7 @@
           <p:cNvPr id="9" name="TextBox 8">
             <a:extLst>
               <a:ext uri="{FF2B5EF4-FFF2-40B4-BE49-F238E27FC236}">
-                <a16:creationId xmlns="" xmlns:a16="http://schemas.microsoft.com/office/drawing/2014/main" id="{A2AD056B-97A4-5BCC-4460-250160F3E171}"/>
+                <a16:creationId xmlns:a16="http://schemas.microsoft.com/office/drawing/2014/main" id="{A2AD056B-97A4-5BCC-4460-250160F3E171}"/>
               </a:ext>
             </a:extLst>
           </p:cNvPr>
@@ -34759,7 +34894,7 @@
           <p:cNvPr id="10" name="그룹 1008">
             <a:extLst>
               <a:ext uri="{FF2B5EF4-FFF2-40B4-BE49-F238E27FC236}">
-                <a16:creationId xmlns="" xmlns:a16="http://schemas.microsoft.com/office/drawing/2014/main" id="{678F6342-C505-E8AD-ADA4-022CB2C2088E}"/>
+                <a16:creationId xmlns:a16="http://schemas.microsoft.com/office/drawing/2014/main" id="{678F6342-C505-E8AD-ADA4-022CB2C2088E}"/>
               </a:ext>
             </a:extLst>
           </p:cNvPr>
@@ -34779,7 +34914,7 @@
             <p:cNvPr id="11" name="그룹 1009">
               <a:extLst>
                 <a:ext uri="{FF2B5EF4-FFF2-40B4-BE49-F238E27FC236}">
-                  <a16:creationId xmlns="" xmlns:a16="http://schemas.microsoft.com/office/drawing/2014/main" id="{4E1F1FED-812B-9BBB-925A-84B54A077414}"/>
+                  <a16:creationId xmlns:a16="http://schemas.microsoft.com/office/drawing/2014/main" id="{4E1F1FED-812B-9BBB-925A-84B54A077414}"/>
                 </a:ext>
               </a:extLst>
             </p:cNvPr>
@@ -34799,7 +34934,7 @@
               <p:cNvPr id="16" name="Object 29">
                 <a:extLst>
                   <a:ext uri="{FF2B5EF4-FFF2-40B4-BE49-F238E27FC236}">
-                    <a16:creationId xmlns="" xmlns:a16="http://schemas.microsoft.com/office/drawing/2014/main" id="{7B078609-4286-7B00-51EB-809C8E2DE289}"/>
+                    <a16:creationId xmlns:a16="http://schemas.microsoft.com/office/drawing/2014/main" id="{7B078609-4286-7B00-51EB-809C8E2DE289}"/>
                   </a:ext>
                 </a:extLst>
               </p:cNvPr>
@@ -34830,7 +34965,7 @@
             <p:cNvPr id="12" name="그룹 1010">
               <a:extLst>
                 <a:ext uri="{FF2B5EF4-FFF2-40B4-BE49-F238E27FC236}">
-                  <a16:creationId xmlns="" xmlns:a16="http://schemas.microsoft.com/office/drawing/2014/main" id="{02A649BF-B5B5-FBAF-7DFD-E118A4DF8907}"/>
+                  <a16:creationId xmlns:a16="http://schemas.microsoft.com/office/drawing/2014/main" id="{02A649BF-B5B5-FBAF-7DFD-E118A4DF8907}"/>
                 </a:ext>
               </a:extLst>
             </p:cNvPr>
@@ -34850,7 +34985,7 @@
               <p:cNvPr id="15" name="Object 32">
                 <a:extLst>
                   <a:ext uri="{FF2B5EF4-FFF2-40B4-BE49-F238E27FC236}">
-                    <a16:creationId xmlns="" xmlns:a16="http://schemas.microsoft.com/office/drawing/2014/main" id="{2A0FFF23-B3C9-3EA0-1C1B-A87D4FF098AE}"/>
+                    <a16:creationId xmlns:a16="http://schemas.microsoft.com/office/drawing/2014/main" id="{2A0FFF23-B3C9-3EA0-1C1B-A87D4FF098AE}"/>
                   </a:ext>
                 </a:extLst>
               </p:cNvPr>
@@ -34881,7 +35016,7 @@
             <p:cNvPr id="13" name="그룹 1011">
               <a:extLst>
                 <a:ext uri="{FF2B5EF4-FFF2-40B4-BE49-F238E27FC236}">
-                  <a16:creationId xmlns="" xmlns:a16="http://schemas.microsoft.com/office/drawing/2014/main" id="{881F5410-F7FB-F261-A584-707359BAC593}"/>
+                  <a16:creationId xmlns:a16="http://schemas.microsoft.com/office/drawing/2014/main" id="{881F5410-F7FB-F261-A584-707359BAC593}"/>
                 </a:ext>
               </a:extLst>
             </p:cNvPr>
@@ -34901,7 +35036,7 @@
               <p:cNvPr id="14" name="Object 35">
                 <a:extLst>
                   <a:ext uri="{FF2B5EF4-FFF2-40B4-BE49-F238E27FC236}">
-                    <a16:creationId xmlns="" xmlns:a16="http://schemas.microsoft.com/office/drawing/2014/main" id="{4E99E669-73EB-F9F4-EFE8-DC107035C265}"/>
+                    <a16:creationId xmlns:a16="http://schemas.microsoft.com/office/drawing/2014/main" id="{4E99E669-73EB-F9F4-EFE8-DC107035C265}"/>
                   </a:ext>
                 </a:extLst>
               </p:cNvPr>
@@ -34957,7 +35092,7 @@
           <p:cNvPr id="18" name="TextBox 17">
             <a:extLst>
               <a:ext uri="{FF2B5EF4-FFF2-40B4-BE49-F238E27FC236}">
-                <a16:creationId xmlns="" xmlns:a16="http://schemas.microsoft.com/office/drawing/2014/main" id="{A2AD056B-97A4-5BCC-4460-250160F3E171}"/>
+                <a16:creationId xmlns:a16="http://schemas.microsoft.com/office/drawing/2014/main" id="{A2AD056B-97A4-5BCC-4460-250160F3E171}"/>
               </a:ext>
             </a:extLst>
           </p:cNvPr>
@@ -35005,7 +35140,7 @@
           <p:cNvPr id="19" name="직선 연결선 18">
             <a:extLst>
               <a:ext uri="{FF2B5EF4-FFF2-40B4-BE49-F238E27FC236}">
-                <a16:creationId xmlns="" xmlns:a16="http://schemas.microsoft.com/office/drawing/2014/main" id="{1172879B-889D-0C2F-EEA8-003E6793F36F}"/>
+                <a16:creationId xmlns:a16="http://schemas.microsoft.com/office/drawing/2014/main" id="{1172879B-889D-0C2F-EEA8-003E6793F36F}"/>
               </a:ext>
             </a:extLst>
           </p:cNvPr>
@@ -35048,7 +35183,7 @@
           <p:cNvPr id="20" name="직선 연결선 19">
             <a:extLst>
               <a:ext uri="{FF2B5EF4-FFF2-40B4-BE49-F238E27FC236}">
-                <a16:creationId xmlns="" xmlns:a16="http://schemas.microsoft.com/office/drawing/2014/main" id="{1172879B-889D-0C2F-EEA8-003E6793F36F}"/>
+                <a16:creationId xmlns:a16="http://schemas.microsoft.com/office/drawing/2014/main" id="{1172879B-889D-0C2F-EEA8-003E6793F36F}"/>
               </a:ext>
             </a:extLst>
           </p:cNvPr>
@@ -35091,7 +35226,7 @@
           <p:cNvPr id="21" name="TextBox 20">
             <a:extLst>
               <a:ext uri="{FF2B5EF4-FFF2-40B4-BE49-F238E27FC236}">
-                <a16:creationId xmlns="" xmlns:a16="http://schemas.microsoft.com/office/drawing/2014/main" id="{A2AD056B-97A4-5BCC-4460-250160F3E171}"/>
+                <a16:creationId xmlns:a16="http://schemas.microsoft.com/office/drawing/2014/main" id="{A2AD056B-97A4-5BCC-4460-250160F3E171}"/>
               </a:ext>
             </a:extLst>
           </p:cNvPr>
@@ -35158,7 +35293,7 @@
           <p:cNvPr id="22" name="그룹 1008">
             <a:extLst>
               <a:ext uri="{FF2B5EF4-FFF2-40B4-BE49-F238E27FC236}">
-                <a16:creationId xmlns="" xmlns:a16="http://schemas.microsoft.com/office/drawing/2014/main" id="{54FFE8A6-6CB8-DCBA-07F7-749FA78BF4A4}"/>
+                <a16:creationId xmlns:a16="http://schemas.microsoft.com/office/drawing/2014/main" id="{54FFE8A6-6CB8-DCBA-07F7-749FA78BF4A4}"/>
               </a:ext>
             </a:extLst>
           </p:cNvPr>
@@ -35178,7 +35313,7 @@
             <p:cNvPr id="23" name="그룹 1009">
               <a:extLst>
                 <a:ext uri="{FF2B5EF4-FFF2-40B4-BE49-F238E27FC236}">
-                  <a16:creationId xmlns="" xmlns:a16="http://schemas.microsoft.com/office/drawing/2014/main" id="{AFC4D322-4969-89C3-C972-D8E8E418CA73}"/>
+                  <a16:creationId xmlns:a16="http://schemas.microsoft.com/office/drawing/2014/main" id="{AFC4D322-4969-89C3-C972-D8E8E418CA73}"/>
                 </a:ext>
               </a:extLst>
             </p:cNvPr>
@@ -35198,7 +35333,7 @@
               <p:cNvPr id="28" name="Object 29">
                 <a:extLst>
                   <a:ext uri="{FF2B5EF4-FFF2-40B4-BE49-F238E27FC236}">
-                    <a16:creationId xmlns="" xmlns:a16="http://schemas.microsoft.com/office/drawing/2014/main" id="{696B190E-C178-4E07-7621-24C3B48A9BCF}"/>
+                    <a16:creationId xmlns:a16="http://schemas.microsoft.com/office/drawing/2014/main" id="{696B190E-C178-4E07-7621-24C3B48A9BCF}"/>
                   </a:ext>
                 </a:extLst>
               </p:cNvPr>
@@ -35229,7 +35364,7 @@
             <p:cNvPr id="24" name="그룹 1010">
               <a:extLst>
                 <a:ext uri="{FF2B5EF4-FFF2-40B4-BE49-F238E27FC236}">
-                  <a16:creationId xmlns="" xmlns:a16="http://schemas.microsoft.com/office/drawing/2014/main" id="{88F3509F-17A2-2BE7-261F-3BA022FF91BA}"/>
+                  <a16:creationId xmlns:a16="http://schemas.microsoft.com/office/drawing/2014/main" id="{88F3509F-17A2-2BE7-261F-3BA022FF91BA}"/>
                 </a:ext>
               </a:extLst>
             </p:cNvPr>
@@ -35249,7 +35384,7 @@
               <p:cNvPr id="27" name="Object 32">
                 <a:extLst>
                   <a:ext uri="{FF2B5EF4-FFF2-40B4-BE49-F238E27FC236}">
-                    <a16:creationId xmlns="" xmlns:a16="http://schemas.microsoft.com/office/drawing/2014/main" id="{6183A7B0-D571-9788-43CE-90A93A934096}"/>
+                    <a16:creationId xmlns:a16="http://schemas.microsoft.com/office/drawing/2014/main" id="{6183A7B0-D571-9788-43CE-90A93A934096}"/>
                   </a:ext>
                 </a:extLst>
               </p:cNvPr>
@@ -35280,7 +35415,7 @@
             <p:cNvPr id="25" name="그룹 1011">
               <a:extLst>
                 <a:ext uri="{FF2B5EF4-FFF2-40B4-BE49-F238E27FC236}">
-                  <a16:creationId xmlns="" xmlns:a16="http://schemas.microsoft.com/office/drawing/2014/main" id="{3DB0BB1F-6A07-787C-7717-F712317AF8C3}"/>
+                  <a16:creationId xmlns:a16="http://schemas.microsoft.com/office/drawing/2014/main" id="{3DB0BB1F-6A07-787C-7717-F712317AF8C3}"/>
                 </a:ext>
               </a:extLst>
             </p:cNvPr>
@@ -35300,7 +35435,7 @@
               <p:cNvPr id="26" name="Object 35">
                 <a:extLst>
                   <a:ext uri="{FF2B5EF4-FFF2-40B4-BE49-F238E27FC236}">
-                    <a16:creationId xmlns="" xmlns:a16="http://schemas.microsoft.com/office/drawing/2014/main" id="{A003AF1A-29EE-2DC2-0E03-479F705DFFB6}"/>
+                    <a16:creationId xmlns:a16="http://schemas.microsoft.com/office/drawing/2014/main" id="{A003AF1A-29EE-2DC2-0E03-479F705DFFB6}"/>
                   </a:ext>
                 </a:extLst>
               </p:cNvPr>
@@ -35332,7 +35467,7 @@
           <p:cNvPr id="29" name="TextBox 28">
             <a:extLst>
               <a:ext uri="{FF2B5EF4-FFF2-40B4-BE49-F238E27FC236}">
-                <a16:creationId xmlns="" xmlns:a16="http://schemas.microsoft.com/office/drawing/2014/main" id="{A2AD056B-97A4-5BCC-4460-250160F3E171}"/>
+                <a16:creationId xmlns:a16="http://schemas.microsoft.com/office/drawing/2014/main" id="{A2AD056B-97A4-5BCC-4460-250160F3E171}"/>
               </a:ext>
             </a:extLst>
           </p:cNvPr>
@@ -35788,7 +35923,7 @@
           <p:cNvPr id="4" name="TextBox 3">
             <a:extLst>
               <a:ext uri="{FF2B5EF4-FFF2-40B4-BE49-F238E27FC236}">
-                <a16:creationId xmlns="" xmlns:a16="http://schemas.microsoft.com/office/drawing/2014/main" id="{5ADC00B6-990A-40DC-3CEA-505258F5E8DA}"/>
+                <a16:creationId xmlns:a16="http://schemas.microsoft.com/office/drawing/2014/main" id="{5ADC00B6-990A-40DC-3CEA-505258F5E8DA}"/>
               </a:ext>
             </a:extLst>
           </p:cNvPr>
@@ -35856,7 +35991,7 @@
           <p:cNvPr id="7" name="그룹 1018">
             <a:extLst>
               <a:ext uri="{FF2B5EF4-FFF2-40B4-BE49-F238E27FC236}">
-                <a16:creationId xmlns="" xmlns:a16="http://schemas.microsoft.com/office/drawing/2014/main" id="{F53BC57C-78A5-6AFC-CB34-7E3FD29B339F}"/>
+                <a16:creationId xmlns:a16="http://schemas.microsoft.com/office/drawing/2014/main" id="{F53BC57C-78A5-6AFC-CB34-7E3FD29B339F}"/>
               </a:ext>
             </a:extLst>
           </p:cNvPr>
@@ -35876,7 +36011,7 @@
             <p:cNvPr id="8" name="Object 61">
               <a:extLst>
                 <a:ext uri="{FF2B5EF4-FFF2-40B4-BE49-F238E27FC236}">
-                  <a16:creationId xmlns="" xmlns:a16="http://schemas.microsoft.com/office/drawing/2014/main" id="{E6F73685-14E5-06A9-813C-1C372BD6F4DE}"/>
+                  <a16:creationId xmlns:a16="http://schemas.microsoft.com/office/drawing/2014/main" id="{E6F73685-14E5-06A9-813C-1C372BD6F4DE}"/>
                 </a:ext>
               </a:extLst>
             </p:cNvPr>
@@ -35907,7 +36042,7 @@
           <p:cNvPr id="15" name="TextBox 14">
             <a:extLst>
               <a:ext uri="{FF2B5EF4-FFF2-40B4-BE49-F238E27FC236}">
-                <a16:creationId xmlns="" xmlns:a16="http://schemas.microsoft.com/office/drawing/2014/main" id="{A06D4055-10A8-4A24-5EDC-0761473BA40F}"/>
+                <a16:creationId xmlns:a16="http://schemas.microsoft.com/office/drawing/2014/main" id="{A06D4055-10A8-4A24-5EDC-0761473BA40F}"/>
               </a:ext>
             </a:extLst>
           </p:cNvPr>
@@ -35961,7 +36096,7 @@
           <p:cNvPr id="23" name="그룹 1008">
             <a:extLst>
               <a:ext uri="{FF2B5EF4-FFF2-40B4-BE49-F238E27FC236}">
-                <a16:creationId xmlns="" xmlns:a16="http://schemas.microsoft.com/office/drawing/2014/main" id="{E395BDE3-2EDE-065D-70E8-56E348228ACF}"/>
+                <a16:creationId xmlns:a16="http://schemas.microsoft.com/office/drawing/2014/main" id="{E395BDE3-2EDE-065D-70E8-56E348228ACF}"/>
               </a:ext>
             </a:extLst>
           </p:cNvPr>
@@ -35981,7 +36116,7 @@
             <p:cNvPr id="24" name="그룹 1009">
               <a:extLst>
                 <a:ext uri="{FF2B5EF4-FFF2-40B4-BE49-F238E27FC236}">
-                  <a16:creationId xmlns="" xmlns:a16="http://schemas.microsoft.com/office/drawing/2014/main" id="{852F4DEB-DB33-DB3F-9E9F-52A46CD0B10A}"/>
+                  <a16:creationId xmlns:a16="http://schemas.microsoft.com/office/drawing/2014/main" id="{852F4DEB-DB33-DB3F-9E9F-52A46CD0B10A}"/>
                 </a:ext>
               </a:extLst>
             </p:cNvPr>
@@ -36001,7 +36136,7 @@
               <p:cNvPr id="29" name="Object 29">
                 <a:extLst>
                   <a:ext uri="{FF2B5EF4-FFF2-40B4-BE49-F238E27FC236}">
-                    <a16:creationId xmlns="" xmlns:a16="http://schemas.microsoft.com/office/drawing/2014/main" id="{7E353D3B-14D4-8A64-5888-3F0C062C2CDD}"/>
+                    <a16:creationId xmlns:a16="http://schemas.microsoft.com/office/drawing/2014/main" id="{7E353D3B-14D4-8A64-5888-3F0C062C2CDD}"/>
                   </a:ext>
                 </a:extLst>
               </p:cNvPr>
@@ -36032,7 +36167,7 @@
             <p:cNvPr id="25" name="그룹 1010">
               <a:extLst>
                 <a:ext uri="{FF2B5EF4-FFF2-40B4-BE49-F238E27FC236}">
-                  <a16:creationId xmlns="" xmlns:a16="http://schemas.microsoft.com/office/drawing/2014/main" id="{001E38AB-1390-ABD0-BE01-9727136FEAEE}"/>
+                  <a16:creationId xmlns:a16="http://schemas.microsoft.com/office/drawing/2014/main" id="{001E38AB-1390-ABD0-BE01-9727136FEAEE}"/>
                 </a:ext>
               </a:extLst>
             </p:cNvPr>
@@ -36052,7 +36187,7 @@
               <p:cNvPr id="28" name="Object 32">
                 <a:extLst>
                   <a:ext uri="{FF2B5EF4-FFF2-40B4-BE49-F238E27FC236}">
-                    <a16:creationId xmlns="" xmlns:a16="http://schemas.microsoft.com/office/drawing/2014/main" id="{2ED1C30F-0D0B-F86C-8215-2598D332B5A3}"/>
+                    <a16:creationId xmlns:a16="http://schemas.microsoft.com/office/drawing/2014/main" id="{2ED1C30F-0D0B-F86C-8215-2598D332B5A3}"/>
                   </a:ext>
                 </a:extLst>
               </p:cNvPr>
@@ -36083,7 +36218,7 @@
             <p:cNvPr id="26" name="그룹 1011">
               <a:extLst>
                 <a:ext uri="{FF2B5EF4-FFF2-40B4-BE49-F238E27FC236}">
-                  <a16:creationId xmlns="" xmlns:a16="http://schemas.microsoft.com/office/drawing/2014/main" id="{1BCB8DE5-ABAF-4198-BC16-85BB76F2DB24}"/>
+                  <a16:creationId xmlns:a16="http://schemas.microsoft.com/office/drawing/2014/main" id="{1BCB8DE5-ABAF-4198-BC16-85BB76F2DB24}"/>
                 </a:ext>
               </a:extLst>
             </p:cNvPr>
@@ -36103,7 +36238,7 @@
               <p:cNvPr id="27" name="Object 35">
                 <a:extLst>
                   <a:ext uri="{FF2B5EF4-FFF2-40B4-BE49-F238E27FC236}">
-                    <a16:creationId xmlns="" xmlns:a16="http://schemas.microsoft.com/office/drawing/2014/main" id="{86E7BA23-0A1E-B581-CADC-06AB269DB2BD}"/>
+                    <a16:creationId xmlns:a16="http://schemas.microsoft.com/office/drawing/2014/main" id="{86E7BA23-0A1E-B581-CADC-06AB269DB2BD}"/>
                   </a:ext>
                 </a:extLst>
               </p:cNvPr>
@@ -36135,7 +36270,7 @@
           <p:cNvPr id="32" name="그룹 1018">
             <a:extLst>
               <a:ext uri="{FF2B5EF4-FFF2-40B4-BE49-F238E27FC236}">
-                <a16:creationId xmlns="" xmlns:a16="http://schemas.microsoft.com/office/drawing/2014/main" id="{F53BC57C-78A5-6AFC-CB34-7E3FD29B339F}"/>
+                <a16:creationId xmlns:a16="http://schemas.microsoft.com/office/drawing/2014/main" id="{F53BC57C-78A5-6AFC-CB34-7E3FD29B339F}"/>
               </a:ext>
             </a:extLst>
           </p:cNvPr>
@@ -36155,7 +36290,7 @@
             <p:cNvPr id="33" name="Object 61">
               <a:extLst>
                 <a:ext uri="{FF2B5EF4-FFF2-40B4-BE49-F238E27FC236}">
-                  <a16:creationId xmlns="" xmlns:a16="http://schemas.microsoft.com/office/drawing/2014/main" id="{E6F73685-14E5-06A9-813C-1C372BD6F4DE}"/>
+                  <a16:creationId xmlns:a16="http://schemas.microsoft.com/office/drawing/2014/main" id="{E6F73685-14E5-06A9-813C-1C372BD6F4DE}"/>
                 </a:ext>
               </a:extLst>
             </p:cNvPr>
@@ -36186,7 +36321,7 @@
           <p:cNvPr id="38" name="TextBox 37">
             <a:extLst>
               <a:ext uri="{FF2B5EF4-FFF2-40B4-BE49-F238E27FC236}">
-                <a16:creationId xmlns="" xmlns:a16="http://schemas.microsoft.com/office/drawing/2014/main" id="{A06D4055-10A8-4A24-5EDC-0761473BA40F}"/>
+                <a16:creationId xmlns:a16="http://schemas.microsoft.com/office/drawing/2014/main" id="{A06D4055-10A8-4A24-5EDC-0761473BA40F}"/>
               </a:ext>
             </a:extLst>
           </p:cNvPr>
@@ -36240,7 +36375,7 @@
           <p:cNvPr id="42" name="그룹 1008">
             <a:extLst>
               <a:ext uri="{FF2B5EF4-FFF2-40B4-BE49-F238E27FC236}">
-                <a16:creationId xmlns="" xmlns:a16="http://schemas.microsoft.com/office/drawing/2014/main" id="{E395BDE3-2EDE-065D-70E8-56E348228ACF}"/>
+                <a16:creationId xmlns:a16="http://schemas.microsoft.com/office/drawing/2014/main" id="{E395BDE3-2EDE-065D-70E8-56E348228ACF}"/>
               </a:ext>
             </a:extLst>
           </p:cNvPr>
@@ -36260,7 +36395,7 @@
             <p:cNvPr id="43" name="그룹 1009">
               <a:extLst>
                 <a:ext uri="{FF2B5EF4-FFF2-40B4-BE49-F238E27FC236}">
-                  <a16:creationId xmlns="" xmlns:a16="http://schemas.microsoft.com/office/drawing/2014/main" id="{852F4DEB-DB33-DB3F-9E9F-52A46CD0B10A}"/>
+                  <a16:creationId xmlns:a16="http://schemas.microsoft.com/office/drawing/2014/main" id="{852F4DEB-DB33-DB3F-9E9F-52A46CD0B10A}"/>
                 </a:ext>
               </a:extLst>
             </p:cNvPr>
@@ -36280,7 +36415,7 @@
               <p:cNvPr id="48" name="Object 29">
                 <a:extLst>
                   <a:ext uri="{FF2B5EF4-FFF2-40B4-BE49-F238E27FC236}">
-                    <a16:creationId xmlns="" xmlns:a16="http://schemas.microsoft.com/office/drawing/2014/main" id="{7E353D3B-14D4-8A64-5888-3F0C062C2CDD}"/>
+                    <a16:creationId xmlns:a16="http://schemas.microsoft.com/office/drawing/2014/main" id="{7E353D3B-14D4-8A64-5888-3F0C062C2CDD}"/>
                   </a:ext>
                 </a:extLst>
               </p:cNvPr>
@@ -36311,7 +36446,7 @@
             <p:cNvPr id="44" name="그룹 1010">
               <a:extLst>
                 <a:ext uri="{FF2B5EF4-FFF2-40B4-BE49-F238E27FC236}">
-                  <a16:creationId xmlns="" xmlns:a16="http://schemas.microsoft.com/office/drawing/2014/main" id="{001E38AB-1390-ABD0-BE01-9727136FEAEE}"/>
+                  <a16:creationId xmlns:a16="http://schemas.microsoft.com/office/drawing/2014/main" id="{001E38AB-1390-ABD0-BE01-9727136FEAEE}"/>
                 </a:ext>
               </a:extLst>
             </p:cNvPr>
@@ -36331,7 +36466,7 @@
               <p:cNvPr id="47" name="Object 32">
                 <a:extLst>
                   <a:ext uri="{FF2B5EF4-FFF2-40B4-BE49-F238E27FC236}">
-                    <a16:creationId xmlns="" xmlns:a16="http://schemas.microsoft.com/office/drawing/2014/main" id="{2ED1C30F-0D0B-F86C-8215-2598D332B5A3}"/>
+                    <a16:creationId xmlns:a16="http://schemas.microsoft.com/office/drawing/2014/main" id="{2ED1C30F-0D0B-F86C-8215-2598D332B5A3}"/>
                   </a:ext>
                 </a:extLst>
               </p:cNvPr>
@@ -36362,7 +36497,7 @@
             <p:cNvPr id="45" name="그룹 1011">
               <a:extLst>
                 <a:ext uri="{FF2B5EF4-FFF2-40B4-BE49-F238E27FC236}">
-                  <a16:creationId xmlns="" xmlns:a16="http://schemas.microsoft.com/office/drawing/2014/main" id="{1BCB8DE5-ABAF-4198-BC16-85BB76F2DB24}"/>
+                  <a16:creationId xmlns:a16="http://schemas.microsoft.com/office/drawing/2014/main" id="{1BCB8DE5-ABAF-4198-BC16-85BB76F2DB24}"/>
                 </a:ext>
               </a:extLst>
             </p:cNvPr>
@@ -36382,7 +36517,7 @@
               <p:cNvPr id="46" name="Object 35">
                 <a:extLst>
                   <a:ext uri="{FF2B5EF4-FFF2-40B4-BE49-F238E27FC236}">
-                    <a16:creationId xmlns="" xmlns:a16="http://schemas.microsoft.com/office/drawing/2014/main" id="{86E7BA23-0A1E-B581-CADC-06AB269DB2BD}"/>
+                    <a16:creationId xmlns:a16="http://schemas.microsoft.com/office/drawing/2014/main" id="{86E7BA23-0A1E-B581-CADC-06AB269DB2BD}"/>
                   </a:ext>
                 </a:extLst>
               </p:cNvPr>
@@ -36414,7 +36549,7 @@
           <p:cNvPr id="49" name="TextBox 48">
             <a:extLst>
               <a:ext uri="{FF2B5EF4-FFF2-40B4-BE49-F238E27FC236}">
-                <a16:creationId xmlns="" xmlns:a16="http://schemas.microsoft.com/office/drawing/2014/main" id="{A2AD056B-97A4-5BCC-4460-250160F3E171}"/>
+                <a16:creationId xmlns:a16="http://schemas.microsoft.com/office/drawing/2014/main" id="{A2AD056B-97A4-5BCC-4460-250160F3E171}"/>
               </a:ext>
             </a:extLst>
           </p:cNvPr>
@@ -36535,7 +36670,7 @@
           <p:cNvPr id="3" name="표 2">
             <a:extLst>
               <a:ext uri="{FF2B5EF4-FFF2-40B4-BE49-F238E27FC236}">
-                <a16:creationId xmlns="" xmlns:a16="http://schemas.microsoft.com/office/drawing/2014/main" id="{6205573F-969B-52F5-5333-9EE483187CEC}"/>
+                <a16:creationId xmlns:a16="http://schemas.microsoft.com/office/drawing/2014/main" id="{6205573F-969B-52F5-5333-9EE483187CEC}"/>
               </a:ext>
             </a:extLst>
           </p:cNvPr>
@@ -36564,21 +36699,21 @@
                 <a:gridCol w="2802475">
                   <a:extLst>
                     <a:ext uri="{9D8B030D-6E8A-4147-A177-3AD203B41FA5}">
-                      <a16:colId xmlns="" xmlns:a16="http://schemas.microsoft.com/office/drawing/2014/main" val="1960770391"/>
+                      <a16:colId xmlns:a16="http://schemas.microsoft.com/office/drawing/2014/main" val="1960770391"/>
                     </a:ext>
                   </a:extLst>
                 </a:gridCol>
                 <a:gridCol w="2836664">
                   <a:extLst>
                     <a:ext uri="{9D8B030D-6E8A-4147-A177-3AD203B41FA5}">
-                      <a16:colId xmlns="" xmlns:a16="http://schemas.microsoft.com/office/drawing/2014/main" val="733308553"/>
+                      <a16:colId xmlns:a16="http://schemas.microsoft.com/office/drawing/2014/main" val="733308553"/>
                     </a:ext>
                   </a:extLst>
                 </a:gridCol>
                 <a:gridCol w="4419261">
                   <a:extLst>
                     <a:ext uri="{9D8B030D-6E8A-4147-A177-3AD203B41FA5}">
-                      <a16:colId xmlns="" xmlns:a16="http://schemas.microsoft.com/office/drawing/2014/main" val="1661322813"/>
+                      <a16:colId xmlns:a16="http://schemas.microsoft.com/office/drawing/2014/main" val="1661322813"/>
                     </a:ext>
                   </a:extLst>
                 </a:gridCol>
@@ -36775,7 +36910,7 @@
                 </a:tc>
                 <a:extLst>
                   <a:ext uri="{0D108BD9-81ED-4DB2-BD59-A6C34878D82A}">
-                    <a16:rowId xmlns="" xmlns:a16="http://schemas.microsoft.com/office/drawing/2014/main" val="2452905565"/>
+                    <a16:rowId xmlns:a16="http://schemas.microsoft.com/office/drawing/2014/main" val="2452905565"/>
                   </a:ext>
                 </a:extLst>
               </a:tr>
@@ -37000,7 +37135,7 @@
                 </a:tc>
                 <a:extLst>
                   <a:ext uri="{0D108BD9-81ED-4DB2-BD59-A6C34878D82A}">
-                    <a16:rowId xmlns="" xmlns:a16="http://schemas.microsoft.com/office/drawing/2014/main" val="3551452526"/>
+                    <a16:rowId xmlns:a16="http://schemas.microsoft.com/office/drawing/2014/main" val="3551452526"/>
                   </a:ext>
                 </a:extLst>
               </a:tr>
@@ -37193,7 +37328,7 @@
                 </a:tc>
                 <a:extLst>
                   <a:ext uri="{0D108BD9-81ED-4DB2-BD59-A6C34878D82A}">
-                    <a16:rowId xmlns="" xmlns:a16="http://schemas.microsoft.com/office/drawing/2014/main" val="3645064171"/>
+                    <a16:rowId xmlns:a16="http://schemas.microsoft.com/office/drawing/2014/main" val="3645064171"/>
                   </a:ext>
                 </a:extLst>
               </a:tr>
@@ -37386,7 +37521,7 @@
                 </a:tc>
                 <a:extLst>
                   <a:ext uri="{0D108BD9-81ED-4DB2-BD59-A6C34878D82A}">
-                    <a16:rowId xmlns="" xmlns:a16="http://schemas.microsoft.com/office/drawing/2014/main" val="2802120283"/>
+                    <a16:rowId xmlns:a16="http://schemas.microsoft.com/office/drawing/2014/main" val="2802120283"/>
                   </a:ext>
                 </a:extLst>
               </a:tr>
@@ -37579,7 +37714,7 @@
                 </a:tc>
                 <a:extLst>
                   <a:ext uri="{0D108BD9-81ED-4DB2-BD59-A6C34878D82A}">
-                    <a16:rowId xmlns="" xmlns:a16="http://schemas.microsoft.com/office/drawing/2014/main" val="1362299918"/>
+                    <a16:rowId xmlns:a16="http://schemas.microsoft.com/office/drawing/2014/main" val="1362299918"/>
                   </a:ext>
                 </a:extLst>
               </a:tr>
